--- a/COVID-19 Analysis.pptx
+++ b/COVID-19 Analysis.pptx
@@ -814,7 +814,7 @@
   <p:cSld>
     <p:spTree>
       <p:nvGrpSpPr>
-        <p:cNvPr id="185" name="Shape 185"/>
+        <p:cNvPr id="190" name="Shape 190"/>
         <p:cNvGrpSpPr/>
         <p:nvPr/>
       </p:nvGrpSpPr>
@@ -828,7 +828,7 @@
       </p:grpSpPr>
       <p:sp>
         <p:nvSpPr>
-          <p:cNvPr id="186" name="Google Shape;186;g13d29a0f314_0_71:notes"/>
+          <p:cNvPr id="191" name="Google Shape;191;g13d29a0f314_0_71:notes"/>
           <p:cNvSpPr/>
           <p:nvPr>
             <p:ph idx="2" type="sldImg"/>
@@ -863,7 +863,7 @@
       </p:sp>
       <p:sp>
         <p:nvSpPr>
-          <p:cNvPr id="187" name="Google Shape;187;g13d29a0f314_0_71:notes"/>
+          <p:cNvPr id="192" name="Google Shape;192;g13d29a0f314_0_71:notes"/>
           <p:cNvSpPr txBox="1"/>
           <p:nvPr>
             <p:ph idx="1" type="body"/>
@@ -913,7 +913,7 @@
   <p:cSld>
     <p:spTree>
       <p:nvGrpSpPr>
-        <p:cNvPr id="192" name="Shape 192"/>
+        <p:cNvPr id="197" name="Shape 197"/>
         <p:cNvGrpSpPr/>
         <p:nvPr/>
       </p:nvGrpSpPr>
@@ -927,7 +927,7 @@
       </p:grpSpPr>
       <p:sp>
         <p:nvSpPr>
-          <p:cNvPr id="193" name="Google Shape;193;g13d29a0f314_0_78:notes"/>
+          <p:cNvPr id="198" name="Google Shape;198;g13d29a0f314_0_78:notes"/>
           <p:cNvSpPr/>
           <p:nvPr>
             <p:ph idx="2" type="sldImg"/>
@@ -962,7 +962,7 @@
       </p:sp>
       <p:sp>
         <p:nvSpPr>
-          <p:cNvPr id="194" name="Google Shape;194;g13d29a0f314_0_78:notes"/>
+          <p:cNvPr id="199" name="Google Shape;199;g13d29a0f314_0_78:notes"/>
           <p:cNvSpPr txBox="1"/>
           <p:nvPr>
             <p:ph idx="1" type="body"/>
@@ -1012,7 +1012,7 @@
   <p:cSld>
     <p:spTree>
       <p:nvGrpSpPr>
-        <p:cNvPr id="199" name="Shape 199"/>
+        <p:cNvPr id="204" name="Shape 204"/>
         <p:cNvGrpSpPr/>
         <p:nvPr/>
       </p:nvGrpSpPr>
@@ -1026,7 +1026,7 @@
       </p:grpSpPr>
       <p:sp>
         <p:nvSpPr>
-          <p:cNvPr id="200" name="Google Shape;200;g13d29a0f314_0_85:notes"/>
+          <p:cNvPr id="205" name="Google Shape;205;g13d29a0f314_0_85:notes"/>
           <p:cNvSpPr/>
           <p:nvPr>
             <p:ph idx="2" type="sldImg"/>
@@ -1061,7 +1061,7 @@
       </p:sp>
       <p:sp>
         <p:nvSpPr>
-          <p:cNvPr id="201" name="Google Shape;201;g13d29a0f314_0_85:notes"/>
+          <p:cNvPr id="206" name="Google Shape;206;g13d29a0f314_0_85:notes"/>
           <p:cNvSpPr txBox="1"/>
           <p:nvPr>
             <p:ph idx="1" type="body"/>
@@ -1111,7 +1111,7 @@
   <p:cSld>
     <p:spTree>
       <p:nvGrpSpPr>
-        <p:cNvPr id="206" name="Shape 206"/>
+        <p:cNvPr id="211" name="Shape 211"/>
         <p:cNvGrpSpPr/>
         <p:nvPr/>
       </p:nvGrpSpPr>
@@ -1125,7 +1125,7 @@
       </p:grpSpPr>
       <p:sp>
         <p:nvSpPr>
-          <p:cNvPr id="207" name="Google Shape;207;gc6f9e470d_0_80:notes"/>
+          <p:cNvPr id="212" name="Google Shape;212;gc6f9e470d_0_80:notes"/>
           <p:cNvSpPr/>
           <p:nvPr>
             <p:ph idx="2" type="sldImg"/>
@@ -1160,7 +1160,7 @@
       </p:sp>
       <p:sp>
         <p:nvSpPr>
-          <p:cNvPr id="208" name="Google Shape;208;gc6f9e470d_0_80:notes"/>
+          <p:cNvPr id="213" name="Google Shape;213;gc6f9e470d_0_80:notes"/>
           <p:cNvSpPr txBox="1"/>
           <p:nvPr>
             <p:ph idx="1" type="body"/>
@@ -1210,7 +1210,7 @@
   <p:cSld>
     <p:spTree>
       <p:nvGrpSpPr>
-        <p:cNvPr id="253" name="Shape 253"/>
+        <p:cNvPr id="258" name="Shape 258"/>
         <p:cNvGrpSpPr/>
         <p:nvPr/>
       </p:nvGrpSpPr>
@@ -1224,7 +1224,7 @@
       </p:grpSpPr>
       <p:sp>
         <p:nvSpPr>
-          <p:cNvPr id="254" name="Google Shape;254;g13d29a0f314_0_91:notes"/>
+          <p:cNvPr id="259" name="Google Shape;259;g13d29a0f314_0_91:notes"/>
           <p:cNvSpPr/>
           <p:nvPr>
             <p:ph idx="2" type="sldImg"/>
@@ -1259,7 +1259,7 @@
       </p:sp>
       <p:sp>
         <p:nvSpPr>
-          <p:cNvPr id="255" name="Google Shape;255;g13d29a0f314_0_91:notes"/>
+          <p:cNvPr id="260" name="Google Shape;260;g13d29a0f314_0_91:notes"/>
           <p:cNvSpPr txBox="1"/>
           <p:nvPr>
             <p:ph idx="1" type="body"/>
@@ -1309,7 +1309,7 @@
   <p:cSld>
     <p:spTree>
       <p:nvGrpSpPr>
-        <p:cNvPr id="259" name="Shape 259"/>
+        <p:cNvPr id="264" name="Shape 264"/>
         <p:cNvGrpSpPr/>
         <p:nvPr/>
       </p:nvGrpSpPr>
@@ -1323,7 +1323,7 @@
       </p:grpSpPr>
       <p:sp>
         <p:nvSpPr>
-          <p:cNvPr id="260" name="Google Shape;260;gc6f9e470d_0_126:notes"/>
+          <p:cNvPr id="265" name="Google Shape;265;gc6f9e470d_0_126:notes"/>
           <p:cNvSpPr/>
           <p:nvPr>
             <p:ph idx="2" type="sldImg"/>
@@ -1358,7 +1358,7 @@
       </p:sp>
       <p:sp>
         <p:nvSpPr>
-          <p:cNvPr id="261" name="Google Shape;261;gc6f9e470d_0_126:notes"/>
+          <p:cNvPr id="266" name="Google Shape;266;gc6f9e470d_0_126:notes"/>
           <p:cNvSpPr txBox="1"/>
           <p:nvPr>
             <p:ph idx="1" type="body"/>
@@ -1408,7 +1408,7 @@
   <p:cSld>
     <p:spTree>
       <p:nvGrpSpPr>
-        <p:cNvPr id="299" name="Shape 299"/>
+        <p:cNvPr id="301" name="Shape 301"/>
         <p:cNvGrpSpPr/>
         <p:nvPr/>
       </p:nvGrpSpPr>
@@ -1422,7 +1422,7 @@
       </p:grpSpPr>
       <p:sp>
         <p:nvSpPr>
-          <p:cNvPr id="300" name="Google Shape;300;g13d29a0f314_0_44:notes"/>
+          <p:cNvPr id="302" name="Google Shape;302;g13d29a0f314_0_44:notes"/>
           <p:cNvSpPr/>
           <p:nvPr>
             <p:ph idx="2" type="sldImg"/>
@@ -1457,7 +1457,7 @@
       </p:sp>
       <p:sp>
         <p:nvSpPr>
-          <p:cNvPr id="301" name="Google Shape;301;g13d29a0f314_0_44:notes"/>
+          <p:cNvPr id="303" name="Google Shape;303;g13d29a0f314_0_44:notes"/>
           <p:cNvSpPr txBox="1"/>
           <p:nvPr>
             <p:ph idx="1" type="body"/>
@@ -1606,7 +1606,7 @@
   <p:cSld>
     <p:spTree>
       <p:nvGrpSpPr>
-        <p:cNvPr id="101" name="Shape 101"/>
+        <p:cNvPr id="104" name="Shape 104"/>
         <p:cNvGrpSpPr/>
         <p:nvPr/>
       </p:nvGrpSpPr>
@@ -1620,7 +1620,7 @@
       </p:grpSpPr>
       <p:sp>
         <p:nvSpPr>
-          <p:cNvPr id="102" name="Google Shape;102;gc6f9e470d_0_24:notes"/>
+          <p:cNvPr id="105" name="Google Shape;105;gc6f9e470d_0_24:notes"/>
           <p:cNvSpPr/>
           <p:nvPr>
             <p:ph idx="2" type="sldImg"/>
@@ -1655,7 +1655,7 @@
       </p:sp>
       <p:sp>
         <p:nvSpPr>
-          <p:cNvPr id="103" name="Google Shape;103;gc6f9e470d_0_24:notes"/>
+          <p:cNvPr id="106" name="Google Shape;106;gc6f9e470d_0_24:notes"/>
           <p:cNvSpPr txBox="1"/>
           <p:nvPr>
             <p:ph idx="1" type="body"/>
@@ -1705,7 +1705,7 @@
   <p:cSld>
     <p:spTree>
       <p:nvGrpSpPr>
-        <p:cNvPr id="108" name="Shape 108"/>
+        <p:cNvPr id="113" name="Shape 113"/>
         <p:cNvGrpSpPr/>
         <p:nvPr/>
       </p:nvGrpSpPr>
@@ -1719,7 +1719,7 @@
       </p:grpSpPr>
       <p:sp>
         <p:nvSpPr>
-          <p:cNvPr id="109" name="Google Shape;109;g13d29a0f314_0_5:notes"/>
+          <p:cNvPr id="114" name="Google Shape;114;g13d29a0f314_0_5:notes"/>
           <p:cNvSpPr/>
           <p:nvPr>
             <p:ph idx="2" type="sldImg"/>
@@ -1754,7 +1754,7 @@
       </p:sp>
       <p:sp>
         <p:nvSpPr>
-          <p:cNvPr id="110" name="Google Shape;110;g13d29a0f314_0_5:notes"/>
+          <p:cNvPr id="115" name="Google Shape;115;g13d29a0f314_0_5:notes"/>
           <p:cNvSpPr txBox="1"/>
           <p:nvPr>
             <p:ph idx="1" type="body"/>
@@ -1804,7 +1804,7 @@
   <p:cSld>
     <p:spTree>
       <p:nvGrpSpPr>
-        <p:cNvPr id="119" name="Shape 119"/>
+        <p:cNvPr id="124" name="Shape 124"/>
         <p:cNvGrpSpPr/>
         <p:nvPr/>
       </p:nvGrpSpPr>
@@ -1818,7 +1818,7 @@
       </p:grpSpPr>
       <p:sp>
         <p:nvSpPr>
-          <p:cNvPr id="120" name="Google Shape;120;g13d29a0f314_0_18:notes"/>
+          <p:cNvPr id="125" name="Google Shape;125;g13d29a0f314_0_18:notes"/>
           <p:cNvSpPr/>
           <p:nvPr>
             <p:ph idx="2" type="sldImg"/>
@@ -1853,7 +1853,7 @@
       </p:sp>
       <p:sp>
         <p:nvSpPr>
-          <p:cNvPr id="121" name="Google Shape;121;g13d29a0f314_0_18:notes"/>
+          <p:cNvPr id="126" name="Google Shape;126;g13d29a0f314_0_18:notes"/>
           <p:cNvSpPr txBox="1"/>
           <p:nvPr>
             <p:ph idx="1" type="body"/>
@@ -1903,7 +1903,7 @@
   <p:cSld>
     <p:spTree>
       <p:nvGrpSpPr>
-        <p:cNvPr id="130" name="Shape 130"/>
+        <p:cNvPr id="135" name="Shape 135"/>
         <p:cNvGrpSpPr/>
         <p:nvPr/>
       </p:nvGrpSpPr>
@@ -1917,7 +1917,7 @@
       </p:grpSpPr>
       <p:sp>
         <p:nvSpPr>
-          <p:cNvPr id="131" name="Google Shape;131;gc6f9e470d_0_43:notes"/>
+          <p:cNvPr id="136" name="Google Shape;136;gc6f9e470d_0_43:notes"/>
           <p:cNvSpPr/>
           <p:nvPr>
             <p:ph idx="2" type="sldImg"/>
@@ -1952,7 +1952,7 @@
       </p:sp>
       <p:sp>
         <p:nvSpPr>
-          <p:cNvPr id="132" name="Google Shape;132;gc6f9e470d_0_43:notes"/>
+          <p:cNvPr id="137" name="Google Shape;137;gc6f9e470d_0_43:notes"/>
           <p:cNvSpPr txBox="1"/>
           <p:nvPr>
             <p:ph idx="1" type="body"/>
@@ -2002,7 +2002,7 @@
   <p:cSld>
     <p:spTree>
       <p:nvGrpSpPr>
-        <p:cNvPr id="135" name="Shape 135"/>
+        <p:cNvPr id="140" name="Shape 140"/>
         <p:cNvGrpSpPr/>
         <p:nvPr/>
       </p:nvGrpSpPr>
@@ -2016,7 +2016,7 @@
       </p:grpSpPr>
       <p:sp>
         <p:nvSpPr>
-          <p:cNvPr id="136" name="Google Shape;136;gc6f9e470d_0_47:notes"/>
+          <p:cNvPr id="141" name="Google Shape;141;gc6f9e470d_0_47:notes"/>
           <p:cNvSpPr/>
           <p:nvPr>
             <p:ph idx="2" type="sldImg"/>
@@ -2051,7 +2051,7 @@
       </p:sp>
       <p:sp>
         <p:nvSpPr>
-          <p:cNvPr id="137" name="Google Shape;137;gc6f9e470d_0_47:notes"/>
+          <p:cNvPr id="142" name="Google Shape;142;gc6f9e470d_0_47:notes"/>
           <p:cNvSpPr txBox="1"/>
           <p:nvPr>
             <p:ph idx="1" type="body"/>
@@ -2101,7 +2101,7 @@
   <p:cSld>
     <p:spTree>
       <p:nvGrpSpPr>
-        <p:cNvPr id="164" name="Shape 164"/>
+        <p:cNvPr id="169" name="Shape 169"/>
         <p:cNvGrpSpPr/>
         <p:nvPr/>
       </p:nvGrpSpPr>
@@ -2115,7 +2115,7 @@
       </p:grpSpPr>
       <p:sp>
         <p:nvSpPr>
-          <p:cNvPr id="165" name="Google Shape;165;g13d29a0f314_0_61:notes"/>
+          <p:cNvPr id="170" name="Google Shape;170;g13d29a0f314_0_61:notes"/>
           <p:cNvSpPr/>
           <p:nvPr>
             <p:ph idx="2" type="sldImg"/>
@@ -2150,7 +2150,7 @@
       </p:sp>
       <p:sp>
         <p:nvSpPr>
-          <p:cNvPr id="166" name="Google Shape;166;g13d29a0f314_0_61:notes"/>
+          <p:cNvPr id="171" name="Google Shape;171;g13d29a0f314_0_61:notes"/>
           <p:cNvSpPr txBox="1"/>
           <p:nvPr>
             <p:ph idx="1" type="body"/>
@@ -2200,7 +2200,7 @@
   <p:cSld>
     <p:spTree>
       <p:nvGrpSpPr>
-        <p:cNvPr id="171" name="Shape 171"/>
+        <p:cNvPr id="176" name="Shape 176"/>
         <p:cNvGrpSpPr/>
         <p:nvPr/>
       </p:nvGrpSpPr>
@@ -2214,7 +2214,7 @@
       </p:grpSpPr>
       <p:sp>
         <p:nvSpPr>
-          <p:cNvPr id="172" name="Google Shape;172;g13d29a0f314_0_31:notes"/>
+          <p:cNvPr id="177" name="Google Shape;177;g13d29a0f314_0_31:notes"/>
           <p:cNvSpPr/>
           <p:nvPr>
             <p:ph idx="2" type="sldImg"/>
@@ -2249,7 +2249,7 @@
       </p:sp>
       <p:sp>
         <p:nvSpPr>
-          <p:cNvPr id="173" name="Google Shape;173;g13d29a0f314_0_31:notes"/>
+          <p:cNvPr id="178" name="Google Shape;178;g13d29a0f314_0_31:notes"/>
           <p:cNvSpPr txBox="1"/>
           <p:nvPr>
             <p:ph idx="1" type="body"/>
@@ -9062,7 +9062,7 @@
   <p:cSld>
     <p:spTree>
       <p:nvGrpSpPr>
-        <p:cNvPr id="188" name="Shape 188"/>
+        <p:cNvPr id="193" name="Shape 193"/>
         <p:cNvGrpSpPr/>
         <p:nvPr/>
       </p:nvGrpSpPr>
@@ -9076,7 +9076,7 @@
       </p:grpSpPr>
       <p:sp>
         <p:nvSpPr>
-          <p:cNvPr id="189" name="Google Shape;189;p22"/>
+          <p:cNvPr id="194" name="Google Shape;194;p22"/>
           <p:cNvSpPr txBox="1"/>
           <p:nvPr>
             <p:ph type="title"/>
@@ -9116,7 +9116,7 @@
       </p:sp>
       <p:sp>
         <p:nvSpPr>
-          <p:cNvPr id="190" name="Google Shape;190;p22"/>
+          <p:cNvPr id="195" name="Google Shape;195;p22"/>
           <p:cNvSpPr/>
           <p:nvPr/>
         </p:nvSpPr>
@@ -9161,7 +9161,7 @@
       </p:sp>
       <p:sp>
         <p:nvSpPr>
-          <p:cNvPr id="191" name="Google Shape;191;p22"/>
+          <p:cNvPr id="196" name="Google Shape;196;p22"/>
           <p:cNvSpPr txBox="1"/>
           <p:nvPr/>
         </p:nvSpPr>
@@ -9283,7 +9283,7 @@
   <p:cSld>
     <p:spTree>
       <p:nvGrpSpPr>
-        <p:cNvPr id="195" name="Shape 195"/>
+        <p:cNvPr id="200" name="Shape 200"/>
         <p:cNvGrpSpPr/>
         <p:nvPr/>
       </p:nvGrpSpPr>
@@ -9297,7 +9297,7 @@
       </p:grpSpPr>
       <p:sp>
         <p:nvSpPr>
-          <p:cNvPr id="196" name="Google Shape;196;p23"/>
+          <p:cNvPr id="201" name="Google Shape;201;p23"/>
           <p:cNvSpPr txBox="1"/>
           <p:nvPr>
             <p:ph type="title"/>
@@ -9337,7 +9337,7 @@
       </p:sp>
       <p:sp>
         <p:nvSpPr>
-          <p:cNvPr id="197" name="Google Shape;197;p23"/>
+          <p:cNvPr id="202" name="Google Shape;202;p23"/>
           <p:cNvSpPr/>
           <p:nvPr/>
         </p:nvSpPr>
@@ -9382,7 +9382,7 @@
       </p:sp>
       <p:sp>
         <p:nvSpPr>
-          <p:cNvPr id="198" name="Google Shape;198;p23"/>
+          <p:cNvPr id="203" name="Google Shape;203;p23"/>
           <p:cNvSpPr txBox="1"/>
           <p:nvPr/>
         </p:nvSpPr>
@@ -9504,7 +9504,7 @@
   <p:cSld>
     <p:spTree>
       <p:nvGrpSpPr>
-        <p:cNvPr id="202" name="Shape 202"/>
+        <p:cNvPr id="207" name="Shape 207"/>
         <p:cNvGrpSpPr/>
         <p:nvPr/>
       </p:nvGrpSpPr>
@@ -9518,7 +9518,7 @@
       </p:grpSpPr>
       <p:sp>
         <p:nvSpPr>
-          <p:cNvPr id="203" name="Google Shape;203;p24"/>
+          <p:cNvPr id="208" name="Google Shape;208;p24"/>
           <p:cNvSpPr txBox="1"/>
           <p:nvPr>
             <p:ph type="title"/>
@@ -9558,7 +9558,7 @@
       </p:sp>
       <p:sp>
         <p:nvSpPr>
-          <p:cNvPr id="204" name="Google Shape;204;p24"/>
+          <p:cNvPr id="209" name="Google Shape;209;p24"/>
           <p:cNvSpPr txBox="1"/>
           <p:nvPr>
             <p:ph idx="4294967295" type="body"/>
@@ -9652,7 +9652,7 @@
       </p:sp>
       <p:sp>
         <p:nvSpPr>
-          <p:cNvPr id="205" name="Google Shape;205;p24"/>
+          <p:cNvPr id="210" name="Google Shape;210;p24"/>
           <p:cNvSpPr/>
           <p:nvPr/>
         </p:nvSpPr>
@@ -9708,7 +9708,7 @@
   <p:cSld>
     <p:spTree>
       <p:nvGrpSpPr>
-        <p:cNvPr id="209" name="Shape 209"/>
+        <p:cNvPr id="214" name="Shape 214"/>
         <p:cNvGrpSpPr/>
         <p:nvPr/>
       </p:nvGrpSpPr>
@@ -9722,7 +9722,7 @@
       </p:grpSpPr>
       <p:sp>
         <p:nvSpPr>
-          <p:cNvPr id="210" name="Google Shape;210;p25"/>
+          <p:cNvPr id="215" name="Google Shape;215;p25"/>
           <p:cNvSpPr txBox="1"/>
           <p:nvPr>
             <p:ph type="title"/>
@@ -9770,7 +9770,7 @@
       </p:sp>
       <p:sp>
         <p:nvSpPr>
-          <p:cNvPr id="211" name="Google Shape;211;p25"/>
+          <p:cNvPr id="216" name="Google Shape;216;p25"/>
           <p:cNvSpPr/>
           <p:nvPr/>
         </p:nvSpPr>
@@ -9817,7 +9817,7 @@
       </p:sp>
       <p:sp>
         <p:nvSpPr>
-          <p:cNvPr id="212" name="Google Shape;212;p25"/>
+          <p:cNvPr id="217" name="Google Shape;217;p25"/>
           <p:cNvSpPr/>
           <p:nvPr/>
         </p:nvSpPr>
@@ -9860,7 +9860,7 @@
       </p:sp>
       <p:sp>
         <p:nvSpPr>
-          <p:cNvPr id="213" name="Google Shape;213;p25"/>
+          <p:cNvPr id="218" name="Google Shape;218;p25"/>
           <p:cNvSpPr txBox="1"/>
           <p:nvPr>
             <p:ph idx="4294967295" type="body"/>
@@ -9911,7 +9911,7 @@
       </p:sp>
       <p:sp>
         <p:nvSpPr>
-          <p:cNvPr id="214" name="Google Shape;214;p25"/>
+          <p:cNvPr id="219" name="Google Shape;219;p25"/>
           <p:cNvSpPr txBox="1"/>
           <p:nvPr>
             <p:ph idx="4294967295" type="body"/>
@@ -9962,7 +9962,7 @@
       </p:sp>
       <p:grpSp>
         <p:nvGrpSpPr>
-          <p:cNvPr id="215" name="Google Shape;215;p25"/>
+          <p:cNvPr id="220" name="Google Shape;220;p25"/>
           <p:cNvGrpSpPr/>
           <p:nvPr/>
         </p:nvGrpSpPr>
@@ -9976,10 +9976,10 @@
         </p:grpSpPr>
         <p:cxnSp>
           <p:nvCxnSpPr>
-            <p:cNvPr id="216" name="Google Shape;216;p25"/>
+            <p:cNvPr id="221" name="Google Shape;221;p25"/>
             <p:cNvCxnSpPr>
-              <a:stCxn id="211" idx="2"/>
-              <a:endCxn id="217" idx="0"/>
+              <a:stCxn id="216" idx="2"/>
+              <a:endCxn id="222" idx="0"/>
             </p:cNvCxnSpPr>
             <p:nvPr/>
           </p:nvCxnSpPr>
@@ -10009,10 +10009,10 @@
         </p:cxnSp>
         <p:cxnSp>
           <p:nvCxnSpPr>
-            <p:cNvPr id="218" name="Google Shape;218;p25"/>
+            <p:cNvPr id="223" name="Google Shape;223;p25"/>
             <p:cNvCxnSpPr>
-              <a:stCxn id="211" idx="2"/>
-              <a:endCxn id="219" idx="0"/>
+              <a:stCxn id="216" idx="2"/>
+              <a:endCxn id="224" idx="0"/>
             </p:cNvCxnSpPr>
             <p:nvPr/>
           </p:nvCxnSpPr>
@@ -10041,7 +10041,7 @@
       </p:grpSp>
       <p:sp>
         <p:nvSpPr>
-          <p:cNvPr id="220" name="Google Shape;220;p25"/>
+          <p:cNvPr id="225" name="Google Shape;225;p25"/>
           <p:cNvSpPr/>
           <p:nvPr/>
         </p:nvSpPr>
@@ -10088,7 +10088,7 @@
       </p:sp>
       <p:sp>
         <p:nvSpPr>
-          <p:cNvPr id="217" name="Google Shape;217;p25"/>
+          <p:cNvPr id="222" name="Google Shape;222;p25"/>
           <p:cNvSpPr/>
           <p:nvPr/>
         </p:nvSpPr>
@@ -10131,7 +10131,7 @@
       </p:sp>
       <p:sp>
         <p:nvSpPr>
-          <p:cNvPr id="221" name="Google Shape;221;p25"/>
+          <p:cNvPr id="226" name="Google Shape;226;p25"/>
           <p:cNvSpPr txBox="1"/>
           <p:nvPr>
             <p:ph idx="4294967295" type="body"/>
@@ -10182,7 +10182,7 @@
       </p:sp>
       <p:sp>
         <p:nvSpPr>
-          <p:cNvPr id="222" name="Google Shape;222;p25"/>
+          <p:cNvPr id="227" name="Google Shape;227;p25"/>
           <p:cNvSpPr txBox="1"/>
           <p:nvPr>
             <p:ph idx="4294967295" type="body"/>
@@ -10233,7 +10233,7 @@
       </p:sp>
       <p:grpSp>
         <p:nvGrpSpPr>
-          <p:cNvPr id="223" name="Google Shape;223;p25"/>
+          <p:cNvPr id="228" name="Google Shape;228;p25"/>
           <p:cNvGrpSpPr/>
           <p:nvPr/>
         </p:nvGrpSpPr>
@@ -10247,10 +10247,10 @@
         </p:grpSpPr>
         <p:cxnSp>
           <p:nvCxnSpPr>
-            <p:cNvPr id="224" name="Google Shape;224;p25"/>
+            <p:cNvPr id="229" name="Google Shape;229;p25"/>
             <p:cNvCxnSpPr>
-              <a:stCxn id="220" idx="2"/>
-              <a:endCxn id="225" idx="0"/>
+              <a:stCxn id="225" idx="2"/>
+              <a:endCxn id="230" idx="0"/>
             </p:cNvCxnSpPr>
             <p:nvPr/>
           </p:nvCxnSpPr>
@@ -10276,10 +10276,10 @@
         </p:cxnSp>
         <p:cxnSp>
           <p:nvCxnSpPr>
-            <p:cNvPr id="226" name="Google Shape;226;p25"/>
+            <p:cNvPr id="231" name="Google Shape;231;p25"/>
             <p:cNvCxnSpPr>
-              <a:stCxn id="220" idx="2"/>
-              <a:endCxn id="227" idx="0"/>
+              <a:stCxn id="225" idx="2"/>
+              <a:endCxn id="232" idx="0"/>
             </p:cNvCxnSpPr>
             <p:nvPr/>
           </p:nvCxnSpPr>
@@ -10307,10 +10307,10 @@
         </p:cxnSp>
         <p:cxnSp>
           <p:nvCxnSpPr>
-            <p:cNvPr id="228" name="Google Shape;228;p25"/>
+            <p:cNvPr id="233" name="Google Shape;233;p25"/>
             <p:cNvCxnSpPr>
-              <a:stCxn id="220" idx="2"/>
-              <a:endCxn id="229" idx="0"/>
+              <a:stCxn id="225" idx="2"/>
+              <a:endCxn id="234" idx="0"/>
             </p:cNvCxnSpPr>
             <p:nvPr/>
           </p:nvCxnSpPr>
@@ -10339,7 +10339,7 @@
       </p:grpSp>
       <p:sp>
         <p:nvSpPr>
-          <p:cNvPr id="230" name="Google Shape;230;p25"/>
+          <p:cNvPr id="235" name="Google Shape;235;p25"/>
           <p:cNvSpPr/>
           <p:nvPr/>
         </p:nvSpPr>
@@ -10386,7 +10386,7 @@
       </p:sp>
       <p:sp>
         <p:nvSpPr>
-          <p:cNvPr id="227" name="Google Shape;227;p25"/>
+          <p:cNvPr id="232" name="Google Shape;232;p25"/>
           <p:cNvSpPr/>
           <p:nvPr/>
         </p:nvSpPr>
@@ -10429,7 +10429,7 @@
       </p:sp>
       <p:sp>
         <p:nvSpPr>
-          <p:cNvPr id="231" name="Google Shape;231;p25"/>
+          <p:cNvPr id="236" name="Google Shape;236;p25"/>
           <p:cNvSpPr txBox="1"/>
           <p:nvPr>
             <p:ph idx="4294967295" type="body"/>
@@ -10480,7 +10480,7 @@
       </p:sp>
       <p:sp>
         <p:nvSpPr>
-          <p:cNvPr id="232" name="Google Shape;232;p25"/>
+          <p:cNvPr id="237" name="Google Shape;237;p25"/>
           <p:cNvSpPr txBox="1"/>
           <p:nvPr>
             <p:ph idx="4294967295" type="body"/>
@@ -10531,7 +10531,7 @@
       </p:sp>
       <p:sp>
         <p:nvSpPr>
-          <p:cNvPr id="233" name="Google Shape;233;p25"/>
+          <p:cNvPr id="238" name="Google Shape;238;p25"/>
           <p:cNvSpPr/>
           <p:nvPr/>
         </p:nvSpPr>
@@ -10578,7 +10578,7 @@
       </p:sp>
       <p:sp>
         <p:nvSpPr>
-          <p:cNvPr id="225" name="Google Shape;225;p25"/>
+          <p:cNvPr id="230" name="Google Shape;230;p25"/>
           <p:cNvSpPr/>
           <p:nvPr/>
         </p:nvSpPr>
@@ -10621,7 +10621,7 @@
       </p:sp>
       <p:sp>
         <p:nvSpPr>
-          <p:cNvPr id="234" name="Google Shape;234;p25"/>
+          <p:cNvPr id="239" name="Google Shape;239;p25"/>
           <p:cNvSpPr txBox="1"/>
           <p:nvPr>
             <p:ph idx="4294967295" type="body"/>
@@ -10672,7 +10672,7 @@
       </p:sp>
       <p:sp>
         <p:nvSpPr>
-          <p:cNvPr id="235" name="Google Shape;235;p25"/>
+          <p:cNvPr id="240" name="Google Shape;240;p25"/>
           <p:cNvSpPr txBox="1"/>
           <p:nvPr>
             <p:ph idx="4294967295" type="body"/>
@@ -10723,7 +10723,7 @@
       </p:sp>
       <p:sp>
         <p:nvSpPr>
-          <p:cNvPr id="236" name="Google Shape;236;p25"/>
+          <p:cNvPr id="241" name="Google Shape;241;p25"/>
           <p:cNvSpPr/>
           <p:nvPr/>
         </p:nvSpPr>
@@ -10770,7 +10770,7 @@
       </p:sp>
       <p:sp>
         <p:nvSpPr>
-          <p:cNvPr id="229" name="Google Shape;229;p25"/>
+          <p:cNvPr id="234" name="Google Shape;234;p25"/>
           <p:cNvSpPr/>
           <p:nvPr/>
         </p:nvSpPr>
@@ -10813,7 +10813,7 @@
       </p:sp>
       <p:sp>
         <p:nvSpPr>
-          <p:cNvPr id="237" name="Google Shape;237;p25"/>
+          <p:cNvPr id="242" name="Google Shape;242;p25"/>
           <p:cNvSpPr txBox="1"/>
           <p:nvPr>
             <p:ph idx="4294967295" type="body"/>
@@ -10864,7 +10864,7 @@
       </p:sp>
       <p:sp>
         <p:nvSpPr>
-          <p:cNvPr id="238" name="Google Shape;238;p25"/>
+          <p:cNvPr id="243" name="Google Shape;243;p25"/>
           <p:cNvSpPr txBox="1"/>
           <p:nvPr>
             <p:ph idx="4294967295" type="body"/>
@@ -10915,7 +10915,7 @@
       </p:sp>
       <p:sp>
         <p:nvSpPr>
-          <p:cNvPr id="239" name="Google Shape;239;p25"/>
+          <p:cNvPr id="244" name="Google Shape;244;p25"/>
           <p:cNvSpPr/>
           <p:nvPr/>
         </p:nvSpPr>
@@ -10962,7 +10962,7 @@
       </p:sp>
       <p:sp>
         <p:nvSpPr>
-          <p:cNvPr id="219" name="Google Shape;219;p25"/>
+          <p:cNvPr id="224" name="Google Shape;224;p25"/>
           <p:cNvSpPr/>
           <p:nvPr/>
         </p:nvSpPr>
@@ -11005,7 +11005,7 @@
       </p:sp>
       <p:sp>
         <p:nvSpPr>
-          <p:cNvPr id="240" name="Google Shape;240;p25"/>
+          <p:cNvPr id="245" name="Google Shape;245;p25"/>
           <p:cNvSpPr txBox="1"/>
           <p:nvPr>
             <p:ph idx="4294967295" type="body"/>
@@ -11056,7 +11056,7 @@
       </p:sp>
       <p:sp>
         <p:nvSpPr>
-          <p:cNvPr id="241" name="Google Shape;241;p25"/>
+          <p:cNvPr id="246" name="Google Shape;246;p25"/>
           <p:cNvSpPr txBox="1"/>
           <p:nvPr>
             <p:ph idx="4294967295" type="body"/>
@@ -11107,7 +11107,7 @@
       </p:sp>
       <p:grpSp>
         <p:nvGrpSpPr>
-          <p:cNvPr id="242" name="Google Shape;242;p25"/>
+          <p:cNvPr id="247" name="Google Shape;247;p25"/>
           <p:cNvGrpSpPr/>
           <p:nvPr/>
         </p:nvGrpSpPr>
@@ -11121,10 +11121,10 @@
         </p:grpSpPr>
         <p:cxnSp>
           <p:nvCxnSpPr>
-            <p:cNvPr id="243" name="Google Shape;243;p25"/>
+            <p:cNvPr id="248" name="Google Shape;248;p25"/>
             <p:cNvCxnSpPr>
-              <a:stCxn id="239" idx="2"/>
-              <a:endCxn id="244" idx="0"/>
+              <a:stCxn id="244" idx="2"/>
+              <a:endCxn id="249" idx="0"/>
             </p:cNvCxnSpPr>
             <p:nvPr/>
           </p:nvCxnSpPr>
@@ -11152,10 +11152,10 @@
         </p:cxnSp>
         <p:cxnSp>
           <p:nvCxnSpPr>
-            <p:cNvPr id="245" name="Google Shape;245;p25"/>
+            <p:cNvPr id="250" name="Google Shape;250;p25"/>
             <p:cNvCxnSpPr>
-              <a:stCxn id="239" idx="2"/>
-              <a:endCxn id="246" idx="0"/>
+              <a:stCxn id="244" idx="2"/>
+              <a:endCxn id="251" idx="0"/>
             </p:cNvCxnSpPr>
             <p:nvPr/>
           </p:nvCxnSpPr>
@@ -11184,7 +11184,7 @@
       </p:grpSp>
       <p:sp>
         <p:nvSpPr>
-          <p:cNvPr id="247" name="Google Shape;247;p25"/>
+          <p:cNvPr id="252" name="Google Shape;252;p25"/>
           <p:cNvSpPr/>
           <p:nvPr/>
         </p:nvSpPr>
@@ -11231,7 +11231,7 @@
       </p:sp>
       <p:sp>
         <p:nvSpPr>
-          <p:cNvPr id="244" name="Google Shape;244;p25"/>
+          <p:cNvPr id="249" name="Google Shape;249;p25"/>
           <p:cNvSpPr/>
           <p:nvPr/>
         </p:nvSpPr>
@@ -11274,7 +11274,7 @@
       </p:sp>
       <p:sp>
         <p:nvSpPr>
-          <p:cNvPr id="248" name="Google Shape;248;p25"/>
+          <p:cNvPr id="253" name="Google Shape;253;p25"/>
           <p:cNvSpPr txBox="1"/>
           <p:nvPr>
             <p:ph idx="4294967295" type="body"/>
@@ -11325,7 +11325,7 @@
       </p:sp>
       <p:sp>
         <p:nvSpPr>
-          <p:cNvPr id="249" name="Google Shape;249;p25"/>
+          <p:cNvPr id="254" name="Google Shape;254;p25"/>
           <p:cNvSpPr txBox="1"/>
           <p:nvPr>
             <p:ph idx="4294967295" type="body"/>
@@ -11376,7 +11376,7 @@
       </p:sp>
       <p:sp>
         <p:nvSpPr>
-          <p:cNvPr id="250" name="Google Shape;250;p25"/>
+          <p:cNvPr id="255" name="Google Shape;255;p25"/>
           <p:cNvSpPr/>
           <p:nvPr/>
         </p:nvSpPr>
@@ -11423,7 +11423,7 @@
       </p:sp>
       <p:sp>
         <p:nvSpPr>
-          <p:cNvPr id="246" name="Google Shape;246;p25"/>
+          <p:cNvPr id="251" name="Google Shape;251;p25"/>
           <p:cNvSpPr/>
           <p:nvPr/>
         </p:nvSpPr>
@@ -11466,7 +11466,7 @@
       </p:sp>
       <p:sp>
         <p:nvSpPr>
-          <p:cNvPr id="251" name="Google Shape;251;p25"/>
+          <p:cNvPr id="256" name="Google Shape;256;p25"/>
           <p:cNvSpPr txBox="1"/>
           <p:nvPr>
             <p:ph idx="4294967295" type="body"/>
@@ -11517,7 +11517,7 @@
       </p:sp>
       <p:sp>
         <p:nvSpPr>
-          <p:cNvPr id="252" name="Google Shape;252;p25"/>
+          <p:cNvPr id="257" name="Google Shape;257;p25"/>
           <p:cNvSpPr txBox="1"/>
           <p:nvPr>
             <p:ph idx="4294967295" type="body"/>
@@ -11579,7 +11579,7 @@
   <p:cSld>
     <p:spTree>
       <p:nvGrpSpPr>
-        <p:cNvPr id="256" name="Shape 256"/>
+        <p:cNvPr id="261" name="Shape 261"/>
         <p:cNvGrpSpPr/>
         <p:nvPr/>
       </p:nvGrpSpPr>
@@ -11593,7 +11593,7 @@
       </p:grpSpPr>
       <p:sp>
         <p:nvSpPr>
-          <p:cNvPr id="257" name="Google Shape;257;p26"/>
+          <p:cNvPr id="262" name="Google Shape;262;p26"/>
           <p:cNvSpPr txBox="1"/>
           <p:nvPr>
             <p:ph type="title"/>
@@ -11648,7 +11648,7 @@
       </p:sp>
       <p:sp>
         <p:nvSpPr>
-          <p:cNvPr id="258" name="Google Shape;258;p26"/>
+          <p:cNvPr id="263" name="Google Shape;263;p26"/>
           <p:cNvSpPr txBox="1"/>
           <p:nvPr>
             <p:ph idx="2" type="body"/>
@@ -11808,7 +11808,7 @@
   <p:cSld>
     <p:spTree>
       <p:nvGrpSpPr>
-        <p:cNvPr id="262" name="Shape 262"/>
+        <p:cNvPr id="267" name="Shape 267"/>
         <p:cNvGrpSpPr/>
         <p:nvPr/>
       </p:nvGrpSpPr>
@@ -11822,7 +11822,7 @@
       </p:grpSpPr>
       <p:grpSp>
         <p:nvGrpSpPr>
-          <p:cNvPr id="263" name="Google Shape;263;p27"/>
+          <p:cNvPr id="268" name="Google Shape;268;p27"/>
           <p:cNvGrpSpPr/>
           <p:nvPr/>
         </p:nvGrpSpPr>
@@ -11836,7 +11836,7 @@
         </p:grpSpPr>
         <p:cxnSp>
           <p:nvCxnSpPr>
-            <p:cNvPr id="264" name="Google Shape;264;p27"/>
+            <p:cNvPr id="269" name="Google Shape;269;p27"/>
             <p:cNvCxnSpPr/>
             <p:nvPr/>
           </p:nvCxnSpPr>
@@ -11862,7 +11862,7 @@
         </p:cxnSp>
         <p:cxnSp>
           <p:nvCxnSpPr>
-            <p:cNvPr id="265" name="Google Shape;265;p27"/>
+            <p:cNvPr id="270" name="Google Shape;270;p27"/>
             <p:cNvCxnSpPr/>
             <p:nvPr/>
           </p:nvCxnSpPr>
@@ -11888,7 +11888,7 @@
         </p:cxnSp>
         <p:cxnSp>
           <p:nvCxnSpPr>
-            <p:cNvPr id="266" name="Google Shape;266;p27"/>
+            <p:cNvPr id="271" name="Google Shape;271;p27"/>
             <p:cNvCxnSpPr/>
             <p:nvPr/>
           </p:nvCxnSpPr>
@@ -11914,7 +11914,7 @@
         </p:cxnSp>
         <p:cxnSp>
           <p:nvCxnSpPr>
-            <p:cNvPr id="267" name="Google Shape;267;p27"/>
+            <p:cNvPr id="272" name="Google Shape;272;p27"/>
             <p:cNvCxnSpPr/>
             <p:nvPr/>
           </p:nvCxnSpPr>
@@ -11940,7 +11940,7 @@
         </p:cxnSp>
         <p:cxnSp>
           <p:nvCxnSpPr>
-            <p:cNvPr id="268" name="Google Shape;268;p27"/>
+            <p:cNvPr id="273" name="Google Shape;273;p27"/>
             <p:cNvCxnSpPr/>
             <p:nvPr/>
           </p:nvCxnSpPr>
@@ -11966,7 +11966,7 @@
         </p:cxnSp>
         <p:cxnSp>
           <p:nvCxnSpPr>
-            <p:cNvPr id="269" name="Google Shape;269;p27"/>
+            <p:cNvPr id="274" name="Google Shape;274;p27"/>
             <p:cNvCxnSpPr/>
             <p:nvPr/>
           </p:nvCxnSpPr>
@@ -11992,7 +11992,7 @@
         </p:cxnSp>
         <p:cxnSp>
           <p:nvCxnSpPr>
-            <p:cNvPr id="270" name="Google Shape;270;p27"/>
+            <p:cNvPr id="275" name="Google Shape;275;p27"/>
             <p:cNvCxnSpPr/>
             <p:nvPr/>
           </p:nvCxnSpPr>
@@ -12018,7 +12018,7 @@
         </p:cxnSp>
         <p:cxnSp>
           <p:nvCxnSpPr>
-            <p:cNvPr id="271" name="Google Shape;271;p27"/>
+            <p:cNvPr id="276" name="Google Shape;276;p27"/>
             <p:cNvCxnSpPr/>
             <p:nvPr/>
           </p:nvCxnSpPr>
@@ -12044,7 +12044,7 @@
         </p:cxnSp>
         <p:cxnSp>
           <p:nvCxnSpPr>
-            <p:cNvPr id="272" name="Google Shape;272;p27"/>
+            <p:cNvPr id="277" name="Google Shape;277;p27"/>
             <p:cNvCxnSpPr/>
             <p:nvPr/>
           </p:nvCxnSpPr>
@@ -12070,7 +12070,7 @@
         </p:cxnSp>
         <p:cxnSp>
           <p:nvCxnSpPr>
-            <p:cNvPr id="273" name="Google Shape;273;p27"/>
+            <p:cNvPr id="278" name="Google Shape;278;p27"/>
             <p:cNvCxnSpPr/>
             <p:nvPr/>
           </p:nvCxnSpPr>
@@ -12097,54 +12097,7 @@
       </p:grpSp>
       <p:sp>
         <p:nvSpPr>
-          <p:cNvPr id="274" name="Google Shape;274;p27"/>
-          <p:cNvSpPr/>
-          <p:nvPr/>
-        </p:nvSpPr>
-        <p:spPr>
-          <a:xfrm>
-            <a:off x="7014920" y="2133119"/>
-            <a:ext cx="286500" cy="286500"/>
-          </a:xfrm>
-          <a:prstGeom prst="ellipse">
-            <a:avLst/>
-          </a:prstGeom>
-          <a:noFill/>
-          <a:ln cap="flat" cmpd="sng" w="19050">
-            <a:solidFill>
-              <a:schemeClr val="accent5"/>
-            </a:solidFill>
-            <a:prstDash val="solid"/>
-            <a:round/>
-            <a:headEnd len="sm" w="sm" type="none"/>
-            <a:tailEnd len="sm" w="sm" type="none"/>
-          </a:ln>
-        </p:spPr>
-        <p:txBody>
-          <a:bodyPr anchorCtr="0" anchor="ctr" bIns="91425" lIns="91425" spcFirstLastPara="1" rIns="91425" wrap="square" tIns="91425">
-            <a:noAutofit/>
-          </a:bodyPr>
-          <a:lstStyle/>
-          <a:p>
-            <a:pPr indent="0" lvl="0" marL="0" rtl="0" algn="l">
-              <a:spcBef>
-                <a:spcPts val="0"/>
-              </a:spcBef>
-              <a:spcAft>
-                <a:spcPts val="0"/>
-              </a:spcAft>
-              <a:buNone/>
-            </a:pPr>
-            <a:r>
-              <a:t/>
-            </a:r>
-            <a:endParaRPr/>
-          </a:p>
-        </p:txBody>
-      </p:sp>
-      <p:sp>
-        <p:nvSpPr>
-          <p:cNvPr id="275" name="Google Shape;275;p27"/>
+          <p:cNvPr id="279" name="Google Shape;279;p27"/>
           <p:cNvSpPr txBox="1"/>
           <p:nvPr>
             <p:ph type="title"/>
@@ -12182,49 +12135,9 @@
           </a:p>
         </p:txBody>
       </p:sp>
-      <p:sp>
-        <p:nvSpPr>
-          <p:cNvPr id="276" name="Google Shape;276;p27"/>
-          <p:cNvSpPr txBox="1"/>
-          <p:nvPr>
-            <p:ph idx="1" type="subTitle"/>
-          </p:nvPr>
-        </p:nvSpPr>
-        <p:spPr>
-          <a:xfrm>
-            <a:off x="265500" y="2769001"/>
-            <a:ext cx="4045200" cy="1269300"/>
-          </a:xfrm>
-          <a:prstGeom prst="rect">
-            <a:avLst/>
-          </a:prstGeom>
-        </p:spPr>
-        <p:txBody>
-          <a:bodyPr anchorCtr="0" anchor="t" bIns="91425" lIns="91425" spcFirstLastPara="1" rIns="91425" wrap="square" tIns="91425">
-            <a:noAutofit/>
-          </a:bodyPr>
-          <a:lstStyle/>
-          <a:p>
-            <a:pPr indent="0" lvl="0" marL="0" rtl="0" algn="ctr">
-              <a:spcBef>
-                <a:spcPts val="0"/>
-              </a:spcBef>
-              <a:spcAft>
-                <a:spcPts val="0"/>
-              </a:spcAft>
-              <a:buNone/>
-            </a:pPr>
-            <a:r>
-              <a:rPr lang="en"/>
-              <a:t>XX% sales increase</a:t>
-            </a:r>
-            <a:endParaRPr/>
-          </a:p>
-        </p:txBody>
-      </p:sp>
       <p:grpSp>
         <p:nvGrpSpPr>
-          <p:cNvPr id="277" name="Google Shape;277;p27"/>
+          <p:cNvPr id="280" name="Google Shape;280;p27"/>
           <p:cNvGrpSpPr/>
           <p:nvPr/>
         </p:nvGrpSpPr>
@@ -12238,7 +12151,7 @@
         </p:grpSpPr>
         <p:sp>
           <p:nvSpPr>
-            <p:cNvPr id="278" name="Google Shape;278;p27"/>
+            <p:cNvPr id="281" name="Google Shape;281;p27"/>
             <p:cNvSpPr/>
             <p:nvPr/>
           </p:nvSpPr>
@@ -12316,7 +12229,7 @@
         </p:sp>
         <p:sp>
           <p:nvSpPr>
-            <p:cNvPr id="279" name="Google Shape;279;p27"/>
+            <p:cNvPr id="282" name="Google Shape;282;p27"/>
             <p:cNvSpPr/>
             <p:nvPr/>
           </p:nvSpPr>
@@ -12365,7 +12278,7 @@
         </p:sp>
         <p:sp>
           <p:nvSpPr>
-            <p:cNvPr id="280" name="Google Shape;280;p27"/>
+            <p:cNvPr id="283" name="Google Shape;283;p27"/>
             <p:cNvSpPr/>
             <p:nvPr/>
           </p:nvSpPr>
@@ -12414,7 +12327,7 @@
         </p:sp>
         <p:sp>
           <p:nvSpPr>
-            <p:cNvPr id="281" name="Google Shape;281;p27"/>
+            <p:cNvPr id="284" name="Google Shape;284;p27"/>
             <p:cNvSpPr/>
             <p:nvPr/>
           </p:nvSpPr>
@@ -12463,7 +12376,7 @@
         </p:sp>
         <p:sp>
           <p:nvSpPr>
-            <p:cNvPr id="282" name="Google Shape;282;p27"/>
+            <p:cNvPr id="285" name="Google Shape;285;p27"/>
             <p:cNvSpPr/>
             <p:nvPr/>
           </p:nvSpPr>
@@ -12512,7 +12425,7 @@
         </p:sp>
         <p:sp>
           <p:nvSpPr>
-            <p:cNvPr id="283" name="Google Shape;283;p27"/>
+            <p:cNvPr id="286" name="Google Shape;286;p27"/>
             <p:cNvSpPr/>
             <p:nvPr/>
           </p:nvSpPr>
@@ -12561,7 +12474,7 @@
         </p:sp>
         <p:sp>
           <p:nvSpPr>
-            <p:cNvPr id="284" name="Google Shape;284;p27"/>
+            <p:cNvPr id="287" name="Google Shape;287;p27"/>
             <p:cNvSpPr/>
             <p:nvPr/>
           </p:nvSpPr>
@@ -12610,7 +12523,7 @@
         </p:sp>
         <p:sp>
           <p:nvSpPr>
-            <p:cNvPr id="285" name="Google Shape;285;p27"/>
+            <p:cNvPr id="288" name="Google Shape;288;p27"/>
             <p:cNvSpPr/>
             <p:nvPr/>
           </p:nvSpPr>
@@ -12659,7 +12572,7 @@
         </p:sp>
         <p:sp>
           <p:nvSpPr>
-            <p:cNvPr id="286" name="Google Shape;286;p27"/>
+            <p:cNvPr id="289" name="Google Shape;289;p27"/>
             <p:cNvSpPr/>
             <p:nvPr/>
           </p:nvSpPr>
@@ -12707,56 +12620,9 @@
           </p:txBody>
         </p:sp>
       </p:grpSp>
-      <p:sp>
-        <p:nvSpPr>
-          <p:cNvPr id="287" name="Google Shape;287;p27"/>
-          <p:cNvSpPr/>
-          <p:nvPr/>
-        </p:nvSpPr>
-        <p:spPr>
-          <a:xfrm>
-            <a:off x="6847150" y="1577745"/>
-            <a:ext cx="1179600" cy="343800"/>
-          </a:xfrm>
-          <a:prstGeom prst="wedgeRoundRectCallout">
-            <a:avLst>
-              <a:gd fmla="val -21432" name="adj1"/>
-              <a:gd fmla="val 84969" name="adj2"/>
-              <a:gd fmla="val 0" name="adj3"/>
-            </a:avLst>
-          </a:prstGeom>
-          <a:solidFill>
-            <a:schemeClr val="lt1"/>
-          </a:solidFill>
-          <a:ln>
-            <a:noFill/>
-          </a:ln>
-        </p:spPr>
-        <p:txBody>
-          <a:bodyPr anchorCtr="0" anchor="ctr" bIns="91425" lIns="91425" spcFirstLastPara="1" rIns="91425" wrap="square" tIns="91425">
-            <a:noAutofit/>
-          </a:bodyPr>
-          <a:lstStyle/>
-          <a:p>
-            <a:pPr indent="0" lvl="0" marL="0" rtl="0" algn="l">
-              <a:spcBef>
-                <a:spcPts val="0"/>
-              </a:spcBef>
-              <a:spcAft>
-                <a:spcPts val="0"/>
-              </a:spcAft>
-              <a:buNone/>
-            </a:pPr>
-            <a:r>
-              <a:t/>
-            </a:r>
-            <a:endParaRPr/>
-          </a:p>
-        </p:txBody>
-      </p:sp>
       <p:grpSp>
         <p:nvGrpSpPr>
-          <p:cNvPr id="288" name="Google Shape;288;p27"/>
+          <p:cNvPr id="290" name="Google Shape;290;p27"/>
           <p:cNvGrpSpPr/>
           <p:nvPr/>
         </p:nvGrpSpPr>
@@ -12770,7 +12636,7 @@
         </p:grpSpPr>
         <p:sp>
           <p:nvSpPr>
-            <p:cNvPr id="289" name="Google Shape;289;p27"/>
+            <p:cNvPr id="291" name="Google Shape;291;p27"/>
             <p:cNvSpPr/>
             <p:nvPr/>
           </p:nvSpPr>
@@ -12848,7 +12714,7 @@
         </p:sp>
         <p:sp>
           <p:nvSpPr>
-            <p:cNvPr id="290" name="Google Shape;290;p27"/>
+            <p:cNvPr id="292" name="Google Shape;292;p27"/>
             <p:cNvSpPr/>
             <p:nvPr/>
           </p:nvSpPr>
@@ -12897,7 +12763,7 @@
         </p:sp>
         <p:sp>
           <p:nvSpPr>
-            <p:cNvPr id="291" name="Google Shape;291;p27"/>
+            <p:cNvPr id="293" name="Google Shape;293;p27"/>
             <p:cNvSpPr/>
             <p:nvPr/>
           </p:nvSpPr>
@@ -12946,7 +12812,7 @@
         </p:sp>
         <p:sp>
           <p:nvSpPr>
-            <p:cNvPr id="292" name="Google Shape;292;p27"/>
+            <p:cNvPr id="294" name="Google Shape;294;p27"/>
             <p:cNvSpPr/>
             <p:nvPr/>
           </p:nvSpPr>
@@ -12995,7 +12861,7 @@
         </p:sp>
         <p:sp>
           <p:nvSpPr>
-            <p:cNvPr id="293" name="Google Shape;293;p27"/>
+            <p:cNvPr id="295" name="Google Shape;295;p27"/>
             <p:cNvSpPr/>
             <p:nvPr/>
           </p:nvSpPr>
@@ -13044,7 +12910,7 @@
         </p:sp>
         <p:sp>
           <p:nvSpPr>
-            <p:cNvPr id="294" name="Google Shape;294;p27"/>
+            <p:cNvPr id="296" name="Google Shape;296;p27"/>
             <p:cNvSpPr/>
             <p:nvPr/>
           </p:nvSpPr>
@@ -13093,7 +12959,7 @@
         </p:sp>
         <p:sp>
           <p:nvSpPr>
-            <p:cNvPr id="295" name="Google Shape;295;p27"/>
+            <p:cNvPr id="297" name="Google Shape;297;p27"/>
             <p:cNvSpPr/>
             <p:nvPr/>
           </p:nvSpPr>
@@ -13142,7 +13008,7 @@
         </p:sp>
         <p:sp>
           <p:nvSpPr>
-            <p:cNvPr id="296" name="Google Shape;296;p27"/>
+            <p:cNvPr id="298" name="Google Shape;298;p27"/>
             <p:cNvSpPr/>
             <p:nvPr/>
           </p:nvSpPr>
@@ -13191,7 +13057,7 @@
         </p:sp>
         <p:sp>
           <p:nvSpPr>
-            <p:cNvPr id="297" name="Google Shape;297;p27"/>
+            <p:cNvPr id="299" name="Google Shape;299;p27"/>
             <p:cNvSpPr/>
             <p:nvPr/>
           </p:nvSpPr>
@@ -13241,7 +13107,7 @@
       </p:grpSp>
       <p:sp>
         <p:nvSpPr>
-          <p:cNvPr id="298" name="Google Shape;298;p27"/>
+          <p:cNvPr id="300" name="Google Shape;300;p27"/>
           <p:cNvSpPr txBox="1"/>
           <p:nvPr>
             <p:ph idx="2" type="body"/>
@@ -13300,7 +13166,7 @@
   <p:cSld>
     <p:spTree>
       <p:nvGrpSpPr>
-        <p:cNvPr id="302" name="Shape 302"/>
+        <p:cNvPr id="304" name="Shape 304"/>
         <p:cNvGrpSpPr/>
         <p:nvPr/>
       </p:nvGrpSpPr>
@@ -13314,7 +13180,7 @@
       </p:grpSpPr>
       <p:sp>
         <p:nvSpPr>
-          <p:cNvPr id="303" name="Google Shape;303;p28"/>
+          <p:cNvPr id="305" name="Google Shape;305;p28"/>
           <p:cNvSpPr txBox="1"/>
           <p:nvPr>
             <p:ph type="title"/>
@@ -13354,7 +13220,7 @@
       </p:sp>
       <p:sp>
         <p:nvSpPr>
-          <p:cNvPr id="304" name="Google Shape;304;p28"/>
+          <p:cNvPr id="306" name="Google Shape;306;p28"/>
           <p:cNvSpPr txBox="1"/>
           <p:nvPr>
             <p:ph idx="1" type="subTitle"/>
@@ -13393,7 +13259,7 @@
       </p:sp>
       <p:sp>
         <p:nvSpPr>
-          <p:cNvPr id="305" name="Google Shape;305;p28"/>
+          <p:cNvPr id="307" name="Google Shape;307;p28"/>
           <p:cNvSpPr txBox="1"/>
           <p:nvPr>
             <p:ph idx="2" type="body"/>
@@ -13414,14 +13280,81 @@
           </a:bodyPr>
           <a:lstStyle/>
           <a:p>
-            <a:pPr indent="0" lvl="0" marL="0" rtl="0" algn="l">
-              <a:spcBef>
-                <a:spcPts val="0"/>
-              </a:spcBef>
-              <a:spcAft>
-                <a:spcPts val="1600"/>
-              </a:spcAft>
-              <a:buNone/>
+            <a:pPr indent="-342900" lvl="0" marL="457200" rtl="0" algn="l">
+              <a:spcBef>
+                <a:spcPts val="0"/>
+              </a:spcBef>
+              <a:spcAft>
+                <a:spcPts val="0"/>
+              </a:spcAft>
+              <a:buSzPts val="1800"/>
+              <a:buAutoNum type="arabicParenR"/>
+            </a:pPr>
+            <a:r>
+              <a:rPr lang="en" u="sng">
+                <a:solidFill>
+                  <a:schemeClr val="hlink"/>
+                </a:solidFill>
+                <a:hlinkClick r:id="rId3"/>
+              </a:rPr>
+              <a:t>https://www.cdc.gov/csels/dsepd/ss1978/lesson1/section11.html</a:t>
+            </a:r>
+            <a:endParaRPr/>
+          </a:p>
+          <a:p>
+            <a:pPr indent="-342900" lvl="0" marL="457200" rtl="0" algn="l">
+              <a:spcBef>
+                <a:spcPts val="0"/>
+              </a:spcBef>
+              <a:spcAft>
+                <a:spcPts val="0"/>
+              </a:spcAft>
+              <a:buSzPts val="1800"/>
+              <a:buAutoNum type="arabicParenR"/>
+            </a:pPr>
+            <a:r>
+              <a:rPr lang="en" u="sng">
+                <a:solidFill>
+                  <a:schemeClr val="hlink"/>
+                </a:solidFill>
+                <a:hlinkClick r:id="rId4"/>
+              </a:rPr>
+              <a:t>https://www.cnbc.com/2021/09/20/covid-is-americas-deadliest-pandemic-as-us-fatalities-near-1918-flu-estimates.html</a:t>
+            </a:r>
+            <a:endParaRPr/>
+          </a:p>
+          <a:p>
+            <a:pPr indent="-342900" lvl="0" marL="457200" rtl="0" algn="l">
+              <a:spcBef>
+                <a:spcPts val="0"/>
+              </a:spcBef>
+              <a:spcAft>
+                <a:spcPts val="0"/>
+              </a:spcAft>
+              <a:buSzPts val="1800"/>
+              <a:buAutoNum type="arabicParenR"/>
+            </a:pPr>
+            <a:r>
+              <a:rPr lang="en" u="sng">
+                <a:solidFill>
+                  <a:schemeClr val="hlink"/>
+                </a:solidFill>
+                <a:hlinkClick r:id="rId5"/>
+              </a:rPr>
+              <a:t>https://scdhec.gov/covid19/managing-covid-19-endemic</a:t>
+            </a:r>
+            <a:endParaRPr/>
+          </a:p>
+          <a:p>
+            <a:pPr indent="-342900" lvl="0" marL="457200" rtl="0" algn="l">
+              <a:spcBef>
+                <a:spcPts val="0"/>
+              </a:spcBef>
+              <a:spcAft>
+                <a:spcPts val="0"/>
+              </a:spcAft>
+              <a:buSzPts val="1800"/>
+              <a:buAutoNum type="arabicParenR"/>
             </a:pPr>
             <a:r>
               <a:t/>
@@ -13489,7 +13422,7 @@
             </a:pPr>
             <a:r>
               <a:rPr lang="en"/>
-              <a:t>COVID-19 Analysis</a:t>
+              <a:t>COVID-19 Overview</a:t>
             </a:r>
             <a:endParaRPr/>
           </a:p>
@@ -13503,8 +13436,8 @@
         </p:nvGrpSpPr>
         <p:grpSpPr>
           <a:xfrm>
-            <a:off x="431904" y="1304875"/>
-            <a:ext cx="4903471" cy="3416400"/>
+            <a:off x="401725" y="1228664"/>
+            <a:ext cx="8430699" cy="3009507"/>
             <a:chOff x="431925" y="1304875"/>
             <a:chExt cx="2628925" cy="3416400"/>
           </a:xfrm>
@@ -13610,7 +13543,7 @@
         </p:nvSpPr>
         <p:spPr>
           <a:xfrm>
-            <a:off x="506425" y="1304875"/>
+            <a:off x="401700" y="1228700"/>
             <a:ext cx="2494500" cy="461400"/>
           </a:xfrm>
           <a:prstGeom prst="rect">
@@ -13658,20 +13591,20 @@
         </p:nvSpPr>
         <p:spPr>
           <a:xfrm>
-            <a:off x="508325" y="1850300"/>
-            <a:ext cx="4690200" cy="2794800"/>
+            <a:off x="401775" y="1511800"/>
+            <a:ext cx="8430600" cy="2808900"/>
           </a:xfrm>
           <a:prstGeom prst="rect">
             <a:avLst/>
           </a:prstGeom>
         </p:spPr>
         <p:txBody>
-          <a:bodyPr anchorCtr="0" anchor="t" bIns="91425" lIns="91425" spcFirstLastPara="1" rIns="91425" wrap="square" tIns="91425">
+          <a:bodyPr anchorCtr="0" anchor="ctr" bIns="91425" lIns="91425" spcFirstLastPara="1" rIns="91425" wrap="square" tIns="91425">
             <a:noAutofit/>
           </a:bodyPr>
           <a:lstStyle/>
           <a:p>
-            <a:pPr indent="0" lvl="0" marL="0" rtl="0" algn="l">
+            <a:pPr indent="-342900" lvl="0" marL="457200" rtl="0" algn="l">
               <a:lnSpc>
                 <a:spcPct val="125000"/>
               </a:lnSpc>
@@ -13679,20 +13612,156 @@
                 <a:spcPts val="1800"/>
               </a:spcBef>
               <a:spcAft>
-                <a:spcPts val="1200"/>
-              </a:spcAft>
-              <a:buNone/>
+                <a:spcPts val="0"/>
+              </a:spcAft>
+              <a:buSzPts val="1800"/>
+              <a:buChar char="●"/>
             </a:pPr>
             <a:r>
-              <a:rPr lang="en" sz="1400">
-                <a:solidFill>
-                  <a:srgbClr val="24292F"/>
+              <a:rPr lang="en"/>
+              <a:t>An </a:t>
+            </a:r>
+            <a:r>
+              <a:rPr b="1" lang="en"/>
+              <a:t>epidemic</a:t>
+            </a:r>
+            <a:r>
+              <a:rPr lang="en"/>
+              <a:t> refers to an unexpected increase in cases of disease in a specific area</a:t>
+            </a:r>
+            <a:r>
+              <a:rPr lang="en">
+                <a:solidFill>
+                  <a:srgbClr val="191E3F"/>
                 </a:solidFill>
                 <a:highlight>
                   <a:srgbClr val="FFFFFF"/>
                 </a:highlight>
               </a:rPr>
-              <a:t>As COVID-19 persists throughout the globe, the purpose of this exploration is to determine the relationship between different factors that contribute to the spread of COVID-19 as well as the outcomes noted by people across the world. </a:t>
+              <a:t>¹</a:t>
+            </a:r>
+            <a:endParaRPr>
+              <a:solidFill>
+                <a:srgbClr val="000000"/>
+              </a:solidFill>
+              <a:highlight>
+                <a:srgbClr val="FFFFFF"/>
+              </a:highlight>
+            </a:endParaRPr>
+          </a:p>
+          <a:p>
+            <a:pPr indent="-342900" lvl="0" marL="457200" rtl="0" algn="l">
+              <a:lnSpc>
+                <a:spcPct val="125000"/>
+              </a:lnSpc>
+              <a:spcBef>
+                <a:spcPts val="0"/>
+              </a:spcBef>
+              <a:spcAft>
+                <a:spcPts val="0"/>
+              </a:spcAft>
+              <a:buSzPts val="1800"/>
+              <a:buChar char="●"/>
+            </a:pPr>
+            <a:r>
+              <a:rPr lang="en"/>
+              <a:t>A </a:t>
+            </a:r>
+            <a:r>
+              <a:rPr b="1" lang="en"/>
+              <a:t>pandemic</a:t>
+            </a:r>
+            <a:r>
+              <a:rPr lang="en"/>
+              <a:t> is an epidemic that has spanned across locations</a:t>
+            </a:r>
+            <a:r>
+              <a:rPr lang="en">
+                <a:solidFill>
+                  <a:srgbClr val="191E3F"/>
+                </a:solidFill>
+                <a:highlight>
+                  <a:srgbClr val="FFFFFF"/>
+                </a:highlight>
+              </a:rPr>
+              <a:t>¹</a:t>
+            </a:r>
+            <a:endParaRPr>
+              <a:solidFill>
+                <a:srgbClr val="000000"/>
+              </a:solidFill>
+              <a:highlight>
+                <a:srgbClr val="FFFFFF"/>
+              </a:highlight>
+            </a:endParaRPr>
+          </a:p>
+          <a:p>
+            <a:pPr indent="-342900" lvl="0" marL="457200" rtl="0" algn="l">
+              <a:lnSpc>
+                <a:spcPct val="125000"/>
+              </a:lnSpc>
+              <a:spcBef>
+                <a:spcPts val="0"/>
+              </a:spcBef>
+              <a:spcAft>
+                <a:spcPts val="0"/>
+              </a:spcAft>
+              <a:buSzPts val="1800"/>
+              <a:buChar char="●"/>
+            </a:pPr>
+            <a:r>
+              <a:rPr lang="en"/>
+              <a:t>COVID-19 is now the deadliest pandemic in the history of the United States, as of September 2021</a:t>
+            </a:r>
+            <a:r>
+              <a:rPr lang="en">
+                <a:solidFill>
+                  <a:srgbClr val="191E3F"/>
+                </a:solidFill>
+                <a:highlight>
+                  <a:srgbClr val="FFFFFF"/>
+                </a:highlight>
+              </a:rPr>
+              <a:t>²</a:t>
+            </a:r>
+            <a:endParaRPr/>
+          </a:p>
+          <a:p>
+            <a:pPr indent="-342900" lvl="0" marL="457200" rtl="0" algn="l">
+              <a:lnSpc>
+                <a:spcPct val="125000"/>
+              </a:lnSpc>
+              <a:spcBef>
+                <a:spcPts val="0"/>
+              </a:spcBef>
+              <a:spcAft>
+                <a:spcPts val="0"/>
+              </a:spcAft>
+              <a:buSzPts val="1800"/>
+              <a:buChar char="●"/>
+            </a:pPr>
+            <a:r>
+              <a:rPr lang="en"/>
+              <a:t>Many entities are now treating COVID-19 as </a:t>
+            </a:r>
+            <a:r>
+              <a:rPr b="1" lang="en"/>
+              <a:t>endemic</a:t>
+            </a:r>
+            <a:r>
+              <a:rPr lang="en"/>
+              <a:t>- a disease that continually circulates a population or area with occasional outbreaks</a:t>
+            </a:r>
+            <a:r>
+              <a:rPr lang="en">
+                <a:solidFill>
+                  <a:srgbClr val="191E3F"/>
+                </a:solidFill>
+                <a:highlight>
+                  <a:srgbClr val="FFFFFF"/>
+                </a:highlight>
+              </a:rPr>
+              <a:t>³</a:t>
             </a:r>
             <a:endParaRPr/>
           </a:p>
@@ -13706,25 +13775,23 @@
         </p:nvSpPr>
         <p:spPr>
           <a:xfrm>
-            <a:off x="5729875" y="1304875"/>
-            <a:ext cx="3199200" cy="2521800"/>
-          </a:xfrm>
-          <a:prstGeom prst="rect">
-            <a:avLst/>
+            <a:off x="401700" y="4449050"/>
+            <a:ext cx="2494500" cy="365400"/>
+          </a:xfrm>
+          <a:prstGeom prst="homePlate">
+            <a:avLst>
+              <a:gd fmla="val 50000" name="adj"/>
+            </a:avLst>
           </a:prstGeom>
-          <a:noFill/>
-          <a:ln cap="flat" cmpd="sng" w="9525">
-            <a:solidFill>
-              <a:schemeClr val="dk1"/>
-            </a:solidFill>
-            <a:prstDash val="solid"/>
-            <a:round/>
-            <a:headEnd len="sm" w="sm" type="none"/>
-            <a:tailEnd len="sm" w="sm" type="none"/>
+          <a:solidFill>
+            <a:schemeClr val="dk1"/>
+          </a:solidFill>
+          <a:ln>
+            <a:noFill/>
           </a:ln>
         </p:spPr>
         <p:txBody>
-          <a:bodyPr anchorCtr="0" anchor="ctr" bIns="91425" lIns="91425" spcFirstLastPara="1" rIns="91425" wrap="square" tIns="91425">
+          <a:bodyPr anchorCtr="0" anchor="ctr" bIns="121875" lIns="121875" spcFirstLastPara="1" rIns="121875" wrap="square" tIns="121875">
             <a:noAutofit/>
           </a:bodyPr>
           <a:lstStyle/>
@@ -13740,157 +13807,6 @@
             </a:pPr>
             <a:r>
               <a:t/>
-            </a:r>
-            <a:endParaRPr/>
-          </a:p>
-        </p:txBody>
-      </p:sp>
-      <p:pic>
-        <p:nvPicPr>
-          <p:cNvPr id="99" name="Google Shape;99;p14"/>
-          <p:cNvPicPr preferRelativeResize="0"/>
-          <p:nvPr/>
-        </p:nvPicPr>
-        <p:blipFill>
-          <a:blip r:embed="rId3">
-            <a:alphaModFix/>
-          </a:blip>
-          <a:stretch>
-            <a:fillRect/>
-          </a:stretch>
-        </p:blipFill>
-        <p:spPr>
-          <a:xfrm>
-            <a:off x="5904600" y="1482275"/>
-            <a:ext cx="2849750" cy="2178962"/>
-          </a:xfrm>
-          <a:prstGeom prst="rect">
-            <a:avLst/>
-          </a:prstGeom>
-          <a:noFill/>
-          <a:ln>
-            <a:noFill/>
-          </a:ln>
-        </p:spPr>
-      </p:pic>
-      <p:sp>
-        <p:nvSpPr>
-          <p:cNvPr id="100" name="Google Shape;100;p14"/>
-          <p:cNvSpPr txBox="1"/>
-          <p:nvPr/>
-        </p:nvSpPr>
-        <p:spPr>
-          <a:xfrm>
-            <a:off x="5904600" y="3936500"/>
-            <a:ext cx="1800300" cy="323100"/>
-          </a:xfrm>
-          <a:prstGeom prst="rect">
-            <a:avLst/>
-          </a:prstGeom>
-          <a:noFill/>
-          <a:ln>
-            <a:noFill/>
-          </a:ln>
-        </p:spPr>
-        <p:txBody>
-          <a:bodyPr anchorCtr="0" anchor="t" bIns="91425" lIns="91425" spcFirstLastPara="1" rIns="91425" wrap="square" tIns="91425">
-            <a:spAutoFit/>
-          </a:bodyPr>
-          <a:lstStyle/>
-          <a:p>
-            <a:pPr indent="0" lvl="0" marL="0" rtl="0" algn="l">
-              <a:spcBef>
-                <a:spcPts val="0"/>
-              </a:spcBef>
-              <a:spcAft>
-                <a:spcPts val="0"/>
-              </a:spcAft>
-              <a:buNone/>
-            </a:pPr>
-            <a:r>
-              <a:rPr lang="en" sz="900">
-                <a:solidFill>
-                  <a:srgbClr val="4D4D4D"/>
-                </a:solidFill>
-                <a:highlight>
-                  <a:srgbClr val="FFFFFF"/>
-                </a:highlight>
-                <a:latin typeface="Trebuchet MS"/>
-                <a:ea typeface="Trebuchet MS"/>
-                <a:cs typeface="Trebuchet MS"/>
-                <a:sym typeface="Trebuchet MS"/>
-              </a:rPr>
-              <a:t>CDC/SCIENCE PHOTO LIBRARY</a:t>
-            </a:r>
-            <a:endParaRPr>
-              <a:latin typeface="Roboto"/>
-              <a:ea typeface="Roboto"/>
-              <a:cs typeface="Roboto"/>
-              <a:sym typeface="Roboto"/>
-            </a:endParaRPr>
-          </a:p>
-        </p:txBody>
-      </p:sp>
-    </p:spTree>
-  </p:cSld>
-  <p:clrMapOvr>
-    <a:masterClrMapping/>
-  </p:clrMapOvr>
-</p:sld>
-</file>
-
-<file path=ppt/slides/slide3.xml><?xml version="1.0" encoding="utf-8"?>
-<p:sld xmlns:a="http://schemas.openxmlformats.org/drawingml/2006/main" xmlns:r="http://schemas.openxmlformats.org/officeDocument/2006/relationships" xmlns:mc="http://schemas.openxmlformats.org/markup-compatibility/2006" xmlns:mv="urn:schemas-microsoft-com:mac:vml" xmlns:p="http://schemas.openxmlformats.org/presentationml/2006/main" xmlns:c="http://schemas.openxmlformats.org/drawingml/2006/chart" xmlns:dgm="http://schemas.openxmlformats.org/drawingml/2006/diagram" xmlns:o="urn:schemas-microsoft-com:office:office" xmlns:v="urn:schemas-microsoft-com:vml" xmlns:pvml="urn:schemas-microsoft-com:office:powerpoint" xmlns:com="http://schemas.openxmlformats.org/drawingml/2006/compatibility" xmlns:p14="http://schemas.microsoft.com/office/powerpoint/2010/main" xmlns:p15="http://schemas.microsoft.com/office/powerpoint/2012/main" xmlns:ahyp="http://schemas.microsoft.com/office/drawing/2018/hyperlinkcolor">
-  <p:cSld>
-    <p:spTree>
-      <p:nvGrpSpPr>
-        <p:cNvPr id="104" name="Shape 104"/>
-        <p:cNvGrpSpPr/>
-        <p:nvPr/>
-      </p:nvGrpSpPr>
-      <p:grpSpPr>
-        <a:xfrm>
-          <a:off x="0" y="0"/>
-          <a:ext cx="0" cy="0"/>
-          <a:chOff x="0" y="0"/>
-          <a:chExt cx="0" cy="0"/>
-        </a:xfrm>
-      </p:grpSpPr>
-      <p:sp>
-        <p:nvSpPr>
-          <p:cNvPr id="105" name="Google Shape;105;p15"/>
-          <p:cNvSpPr txBox="1"/>
-          <p:nvPr>
-            <p:ph type="title"/>
-          </p:nvPr>
-        </p:nvSpPr>
-        <p:spPr>
-          <a:xfrm>
-            <a:off x="311700" y="410000"/>
-            <a:ext cx="8520600" cy="607800"/>
-          </a:xfrm>
-          <a:prstGeom prst="rect">
-            <a:avLst/>
-          </a:prstGeom>
-        </p:spPr>
-        <p:txBody>
-          <a:bodyPr anchorCtr="0" anchor="t" bIns="91425" lIns="91425" spcFirstLastPara="1" rIns="91425" wrap="square" tIns="91425">
-            <a:noAutofit/>
-          </a:bodyPr>
-          <a:lstStyle/>
-          <a:p>
-            <a:pPr indent="0" lvl="0" marL="0" rtl="0" algn="l">
-              <a:spcBef>
-                <a:spcPts val="0"/>
-              </a:spcBef>
-              <a:spcAft>
-                <a:spcPts val="0"/>
-              </a:spcAft>
-              <a:buNone/>
-            </a:pPr>
-            <a:r>
-              <a:rPr lang="en"/>
-              <a:t>Purpose of COVID-19 Analysis</a:t>
             </a:r>
             <a:endParaRPr/>
           </a:p>
@@ -13898,86 +13814,14 @@
       </p:sp>
       <p:sp>
         <p:nvSpPr>
-          <p:cNvPr id="106" name="Google Shape;106;p15"/>
-          <p:cNvSpPr txBox="1"/>
-          <p:nvPr>
-            <p:ph idx="4294967295" type="body"/>
-          </p:nvPr>
-        </p:nvSpPr>
-        <p:spPr>
-          <a:xfrm>
-            <a:off x="432350" y="2070575"/>
-            <a:ext cx="8400000" cy="2650800"/>
-          </a:xfrm>
-          <a:prstGeom prst="rect">
-            <a:avLst/>
-          </a:prstGeom>
-        </p:spPr>
-        <p:txBody>
-          <a:bodyPr anchorCtr="0" anchor="t" bIns="91425" lIns="91425" spcFirstLastPara="1" rIns="91425" wrap="square" tIns="91425">
-            <a:noAutofit/>
-          </a:bodyPr>
-          <a:lstStyle/>
-          <a:p>
-            <a:pPr indent="0" lvl="0" marL="0" rtl="0" algn="l">
-              <a:lnSpc>
-                <a:spcPct val="125000"/>
-              </a:lnSpc>
-              <a:spcBef>
-                <a:spcPts val="1800"/>
-              </a:spcBef>
-              <a:spcAft>
-                <a:spcPts val="0"/>
-              </a:spcAft>
-              <a:buNone/>
-            </a:pPr>
-            <a:r>
-              <a:rPr lang="en" sz="1400">
-                <a:solidFill>
-                  <a:srgbClr val="24292F"/>
-                </a:solidFill>
-                <a:highlight>
-                  <a:srgbClr val="FFFFFF"/>
-                </a:highlight>
-              </a:rPr>
-              <a:t>By analyzing these health outcomes, the goal is ultimately to predict the health outcomes in future populations based on the factors determined significant by the machine learning model utilized below.</a:t>
-            </a:r>
-            <a:endParaRPr sz="1400">
-              <a:solidFill>
-                <a:srgbClr val="24292F"/>
-              </a:solidFill>
-              <a:highlight>
-                <a:srgbClr val="FFFFFF"/>
-              </a:highlight>
-            </a:endParaRPr>
-          </a:p>
-          <a:p>
-            <a:pPr indent="0" lvl="0" marL="0" rtl="0" algn="l">
-              <a:spcBef>
-                <a:spcPts val="1200"/>
-              </a:spcBef>
-              <a:spcAft>
-                <a:spcPts val="800"/>
-              </a:spcAft>
-              <a:buNone/>
-            </a:pPr>
-            <a:r>
-              <a:t/>
-            </a:r>
-            <a:endParaRPr sz="1600"/>
-          </a:p>
-        </p:txBody>
-      </p:sp>
-      <p:sp>
-        <p:nvSpPr>
-          <p:cNvPr id="107" name="Google Shape;107;p15"/>
+          <p:cNvPr id="99" name="Google Shape;99;p14"/>
           <p:cNvSpPr/>
           <p:nvPr/>
         </p:nvSpPr>
         <p:spPr>
           <a:xfrm>
-            <a:off x="432351" y="1304875"/>
-            <a:ext cx="8293500" cy="607800"/>
+            <a:off x="3031250" y="4449050"/>
+            <a:ext cx="2824800" cy="365400"/>
           </a:xfrm>
           <a:prstGeom prst="chevron">
             <a:avLst>
@@ -14013,6 +13857,622 @@
           </a:p>
         </p:txBody>
       </p:sp>
+      <p:sp>
+        <p:nvSpPr>
+          <p:cNvPr id="100" name="Google Shape;100;p14"/>
+          <p:cNvSpPr/>
+          <p:nvPr/>
+        </p:nvSpPr>
+        <p:spPr>
+          <a:xfrm>
+            <a:off x="6007600" y="4449050"/>
+            <a:ext cx="2824800" cy="365400"/>
+          </a:xfrm>
+          <a:prstGeom prst="chevron">
+            <a:avLst>
+              <a:gd fmla="val 50000" name="adj"/>
+            </a:avLst>
+          </a:prstGeom>
+          <a:solidFill>
+            <a:schemeClr val="dk1"/>
+          </a:solidFill>
+          <a:ln>
+            <a:noFill/>
+          </a:ln>
+        </p:spPr>
+        <p:txBody>
+          <a:bodyPr anchorCtr="0" anchor="ctr" bIns="121875" lIns="121875" spcFirstLastPara="1" rIns="121875" wrap="square" tIns="121875">
+            <a:noAutofit/>
+          </a:bodyPr>
+          <a:lstStyle/>
+          <a:p>
+            <a:pPr indent="0" lvl="0" marL="0" rtl="0" algn="l">
+              <a:spcBef>
+                <a:spcPts val="0"/>
+              </a:spcBef>
+              <a:spcAft>
+                <a:spcPts val="0"/>
+              </a:spcAft>
+              <a:buNone/>
+            </a:pPr>
+            <a:r>
+              <a:t/>
+            </a:r>
+            <a:endParaRPr/>
+          </a:p>
+        </p:txBody>
+      </p:sp>
+      <p:sp>
+        <p:nvSpPr>
+          <p:cNvPr id="101" name="Google Shape;101;p14"/>
+          <p:cNvSpPr txBox="1"/>
+          <p:nvPr>
+            <p:ph idx="4294967295" type="body"/>
+          </p:nvPr>
+        </p:nvSpPr>
+        <p:spPr>
+          <a:xfrm>
+            <a:off x="937850" y="4401050"/>
+            <a:ext cx="2494500" cy="461400"/>
+          </a:xfrm>
+          <a:prstGeom prst="rect">
+            <a:avLst/>
+          </a:prstGeom>
+        </p:spPr>
+        <p:txBody>
+          <a:bodyPr anchorCtr="0" anchor="t" bIns="91425" lIns="91425" spcFirstLastPara="1" rIns="91425" wrap="square" tIns="91425">
+            <a:noAutofit/>
+          </a:bodyPr>
+          <a:lstStyle/>
+          <a:p>
+            <a:pPr indent="0" lvl="0" marL="0" rtl="0" algn="l">
+              <a:spcBef>
+                <a:spcPts val="0"/>
+              </a:spcBef>
+              <a:spcAft>
+                <a:spcPts val="0"/>
+              </a:spcAft>
+              <a:buNone/>
+            </a:pPr>
+            <a:r>
+              <a:rPr lang="en">
+                <a:solidFill>
+                  <a:schemeClr val="lt1"/>
+                </a:solidFill>
+              </a:rPr>
+              <a:t>Epidemic</a:t>
+            </a:r>
+            <a:endParaRPr>
+              <a:solidFill>
+                <a:schemeClr val="lt1"/>
+              </a:solidFill>
+            </a:endParaRPr>
+          </a:p>
+        </p:txBody>
+      </p:sp>
+      <p:sp>
+        <p:nvSpPr>
+          <p:cNvPr id="102" name="Google Shape;102;p14"/>
+          <p:cNvSpPr txBox="1"/>
+          <p:nvPr>
+            <p:ph idx="4294967295" type="body"/>
+          </p:nvPr>
+        </p:nvSpPr>
+        <p:spPr>
+          <a:xfrm>
+            <a:off x="3884488" y="4401050"/>
+            <a:ext cx="2494500" cy="461400"/>
+          </a:xfrm>
+          <a:prstGeom prst="rect">
+            <a:avLst/>
+          </a:prstGeom>
+        </p:spPr>
+        <p:txBody>
+          <a:bodyPr anchorCtr="0" anchor="t" bIns="91425" lIns="91425" spcFirstLastPara="1" rIns="91425" wrap="square" tIns="91425">
+            <a:noAutofit/>
+          </a:bodyPr>
+          <a:lstStyle/>
+          <a:p>
+            <a:pPr indent="0" lvl="0" marL="0" rtl="0" algn="l">
+              <a:spcBef>
+                <a:spcPts val="0"/>
+              </a:spcBef>
+              <a:spcAft>
+                <a:spcPts val="0"/>
+              </a:spcAft>
+              <a:buNone/>
+            </a:pPr>
+            <a:r>
+              <a:rPr lang="en">
+                <a:solidFill>
+                  <a:schemeClr val="lt1"/>
+                </a:solidFill>
+              </a:rPr>
+              <a:t>Pan</a:t>
+            </a:r>
+            <a:r>
+              <a:rPr lang="en">
+                <a:solidFill>
+                  <a:schemeClr val="lt1"/>
+                </a:solidFill>
+              </a:rPr>
+              <a:t>demic</a:t>
+            </a:r>
+            <a:endParaRPr>
+              <a:solidFill>
+                <a:schemeClr val="lt1"/>
+              </a:solidFill>
+            </a:endParaRPr>
+          </a:p>
+        </p:txBody>
+      </p:sp>
+      <p:sp>
+        <p:nvSpPr>
+          <p:cNvPr id="103" name="Google Shape;103;p14"/>
+          <p:cNvSpPr txBox="1"/>
+          <p:nvPr>
+            <p:ph idx="4294967295" type="body"/>
+          </p:nvPr>
+        </p:nvSpPr>
+        <p:spPr>
+          <a:xfrm>
+            <a:off x="6831150" y="4401050"/>
+            <a:ext cx="1851000" cy="461400"/>
+          </a:xfrm>
+          <a:prstGeom prst="rect">
+            <a:avLst/>
+          </a:prstGeom>
+        </p:spPr>
+        <p:txBody>
+          <a:bodyPr anchorCtr="0" anchor="t" bIns="91425" lIns="91425" spcFirstLastPara="1" rIns="91425" wrap="square" tIns="91425">
+            <a:noAutofit/>
+          </a:bodyPr>
+          <a:lstStyle/>
+          <a:p>
+            <a:pPr indent="0" lvl="0" marL="0" rtl="0" algn="l">
+              <a:spcBef>
+                <a:spcPts val="0"/>
+              </a:spcBef>
+              <a:spcAft>
+                <a:spcPts val="0"/>
+              </a:spcAft>
+              <a:buNone/>
+            </a:pPr>
+            <a:r>
+              <a:rPr lang="en">
+                <a:solidFill>
+                  <a:schemeClr val="lt1"/>
+                </a:solidFill>
+              </a:rPr>
+              <a:t>Endemic</a:t>
+            </a:r>
+            <a:endParaRPr>
+              <a:solidFill>
+                <a:schemeClr val="lt1"/>
+              </a:solidFill>
+            </a:endParaRPr>
+          </a:p>
+        </p:txBody>
+      </p:sp>
+    </p:spTree>
+  </p:cSld>
+  <p:clrMapOvr>
+    <a:masterClrMapping/>
+  </p:clrMapOvr>
+</p:sld>
+</file>
+
+<file path=ppt/slides/slide3.xml><?xml version="1.0" encoding="utf-8"?>
+<p:sld xmlns:a="http://schemas.openxmlformats.org/drawingml/2006/main" xmlns:r="http://schemas.openxmlformats.org/officeDocument/2006/relationships" xmlns:mc="http://schemas.openxmlformats.org/markup-compatibility/2006" xmlns:mv="urn:schemas-microsoft-com:mac:vml" xmlns:p="http://schemas.openxmlformats.org/presentationml/2006/main" xmlns:c="http://schemas.openxmlformats.org/drawingml/2006/chart" xmlns:dgm="http://schemas.openxmlformats.org/drawingml/2006/diagram" xmlns:o="urn:schemas-microsoft-com:office:office" xmlns:v="urn:schemas-microsoft-com:vml" xmlns:pvml="urn:schemas-microsoft-com:office:powerpoint" xmlns:com="http://schemas.openxmlformats.org/drawingml/2006/compatibility" xmlns:p14="http://schemas.microsoft.com/office/powerpoint/2010/main" xmlns:p15="http://schemas.microsoft.com/office/powerpoint/2012/main" xmlns:ahyp="http://schemas.microsoft.com/office/drawing/2018/hyperlinkcolor">
+  <p:cSld>
+    <p:spTree>
+      <p:nvGrpSpPr>
+        <p:cNvPr id="107" name="Shape 107"/>
+        <p:cNvGrpSpPr/>
+        <p:nvPr/>
+      </p:nvGrpSpPr>
+      <p:grpSpPr>
+        <a:xfrm>
+          <a:off x="0" y="0"/>
+          <a:ext cx="0" cy="0"/>
+          <a:chOff x="0" y="0"/>
+          <a:chExt cx="0" cy="0"/>
+        </a:xfrm>
+      </p:grpSpPr>
+      <p:sp>
+        <p:nvSpPr>
+          <p:cNvPr id="108" name="Google Shape;108;p15"/>
+          <p:cNvSpPr txBox="1"/>
+          <p:nvPr>
+            <p:ph type="title"/>
+          </p:nvPr>
+        </p:nvSpPr>
+        <p:spPr>
+          <a:xfrm>
+            <a:off x="311700" y="410000"/>
+            <a:ext cx="8520600" cy="607800"/>
+          </a:xfrm>
+          <a:prstGeom prst="rect">
+            <a:avLst/>
+          </a:prstGeom>
+        </p:spPr>
+        <p:txBody>
+          <a:bodyPr anchorCtr="0" anchor="t" bIns="91425" lIns="91425" spcFirstLastPara="1" rIns="91425" wrap="square" tIns="91425">
+            <a:noAutofit/>
+          </a:bodyPr>
+          <a:lstStyle/>
+          <a:p>
+            <a:pPr indent="0" lvl="0" marL="0" rtl="0" algn="l">
+              <a:spcBef>
+                <a:spcPts val="0"/>
+              </a:spcBef>
+              <a:spcAft>
+                <a:spcPts val="0"/>
+              </a:spcAft>
+              <a:buNone/>
+            </a:pPr>
+            <a:r>
+              <a:rPr lang="en"/>
+              <a:t>Purpose of COVID-19 Analysis</a:t>
+            </a:r>
+            <a:endParaRPr/>
+          </a:p>
+        </p:txBody>
+      </p:sp>
+      <p:sp>
+        <p:nvSpPr>
+          <p:cNvPr id="109" name="Google Shape;109;p15"/>
+          <p:cNvSpPr txBox="1"/>
+          <p:nvPr>
+            <p:ph idx="4294967295" type="body"/>
+          </p:nvPr>
+        </p:nvSpPr>
+        <p:spPr>
+          <a:xfrm>
+            <a:off x="432350" y="1912675"/>
+            <a:ext cx="5355900" cy="2589600"/>
+          </a:xfrm>
+          <a:prstGeom prst="rect">
+            <a:avLst/>
+          </a:prstGeom>
+        </p:spPr>
+        <p:txBody>
+          <a:bodyPr anchorCtr="0" anchor="t" bIns="91425" lIns="91425" spcFirstLastPara="1" rIns="91425" wrap="square" tIns="91425">
+            <a:noAutofit/>
+          </a:bodyPr>
+          <a:lstStyle/>
+          <a:p>
+            <a:pPr indent="-330200" lvl="0" marL="457200" rtl="0" algn="l">
+              <a:lnSpc>
+                <a:spcPct val="150000"/>
+              </a:lnSpc>
+              <a:spcBef>
+                <a:spcPts val="1800"/>
+              </a:spcBef>
+              <a:spcAft>
+                <a:spcPts val="0"/>
+              </a:spcAft>
+              <a:buClr>
+                <a:srgbClr val="24292F"/>
+              </a:buClr>
+              <a:buSzPts val="1600"/>
+              <a:buChar char="●"/>
+            </a:pPr>
+            <a:r>
+              <a:rPr lang="en" sz="1600">
+                <a:solidFill>
+                  <a:srgbClr val="24292F"/>
+                </a:solidFill>
+                <a:highlight>
+                  <a:srgbClr val="FFFFFF"/>
+                </a:highlight>
+              </a:rPr>
+              <a:t>Create a functional </a:t>
+            </a:r>
+            <a:r>
+              <a:rPr lang="en" sz="1600">
+                <a:solidFill>
+                  <a:srgbClr val="24292F"/>
+                </a:solidFill>
+                <a:highlight>
+                  <a:srgbClr val="FFFFFF"/>
+                </a:highlight>
+              </a:rPr>
+              <a:t>prediction</a:t>
+            </a:r>
+            <a:r>
+              <a:rPr lang="en" sz="1600">
+                <a:solidFill>
+                  <a:srgbClr val="24292F"/>
+                </a:solidFill>
+                <a:highlight>
+                  <a:srgbClr val="FFFFFF"/>
+                </a:highlight>
+              </a:rPr>
+              <a:t> model relating to the healthcare/medical field</a:t>
+            </a:r>
+            <a:endParaRPr sz="1600">
+              <a:solidFill>
+                <a:srgbClr val="24292F"/>
+              </a:solidFill>
+              <a:highlight>
+                <a:srgbClr val="FFFFFF"/>
+              </a:highlight>
+            </a:endParaRPr>
+          </a:p>
+          <a:p>
+            <a:pPr indent="-330200" lvl="0" marL="457200" rtl="0" algn="l">
+              <a:lnSpc>
+                <a:spcPct val="150000"/>
+              </a:lnSpc>
+              <a:spcBef>
+                <a:spcPts val="0"/>
+              </a:spcBef>
+              <a:spcAft>
+                <a:spcPts val="0"/>
+              </a:spcAft>
+              <a:buClr>
+                <a:srgbClr val="24292F"/>
+              </a:buClr>
+              <a:buSzPts val="1600"/>
+              <a:buChar char="●"/>
+            </a:pPr>
+            <a:r>
+              <a:rPr lang="en" sz="1600">
+                <a:solidFill>
+                  <a:srgbClr val="24292F"/>
+                </a:solidFill>
+                <a:highlight>
+                  <a:srgbClr val="FFFFFF"/>
+                </a:highlight>
+              </a:rPr>
+              <a:t>Several topics considered including cancer and malaria</a:t>
+            </a:r>
+            <a:endParaRPr sz="1600">
+              <a:solidFill>
+                <a:srgbClr val="24292F"/>
+              </a:solidFill>
+              <a:highlight>
+                <a:srgbClr val="FFFFFF"/>
+              </a:highlight>
+            </a:endParaRPr>
+          </a:p>
+          <a:p>
+            <a:pPr indent="-330200" lvl="0" marL="457200" rtl="0" algn="l">
+              <a:lnSpc>
+                <a:spcPct val="150000"/>
+              </a:lnSpc>
+              <a:spcBef>
+                <a:spcPts val="0"/>
+              </a:spcBef>
+              <a:spcAft>
+                <a:spcPts val="0"/>
+              </a:spcAft>
+              <a:buClr>
+                <a:srgbClr val="24292F"/>
+              </a:buClr>
+              <a:buSzPts val="1600"/>
+              <a:buChar char="●"/>
+            </a:pPr>
+            <a:r>
+              <a:rPr lang="en" sz="1600">
+                <a:solidFill>
+                  <a:srgbClr val="24292F"/>
+                </a:solidFill>
+                <a:highlight>
+                  <a:srgbClr val="FFFFFF"/>
+                </a:highlight>
+              </a:rPr>
+              <a:t>COVID-19 selected due to availability of current data</a:t>
+            </a:r>
+            <a:endParaRPr sz="1600">
+              <a:solidFill>
+                <a:srgbClr val="24292F"/>
+              </a:solidFill>
+              <a:highlight>
+                <a:srgbClr val="FFFFFF"/>
+              </a:highlight>
+            </a:endParaRPr>
+          </a:p>
+          <a:p>
+            <a:pPr indent="-330200" lvl="0" marL="457200" rtl="0" algn="l">
+              <a:lnSpc>
+                <a:spcPct val="150000"/>
+              </a:lnSpc>
+              <a:spcBef>
+                <a:spcPts val="0"/>
+              </a:spcBef>
+              <a:spcAft>
+                <a:spcPts val="0"/>
+              </a:spcAft>
+              <a:buClr>
+                <a:srgbClr val="24292F"/>
+              </a:buClr>
+              <a:buSzPts val="1600"/>
+              <a:buChar char="●"/>
+            </a:pPr>
+            <a:r>
+              <a:rPr lang="en" sz="1600">
+                <a:solidFill>
+                  <a:srgbClr val="24292F"/>
+                </a:solidFill>
+                <a:highlight>
+                  <a:srgbClr val="FFFFFF"/>
+                </a:highlight>
+              </a:rPr>
+              <a:t>Analysis of COVID-19 to </a:t>
+            </a:r>
+            <a:r>
+              <a:rPr lang="en" sz="1600">
+                <a:solidFill>
+                  <a:srgbClr val="24292F"/>
+                </a:solidFill>
+                <a:highlight>
+                  <a:schemeClr val="lt1"/>
+                </a:highlight>
+              </a:rPr>
+              <a:t>ultimately to predict the health outcomes in future populations </a:t>
+            </a:r>
+            <a:endParaRPr sz="1600">
+              <a:solidFill>
+                <a:srgbClr val="24292F"/>
+              </a:solidFill>
+              <a:highlight>
+                <a:srgbClr val="FFFFFF"/>
+              </a:highlight>
+            </a:endParaRPr>
+          </a:p>
+          <a:p>
+            <a:pPr indent="0" lvl="0" marL="0" rtl="0" algn="l">
+              <a:lnSpc>
+                <a:spcPct val="150000"/>
+              </a:lnSpc>
+              <a:spcBef>
+                <a:spcPts val="1200"/>
+              </a:spcBef>
+              <a:spcAft>
+                <a:spcPts val="800"/>
+              </a:spcAft>
+              <a:buNone/>
+            </a:pPr>
+            <a:r>
+              <a:t/>
+            </a:r>
+            <a:endParaRPr sz="1600"/>
+          </a:p>
+        </p:txBody>
+      </p:sp>
+      <p:sp>
+        <p:nvSpPr>
+          <p:cNvPr id="110" name="Google Shape;110;p15"/>
+          <p:cNvSpPr/>
+          <p:nvPr/>
+        </p:nvSpPr>
+        <p:spPr>
+          <a:xfrm>
+            <a:off x="432351" y="1304875"/>
+            <a:ext cx="8293500" cy="607800"/>
+          </a:xfrm>
+          <a:prstGeom prst="chevron">
+            <a:avLst>
+              <a:gd fmla="val 50000" name="adj"/>
+            </a:avLst>
+          </a:prstGeom>
+          <a:solidFill>
+            <a:schemeClr val="dk1"/>
+          </a:solidFill>
+          <a:ln>
+            <a:noFill/>
+          </a:ln>
+        </p:spPr>
+        <p:txBody>
+          <a:bodyPr anchorCtr="0" anchor="ctr" bIns="121875" lIns="121875" spcFirstLastPara="1" rIns="121875" wrap="square" tIns="121875">
+            <a:noAutofit/>
+          </a:bodyPr>
+          <a:lstStyle/>
+          <a:p>
+            <a:pPr indent="0" lvl="0" marL="0" rtl="0" algn="l">
+              <a:spcBef>
+                <a:spcPts val="0"/>
+              </a:spcBef>
+              <a:spcAft>
+                <a:spcPts val="0"/>
+              </a:spcAft>
+              <a:buNone/>
+            </a:pPr>
+            <a:r>
+              <a:t/>
+            </a:r>
+            <a:endParaRPr/>
+          </a:p>
+        </p:txBody>
+      </p:sp>
+      <p:pic>
+        <p:nvPicPr>
+          <p:cNvPr id="111" name="Google Shape;111;p15"/>
+          <p:cNvPicPr preferRelativeResize="0"/>
+          <p:nvPr/>
+        </p:nvPicPr>
+        <p:blipFill>
+          <a:blip r:embed="rId3">
+            <a:alphaModFix/>
+          </a:blip>
+          <a:stretch>
+            <a:fillRect/>
+          </a:stretch>
+        </p:blipFill>
+        <p:spPr>
+          <a:xfrm>
+            <a:off x="6199950" y="2403815"/>
+            <a:ext cx="2348674" cy="1795825"/>
+          </a:xfrm>
+          <a:prstGeom prst="rect">
+            <a:avLst/>
+          </a:prstGeom>
+          <a:noFill/>
+          <a:ln>
+            <a:noFill/>
+          </a:ln>
+        </p:spPr>
+      </p:pic>
+      <p:sp>
+        <p:nvSpPr>
+          <p:cNvPr id="112" name="Google Shape;112;p15"/>
+          <p:cNvSpPr txBox="1"/>
+          <p:nvPr/>
+        </p:nvSpPr>
+        <p:spPr>
+          <a:xfrm>
+            <a:off x="6199950" y="4279300"/>
+            <a:ext cx="1800300" cy="323100"/>
+          </a:xfrm>
+          <a:prstGeom prst="rect">
+            <a:avLst/>
+          </a:prstGeom>
+          <a:noFill/>
+          <a:ln>
+            <a:noFill/>
+          </a:ln>
+        </p:spPr>
+        <p:txBody>
+          <a:bodyPr anchorCtr="0" anchor="t" bIns="91425" lIns="91425" spcFirstLastPara="1" rIns="91425" wrap="square" tIns="91425">
+            <a:spAutoFit/>
+          </a:bodyPr>
+          <a:lstStyle/>
+          <a:p>
+            <a:pPr indent="0" lvl="0" marL="0" rtl="0" algn="l">
+              <a:spcBef>
+                <a:spcPts val="0"/>
+              </a:spcBef>
+              <a:spcAft>
+                <a:spcPts val="0"/>
+              </a:spcAft>
+              <a:buNone/>
+            </a:pPr>
+            <a:r>
+              <a:rPr lang="en" sz="900">
+                <a:solidFill>
+                  <a:srgbClr val="4D4D4D"/>
+                </a:solidFill>
+                <a:highlight>
+                  <a:srgbClr val="FFFFFF"/>
+                </a:highlight>
+                <a:latin typeface="Trebuchet MS"/>
+                <a:ea typeface="Trebuchet MS"/>
+                <a:cs typeface="Trebuchet MS"/>
+                <a:sym typeface="Trebuchet MS"/>
+              </a:rPr>
+              <a:t>CDC/SCIENCE PHOTO LIBRARY</a:t>
+            </a:r>
+            <a:endParaRPr>
+              <a:latin typeface="Roboto"/>
+              <a:ea typeface="Roboto"/>
+              <a:cs typeface="Roboto"/>
+              <a:sym typeface="Roboto"/>
+            </a:endParaRPr>
+          </a:p>
+        </p:txBody>
+      </p:sp>
     </p:spTree>
   </p:cSld>
   <p:clrMapOvr>
@@ -14026,7 +14486,7 @@
   <p:cSld>
     <p:spTree>
       <p:nvGrpSpPr>
-        <p:cNvPr id="111" name="Shape 111"/>
+        <p:cNvPr id="116" name="Shape 116"/>
         <p:cNvGrpSpPr/>
         <p:nvPr/>
       </p:nvGrpSpPr>
@@ -14040,7 +14500,7 @@
       </p:grpSpPr>
       <p:sp>
         <p:nvSpPr>
-          <p:cNvPr id="112" name="Google Shape;112;p16"/>
+          <p:cNvPr id="117" name="Google Shape;117;p16"/>
           <p:cNvSpPr txBox="1"/>
           <p:nvPr>
             <p:ph type="title"/>
@@ -14080,7 +14540,7 @@
       </p:sp>
       <p:sp>
         <p:nvSpPr>
-          <p:cNvPr id="113" name="Google Shape;113;p16"/>
+          <p:cNvPr id="118" name="Google Shape;118;p16"/>
           <p:cNvSpPr/>
           <p:nvPr/>
         </p:nvSpPr>
@@ -14125,7 +14585,7 @@
       </p:sp>
       <p:sp>
         <p:nvSpPr>
-          <p:cNvPr id="114" name="Google Shape;114;p16"/>
+          <p:cNvPr id="119" name="Google Shape;119;p16"/>
           <p:cNvSpPr txBox="1"/>
           <p:nvPr>
             <p:ph idx="4294967295" type="body"/>
@@ -14133,8 +14593,8 @@
         </p:nvSpPr>
         <p:spPr>
           <a:xfrm>
-            <a:off x="432350" y="1451576"/>
-            <a:ext cx="2257200" cy="314400"/>
+            <a:off x="432350" y="1451575"/>
+            <a:ext cx="3188700" cy="314400"/>
           </a:xfrm>
           <a:prstGeom prst="rect">
             <a:avLst/>
@@ -14164,7 +14624,7 @@
                   <a:schemeClr val="lt1"/>
                 </a:solidFill>
               </a:rPr>
-              <a:t>Our World in Data</a:t>
+              <a:t>Our World in Data (OWID)</a:t>
             </a:r>
             <a:endParaRPr>
               <a:solidFill>
@@ -14176,7 +14636,7 @@
       </p:sp>
       <p:sp>
         <p:nvSpPr>
-          <p:cNvPr id="115" name="Google Shape;115;p16"/>
+          <p:cNvPr id="120" name="Google Shape;120;p16"/>
           <p:cNvSpPr txBox="1"/>
           <p:nvPr>
             <p:ph idx="4294967295" type="body"/>
@@ -14184,8 +14644,8 @@
         </p:nvSpPr>
         <p:spPr>
           <a:xfrm>
-            <a:off x="432350" y="2070575"/>
-            <a:ext cx="2471700" cy="2650800"/>
+            <a:off x="311700" y="1912675"/>
+            <a:ext cx="4139700" cy="3025200"/>
           </a:xfrm>
           <a:prstGeom prst="rect">
             <a:avLst/>
@@ -14219,15 +14679,135 @@
                   <a:srgbClr val="FFFFFF"/>
                 </a:highlight>
               </a:rPr>
-              <a:t> An organization that focuses on researching international crises including issues like climate change, war, and disease</a:t>
-            </a:r>
-            <a:endParaRPr/>
+              <a:t>An organization that focuses on researching international crises including issues like climate change, war, and disease</a:t>
+            </a:r>
+            <a:endParaRPr sz="1400">
+              <a:solidFill>
+                <a:srgbClr val="24292F"/>
+              </a:solidFill>
+              <a:highlight>
+                <a:srgbClr val="FFFFFF"/>
+              </a:highlight>
+            </a:endParaRPr>
+          </a:p>
+          <a:p>
+            <a:pPr indent="-317500" lvl="0" marL="457200" rtl="0" algn="l">
+              <a:spcBef>
+                <a:spcPts val="1000"/>
+              </a:spcBef>
+              <a:spcAft>
+                <a:spcPts val="0"/>
+              </a:spcAft>
+              <a:buClr>
+                <a:srgbClr val="24292F"/>
+              </a:buClr>
+              <a:buSzPts val="1400"/>
+              <a:buChar char="●"/>
+            </a:pPr>
+            <a:r>
+              <a:rPr lang="en" sz="1400">
+                <a:solidFill>
+                  <a:srgbClr val="24292F"/>
+                </a:solidFill>
+                <a:highlight>
+                  <a:srgbClr val="FFFFFF"/>
+                </a:highlight>
+              </a:rPr>
+              <a:t>Dataset compiled from multiple data sources including Johns Hopkins University, Oxford Government Response Tracker, UN, and World Bank</a:t>
+            </a:r>
+            <a:endParaRPr sz="1400">
+              <a:solidFill>
+                <a:srgbClr val="24292F"/>
+              </a:solidFill>
+              <a:highlight>
+                <a:srgbClr val="FFFFFF"/>
+              </a:highlight>
+            </a:endParaRPr>
+          </a:p>
+          <a:p>
+            <a:pPr indent="-317500" lvl="0" marL="457200" rtl="0" algn="l">
+              <a:spcBef>
+                <a:spcPts val="1000"/>
+              </a:spcBef>
+              <a:spcAft>
+                <a:spcPts val="1000"/>
+              </a:spcAft>
+              <a:buClr>
+                <a:srgbClr val="24292F"/>
+              </a:buClr>
+              <a:buSzPts val="1400"/>
+              <a:buChar char="●"/>
+            </a:pPr>
+            <a:r>
+              <a:rPr lang="en" sz="1400">
+                <a:solidFill>
+                  <a:srgbClr val="24292F"/>
+                </a:solidFill>
+                <a:highlight>
+                  <a:srgbClr val="FFFFFF"/>
+                </a:highlight>
+              </a:rPr>
+              <a:t>Along with information contained on the website, dataset and explanation of data easily </a:t>
+            </a:r>
+            <a:r>
+              <a:rPr lang="en" sz="1400">
+                <a:solidFill>
+                  <a:srgbClr val="24292F"/>
+                </a:solidFill>
+                <a:highlight>
+                  <a:srgbClr val="FFFFFF"/>
+                </a:highlight>
+              </a:rPr>
+              <a:t>accessible</a:t>
+            </a:r>
+            <a:r>
+              <a:rPr lang="en" sz="1400">
+                <a:solidFill>
+                  <a:srgbClr val="24292F"/>
+                </a:solidFill>
+                <a:highlight>
+                  <a:srgbClr val="FFFFFF"/>
+                </a:highlight>
+              </a:rPr>
+              <a:t> at </a:t>
+            </a:r>
+            <a:r>
+              <a:rPr lang="en" sz="1400" u="sng">
+                <a:solidFill>
+                  <a:schemeClr val="hlink"/>
+                </a:solidFill>
+                <a:highlight>
+                  <a:srgbClr val="FFFFFF"/>
+                </a:highlight>
+                <a:hlinkClick r:id="rId3"/>
+              </a:rPr>
+              <a:t>https://github.com/owid/covid-19-data</a:t>
+            </a:r>
+            <a:r>
+              <a:rPr lang="en" sz="1400">
+                <a:solidFill>
+                  <a:srgbClr val="24292F"/>
+                </a:solidFill>
+                <a:highlight>
+                  <a:srgbClr val="FFFFFF"/>
+                </a:highlight>
+              </a:rPr>
+              <a:t> </a:t>
+            </a:r>
+            <a:endParaRPr sz="1400">
+              <a:solidFill>
+                <a:srgbClr val="24292F"/>
+              </a:solidFill>
+              <a:highlight>
+                <a:srgbClr val="FFFFFF"/>
+              </a:highlight>
+            </a:endParaRPr>
           </a:p>
         </p:txBody>
       </p:sp>
       <p:sp>
         <p:nvSpPr>
-          <p:cNvPr id="116" name="Google Shape;116;p16"/>
+          <p:cNvPr id="121" name="Google Shape;121;p16"/>
           <p:cNvSpPr/>
           <p:nvPr/>
         </p:nvSpPr>
@@ -14272,7 +14852,7 @@
       </p:sp>
       <p:sp>
         <p:nvSpPr>
-          <p:cNvPr id="117" name="Google Shape;117;p16"/>
+          <p:cNvPr id="122" name="Google Shape;122;p16"/>
           <p:cNvSpPr txBox="1"/>
           <p:nvPr>
             <p:ph idx="4294967295" type="body"/>
@@ -14323,7 +14903,7 @@
       </p:sp>
       <p:sp>
         <p:nvSpPr>
-          <p:cNvPr id="118" name="Google Shape;118;p16"/>
+          <p:cNvPr id="123" name="Google Shape;123;p16"/>
           <p:cNvSpPr txBox="1"/>
           <p:nvPr>
             <p:ph idx="4294967295" type="body"/>
@@ -14331,8 +14911,8 @@
         </p:nvSpPr>
         <p:spPr>
           <a:xfrm>
-            <a:off x="5420971" y="2199750"/>
-            <a:ext cx="2471700" cy="2650800"/>
+            <a:off x="4572050" y="1980275"/>
+            <a:ext cx="4329600" cy="2650800"/>
           </a:xfrm>
           <a:prstGeom prst="rect">
             <a:avLst/>
@@ -14363,12 +14943,132 @@
                   <a:srgbClr val="24292F"/>
                 </a:solidFill>
                 <a:highlight>
+                  <a:schemeClr val="lt1"/>
+                </a:highlight>
+              </a:rPr>
+              <a:t>Several data fields within dataset continue to be updated daily (e.g. number of cases and deaths)</a:t>
+            </a:r>
+            <a:endParaRPr sz="1400">
+              <a:solidFill>
+                <a:srgbClr val="24292F"/>
+              </a:solidFill>
+              <a:highlight>
+                <a:schemeClr val="lt1"/>
+              </a:highlight>
+            </a:endParaRPr>
+          </a:p>
+          <a:p>
+            <a:pPr indent="-317500" lvl="0" marL="457200" rtl="0" algn="l">
+              <a:spcBef>
+                <a:spcPts val="1000"/>
+              </a:spcBef>
+              <a:spcAft>
+                <a:spcPts val="0"/>
+              </a:spcAft>
+              <a:buClr>
+                <a:srgbClr val="24292F"/>
+              </a:buClr>
+              <a:buSzPts val="1400"/>
+              <a:buChar char="●"/>
+            </a:pPr>
+            <a:r>
+              <a:rPr lang="en" sz="1400">
+                <a:solidFill>
+                  <a:srgbClr val="24292F"/>
+                </a:solidFill>
+                <a:highlight>
                   <a:srgbClr val="FFFFFF"/>
                 </a:highlight>
               </a:rPr>
-              <a:t>Combined data from across the world to include country, continent, new COVID-19 cases, total COVID-19 cases, population, age, and several other factors in reference to the COVID-19 pandemic</a:t>
-            </a:r>
-            <a:endParaRPr/>
+              <a:t>67 columns and 198,847 rows of data</a:t>
+            </a:r>
+            <a:endParaRPr sz="1400">
+              <a:solidFill>
+                <a:srgbClr val="24292F"/>
+              </a:solidFill>
+              <a:highlight>
+                <a:srgbClr val="FFFFFF"/>
+              </a:highlight>
+            </a:endParaRPr>
+          </a:p>
+          <a:p>
+            <a:pPr indent="-317500" lvl="0" marL="457200" rtl="0" algn="l">
+              <a:spcBef>
+                <a:spcPts val="1000"/>
+              </a:spcBef>
+              <a:spcAft>
+                <a:spcPts val="0"/>
+              </a:spcAft>
+              <a:buClr>
+                <a:srgbClr val="24292F"/>
+              </a:buClr>
+              <a:buSzPts val="1400"/>
+              <a:buChar char="●"/>
+            </a:pPr>
+            <a:r>
+              <a:rPr lang="en" sz="1400">
+                <a:solidFill>
+                  <a:srgbClr val="24292F"/>
+                </a:solidFill>
+                <a:highlight>
+                  <a:schemeClr val="lt1"/>
+                </a:highlight>
+              </a:rPr>
+              <a:t>Columns indicate international data</a:t>
+            </a:r>
+            <a:r>
+              <a:rPr lang="en" sz="1400">
+                <a:solidFill>
+                  <a:srgbClr val="24292F"/>
+                </a:solidFill>
+                <a:highlight>
+                  <a:schemeClr val="lt1"/>
+                </a:highlight>
+              </a:rPr>
+              <a:t> including country, COVID-19 cases, COVID-19 deaths, vaccinations, population, and several other factors in reference to the COVID-19 pandemic</a:t>
+            </a:r>
+            <a:endParaRPr sz="1400">
+              <a:solidFill>
+                <a:srgbClr val="24292F"/>
+              </a:solidFill>
+              <a:highlight>
+                <a:schemeClr val="lt1"/>
+              </a:highlight>
+            </a:endParaRPr>
+          </a:p>
+          <a:p>
+            <a:pPr indent="-317500" lvl="0" marL="457200" rtl="0" algn="l">
+              <a:spcBef>
+                <a:spcPts val="1000"/>
+              </a:spcBef>
+              <a:spcAft>
+                <a:spcPts val="1000"/>
+              </a:spcAft>
+              <a:buClr>
+                <a:srgbClr val="24292F"/>
+              </a:buClr>
+              <a:buSzPts val="1400"/>
+              <a:buChar char="●"/>
+            </a:pPr>
+            <a:r>
+              <a:rPr lang="en" sz="1400">
+                <a:solidFill>
+                  <a:srgbClr val="24292F"/>
+                </a:solidFill>
+                <a:highlight>
+                  <a:schemeClr val="lt1"/>
+                </a:highlight>
+              </a:rPr>
+              <a:t>Unique rows  characterized by entries from a country on a certain date</a:t>
+            </a:r>
+            <a:endParaRPr sz="1400">
+              <a:solidFill>
+                <a:srgbClr val="24292F"/>
+              </a:solidFill>
+              <a:highlight>
+                <a:schemeClr val="lt1"/>
+              </a:highlight>
+            </a:endParaRPr>
           </a:p>
         </p:txBody>
       </p:sp>
@@ -14385,7 +15085,7 @@
   <p:cSld>
     <p:spTree>
       <p:nvGrpSpPr>
-        <p:cNvPr id="122" name="Shape 122"/>
+        <p:cNvPr id="127" name="Shape 127"/>
         <p:cNvGrpSpPr/>
         <p:nvPr/>
       </p:nvGrpSpPr>
@@ -14399,7 +15099,7 @@
       </p:grpSpPr>
       <p:sp>
         <p:nvSpPr>
-          <p:cNvPr id="123" name="Google Shape;123;p17"/>
+          <p:cNvPr id="128" name="Google Shape;128;p17"/>
           <p:cNvSpPr txBox="1"/>
           <p:nvPr>
             <p:ph type="title"/>
@@ -14443,7 +15143,7 @@
       </p:sp>
       <p:sp>
         <p:nvSpPr>
-          <p:cNvPr id="124" name="Google Shape;124;p17"/>
+          <p:cNvPr id="129" name="Google Shape;129;p17"/>
           <p:cNvSpPr/>
           <p:nvPr/>
         </p:nvSpPr>
@@ -14488,7 +15188,7 @@
       </p:sp>
       <p:sp>
         <p:nvSpPr>
-          <p:cNvPr id="125" name="Google Shape;125;p17"/>
+          <p:cNvPr id="130" name="Google Shape;130;p17"/>
           <p:cNvSpPr txBox="1"/>
           <p:nvPr>
             <p:ph idx="4294967295" type="body"/>
@@ -14547,7 +15247,7 @@
       </p:sp>
       <p:sp>
         <p:nvSpPr>
-          <p:cNvPr id="126" name="Google Shape;126;p17"/>
+          <p:cNvPr id="131" name="Google Shape;131;p17"/>
           <p:cNvSpPr/>
           <p:nvPr/>
         </p:nvSpPr>
@@ -14592,7 +15292,7 @@
       </p:sp>
       <p:sp>
         <p:nvSpPr>
-          <p:cNvPr id="127" name="Google Shape;127;p17"/>
+          <p:cNvPr id="132" name="Google Shape;132;p17"/>
           <p:cNvSpPr txBox="1"/>
           <p:nvPr>
             <p:ph idx="4294967295" type="body"/>
@@ -14643,7 +15343,7 @@
       </p:sp>
       <p:sp>
         <p:nvSpPr>
-          <p:cNvPr id="128" name="Google Shape;128;p17"/>
+          <p:cNvPr id="133" name="Google Shape;133;p17"/>
           <p:cNvSpPr txBox="1"/>
           <p:nvPr/>
         </p:nvSpPr>
@@ -14701,7 +15401,7 @@
       </p:sp>
       <p:sp>
         <p:nvSpPr>
-          <p:cNvPr id="129" name="Google Shape;129;p17"/>
+          <p:cNvPr id="134" name="Google Shape;134;p17"/>
           <p:cNvSpPr txBox="1"/>
           <p:nvPr/>
         </p:nvSpPr>
@@ -14770,7 +15470,7 @@
   <p:cSld>
     <p:spTree>
       <p:nvGrpSpPr>
-        <p:cNvPr id="133" name="Shape 133"/>
+        <p:cNvPr id="138" name="Shape 138"/>
         <p:cNvGrpSpPr/>
         <p:nvPr/>
       </p:nvGrpSpPr>
@@ -14784,7 +15484,7 @@
       </p:grpSpPr>
       <p:sp>
         <p:nvSpPr>
-          <p:cNvPr id="134" name="Google Shape;134;p18"/>
+          <p:cNvPr id="139" name="Google Shape;139;p18"/>
           <p:cNvSpPr txBox="1"/>
           <p:nvPr>
             <p:ph type="title"/>
@@ -14835,7 +15535,7 @@
   <p:cSld>
     <p:spTree>
       <p:nvGrpSpPr>
-        <p:cNvPr id="138" name="Shape 138"/>
+        <p:cNvPr id="143" name="Shape 143"/>
         <p:cNvGrpSpPr/>
         <p:nvPr/>
       </p:nvGrpSpPr>
@@ -14849,7 +15549,7 @@
       </p:grpSpPr>
       <p:sp>
         <p:nvSpPr>
-          <p:cNvPr descr="Background pointer shape in timeline graphic" id="139" name="Google Shape;139;p19"/>
+          <p:cNvPr descr="Background pointer shape in timeline graphic" id="144" name="Google Shape;144;p19"/>
           <p:cNvSpPr/>
           <p:nvPr/>
         </p:nvSpPr>
@@ -14900,7 +15600,7 @@
       </p:sp>
       <p:grpSp>
         <p:nvGrpSpPr>
-          <p:cNvPr id="140" name="Google Shape;140;p19"/>
+          <p:cNvPr id="145" name="Google Shape;145;p19"/>
           <p:cNvGrpSpPr/>
           <p:nvPr/>
         </p:nvGrpSpPr>
@@ -14914,7 +15614,7 @@
         </p:grpSpPr>
         <p:cxnSp>
           <p:nvCxnSpPr>
-            <p:cNvPr id="141" name="Google Shape;141;p19"/>
+            <p:cNvPr id="146" name="Google Shape;146;p19"/>
             <p:cNvCxnSpPr/>
             <p:nvPr/>
           </p:nvCxnSpPr>
@@ -14940,188 +15640,13 @@
         </p:cxnSp>
         <p:sp>
           <p:nvSpPr>
-            <p:cNvPr id="142" name="Google Shape;142;p19"/>
+            <p:cNvPr id="147" name="Google Shape;147;p19"/>
             <p:cNvSpPr/>
             <p:nvPr/>
           </p:nvSpPr>
           <p:spPr>
             <a:xfrm>
               <a:off x="777447" y="1610215"/>
-              <a:ext cx="198900" cy="198900"/>
-            </a:xfrm>
-            <a:prstGeom prst="ellipse">
-              <a:avLst/>
-            </a:prstGeom>
-            <a:solidFill>
-              <a:schemeClr val="dk1"/>
-            </a:solidFill>
-            <a:ln>
-              <a:noFill/>
-            </a:ln>
-          </p:spPr>
-          <p:txBody>
-            <a:bodyPr anchorCtr="0" anchor="ctr" bIns="91425" lIns="91425" spcFirstLastPara="1" rIns="91425" wrap="square" tIns="91425">
-              <a:noAutofit/>
-            </a:bodyPr>
-            <a:lstStyle/>
-            <a:p>
-              <a:pPr indent="0" lvl="0" marL="0" rtl="0" algn="l">
-                <a:spcBef>
-                  <a:spcPts val="0"/>
-                </a:spcBef>
-                <a:spcAft>
-                  <a:spcPts val="0"/>
-                </a:spcAft>
-                <a:buNone/>
-              </a:pPr>
-              <a:r>
-                <a:t/>
-              </a:r>
-              <a:endParaRPr/>
-            </a:p>
-          </p:txBody>
-        </p:sp>
-      </p:grpSp>
-      <p:sp>
-        <p:nvSpPr>
-          <p:cNvPr id="143" name="Google Shape;143;p19"/>
-          <p:cNvSpPr txBox="1"/>
-          <p:nvPr>
-            <p:ph idx="4294967295" type="body"/>
-          </p:nvPr>
-        </p:nvSpPr>
-        <p:spPr>
-          <a:xfrm>
-            <a:off x="318375" y="385667"/>
-            <a:ext cx="2242800" cy="906300"/>
-          </a:xfrm>
-          <a:prstGeom prst="rect">
-            <a:avLst/>
-          </a:prstGeom>
-        </p:spPr>
-        <p:txBody>
-          <a:bodyPr anchorCtr="0" anchor="t" bIns="91425" lIns="91425" spcFirstLastPara="1" rIns="91425" wrap="square" tIns="91425">
-            <a:noAutofit/>
-          </a:bodyPr>
-          <a:lstStyle/>
-          <a:p>
-            <a:pPr indent="0" lvl="0" marL="0" rtl="0" algn="l">
-              <a:spcBef>
-                <a:spcPts val="0"/>
-              </a:spcBef>
-              <a:spcAft>
-                <a:spcPts val="1600"/>
-              </a:spcAft>
-              <a:buNone/>
-            </a:pPr>
-            <a:r>
-              <a:rPr lang="en" sz="1600"/>
-              <a:t>Data Loaded</a:t>
-            </a:r>
-            <a:endParaRPr sz="1600"/>
-          </a:p>
-        </p:txBody>
-      </p:sp>
-      <p:sp>
-        <p:nvSpPr>
-          <p:cNvPr descr="Background pointer shape in timeline graphic" id="144" name="Google Shape;144;p19"/>
-          <p:cNvSpPr/>
-          <p:nvPr/>
-        </p:nvSpPr>
-        <p:spPr>
-          <a:xfrm>
-            <a:off x="1817054" y="2199000"/>
-            <a:ext cx="2051100" cy="745500"/>
-          </a:xfrm>
-          <a:prstGeom prst="chevron">
-            <a:avLst>
-              <a:gd fmla="val 50000" name="adj"/>
-            </a:avLst>
-          </a:prstGeom>
-          <a:solidFill>
-            <a:schemeClr val="dk1"/>
-          </a:solidFill>
-          <a:ln cap="flat" cmpd="sng" w="9525">
-            <a:solidFill>
-              <a:schemeClr val="lt1"/>
-            </a:solidFill>
-            <a:prstDash val="solid"/>
-            <a:round/>
-            <a:headEnd len="sm" w="sm" type="none"/>
-            <a:tailEnd len="sm" w="sm" type="none"/>
-          </a:ln>
-        </p:spPr>
-        <p:txBody>
-          <a:bodyPr anchorCtr="0" anchor="ctr" bIns="121875" lIns="121875" spcFirstLastPara="1" rIns="121875" wrap="square" tIns="121875">
-            <a:noAutofit/>
-          </a:bodyPr>
-          <a:lstStyle/>
-          <a:p>
-            <a:pPr indent="0" lvl="0" marL="0" rtl="0" algn="l">
-              <a:spcBef>
-                <a:spcPts val="0"/>
-              </a:spcBef>
-              <a:spcAft>
-                <a:spcPts val="0"/>
-              </a:spcAft>
-              <a:buNone/>
-            </a:pPr>
-            <a:r>
-              <a:t/>
-            </a:r>
-            <a:endParaRPr/>
-          </a:p>
-        </p:txBody>
-      </p:sp>
-      <p:grpSp>
-        <p:nvGrpSpPr>
-          <p:cNvPr id="145" name="Google Shape;145;p19"/>
-          <p:cNvGrpSpPr/>
-          <p:nvPr/>
-        </p:nvGrpSpPr>
-        <p:grpSpPr>
-          <a:xfrm>
-            <a:off x="2684632" y="2938958"/>
-            <a:ext cx="198900" cy="593656"/>
-            <a:chOff x="2223534" y="2938958"/>
-            <a:chExt cx="198900" cy="593656"/>
-          </a:xfrm>
-        </p:grpSpPr>
-        <p:cxnSp>
-          <p:nvCxnSpPr>
-            <p:cNvPr id="146" name="Google Shape;146;p19"/>
-            <p:cNvCxnSpPr/>
-            <p:nvPr/>
-          </p:nvCxnSpPr>
-          <p:spPr>
-            <a:xfrm rot="10800000">
-              <a:off x="2322997" y="2938958"/>
-              <a:ext cx="0" cy="554700"/>
-            </a:xfrm>
-            <a:prstGeom prst="straightConnector1">
-              <a:avLst/>
-            </a:prstGeom>
-            <a:noFill/>
-            <a:ln cap="flat" cmpd="sng" w="9525">
-              <a:solidFill>
-                <a:schemeClr val="dk2"/>
-              </a:solidFill>
-              <a:prstDash val="solid"/>
-              <a:round/>
-              <a:headEnd len="sm" w="sm" type="none"/>
-              <a:tailEnd len="sm" w="sm" type="none"/>
-            </a:ln>
-          </p:spPr>
-        </p:cxnSp>
-        <p:sp>
-          <p:nvSpPr>
-            <p:cNvPr id="147" name="Google Shape;147;p19"/>
-            <p:cNvSpPr/>
-            <p:nvPr/>
-          </p:nvSpPr>
-          <p:spPr>
-            <a:xfrm flipH="1" rot="10800000">
-              <a:off x="2223534" y="3333714"/>
               <a:ext cx="198900" cy="198900"/>
             </a:xfrm>
             <a:prstGeom prst="ellipse">
@@ -15167,8 +15692,8 @@
         </p:nvSpPr>
         <p:spPr>
           <a:xfrm>
-            <a:off x="1244337" y="3757725"/>
-            <a:ext cx="2242800" cy="906300"/>
+            <a:off x="261725" y="950800"/>
+            <a:ext cx="1614000" cy="593700"/>
           </a:xfrm>
           <a:prstGeom prst="rect">
             <a:avLst/>
@@ -15180,7 +15705,7 @@
           </a:bodyPr>
           <a:lstStyle/>
           <a:p>
-            <a:pPr indent="0" lvl="0" marL="0" rtl="0" algn="l">
+            <a:pPr indent="0" lvl="0" marL="0" rtl="0" algn="ctr">
               <a:spcBef>
                 <a:spcPts val="0"/>
               </a:spcBef>
@@ -15191,7 +15716,7 @@
             </a:pPr>
             <a:r>
               <a:rPr lang="en" sz="1600"/>
-              <a:t>Exploratory Analysis</a:t>
+              <a:t>Data Loaded</a:t>
             </a:r>
             <a:endParaRPr sz="1600"/>
           </a:p>
@@ -15205,7 +15730,7 @@
         </p:nvSpPr>
         <p:spPr>
           <a:xfrm>
-            <a:off x="3471973" y="2199000"/>
+            <a:off x="1817054" y="2199000"/>
             <a:ext cx="2051100" cy="745500"/>
           </a:xfrm>
           <a:prstGeom prst="chevron">
@@ -15256,9 +15781,9 @@
         </p:nvGrpSpPr>
         <p:grpSpPr>
           <a:xfrm>
-            <a:off x="4319545" y="1610215"/>
+            <a:off x="2684632" y="2938958"/>
             <a:ext cx="198900" cy="593656"/>
-            <a:chOff x="3918084" y="1610215"/>
+            <a:chOff x="2223534" y="2938958"/>
             <a:chExt cx="198900" cy="593656"/>
           </a:xfrm>
         </p:grpSpPr>
@@ -15269,8 +15794,8 @@
             <p:nvPr/>
           </p:nvCxnSpPr>
           <p:spPr>
-            <a:xfrm>
-              <a:off x="4017546" y="1649171"/>
+            <a:xfrm rot="10800000">
+              <a:off x="2322997" y="2938958"/>
               <a:ext cx="0" cy="554700"/>
             </a:xfrm>
             <a:prstGeom prst="straightConnector1">
@@ -15295,8 +15820,8 @@
             <p:nvPr/>
           </p:nvSpPr>
           <p:spPr>
-            <a:xfrm>
-              <a:off x="3918084" y="1610215"/>
+            <a:xfrm flipH="1" rot="10800000">
+              <a:off x="2223534" y="3333714"/>
               <a:ext cx="198900" cy="198900"/>
             </a:xfrm>
             <a:prstGeom prst="ellipse">
@@ -15342,7 +15867,7 @@
         </p:nvSpPr>
         <p:spPr>
           <a:xfrm>
-            <a:off x="3304094" y="385667"/>
+            <a:off x="1662687" y="3757725"/>
             <a:ext cx="2242800" cy="906300"/>
           </a:xfrm>
           <a:prstGeom prst="rect">
@@ -15366,7 +15891,7 @@
             </a:pPr>
             <a:r>
               <a:rPr lang="en" sz="1600"/>
-              <a:t>Database created and loaded</a:t>
+              <a:t>Exploratory Analysis</a:t>
             </a:r>
             <a:endParaRPr sz="1600"/>
           </a:p>
@@ -15380,7 +15905,7 @@
         </p:nvSpPr>
         <p:spPr>
           <a:xfrm>
-            <a:off x="5126893" y="2199000"/>
+            <a:off x="3471973" y="2199000"/>
             <a:ext cx="2051100" cy="745500"/>
           </a:xfrm>
           <a:prstGeom prst="chevron">
@@ -15431,9 +15956,9 @@
         </p:nvGrpSpPr>
         <p:grpSpPr>
           <a:xfrm>
-            <a:off x="5973070" y="2938958"/>
+            <a:off x="4319545" y="1610215"/>
             <a:ext cx="198900" cy="593656"/>
-            <a:chOff x="5958946" y="2938958"/>
+            <a:chOff x="3918084" y="1610215"/>
             <a:chExt cx="198900" cy="593656"/>
           </a:xfrm>
         </p:grpSpPr>
@@ -15444,8 +15969,8 @@
             <p:nvPr/>
           </p:nvCxnSpPr>
           <p:spPr>
-            <a:xfrm rot="10800000">
-              <a:off x="6058409" y="2938958"/>
+            <a:xfrm>
+              <a:off x="4017546" y="1649171"/>
               <a:ext cx="0" cy="554700"/>
             </a:xfrm>
             <a:prstGeom prst="straightConnector1">
@@ -15470,8 +15995,8 @@
             <p:nvPr/>
           </p:nvSpPr>
           <p:spPr>
-            <a:xfrm flipH="1" rot="10800000">
-              <a:off x="5958946" y="3333714"/>
+            <a:xfrm>
+              <a:off x="3918084" y="1610215"/>
               <a:ext cx="198900" cy="198900"/>
             </a:xfrm>
             <a:prstGeom prst="ellipse">
@@ -15517,7 +16042,7 @@
         </p:nvSpPr>
         <p:spPr>
           <a:xfrm>
-            <a:off x="5126902" y="3757725"/>
+            <a:off x="3297582" y="879417"/>
             <a:ext cx="2242800" cy="906300"/>
           </a:xfrm>
           <a:prstGeom prst="rect">
@@ -15541,7 +16066,7 @@
             </a:pPr>
             <a:r>
               <a:rPr lang="en" sz="1600"/>
-              <a:t>Preprocessing of Data and Running ML</a:t>
+              <a:t>Database Established</a:t>
             </a:r>
             <a:endParaRPr sz="1600"/>
           </a:p>
@@ -15555,7 +16080,7 @@
         </p:nvSpPr>
         <p:spPr>
           <a:xfrm>
-            <a:off x="6781813" y="2199000"/>
+            <a:off x="5126893" y="2199000"/>
             <a:ext cx="2051100" cy="745500"/>
           </a:xfrm>
           <a:prstGeom prst="chevron">
@@ -15606,9 +16131,9 @@
         </p:nvGrpSpPr>
         <p:grpSpPr>
           <a:xfrm>
-            <a:off x="7669807" y="1610215"/>
+            <a:off x="5973070" y="2938958"/>
             <a:ext cx="198900" cy="593656"/>
-            <a:chOff x="3918084" y="1610215"/>
+            <a:chOff x="5958946" y="2938958"/>
             <a:chExt cx="198900" cy="593656"/>
           </a:xfrm>
         </p:grpSpPr>
@@ -15619,8 +16144,8 @@
             <p:nvPr/>
           </p:nvCxnSpPr>
           <p:spPr>
-            <a:xfrm>
-              <a:off x="4017546" y="1649171"/>
+            <a:xfrm rot="10800000">
+              <a:off x="6058409" y="2938958"/>
               <a:ext cx="0" cy="554700"/>
             </a:xfrm>
             <a:prstGeom prst="straightConnector1">
@@ -15645,8 +16170,8 @@
             <p:nvPr/>
           </p:nvSpPr>
           <p:spPr>
-            <a:xfrm>
-              <a:off x="3918084" y="1610215"/>
+            <a:xfrm flipH="1" rot="10800000">
+              <a:off x="5958946" y="3333714"/>
               <a:ext cx="198900" cy="198900"/>
             </a:xfrm>
             <a:prstGeom prst="ellipse">
@@ -15692,7 +16217,182 @@
         </p:nvSpPr>
         <p:spPr>
           <a:xfrm>
-            <a:off x="6685979" y="385667"/>
+            <a:off x="4951127" y="3757725"/>
+            <a:ext cx="2242800" cy="906300"/>
+          </a:xfrm>
+          <a:prstGeom prst="rect">
+            <a:avLst/>
+          </a:prstGeom>
+        </p:spPr>
+        <p:txBody>
+          <a:bodyPr anchorCtr="0" anchor="t" bIns="91425" lIns="91425" spcFirstLastPara="1" rIns="91425" wrap="square" tIns="91425">
+            <a:noAutofit/>
+          </a:bodyPr>
+          <a:lstStyle/>
+          <a:p>
+            <a:pPr indent="0" lvl="0" marL="0" rtl="0" algn="ctr">
+              <a:spcBef>
+                <a:spcPts val="0"/>
+              </a:spcBef>
+              <a:spcAft>
+                <a:spcPts val="1600"/>
+              </a:spcAft>
+              <a:buNone/>
+            </a:pPr>
+            <a:r>
+              <a:rPr lang="en" sz="1600"/>
+              <a:t>Preprocessing of Data and Running ML</a:t>
+            </a:r>
+            <a:endParaRPr sz="1600"/>
+          </a:p>
+        </p:txBody>
+      </p:sp>
+      <p:sp>
+        <p:nvSpPr>
+          <p:cNvPr descr="Background pointer shape in timeline graphic" id="164" name="Google Shape;164;p19"/>
+          <p:cNvSpPr/>
+          <p:nvPr/>
+        </p:nvSpPr>
+        <p:spPr>
+          <a:xfrm>
+            <a:off x="6781813" y="2199000"/>
+            <a:ext cx="2051100" cy="745500"/>
+          </a:xfrm>
+          <a:prstGeom prst="chevron">
+            <a:avLst>
+              <a:gd fmla="val 50000" name="adj"/>
+            </a:avLst>
+          </a:prstGeom>
+          <a:solidFill>
+            <a:schemeClr val="dk1"/>
+          </a:solidFill>
+          <a:ln cap="flat" cmpd="sng" w="9525">
+            <a:solidFill>
+              <a:schemeClr val="lt1"/>
+            </a:solidFill>
+            <a:prstDash val="solid"/>
+            <a:round/>
+            <a:headEnd len="sm" w="sm" type="none"/>
+            <a:tailEnd len="sm" w="sm" type="none"/>
+          </a:ln>
+        </p:spPr>
+        <p:txBody>
+          <a:bodyPr anchorCtr="0" anchor="ctr" bIns="121875" lIns="121875" spcFirstLastPara="1" rIns="121875" wrap="square" tIns="121875">
+            <a:noAutofit/>
+          </a:bodyPr>
+          <a:lstStyle/>
+          <a:p>
+            <a:pPr indent="0" lvl="0" marL="0" rtl="0" algn="l">
+              <a:spcBef>
+                <a:spcPts val="0"/>
+              </a:spcBef>
+              <a:spcAft>
+                <a:spcPts val="0"/>
+              </a:spcAft>
+              <a:buNone/>
+            </a:pPr>
+            <a:r>
+              <a:t/>
+            </a:r>
+            <a:endParaRPr/>
+          </a:p>
+        </p:txBody>
+      </p:sp>
+      <p:grpSp>
+        <p:nvGrpSpPr>
+          <p:cNvPr id="165" name="Google Shape;165;p19"/>
+          <p:cNvGrpSpPr/>
+          <p:nvPr/>
+        </p:nvGrpSpPr>
+        <p:grpSpPr>
+          <a:xfrm>
+            <a:off x="7669807" y="1610215"/>
+            <a:ext cx="198900" cy="593656"/>
+            <a:chOff x="3918084" y="1610215"/>
+            <a:chExt cx="198900" cy="593656"/>
+          </a:xfrm>
+        </p:grpSpPr>
+        <p:cxnSp>
+          <p:nvCxnSpPr>
+            <p:cNvPr id="166" name="Google Shape;166;p19"/>
+            <p:cNvCxnSpPr/>
+            <p:nvPr/>
+          </p:nvCxnSpPr>
+          <p:spPr>
+            <a:xfrm>
+              <a:off x="4017546" y="1649171"/>
+              <a:ext cx="0" cy="554700"/>
+            </a:xfrm>
+            <a:prstGeom prst="straightConnector1">
+              <a:avLst/>
+            </a:prstGeom>
+            <a:noFill/>
+            <a:ln cap="flat" cmpd="sng" w="9525">
+              <a:solidFill>
+                <a:schemeClr val="dk2"/>
+              </a:solidFill>
+              <a:prstDash val="solid"/>
+              <a:round/>
+              <a:headEnd len="sm" w="sm" type="none"/>
+              <a:tailEnd len="sm" w="sm" type="none"/>
+            </a:ln>
+          </p:spPr>
+        </p:cxnSp>
+        <p:sp>
+          <p:nvSpPr>
+            <p:cNvPr id="167" name="Google Shape;167;p19"/>
+            <p:cNvSpPr/>
+            <p:nvPr/>
+          </p:nvSpPr>
+          <p:spPr>
+            <a:xfrm>
+              <a:off x="3918084" y="1610215"/>
+              <a:ext cx="198900" cy="198900"/>
+            </a:xfrm>
+            <a:prstGeom prst="ellipse">
+              <a:avLst/>
+            </a:prstGeom>
+            <a:solidFill>
+              <a:schemeClr val="dk1"/>
+            </a:solidFill>
+            <a:ln>
+              <a:noFill/>
+            </a:ln>
+          </p:spPr>
+          <p:txBody>
+            <a:bodyPr anchorCtr="0" anchor="ctr" bIns="91425" lIns="91425" spcFirstLastPara="1" rIns="91425" wrap="square" tIns="91425">
+              <a:noAutofit/>
+            </a:bodyPr>
+            <a:lstStyle/>
+            <a:p>
+              <a:pPr indent="0" lvl="0" marL="0" rtl="0" algn="l">
+                <a:spcBef>
+                  <a:spcPts val="0"/>
+                </a:spcBef>
+                <a:spcAft>
+                  <a:spcPts val="0"/>
+                </a:spcAft>
+                <a:buNone/>
+              </a:pPr>
+              <a:r>
+                <a:t/>
+              </a:r>
+              <a:endParaRPr/>
+            </a:p>
+          </p:txBody>
+        </p:sp>
+      </p:grpSp>
+      <p:sp>
+        <p:nvSpPr>
+          <p:cNvPr id="168" name="Google Shape;168;p19"/>
+          <p:cNvSpPr txBox="1"/>
+          <p:nvPr>
+            <p:ph idx="4294967295" type="body"/>
+          </p:nvPr>
+        </p:nvSpPr>
+        <p:spPr>
+          <a:xfrm>
+            <a:off x="6647854" y="950792"/>
             <a:ext cx="2242800" cy="906300"/>
           </a:xfrm>
           <a:prstGeom prst="rect">
@@ -15739,7 +16439,7 @@
   <p:cSld>
     <p:spTree>
       <p:nvGrpSpPr>
-        <p:cNvPr id="167" name="Shape 167"/>
+        <p:cNvPr id="172" name="Shape 172"/>
         <p:cNvGrpSpPr/>
         <p:nvPr/>
       </p:nvGrpSpPr>
@@ -15753,7 +16453,7 @@
       </p:grpSpPr>
       <p:sp>
         <p:nvSpPr>
-          <p:cNvPr id="168" name="Google Shape;168;p20"/>
+          <p:cNvPr id="173" name="Google Shape;173;p20"/>
           <p:cNvSpPr txBox="1"/>
           <p:nvPr>
             <p:ph type="title"/>
@@ -15793,7 +16493,7 @@
       </p:sp>
       <p:sp>
         <p:nvSpPr>
-          <p:cNvPr id="169" name="Google Shape;169;p20"/>
+          <p:cNvPr id="174" name="Google Shape;174;p20"/>
           <p:cNvSpPr/>
           <p:nvPr/>
         </p:nvSpPr>
@@ -15838,7 +16538,7 @@
       </p:sp>
       <p:sp>
         <p:nvSpPr>
-          <p:cNvPr id="170" name="Google Shape;170;p20"/>
+          <p:cNvPr id="175" name="Google Shape;175;p20"/>
           <p:cNvSpPr txBox="1"/>
           <p:nvPr/>
         </p:nvSpPr>
@@ -15967,7 +16667,7 @@
   <p:cSld>
     <p:spTree>
       <p:nvGrpSpPr>
-        <p:cNvPr id="174" name="Shape 174"/>
+        <p:cNvPr id="179" name="Shape 179"/>
         <p:cNvGrpSpPr/>
         <p:nvPr/>
       </p:nvGrpSpPr>
@@ -15981,7 +16681,7 @@
       </p:grpSpPr>
       <p:sp>
         <p:nvSpPr>
-          <p:cNvPr id="175" name="Google Shape;175;p21"/>
+          <p:cNvPr id="180" name="Google Shape;180;p21"/>
           <p:cNvSpPr txBox="1"/>
           <p:nvPr>
             <p:ph type="title"/>
@@ -16021,7 +16721,7 @@
       </p:sp>
       <p:sp>
         <p:nvSpPr>
-          <p:cNvPr id="176" name="Google Shape;176;p21"/>
+          <p:cNvPr id="181" name="Google Shape;181;p21"/>
           <p:cNvSpPr/>
           <p:nvPr/>
         </p:nvSpPr>
@@ -16066,7 +16766,7 @@
       </p:sp>
       <p:sp>
         <p:nvSpPr>
-          <p:cNvPr id="177" name="Google Shape;177;p21"/>
+          <p:cNvPr id="182" name="Google Shape;182;p21"/>
           <p:cNvSpPr txBox="1"/>
           <p:nvPr>
             <p:ph idx="4294967295" type="body"/>
@@ -16117,7 +16817,7 @@
       </p:sp>
       <p:sp>
         <p:nvSpPr>
-          <p:cNvPr id="178" name="Google Shape;178;p21"/>
+          <p:cNvPr id="183" name="Google Shape;183;p21"/>
           <p:cNvSpPr txBox="1"/>
           <p:nvPr>
             <p:ph idx="4294967295" type="body"/>
@@ -16195,7 +16895,7 @@
       </p:sp>
       <p:sp>
         <p:nvSpPr>
-          <p:cNvPr id="179" name="Google Shape;179;p21"/>
+          <p:cNvPr id="184" name="Google Shape;184;p21"/>
           <p:cNvSpPr/>
           <p:nvPr/>
         </p:nvSpPr>
@@ -16240,7 +16940,7 @@
       </p:sp>
       <p:sp>
         <p:nvSpPr>
-          <p:cNvPr id="180" name="Google Shape;180;p21"/>
+          <p:cNvPr id="185" name="Google Shape;185;p21"/>
           <p:cNvSpPr txBox="1"/>
           <p:nvPr>
             <p:ph idx="4294967295" type="body"/>
@@ -16291,7 +16991,7 @@
       </p:sp>
       <p:sp>
         <p:nvSpPr>
-          <p:cNvPr id="181" name="Google Shape;181;p21"/>
+          <p:cNvPr id="186" name="Google Shape;186;p21"/>
           <p:cNvSpPr txBox="1"/>
           <p:nvPr>
             <p:ph idx="4294967295" type="body"/>
@@ -16332,7 +17032,7 @@
       </p:sp>
       <p:sp>
         <p:nvSpPr>
-          <p:cNvPr id="182" name="Google Shape;182;p21"/>
+          <p:cNvPr id="187" name="Google Shape;187;p21"/>
           <p:cNvSpPr/>
           <p:nvPr/>
         </p:nvSpPr>
@@ -16377,7 +17077,7 @@
       </p:sp>
       <p:sp>
         <p:nvSpPr>
-          <p:cNvPr id="183" name="Google Shape;183;p21"/>
+          <p:cNvPr id="188" name="Google Shape;188;p21"/>
           <p:cNvSpPr txBox="1"/>
           <p:nvPr>
             <p:ph idx="4294967295" type="body"/>
@@ -16428,7 +17128,7 @@
       </p:sp>
       <p:sp>
         <p:nvSpPr>
-          <p:cNvPr id="184" name="Google Shape;184;p21"/>
+          <p:cNvPr id="189" name="Google Shape;189;p21"/>
           <p:cNvSpPr txBox="1"/>
           <p:nvPr>
             <p:ph idx="4294967295" type="body"/>

--- a/COVID-19 Analysis.pptx
+++ b/COVID-19 Analysis.pptx
@@ -814,7 +814,7 @@
   <p:cSld>
     <p:spTree>
       <p:nvGrpSpPr>
-        <p:cNvPr id="185" name="Shape 185"/>
+        <p:cNvPr id="194" name="Shape 194"/>
         <p:cNvGrpSpPr/>
         <p:nvPr/>
       </p:nvGrpSpPr>
@@ -828,7 +828,7 @@
       </p:grpSpPr>
       <p:sp>
         <p:nvSpPr>
-          <p:cNvPr id="186" name="Google Shape;186;g13d29a0f314_0_71:notes"/>
+          <p:cNvPr id="195" name="Google Shape;195;g13d29a0f314_0_71:notes"/>
           <p:cNvSpPr/>
           <p:nvPr>
             <p:ph idx="2" type="sldImg"/>
@@ -863,7 +863,7 @@
       </p:sp>
       <p:sp>
         <p:nvSpPr>
-          <p:cNvPr id="187" name="Google Shape;187;g13d29a0f314_0_71:notes"/>
+          <p:cNvPr id="196" name="Google Shape;196;g13d29a0f314_0_71:notes"/>
           <p:cNvSpPr txBox="1"/>
           <p:nvPr>
             <p:ph idx="1" type="body"/>
@@ -913,7 +913,7 @@
   <p:cSld>
     <p:spTree>
       <p:nvGrpSpPr>
-        <p:cNvPr id="192" name="Shape 192"/>
+        <p:cNvPr id="201" name="Shape 201"/>
         <p:cNvGrpSpPr/>
         <p:nvPr/>
       </p:nvGrpSpPr>
@@ -927,7 +927,7 @@
       </p:grpSpPr>
       <p:sp>
         <p:nvSpPr>
-          <p:cNvPr id="193" name="Google Shape;193;g13d29a0f314_0_78:notes"/>
+          <p:cNvPr id="202" name="Google Shape;202;g13d29a0f314_0_78:notes"/>
           <p:cNvSpPr/>
           <p:nvPr>
             <p:ph idx="2" type="sldImg"/>
@@ -962,7 +962,7 @@
       </p:sp>
       <p:sp>
         <p:nvSpPr>
-          <p:cNvPr id="194" name="Google Shape;194;g13d29a0f314_0_78:notes"/>
+          <p:cNvPr id="203" name="Google Shape;203;g13d29a0f314_0_78:notes"/>
           <p:cNvSpPr txBox="1"/>
           <p:nvPr>
             <p:ph idx="1" type="body"/>
@@ -1012,7 +1012,7 @@
   <p:cSld>
     <p:spTree>
       <p:nvGrpSpPr>
-        <p:cNvPr id="199" name="Shape 199"/>
+        <p:cNvPr id="208" name="Shape 208"/>
         <p:cNvGrpSpPr/>
         <p:nvPr/>
       </p:nvGrpSpPr>
@@ -1026,7 +1026,7 @@
       </p:grpSpPr>
       <p:sp>
         <p:nvSpPr>
-          <p:cNvPr id="200" name="Google Shape;200;g13d29a0f314_0_85:notes"/>
+          <p:cNvPr id="209" name="Google Shape;209;g13d29a0f314_0_85:notes"/>
           <p:cNvSpPr/>
           <p:nvPr>
             <p:ph idx="2" type="sldImg"/>
@@ -1061,7 +1061,7 @@
       </p:sp>
       <p:sp>
         <p:nvSpPr>
-          <p:cNvPr id="201" name="Google Shape;201;g13d29a0f314_0_85:notes"/>
+          <p:cNvPr id="210" name="Google Shape;210;g13d29a0f314_0_85:notes"/>
           <p:cNvSpPr txBox="1"/>
           <p:nvPr>
             <p:ph idx="1" type="body"/>
@@ -1111,7 +1111,7 @@
   <p:cSld>
     <p:spTree>
       <p:nvGrpSpPr>
-        <p:cNvPr id="206" name="Shape 206"/>
+        <p:cNvPr id="215" name="Shape 215"/>
         <p:cNvGrpSpPr/>
         <p:nvPr/>
       </p:nvGrpSpPr>
@@ -1125,7 +1125,7 @@
       </p:grpSpPr>
       <p:sp>
         <p:nvSpPr>
-          <p:cNvPr id="207" name="Google Shape;207;gc6f9e470d_0_80:notes"/>
+          <p:cNvPr id="216" name="Google Shape;216;gc6f9e470d_0_80:notes"/>
           <p:cNvSpPr/>
           <p:nvPr>
             <p:ph idx="2" type="sldImg"/>
@@ -1160,7 +1160,7 @@
       </p:sp>
       <p:sp>
         <p:nvSpPr>
-          <p:cNvPr id="208" name="Google Shape;208;gc6f9e470d_0_80:notes"/>
+          <p:cNvPr id="217" name="Google Shape;217;gc6f9e470d_0_80:notes"/>
           <p:cNvSpPr txBox="1"/>
           <p:nvPr>
             <p:ph idx="1" type="body"/>
@@ -1210,7 +1210,7 @@
   <p:cSld>
     <p:spTree>
       <p:nvGrpSpPr>
-        <p:cNvPr id="253" name="Shape 253"/>
+        <p:cNvPr id="262" name="Shape 262"/>
         <p:cNvGrpSpPr/>
         <p:nvPr/>
       </p:nvGrpSpPr>
@@ -1224,7 +1224,7 @@
       </p:grpSpPr>
       <p:sp>
         <p:nvSpPr>
-          <p:cNvPr id="254" name="Google Shape;254;g13d29a0f314_0_91:notes"/>
+          <p:cNvPr id="263" name="Google Shape;263;g13d29a0f314_0_91:notes"/>
           <p:cNvSpPr/>
           <p:nvPr>
             <p:ph idx="2" type="sldImg"/>
@@ -1259,7 +1259,7 @@
       </p:sp>
       <p:sp>
         <p:nvSpPr>
-          <p:cNvPr id="255" name="Google Shape;255;g13d29a0f314_0_91:notes"/>
+          <p:cNvPr id="264" name="Google Shape;264;g13d29a0f314_0_91:notes"/>
           <p:cNvSpPr txBox="1"/>
           <p:nvPr>
             <p:ph idx="1" type="body"/>
@@ -1309,7 +1309,7 @@
   <p:cSld>
     <p:spTree>
       <p:nvGrpSpPr>
-        <p:cNvPr id="259" name="Shape 259"/>
+        <p:cNvPr id="268" name="Shape 268"/>
         <p:cNvGrpSpPr/>
         <p:nvPr/>
       </p:nvGrpSpPr>
@@ -1323,7 +1323,7 @@
       </p:grpSpPr>
       <p:sp>
         <p:nvSpPr>
-          <p:cNvPr id="260" name="Google Shape;260;gc6f9e470d_0_126:notes"/>
+          <p:cNvPr id="269" name="Google Shape;269;gc6f9e470d_0_126:notes"/>
           <p:cNvSpPr/>
           <p:nvPr>
             <p:ph idx="2" type="sldImg"/>
@@ -1358,7 +1358,7 @@
       </p:sp>
       <p:sp>
         <p:nvSpPr>
-          <p:cNvPr id="261" name="Google Shape;261;gc6f9e470d_0_126:notes"/>
+          <p:cNvPr id="270" name="Google Shape;270;gc6f9e470d_0_126:notes"/>
           <p:cNvSpPr txBox="1"/>
           <p:nvPr>
             <p:ph idx="1" type="body"/>
@@ -1408,7 +1408,7 @@
   <p:cSld>
     <p:spTree>
       <p:nvGrpSpPr>
-        <p:cNvPr id="299" name="Shape 299"/>
+        <p:cNvPr id="305" name="Shape 305"/>
         <p:cNvGrpSpPr/>
         <p:nvPr/>
       </p:nvGrpSpPr>
@@ -1422,7 +1422,7 @@
       </p:grpSpPr>
       <p:sp>
         <p:nvSpPr>
-          <p:cNvPr id="300" name="Google Shape;300;g13d29a0f314_0_44:notes"/>
+          <p:cNvPr id="306" name="Google Shape;306;g13d29a0f314_0_44:notes"/>
           <p:cNvSpPr/>
           <p:nvPr>
             <p:ph idx="2" type="sldImg"/>
@@ -1457,7 +1457,7 @@
       </p:sp>
       <p:sp>
         <p:nvSpPr>
-          <p:cNvPr id="301" name="Google Shape;301;g13d29a0f314_0_44:notes"/>
+          <p:cNvPr id="307" name="Google Shape;307;g13d29a0f314_0_44:notes"/>
           <p:cNvSpPr txBox="1"/>
           <p:nvPr>
             <p:ph idx="1" type="body"/>
@@ -1606,7 +1606,7 @@
   <p:cSld>
     <p:spTree>
       <p:nvGrpSpPr>
-        <p:cNvPr id="101" name="Shape 101"/>
+        <p:cNvPr id="104" name="Shape 104"/>
         <p:cNvGrpSpPr/>
         <p:nvPr/>
       </p:nvGrpSpPr>
@@ -1620,7 +1620,7 @@
       </p:grpSpPr>
       <p:sp>
         <p:nvSpPr>
-          <p:cNvPr id="102" name="Google Shape;102;gc6f9e470d_0_24:notes"/>
+          <p:cNvPr id="105" name="Google Shape;105;gc6f9e470d_0_24:notes"/>
           <p:cNvSpPr/>
           <p:nvPr>
             <p:ph idx="2" type="sldImg"/>
@@ -1655,7 +1655,7 @@
       </p:sp>
       <p:sp>
         <p:nvSpPr>
-          <p:cNvPr id="103" name="Google Shape;103;gc6f9e470d_0_24:notes"/>
+          <p:cNvPr id="106" name="Google Shape;106;gc6f9e470d_0_24:notes"/>
           <p:cNvSpPr txBox="1"/>
           <p:nvPr>
             <p:ph idx="1" type="body"/>
@@ -1705,7 +1705,7 @@
   <p:cSld>
     <p:spTree>
       <p:nvGrpSpPr>
-        <p:cNvPr id="108" name="Shape 108"/>
+        <p:cNvPr id="113" name="Shape 113"/>
         <p:cNvGrpSpPr/>
         <p:nvPr/>
       </p:nvGrpSpPr>
@@ -1719,7 +1719,7 @@
       </p:grpSpPr>
       <p:sp>
         <p:nvSpPr>
-          <p:cNvPr id="109" name="Google Shape;109;g13d29a0f314_0_5:notes"/>
+          <p:cNvPr id="114" name="Google Shape;114;g13d29a0f314_0_5:notes"/>
           <p:cNvSpPr/>
           <p:nvPr>
             <p:ph idx="2" type="sldImg"/>
@@ -1754,7 +1754,7 @@
       </p:sp>
       <p:sp>
         <p:nvSpPr>
-          <p:cNvPr id="110" name="Google Shape;110;g13d29a0f314_0_5:notes"/>
+          <p:cNvPr id="115" name="Google Shape;115;g13d29a0f314_0_5:notes"/>
           <p:cNvSpPr txBox="1"/>
           <p:nvPr>
             <p:ph idx="1" type="body"/>
@@ -1804,7 +1804,7 @@
   <p:cSld>
     <p:spTree>
       <p:nvGrpSpPr>
-        <p:cNvPr id="119" name="Shape 119"/>
+        <p:cNvPr id="124" name="Shape 124"/>
         <p:cNvGrpSpPr/>
         <p:nvPr/>
       </p:nvGrpSpPr>
@@ -1818,7 +1818,7 @@
       </p:grpSpPr>
       <p:sp>
         <p:nvSpPr>
-          <p:cNvPr id="120" name="Google Shape;120;g13d29a0f314_0_18:notes"/>
+          <p:cNvPr id="125" name="Google Shape;125;g13d29a0f314_0_18:notes"/>
           <p:cNvSpPr/>
           <p:nvPr>
             <p:ph idx="2" type="sldImg"/>
@@ -1853,7 +1853,7 @@
       </p:sp>
       <p:sp>
         <p:nvSpPr>
-          <p:cNvPr id="121" name="Google Shape;121;g13d29a0f314_0_18:notes"/>
+          <p:cNvPr id="126" name="Google Shape;126;g13d29a0f314_0_18:notes"/>
           <p:cNvSpPr txBox="1"/>
           <p:nvPr>
             <p:ph idx="1" type="body"/>
@@ -1899,105 +1899,6 @@
 </file>
 
 <file path=ppt/notesSlides/notesSlide6.xml><?xml version="1.0" encoding="utf-8"?>
-<p:notes xmlns:a="http://schemas.openxmlformats.org/drawingml/2006/main" xmlns:r="http://schemas.openxmlformats.org/officeDocument/2006/relationships" xmlns:mc="http://schemas.openxmlformats.org/markup-compatibility/2006" xmlns:mv="urn:schemas-microsoft-com:mac:vml" xmlns:p="http://schemas.openxmlformats.org/presentationml/2006/main" xmlns:c="http://schemas.openxmlformats.org/drawingml/2006/chart" xmlns:dgm="http://schemas.openxmlformats.org/drawingml/2006/diagram" xmlns:o="urn:schemas-microsoft-com:office:office" xmlns:v="urn:schemas-microsoft-com:vml" xmlns:pvml="urn:schemas-microsoft-com:office:powerpoint" xmlns:com="http://schemas.openxmlformats.org/drawingml/2006/compatibility" xmlns:p14="http://schemas.microsoft.com/office/powerpoint/2010/main" xmlns:p15="http://schemas.microsoft.com/office/powerpoint/2012/main" xmlns:ahyp="http://schemas.microsoft.com/office/drawing/2018/hyperlinkcolor" showMasterPhAnim="0" showMasterSp="0">
-  <p:cSld>
-    <p:spTree>
-      <p:nvGrpSpPr>
-        <p:cNvPr id="130" name="Shape 130"/>
-        <p:cNvGrpSpPr/>
-        <p:nvPr/>
-      </p:nvGrpSpPr>
-      <p:grpSpPr>
-        <a:xfrm>
-          <a:off x="0" y="0"/>
-          <a:ext cx="0" cy="0"/>
-          <a:chOff x="0" y="0"/>
-          <a:chExt cx="0" cy="0"/>
-        </a:xfrm>
-      </p:grpSpPr>
-      <p:sp>
-        <p:nvSpPr>
-          <p:cNvPr id="131" name="Google Shape;131;gc6f9e470d_0_43:notes"/>
-          <p:cNvSpPr/>
-          <p:nvPr>
-            <p:ph idx="2" type="sldImg"/>
-          </p:nvPr>
-        </p:nvSpPr>
-        <p:spPr>
-          <a:xfrm>
-            <a:off x="381188" y="685800"/>
-            <a:ext cx="6096300" cy="3429000"/>
-          </a:xfrm>
-          <a:custGeom>
-            <a:rect b="b" l="l" r="r" t="t"/>
-            <a:pathLst>
-              <a:path extrusionOk="0" h="120000" w="120000">
-                <a:moveTo>
-                  <a:pt x="0" y="0"/>
-                </a:moveTo>
-                <a:lnTo>
-                  <a:pt x="120000" y="0"/>
-                </a:lnTo>
-                <a:lnTo>
-                  <a:pt x="120000" y="120000"/>
-                </a:lnTo>
-                <a:lnTo>
-                  <a:pt x="0" y="120000"/>
-                </a:lnTo>
-                <a:close/>
-              </a:path>
-            </a:pathLst>
-          </a:custGeom>
-        </p:spPr>
-      </p:sp>
-      <p:sp>
-        <p:nvSpPr>
-          <p:cNvPr id="132" name="Google Shape;132;gc6f9e470d_0_43:notes"/>
-          <p:cNvSpPr txBox="1"/>
-          <p:nvPr>
-            <p:ph idx="1" type="body"/>
-          </p:nvPr>
-        </p:nvSpPr>
-        <p:spPr>
-          <a:xfrm>
-            <a:off x="685800" y="4343400"/>
-            <a:ext cx="5486400" cy="4114800"/>
-          </a:xfrm>
-          <a:prstGeom prst="rect">
-            <a:avLst/>
-          </a:prstGeom>
-        </p:spPr>
-        <p:txBody>
-          <a:bodyPr anchorCtr="0" anchor="t" bIns="91425" lIns="91425" spcFirstLastPara="1" rIns="91425" wrap="square" tIns="91425">
-            <a:noAutofit/>
-          </a:bodyPr>
-          <a:lstStyle/>
-          <a:p>
-            <a:pPr indent="0" lvl="0" marL="0" rtl="0" algn="l">
-              <a:spcBef>
-                <a:spcPts val="0"/>
-              </a:spcBef>
-              <a:spcAft>
-                <a:spcPts val="0"/>
-              </a:spcAft>
-              <a:buNone/>
-            </a:pPr>
-            <a:r>
-              <a:t/>
-            </a:r>
-            <a:endParaRPr/>
-          </a:p>
-        </p:txBody>
-      </p:sp>
-    </p:spTree>
-  </p:cSld>
-  <p:clrMapOvr>
-    <a:masterClrMapping/>
-  </p:clrMapOvr>
-</p:notes>
-</file>
-
-<file path=ppt/notesSlides/notesSlide7.xml><?xml version="1.0" encoding="utf-8"?>
 <p:notes xmlns:a="http://schemas.openxmlformats.org/drawingml/2006/main" xmlns:r="http://schemas.openxmlformats.org/officeDocument/2006/relationships" xmlns:mc="http://schemas.openxmlformats.org/markup-compatibility/2006" xmlns:mv="urn:schemas-microsoft-com:mac:vml" xmlns:p="http://schemas.openxmlformats.org/presentationml/2006/main" xmlns:c="http://schemas.openxmlformats.org/drawingml/2006/chart" xmlns:dgm="http://schemas.openxmlformats.org/drawingml/2006/diagram" xmlns:o="urn:schemas-microsoft-com:office:office" xmlns:v="urn:schemas-microsoft-com:vml" xmlns:pvml="urn:schemas-microsoft-com:office:powerpoint" xmlns:com="http://schemas.openxmlformats.org/drawingml/2006/compatibility" xmlns:p14="http://schemas.microsoft.com/office/powerpoint/2010/main" xmlns:p15="http://schemas.microsoft.com/office/powerpoint/2012/main" xmlns:ahyp="http://schemas.microsoft.com/office/drawing/2018/hyperlinkcolor" showMasterPhAnim="0" showMasterSp="0">
   <p:cSld>
     <p:spTree>
@@ -2096,12 +1997,12 @@
 </p:notes>
 </file>
 
-<file path=ppt/notesSlides/notesSlide8.xml><?xml version="1.0" encoding="utf-8"?>
+<file path=ppt/notesSlides/notesSlide7.xml><?xml version="1.0" encoding="utf-8"?>
 <p:notes xmlns:a="http://schemas.openxmlformats.org/drawingml/2006/main" xmlns:r="http://schemas.openxmlformats.org/officeDocument/2006/relationships" xmlns:mc="http://schemas.openxmlformats.org/markup-compatibility/2006" xmlns:mv="urn:schemas-microsoft-com:mac:vml" xmlns:p="http://schemas.openxmlformats.org/presentationml/2006/main" xmlns:c="http://schemas.openxmlformats.org/drawingml/2006/chart" xmlns:dgm="http://schemas.openxmlformats.org/drawingml/2006/diagram" xmlns:o="urn:schemas-microsoft-com:office:office" xmlns:v="urn:schemas-microsoft-com:vml" xmlns:pvml="urn:schemas-microsoft-com:office:powerpoint" xmlns:com="http://schemas.openxmlformats.org/drawingml/2006/compatibility" xmlns:p14="http://schemas.microsoft.com/office/powerpoint/2010/main" xmlns:p15="http://schemas.microsoft.com/office/powerpoint/2012/main" xmlns:ahyp="http://schemas.microsoft.com/office/drawing/2018/hyperlinkcolor" showMasterPhAnim="0" showMasterSp="0">
   <p:cSld>
     <p:spTree>
       <p:nvGrpSpPr>
-        <p:cNvPr id="164" name="Shape 164"/>
+        <p:cNvPr id="165" name="Shape 165"/>
         <p:cNvGrpSpPr/>
         <p:nvPr/>
       </p:nvGrpSpPr>
@@ -2115,7 +2016,7 @@
       </p:grpSpPr>
       <p:sp>
         <p:nvSpPr>
-          <p:cNvPr id="165" name="Google Shape;165;g13d29a0f314_0_61:notes"/>
+          <p:cNvPr id="166" name="Google Shape;166;g13d29a0f314_0_61:notes"/>
           <p:cNvSpPr/>
           <p:nvPr>
             <p:ph idx="2" type="sldImg"/>
@@ -2150,7 +2051,7 @@
       </p:sp>
       <p:sp>
         <p:nvSpPr>
-          <p:cNvPr id="166" name="Google Shape;166;g13d29a0f314_0_61:notes"/>
+          <p:cNvPr id="167" name="Google Shape;167;g13d29a0f314_0_61:notes"/>
           <p:cNvSpPr txBox="1"/>
           <p:nvPr>
             <p:ph idx="1" type="body"/>
@@ -2195,12 +2096,12 @@
 </p:notes>
 </file>
 
-<file path=ppt/notesSlides/notesSlide9.xml><?xml version="1.0" encoding="utf-8"?>
+<file path=ppt/notesSlides/notesSlide8.xml><?xml version="1.0" encoding="utf-8"?>
 <p:notes xmlns:a="http://schemas.openxmlformats.org/drawingml/2006/main" xmlns:r="http://schemas.openxmlformats.org/officeDocument/2006/relationships" xmlns:mc="http://schemas.openxmlformats.org/markup-compatibility/2006" xmlns:mv="urn:schemas-microsoft-com:mac:vml" xmlns:p="http://schemas.openxmlformats.org/presentationml/2006/main" xmlns:c="http://schemas.openxmlformats.org/drawingml/2006/chart" xmlns:dgm="http://schemas.openxmlformats.org/drawingml/2006/diagram" xmlns:o="urn:schemas-microsoft-com:office:office" xmlns:v="urn:schemas-microsoft-com:vml" xmlns:pvml="urn:schemas-microsoft-com:office:powerpoint" xmlns:com="http://schemas.openxmlformats.org/drawingml/2006/compatibility" xmlns:p14="http://schemas.microsoft.com/office/powerpoint/2010/main" xmlns:p15="http://schemas.microsoft.com/office/powerpoint/2012/main" xmlns:ahyp="http://schemas.microsoft.com/office/drawing/2018/hyperlinkcolor" showMasterPhAnim="0" showMasterSp="0">
   <p:cSld>
     <p:spTree>
       <p:nvGrpSpPr>
-        <p:cNvPr id="171" name="Shape 171"/>
+        <p:cNvPr id="172" name="Shape 172"/>
         <p:cNvGrpSpPr/>
         <p:nvPr/>
       </p:nvGrpSpPr>
@@ -2214,7 +2115,7 @@
       </p:grpSpPr>
       <p:sp>
         <p:nvSpPr>
-          <p:cNvPr id="172" name="Google Shape;172;g13d29a0f314_0_31:notes"/>
+          <p:cNvPr id="173" name="Google Shape;173;g13d29a0f314_0_31:notes"/>
           <p:cNvSpPr/>
           <p:nvPr>
             <p:ph idx="2" type="sldImg"/>
@@ -2249,7 +2150,106 @@
       </p:sp>
       <p:sp>
         <p:nvSpPr>
-          <p:cNvPr id="173" name="Google Shape;173;g13d29a0f314_0_31:notes"/>
+          <p:cNvPr id="174" name="Google Shape;174;g13d29a0f314_0_31:notes"/>
+          <p:cNvSpPr txBox="1"/>
+          <p:nvPr>
+            <p:ph idx="1" type="body"/>
+          </p:nvPr>
+        </p:nvSpPr>
+        <p:spPr>
+          <a:xfrm>
+            <a:off x="685800" y="4343400"/>
+            <a:ext cx="5486400" cy="4114800"/>
+          </a:xfrm>
+          <a:prstGeom prst="rect">
+            <a:avLst/>
+          </a:prstGeom>
+        </p:spPr>
+        <p:txBody>
+          <a:bodyPr anchorCtr="0" anchor="t" bIns="91425" lIns="91425" spcFirstLastPara="1" rIns="91425" wrap="square" tIns="91425">
+            <a:noAutofit/>
+          </a:bodyPr>
+          <a:lstStyle/>
+          <a:p>
+            <a:pPr indent="0" lvl="0" marL="0" rtl="0" algn="l">
+              <a:spcBef>
+                <a:spcPts val="0"/>
+              </a:spcBef>
+              <a:spcAft>
+                <a:spcPts val="0"/>
+              </a:spcAft>
+              <a:buNone/>
+            </a:pPr>
+            <a:r>
+              <a:t/>
+            </a:r>
+            <a:endParaRPr/>
+          </a:p>
+        </p:txBody>
+      </p:sp>
+    </p:spTree>
+  </p:cSld>
+  <p:clrMapOvr>
+    <a:masterClrMapping/>
+  </p:clrMapOvr>
+</p:notes>
+</file>
+
+<file path=ppt/notesSlides/notesSlide9.xml><?xml version="1.0" encoding="utf-8"?>
+<p:notes xmlns:a="http://schemas.openxmlformats.org/drawingml/2006/main" xmlns:r="http://schemas.openxmlformats.org/officeDocument/2006/relationships" xmlns:mc="http://schemas.openxmlformats.org/markup-compatibility/2006" xmlns:mv="urn:schemas-microsoft-com:mac:vml" xmlns:p="http://schemas.openxmlformats.org/presentationml/2006/main" xmlns:c="http://schemas.openxmlformats.org/drawingml/2006/chart" xmlns:dgm="http://schemas.openxmlformats.org/drawingml/2006/diagram" xmlns:o="urn:schemas-microsoft-com:office:office" xmlns:v="urn:schemas-microsoft-com:vml" xmlns:pvml="urn:schemas-microsoft-com:office:powerpoint" xmlns:com="http://schemas.openxmlformats.org/drawingml/2006/compatibility" xmlns:p14="http://schemas.microsoft.com/office/powerpoint/2010/main" xmlns:p15="http://schemas.microsoft.com/office/powerpoint/2012/main" xmlns:ahyp="http://schemas.microsoft.com/office/drawing/2018/hyperlinkcolor" showMasterPhAnim="0" showMasterSp="0">
+  <p:cSld>
+    <p:spTree>
+      <p:nvGrpSpPr>
+        <p:cNvPr id="186" name="Shape 186"/>
+        <p:cNvGrpSpPr/>
+        <p:nvPr/>
+      </p:nvGrpSpPr>
+      <p:grpSpPr>
+        <a:xfrm>
+          <a:off x="0" y="0"/>
+          <a:ext cx="0" cy="0"/>
+          <a:chOff x="0" y="0"/>
+          <a:chExt cx="0" cy="0"/>
+        </a:xfrm>
+      </p:grpSpPr>
+      <p:sp>
+        <p:nvSpPr>
+          <p:cNvPr id="187" name="Google Shape;187;g13e30575fb0_0_8:notes"/>
+          <p:cNvSpPr/>
+          <p:nvPr>
+            <p:ph idx="2" type="sldImg"/>
+          </p:nvPr>
+        </p:nvSpPr>
+        <p:spPr>
+          <a:xfrm>
+            <a:off x="381300" y="685800"/>
+            <a:ext cx="6096000" cy="3429000"/>
+          </a:xfrm>
+          <a:custGeom>
+            <a:rect b="b" l="l" r="r" t="t"/>
+            <a:pathLst>
+              <a:path extrusionOk="0" h="120000" w="120000">
+                <a:moveTo>
+                  <a:pt x="0" y="0"/>
+                </a:moveTo>
+                <a:lnTo>
+                  <a:pt x="120000" y="0"/>
+                </a:lnTo>
+                <a:lnTo>
+                  <a:pt x="120000" y="120000"/>
+                </a:lnTo>
+                <a:lnTo>
+                  <a:pt x="0" y="120000"/>
+                </a:lnTo>
+                <a:close/>
+              </a:path>
+            </a:pathLst>
+          </a:custGeom>
+        </p:spPr>
+      </p:sp>
+      <p:sp>
+        <p:nvSpPr>
+          <p:cNvPr id="188" name="Google Shape;188;g13e30575fb0_0_8:notes"/>
           <p:cNvSpPr txBox="1"/>
           <p:nvPr>
             <p:ph idx="1" type="body"/>
@@ -9062,7 +9062,7 @@
   <p:cSld>
     <p:spTree>
       <p:nvGrpSpPr>
-        <p:cNvPr id="188" name="Shape 188"/>
+        <p:cNvPr id="197" name="Shape 197"/>
         <p:cNvGrpSpPr/>
         <p:nvPr/>
       </p:nvGrpSpPr>
@@ -9076,7 +9076,7 @@
       </p:grpSpPr>
       <p:sp>
         <p:nvSpPr>
-          <p:cNvPr id="189" name="Google Shape;189;p22"/>
+          <p:cNvPr id="198" name="Google Shape;198;p22"/>
           <p:cNvSpPr txBox="1"/>
           <p:nvPr>
             <p:ph type="title"/>
@@ -9116,7 +9116,7 @@
       </p:sp>
       <p:sp>
         <p:nvSpPr>
-          <p:cNvPr id="190" name="Google Shape;190;p22"/>
+          <p:cNvPr id="199" name="Google Shape;199;p22"/>
           <p:cNvSpPr/>
           <p:nvPr/>
         </p:nvSpPr>
@@ -9161,7 +9161,7 @@
       </p:sp>
       <p:sp>
         <p:nvSpPr>
-          <p:cNvPr id="191" name="Google Shape;191;p22"/>
+          <p:cNvPr id="200" name="Google Shape;200;p22"/>
           <p:cNvSpPr txBox="1"/>
           <p:nvPr/>
         </p:nvSpPr>
@@ -9283,7 +9283,7 @@
   <p:cSld>
     <p:spTree>
       <p:nvGrpSpPr>
-        <p:cNvPr id="195" name="Shape 195"/>
+        <p:cNvPr id="204" name="Shape 204"/>
         <p:cNvGrpSpPr/>
         <p:nvPr/>
       </p:nvGrpSpPr>
@@ -9297,7 +9297,7 @@
       </p:grpSpPr>
       <p:sp>
         <p:nvSpPr>
-          <p:cNvPr id="196" name="Google Shape;196;p23"/>
+          <p:cNvPr id="205" name="Google Shape;205;p23"/>
           <p:cNvSpPr txBox="1"/>
           <p:nvPr>
             <p:ph type="title"/>
@@ -9337,7 +9337,7 @@
       </p:sp>
       <p:sp>
         <p:nvSpPr>
-          <p:cNvPr id="197" name="Google Shape;197;p23"/>
+          <p:cNvPr id="206" name="Google Shape;206;p23"/>
           <p:cNvSpPr/>
           <p:nvPr/>
         </p:nvSpPr>
@@ -9382,7 +9382,7 @@
       </p:sp>
       <p:sp>
         <p:nvSpPr>
-          <p:cNvPr id="198" name="Google Shape;198;p23"/>
+          <p:cNvPr id="207" name="Google Shape;207;p23"/>
           <p:cNvSpPr txBox="1"/>
           <p:nvPr/>
         </p:nvSpPr>
@@ -9504,7 +9504,7 @@
   <p:cSld>
     <p:spTree>
       <p:nvGrpSpPr>
-        <p:cNvPr id="202" name="Shape 202"/>
+        <p:cNvPr id="211" name="Shape 211"/>
         <p:cNvGrpSpPr/>
         <p:nvPr/>
       </p:nvGrpSpPr>
@@ -9518,7 +9518,7 @@
       </p:grpSpPr>
       <p:sp>
         <p:nvSpPr>
-          <p:cNvPr id="203" name="Google Shape;203;p24"/>
+          <p:cNvPr id="212" name="Google Shape;212;p24"/>
           <p:cNvSpPr txBox="1"/>
           <p:nvPr>
             <p:ph type="title"/>
@@ -9558,7 +9558,7 @@
       </p:sp>
       <p:sp>
         <p:nvSpPr>
-          <p:cNvPr id="204" name="Google Shape;204;p24"/>
+          <p:cNvPr id="213" name="Google Shape;213;p24"/>
           <p:cNvSpPr txBox="1"/>
           <p:nvPr>
             <p:ph idx="4294967295" type="body"/>
@@ -9652,7 +9652,7 @@
       </p:sp>
       <p:sp>
         <p:nvSpPr>
-          <p:cNvPr id="205" name="Google Shape;205;p24"/>
+          <p:cNvPr id="214" name="Google Shape;214;p24"/>
           <p:cNvSpPr/>
           <p:nvPr/>
         </p:nvSpPr>
@@ -9708,7 +9708,7 @@
   <p:cSld>
     <p:spTree>
       <p:nvGrpSpPr>
-        <p:cNvPr id="209" name="Shape 209"/>
+        <p:cNvPr id="218" name="Shape 218"/>
         <p:cNvGrpSpPr/>
         <p:nvPr/>
       </p:nvGrpSpPr>
@@ -9722,7 +9722,7 @@
       </p:grpSpPr>
       <p:sp>
         <p:nvSpPr>
-          <p:cNvPr id="210" name="Google Shape;210;p25"/>
+          <p:cNvPr id="219" name="Google Shape;219;p25"/>
           <p:cNvSpPr txBox="1"/>
           <p:nvPr>
             <p:ph type="title"/>
@@ -9770,7 +9770,7 @@
       </p:sp>
       <p:sp>
         <p:nvSpPr>
-          <p:cNvPr id="211" name="Google Shape;211;p25"/>
+          <p:cNvPr id="220" name="Google Shape;220;p25"/>
           <p:cNvSpPr/>
           <p:nvPr/>
         </p:nvSpPr>
@@ -9817,7 +9817,7 @@
       </p:sp>
       <p:sp>
         <p:nvSpPr>
-          <p:cNvPr id="212" name="Google Shape;212;p25"/>
+          <p:cNvPr id="221" name="Google Shape;221;p25"/>
           <p:cNvSpPr/>
           <p:nvPr/>
         </p:nvSpPr>
@@ -9860,7 +9860,7 @@
       </p:sp>
       <p:sp>
         <p:nvSpPr>
-          <p:cNvPr id="213" name="Google Shape;213;p25"/>
+          <p:cNvPr id="222" name="Google Shape;222;p25"/>
           <p:cNvSpPr txBox="1"/>
           <p:nvPr>
             <p:ph idx="4294967295" type="body"/>
@@ -9911,7 +9911,7 @@
       </p:sp>
       <p:sp>
         <p:nvSpPr>
-          <p:cNvPr id="214" name="Google Shape;214;p25"/>
+          <p:cNvPr id="223" name="Google Shape;223;p25"/>
           <p:cNvSpPr txBox="1"/>
           <p:nvPr>
             <p:ph idx="4294967295" type="body"/>
@@ -9962,7 +9962,7 @@
       </p:sp>
       <p:grpSp>
         <p:nvGrpSpPr>
-          <p:cNvPr id="215" name="Google Shape;215;p25"/>
+          <p:cNvPr id="224" name="Google Shape;224;p25"/>
           <p:cNvGrpSpPr/>
           <p:nvPr/>
         </p:nvGrpSpPr>
@@ -9976,10 +9976,10 @@
         </p:grpSpPr>
         <p:cxnSp>
           <p:nvCxnSpPr>
-            <p:cNvPr id="216" name="Google Shape;216;p25"/>
+            <p:cNvPr id="225" name="Google Shape;225;p25"/>
             <p:cNvCxnSpPr>
-              <a:stCxn id="211" idx="2"/>
-              <a:endCxn id="217" idx="0"/>
+              <a:stCxn id="220" idx="2"/>
+              <a:endCxn id="226" idx="0"/>
             </p:cNvCxnSpPr>
             <p:nvPr/>
           </p:nvCxnSpPr>
@@ -10009,10 +10009,10 @@
         </p:cxnSp>
         <p:cxnSp>
           <p:nvCxnSpPr>
-            <p:cNvPr id="218" name="Google Shape;218;p25"/>
+            <p:cNvPr id="227" name="Google Shape;227;p25"/>
             <p:cNvCxnSpPr>
-              <a:stCxn id="211" idx="2"/>
-              <a:endCxn id="219" idx="0"/>
+              <a:stCxn id="220" idx="2"/>
+              <a:endCxn id="228" idx="0"/>
             </p:cNvCxnSpPr>
             <p:nvPr/>
           </p:nvCxnSpPr>
@@ -10041,7 +10041,7 @@
       </p:grpSp>
       <p:sp>
         <p:nvSpPr>
-          <p:cNvPr id="220" name="Google Shape;220;p25"/>
+          <p:cNvPr id="229" name="Google Shape;229;p25"/>
           <p:cNvSpPr/>
           <p:nvPr/>
         </p:nvSpPr>
@@ -10088,7 +10088,7 @@
       </p:sp>
       <p:sp>
         <p:nvSpPr>
-          <p:cNvPr id="217" name="Google Shape;217;p25"/>
+          <p:cNvPr id="226" name="Google Shape;226;p25"/>
           <p:cNvSpPr/>
           <p:nvPr/>
         </p:nvSpPr>
@@ -10131,7 +10131,7 @@
       </p:sp>
       <p:sp>
         <p:nvSpPr>
-          <p:cNvPr id="221" name="Google Shape;221;p25"/>
+          <p:cNvPr id="230" name="Google Shape;230;p25"/>
           <p:cNvSpPr txBox="1"/>
           <p:nvPr>
             <p:ph idx="4294967295" type="body"/>
@@ -10182,7 +10182,7 @@
       </p:sp>
       <p:sp>
         <p:nvSpPr>
-          <p:cNvPr id="222" name="Google Shape;222;p25"/>
+          <p:cNvPr id="231" name="Google Shape;231;p25"/>
           <p:cNvSpPr txBox="1"/>
           <p:nvPr>
             <p:ph idx="4294967295" type="body"/>
@@ -10233,7 +10233,7 @@
       </p:sp>
       <p:grpSp>
         <p:nvGrpSpPr>
-          <p:cNvPr id="223" name="Google Shape;223;p25"/>
+          <p:cNvPr id="232" name="Google Shape;232;p25"/>
           <p:cNvGrpSpPr/>
           <p:nvPr/>
         </p:nvGrpSpPr>
@@ -10247,10 +10247,10 @@
         </p:grpSpPr>
         <p:cxnSp>
           <p:nvCxnSpPr>
-            <p:cNvPr id="224" name="Google Shape;224;p25"/>
+            <p:cNvPr id="233" name="Google Shape;233;p25"/>
             <p:cNvCxnSpPr>
-              <a:stCxn id="220" idx="2"/>
-              <a:endCxn id="225" idx="0"/>
+              <a:stCxn id="229" idx="2"/>
+              <a:endCxn id="234" idx="0"/>
             </p:cNvCxnSpPr>
             <p:nvPr/>
           </p:nvCxnSpPr>
@@ -10276,10 +10276,10 @@
         </p:cxnSp>
         <p:cxnSp>
           <p:nvCxnSpPr>
-            <p:cNvPr id="226" name="Google Shape;226;p25"/>
+            <p:cNvPr id="235" name="Google Shape;235;p25"/>
             <p:cNvCxnSpPr>
-              <a:stCxn id="220" idx="2"/>
-              <a:endCxn id="227" idx="0"/>
+              <a:stCxn id="229" idx="2"/>
+              <a:endCxn id="236" idx="0"/>
             </p:cNvCxnSpPr>
             <p:nvPr/>
           </p:nvCxnSpPr>
@@ -10307,10 +10307,10 @@
         </p:cxnSp>
         <p:cxnSp>
           <p:nvCxnSpPr>
-            <p:cNvPr id="228" name="Google Shape;228;p25"/>
+            <p:cNvPr id="237" name="Google Shape;237;p25"/>
             <p:cNvCxnSpPr>
-              <a:stCxn id="220" idx="2"/>
-              <a:endCxn id="229" idx="0"/>
+              <a:stCxn id="229" idx="2"/>
+              <a:endCxn id="238" idx="0"/>
             </p:cNvCxnSpPr>
             <p:nvPr/>
           </p:nvCxnSpPr>
@@ -10339,7 +10339,7 @@
       </p:grpSp>
       <p:sp>
         <p:nvSpPr>
-          <p:cNvPr id="230" name="Google Shape;230;p25"/>
+          <p:cNvPr id="239" name="Google Shape;239;p25"/>
           <p:cNvSpPr/>
           <p:nvPr/>
         </p:nvSpPr>
@@ -10386,7 +10386,7 @@
       </p:sp>
       <p:sp>
         <p:nvSpPr>
-          <p:cNvPr id="227" name="Google Shape;227;p25"/>
+          <p:cNvPr id="236" name="Google Shape;236;p25"/>
           <p:cNvSpPr/>
           <p:nvPr/>
         </p:nvSpPr>
@@ -10429,7 +10429,7 @@
       </p:sp>
       <p:sp>
         <p:nvSpPr>
-          <p:cNvPr id="231" name="Google Shape;231;p25"/>
+          <p:cNvPr id="240" name="Google Shape;240;p25"/>
           <p:cNvSpPr txBox="1"/>
           <p:nvPr>
             <p:ph idx="4294967295" type="body"/>
@@ -10480,7 +10480,7 @@
       </p:sp>
       <p:sp>
         <p:nvSpPr>
-          <p:cNvPr id="232" name="Google Shape;232;p25"/>
+          <p:cNvPr id="241" name="Google Shape;241;p25"/>
           <p:cNvSpPr txBox="1"/>
           <p:nvPr>
             <p:ph idx="4294967295" type="body"/>
@@ -10531,7 +10531,7 @@
       </p:sp>
       <p:sp>
         <p:nvSpPr>
-          <p:cNvPr id="233" name="Google Shape;233;p25"/>
+          <p:cNvPr id="242" name="Google Shape;242;p25"/>
           <p:cNvSpPr/>
           <p:nvPr/>
         </p:nvSpPr>
@@ -10578,7 +10578,7 @@
       </p:sp>
       <p:sp>
         <p:nvSpPr>
-          <p:cNvPr id="225" name="Google Shape;225;p25"/>
+          <p:cNvPr id="234" name="Google Shape;234;p25"/>
           <p:cNvSpPr/>
           <p:nvPr/>
         </p:nvSpPr>
@@ -10621,7 +10621,7 @@
       </p:sp>
       <p:sp>
         <p:nvSpPr>
-          <p:cNvPr id="234" name="Google Shape;234;p25"/>
+          <p:cNvPr id="243" name="Google Shape;243;p25"/>
           <p:cNvSpPr txBox="1"/>
           <p:nvPr>
             <p:ph idx="4294967295" type="body"/>
@@ -10672,7 +10672,7 @@
       </p:sp>
       <p:sp>
         <p:nvSpPr>
-          <p:cNvPr id="235" name="Google Shape;235;p25"/>
+          <p:cNvPr id="244" name="Google Shape;244;p25"/>
           <p:cNvSpPr txBox="1"/>
           <p:nvPr>
             <p:ph idx="4294967295" type="body"/>
@@ -10723,7 +10723,7 @@
       </p:sp>
       <p:sp>
         <p:nvSpPr>
-          <p:cNvPr id="236" name="Google Shape;236;p25"/>
+          <p:cNvPr id="245" name="Google Shape;245;p25"/>
           <p:cNvSpPr/>
           <p:nvPr/>
         </p:nvSpPr>
@@ -10770,7 +10770,7 @@
       </p:sp>
       <p:sp>
         <p:nvSpPr>
-          <p:cNvPr id="229" name="Google Shape;229;p25"/>
+          <p:cNvPr id="238" name="Google Shape;238;p25"/>
           <p:cNvSpPr/>
           <p:nvPr/>
         </p:nvSpPr>
@@ -10813,7 +10813,7 @@
       </p:sp>
       <p:sp>
         <p:nvSpPr>
-          <p:cNvPr id="237" name="Google Shape;237;p25"/>
+          <p:cNvPr id="246" name="Google Shape;246;p25"/>
           <p:cNvSpPr txBox="1"/>
           <p:nvPr>
             <p:ph idx="4294967295" type="body"/>
@@ -10864,7 +10864,7 @@
       </p:sp>
       <p:sp>
         <p:nvSpPr>
-          <p:cNvPr id="238" name="Google Shape;238;p25"/>
+          <p:cNvPr id="247" name="Google Shape;247;p25"/>
           <p:cNvSpPr txBox="1"/>
           <p:nvPr>
             <p:ph idx="4294967295" type="body"/>
@@ -10915,7 +10915,7 @@
       </p:sp>
       <p:sp>
         <p:nvSpPr>
-          <p:cNvPr id="239" name="Google Shape;239;p25"/>
+          <p:cNvPr id="248" name="Google Shape;248;p25"/>
           <p:cNvSpPr/>
           <p:nvPr/>
         </p:nvSpPr>
@@ -10962,7 +10962,7 @@
       </p:sp>
       <p:sp>
         <p:nvSpPr>
-          <p:cNvPr id="219" name="Google Shape;219;p25"/>
+          <p:cNvPr id="228" name="Google Shape;228;p25"/>
           <p:cNvSpPr/>
           <p:nvPr/>
         </p:nvSpPr>
@@ -11005,7 +11005,7 @@
       </p:sp>
       <p:sp>
         <p:nvSpPr>
-          <p:cNvPr id="240" name="Google Shape;240;p25"/>
+          <p:cNvPr id="249" name="Google Shape;249;p25"/>
           <p:cNvSpPr txBox="1"/>
           <p:nvPr>
             <p:ph idx="4294967295" type="body"/>
@@ -11056,7 +11056,7 @@
       </p:sp>
       <p:sp>
         <p:nvSpPr>
-          <p:cNvPr id="241" name="Google Shape;241;p25"/>
+          <p:cNvPr id="250" name="Google Shape;250;p25"/>
           <p:cNvSpPr txBox="1"/>
           <p:nvPr>
             <p:ph idx="4294967295" type="body"/>
@@ -11107,7 +11107,7 @@
       </p:sp>
       <p:grpSp>
         <p:nvGrpSpPr>
-          <p:cNvPr id="242" name="Google Shape;242;p25"/>
+          <p:cNvPr id="251" name="Google Shape;251;p25"/>
           <p:cNvGrpSpPr/>
           <p:nvPr/>
         </p:nvGrpSpPr>
@@ -11121,10 +11121,10 @@
         </p:grpSpPr>
         <p:cxnSp>
           <p:nvCxnSpPr>
-            <p:cNvPr id="243" name="Google Shape;243;p25"/>
+            <p:cNvPr id="252" name="Google Shape;252;p25"/>
             <p:cNvCxnSpPr>
-              <a:stCxn id="239" idx="2"/>
-              <a:endCxn id="244" idx="0"/>
+              <a:stCxn id="248" idx="2"/>
+              <a:endCxn id="253" idx="0"/>
             </p:cNvCxnSpPr>
             <p:nvPr/>
           </p:nvCxnSpPr>
@@ -11152,10 +11152,10 @@
         </p:cxnSp>
         <p:cxnSp>
           <p:nvCxnSpPr>
-            <p:cNvPr id="245" name="Google Shape;245;p25"/>
+            <p:cNvPr id="254" name="Google Shape;254;p25"/>
             <p:cNvCxnSpPr>
-              <a:stCxn id="239" idx="2"/>
-              <a:endCxn id="246" idx="0"/>
+              <a:stCxn id="248" idx="2"/>
+              <a:endCxn id="255" idx="0"/>
             </p:cNvCxnSpPr>
             <p:nvPr/>
           </p:nvCxnSpPr>
@@ -11184,7 +11184,7 @@
       </p:grpSp>
       <p:sp>
         <p:nvSpPr>
-          <p:cNvPr id="247" name="Google Shape;247;p25"/>
+          <p:cNvPr id="256" name="Google Shape;256;p25"/>
           <p:cNvSpPr/>
           <p:nvPr/>
         </p:nvSpPr>
@@ -11231,7 +11231,7 @@
       </p:sp>
       <p:sp>
         <p:nvSpPr>
-          <p:cNvPr id="244" name="Google Shape;244;p25"/>
+          <p:cNvPr id="253" name="Google Shape;253;p25"/>
           <p:cNvSpPr/>
           <p:nvPr/>
         </p:nvSpPr>
@@ -11274,7 +11274,7 @@
       </p:sp>
       <p:sp>
         <p:nvSpPr>
-          <p:cNvPr id="248" name="Google Shape;248;p25"/>
+          <p:cNvPr id="257" name="Google Shape;257;p25"/>
           <p:cNvSpPr txBox="1"/>
           <p:nvPr>
             <p:ph idx="4294967295" type="body"/>
@@ -11325,7 +11325,7 @@
       </p:sp>
       <p:sp>
         <p:nvSpPr>
-          <p:cNvPr id="249" name="Google Shape;249;p25"/>
+          <p:cNvPr id="258" name="Google Shape;258;p25"/>
           <p:cNvSpPr txBox="1"/>
           <p:nvPr>
             <p:ph idx="4294967295" type="body"/>
@@ -11376,7 +11376,7 @@
       </p:sp>
       <p:sp>
         <p:nvSpPr>
-          <p:cNvPr id="250" name="Google Shape;250;p25"/>
+          <p:cNvPr id="259" name="Google Shape;259;p25"/>
           <p:cNvSpPr/>
           <p:nvPr/>
         </p:nvSpPr>
@@ -11423,7 +11423,7 @@
       </p:sp>
       <p:sp>
         <p:nvSpPr>
-          <p:cNvPr id="246" name="Google Shape;246;p25"/>
+          <p:cNvPr id="255" name="Google Shape;255;p25"/>
           <p:cNvSpPr/>
           <p:nvPr/>
         </p:nvSpPr>
@@ -11466,7 +11466,7 @@
       </p:sp>
       <p:sp>
         <p:nvSpPr>
-          <p:cNvPr id="251" name="Google Shape;251;p25"/>
+          <p:cNvPr id="260" name="Google Shape;260;p25"/>
           <p:cNvSpPr txBox="1"/>
           <p:nvPr>
             <p:ph idx="4294967295" type="body"/>
@@ -11517,7 +11517,7 @@
       </p:sp>
       <p:sp>
         <p:nvSpPr>
-          <p:cNvPr id="252" name="Google Shape;252;p25"/>
+          <p:cNvPr id="261" name="Google Shape;261;p25"/>
           <p:cNvSpPr txBox="1"/>
           <p:nvPr>
             <p:ph idx="4294967295" type="body"/>
@@ -11579,7 +11579,7 @@
   <p:cSld>
     <p:spTree>
       <p:nvGrpSpPr>
-        <p:cNvPr id="256" name="Shape 256"/>
+        <p:cNvPr id="265" name="Shape 265"/>
         <p:cNvGrpSpPr/>
         <p:nvPr/>
       </p:nvGrpSpPr>
@@ -11593,7 +11593,7 @@
       </p:grpSpPr>
       <p:sp>
         <p:nvSpPr>
-          <p:cNvPr id="257" name="Google Shape;257;p26"/>
+          <p:cNvPr id="266" name="Google Shape;266;p26"/>
           <p:cNvSpPr txBox="1"/>
           <p:nvPr>
             <p:ph type="title"/>
@@ -11648,7 +11648,7 @@
       </p:sp>
       <p:sp>
         <p:nvSpPr>
-          <p:cNvPr id="258" name="Google Shape;258;p26"/>
+          <p:cNvPr id="267" name="Google Shape;267;p26"/>
           <p:cNvSpPr txBox="1"/>
           <p:nvPr>
             <p:ph idx="2" type="body"/>
@@ -11808,7 +11808,7 @@
   <p:cSld>
     <p:spTree>
       <p:nvGrpSpPr>
-        <p:cNvPr id="262" name="Shape 262"/>
+        <p:cNvPr id="271" name="Shape 271"/>
         <p:cNvGrpSpPr/>
         <p:nvPr/>
       </p:nvGrpSpPr>
@@ -11822,7 +11822,7 @@
       </p:grpSpPr>
       <p:grpSp>
         <p:nvGrpSpPr>
-          <p:cNvPr id="263" name="Google Shape;263;p27"/>
+          <p:cNvPr id="272" name="Google Shape;272;p27"/>
           <p:cNvGrpSpPr/>
           <p:nvPr/>
         </p:nvGrpSpPr>
@@ -11836,7 +11836,7 @@
         </p:grpSpPr>
         <p:cxnSp>
           <p:nvCxnSpPr>
-            <p:cNvPr id="264" name="Google Shape;264;p27"/>
+            <p:cNvPr id="273" name="Google Shape;273;p27"/>
             <p:cNvCxnSpPr/>
             <p:nvPr/>
           </p:nvCxnSpPr>
@@ -11862,7 +11862,7 @@
         </p:cxnSp>
         <p:cxnSp>
           <p:nvCxnSpPr>
-            <p:cNvPr id="265" name="Google Shape;265;p27"/>
+            <p:cNvPr id="274" name="Google Shape;274;p27"/>
             <p:cNvCxnSpPr/>
             <p:nvPr/>
           </p:nvCxnSpPr>
@@ -11888,7 +11888,7 @@
         </p:cxnSp>
         <p:cxnSp>
           <p:nvCxnSpPr>
-            <p:cNvPr id="266" name="Google Shape;266;p27"/>
+            <p:cNvPr id="275" name="Google Shape;275;p27"/>
             <p:cNvCxnSpPr/>
             <p:nvPr/>
           </p:nvCxnSpPr>
@@ -11914,7 +11914,7 @@
         </p:cxnSp>
         <p:cxnSp>
           <p:nvCxnSpPr>
-            <p:cNvPr id="267" name="Google Shape;267;p27"/>
+            <p:cNvPr id="276" name="Google Shape;276;p27"/>
             <p:cNvCxnSpPr/>
             <p:nvPr/>
           </p:nvCxnSpPr>
@@ -11940,7 +11940,7 @@
         </p:cxnSp>
         <p:cxnSp>
           <p:nvCxnSpPr>
-            <p:cNvPr id="268" name="Google Shape;268;p27"/>
+            <p:cNvPr id="277" name="Google Shape;277;p27"/>
             <p:cNvCxnSpPr/>
             <p:nvPr/>
           </p:nvCxnSpPr>
@@ -11966,7 +11966,7 @@
         </p:cxnSp>
         <p:cxnSp>
           <p:nvCxnSpPr>
-            <p:cNvPr id="269" name="Google Shape;269;p27"/>
+            <p:cNvPr id="278" name="Google Shape;278;p27"/>
             <p:cNvCxnSpPr/>
             <p:nvPr/>
           </p:nvCxnSpPr>
@@ -11992,7 +11992,7 @@
         </p:cxnSp>
         <p:cxnSp>
           <p:nvCxnSpPr>
-            <p:cNvPr id="270" name="Google Shape;270;p27"/>
+            <p:cNvPr id="279" name="Google Shape;279;p27"/>
             <p:cNvCxnSpPr/>
             <p:nvPr/>
           </p:nvCxnSpPr>
@@ -12018,7 +12018,7 @@
         </p:cxnSp>
         <p:cxnSp>
           <p:nvCxnSpPr>
-            <p:cNvPr id="271" name="Google Shape;271;p27"/>
+            <p:cNvPr id="280" name="Google Shape;280;p27"/>
             <p:cNvCxnSpPr/>
             <p:nvPr/>
           </p:nvCxnSpPr>
@@ -12044,7 +12044,7 @@
         </p:cxnSp>
         <p:cxnSp>
           <p:nvCxnSpPr>
-            <p:cNvPr id="272" name="Google Shape;272;p27"/>
+            <p:cNvPr id="281" name="Google Shape;281;p27"/>
             <p:cNvCxnSpPr/>
             <p:nvPr/>
           </p:nvCxnSpPr>
@@ -12070,7 +12070,7 @@
         </p:cxnSp>
         <p:cxnSp>
           <p:nvCxnSpPr>
-            <p:cNvPr id="273" name="Google Shape;273;p27"/>
+            <p:cNvPr id="282" name="Google Shape;282;p27"/>
             <p:cNvCxnSpPr/>
             <p:nvPr/>
           </p:nvCxnSpPr>
@@ -12097,54 +12097,7 @@
       </p:grpSp>
       <p:sp>
         <p:nvSpPr>
-          <p:cNvPr id="274" name="Google Shape;274;p27"/>
-          <p:cNvSpPr/>
-          <p:nvPr/>
-        </p:nvSpPr>
-        <p:spPr>
-          <a:xfrm>
-            <a:off x="7014920" y="2133119"/>
-            <a:ext cx="286500" cy="286500"/>
-          </a:xfrm>
-          <a:prstGeom prst="ellipse">
-            <a:avLst/>
-          </a:prstGeom>
-          <a:noFill/>
-          <a:ln cap="flat" cmpd="sng" w="19050">
-            <a:solidFill>
-              <a:schemeClr val="accent5"/>
-            </a:solidFill>
-            <a:prstDash val="solid"/>
-            <a:round/>
-            <a:headEnd len="sm" w="sm" type="none"/>
-            <a:tailEnd len="sm" w="sm" type="none"/>
-          </a:ln>
-        </p:spPr>
-        <p:txBody>
-          <a:bodyPr anchorCtr="0" anchor="ctr" bIns="91425" lIns="91425" spcFirstLastPara="1" rIns="91425" wrap="square" tIns="91425">
-            <a:noAutofit/>
-          </a:bodyPr>
-          <a:lstStyle/>
-          <a:p>
-            <a:pPr indent="0" lvl="0" marL="0" rtl="0" algn="l">
-              <a:spcBef>
-                <a:spcPts val="0"/>
-              </a:spcBef>
-              <a:spcAft>
-                <a:spcPts val="0"/>
-              </a:spcAft>
-              <a:buNone/>
-            </a:pPr>
-            <a:r>
-              <a:t/>
-            </a:r>
-            <a:endParaRPr/>
-          </a:p>
-        </p:txBody>
-      </p:sp>
-      <p:sp>
-        <p:nvSpPr>
-          <p:cNvPr id="275" name="Google Shape;275;p27"/>
+          <p:cNvPr id="283" name="Google Shape;283;p27"/>
           <p:cNvSpPr txBox="1"/>
           <p:nvPr>
             <p:ph type="title"/>
@@ -12182,49 +12135,9 @@
           </a:p>
         </p:txBody>
       </p:sp>
-      <p:sp>
-        <p:nvSpPr>
-          <p:cNvPr id="276" name="Google Shape;276;p27"/>
-          <p:cNvSpPr txBox="1"/>
-          <p:nvPr>
-            <p:ph idx="1" type="subTitle"/>
-          </p:nvPr>
-        </p:nvSpPr>
-        <p:spPr>
-          <a:xfrm>
-            <a:off x="265500" y="2769001"/>
-            <a:ext cx="4045200" cy="1269300"/>
-          </a:xfrm>
-          <a:prstGeom prst="rect">
-            <a:avLst/>
-          </a:prstGeom>
-        </p:spPr>
-        <p:txBody>
-          <a:bodyPr anchorCtr="0" anchor="t" bIns="91425" lIns="91425" spcFirstLastPara="1" rIns="91425" wrap="square" tIns="91425">
-            <a:noAutofit/>
-          </a:bodyPr>
-          <a:lstStyle/>
-          <a:p>
-            <a:pPr indent="0" lvl="0" marL="0" rtl="0" algn="ctr">
-              <a:spcBef>
-                <a:spcPts val="0"/>
-              </a:spcBef>
-              <a:spcAft>
-                <a:spcPts val="0"/>
-              </a:spcAft>
-              <a:buNone/>
-            </a:pPr>
-            <a:r>
-              <a:rPr lang="en"/>
-              <a:t>XX% sales increase</a:t>
-            </a:r>
-            <a:endParaRPr/>
-          </a:p>
-        </p:txBody>
-      </p:sp>
       <p:grpSp>
         <p:nvGrpSpPr>
-          <p:cNvPr id="277" name="Google Shape;277;p27"/>
+          <p:cNvPr id="284" name="Google Shape;284;p27"/>
           <p:cNvGrpSpPr/>
           <p:nvPr/>
         </p:nvGrpSpPr>
@@ -12238,7 +12151,7 @@
         </p:grpSpPr>
         <p:sp>
           <p:nvSpPr>
-            <p:cNvPr id="278" name="Google Shape;278;p27"/>
+            <p:cNvPr id="285" name="Google Shape;285;p27"/>
             <p:cNvSpPr/>
             <p:nvPr/>
           </p:nvSpPr>
@@ -12316,7 +12229,7 @@
         </p:sp>
         <p:sp>
           <p:nvSpPr>
-            <p:cNvPr id="279" name="Google Shape;279;p27"/>
+            <p:cNvPr id="286" name="Google Shape;286;p27"/>
             <p:cNvSpPr/>
             <p:nvPr/>
           </p:nvSpPr>
@@ -12365,7 +12278,7 @@
         </p:sp>
         <p:sp>
           <p:nvSpPr>
-            <p:cNvPr id="280" name="Google Shape;280;p27"/>
+            <p:cNvPr id="287" name="Google Shape;287;p27"/>
             <p:cNvSpPr/>
             <p:nvPr/>
           </p:nvSpPr>
@@ -12414,7 +12327,7 @@
         </p:sp>
         <p:sp>
           <p:nvSpPr>
-            <p:cNvPr id="281" name="Google Shape;281;p27"/>
+            <p:cNvPr id="288" name="Google Shape;288;p27"/>
             <p:cNvSpPr/>
             <p:nvPr/>
           </p:nvSpPr>
@@ -12463,7 +12376,7 @@
         </p:sp>
         <p:sp>
           <p:nvSpPr>
-            <p:cNvPr id="282" name="Google Shape;282;p27"/>
+            <p:cNvPr id="289" name="Google Shape;289;p27"/>
             <p:cNvSpPr/>
             <p:nvPr/>
           </p:nvSpPr>
@@ -12512,7 +12425,7 @@
         </p:sp>
         <p:sp>
           <p:nvSpPr>
-            <p:cNvPr id="283" name="Google Shape;283;p27"/>
+            <p:cNvPr id="290" name="Google Shape;290;p27"/>
             <p:cNvSpPr/>
             <p:nvPr/>
           </p:nvSpPr>
@@ -12561,7 +12474,7 @@
         </p:sp>
         <p:sp>
           <p:nvSpPr>
-            <p:cNvPr id="284" name="Google Shape;284;p27"/>
+            <p:cNvPr id="291" name="Google Shape;291;p27"/>
             <p:cNvSpPr/>
             <p:nvPr/>
           </p:nvSpPr>
@@ -12610,7 +12523,7 @@
         </p:sp>
         <p:sp>
           <p:nvSpPr>
-            <p:cNvPr id="285" name="Google Shape;285;p27"/>
+            <p:cNvPr id="292" name="Google Shape;292;p27"/>
             <p:cNvSpPr/>
             <p:nvPr/>
           </p:nvSpPr>
@@ -12659,7 +12572,7 @@
         </p:sp>
         <p:sp>
           <p:nvSpPr>
-            <p:cNvPr id="286" name="Google Shape;286;p27"/>
+            <p:cNvPr id="293" name="Google Shape;293;p27"/>
             <p:cNvSpPr/>
             <p:nvPr/>
           </p:nvSpPr>
@@ -12707,56 +12620,9 @@
           </p:txBody>
         </p:sp>
       </p:grpSp>
-      <p:sp>
-        <p:nvSpPr>
-          <p:cNvPr id="287" name="Google Shape;287;p27"/>
-          <p:cNvSpPr/>
-          <p:nvPr/>
-        </p:nvSpPr>
-        <p:spPr>
-          <a:xfrm>
-            <a:off x="6847150" y="1577745"/>
-            <a:ext cx="1179600" cy="343800"/>
-          </a:xfrm>
-          <a:prstGeom prst="wedgeRoundRectCallout">
-            <a:avLst>
-              <a:gd fmla="val -21432" name="adj1"/>
-              <a:gd fmla="val 84969" name="adj2"/>
-              <a:gd fmla="val 0" name="adj3"/>
-            </a:avLst>
-          </a:prstGeom>
-          <a:solidFill>
-            <a:schemeClr val="lt1"/>
-          </a:solidFill>
-          <a:ln>
-            <a:noFill/>
-          </a:ln>
-        </p:spPr>
-        <p:txBody>
-          <a:bodyPr anchorCtr="0" anchor="ctr" bIns="91425" lIns="91425" spcFirstLastPara="1" rIns="91425" wrap="square" tIns="91425">
-            <a:noAutofit/>
-          </a:bodyPr>
-          <a:lstStyle/>
-          <a:p>
-            <a:pPr indent="0" lvl="0" marL="0" rtl="0" algn="l">
-              <a:spcBef>
-                <a:spcPts val="0"/>
-              </a:spcBef>
-              <a:spcAft>
-                <a:spcPts val="0"/>
-              </a:spcAft>
-              <a:buNone/>
-            </a:pPr>
-            <a:r>
-              <a:t/>
-            </a:r>
-            <a:endParaRPr/>
-          </a:p>
-        </p:txBody>
-      </p:sp>
       <p:grpSp>
         <p:nvGrpSpPr>
-          <p:cNvPr id="288" name="Google Shape;288;p27"/>
+          <p:cNvPr id="294" name="Google Shape;294;p27"/>
           <p:cNvGrpSpPr/>
           <p:nvPr/>
         </p:nvGrpSpPr>
@@ -12770,7 +12636,7 @@
         </p:grpSpPr>
         <p:sp>
           <p:nvSpPr>
-            <p:cNvPr id="289" name="Google Shape;289;p27"/>
+            <p:cNvPr id="295" name="Google Shape;295;p27"/>
             <p:cNvSpPr/>
             <p:nvPr/>
           </p:nvSpPr>
@@ -12848,7 +12714,7 @@
         </p:sp>
         <p:sp>
           <p:nvSpPr>
-            <p:cNvPr id="290" name="Google Shape;290;p27"/>
+            <p:cNvPr id="296" name="Google Shape;296;p27"/>
             <p:cNvSpPr/>
             <p:nvPr/>
           </p:nvSpPr>
@@ -12897,7 +12763,7 @@
         </p:sp>
         <p:sp>
           <p:nvSpPr>
-            <p:cNvPr id="291" name="Google Shape;291;p27"/>
+            <p:cNvPr id="297" name="Google Shape;297;p27"/>
             <p:cNvSpPr/>
             <p:nvPr/>
           </p:nvSpPr>
@@ -12946,7 +12812,7 @@
         </p:sp>
         <p:sp>
           <p:nvSpPr>
-            <p:cNvPr id="292" name="Google Shape;292;p27"/>
+            <p:cNvPr id="298" name="Google Shape;298;p27"/>
             <p:cNvSpPr/>
             <p:nvPr/>
           </p:nvSpPr>
@@ -12995,7 +12861,7 @@
         </p:sp>
         <p:sp>
           <p:nvSpPr>
-            <p:cNvPr id="293" name="Google Shape;293;p27"/>
+            <p:cNvPr id="299" name="Google Shape;299;p27"/>
             <p:cNvSpPr/>
             <p:nvPr/>
           </p:nvSpPr>
@@ -13044,7 +12910,7 @@
         </p:sp>
         <p:sp>
           <p:nvSpPr>
-            <p:cNvPr id="294" name="Google Shape;294;p27"/>
+            <p:cNvPr id="300" name="Google Shape;300;p27"/>
             <p:cNvSpPr/>
             <p:nvPr/>
           </p:nvSpPr>
@@ -13093,7 +12959,7 @@
         </p:sp>
         <p:sp>
           <p:nvSpPr>
-            <p:cNvPr id="295" name="Google Shape;295;p27"/>
+            <p:cNvPr id="301" name="Google Shape;301;p27"/>
             <p:cNvSpPr/>
             <p:nvPr/>
           </p:nvSpPr>
@@ -13142,7 +13008,7 @@
         </p:sp>
         <p:sp>
           <p:nvSpPr>
-            <p:cNvPr id="296" name="Google Shape;296;p27"/>
+            <p:cNvPr id="302" name="Google Shape;302;p27"/>
             <p:cNvSpPr/>
             <p:nvPr/>
           </p:nvSpPr>
@@ -13191,7 +13057,7 @@
         </p:sp>
         <p:sp>
           <p:nvSpPr>
-            <p:cNvPr id="297" name="Google Shape;297;p27"/>
+            <p:cNvPr id="303" name="Google Shape;303;p27"/>
             <p:cNvSpPr/>
             <p:nvPr/>
           </p:nvSpPr>
@@ -13241,7 +13107,7 @@
       </p:grpSp>
       <p:sp>
         <p:nvSpPr>
-          <p:cNvPr id="298" name="Google Shape;298;p27"/>
+          <p:cNvPr id="304" name="Google Shape;304;p27"/>
           <p:cNvSpPr txBox="1"/>
           <p:nvPr>
             <p:ph idx="2" type="body"/>
@@ -13300,7 +13166,7 @@
   <p:cSld>
     <p:spTree>
       <p:nvGrpSpPr>
-        <p:cNvPr id="302" name="Shape 302"/>
+        <p:cNvPr id="308" name="Shape 308"/>
         <p:cNvGrpSpPr/>
         <p:nvPr/>
       </p:nvGrpSpPr>
@@ -13314,7 +13180,7 @@
       </p:grpSpPr>
       <p:sp>
         <p:nvSpPr>
-          <p:cNvPr id="303" name="Google Shape;303;p28"/>
+          <p:cNvPr id="309" name="Google Shape;309;p28"/>
           <p:cNvSpPr txBox="1"/>
           <p:nvPr>
             <p:ph type="title"/>
@@ -13354,7 +13220,7 @@
       </p:sp>
       <p:sp>
         <p:nvSpPr>
-          <p:cNvPr id="304" name="Google Shape;304;p28"/>
+          <p:cNvPr id="310" name="Google Shape;310;p28"/>
           <p:cNvSpPr txBox="1"/>
           <p:nvPr>
             <p:ph idx="1" type="subTitle"/>
@@ -13393,7 +13259,7 @@
       </p:sp>
       <p:sp>
         <p:nvSpPr>
-          <p:cNvPr id="305" name="Google Shape;305;p28"/>
+          <p:cNvPr id="311" name="Google Shape;311;p28"/>
           <p:cNvSpPr txBox="1"/>
           <p:nvPr>
             <p:ph idx="2" type="body"/>
@@ -13414,14 +13280,81 @@
           </a:bodyPr>
           <a:lstStyle/>
           <a:p>
-            <a:pPr indent="0" lvl="0" marL="0" rtl="0" algn="l">
-              <a:spcBef>
-                <a:spcPts val="0"/>
-              </a:spcBef>
-              <a:spcAft>
-                <a:spcPts val="1600"/>
-              </a:spcAft>
-              <a:buNone/>
+            <a:pPr indent="-342900" lvl="0" marL="457200" rtl="0" algn="l">
+              <a:spcBef>
+                <a:spcPts val="0"/>
+              </a:spcBef>
+              <a:spcAft>
+                <a:spcPts val="0"/>
+              </a:spcAft>
+              <a:buSzPts val="1800"/>
+              <a:buAutoNum type="arabicParenR"/>
+            </a:pPr>
+            <a:r>
+              <a:rPr lang="en" u="sng">
+                <a:solidFill>
+                  <a:schemeClr val="hlink"/>
+                </a:solidFill>
+                <a:hlinkClick r:id="rId3"/>
+              </a:rPr>
+              <a:t>https://www.cdc.gov/csels/dsepd/ss1978/lesson1/section11.html</a:t>
+            </a:r>
+            <a:endParaRPr/>
+          </a:p>
+          <a:p>
+            <a:pPr indent="-342900" lvl="0" marL="457200" rtl="0" algn="l">
+              <a:spcBef>
+                <a:spcPts val="0"/>
+              </a:spcBef>
+              <a:spcAft>
+                <a:spcPts val="0"/>
+              </a:spcAft>
+              <a:buSzPts val="1800"/>
+              <a:buAutoNum type="arabicParenR"/>
+            </a:pPr>
+            <a:r>
+              <a:rPr lang="en" u="sng">
+                <a:solidFill>
+                  <a:schemeClr val="hlink"/>
+                </a:solidFill>
+                <a:hlinkClick r:id="rId4"/>
+              </a:rPr>
+              <a:t>https://www.cnbc.com/2021/09/20/covid-is-americas-deadliest-pandemic-as-us-fatalities-near-1918-flu-estimates.html</a:t>
+            </a:r>
+            <a:endParaRPr/>
+          </a:p>
+          <a:p>
+            <a:pPr indent="-342900" lvl="0" marL="457200" rtl="0" algn="l">
+              <a:spcBef>
+                <a:spcPts val="0"/>
+              </a:spcBef>
+              <a:spcAft>
+                <a:spcPts val="0"/>
+              </a:spcAft>
+              <a:buSzPts val="1800"/>
+              <a:buAutoNum type="arabicParenR"/>
+            </a:pPr>
+            <a:r>
+              <a:rPr lang="en" u="sng">
+                <a:solidFill>
+                  <a:schemeClr val="hlink"/>
+                </a:solidFill>
+                <a:hlinkClick r:id="rId5"/>
+              </a:rPr>
+              <a:t>https://scdhec.gov/covid19/managing-covid-19-endemic</a:t>
+            </a:r>
+            <a:endParaRPr/>
+          </a:p>
+          <a:p>
+            <a:pPr indent="-342900" lvl="0" marL="457200" rtl="0" algn="l">
+              <a:spcBef>
+                <a:spcPts val="0"/>
+              </a:spcBef>
+              <a:spcAft>
+                <a:spcPts val="0"/>
+              </a:spcAft>
+              <a:buSzPts val="1800"/>
+              <a:buAutoNum type="arabicParenR"/>
             </a:pPr>
             <a:r>
               <a:t/>
@@ -13489,7 +13422,7 @@
             </a:pPr>
             <a:r>
               <a:rPr lang="en"/>
-              <a:t>COVID-19 Analysis</a:t>
+              <a:t>COVID-19 Overview</a:t>
             </a:r>
             <a:endParaRPr/>
           </a:p>
@@ -13503,8 +13436,8 @@
         </p:nvGrpSpPr>
         <p:grpSpPr>
           <a:xfrm>
-            <a:off x="431904" y="1304875"/>
-            <a:ext cx="4903471" cy="3416400"/>
+            <a:off x="401725" y="1228664"/>
+            <a:ext cx="8430699" cy="3009507"/>
             <a:chOff x="431925" y="1304875"/>
             <a:chExt cx="2628925" cy="3416400"/>
           </a:xfrm>
@@ -13610,7 +13543,7 @@
         </p:nvSpPr>
         <p:spPr>
           <a:xfrm>
-            <a:off x="506425" y="1304875"/>
+            <a:off x="401700" y="1228700"/>
             <a:ext cx="2494500" cy="461400"/>
           </a:xfrm>
           <a:prstGeom prst="rect">
@@ -13658,20 +13591,20 @@
         </p:nvSpPr>
         <p:spPr>
           <a:xfrm>
-            <a:off x="508325" y="1850300"/>
-            <a:ext cx="4690200" cy="2794800"/>
+            <a:off x="401775" y="1511800"/>
+            <a:ext cx="8430600" cy="2808900"/>
           </a:xfrm>
           <a:prstGeom prst="rect">
             <a:avLst/>
           </a:prstGeom>
         </p:spPr>
         <p:txBody>
-          <a:bodyPr anchorCtr="0" anchor="t" bIns="91425" lIns="91425" spcFirstLastPara="1" rIns="91425" wrap="square" tIns="91425">
+          <a:bodyPr anchorCtr="0" anchor="ctr" bIns="91425" lIns="91425" spcFirstLastPara="1" rIns="91425" wrap="square" tIns="91425">
             <a:noAutofit/>
           </a:bodyPr>
           <a:lstStyle/>
           <a:p>
-            <a:pPr indent="0" lvl="0" marL="0" rtl="0" algn="l">
+            <a:pPr indent="-342900" lvl="0" marL="457200" rtl="0" algn="l">
               <a:lnSpc>
                 <a:spcPct val="125000"/>
               </a:lnSpc>
@@ -13679,20 +13612,156 @@
                 <a:spcPts val="1800"/>
               </a:spcBef>
               <a:spcAft>
-                <a:spcPts val="1200"/>
-              </a:spcAft>
-              <a:buNone/>
+                <a:spcPts val="0"/>
+              </a:spcAft>
+              <a:buSzPts val="1800"/>
+              <a:buChar char="●"/>
             </a:pPr>
             <a:r>
-              <a:rPr lang="en" sz="1400">
-                <a:solidFill>
-                  <a:srgbClr val="24292F"/>
+              <a:rPr lang="en"/>
+              <a:t>An </a:t>
+            </a:r>
+            <a:r>
+              <a:rPr b="1" lang="en"/>
+              <a:t>epidemic</a:t>
+            </a:r>
+            <a:r>
+              <a:rPr lang="en"/>
+              <a:t> refers to an unexpected increase in cases of disease in a specific area</a:t>
+            </a:r>
+            <a:r>
+              <a:rPr lang="en">
+                <a:solidFill>
+                  <a:srgbClr val="191E3F"/>
                 </a:solidFill>
                 <a:highlight>
                   <a:srgbClr val="FFFFFF"/>
                 </a:highlight>
               </a:rPr>
-              <a:t>As COVID-19 persists throughout the globe, the purpose of this exploration is to determine the relationship between different factors that contribute to the spread of COVID-19 as well as the outcomes noted by people across the world. </a:t>
+              <a:t>¹</a:t>
+            </a:r>
+            <a:endParaRPr>
+              <a:solidFill>
+                <a:srgbClr val="000000"/>
+              </a:solidFill>
+              <a:highlight>
+                <a:srgbClr val="FFFFFF"/>
+              </a:highlight>
+            </a:endParaRPr>
+          </a:p>
+          <a:p>
+            <a:pPr indent="-342900" lvl="0" marL="457200" rtl="0" algn="l">
+              <a:lnSpc>
+                <a:spcPct val="125000"/>
+              </a:lnSpc>
+              <a:spcBef>
+                <a:spcPts val="0"/>
+              </a:spcBef>
+              <a:spcAft>
+                <a:spcPts val="0"/>
+              </a:spcAft>
+              <a:buSzPts val="1800"/>
+              <a:buChar char="●"/>
+            </a:pPr>
+            <a:r>
+              <a:rPr lang="en"/>
+              <a:t>A </a:t>
+            </a:r>
+            <a:r>
+              <a:rPr b="1" lang="en"/>
+              <a:t>pandemic</a:t>
+            </a:r>
+            <a:r>
+              <a:rPr lang="en"/>
+              <a:t> is an epidemic that has spanned across locations</a:t>
+            </a:r>
+            <a:r>
+              <a:rPr lang="en">
+                <a:solidFill>
+                  <a:srgbClr val="191E3F"/>
+                </a:solidFill>
+                <a:highlight>
+                  <a:srgbClr val="FFFFFF"/>
+                </a:highlight>
+              </a:rPr>
+              <a:t>¹</a:t>
+            </a:r>
+            <a:endParaRPr>
+              <a:solidFill>
+                <a:srgbClr val="000000"/>
+              </a:solidFill>
+              <a:highlight>
+                <a:srgbClr val="FFFFFF"/>
+              </a:highlight>
+            </a:endParaRPr>
+          </a:p>
+          <a:p>
+            <a:pPr indent="-342900" lvl="0" marL="457200" rtl="0" algn="l">
+              <a:lnSpc>
+                <a:spcPct val="125000"/>
+              </a:lnSpc>
+              <a:spcBef>
+                <a:spcPts val="0"/>
+              </a:spcBef>
+              <a:spcAft>
+                <a:spcPts val="0"/>
+              </a:spcAft>
+              <a:buSzPts val="1800"/>
+              <a:buChar char="●"/>
+            </a:pPr>
+            <a:r>
+              <a:rPr lang="en"/>
+              <a:t>COVID-19 is now the deadliest pandemic in the history of the United States, as of September 2021</a:t>
+            </a:r>
+            <a:r>
+              <a:rPr lang="en">
+                <a:solidFill>
+                  <a:srgbClr val="191E3F"/>
+                </a:solidFill>
+                <a:highlight>
+                  <a:srgbClr val="FFFFFF"/>
+                </a:highlight>
+              </a:rPr>
+              <a:t>²</a:t>
+            </a:r>
+            <a:endParaRPr/>
+          </a:p>
+          <a:p>
+            <a:pPr indent="-342900" lvl="0" marL="457200" rtl="0" algn="l">
+              <a:lnSpc>
+                <a:spcPct val="125000"/>
+              </a:lnSpc>
+              <a:spcBef>
+                <a:spcPts val="0"/>
+              </a:spcBef>
+              <a:spcAft>
+                <a:spcPts val="0"/>
+              </a:spcAft>
+              <a:buSzPts val="1800"/>
+              <a:buChar char="●"/>
+            </a:pPr>
+            <a:r>
+              <a:rPr lang="en"/>
+              <a:t>Many entities are now treating COVID-19 as </a:t>
+            </a:r>
+            <a:r>
+              <a:rPr b="1" lang="en"/>
+              <a:t>endemic</a:t>
+            </a:r>
+            <a:r>
+              <a:rPr lang="en"/>
+              <a:t>- a disease that continually circulates a population or area with occasional outbreaks</a:t>
+            </a:r>
+            <a:r>
+              <a:rPr lang="en">
+                <a:solidFill>
+                  <a:srgbClr val="191E3F"/>
+                </a:solidFill>
+                <a:highlight>
+                  <a:srgbClr val="FFFFFF"/>
+                </a:highlight>
+              </a:rPr>
+              <a:t>³</a:t>
             </a:r>
             <a:endParaRPr/>
           </a:p>
@@ -13706,25 +13775,23 @@
         </p:nvSpPr>
         <p:spPr>
           <a:xfrm>
-            <a:off x="5729875" y="1304875"/>
-            <a:ext cx="3199200" cy="2521800"/>
-          </a:xfrm>
-          <a:prstGeom prst="rect">
-            <a:avLst/>
+            <a:off x="401700" y="4449050"/>
+            <a:ext cx="2494500" cy="365400"/>
+          </a:xfrm>
+          <a:prstGeom prst="homePlate">
+            <a:avLst>
+              <a:gd fmla="val 50000" name="adj"/>
+            </a:avLst>
           </a:prstGeom>
-          <a:noFill/>
-          <a:ln cap="flat" cmpd="sng" w="9525">
-            <a:solidFill>
-              <a:schemeClr val="dk1"/>
-            </a:solidFill>
-            <a:prstDash val="solid"/>
-            <a:round/>
-            <a:headEnd len="sm" w="sm" type="none"/>
-            <a:tailEnd len="sm" w="sm" type="none"/>
+          <a:solidFill>
+            <a:schemeClr val="dk1"/>
+          </a:solidFill>
+          <a:ln>
+            <a:noFill/>
           </a:ln>
         </p:spPr>
         <p:txBody>
-          <a:bodyPr anchorCtr="0" anchor="ctr" bIns="91425" lIns="91425" spcFirstLastPara="1" rIns="91425" wrap="square" tIns="91425">
+          <a:bodyPr anchorCtr="0" anchor="ctr" bIns="121875" lIns="121875" spcFirstLastPara="1" rIns="121875" wrap="square" tIns="121875">
             <a:noAutofit/>
           </a:bodyPr>
           <a:lstStyle/>
@@ -13740,157 +13807,6 @@
             </a:pPr>
             <a:r>
               <a:t/>
-            </a:r>
-            <a:endParaRPr/>
-          </a:p>
-        </p:txBody>
-      </p:sp>
-      <p:pic>
-        <p:nvPicPr>
-          <p:cNvPr id="99" name="Google Shape;99;p14"/>
-          <p:cNvPicPr preferRelativeResize="0"/>
-          <p:nvPr/>
-        </p:nvPicPr>
-        <p:blipFill>
-          <a:blip r:embed="rId3">
-            <a:alphaModFix/>
-          </a:blip>
-          <a:stretch>
-            <a:fillRect/>
-          </a:stretch>
-        </p:blipFill>
-        <p:spPr>
-          <a:xfrm>
-            <a:off x="5904600" y="1482275"/>
-            <a:ext cx="2849750" cy="2178962"/>
-          </a:xfrm>
-          <a:prstGeom prst="rect">
-            <a:avLst/>
-          </a:prstGeom>
-          <a:noFill/>
-          <a:ln>
-            <a:noFill/>
-          </a:ln>
-        </p:spPr>
-      </p:pic>
-      <p:sp>
-        <p:nvSpPr>
-          <p:cNvPr id="100" name="Google Shape;100;p14"/>
-          <p:cNvSpPr txBox="1"/>
-          <p:nvPr/>
-        </p:nvSpPr>
-        <p:spPr>
-          <a:xfrm>
-            <a:off x="5904600" y="3936500"/>
-            <a:ext cx="1800300" cy="323100"/>
-          </a:xfrm>
-          <a:prstGeom prst="rect">
-            <a:avLst/>
-          </a:prstGeom>
-          <a:noFill/>
-          <a:ln>
-            <a:noFill/>
-          </a:ln>
-        </p:spPr>
-        <p:txBody>
-          <a:bodyPr anchorCtr="0" anchor="t" bIns="91425" lIns="91425" spcFirstLastPara="1" rIns="91425" wrap="square" tIns="91425">
-            <a:spAutoFit/>
-          </a:bodyPr>
-          <a:lstStyle/>
-          <a:p>
-            <a:pPr indent="0" lvl="0" marL="0" rtl="0" algn="l">
-              <a:spcBef>
-                <a:spcPts val="0"/>
-              </a:spcBef>
-              <a:spcAft>
-                <a:spcPts val="0"/>
-              </a:spcAft>
-              <a:buNone/>
-            </a:pPr>
-            <a:r>
-              <a:rPr lang="en" sz="900">
-                <a:solidFill>
-                  <a:srgbClr val="4D4D4D"/>
-                </a:solidFill>
-                <a:highlight>
-                  <a:srgbClr val="FFFFFF"/>
-                </a:highlight>
-                <a:latin typeface="Trebuchet MS"/>
-                <a:ea typeface="Trebuchet MS"/>
-                <a:cs typeface="Trebuchet MS"/>
-                <a:sym typeface="Trebuchet MS"/>
-              </a:rPr>
-              <a:t>CDC/SCIENCE PHOTO LIBRARY</a:t>
-            </a:r>
-            <a:endParaRPr>
-              <a:latin typeface="Roboto"/>
-              <a:ea typeface="Roboto"/>
-              <a:cs typeface="Roboto"/>
-              <a:sym typeface="Roboto"/>
-            </a:endParaRPr>
-          </a:p>
-        </p:txBody>
-      </p:sp>
-    </p:spTree>
-  </p:cSld>
-  <p:clrMapOvr>
-    <a:masterClrMapping/>
-  </p:clrMapOvr>
-</p:sld>
-</file>
-
-<file path=ppt/slides/slide3.xml><?xml version="1.0" encoding="utf-8"?>
-<p:sld xmlns:a="http://schemas.openxmlformats.org/drawingml/2006/main" xmlns:r="http://schemas.openxmlformats.org/officeDocument/2006/relationships" xmlns:mc="http://schemas.openxmlformats.org/markup-compatibility/2006" xmlns:mv="urn:schemas-microsoft-com:mac:vml" xmlns:p="http://schemas.openxmlformats.org/presentationml/2006/main" xmlns:c="http://schemas.openxmlformats.org/drawingml/2006/chart" xmlns:dgm="http://schemas.openxmlformats.org/drawingml/2006/diagram" xmlns:o="urn:schemas-microsoft-com:office:office" xmlns:v="urn:schemas-microsoft-com:vml" xmlns:pvml="urn:schemas-microsoft-com:office:powerpoint" xmlns:com="http://schemas.openxmlformats.org/drawingml/2006/compatibility" xmlns:p14="http://schemas.microsoft.com/office/powerpoint/2010/main" xmlns:p15="http://schemas.microsoft.com/office/powerpoint/2012/main" xmlns:ahyp="http://schemas.microsoft.com/office/drawing/2018/hyperlinkcolor">
-  <p:cSld>
-    <p:spTree>
-      <p:nvGrpSpPr>
-        <p:cNvPr id="104" name="Shape 104"/>
-        <p:cNvGrpSpPr/>
-        <p:nvPr/>
-      </p:nvGrpSpPr>
-      <p:grpSpPr>
-        <a:xfrm>
-          <a:off x="0" y="0"/>
-          <a:ext cx="0" cy="0"/>
-          <a:chOff x="0" y="0"/>
-          <a:chExt cx="0" cy="0"/>
-        </a:xfrm>
-      </p:grpSpPr>
-      <p:sp>
-        <p:nvSpPr>
-          <p:cNvPr id="105" name="Google Shape;105;p15"/>
-          <p:cNvSpPr txBox="1"/>
-          <p:nvPr>
-            <p:ph type="title"/>
-          </p:nvPr>
-        </p:nvSpPr>
-        <p:spPr>
-          <a:xfrm>
-            <a:off x="311700" y="410000"/>
-            <a:ext cx="8520600" cy="607800"/>
-          </a:xfrm>
-          <a:prstGeom prst="rect">
-            <a:avLst/>
-          </a:prstGeom>
-        </p:spPr>
-        <p:txBody>
-          <a:bodyPr anchorCtr="0" anchor="t" bIns="91425" lIns="91425" spcFirstLastPara="1" rIns="91425" wrap="square" tIns="91425">
-            <a:noAutofit/>
-          </a:bodyPr>
-          <a:lstStyle/>
-          <a:p>
-            <a:pPr indent="0" lvl="0" marL="0" rtl="0" algn="l">
-              <a:spcBef>
-                <a:spcPts val="0"/>
-              </a:spcBef>
-              <a:spcAft>
-                <a:spcPts val="0"/>
-              </a:spcAft>
-              <a:buNone/>
-            </a:pPr>
-            <a:r>
-              <a:rPr lang="en"/>
-              <a:t>Purpose of COVID-19 Analysis</a:t>
             </a:r>
             <a:endParaRPr/>
           </a:p>
@@ -13898,86 +13814,14 @@
       </p:sp>
       <p:sp>
         <p:nvSpPr>
-          <p:cNvPr id="106" name="Google Shape;106;p15"/>
-          <p:cNvSpPr txBox="1"/>
-          <p:nvPr>
-            <p:ph idx="4294967295" type="body"/>
-          </p:nvPr>
-        </p:nvSpPr>
-        <p:spPr>
-          <a:xfrm>
-            <a:off x="432350" y="2070575"/>
-            <a:ext cx="8400000" cy="2650800"/>
-          </a:xfrm>
-          <a:prstGeom prst="rect">
-            <a:avLst/>
-          </a:prstGeom>
-        </p:spPr>
-        <p:txBody>
-          <a:bodyPr anchorCtr="0" anchor="t" bIns="91425" lIns="91425" spcFirstLastPara="1" rIns="91425" wrap="square" tIns="91425">
-            <a:noAutofit/>
-          </a:bodyPr>
-          <a:lstStyle/>
-          <a:p>
-            <a:pPr indent="0" lvl="0" marL="0" rtl="0" algn="l">
-              <a:lnSpc>
-                <a:spcPct val="125000"/>
-              </a:lnSpc>
-              <a:spcBef>
-                <a:spcPts val="1800"/>
-              </a:spcBef>
-              <a:spcAft>
-                <a:spcPts val="0"/>
-              </a:spcAft>
-              <a:buNone/>
-            </a:pPr>
-            <a:r>
-              <a:rPr lang="en" sz="1400">
-                <a:solidFill>
-                  <a:srgbClr val="24292F"/>
-                </a:solidFill>
-                <a:highlight>
-                  <a:srgbClr val="FFFFFF"/>
-                </a:highlight>
-              </a:rPr>
-              <a:t>By analyzing these health outcomes, the goal is ultimately to predict the health outcomes in future populations based on the factors determined significant by the machine learning model utilized below.</a:t>
-            </a:r>
-            <a:endParaRPr sz="1400">
-              <a:solidFill>
-                <a:srgbClr val="24292F"/>
-              </a:solidFill>
-              <a:highlight>
-                <a:srgbClr val="FFFFFF"/>
-              </a:highlight>
-            </a:endParaRPr>
-          </a:p>
-          <a:p>
-            <a:pPr indent="0" lvl="0" marL="0" rtl="0" algn="l">
-              <a:spcBef>
-                <a:spcPts val="1200"/>
-              </a:spcBef>
-              <a:spcAft>
-                <a:spcPts val="800"/>
-              </a:spcAft>
-              <a:buNone/>
-            </a:pPr>
-            <a:r>
-              <a:t/>
-            </a:r>
-            <a:endParaRPr sz="1600"/>
-          </a:p>
-        </p:txBody>
-      </p:sp>
-      <p:sp>
-        <p:nvSpPr>
-          <p:cNvPr id="107" name="Google Shape;107;p15"/>
+          <p:cNvPr id="99" name="Google Shape;99;p14"/>
           <p:cNvSpPr/>
           <p:nvPr/>
         </p:nvSpPr>
         <p:spPr>
           <a:xfrm>
-            <a:off x="432351" y="1304875"/>
-            <a:ext cx="8293500" cy="607800"/>
+            <a:off x="3031250" y="4449050"/>
+            <a:ext cx="2824800" cy="365400"/>
           </a:xfrm>
           <a:prstGeom prst="chevron">
             <a:avLst>
@@ -14013,6 +13857,622 @@
           </a:p>
         </p:txBody>
       </p:sp>
+      <p:sp>
+        <p:nvSpPr>
+          <p:cNvPr id="100" name="Google Shape;100;p14"/>
+          <p:cNvSpPr/>
+          <p:nvPr/>
+        </p:nvSpPr>
+        <p:spPr>
+          <a:xfrm>
+            <a:off x="6007600" y="4449050"/>
+            <a:ext cx="2824800" cy="365400"/>
+          </a:xfrm>
+          <a:prstGeom prst="chevron">
+            <a:avLst>
+              <a:gd fmla="val 50000" name="adj"/>
+            </a:avLst>
+          </a:prstGeom>
+          <a:solidFill>
+            <a:schemeClr val="dk1"/>
+          </a:solidFill>
+          <a:ln>
+            <a:noFill/>
+          </a:ln>
+        </p:spPr>
+        <p:txBody>
+          <a:bodyPr anchorCtr="0" anchor="ctr" bIns="121875" lIns="121875" spcFirstLastPara="1" rIns="121875" wrap="square" tIns="121875">
+            <a:noAutofit/>
+          </a:bodyPr>
+          <a:lstStyle/>
+          <a:p>
+            <a:pPr indent="0" lvl="0" marL="0" rtl="0" algn="l">
+              <a:spcBef>
+                <a:spcPts val="0"/>
+              </a:spcBef>
+              <a:spcAft>
+                <a:spcPts val="0"/>
+              </a:spcAft>
+              <a:buNone/>
+            </a:pPr>
+            <a:r>
+              <a:t/>
+            </a:r>
+            <a:endParaRPr/>
+          </a:p>
+        </p:txBody>
+      </p:sp>
+      <p:sp>
+        <p:nvSpPr>
+          <p:cNvPr id="101" name="Google Shape;101;p14"/>
+          <p:cNvSpPr txBox="1"/>
+          <p:nvPr>
+            <p:ph idx="4294967295" type="body"/>
+          </p:nvPr>
+        </p:nvSpPr>
+        <p:spPr>
+          <a:xfrm>
+            <a:off x="937850" y="4401050"/>
+            <a:ext cx="2494500" cy="461400"/>
+          </a:xfrm>
+          <a:prstGeom prst="rect">
+            <a:avLst/>
+          </a:prstGeom>
+        </p:spPr>
+        <p:txBody>
+          <a:bodyPr anchorCtr="0" anchor="t" bIns="91425" lIns="91425" spcFirstLastPara="1" rIns="91425" wrap="square" tIns="91425">
+            <a:noAutofit/>
+          </a:bodyPr>
+          <a:lstStyle/>
+          <a:p>
+            <a:pPr indent="0" lvl="0" marL="0" rtl="0" algn="l">
+              <a:spcBef>
+                <a:spcPts val="0"/>
+              </a:spcBef>
+              <a:spcAft>
+                <a:spcPts val="0"/>
+              </a:spcAft>
+              <a:buNone/>
+            </a:pPr>
+            <a:r>
+              <a:rPr lang="en">
+                <a:solidFill>
+                  <a:schemeClr val="lt1"/>
+                </a:solidFill>
+              </a:rPr>
+              <a:t>Epidemic</a:t>
+            </a:r>
+            <a:endParaRPr>
+              <a:solidFill>
+                <a:schemeClr val="lt1"/>
+              </a:solidFill>
+            </a:endParaRPr>
+          </a:p>
+        </p:txBody>
+      </p:sp>
+      <p:sp>
+        <p:nvSpPr>
+          <p:cNvPr id="102" name="Google Shape;102;p14"/>
+          <p:cNvSpPr txBox="1"/>
+          <p:nvPr>
+            <p:ph idx="4294967295" type="body"/>
+          </p:nvPr>
+        </p:nvSpPr>
+        <p:spPr>
+          <a:xfrm>
+            <a:off x="3884488" y="4401050"/>
+            <a:ext cx="2494500" cy="461400"/>
+          </a:xfrm>
+          <a:prstGeom prst="rect">
+            <a:avLst/>
+          </a:prstGeom>
+        </p:spPr>
+        <p:txBody>
+          <a:bodyPr anchorCtr="0" anchor="t" bIns="91425" lIns="91425" spcFirstLastPara="1" rIns="91425" wrap="square" tIns="91425">
+            <a:noAutofit/>
+          </a:bodyPr>
+          <a:lstStyle/>
+          <a:p>
+            <a:pPr indent="0" lvl="0" marL="0" rtl="0" algn="l">
+              <a:spcBef>
+                <a:spcPts val="0"/>
+              </a:spcBef>
+              <a:spcAft>
+                <a:spcPts val="0"/>
+              </a:spcAft>
+              <a:buNone/>
+            </a:pPr>
+            <a:r>
+              <a:rPr lang="en">
+                <a:solidFill>
+                  <a:schemeClr val="lt1"/>
+                </a:solidFill>
+              </a:rPr>
+              <a:t>Pan</a:t>
+            </a:r>
+            <a:r>
+              <a:rPr lang="en">
+                <a:solidFill>
+                  <a:schemeClr val="lt1"/>
+                </a:solidFill>
+              </a:rPr>
+              <a:t>demic</a:t>
+            </a:r>
+            <a:endParaRPr>
+              <a:solidFill>
+                <a:schemeClr val="lt1"/>
+              </a:solidFill>
+            </a:endParaRPr>
+          </a:p>
+        </p:txBody>
+      </p:sp>
+      <p:sp>
+        <p:nvSpPr>
+          <p:cNvPr id="103" name="Google Shape;103;p14"/>
+          <p:cNvSpPr txBox="1"/>
+          <p:nvPr>
+            <p:ph idx="4294967295" type="body"/>
+          </p:nvPr>
+        </p:nvSpPr>
+        <p:spPr>
+          <a:xfrm>
+            <a:off x="6831150" y="4401050"/>
+            <a:ext cx="1851000" cy="461400"/>
+          </a:xfrm>
+          <a:prstGeom prst="rect">
+            <a:avLst/>
+          </a:prstGeom>
+        </p:spPr>
+        <p:txBody>
+          <a:bodyPr anchorCtr="0" anchor="t" bIns="91425" lIns="91425" spcFirstLastPara="1" rIns="91425" wrap="square" tIns="91425">
+            <a:noAutofit/>
+          </a:bodyPr>
+          <a:lstStyle/>
+          <a:p>
+            <a:pPr indent="0" lvl="0" marL="0" rtl="0" algn="l">
+              <a:spcBef>
+                <a:spcPts val="0"/>
+              </a:spcBef>
+              <a:spcAft>
+                <a:spcPts val="0"/>
+              </a:spcAft>
+              <a:buNone/>
+            </a:pPr>
+            <a:r>
+              <a:rPr lang="en">
+                <a:solidFill>
+                  <a:schemeClr val="lt1"/>
+                </a:solidFill>
+              </a:rPr>
+              <a:t>Endemic</a:t>
+            </a:r>
+            <a:endParaRPr>
+              <a:solidFill>
+                <a:schemeClr val="lt1"/>
+              </a:solidFill>
+            </a:endParaRPr>
+          </a:p>
+        </p:txBody>
+      </p:sp>
+    </p:spTree>
+  </p:cSld>
+  <p:clrMapOvr>
+    <a:masterClrMapping/>
+  </p:clrMapOvr>
+</p:sld>
+</file>
+
+<file path=ppt/slides/slide3.xml><?xml version="1.0" encoding="utf-8"?>
+<p:sld xmlns:a="http://schemas.openxmlformats.org/drawingml/2006/main" xmlns:r="http://schemas.openxmlformats.org/officeDocument/2006/relationships" xmlns:mc="http://schemas.openxmlformats.org/markup-compatibility/2006" xmlns:mv="urn:schemas-microsoft-com:mac:vml" xmlns:p="http://schemas.openxmlformats.org/presentationml/2006/main" xmlns:c="http://schemas.openxmlformats.org/drawingml/2006/chart" xmlns:dgm="http://schemas.openxmlformats.org/drawingml/2006/diagram" xmlns:o="urn:schemas-microsoft-com:office:office" xmlns:v="urn:schemas-microsoft-com:vml" xmlns:pvml="urn:schemas-microsoft-com:office:powerpoint" xmlns:com="http://schemas.openxmlformats.org/drawingml/2006/compatibility" xmlns:p14="http://schemas.microsoft.com/office/powerpoint/2010/main" xmlns:p15="http://schemas.microsoft.com/office/powerpoint/2012/main" xmlns:ahyp="http://schemas.microsoft.com/office/drawing/2018/hyperlinkcolor">
+  <p:cSld>
+    <p:spTree>
+      <p:nvGrpSpPr>
+        <p:cNvPr id="107" name="Shape 107"/>
+        <p:cNvGrpSpPr/>
+        <p:nvPr/>
+      </p:nvGrpSpPr>
+      <p:grpSpPr>
+        <a:xfrm>
+          <a:off x="0" y="0"/>
+          <a:ext cx="0" cy="0"/>
+          <a:chOff x="0" y="0"/>
+          <a:chExt cx="0" cy="0"/>
+        </a:xfrm>
+      </p:grpSpPr>
+      <p:sp>
+        <p:nvSpPr>
+          <p:cNvPr id="108" name="Google Shape;108;p15"/>
+          <p:cNvSpPr txBox="1"/>
+          <p:nvPr>
+            <p:ph type="title"/>
+          </p:nvPr>
+        </p:nvSpPr>
+        <p:spPr>
+          <a:xfrm>
+            <a:off x="311700" y="410000"/>
+            <a:ext cx="8520600" cy="607800"/>
+          </a:xfrm>
+          <a:prstGeom prst="rect">
+            <a:avLst/>
+          </a:prstGeom>
+        </p:spPr>
+        <p:txBody>
+          <a:bodyPr anchorCtr="0" anchor="t" bIns="91425" lIns="91425" spcFirstLastPara="1" rIns="91425" wrap="square" tIns="91425">
+            <a:noAutofit/>
+          </a:bodyPr>
+          <a:lstStyle/>
+          <a:p>
+            <a:pPr indent="0" lvl="0" marL="0" rtl="0" algn="l">
+              <a:spcBef>
+                <a:spcPts val="0"/>
+              </a:spcBef>
+              <a:spcAft>
+                <a:spcPts val="0"/>
+              </a:spcAft>
+              <a:buNone/>
+            </a:pPr>
+            <a:r>
+              <a:rPr lang="en"/>
+              <a:t>Purpose of COVID-19 Analysis</a:t>
+            </a:r>
+            <a:endParaRPr/>
+          </a:p>
+        </p:txBody>
+      </p:sp>
+      <p:sp>
+        <p:nvSpPr>
+          <p:cNvPr id="109" name="Google Shape;109;p15"/>
+          <p:cNvSpPr txBox="1"/>
+          <p:nvPr>
+            <p:ph idx="4294967295" type="body"/>
+          </p:nvPr>
+        </p:nvSpPr>
+        <p:spPr>
+          <a:xfrm>
+            <a:off x="432350" y="1912675"/>
+            <a:ext cx="5355900" cy="2589600"/>
+          </a:xfrm>
+          <a:prstGeom prst="rect">
+            <a:avLst/>
+          </a:prstGeom>
+        </p:spPr>
+        <p:txBody>
+          <a:bodyPr anchorCtr="0" anchor="t" bIns="91425" lIns="91425" spcFirstLastPara="1" rIns="91425" wrap="square" tIns="91425">
+            <a:noAutofit/>
+          </a:bodyPr>
+          <a:lstStyle/>
+          <a:p>
+            <a:pPr indent="-330200" lvl="0" marL="457200" rtl="0" algn="l">
+              <a:lnSpc>
+                <a:spcPct val="150000"/>
+              </a:lnSpc>
+              <a:spcBef>
+                <a:spcPts val="1800"/>
+              </a:spcBef>
+              <a:spcAft>
+                <a:spcPts val="0"/>
+              </a:spcAft>
+              <a:buClr>
+                <a:srgbClr val="24292F"/>
+              </a:buClr>
+              <a:buSzPts val="1600"/>
+              <a:buChar char="●"/>
+            </a:pPr>
+            <a:r>
+              <a:rPr lang="en" sz="1600">
+                <a:solidFill>
+                  <a:srgbClr val="24292F"/>
+                </a:solidFill>
+                <a:highlight>
+                  <a:srgbClr val="FFFFFF"/>
+                </a:highlight>
+              </a:rPr>
+              <a:t>Create a functional </a:t>
+            </a:r>
+            <a:r>
+              <a:rPr lang="en" sz="1600">
+                <a:solidFill>
+                  <a:srgbClr val="24292F"/>
+                </a:solidFill>
+                <a:highlight>
+                  <a:srgbClr val="FFFFFF"/>
+                </a:highlight>
+              </a:rPr>
+              <a:t>prediction</a:t>
+            </a:r>
+            <a:r>
+              <a:rPr lang="en" sz="1600">
+                <a:solidFill>
+                  <a:srgbClr val="24292F"/>
+                </a:solidFill>
+                <a:highlight>
+                  <a:srgbClr val="FFFFFF"/>
+                </a:highlight>
+              </a:rPr>
+              <a:t> model relating to the healthcare/medical field</a:t>
+            </a:r>
+            <a:endParaRPr sz="1600">
+              <a:solidFill>
+                <a:srgbClr val="24292F"/>
+              </a:solidFill>
+              <a:highlight>
+                <a:srgbClr val="FFFFFF"/>
+              </a:highlight>
+            </a:endParaRPr>
+          </a:p>
+          <a:p>
+            <a:pPr indent="-330200" lvl="0" marL="457200" rtl="0" algn="l">
+              <a:lnSpc>
+                <a:spcPct val="150000"/>
+              </a:lnSpc>
+              <a:spcBef>
+                <a:spcPts val="0"/>
+              </a:spcBef>
+              <a:spcAft>
+                <a:spcPts val="0"/>
+              </a:spcAft>
+              <a:buClr>
+                <a:srgbClr val="24292F"/>
+              </a:buClr>
+              <a:buSzPts val="1600"/>
+              <a:buChar char="●"/>
+            </a:pPr>
+            <a:r>
+              <a:rPr lang="en" sz="1600">
+                <a:solidFill>
+                  <a:srgbClr val="24292F"/>
+                </a:solidFill>
+                <a:highlight>
+                  <a:srgbClr val="FFFFFF"/>
+                </a:highlight>
+              </a:rPr>
+              <a:t>Several topics considered including cancer and malaria</a:t>
+            </a:r>
+            <a:endParaRPr sz="1600">
+              <a:solidFill>
+                <a:srgbClr val="24292F"/>
+              </a:solidFill>
+              <a:highlight>
+                <a:srgbClr val="FFFFFF"/>
+              </a:highlight>
+            </a:endParaRPr>
+          </a:p>
+          <a:p>
+            <a:pPr indent="-330200" lvl="0" marL="457200" rtl="0" algn="l">
+              <a:lnSpc>
+                <a:spcPct val="150000"/>
+              </a:lnSpc>
+              <a:spcBef>
+                <a:spcPts val="0"/>
+              </a:spcBef>
+              <a:spcAft>
+                <a:spcPts val="0"/>
+              </a:spcAft>
+              <a:buClr>
+                <a:srgbClr val="24292F"/>
+              </a:buClr>
+              <a:buSzPts val="1600"/>
+              <a:buChar char="●"/>
+            </a:pPr>
+            <a:r>
+              <a:rPr lang="en" sz="1600">
+                <a:solidFill>
+                  <a:srgbClr val="24292F"/>
+                </a:solidFill>
+                <a:highlight>
+                  <a:srgbClr val="FFFFFF"/>
+                </a:highlight>
+              </a:rPr>
+              <a:t>COVID-19 selected due to availability of current data</a:t>
+            </a:r>
+            <a:endParaRPr sz="1600">
+              <a:solidFill>
+                <a:srgbClr val="24292F"/>
+              </a:solidFill>
+              <a:highlight>
+                <a:srgbClr val="FFFFFF"/>
+              </a:highlight>
+            </a:endParaRPr>
+          </a:p>
+          <a:p>
+            <a:pPr indent="-330200" lvl="0" marL="457200" rtl="0" algn="l">
+              <a:lnSpc>
+                <a:spcPct val="150000"/>
+              </a:lnSpc>
+              <a:spcBef>
+                <a:spcPts val="0"/>
+              </a:spcBef>
+              <a:spcAft>
+                <a:spcPts val="0"/>
+              </a:spcAft>
+              <a:buClr>
+                <a:srgbClr val="24292F"/>
+              </a:buClr>
+              <a:buSzPts val="1600"/>
+              <a:buChar char="●"/>
+            </a:pPr>
+            <a:r>
+              <a:rPr lang="en" sz="1600">
+                <a:solidFill>
+                  <a:srgbClr val="24292F"/>
+                </a:solidFill>
+                <a:highlight>
+                  <a:srgbClr val="FFFFFF"/>
+                </a:highlight>
+              </a:rPr>
+              <a:t>Analysis of COVID-19 to </a:t>
+            </a:r>
+            <a:r>
+              <a:rPr lang="en" sz="1600">
+                <a:solidFill>
+                  <a:srgbClr val="24292F"/>
+                </a:solidFill>
+                <a:highlight>
+                  <a:schemeClr val="lt1"/>
+                </a:highlight>
+              </a:rPr>
+              <a:t>ultimately to predict the health outcomes in future populations </a:t>
+            </a:r>
+            <a:endParaRPr sz="1600">
+              <a:solidFill>
+                <a:srgbClr val="24292F"/>
+              </a:solidFill>
+              <a:highlight>
+                <a:srgbClr val="FFFFFF"/>
+              </a:highlight>
+            </a:endParaRPr>
+          </a:p>
+          <a:p>
+            <a:pPr indent="0" lvl="0" marL="0" rtl="0" algn="l">
+              <a:lnSpc>
+                <a:spcPct val="150000"/>
+              </a:lnSpc>
+              <a:spcBef>
+                <a:spcPts val="1200"/>
+              </a:spcBef>
+              <a:spcAft>
+                <a:spcPts val="800"/>
+              </a:spcAft>
+              <a:buNone/>
+            </a:pPr>
+            <a:r>
+              <a:t/>
+            </a:r>
+            <a:endParaRPr sz="1600"/>
+          </a:p>
+        </p:txBody>
+      </p:sp>
+      <p:sp>
+        <p:nvSpPr>
+          <p:cNvPr id="110" name="Google Shape;110;p15"/>
+          <p:cNvSpPr/>
+          <p:nvPr/>
+        </p:nvSpPr>
+        <p:spPr>
+          <a:xfrm>
+            <a:off x="432351" y="1304875"/>
+            <a:ext cx="8293500" cy="607800"/>
+          </a:xfrm>
+          <a:prstGeom prst="chevron">
+            <a:avLst>
+              <a:gd fmla="val 50000" name="adj"/>
+            </a:avLst>
+          </a:prstGeom>
+          <a:solidFill>
+            <a:schemeClr val="dk1"/>
+          </a:solidFill>
+          <a:ln>
+            <a:noFill/>
+          </a:ln>
+        </p:spPr>
+        <p:txBody>
+          <a:bodyPr anchorCtr="0" anchor="ctr" bIns="121875" lIns="121875" spcFirstLastPara="1" rIns="121875" wrap="square" tIns="121875">
+            <a:noAutofit/>
+          </a:bodyPr>
+          <a:lstStyle/>
+          <a:p>
+            <a:pPr indent="0" lvl="0" marL="0" rtl="0" algn="l">
+              <a:spcBef>
+                <a:spcPts val="0"/>
+              </a:spcBef>
+              <a:spcAft>
+                <a:spcPts val="0"/>
+              </a:spcAft>
+              <a:buNone/>
+            </a:pPr>
+            <a:r>
+              <a:t/>
+            </a:r>
+            <a:endParaRPr/>
+          </a:p>
+        </p:txBody>
+      </p:sp>
+      <p:pic>
+        <p:nvPicPr>
+          <p:cNvPr id="111" name="Google Shape;111;p15"/>
+          <p:cNvPicPr preferRelativeResize="0"/>
+          <p:nvPr/>
+        </p:nvPicPr>
+        <p:blipFill>
+          <a:blip r:embed="rId3">
+            <a:alphaModFix/>
+          </a:blip>
+          <a:stretch>
+            <a:fillRect/>
+          </a:stretch>
+        </p:blipFill>
+        <p:spPr>
+          <a:xfrm>
+            <a:off x="6199950" y="2403815"/>
+            <a:ext cx="2348674" cy="1795825"/>
+          </a:xfrm>
+          <a:prstGeom prst="rect">
+            <a:avLst/>
+          </a:prstGeom>
+          <a:noFill/>
+          <a:ln>
+            <a:noFill/>
+          </a:ln>
+        </p:spPr>
+      </p:pic>
+      <p:sp>
+        <p:nvSpPr>
+          <p:cNvPr id="112" name="Google Shape;112;p15"/>
+          <p:cNvSpPr txBox="1"/>
+          <p:nvPr/>
+        </p:nvSpPr>
+        <p:spPr>
+          <a:xfrm>
+            <a:off x="6199950" y="4279300"/>
+            <a:ext cx="1800300" cy="323100"/>
+          </a:xfrm>
+          <a:prstGeom prst="rect">
+            <a:avLst/>
+          </a:prstGeom>
+          <a:noFill/>
+          <a:ln>
+            <a:noFill/>
+          </a:ln>
+        </p:spPr>
+        <p:txBody>
+          <a:bodyPr anchorCtr="0" anchor="t" bIns="91425" lIns="91425" spcFirstLastPara="1" rIns="91425" wrap="square" tIns="91425">
+            <a:spAutoFit/>
+          </a:bodyPr>
+          <a:lstStyle/>
+          <a:p>
+            <a:pPr indent="0" lvl="0" marL="0" rtl="0" algn="l">
+              <a:spcBef>
+                <a:spcPts val="0"/>
+              </a:spcBef>
+              <a:spcAft>
+                <a:spcPts val="0"/>
+              </a:spcAft>
+              <a:buNone/>
+            </a:pPr>
+            <a:r>
+              <a:rPr lang="en" sz="900">
+                <a:solidFill>
+                  <a:srgbClr val="4D4D4D"/>
+                </a:solidFill>
+                <a:highlight>
+                  <a:srgbClr val="FFFFFF"/>
+                </a:highlight>
+                <a:latin typeface="Trebuchet MS"/>
+                <a:ea typeface="Trebuchet MS"/>
+                <a:cs typeface="Trebuchet MS"/>
+                <a:sym typeface="Trebuchet MS"/>
+              </a:rPr>
+              <a:t>CDC/SCIENCE PHOTO LIBRARY</a:t>
+            </a:r>
+            <a:endParaRPr>
+              <a:latin typeface="Roboto"/>
+              <a:ea typeface="Roboto"/>
+              <a:cs typeface="Roboto"/>
+              <a:sym typeface="Roboto"/>
+            </a:endParaRPr>
+          </a:p>
+        </p:txBody>
+      </p:sp>
     </p:spTree>
   </p:cSld>
   <p:clrMapOvr>
@@ -14026,7 +14486,7 @@
   <p:cSld>
     <p:spTree>
       <p:nvGrpSpPr>
-        <p:cNvPr id="111" name="Shape 111"/>
+        <p:cNvPr id="116" name="Shape 116"/>
         <p:cNvGrpSpPr/>
         <p:nvPr/>
       </p:nvGrpSpPr>
@@ -14040,7 +14500,7 @@
       </p:grpSpPr>
       <p:sp>
         <p:nvSpPr>
-          <p:cNvPr id="112" name="Google Shape;112;p16"/>
+          <p:cNvPr id="117" name="Google Shape;117;p16"/>
           <p:cNvSpPr txBox="1"/>
           <p:nvPr>
             <p:ph type="title"/>
@@ -14080,7 +14540,7 @@
       </p:sp>
       <p:sp>
         <p:nvSpPr>
-          <p:cNvPr id="113" name="Google Shape;113;p16"/>
+          <p:cNvPr id="118" name="Google Shape;118;p16"/>
           <p:cNvSpPr/>
           <p:nvPr/>
         </p:nvSpPr>
@@ -14125,7 +14585,7 @@
       </p:sp>
       <p:sp>
         <p:nvSpPr>
-          <p:cNvPr id="114" name="Google Shape;114;p16"/>
+          <p:cNvPr id="119" name="Google Shape;119;p16"/>
           <p:cNvSpPr txBox="1"/>
           <p:nvPr>
             <p:ph idx="4294967295" type="body"/>
@@ -14133,8 +14593,8 @@
         </p:nvSpPr>
         <p:spPr>
           <a:xfrm>
-            <a:off x="432350" y="1451576"/>
-            <a:ext cx="2257200" cy="314400"/>
+            <a:off x="432350" y="1451575"/>
+            <a:ext cx="3188700" cy="314400"/>
           </a:xfrm>
           <a:prstGeom prst="rect">
             <a:avLst/>
@@ -14164,7 +14624,7 @@
                   <a:schemeClr val="lt1"/>
                 </a:solidFill>
               </a:rPr>
-              <a:t>Our World in Data</a:t>
+              <a:t>Our World in Data (OWID)</a:t>
             </a:r>
             <a:endParaRPr>
               <a:solidFill>
@@ -14176,7 +14636,7 @@
       </p:sp>
       <p:sp>
         <p:nvSpPr>
-          <p:cNvPr id="115" name="Google Shape;115;p16"/>
+          <p:cNvPr id="120" name="Google Shape;120;p16"/>
           <p:cNvSpPr txBox="1"/>
           <p:nvPr>
             <p:ph idx="4294967295" type="body"/>
@@ -14184,8 +14644,8 @@
         </p:nvSpPr>
         <p:spPr>
           <a:xfrm>
-            <a:off x="432350" y="2070575"/>
-            <a:ext cx="2471700" cy="2650800"/>
+            <a:off x="311700" y="1912675"/>
+            <a:ext cx="4139700" cy="3025200"/>
           </a:xfrm>
           <a:prstGeom prst="rect">
             <a:avLst/>
@@ -14219,15 +14679,135 @@
                   <a:srgbClr val="FFFFFF"/>
                 </a:highlight>
               </a:rPr>
-              <a:t> An organization that focuses on researching international crises including issues like climate change, war, and disease</a:t>
-            </a:r>
-            <a:endParaRPr/>
+              <a:t>An organization that focuses on researching international crises including issues like climate change, war, and disease</a:t>
+            </a:r>
+            <a:endParaRPr sz="1400">
+              <a:solidFill>
+                <a:srgbClr val="24292F"/>
+              </a:solidFill>
+              <a:highlight>
+                <a:srgbClr val="FFFFFF"/>
+              </a:highlight>
+            </a:endParaRPr>
+          </a:p>
+          <a:p>
+            <a:pPr indent="-317500" lvl="0" marL="457200" rtl="0" algn="l">
+              <a:spcBef>
+                <a:spcPts val="1000"/>
+              </a:spcBef>
+              <a:spcAft>
+                <a:spcPts val="0"/>
+              </a:spcAft>
+              <a:buClr>
+                <a:srgbClr val="24292F"/>
+              </a:buClr>
+              <a:buSzPts val="1400"/>
+              <a:buChar char="●"/>
+            </a:pPr>
+            <a:r>
+              <a:rPr lang="en" sz="1400">
+                <a:solidFill>
+                  <a:srgbClr val="24292F"/>
+                </a:solidFill>
+                <a:highlight>
+                  <a:srgbClr val="FFFFFF"/>
+                </a:highlight>
+              </a:rPr>
+              <a:t>Dataset compiled from multiple data sources including Johns Hopkins University, Oxford Government Response Tracker, UN, and World Bank</a:t>
+            </a:r>
+            <a:endParaRPr sz="1400">
+              <a:solidFill>
+                <a:srgbClr val="24292F"/>
+              </a:solidFill>
+              <a:highlight>
+                <a:srgbClr val="FFFFFF"/>
+              </a:highlight>
+            </a:endParaRPr>
+          </a:p>
+          <a:p>
+            <a:pPr indent="-317500" lvl="0" marL="457200" rtl="0" algn="l">
+              <a:spcBef>
+                <a:spcPts val="1000"/>
+              </a:spcBef>
+              <a:spcAft>
+                <a:spcPts val="1000"/>
+              </a:spcAft>
+              <a:buClr>
+                <a:srgbClr val="24292F"/>
+              </a:buClr>
+              <a:buSzPts val="1400"/>
+              <a:buChar char="●"/>
+            </a:pPr>
+            <a:r>
+              <a:rPr lang="en" sz="1400">
+                <a:solidFill>
+                  <a:srgbClr val="24292F"/>
+                </a:solidFill>
+                <a:highlight>
+                  <a:srgbClr val="FFFFFF"/>
+                </a:highlight>
+              </a:rPr>
+              <a:t>Along with information contained on the website, dataset and explanation of data easily </a:t>
+            </a:r>
+            <a:r>
+              <a:rPr lang="en" sz="1400">
+                <a:solidFill>
+                  <a:srgbClr val="24292F"/>
+                </a:solidFill>
+                <a:highlight>
+                  <a:srgbClr val="FFFFFF"/>
+                </a:highlight>
+              </a:rPr>
+              <a:t>accessible</a:t>
+            </a:r>
+            <a:r>
+              <a:rPr lang="en" sz="1400">
+                <a:solidFill>
+                  <a:srgbClr val="24292F"/>
+                </a:solidFill>
+                <a:highlight>
+                  <a:srgbClr val="FFFFFF"/>
+                </a:highlight>
+              </a:rPr>
+              <a:t> at </a:t>
+            </a:r>
+            <a:r>
+              <a:rPr lang="en" sz="1400" u="sng">
+                <a:solidFill>
+                  <a:schemeClr val="hlink"/>
+                </a:solidFill>
+                <a:highlight>
+                  <a:srgbClr val="FFFFFF"/>
+                </a:highlight>
+                <a:hlinkClick r:id="rId3"/>
+              </a:rPr>
+              <a:t>https://github.com/owid/covid-19-data</a:t>
+            </a:r>
+            <a:r>
+              <a:rPr lang="en" sz="1400">
+                <a:solidFill>
+                  <a:srgbClr val="24292F"/>
+                </a:solidFill>
+                <a:highlight>
+                  <a:srgbClr val="FFFFFF"/>
+                </a:highlight>
+              </a:rPr>
+              <a:t> </a:t>
+            </a:r>
+            <a:endParaRPr sz="1400">
+              <a:solidFill>
+                <a:srgbClr val="24292F"/>
+              </a:solidFill>
+              <a:highlight>
+                <a:srgbClr val="FFFFFF"/>
+              </a:highlight>
+            </a:endParaRPr>
           </a:p>
         </p:txBody>
       </p:sp>
       <p:sp>
         <p:nvSpPr>
-          <p:cNvPr id="116" name="Google Shape;116;p16"/>
+          <p:cNvPr id="121" name="Google Shape;121;p16"/>
           <p:cNvSpPr/>
           <p:nvPr/>
         </p:nvSpPr>
@@ -14272,7 +14852,7 @@
       </p:sp>
       <p:sp>
         <p:nvSpPr>
-          <p:cNvPr id="117" name="Google Shape;117;p16"/>
+          <p:cNvPr id="122" name="Google Shape;122;p16"/>
           <p:cNvSpPr txBox="1"/>
           <p:nvPr>
             <p:ph idx="4294967295" type="body"/>
@@ -14323,7 +14903,7 @@
       </p:sp>
       <p:sp>
         <p:nvSpPr>
-          <p:cNvPr id="118" name="Google Shape;118;p16"/>
+          <p:cNvPr id="123" name="Google Shape;123;p16"/>
           <p:cNvSpPr txBox="1"/>
           <p:nvPr>
             <p:ph idx="4294967295" type="body"/>
@@ -14331,8 +14911,8 @@
         </p:nvSpPr>
         <p:spPr>
           <a:xfrm>
-            <a:off x="5420971" y="2199750"/>
-            <a:ext cx="2471700" cy="2650800"/>
+            <a:off x="4572050" y="1980275"/>
+            <a:ext cx="4329600" cy="2650800"/>
           </a:xfrm>
           <a:prstGeom prst="rect">
             <a:avLst/>
@@ -14363,12 +14943,132 @@
                   <a:srgbClr val="24292F"/>
                 </a:solidFill>
                 <a:highlight>
+                  <a:schemeClr val="lt1"/>
+                </a:highlight>
+              </a:rPr>
+              <a:t>Several data fields within dataset continue to be updated daily (e.g. number of cases and deaths)</a:t>
+            </a:r>
+            <a:endParaRPr sz="1400">
+              <a:solidFill>
+                <a:srgbClr val="24292F"/>
+              </a:solidFill>
+              <a:highlight>
+                <a:schemeClr val="lt1"/>
+              </a:highlight>
+            </a:endParaRPr>
+          </a:p>
+          <a:p>
+            <a:pPr indent="-317500" lvl="0" marL="457200" rtl="0" algn="l">
+              <a:spcBef>
+                <a:spcPts val="1000"/>
+              </a:spcBef>
+              <a:spcAft>
+                <a:spcPts val="0"/>
+              </a:spcAft>
+              <a:buClr>
+                <a:srgbClr val="24292F"/>
+              </a:buClr>
+              <a:buSzPts val="1400"/>
+              <a:buChar char="●"/>
+            </a:pPr>
+            <a:r>
+              <a:rPr lang="en" sz="1400">
+                <a:solidFill>
+                  <a:srgbClr val="24292F"/>
+                </a:solidFill>
+                <a:highlight>
                   <a:srgbClr val="FFFFFF"/>
                 </a:highlight>
               </a:rPr>
-              <a:t>Combined data from across the world to include country, continent, new COVID-19 cases, total COVID-19 cases, population, age, and several other factors in reference to the COVID-19 pandemic</a:t>
-            </a:r>
-            <a:endParaRPr/>
+              <a:t>67 columns and 198,847 rows of data</a:t>
+            </a:r>
+            <a:endParaRPr sz="1400">
+              <a:solidFill>
+                <a:srgbClr val="24292F"/>
+              </a:solidFill>
+              <a:highlight>
+                <a:srgbClr val="FFFFFF"/>
+              </a:highlight>
+            </a:endParaRPr>
+          </a:p>
+          <a:p>
+            <a:pPr indent="-317500" lvl="0" marL="457200" rtl="0" algn="l">
+              <a:spcBef>
+                <a:spcPts val="1000"/>
+              </a:spcBef>
+              <a:spcAft>
+                <a:spcPts val="0"/>
+              </a:spcAft>
+              <a:buClr>
+                <a:srgbClr val="24292F"/>
+              </a:buClr>
+              <a:buSzPts val="1400"/>
+              <a:buChar char="●"/>
+            </a:pPr>
+            <a:r>
+              <a:rPr lang="en" sz="1400">
+                <a:solidFill>
+                  <a:srgbClr val="24292F"/>
+                </a:solidFill>
+                <a:highlight>
+                  <a:schemeClr val="lt1"/>
+                </a:highlight>
+              </a:rPr>
+              <a:t>Columns indicate international data</a:t>
+            </a:r>
+            <a:r>
+              <a:rPr lang="en" sz="1400">
+                <a:solidFill>
+                  <a:srgbClr val="24292F"/>
+                </a:solidFill>
+                <a:highlight>
+                  <a:schemeClr val="lt1"/>
+                </a:highlight>
+              </a:rPr>
+              <a:t> including country, COVID-19 cases, COVID-19 deaths, vaccinations, population, and several other factors in reference to the COVID-19 pandemic</a:t>
+            </a:r>
+            <a:endParaRPr sz="1400">
+              <a:solidFill>
+                <a:srgbClr val="24292F"/>
+              </a:solidFill>
+              <a:highlight>
+                <a:schemeClr val="lt1"/>
+              </a:highlight>
+            </a:endParaRPr>
+          </a:p>
+          <a:p>
+            <a:pPr indent="-317500" lvl="0" marL="457200" rtl="0" algn="l">
+              <a:spcBef>
+                <a:spcPts val="1000"/>
+              </a:spcBef>
+              <a:spcAft>
+                <a:spcPts val="1000"/>
+              </a:spcAft>
+              <a:buClr>
+                <a:srgbClr val="24292F"/>
+              </a:buClr>
+              <a:buSzPts val="1400"/>
+              <a:buChar char="●"/>
+            </a:pPr>
+            <a:r>
+              <a:rPr lang="en" sz="1400">
+                <a:solidFill>
+                  <a:srgbClr val="24292F"/>
+                </a:solidFill>
+                <a:highlight>
+                  <a:schemeClr val="lt1"/>
+                </a:highlight>
+              </a:rPr>
+              <a:t>Unique rows  characterized by entries from a country on a certain date</a:t>
+            </a:r>
+            <a:endParaRPr sz="1400">
+              <a:solidFill>
+                <a:srgbClr val="24292F"/>
+              </a:solidFill>
+              <a:highlight>
+                <a:schemeClr val="lt1"/>
+              </a:highlight>
+            </a:endParaRPr>
           </a:p>
         </p:txBody>
       </p:sp>
@@ -14385,7 +15085,7 @@
   <p:cSld>
     <p:spTree>
       <p:nvGrpSpPr>
-        <p:cNvPr id="122" name="Shape 122"/>
+        <p:cNvPr id="127" name="Shape 127"/>
         <p:cNvGrpSpPr/>
         <p:nvPr/>
       </p:nvGrpSpPr>
@@ -14399,7 +15099,7 @@
       </p:grpSpPr>
       <p:sp>
         <p:nvSpPr>
-          <p:cNvPr id="123" name="Google Shape;123;p17"/>
+          <p:cNvPr id="128" name="Google Shape;128;p17"/>
           <p:cNvSpPr txBox="1"/>
           <p:nvPr>
             <p:ph type="title"/>
@@ -14443,7 +15143,7 @@
       </p:sp>
       <p:sp>
         <p:nvSpPr>
-          <p:cNvPr id="124" name="Google Shape;124;p17"/>
+          <p:cNvPr id="129" name="Google Shape;129;p17"/>
           <p:cNvSpPr/>
           <p:nvPr/>
         </p:nvSpPr>
@@ -14488,7 +15188,7 @@
       </p:sp>
       <p:sp>
         <p:nvSpPr>
-          <p:cNvPr id="125" name="Google Shape;125;p17"/>
+          <p:cNvPr id="130" name="Google Shape;130;p17"/>
           <p:cNvSpPr txBox="1"/>
           <p:nvPr>
             <p:ph idx="4294967295" type="body"/>
@@ -14547,7 +15247,7 @@
       </p:sp>
       <p:sp>
         <p:nvSpPr>
-          <p:cNvPr id="126" name="Google Shape;126;p17"/>
+          <p:cNvPr id="131" name="Google Shape;131;p17"/>
           <p:cNvSpPr/>
           <p:nvPr/>
         </p:nvSpPr>
@@ -14592,7 +15292,7 @@
       </p:sp>
       <p:sp>
         <p:nvSpPr>
-          <p:cNvPr id="127" name="Google Shape;127;p17"/>
+          <p:cNvPr id="132" name="Google Shape;132;p17"/>
           <p:cNvSpPr txBox="1"/>
           <p:nvPr>
             <p:ph idx="4294967295" type="body"/>
@@ -14643,7 +15343,7 @@
       </p:sp>
       <p:sp>
         <p:nvSpPr>
-          <p:cNvPr id="128" name="Google Shape;128;p17"/>
+          <p:cNvPr id="133" name="Google Shape;133;p17"/>
           <p:cNvSpPr txBox="1"/>
           <p:nvPr/>
         </p:nvSpPr>
@@ -14701,7 +15401,7 @@
       </p:sp>
       <p:sp>
         <p:nvSpPr>
-          <p:cNvPr id="129" name="Google Shape;129;p17"/>
+          <p:cNvPr id="134" name="Google Shape;134;p17"/>
           <p:cNvSpPr txBox="1"/>
           <p:nvPr/>
         </p:nvSpPr>
@@ -14770,71 +15470,6 @@
   <p:cSld>
     <p:spTree>
       <p:nvGrpSpPr>
-        <p:cNvPr id="133" name="Shape 133"/>
-        <p:cNvGrpSpPr/>
-        <p:nvPr/>
-      </p:nvGrpSpPr>
-      <p:grpSpPr>
-        <a:xfrm>
-          <a:off x="0" y="0"/>
-          <a:ext cx="0" cy="0"/>
-          <a:chOff x="0" y="0"/>
-          <a:chExt cx="0" cy="0"/>
-        </a:xfrm>
-      </p:grpSpPr>
-      <p:sp>
-        <p:nvSpPr>
-          <p:cNvPr id="134" name="Google Shape;134;p18"/>
-          <p:cNvSpPr txBox="1"/>
-          <p:nvPr>
-            <p:ph type="title"/>
-          </p:nvPr>
-        </p:nvSpPr>
-        <p:spPr>
-          <a:xfrm>
-            <a:off x="598100" y="2152347"/>
-            <a:ext cx="8222100" cy="838800"/>
-          </a:xfrm>
-          <a:prstGeom prst="rect">
-            <a:avLst/>
-          </a:prstGeom>
-        </p:spPr>
-        <p:txBody>
-          <a:bodyPr anchorCtr="0" anchor="ctr" bIns="91425" lIns="91425" spcFirstLastPara="1" rIns="91425" wrap="square" tIns="91425">
-            <a:noAutofit/>
-          </a:bodyPr>
-          <a:lstStyle/>
-          <a:p>
-            <a:pPr indent="0" lvl="0" marL="0" rtl="0" algn="l">
-              <a:spcBef>
-                <a:spcPts val="0"/>
-              </a:spcBef>
-              <a:spcAft>
-                <a:spcPts val="0"/>
-              </a:spcAft>
-              <a:buNone/>
-            </a:pPr>
-            <a:r>
-              <a:rPr lang="en"/>
-              <a:t>Analysis</a:t>
-            </a:r>
-            <a:endParaRPr/>
-          </a:p>
-        </p:txBody>
-      </p:sp>
-    </p:spTree>
-  </p:cSld>
-  <p:clrMapOvr>
-    <a:masterClrMapping/>
-  </p:clrMapOvr>
-</p:sld>
-</file>
-
-<file path=ppt/slides/slide7.xml><?xml version="1.0" encoding="utf-8"?>
-<p:sld xmlns:a="http://schemas.openxmlformats.org/drawingml/2006/main" xmlns:r="http://schemas.openxmlformats.org/officeDocument/2006/relationships" xmlns:mc="http://schemas.openxmlformats.org/markup-compatibility/2006" xmlns:mv="urn:schemas-microsoft-com:mac:vml" xmlns:p="http://schemas.openxmlformats.org/presentationml/2006/main" xmlns:c="http://schemas.openxmlformats.org/drawingml/2006/chart" xmlns:dgm="http://schemas.openxmlformats.org/drawingml/2006/diagram" xmlns:o="urn:schemas-microsoft-com:office:office" xmlns:v="urn:schemas-microsoft-com:vml" xmlns:pvml="urn:schemas-microsoft-com:office:powerpoint" xmlns:com="http://schemas.openxmlformats.org/drawingml/2006/compatibility" xmlns:p14="http://schemas.microsoft.com/office/powerpoint/2010/main" xmlns:p15="http://schemas.microsoft.com/office/powerpoint/2012/main" xmlns:ahyp="http://schemas.microsoft.com/office/drawing/2018/hyperlinkcolor">
-  <p:cSld>
-    <p:spTree>
-      <p:nvGrpSpPr>
         <p:cNvPr id="138" name="Shape 138"/>
         <p:cNvGrpSpPr/>
         <p:nvPr/>
@@ -14849,13 +15484,13 @@
       </p:grpSpPr>
       <p:sp>
         <p:nvSpPr>
-          <p:cNvPr descr="Background pointer shape in timeline graphic" id="139" name="Google Shape;139;p19"/>
+          <p:cNvPr descr="Background pointer shape in timeline graphic" id="139" name="Google Shape;139;p18"/>
           <p:cNvSpPr/>
           <p:nvPr/>
         </p:nvSpPr>
         <p:spPr>
           <a:xfrm>
-            <a:off x="340934" y="2199000"/>
+            <a:off x="340934" y="3012225"/>
             <a:ext cx="1872300" cy="745500"/>
           </a:xfrm>
           <a:prstGeom prst="homePlate">
@@ -14900,13 +15535,13 @@
       </p:sp>
       <p:grpSp>
         <p:nvGrpSpPr>
-          <p:cNvPr id="140" name="Google Shape;140;p19"/>
+          <p:cNvPr id="140" name="Google Shape;140;p18"/>
           <p:cNvGrpSpPr/>
           <p:nvPr/>
         </p:nvGrpSpPr>
         <p:grpSpPr>
           <a:xfrm>
-            <a:off x="969270" y="1610215"/>
+            <a:off x="969270" y="2418565"/>
             <a:ext cx="198900" cy="593656"/>
             <a:chOff x="777447" y="1610215"/>
             <a:chExt cx="198900" cy="593656"/>
@@ -14914,7 +15549,7 @@
         </p:grpSpPr>
         <p:cxnSp>
           <p:nvCxnSpPr>
-            <p:cNvPr id="141" name="Google Shape;141;p19"/>
+            <p:cNvPr id="141" name="Google Shape;141;p18"/>
             <p:cNvCxnSpPr/>
             <p:nvPr/>
           </p:nvCxnSpPr>
@@ -14940,7 +15575,7 @@
         </p:cxnSp>
         <p:sp>
           <p:nvSpPr>
-            <p:cNvPr id="142" name="Google Shape;142;p19"/>
+            <p:cNvPr id="142" name="Google Shape;142;p18"/>
             <p:cNvSpPr/>
             <p:nvPr/>
           </p:nvSpPr>
@@ -14984,7 +15619,7 @@
       </p:grpSp>
       <p:sp>
         <p:nvSpPr>
-          <p:cNvPr id="143" name="Google Shape;143;p19"/>
+          <p:cNvPr id="143" name="Google Shape;143;p18"/>
           <p:cNvSpPr txBox="1"/>
           <p:nvPr>
             <p:ph idx="4294967295" type="body"/>
@@ -14992,8 +15627,8 @@
         </p:nvSpPr>
         <p:spPr>
           <a:xfrm>
-            <a:off x="318375" y="385667"/>
-            <a:ext cx="2242800" cy="906300"/>
+            <a:off x="2035600" y="4507700"/>
+            <a:ext cx="1614000" cy="593700"/>
           </a:xfrm>
           <a:prstGeom prst="rect">
             <a:avLst/>
@@ -15005,7 +15640,7 @@
           </a:bodyPr>
           <a:lstStyle/>
           <a:p>
-            <a:pPr indent="0" lvl="0" marL="0" rtl="0" algn="l">
+            <a:pPr indent="0" lvl="0" marL="0" rtl="0" algn="ctr">
               <a:spcBef>
                 <a:spcPts val="0"/>
               </a:spcBef>
@@ -15024,13 +15659,13 @@
       </p:sp>
       <p:sp>
         <p:nvSpPr>
-          <p:cNvPr descr="Background pointer shape in timeline graphic" id="144" name="Google Shape;144;p19"/>
+          <p:cNvPr descr="Background pointer shape in timeline graphic" id="144" name="Google Shape;144;p18"/>
           <p:cNvSpPr/>
           <p:nvPr/>
         </p:nvSpPr>
         <p:spPr>
           <a:xfrm>
-            <a:off x="1817054" y="2199000"/>
+            <a:off x="1817054" y="3012225"/>
             <a:ext cx="2051100" cy="745500"/>
           </a:xfrm>
           <a:prstGeom prst="chevron">
@@ -15075,13 +15710,13 @@
       </p:sp>
       <p:grpSp>
         <p:nvGrpSpPr>
-          <p:cNvPr id="145" name="Google Shape;145;p19"/>
+          <p:cNvPr id="145" name="Google Shape;145;p18"/>
           <p:cNvGrpSpPr/>
           <p:nvPr/>
         </p:nvGrpSpPr>
         <p:grpSpPr>
           <a:xfrm>
-            <a:off x="2684632" y="2938958"/>
+            <a:off x="2670932" y="3757733"/>
             <a:ext cx="198900" cy="593656"/>
             <a:chOff x="2223534" y="2938958"/>
             <a:chExt cx="198900" cy="593656"/>
@@ -15089,7 +15724,7 @@
         </p:grpSpPr>
         <p:cxnSp>
           <p:nvCxnSpPr>
-            <p:cNvPr id="146" name="Google Shape;146;p19"/>
+            <p:cNvPr id="146" name="Google Shape;146;p18"/>
             <p:cNvCxnSpPr/>
             <p:nvPr/>
           </p:nvCxnSpPr>
@@ -15115,7 +15750,7 @@
         </p:cxnSp>
         <p:sp>
           <p:nvSpPr>
-            <p:cNvPr id="147" name="Google Shape;147;p19"/>
+            <p:cNvPr id="147" name="Google Shape;147;p18"/>
             <p:cNvSpPr/>
             <p:nvPr/>
           </p:nvSpPr>
@@ -15159,7 +15794,7 @@
       </p:grpSp>
       <p:sp>
         <p:nvSpPr>
-          <p:cNvPr id="148" name="Google Shape;148;p19"/>
+          <p:cNvPr id="148" name="Google Shape;148;p18"/>
           <p:cNvSpPr txBox="1"/>
           <p:nvPr>
             <p:ph idx="4294967295" type="body"/>
@@ -15167,7 +15802,7 @@
         </p:nvSpPr>
         <p:spPr>
           <a:xfrm>
-            <a:off x="1244337" y="3757725"/>
+            <a:off x="155687" y="1797125"/>
             <a:ext cx="2242800" cy="906300"/>
           </a:xfrm>
           <a:prstGeom prst="rect">
@@ -15199,13 +15834,13 @@
       </p:sp>
       <p:sp>
         <p:nvSpPr>
-          <p:cNvPr descr="Background pointer shape in timeline graphic" id="149" name="Google Shape;149;p19"/>
+          <p:cNvPr descr="Background pointer shape in timeline graphic" id="149" name="Google Shape;149;p18"/>
           <p:cNvSpPr/>
           <p:nvPr/>
         </p:nvSpPr>
         <p:spPr>
           <a:xfrm>
-            <a:off x="3471973" y="2199000"/>
+            <a:off x="3471973" y="3012225"/>
             <a:ext cx="2051100" cy="745500"/>
           </a:xfrm>
           <a:prstGeom prst="chevron">
@@ -15250,13 +15885,13 @@
       </p:sp>
       <p:grpSp>
         <p:nvGrpSpPr>
-          <p:cNvPr id="150" name="Google Shape;150;p19"/>
+          <p:cNvPr id="150" name="Google Shape;150;p18"/>
           <p:cNvGrpSpPr/>
           <p:nvPr/>
         </p:nvGrpSpPr>
         <p:grpSpPr>
           <a:xfrm>
-            <a:off x="4319545" y="1610215"/>
+            <a:off x="4319520" y="2418565"/>
             <a:ext cx="198900" cy="593656"/>
             <a:chOff x="3918084" y="1610215"/>
             <a:chExt cx="198900" cy="593656"/>
@@ -15264,7 +15899,7 @@
         </p:grpSpPr>
         <p:cxnSp>
           <p:nvCxnSpPr>
-            <p:cNvPr id="151" name="Google Shape;151;p19"/>
+            <p:cNvPr id="151" name="Google Shape;151;p18"/>
             <p:cNvCxnSpPr/>
             <p:nvPr/>
           </p:nvCxnSpPr>
@@ -15290,7 +15925,7 @@
         </p:cxnSp>
         <p:sp>
           <p:nvSpPr>
-            <p:cNvPr id="152" name="Google Shape;152;p19"/>
+            <p:cNvPr id="152" name="Google Shape;152;p18"/>
             <p:cNvSpPr/>
             <p:nvPr/>
           </p:nvSpPr>
@@ -15334,7 +15969,7 @@
       </p:grpSp>
       <p:sp>
         <p:nvSpPr>
-          <p:cNvPr id="153" name="Google Shape;153;p19"/>
+          <p:cNvPr id="153" name="Google Shape;153;p18"/>
           <p:cNvSpPr txBox="1"/>
           <p:nvPr>
             <p:ph idx="4294967295" type="body"/>
@@ -15342,7 +15977,7 @@
         </p:nvSpPr>
         <p:spPr>
           <a:xfrm>
-            <a:off x="3304094" y="385667"/>
+            <a:off x="3297582" y="1797117"/>
             <a:ext cx="2242800" cy="906300"/>
           </a:xfrm>
           <a:prstGeom prst="rect">
@@ -15366,7 +16001,7 @@
             </a:pPr>
             <a:r>
               <a:rPr lang="en" sz="1600"/>
-              <a:t>Database created and loaded</a:t>
+              <a:t>Database Established</a:t>
             </a:r>
             <a:endParaRPr sz="1600"/>
           </a:p>
@@ -15374,13 +16009,13 @@
       </p:sp>
       <p:sp>
         <p:nvSpPr>
-          <p:cNvPr descr="Background pointer shape in timeline graphic" id="154" name="Google Shape;154;p19"/>
+          <p:cNvPr descr="Background pointer shape in timeline graphic" id="154" name="Google Shape;154;p18"/>
           <p:cNvSpPr/>
           <p:nvPr/>
         </p:nvSpPr>
         <p:spPr>
           <a:xfrm>
-            <a:off x="5126893" y="2199000"/>
+            <a:off x="5126893" y="3012225"/>
             <a:ext cx="2051100" cy="745500"/>
           </a:xfrm>
           <a:prstGeom prst="chevron">
@@ -15425,13 +16060,13 @@
       </p:sp>
       <p:grpSp>
         <p:nvGrpSpPr>
-          <p:cNvPr id="155" name="Google Shape;155;p19"/>
+          <p:cNvPr id="155" name="Google Shape;155;p18"/>
           <p:cNvGrpSpPr/>
           <p:nvPr/>
         </p:nvGrpSpPr>
         <p:grpSpPr>
           <a:xfrm>
-            <a:off x="5973070" y="2938958"/>
+            <a:off x="5945620" y="3757733"/>
             <a:ext cx="198900" cy="593656"/>
             <a:chOff x="5958946" y="2938958"/>
             <a:chExt cx="198900" cy="593656"/>
@@ -15439,7 +16074,7 @@
         </p:grpSpPr>
         <p:cxnSp>
           <p:nvCxnSpPr>
-            <p:cNvPr id="156" name="Google Shape;156;p19"/>
+            <p:cNvPr id="156" name="Google Shape;156;p18"/>
             <p:cNvCxnSpPr/>
             <p:nvPr/>
           </p:nvCxnSpPr>
@@ -15465,7 +16100,7 @@
         </p:cxnSp>
         <p:sp>
           <p:nvSpPr>
-            <p:cNvPr id="157" name="Google Shape;157;p19"/>
+            <p:cNvPr id="157" name="Google Shape;157;p18"/>
             <p:cNvSpPr/>
             <p:nvPr/>
           </p:nvSpPr>
@@ -15509,7 +16144,7 @@
       </p:grpSp>
       <p:sp>
         <p:nvSpPr>
-          <p:cNvPr id="158" name="Google Shape;158;p19"/>
+          <p:cNvPr id="158" name="Google Shape;158;p18"/>
           <p:cNvSpPr txBox="1"/>
           <p:nvPr>
             <p:ph idx="4294967295" type="body"/>
@@ -15517,7 +16152,7 @@
         </p:nvSpPr>
         <p:spPr>
           <a:xfrm>
-            <a:off x="5126902" y="3757725"/>
+            <a:off x="5031052" y="4351400"/>
             <a:ext cx="2242800" cy="906300"/>
           </a:xfrm>
           <a:prstGeom prst="rect">
@@ -15530,7 +16165,7 @@
           </a:bodyPr>
           <a:lstStyle/>
           <a:p>
-            <a:pPr indent="0" lvl="0" marL="0" rtl="0" algn="l">
+            <a:pPr indent="0" lvl="0" marL="0" rtl="0" algn="ctr">
               <a:spcBef>
                 <a:spcPts val="0"/>
               </a:spcBef>
@@ -15549,13 +16184,13 @@
       </p:sp>
       <p:sp>
         <p:nvSpPr>
-          <p:cNvPr descr="Background pointer shape in timeline graphic" id="159" name="Google Shape;159;p19"/>
+          <p:cNvPr descr="Background pointer shape in timeline graphic" id="159" name="Google Shape;159;p18"/>
           <p:cNvSpPr/>
           <p:nvPr/>
         </p:nvSpPr>
         <p:spPr>
           <a:xfrm>
-            <a:off x="6781813" y="2199000"/>
+            <a:off x="6781813" y="3012225"/>
             <a:ext cx="2051100" cy="745500"/>
           </a:xfrm>
           <a:prstGeom prst="chevron">
@@ -15600,13 +16235,13 @@
       </p:sp>
       <p:grpSp>
         <p:nvGrpSpPr>
-          <p:cNvPr id="160" name="Google Shape;160;p19"/>
+          <p:cNvPr id="160" name="Google Shape;160;p18"/>
           <p:cNvGrpSpPr/>
           <p:nvPr/>
         </p:nvGrpSpPr>
         <p:grpSpPr>
           <a:xfrm>
-            <a:off x="7669807" y="1610215"/>
+            <a:off x="7669782" y="2418565"/>
             <a:ext cx="198900" cy="593656"/>
             <a:chOff x="3918084" y="1610215"/>
             <a:chExt cx="198900" cy="593656"/>
@@ -15614,7 +16249,7 @@
         </p:grpSpPr>
         <p:cxnSp>
           <p:nvCxnSpPr>
-            <p:cNvPr id="161" name="Google Shape;161;p19"/>
+            <p:cNvPr id="161" name="Google Shape;161;p18"/>
             <p:cNvCxnSpPr/>
             <p:nvPr/>
           </p:nvCxnSpPr>
@@ -15640,7 +16275,7 @@
         </p:cxnSp>
         <p:sp>
           <p:nvSpPr>
-            <p:cNvPr id="162" name="Google Shape;162;p19"/>
+            <p:cNvPr id="162" name="Google Shape;162;p18"/>
             <p:cNvSpPr/>
             <p:nvPr/>
           </p:nvSpPr>
@@ -15684,7 +16319,7 @@
       </p:grpSp>
       <p:sp>
         <p:nvSpPr>
-          <p:cNvPr id="163" name="Google Shape;163;p19"/>
+          <p:cNvPr id="163" name="Google Shape;163;p18"/>
           <p:cNvSpPr txBox="1"/>
           <p:nvPr>
             <p:ph idx="4294967295" type="body"/>
@@ -15692,7 +16327,7 @@
         </p:nvSpPr>
         <p:spPr>
           <a:xfrm>
-            <a:off x="6685979" y="385667"/>
+            <a:off x="6685979" y="1797117"/>
             <a:ext cx="2242800" cy="906300"/>
           </a:xfrm>
           <a:prstGeom prst="rect">
@@ -15726,6 +16361,46 @@
           </a:p>
         </p:txBody>
       </p:sp>
+      <p:sp>
+        <p:nvSpPr>
+          <p:cNvPr id="164" name="Google Shape;164;p18"/>
+          <p:cNvSpPr txBox="1"/>
+          <p:nvPr>
+            <p:ph idx="4294967295" type="title"/>
+          </p:nvPr>
+        </p:nvSpPr>
+        <p:spPr>
+          <a:xfrm>
+            <a:off x="311700" y="574600"/>
+            <a:ext cx="8520600" cy="607800"/>
+          </a:xfrm>
+          <a:prstGeom prst="rect">
+            <a:avLst/>
+          </a:prstGeom>
+        </p:spPr>
+        <p:txBody>
+          <a:bodyPr anchorCtr="0" anchor="t" bIns="91425" lIns="91425" spcFirstLastPara="1" rIns="91425" wrap="square" tIns="91425">
+            <a:noAutofit/>
+          </a:bodyPr>
+          <a:lstStyle/>
+          <a:p>
+            <a:pPr indent="0" lvl="0" marL="0" rtl="0" algn="l">
+              <a:spcBef>
+                <a:spcPts val="0"/>
+              </a:spcBef>
+              <a:spcAft>
+                <a:spcPts val="0"/>
+              </a:spcAft>
+              <a:buNone/>
+            </a:pPr>
+            <a:r>
+              <a:rPr lang="en"/>
+              <a:t>Analysis Roadmap</a:t>
+            </a:r>
+            <a:endParaRPr/>
+          </a:p>
+        </p:txBody>
+      </p:sp>
     </p:spTree>
   </p:cSld>
   <p:clrMapOvr>
@@ -15734,12 +16409,12 @@
 </p:sld>
 </file>
 
-<file path=ppt/slides/slide8.xml><?xml version="1.0" encoding="utf-8"?>
+<file path=ppt/slides/slide7.xml><?xml version="1.0" encoding="utf-8"?>
 <p:sld xmlns:a="http://schemas.openxmlformats.org/drawingml/2006/main" xmlns:r="http://schemas.openxmlformats.org/officeDocument/2006/relationships" xmlns:mc="http://schemas.openxmlformats.org/markup-compatibility/2006" xmlns:mv="urn:schemas-microsoft-com:mac:vml" xmlns:p="http://schemas.openxmlformats.org/presentationml/2006/main" xmlns:c="http://schemas.openxmlformats.org/drawingml/2006/chart" xmlns:dgm="http://schemas.openxmlformats.org/drawingml/2006/diagram" xmlns:o="urn:schemas-microsoft-com:office:office" xmlns:v="urn:schemas-microsoft-com:vml" xmlns:pvml="urn:schemas-microsoft-com:office:powerpoint" xmlns:com="http://schemas.openxmlformats.org/drawingml/2006/compatibility" xmlns:p14="http://schemas.microsoft.com/office/powerpoint/2010/main" xmlns:p15="http://schemas.microsoft.com/office/powerpoint/2012/main" xmlns:ahyp="http://schemas.microsoft.com/office/drawing/2018/hyperlinkcolor">
   <p:cSld>
     <p:spTree>
       <p:nvGrpSpPr>
-        <p:cNvPr id="167" name="Shape 167"/>
+        <p:cNvPr id="168" name="Shape 168"/>
         <p:cNvGrpSpPr/>
         <p:nvPr/>
       </p:nvGrpSpPr>
@@ -15753,7 +16428,7 @@
       </p:grpSpPr>
       <p:sp>
         <p:nvSpPr>
-          <p:cNvPr id="168" name="Google Shape;168;p20"/>
+          <p:cNvPr id="169" name="Google Shape;169;p19"/>
           <p:cNvSpPr txBox="1"/>
           <p:nvPr>
             <p:ph type="title"/>
@@ -15793,7 +16468,7 @@
       </p:sp>
       <p:sp>
         <p:nvSpPr>
-          <p:cNvPr id="169" name="Google Shape;169;p20"/>
+          <p:cNvPr id="170" name="Google Shape;170;p19"/>
           <p:cNvSpPr/>
           <p:nvPr/>
         </p:nvSpPr>
@@ -15838,7 +16513,7 @@
       </p:sp>
       <p:sp>
         <p:nvSpPr>
-          <p:cNvPr id="170" name="Google Shape;170;p20"/>
+          <p:cNvPr id="171" name="Google Shape;171;p19"/>
           <p:cNvSpPr txBox="1"/>
           <p:nvPr/>
         </p:nvSpPr>
@@ -15962,12 +16637,12 @@
 </p:sld>
 </file>
 
-<file path=ppt/slides/slide9.xml><?xml version="1.0" encoding="utf-8"?>
+<file path=ppt/slides/slide8.xml><?xml version="1.0" encoding="utf-8"?>
 <p:sld xmlns:a="http://schemas.openxmlformats.org/drawingml/2006/main" xmlns:r="http://schemas.openxmlformats.org/officeDocument/2006/relationships" xmlns:mc="http://schemas.openxmlformats.org/markup-compatibility/2006" xmlns:mv="urn:schemas-microsoft-com:mac:vml" xmlns:p="http://schemas.openxmlformats.org/presentationml/2006/main" xmlns:c="http://schemas.openxmlformats.org/drawingml/2006/chart" xmlns:dgm="http://schemas.openxmlformats.org/drawingml/2006/diagram" xmlns:o="urn:schemas-microsoft-com:office:office" xmlns:v="urn:schemas-microsoft-com:vml" xmlns:pvml="urn:schemas-microsoft-com:office:powerpoint" xmlns:com="http://schemas.openxmlformats.org/drawingml/2006/compatibility" xmlns:p14="http://schemas.microsoft.com/office/powerpoint/2010/main" xmlns:p15="http://schemas.microsoft.com/office/powerpoint/2012/main" xmlns:ahyp="http://schemas.microsoft.com/office/drawing/2018/hyperlinkcolor">
   <p:cSld>
     <p:spTree>
       <p:nvGrpSpPr>
-        <p:cNvPr id="174" name="Shape 174"/>
+        <p:cNvPr id="175" name="Shape 175"/>
         <p:cNvGrpSpPr/>
         <p:nvPr/>
       </p:nvGrpSpPr>
@@ -15981,7 +16656,7 @@
       </p:grpSpPr>
       <p:sp>
         <p:nvSpPr>
-          <p:cNvPr id="175" name="Google Shape;175;p21"/>
+          <p:cNvPr id="176" name="Google Shape;176;p20"/>
           <p:cNvSpPr txBox="1"/>
           <p:nvPr>
             <p:ph type="title"/>
@@ -16021,7 +16696,7 @@
       </p:sp>
       <p:sp>
         <p:nvSpPr>
-          <p:cNvPr id="176" name="Google Shape;176;p21"/>
+          <p:cNvPr id="177" name="Google Shape;177;p20"/>
           <p:cNvSpPr/>
           <p:nvPr/>
         </p:nvSpPr>
@@ -16066,7 +16741,7 @@
       </p:sp>
       <p:sp>
         <p:nvSpPr>
-          <p:cNvPr id="177" name="Google Shape;177;p21"/>
+          <p:cNvPr id="178" name="Google Shape;178;p20"/>
           <p:cNvSpPr txBox="1"/>
           <p:nvPr>
             <p:ph idx="4294967295" type="body"/>
@@ -16117,7 +16792,7 @@
       </p:sp>
       <p:sp>
         <p:nvSpPr>
-          <p:cNvPr id="178" name="Google Shape;178;p21"/>
+          <p:cNvPr id="179" name="Google Shape;179;p20"/>
           <p:cNvSpPr txBox="1"/>
           <p:nvPr>
             <p:ph idx="4294967295" type="body"/>
@@ -16195,7 +16870,7 @@
       </p:sp>
       <p:sp>
         <p:nvSpPr>
-          <p:cNvPr id="179" name="Google Shape;179;p21"/>
+          <p:cNvPr id="180" name="Google Shape;180;p20"/>
           <p:cNvSpPr/>
           <p:nvPr/>
         </p:nvSpPr>
@@ -16240,7 +16915,7 @@
       </p:sp>
       <p:sp>
         <p:nvSpPr>
-          <p:cNvPr id="180" name="Google Shape;180;p21"/>
+          <p:cNvPr id="181" name="Google Shape;181;p20"/>
           <p:cNvSpPr txBox="1"/>
           <p:nvPr>
             <p:ph idx="4294967295" type="body"/>
@@ -16291,7 +16966,7 @@
       </p:sp>
       <p:sp>
         <p:nvSpPr>
-          <p:cNvPr id="181" name="Google Shape;181;p21"/>
+          <p:cNvPr id="182" name="Google Shape;182;p20"/>
           <p:cNvSpPr txBox="1"/>
           <p:nvPr>
             <p:ph idx="4294967295" type="body"/>
@@ -16332,7 +17007,7 @@
       </p:sp>
       <p:sp>
         <p:nvSpPr>
-          <p:cNvPr id="182" name="Google Shape;182;p21"/>
+          <p:cNvPr id="183" name="Google Shape;183;p20"/>
           <p:cNvSpPr/>
           <p:nvPr/>
         </p:nvSpPr>
@@ -16377,7 +17052,7 @@
       </p:sp>
       <p:sp>
         <p:nvSpPr>
-          <p:cNvPr id="183" name="Google Shape;183;p21"/>
+          <p:cNvPr id="184" name="Google Shape;184;p20"/>
           <p:cNvSpPr txBox="1"/>
           <p:nvPr>
             <p:ph idx="4294967295" type="body"/>
@@ -16428,7 +17103,7 @@
       </p:sp>
       <p:sp>
         <p:nvSpPr>
-          <p:cNvPr id="184" name="Google Shape;184;p21"/>
+          <p:cNvPr id="185" name="Google Shape;185;p20"/>
           <p:cNvSpPr txBox="1"/>
           <p:nvPr>
             <p:ph idx="4294967295" type="body"/>
@@ -16475,6 +17150,303 @@
           </a:p>
         </p:txBody>
       </p:sp>
+    </p:spTree>
+  </p:cSld>
+  <p:clrMapOvr>
+    <a:masterClrMapping/>
+  </p:clrMapOvr>
+</p:sld>
+</file>
+
+<file path=ppt/slides/slide9.xml><?xml version="1.0" encoding="utf-8"?>
+<p:sld xmlns:a="http://schemas.openxmlformats.org/drawingml/2006/main" xmlns:r="http://schemas.openxmlformats.org/officeDocument/2006/relationships" xmlns:mc="http://schemas.openxmlformats.org/markup-compatibility/2006" xmlns:mv="urn:schemas-microsoft-com:mac:vml" xmlns:p="http://schemas.openxmlformats.org/presentationml/2006/main" xmlns:c="http://schemas.openxmlformats.org/drawingml/2006/chart" xmlns:dgm="http://schemas.openxmlformats.org/drawingml/2006/diagram" xmlns:o="urn:schemas-microsoft-com:office:office" xmlns:v="urn:schemas-microsoft-com:vml" xmlns:pvml="urn:schemas-microsoft-com:office:powerpoint" xmlns:com="http://schemas.openxmlformats.org/drawingml/2006/compatibility" xmlns:p14="http://schemas.microsoft.com/office/powerpoint/2010/main" xmlns:p15="http://schemas.microsoft.com/office/powerpoint/2012/main" xmlns:ahyp="http://schemas.microsoft.com/office/drawing/2018/hyperlinkcolor">
+  <p:cSld>
+    <p:spTree>
+      <p:nvGrpSpPr>
+        <p:cNvPr id="189" name="Shape 189"/>
+        <p:cNvGrpSpPr/>
+        <p:nvPr/>
+      </p:nvGrpSpPr>
+      <p:grpSpPr>
+        <a:xfrm>
+          <a:off x="0" y="0"/>
+          <a:ext cx="0" cy="0"/>
+          <a:chOff x="0" y="0"/>
+          <a:chExt cx="0" cy="0"/>
+        </a:xfrm>
+      </p:grpSpPr>
+      <p:sp>
+        <p:nvSpPr>
+          <p:cNvPr id="190" name="Google Shape;190;p21"/>
+          <p:cNvSpPr txBox="1"/>
+          <p:nvPr>
+            <p:ph type="title"/>
+          </p:nvPr>
+        </p:nvSpPr>
+        <p:spPr>
+          <a:xfrm>
+            <a:off x="311700" y="410000"/>
+            <a:ext cx="8520600" cy="607800"/>
+          </a:xfrm>
+          <a:prstGeom prst="rect">
+            <a:avLst/>
+          </a:prstGeom>
+        </p:spPr>
+        <p:txBody>
+          <a:bodyPr anchorCtr="0" anchor="t" bIns="91425" lIns="91425" spcFirstLastPara="1" rIns="91425" wrap="square" tIns="91425">
+            <a:noAutofit/>
+          </a:bodyPr>
+          <a:lstStyle/>
+          <a:p>
+            <a:pPr indent="0" lvl="0" marL="0" rtl="0" algn="l">
+              <a:spcBef>
+                <a:spcPts val="0"/>
+              </a:spcBef>
+              <a:spcAft>
+                <a:spcPts val="0"/>
+              </a:spcAft>
+              <a:buNone/>
+            </a:pPr>
+            <a:r>
+              <a:rPr lang="en"/>
+              <a:t>Loading Data</a:t>
+            </a:r>
+            <a:endParaRPr/>
+          </a:p>
+        </p:txBody>
+      </p:sp>
+      <p:grpSp>
+        <p:nvGrpSpPr>
+          <p:cNvPr id="191" name="Google Shape;191;p21"/>
+          <p:cNvGrpSpPr/>
+          <p:nvPr/>
+        </p:nvGrpSpPr>
+        <p:grpSpPr>
+          <a:xfrm>
+            <a:off x="401725" y="1228664"/>
+            <a:ext cx="8430700" cy="3009507"/>
+            <a:chOff x="431925" y="1304875"/>
+            <a:chExt cx="2628925" cy="3416400"/>
+          </a:xfrm>
+        </p:grpSpPr>
+        <p:sp>
+          <p:nvSpPr>
+            <p:cNvPr id="192" name="Google Shape;192;p21"/>
+            <p:cNvSpPr txBox="1"/>
+            <p:nvPr/>
+          </p:nvSpPr>
+          <p:spPr>
+            <a:xfrm>
+              <a:off x="431925" y="1304875"/>
+              <a:ext cx="2628900" cy="464100"/>
+            </a:xfrm>
+            <a:prstGeom prst="rect">
+              <a:avLst/>
+            </a:prstGeom>
+            <a:solidFill>
+              <a:schemeClr val="dk1"/>
+            </a:solidFill>
+            <a:ln>
+              <a:noFill/>
+            </a:ln>
+          </p:spPr>
+          <p:txBody>
+            <a:bodyPr anchorCtr="0" anchor="ctr" bIns="91425" lIns="91425" spcFirstLastPara="1" rIns="91425" wrap="square" tIns="91425">
+              <a:noAutofit/>
+            </a:bodyPr>
+            <a:lstStyle/>
+            <a:p>
+              <a:pPr indent="0" lvl="0" marL="0" rtl="0" algn="l">
+                <a:spcBef>
+                  <a:spcPts val="0"/>
+                </a:spcBef>
+                <a:spcAft>
+                  <a:spcPts val="0"/>
+                </a:spcAft>
+                <a:buNone/>
+              </a:pPr>
+              <a:r>
+                <a:t/>
+              </a:r>
+              <a:endParaRPr/>
+            </a:p>
+          </p:txBody>
+        </p:sp>
+        <p:sp>
+          <p:nvSpPr>
+            <p:cNvPr id="193" name="Google Shape;193;p21"/>
+            <p:cNvSpPr/>
+            <p:nvPr/>
+          </p:nvSpPr>
+          <p:spPr>
+            <a:xfrm>
+              <a:off x="431950" y="1304875"/>
+              <a:ext cx="2628900" cy="3416400"/>
+            </a:xfrm>
+            <a:prstGeom prst="rect">
+              <a:avLst/>
+            </a:prstGeom>
+            <a:noFill/>
+            <a:ln cap="flat" cmpd="sng" w="9525">
+              <a:solidFill>
+                <a:schemeClr val="dk1"/>
+              </a:solidFill>
+              <a:prstDash val="solid"/>
+              <a:round/>
+              <a:headEnd len="sm" w="sm" type="none"/>
+              <a:tailEnd len="sm" w="sm" type="none"/>
+            </a:ln>
+          </p:spPr>
+          <p:txBody>
+            <a:bodyPr anchorCtr="0" anchor="ctr" bIns="91425" lIns="91425" spcFirstLastPara="1" rIns="91425" wrap="square" tIns="91425">
+              <a:noAutofit/>
+            </a:bodyPr>
+            <a:lstStyle/>
+            <a:p>
+              <a:pPr indent="-330200" lvl="0" marL="457200" rtl="0" algn="l">
+                <a:spcBef>
+                  <a:spcPts val="0"/>
+                </a:spcBef>
+                <a:spcAft>
+                  <a:spcPts val="0"/>
+                </a:spcAft>
+                <a:buSzPts val="1600"/>
+                <a:buFont typeface="Roboto"/>
+                <a:buChar char="●"/>
+              </a:pPr>
+              <a:r>
+                <a:rPr lang="en" sz="1600">
+                  <a:latin typeface="Roboto"/>
+                  <a:ea typeface="Roboto"/>
+                  <a:cs typeface="Roboto"/>
+                  <a:sym typeface="Roboto"/>
+                </a:rPr>
+                <a:t>AWS utilized to </a:t>
+              </a:r>
+              <a:r>
+                <a:rPr lang="en" sz="1600">
+                  <a:latin typeface="Roboto"/>
+                  <a:ea typeface="Roboto"/>
+                  <a:cs typeface="Roboto"/>
+                  <a:sym typeface="Roboto"/>
+                </a:rPr>
+                <a:t>allow</a:t>
+              </a:r>
+              <a:r>
+                <a:rPr lang="en" sz="1600">
+                  <a:latin typeface="Roboto"/>
+                  <a:ea typeface="Roboto"/>
+                  <a:cs typeface="Roboto"/>
+                  <a:sym typeface="Roboto"/>
+                </a:rPr>
+                <a:t> cohesive access of data and database to all group members</a:t>
+              </a:r>
+              <a:endParaRPr sz="1600">
+                <a:latin typeface="Roboto"/>
+                <a:ea typeface="Roboto"/>
+                <a:cs typeface="Roboto"/>
+                <a:sym typeface="Roboto"/>
+              </a:endParaRPr>
+            </a:p>
+            <a:p>
+              <a:pPr indent="-330200" lvl="0" marL="457200" rtl="0" algn="l">
+                <a:spcBef>
+                  <a:spcPts val="0"/>
+                </a:spcBef>
+                <a:spcAft>
+                  <a:spcPts val="0"/>
+                </a:spcAft>
+                <a:buSzPts val="1600"/>
+                <a:buFont typeface="Roboto"/>
+                <a:buChar char="●"/>
+              </a:pPr>
+              <a:r>
+                <a:rPr lang="en" sz="1600">
+                  <a:latin typeface="Roboto"/>
+                  <a:ea typeface="Roboto"/>
+                  <a:cs typeface="Roboto"/>
+                  <a:sym typeface="Roboto"/>
+                </a:rPr>
+                <a:t>CSV file from [DATE] uploaded into S3 bucket to be accessed with PySpark</a:t>
+              </a:r>
+              <a:endParaRPr sz="1600">
+                <a:latin typeface="Roboto"/>
+                <a:ea typeface="Roboto"/>
+                <a:cs typeface="Roboto"/>
+                <a:sym typeface="Roboto"/>
+              </a:endParaRPr>
+            </a:p>
+            <a:p>
+              <a:pPr indent="-330200" lvl="0" marL="457200" rtl="0" algn="l">
+                <a:spcBef>
+                  <a:spcPts val="0"/>
+                </a:spcBef>
+                <a:spcAft>
+                  <a:spcPts val="0"/>
+                </a:spcAft>
+                <a:buSzPts val="1600"/>
+                <a:buFont typeface="Roboto"/>
+                <a:buChar char="●"/>
+              </a:pPr>
+              <a:r>
+                <a:rPr lang="en" sz="1600">
+                  <a:latin typeface="Roboto"/>
+                  <a:ea typeface="Roboto"/>
+                  <a:cs typeface="Roboto"/>
+                  <a:sym typeface="Roboto"/>
+                </a:rPr>
+                <a:t>RDS </a:t>
+              </a:r>
+              <a:r>
+                <a:rPr lang="en" sz="1600">
+                  <a:latin typeface="Roboto"/>
+                  <a:ea typeface="Roboto"/>
+                  <a:cs typeface="Roboto"/>
+                  <a:sym typeface="Roboto"/>
+                </a:rPr>
+                <a:t>instance</a:t>
+              </a:r>
+              <a:r>
+                <a:rPr lang="en" sz="1600">
+                  <a:latin typeface="Roboto"/>
+                  <a:ea typeface="Roboto"/>
+                  <a:cs typeface="Roboto"/>
+                  <a:sym typeface="Roboto"/>
+                </a:rPr>
+                <a:t> created to connect to Postgres within local PgAdmin</a:t>
+              </a:r>
+              <a:endParaRPr sz="1600">
+                <a:latin typeface="Roboto"/>
+                <a:ea typeface="Roboto"/>
+                <a:cs typeface="Roboto"/>
+                <a:sym typeface="Roboto"/>
+              </a:endParaRPr>
+            </a:p>
+            <a:p>
+              <a:pPr indent="-330200" lvl="0" marL="457200" rtl="0" algn="l">
+                <a:spcBef>
+                  <a:spcPts val="0"/>
+                </a:spcBef>
+                <a:spcAft>
+                  <a:spcPts val="0"/>
+                </a:spcAft>
+                <a:buSzPts val="1600"/>
+                <a:buFont typeface="Roboto"/>
+                <a:buChar char="●"/>
+              </a:pPr>
+              <a:r>
+                <a:t/>
+              </a:r>
+              <a:endParaRPr sz="1600">
+                <a:latin typeface="Roboto"/>
+                <a:ea typeface="Roboto"/>
+                <a:cs typeface="Roboto"/>
+                <a:sym typeface="Roboto"/>
+              </a:endParaRPr>
+            </a:p>
+          </p:txBody>
+        </p:sp>
+      </p:grpSp>
     </p:spTree>
   </p:cSld>
   <p:clrMapOvr>

--- a/COVID-19 Analysis.pptx
+++ b/COVID-19 Analysis.pptx
@@ -814,7 +814,7 @@
   <p:cSld>
     <p:spTree>
       <p:nvGrpSpPr>
-        <p:cNvPr id="190" name="Shape 190"/>
+        <p:cNvPr id="196" name="Shape 196"/>
         <p:cNvGrpSpPr/>
         <p:nvPr/>
       </p:nvGrpSpPr>
@@ -828,7 +828,7 @@
       </p:grpSpPr>
       <p:sp>
         <p:nvSpPr>
-          <p:cNvPr id="191" name="Google Shape;191;g13d29a0f314_0_71:notes"/>
+          <p:cNvPr id="197" name="Google Shape;197;g13d29a0f314_0_71:notes"/>
           <p:cNvSpPr/>
           <p:nvPr>
             <p:ph idx="2" type="sldImg"/>
@@ -863,7 +863,7 @@
       </p:sp>
       <p:sp>
         <p:nvSpPr>
-          <p:cNvPr id="192" name="Google Shape;192;g13d29a0f314_0_71:notes"/>
+          <p:cNvPr id="198" name="Google Shape;198;g13d29a0f314_0_71:notes"/>
           <p:cNvSpPr txBox="1"/>
           <p:nvPr>
             <p:ph idx="1" type="body"/>
@@ -913,7 +913,7 @@
   <p:cSld>
     <p:spTree>
       <p:nvGrpSpPr>
-        <p:cNvPr id="197" name="Shape 197"/>
+        <p:cNvPr id="203" name="Shape 203"/>
         <p:cNvGrpSpPr/>
         <p:nvPr/>
       </p:nvGrpSpPr>
@@ -927,7 +927,7 @@
       </p:grpSpPr>
       <p:sp>
         <p:nvSpPr>
-          <p:cNvPr id="198" name="Google Shape;198;g13d29a0f314_0_78:notes"/>
+          <p:cNvPr id="204" name="Google Shape;204;g13d29a0f314_0_78:notes"/>
           <p:cNvSpPr/>
           <p:nvPr>
             <p:ph idx="2" type="sldImg"/>
@@ -962,7 +962,7 @@
       </p:sp>
       <p:sp>
         <p:nvSpPr>
-          <p:cNvPr id="199" name="Google Shape;199;g13d29a0f314_0_78:notes"/>
+          <p:cNvPr id="205" name="Google Shape;205;g13d29a0f314_0_78:notes"/>
           <p:cNvSpPr txBox="1"/>
           <p:nvPr>
             <p:ph idx="1" type="body"/>
@@ -1012,7 +1012,7 @@
   <p:cSld>
     <p:spTree>
       <p:nvGrpSpPr>
-        <p:cNvPr id="204" name="Shape 204"/>
+        <p:cNvPr id="210" name="Shape 210"/>
         <p:cNvGrpSpPr/>
         <p:nvPr/>
       </p:nvGrpSpPr>
@@ -1026,7 +1026,7 @@
       </p:grpSpPr>
       <p:sp>
         <p:nvSpPr>
-          <p:cNvPr id="205" name="Google Shape;205;g13d29a0f314_0_85:notes"/>
+          <p:cNvPr id="211" name="Google Shape;211;g13d29a0f314_0_85:notes"/>
           <p:cNvSpPr/>
           <p:nvPr>
             <p:ph idx="2" type="sldImg"/>
@@ -1061,7 +1061,7 @@
       </p:sp>
       <p:sp>
         <p:nvSpPr>
-          <p:cNvPr id="206" name="Google Shape;206;g13d29a0f314_0_85:notes"/>
+          <p:cNvPr id="212" name="Google Shape;212;g13d29a0f314_0_85:notes"/>
           <p:cNvSpPr txBox="1"/>
           <p:nvPr>
             <p:ph idx="1" type="body"/>
@@ -1111,7 +1111,7 @@
   <p:cSld>
     <p:spTree>
       <p:nvGrpSpPr>
-        <p:cNvPr id="211" name="Shape 211"/>
+        <p:cNvPr id="217" name="Shape 217"/>
         <p:cNvGrpSpPr/>
         <p:nvPr/>
       </p:nvGrpSpPr>
@@ -1125,7 +1125,7 @@
       </p:grpSpPr>
       <p:sp>
         <p:nvSpPr>
-          <p:cNvPr id="212" name="Google Shape;212;gc6f9e470d_0_80:notes"/>
+          <p:cNvPr id="218" name="Google Shape;218;gc6f9e470d_0_80:notes"/>
           <p:cNvSpPr/>
           <p:nvPr>
             <p:ph idx="2" type="sldImg"/>
@@ -1160,7 +1160,7 @@
       </p:sp>
       <p:sp>
         <p:nvSpPr>
-          <p:cNvPr id="213" name="Google Shape;213;gc6f9e470d_0_80:notes"/>
+          <p:cNvPr id="219" name="Google Shape;219;gc6f9e470d_0_80:notes"/>
           <p:cNvSpPr txBox="1"/>
           <p:nvPr>
             <p:ph idx="1" type="body"/>
@@ -1210,7 +1210,7 @@
   <p:cSld>
     <p:spTree>
       <p:nvGrpSpPr>
-        <p:cNvPr id="258" name="Shape 258"/>
+        <p:cNvPr id="264" name="Shape 264"/>
         <p:cNvGrpSpPr/>
         <p:nvPr/>
       </p:nvGrpSpPr>
@@ -1224,7 +1224,7 @@
       </p:grpSpPr>
       <p:sp>
         <p:nvSpPr>
-          <p:cNvPr id="259" name="Google Shape;259;g13d29a0f314_0_91:notes"/>
+          <p:cNvPr id="265" name="Google Shape;265;g13d29a0f314_0_91:notes"/>
           <p:cNvSpPr/>
           <p:nvPr>
             <p:ph idx="2" type="sldImg"/>
@@ -1259,7 +1259,7 @@
       </p:sp>
       <p:sp>
         <p:nvSpPr>
-          <p:cNvPr id="260" name="Google Shape;260;g13d29a0f314_0_91:notes"/>
+          <p:cNvPr id="266" name="Google Shape;266;g13d29a0f314_0_91:notes"/>
           <p:cNvSpPr txBox="1"/>
           <p:nvPr>
             <p:ph idx="1" type="body"/>
@@ -1309,7 +1309,7 @@
   <p:cSld>
     <p:spTree>
       <p:nvGrpSpPr>
-        <p:cNvPr id="264" name="Shape 264"/>
+        <p:cNvPr id="270" name="Shape 270"/>
         <p:cNvGrpSpPr/>
         <p:nvPr/>
       </p:nvGrpSpPr>
@@ -1323,7 +1323,7 @@
       </p:grpSpPr>
       <p:sp>
         <p:nvSpPr>
-          <p:cNvPr id="265" name="Google Shape;265;gc6f9e470d_0_126:notes"/>
+          <p:cNvPr id="271" name="Google Shape;271;gc6f9e470d_0_126:notes"/>
           <p:cNvSpPr/>
           <p:nvPr>
             <p:ph idx="2" type="sldImg"/>
@@ -1358,7 +1358,7 @@
       </p:sp>
       <p:sp>
         <p:nvSpPr>
-          <p:cNvPr id="266" name="Google Shape;266;gc6f9e470d_0_126:notes"/>
+          <p:cNvPr id="272" name="Google Shape;272;gc6f9e470d_0_126:notes"/>
           <p:cNvSpPr txBox="1"/>
           <p:nvPr>
             <p:ph idx="1" type="body"/>
@@ -1408,7 +1408,7 @@
   <p:cSld>
     <p:spTree>
       <p:nvGrpSpPr>
-        <p:cNvPr id="301" name="Shape 301"/>
+        <p:cNvPr id="307" name="Shape 307"/>
         <p:cNvGrpSpPr/>
         <p:nvPr/>
       </p:nvGrpSpPr>
@@ -1422,7 +1422,7 @@
       </p:grpSpPr>
       <p:sp>
         <p:nvSpPr>
-          <p:cNvPr id="302" name="Google Shape;302;g13d29a0f314_0_44:notes"/>
+          <p:cNvPr id="308" name="Google Shape;308;g13d29a0f314_0_44:notes"/>
           <p:cNvSpPr/>
           <p:nvPr>
             <p:ph idx="2" type="sldImg"/>
@@ -1457,7 +1457,7 @@
       </p:sp>
       <p:sp>
         <p:nvSpPr>
-          <p:cNvPr id="303" name="Google Shape;303;g13d29a0f314_0_44:notes"/>
+          <p:cNvPr id="309" name="Google Shape;309;g13d29a0f314_0_44:notes"/>
           <p:cNvSpPr txBox="1"/>
           <p:nvPr>
             <p:ph idx="1" type="body"/>
@@ -1917,7 +1917,7 @@
       </p:grpSpPr>
       <p:sp>
         <p:nvSpPr>
-          <p:cNvPr id="136" name="Google Shape;136;gc6f9e470d_0_43:notes"/>
+          <p:cNvPr id="136" name="Google Shape;136;gc6f9e470d_0_47:notes"/>
           <p:cNvSpPr/>
           <p:nvPr>
             <p:ph idx="2" type="sldImg"/>
@@ -1952,7 +1952,7 @@
       </p:sp>
       <p:sp>
         <p:nvSpPr>
-          <p:cNvPr id="137" name="Google Shape;137;gc6f9e470d_0_43:notes"/>
+          <p:cNvPr id="137" name="Google Shape;137;gc6f9e470d_0_47:notes"/>
           <p:cNvSpPr txBox="1"/>
           <p:nvPr>
             <p:ph idx="1" type="body"/>
@@ -2002,7 +2002,7 @@
   <p:cSld>
     <p:spTree>
       <p:nvGrpSpPr>
-        <p:cNvPr id="140" name="Shape 140"/>
+        <p:cNvPr id="165" name="Shape 165"/>
         <p:cNvGrpSpPr/>
         <p:nvPr/>
       </p:nvGrpSpPr>
@@ -2016,7 +2016,7 @@
       </p:grpSpPr>
       <p:sp>
         <p:nvSpPr>
-          <p:cNvPr id="141" name="Google Shape;141;gc6f9e470d_0_47:notes"/>
+          <p:cNvPr id="166" name="Google Shape;166;g13d29a0f314_0_31:notes"/>
           <p:cNvSpPr/>
           <p:nvPr>
             <p:ph idx="2" type="sldImg"/>
@@ -2051,7 +2051,7 @@
       </p:sp>
       <p:sp>
         <p:nvSpPr>
-          <p:cNvPr id="142" name="Google Shape;142;gc6f9e470d_0_47:notes"/>
+          <p:cNvPr id="167" name="Google Shape;167;g13d29a0f314_0_31:notes"/>
           <p:cNvSpPr txBox="1"/>
           <p:nvPr>
             <p:ph idx="1" type="body"/>
@@ -2101,7 +2101,7 @@
   <p:cSld>
     <p:spTree>
       <p:nvGrpSpPr>
-        <p:cNvPr id="169" name="Shape 169"/>
+        <p:cNvPr id="180" name="Shape 180"/>
         <p:cNvGrpSpPr/>
         <p:nvPr/>
       </p:nvGrpSpPr>
@@ -2115,7 +2115,7 @@
       </p:grpSpPr>
       <p:sp>
         <p:nvSpPr>
-          <p:cNvPr id="170" name="Google Shape;170;g13d29a0f314_0_61:notes"/>
+          <p:cNvPr id="181" name="Google Shape;181;g13e30575fb0_0_8:notes"/>
           <p:cNvSpPr/>
           <p:nvPr>
             <p:ph idx="2" type="sldImg"/>
@@ -2123,8 +2123,8 @@
         </p:nvSpPr>
         <p:spPr>
           <a:xfrm>
-            <a:off x="381188" y="685800"/>
-            <a:ext cx="6096300" cy="3429000"/>
+            <a:off x="381300" y="685800"/>
+            <a:ext cx="6096000" cy="3429000"/>
           </a:xfrm>
           <a:custGeom>
             <a:rect b="b" l="l" r="r" t="t"/>
@@ -2150,7 +2150,7 @@
       </p:sp>
       <p:sp>
         <p:nvSpPr>
-          <p:cNvPr id="171" name="Google Shape;171;g13d29a0f314_0_61:notes"/>
+          <p:cNvPr id="182" name="Google Shape;182;g13e30575fb0_0_8:notes"/>
           <p:cNvSpPr txBox="1"/>
           <p:nvPr>
             <p:ph idx="1" type="body"/>
@@ -2200,7 +2200,7 @@
   <p:cSld>
     <p:spTree>
       <p:nvGrpSpPr>
-        <p:cNvPr id="176" name="Shape 176"/>
+        <p:cNvPr id="188" name="Shape 188"/>
         <p:cNvGrpSpPr/>
         <p:nvPr/>
       </p:nvGrpSpPr>
@@ -2214,7 +2214,7 @@
       </p:grpSpPr>
       <p:sp>
         <p:nvSpPr>
-          <p:cNvPr id="177" name="Google Shape;177;g13d29a0f314_0_31:notes"/>
+          <p:cNvPr id="189" name="Google Shape;189;g13e30575fb0_0_16:notes"/>
           <p:cNvSpPr/>
           <p:nvPr>
             <p:ph idx="2" type="sldImg"/>
@@ -2222,8 +2222,8 @@
         </p:nvSpPr>
         <p:spPr>
           <a:xfrm>
-            <a:off x="381188" y="685800"/>
-            <a:ext cx="6096300" cy="3429000"/>
+            <a:off x="381300" y="685800"/>
+            <a:ext cx="6096000" cy="3429000"/>
           </a:xfrm>
           <a:custGeom>
             <a:rect b="b" l="l" r="r" t="t"/>
@@ -2249,7 +2249,7 @@
       </p:sp>
       <p:sp>
         <p:nvSpPr>
-          <p:cNvPr id="178" name="Google Shape;178;g13d29a0f314_0_31:notes"/>
+          <p:cNvPr id="190" name="Google Shape;190;g13e30575fb0_0_16:notes"/>
           <p:cNvSpPr txBox="1"/>
           <p:nvPr>
             <p:ph idx="1" type="body"/>
@@ -9062,7 +9062,7 @@
   <p:cSld>
     <p:spTree>
       <p:nvGrpSpPr>
-        <p:cNvPr id="193" name="Shape 193"/>
+        <p:cNvPr id="199" name="Shape 199"/>
         <p:cNvGrpSpPr/>
         <p:nvPr/>
       </p:nvGrpSpPr>
@@ -9076,7 +9076,7 @@
       </p:grpSpPr>
       <p:sp>
         <p:nvSpPr>
-          <p:cNvPr id="194" name="Google Shape;194;p22"/>
+          <p:cNvPr id="200" name="Google Shape;200;p22"/>
           <p:cNvSpPr txBox="1"/>
           <p:nvPr>
             <p:ph type="title"/>
@@ -9116,7 +9116,7 @@
       </p:sp>
       <p:sp>
         <p:nvSpPr>
-          <p:cNvPr id="195" name="Google Shape;195;p22"/>
+          <p:cNvPr id="201" name="Google Shape;201;p22"/>
           <p:cNvSpPr/>
           <p:nvPr/>
         </p:nvSpPr>
@@ -9161,7 +9161,7 @@
       </p:sp>
       <p:sp>
         <p:nvSpPr>
-          <p:cNvPr id="196" name="Google Shape;196;p22"/>
+          <p:cNvPr id="202" name="Google Shape;202;p22"/>
           <p:cNvSpPr txBox="1"/>
           <p:nvPr/>
         </p:nvSpPr>
@@ -9283,7 +9283,7 @@
   <p:cSld>
     <p:spTree>
       <p:nvGrpSpPr>
-        <p:cNvPr id="200" name="Shape 200"/>
+        <p:cNvPr id="206" name="Shape 206"/>
         <p:cNvGrpSpPr/>
         <p:nvPr/>
       </p:nvGrpSpPr>
@@ -9297,7 +9297,7 @@
       </p:grpSpPr>
       <p:sp>
         <p:nvSpPr>
-          <p:cNvPr id="201" name="Google Shape;201;p23"/>
+          <p:cNvPr id="207" name="Google Shape;207;p23"/>
           <p:cNvSpPr txBox="1"/>
           <p:nvPr>
             <p:ph type="title"/>
@@ -9337,7 +9337,7 @@
       </p:sp>
       <p:sp>
         <p:nvSpPr>
-          <p:cNvPr id="202" name="Google Shape;202;p23"/>
+          <p:cNvPr id="208" name="Google Shape;208;p23"/>
           <p:cNvSpPr/>
           <p:nvPr/>
         </p:nvSpPr>
@@ -9382,7 +9382,7 @@
       </p:sp>
       <p:sp>
         <p:nvSpPr>
-          <p:cNvPr id="203" name="Google Shape;203;p23"/>
+          <p:cNvPr id="209" name="Google Shape;209;p23"/>
           <p:cNvSpPr txBox="1"/>
           <p:nvPr/>
         </p:nvSpPr>
@@ -9504,7 +9504,7 @@
   <p:cSld>
     <p:spTree>
       <p:nvGrpSpPr>
-        <p:cNvPr id="207" name="Shape 207"/>
+        <p:cNvPr id="213" name="Shape 213"/>
         <p:cNvGrpSpPr/>
         <p:nvPr/>
       </p:nvGrpSpPr>
@@ -9518,7 +9518,7 @@
       </p:grpSpPr>
       <p:sp>
         <p:nvSpPr>
-          <p:cNvPr id="208" name="Google Shape;208;p24"/>
+          <p:cNvPr id="214" name="Google Shape;214;p24"/>
           <p:cNvSpPr txBox="1"/>
           <p:nvPr>
             <p:ph type="title"/>
@@ -9558,7 +9558,7 @@
       </p:sp>
       <p:sp>
         <p:nvSpPr>
-          <p:cNvPr id="209" name="Google Shape;209;p24"/>
+          <p:cNvPr id="215" name="Google Shape;215;p24"/>
           <p:cNvSpPr txBox="1"/>
           <p:nvPr>
             <p:ph idx="4294967295" type="body"/>
@@ -9652,7 +9652,7 @@
       </p:sp>
       <p:sp>
         <p:nvSpPr>
-          <p:cNvPr id="210" name="Google Shape;210;p24"/>
+          <p:cNvPr id="216" name="Google Shape;216;p24"/>
           <p:cNvSpPr/>
           <p:nvPr/>
         </p:nvSpPr>
@@ -9708,7 +9708,7 @@
   <p:cSld>
     <p:spTree>
       <p:nvGrpSpPr>
-        <p:cNvPr id="214" name="Shape 214"/>
+        <p:cNvPr id="220" name="Shape 220"/>
         <p:cNvGrpSpPr/>
         <p:nvPr/>
       </p:nvGrpSpPr>
@@ -9722,7 +9722,7 @@
       </p:grpSpPr>
       <p:sp>
         <p:nvSpPr>
-          <p:cNvPr id="215" name="Google Shape;215;p25"/>
+          <p:cNvPr id="221" name="Google Shape;221;p25"/>
           <p:cNvSpPr txBox="1"/>
           <p:nvPr>
             <p:ph type="title"/>
@@ -9770,7 +9770,7 @@
       </p:sp>
       <p:sp>
         <p:nvSpPr>
-          <p:cNvPr id="216" name="Google Shape;216;p25"/>
+          <p:cNvPr id="222" name="Google Shape;222;p25"/>
           <p:cNvSpPr/>
           <p:nvPr/>
         </p:nvSpPr>
@@ -9817,7 +9817,7 @@
       </p:sp>
       <p:sp>
         <p:nvSpPr>
-          <p:cNvPr id="217" name="Google Shape;217;p25"/>
+          <p:cNvPr id="223" name="Google Shape;223;p25"/>
           <p:cNvSpPr/>
           <p:nvPr/>
         </p:nvSpPr>
@@ -9860,7 +9860,7 @@
       </p:sp>
       <p:sp>
         <p:nvSpPr>
-          <p:cNvPr id="218" name="Google Shape;218;p25"/>
+          <p:cNvPr id="224" name="Google Shape;224;p25"/>
           <p:cNvSpPr txBox="1"/>
           <p:nvPr>
             <p:ph idx="4294967295" type="body"/>
@@ -9911,7 +9911,7 @@
       </p:sp>
       <p:sp>
         <p:nvSpPr>
-          <p:cNvPr id="219" name="Google Shape;219;p25"/>
+          <p:cNvPr id="225" name="Google Shape;225;p25"/>
           <p:cNvSpPr txBox="1"/>
           <p:nvPr>
             <p:ph idx="4294967295" type="body"/>
@@ -9962,7 +9962,7 @@
       </p:sp>
       <p:grpSp>
         <p:nvGrpSpPr>
-          <p:cNvPr id="220" name="Google Shape;220;p25"/>
+          <p:cNvPr id="226" name="Google Shape;226;p25"/>
           <p:cNvGrpSpPr/>
           <p:nvPr/>
         </p:nvGrpSpPr>
@@ -9976,10 +9976,10 @@
         </p:grpSpPr>
         <p:cxnSp>
           <p:nvCxnSpPr>
-            <p:cNvPr id="221" name="Google Shape;221;p25"/>
+            <p:cNvPr id="227" name="Google Shape;227;p25"/>
             <p:cNvCxnSpPr>
-              <a:stCxn id="216" idx="2"/>
-              <a:endCxn id="222" idx="0"/>
+              <a:stCxn id="222" idx="2"/>
+              <a:endCxn id="228" idx="0"/>
             </p:cNvCxnSpPr>
             <p:nvPr/>
           </p:nvCxnSpPr>
@@ -10009,10 +10009,10 @@
         </p:cxnSp>
         <p:cxnSp>
           <p:nvCxnSpPr>
-            <p:cNvPr id="223" name="Google Shape;223;p25"/>
+            <p:cNvPr id="229" name="Google Shape;229;p25"/>
             <p:cNvCxnSpPr>
-              <a:stCxn id="216" idx="2"/>
-              <a:endCxn id="224" idx="0"/>
+              <a:stCxn id="222" idx="2"/>
+              <a:endCxn id="230" idx="0"/>
             </p:cNvCxnSpPr>
             <p:nvPr/>
           </p:nvCxnSpPr>
@@ -10041,7 +10041,7 @@
       </p:grpSp>
       <p:sp>
         <p:nvSpPr>
-          <p:cNvPr id="225" name="Google Shape;225;p25"/>
+          <p:cNvPr id="231" name="Google Shape;231;p25"/>
           <p:cNvSpPr/>
           <p:nvPr/>
         </p:nvSpPr>
@@ -10088,7 +10088,7 @@
       </p:sp>
       <p:sp>
         <p:nvSpPr>
-          <p:cNvPr id="222" name="Google Shape;222;p25"/>
+          <p:cNvPr id="228" name="Google Shape;228;p25"/>
           <p:cNvSpPr/>
           <p:nvPr/>
         </p:nvSpPr>
@@ -10131,7 +10131,7 @@
       </p:sp>
       <p:sp>
         <p:nvSpPr>
-          <p:cNvPr id="226" name="Google Shape;226;p25"/>
+          <p:cNvPr id="232" name="Google Shape;232;p25"/>
           <p:cNvSpPr txBox="1"/>
           <p:nvPr>
             <p:ph idx="4294967295" type="body"/>
@@ -10182,7 +10182,7 @@
       </p:sp>
       <p:sp>
         <p:nvSpPr>
-          <p:cNvPr id="227" name="Google Shape;227;p25"/>
+          <p:cNvPr id="233" name="Google Shape;233;p25"/>
           <p:cNvSpPr txBox="1"/>
           <p:nvPr>
             <p:ph idx="4294967295" type="body"/>
@@ -10233,7 +10233,7 @@
       </p:sp>
       <p:grpSp>
         <p:nvGrpSpPr>
-          <p:cNvPr id="228" name="Google Shape;228;p25"/>
+          <p:cNvPr id="234" name="Google Shape;234;p25"/>
           <p:cNvGrpSpPr/>
           <p:nvPr/>
         </p:nvGrpSpPr>
@@ -10247,10 +10247,10 @@
         </p:grpSpPr>
         <p:cxnSp>
           <p:nvCxnSpPr>
-            <p:cNvPr id="229" name="Google Shape;229;p25"/>
+            <p:cNvPr id="235" name="Google Shape;235;p25"/>
             <p:cNvCxnSpPr>
-              <a:stCxn id="225" idx="2"/>
-              <a:endCxn id="230" idx="0"/>
+              <a:stCxn id="231" idx="2"/>
+              <a:endCxn id="236" idx="0"/>
             </p:cNvCxnSpPr>
             <p:nvPr/>
           </p:nvCxnSpPr>
@@ -10276,10 +10276,10 @@
         </p:cxnSp>
         <p:cxnSp>
           <p:nvCxnSpPr>
-            <p:cNvPr id="231" name="Google Shape;231;p25"/>
+            <p:cNvPr id="237" name="Google Shape;237;p25"/>
             <p:cNvCxnSpPr>
-              <a:stCxn id="225" idx="2"/>
-              <a:endCxn id="232" idx="0"/>
+              <a:stCxn id="231" idx="2"/>
+              <a:endCxn id="238" idx="0"/>
             </p:cNvCxnSpPr>
             <p:nvPr/>
           </p:nvCxnSpPr>
@@ -10307,10 +10307,10 @@
         </p:cxnSp>
         <p:cxnSp>
           <p:nvCxnSpPr>
-            <p:cNvPr id="233" name="Google Shape;233;p25"/>
+            <p:cNvPr id="239" name="Google Shape;239;p25"/>
             <p:cNvCxnSpPr>
-              <a:stCxn id="225" idx="2"/>
-              <a:endCxn id="234" idx="0"/>
+              <a:stCxn id="231" idx="2"/>
+              <a:endCxn id="240" idx="0"/>
             </p:cNvCxnSpPr>
             <p:nvPr/>
           </p:nvCxnSpPr>
@@ -10339,7 +10339,7 @@
       </p:grpSp>
       <p:sp>
         <p:nvSpPr>
-          <p:cNvPr id="235" name="Google Shape;235;p25"/>
+          <p:cNvPr id="241" name="Google Shape;241;p25"/>
           <p:cNvSpPr/>
           <p:nvPr/>
         </p:nvSpPr>
@@ -10386,7 +10386,7 @@
       </p:sp>
       <p:sp>
         <p:nvSpPr>
-          <p:cNvPr id="232" name="Google Shape;232;p25"/>
+          <p:cNvPr id="238" name="Google Shape;238;p25"/>
           <p:cNvSpPr/>
           <p:nvPr/>
         </p:nvSpPr>
@@ -10429,7 +10429,7 @@
       </p:sp>
       <p:sp>
         <p:nvSpPr>
-          <p:cNvPr id="236" name="Google Shape;236;p25"/>
+          <p:cNvPr id="242" name="Google Shape;242;p25"/>
           <p:cNvSpPr txBox="1"/>
           <p:nvPr>
             <p:ph idx="4294967295" type="body"/>
@@ -10480,7 +10480,7 @@
       </p:sp>
       <p:sp>
         <p:nvSpPr>
-          <p:cNvPr id="237" name="Google Shape;237;p25"/>
+          <p:cNvPr id="243" name="Google Shape;243;p25"/>
           <p:cNvSpPr txBox="1"/>
           <p:nvPr>
             <p:ph idx="4294967295" type="body"/>
@@ -10531,7 +10531,7 @@
       </p:sp>
       <p:sp>
         <p:nvSpPr>
-          <p:cNvPr id="238" name="Google Shape;238;p25"/>
+          <p:cNvPr id="244" name="Google Shape;244;p25"/>
           <p:cNvSpPr/>
           <p:nvPr/>
         </p:nvSpPr>
@@ -10578,7 +10578,7 @@
       </p:sp>
       <p:sp>
         <p:nvSpPr>
-          <p:cNvPr id="230" name="Google Shape;230;p25"/>
+          <p:cNvPr id="236" name="Google Shape;236;p25"/>
           <p:cNvSpPr/>
           <p:nvPr/>
         </p:nvSpPr>
@@ -10621,7 +10621,7 @@
       </p:sp>
       <p:sp>
         <p:nvSpPr>
-          <p:cNvPr id="239" name="Google Shape;239;p25"/>
+          <p:cNvPr id="245" name="Google Shape;245;p25"/>
           <p:cNvSpPr txBox="1"/>
           <p:nvPr>
             <p:ph idx="4294967295" type="body"/>
@@ -10672,7 +10672,7 @@
       </p:sp>
       <p:sp>
         <p:nvSpPr>
-          <p:cNvPr id="240" name="Google Shape;240;p25"/>
+          <p:cNvPr id="246" name="Google Shape;246;p25"/>
           <p:cNvSpPr txBox="1"/>
           <p:nvPr>
             <p:ph idx="4294967295" type="body"/>
@@ -10723,7 +10723,7 @@
       </p:sp>
       <p:sp>
         <p:nvSpPr>
-          <p:cNvPr id="241" name="Google Shape;241;p25"/>
+          <p:cNvPr id="247" name="Google Shape;247;p25"/>
           <p:cNvSpPr/>
           <p:nvPr/>
         </p:nvSpPr>
@@ -10770,7 +10770,7 @@
       </p:sp>
       <p:sp>
         <p:nvSpPr>
-          <p:cNvPr id="234" name="Google Shape;234;p25"/>
+          <p:cNvPr id="240" name="Google Shape;240;p25"/>
           <p:cNvSpPr/>
           <p:nvPr/>
         </p:nvSpPr>
@@ -10813,7 +10813,7 @@
       </p:sp>
       <p:sp>
         <p:nvSpPr>
-          <p:cNvPr id="242" name="Google Shape;242;p25"/>
+          <p:cNvPr id="248" name="Google Shape;248;p25"/>
           <p:cNvSpPr txBox="1"/>
           <p:nvPr>
             <p:ph idx="4294967295" type="body"/>
@@ -10864,7 +10864,7 @@
       </p:sp>
       <p:sp>
         <p:nvSpPr>
-          <p:cNvPr id="243" name="Google Shape;243;p25"/>
+          <p:cNvPr id="249" name="Google Shape;249;p25"/>
           <p:cNvSpPr txBox="1"/>
           <p:nvPr>
             <p:ph idx="4294967295" type="body"/>
@@ -10915,7 +10915,7 @@
       </p:sp>
       <p:sp>
         <p:nvSpPr>
-          <p:cNvPr id="244" name="Google Shape;244;p25"/>
+          <p:cNvPr id="250" name="Google Shape;250;p25"/>
           <p:cNvSpPr/>
           <p:nvPr/>
         </p:nvSpPr>
@@ -10962,7 +10962,7 @@
       </p:sp>
       <p:sp>
         <p:nvSpPr>
-          <p:cNvPr id="224" name="Google Shape;224;p25"/>
+          <p:cNvPr id="230" name="Google Shape;230;p25"/>
           <p:cNvSpPr/>
           <p:nvPr/>
         </p:nvSpPr>
@@ -11005,7 +11005,7 @@
       </p:sp>
       <p:sp>
         <p:nvSpPr>
-          <p:cNvPr id="245" name="Google Shape;245;p25"/>
+          <p:cNvPr id="251" name="Google Shape;251;p25"/>
           <p:cNvSpPr txBox="1"/>
           <p:nvPr>
             <p:ph idx="4294967295" type="body"/>
@@ -11056,7 +11056,7 @@
       </p:sp>
       <p:sp>
         <p:nvSpPr>
-          <p:cNvPr id="246" name="Google Shape;246;p25"/>
+          <p:cNvPr id="252" name="Google Shape;252;p25"/>
           <p:cNvSpPr txBox="1"/>
           <p:nvPr>
             <p:ph idx="4294967295" type="body"/>
@@ -11107,7 +11107,7 @@
       </p:sp>
       <p:grpSp>
         <p:nvGrpSpPr>
-          <p:cNvPr id="247" name="Google Shape;247;p25"/>
+          <p:cNvPr id="253" name="Google Shape;253;p25"/>
           <p:cNvGrpSpPr/>
           <p:nvPr/>
         </p:nvGrpSpPr>
@@ -11121,10 +11121,10 @@
         </p:grpSpPr>
         <p:cxnSp>
           <p:nvCxnSpPr>
-            <p:cNvPr id="248" name="Google Shape;248;p25"/>
+            <p:cNvPr id="254" name="Google Shape;254;p25"/>
             <p:cNvCxnSpPr>
-              <a:stCxn id="244" idx="2"/>
-              <a:endCxn id="249" idx="0"/>
+              <a:stCxn id="250" idx="2"/>
+              <a:endCxn id="255" idx="0"/>
             </p:cNvCxnSpPr>
             <p:nvPr/>
           </p:nvCxnSpPr>
@@ -11152,10 +11152,10 @@
         </p:cxnSp>
         <p:cxnSp>
           <p:nvCxnSpPr>
-            <p:cNvPr id="250" name="Google Shape;250;p25"/>
+            <p:cNvPr id="256" name="Google Shape;256;p25"/>
             <p:cNvCxnSpPr>
-              <a:stCxn id="244" idx="2"/>
-              <a:endCxn id="251" idx="0"/>
+              <a:stCxn id="250" idx="2"/>
+              <a:endCxn id="257" idx="0"/>
             </p:cNvCxnSpPr>
             <p:nvPr/>
           </p:nvCxnSpPr>
@@ -11184,7 +11184,7 @@
       </p:grpSp>
       <p:sp>
         <p:nvSpPr>
-          <p:cNvPr id="252" name="Google Shape;252;p25"/>
+          <p:cNvPr id="258" name="Google Shape;258;p25"/>
           <p:cNvSpPr/>
           <p:nvPr/>
         </p:nvSpPr>
@@ -11231,7 +11231,7 @@
       </p:sp>
       <p:sp>
         <p:nvSpPr>
-          <p:cNvPr id="249" name="Google Shape;249;p25"/>
+          <p:cNvPr id="255" name="Google Shape;255;p25"/>
           <p:cNvSpPr/>
           <p:nvPr/>
         </p:nvSpPr>
@@ -11274,7 +11274,7 @@
       </p:sp>
       <p:sp>
         <p:nvSpPr>
-          <p:cNvPr id="253" name="Google Shape;253;p25"/>
+          <p:cNvPr id="259" name="Google Shape;259;p25"/>
           <p:cNvSpPr txBox="1"/>
           <p:nvPr>
             <p:ph idx="4294967295" type="body"/>
@@ -11325,7 +11325,7 @@
       </p:sp>
       <p:sp>
         <p:nvSpPr>
-          <p:cNvPr id="254" name="Google Shape;254;p25"/>
+          <p:cNvPr id="260" name="Google Shape;260;p25"/>
           <p:cNvSpPr txBox="1"/>
           <p:nvPr>
             <p:ph idx="4294967295" type="body"/>
@@ -11376,7 +11376,7 @@
       </p:sp>
       <p:sp>
         <p:nvSpPr>
-          <p:cNvPr id="255" name="Google Shape;255;p25"/>
+          <p:cNvPr id="261" name="Google Shape;261;p25"/>
           <p:cNvSpPr/>
           <p:nvPr/>
         </p:nvSpPr>
@@ -11423,7 +11423,7 @@
       </p:sp>
       <p:sp>
         <p:nvSpPr>
-          <p:cNvPr id="251" name="Google Shape;251;p25"/>
+          <p:cNvPr id="257" name="Google Shape;257;p25"/>
           <p:cNvSpPr/>
           <p:nvPr/>
         </p:nvSpPr>
@@ -11466,7 +11466,7 @@
       </p:sp>
       <p:sp>
         <p:nvSpPr>
-          <p:cNvPr id="256" name="Google Shape;256;p25"/>
+          <p:cNvPr id="262" name="Google Shape;262;p25"/>
           <p:cNvSpPr txBox="1"/>
           <p:nvPr>
             <p:ph idx="4294967295" type="body"/>
@@ -11517,7 +11517,7 @@
       </p:sp>
       <p:sp>
         <p:nvSpPr>
-          <p:cNvPr id="257" name="Google Shape;257;p25"/>
+          <p:cNvPr id="263" name="Google Shape;263;p25"/>
           <p:cNvSpPr txBox="1"/>
           <p:nvPr>
             <p:ph idx="4294967295" type="body"/>
@@ -11579,7 +11579,7 @@
   <p:cSld>
     <p:spTree>
       <p:nvGrpSpPr>
-        <p:cNvPr id="261" name="Shape 261"/>
+        <p:cNvPr id="267" name="Shape 267"/>
         <p:cNvGrpSpPr/>
         <p:nvPr/>
       </p:nvGrpSpPr>
@@ -11593,7 +11593,7 @@
       </p:grpSpPr>
       <p:sp>
         <p:nvSpPr>
-          <p:cNvPr id="262" name="Google Shape;262;p26"/>
+          <p:cNvPr id="268" name="Google Shape;268;p26"/>
           <p:cNvSpPr txBox="1"/>
           <p:nvPr>
             <p:ph type="title"/>
@@ -11648,7 +11648,7 @@
       </p:sp>
       <p:sp>
         <p:nvSpPr>
-          <p:cNvPr id="263" name="Google Shape;263;p26"/>
+          <p:cNvPr id="269" name="Google Shape;269;p26"/>
           <p:cNvSpPr txBox="1"/>
           <p:nvPr>
             <p:ph idx="2" type="body"/>
@@ -11808,7 +11808,7 @@
   <p:cSld>
     <p:spTree>
       <p:nvGrpSpPr>
-        <p:cNvPr id="267" name="Shape 267"/>
+        <p:cNvPr id="273" name="Shape 273"/>
         <p:cNvGrpSpPr/>
         <p:nvPr/>
       </p:nvGrpSpPr>
@@ -11822,7 +11822,7 @@
       </p:grpSpPr>
       <p:grpSp>
         <p:nvGrpSpPr>
-          <p:cNvPr id="268" name="Google Shape;268;p27"/>
+          <p:cNvPr id="274" name="Google Shape;274;p27"/>
           <p:cNvGrpSpPr/>
           <p:nvPr/>
         </p:nvGrpSpPr>
@@ -11836,7 +11836,7 @@
         </p:grpSpPr>
         <p:cxnSp>
           <p:nvCxnSpPr>
-            <p:cNvPr id="269" name="Google Shape;269;p27"/>
+            <p:cNvPr id="275" name="Google Shape;275;p27"/>
             <p:cNvCxnSpPr/>
             <p:nvPr/>
           </p:nvCxnSpPr>
@@ -11862,7 +11862,7 @@
         </p:cxnSp>
         <p:cxnSp>
           <p:nvCxnSpPr>
-            <p:cNvPr id="270" name="Google Shape;270;p27"/>
+            <p:cNvPr id="276" name="Google Shape;276;p27"/>
             <p:cNvCxnSpPr/>
             <p:nvPr/>
           </p:nvCxnSpPr>
@@ -11888,7 +11888,7 @@
         </p:cxnSp>
         <p:cxnSp>
           <p:nvCxnSpPr>
-            <p:cNvPr id="271" name="Google Shape;271;p27"/>
+            <p:cNvPr id="277" name="Google Shape;277;p27"/>
             <p:cNvCxnSpPr/>
             <p:nvPr/>
           </p:nvCxnSpPr>
@@ -11914,7 +11914,7 @@
         </p:cxnSp>
         <p:cxnSp>
           <p:nvCxnSpPr>
-            <p:cNvPr id="272" name="Google Shape;272;p27"/>
+            <p:cNvPr id="278" name="Google Shape;278;p27"/>
             <p:cNvCxnSpPr/>
             <p:nvPr/>
           </p:nvCxnSpPr>
@@ -11940,7 +11940,7 @@
         </p:cxnSp>
         <p:cxnSp>
           <p:nvCxnSpPr>
-            <p:cNvPr id="273" name="Google Shape;273;p27"/>
+            <p:cNvPr id="279" name="Google Shape;279;p27"/>
             <p:cNvCxnSpPr/>
             <p:nvPr/>
           </p:nvCxnSpPr>
@@ -11966,7 +11966,7 @@
         </p:cxnSp>
         <p:cxnSp>
           <p:nvCxnSpPr>
-            <p:cNvPr id="274" name="Google Shape;274;p27"/>
+            <p:cNvPr id="280" name="Google Shape;280;p27"/>
             <p:cNvCxnSpPr/>
             <p:nvPr/>
           </p:nvCxnSpPr>
@@ -11992,7 +11992,7 @@
         </p:cxnSp>
         <p:cxnSp>
           <p:nvCxnSpPr>
-            <p:cNvPr id="275" name="Google Shape;275;p27"/>
+            <p:cNvPr id="281" name="Google Shape;281;p27"/>
             <p:cNvCxnSpPr/>
             <p:nvPr/>
           </p:nvCxnSpPr>
@@ -12018,7 +12018,7 @@
         </p:cxnSp>
         <p:cxnSp>
           <p:nvCxnSpPr>
-            <p:cNvPr id="276" name="Google Shape;276;p27"/>
+            <p:cNvPr id="282" name="Google Shape;282;p27"/>
             <p:cNvCxnSpPr/>
             <p:nvPr/>
           </p:nvCxnSpPr>
@@ -12044,7 +12044,7 @@
         </p:cxnSp>
         <p:cxnSp>
           <p:nvCxnSpPr>
-            <p:cNvPr id="277" name="Google Shape;277;p27"/>
+            <p:cNvPr id="283" name="Google Shape;283;p27"/>
             <p:cNvCxnSpPr/>
             <p:nvPr/>
           </p:nvCxnSpPr>
@@ -12070,7 +12070,7 @@
         </p:cxnSp>
         <p:cxnSp>
           <p:nvCxnSpPr>
-            <p:cNvPr id="278" name="Google Shape;278;p27"/>
+            <p:cNvPr id="284" name="Google Shape;284;p27"/>
             <p:cNvCxnSpPr/>
             <p:nvPr/>
           </p:nvCxnSpPr>
@@ -12097,7 +12097,7 @@
       </p:grpSp>
       <p:sp>
         <p:nvSpPr>
-          <p:cNvPr id="279" name="Google Shape;279;p27"/>
+          <p:cNvPr id="285" name="Google Shape;285;p27"/>
           <p:cNvSpPr txBox="1"/>
           <p:nvPr>
             <p:ph type="title"/>
@@ -12137,7 +12137,7 @@
       </p:sp>
       <p:grpSp>
         <p:nvGrpSpPr>
-          <p:cNvPr id="280" name="Google Shape;280;p27"/>
+          <p:cNvPr id="286" name="Google Shape;286;p27"/>
           <p:cNvGrpSpPr/>
           <p:nvPr/>
         </p:nvGrpSpPr>
@@ -12151,7 +12151,7 @@
         </p:grpSpPr>
         <p:sp>
           <p:nvSpPr>
-            <p:cNvPr id="281" name="Google Shape;281;p27"/>
+            <p:cNvPr id="287" name="Google Shape;287;p27"/>
             <p:cNvSpPr/>
             <p:nvPr/>
           </p:nvSpPr>
@@ -12229,7 +12229,7 @@
         </p:sp>
         <p:sp>
           <p:nvSpPr>
-            <p:cNvPr id="282" name="Google Shape;282;p27"/>
+            <p:cNvPr id="288" name="Google Shape;288;p27"/>
             <p:cNvSpPr/>
             <p:nvPr/>
           </p:nvSpPr>
@@ -12278,7 +12278,7 @@
         </p:sp>
         <p:sp>
           <p:nvSpPr>
-            <p:cNvPr id="283" name="Google Shape;283;p27"/>
+            <p:cNvPr id="289" name="Google Shape;289;p27"/>
             <p:cNvSpPr/>
             <p:nvPr/>
           </p:nvSpPr>
@@ -12327,7 +12327,7 @@
         </p:sp>
         <p:sp>
           <p:nvSpPr>
-            <p:cNvPr id="284" name="Google Shape;284;p27"/>
+            <p:cNvPr id="290" name="Google Shape;290;p27"/>
             <p:cNvSpPr/>
             <p:nvPr/>
           </p:nvSpPr>
@@ -12376,7 +12376,7 @@
         </p:sp>
         <p:sp>
           <p:nvSpPr>
-            <p:cNvPr id="285" name="Google Shape;285;p27"/>
+            <p:cNvPr id="291" name="Google Shape;291;p27"/>
             <p:cNvSpPr/>
             <p:nvPr/>
           </p:nvSpPr>
@@ -12425,7 +12425,7 @@
         </p:sp>
         <p:sp>
           <p:nvSpPr>
-            <p:cNvPr id="286" name="Google Shape;286;p27"/>
+            <p:cNvPr id="292" name="Google Shape;292;p27"/>
             <p:cNvSpPr/>
             <p:nvPr/>
           </p:nvSpPr>
@@ -12474,7 +12474,7 @@
         </p:sp>
         <p:sp>
           <p:nvSpPr>
-            <p:cNvPr id="287" name="Google Shape;287;p27"/>
+            <p:cNvPr id="293" name="Google Shape;293;p27"/>
             <p:cNvSpPr/>
             <p:nvPr/>
           </p:nvSpPr>
@@ -12523,7 +12523,7 @@
         </p:sp>
         <p:sp>
           <p:nvSpPr>
-            <p:cNvPr id="288" name="Google Shape;288;p27"/>
+            <p:cNvPr id="294" name="Google Shape;294;p27"/>
             <p:cNvSpPr/>
             <p:nvPr/>
           </p:nvSpPr>
@@ -12572,7 +12572,7 @@
         </p:sp>
         <p:sp>
           <p:nvSpPr>
-            <p:cNvPr id="289" name="Google Shape;289;p27"/>
+            <p:cNvPr id="295" name="Google Shape;295;p27"/>
             <p:cNvSpPr/>
             <p:nvPr/>
           </p:nvSpPr>
@@ -12622,7 +12622,7 @@
       </p:grpSp>
       <p:grpSp>
         <p:nvGrpSpPr>
-          <p:cNvPr id="290" name="Google Shape;290;p27"/>
+          <p:cNvPr id="296" name="Google Shape;296;p27"/>
           <p:cNvGrpSpPr/>
           <p:nvPr/>
         </p:nvGrpSpPr>
@@ -12636,7 +12636,7 @@
         </p:grpSpPr>
         <p:sp>
           <p:nvSpPr>
-            <p:cNvPr id="291" name="Google Shape;291;p27"/>
+            <p:cNvPr id="297" name="Google Shape;297;p27"/>
             <p:cNvSpPr/>
             <p:nvPr/>
           </p:nvSpPr>
@@ -12714,7 +12714,7 @@
         </p:sp>
         <p:sp>
           <p:nvSpPr>
-            <p:cNvPr id="292" name="Google Shape;292;p27"/>
+            <p:cNvPr id="298" name="Google Shape;298;p27"/>
             <p:cNvSpPr/>
             <p:nvPr/>
           </p:nvSpPr>
@@ -12763,7 +12763,7 @@
         </p:sp>
         <p:sp>
           <p:nvSpPr>
-            <p:cNvPr id="293" name="Google Shape;293;p27"/>
+            <p:cNvPr id="299" name="Google Shape;299;p27"/>
             <p:cNvSpPr/>
             <p:nvPr/>
           </p:nvSpPr>
@@ -12812,7 +12812,7 @@
         </p:sp>
         <p:sp>
           <p:nvSpPr>
-            <p:cNvPr id="294" name="Google Shape;294;p27"/>
+            <p:cNvPr id="300" name="Google Shape;300;p27"/>
             <p:cNvSpPr/>
             <p:nvPr/>
           </p:nvSpPr>
@@ -12861,7 +12861,7 @@
         </p:sp>
         <p:sp>
           <p:nvSpPr>
-            <p:cNvPr id="295" name="Google Shape;295;p27"/>
+            <p:cNvPr id="301" name="Google Shape;301;p27"/>
             <p:cNvSpPr/>
             <p:nvPr/>
           </p:nvSpPr>
@@ -12910,7 +12910,7 @@
         </p:sp>
         <p:sp>
           <p:nvSpPr>
-            <p:cNvPr id="296" name="Google Shape;296;p27"/>
+            <p:cNvPr id="302" name="Google Shape;302;p27"/>
             <p:cNvSpPr/>
             <p:nvPr/>
           </p:nvSpPr>
@@ -12959,7 +12959,7 @@
         </p:sp>
         <p:sp>
           <p:nvSpPr>
-            <p:cNvPr id="297" name="Google Shape;297;p27"/>
+            <p:cNvPr id="303" name="Google Shape;303;p27"/>
             <p:cNvSpPr/>
             <p:nvPr/>
           </p:nvSpPr>
@@ -13008,7 +13008,7 @@
         </p:sp>
         <p:sp>
           <p:nvSpPr>
-            <p:cNvPr id="298" name="Google Shape;298;p27"/>
+            <p:cNvPr id="304" name="Google Shape;304;p27"/>
             <p:cNvSpPr/>
             <p:nvPr/>
           </p:nvSpPr>
@@ -13057,7 +13057,7 @@
         </p:sp>
         <p:sp>
           <p:nvSpPr>
-            <p:cNvPr id="299" name="Google Shape;299;p27"/>
+            <p:cNvPr id="305" name="Google Shape;305;p27"/>
             <p:cNvSpPr/>
             <p:nvPr/>
           </p:nvSpPr>
@@ -13107,7 +13107,7 @@
       </p:grpSp>
       <p:sp>
         <p:nvSpPr>
-          <p:cNvPr id="300" name="Google Shape;300;p27"/>
+          <p:cNvPr id="306" name="Google Shape;306;p27"/>
           <p:cNvSpPr txBox="1"/>
           <p:nvPr>
             <p:ph idx="2" type="body"/>
@@ -13166,7 +13166,7 @@
   <p:cSld>
     <p:spTree>
       <p:nvGrpSpPr>
-        <p:cNvPr id="304" name="Shape 304"/>
+        <p:cNvPr id="310" name="Shape 310"/>
         <p:cNvGrpSpPr/>
         <p:nvPr/>
       </p:nvGrpSpPr>
@@ -13180,7 +13180,7 @@
       </p:grpSpPr>
       <p:sp>
         <p:nvSpPr>
-          <p:cNvPr id="305" name="Google Shape;305;p28"/>
+          <p:cNvPr id="311" name="Google Shape;311;p28"/>
           <p:cNvSpPr txBox="1"/>
           <p:nvPr>
             <p:ph type="title"/>
@@ -13220,7 +13220,7 @@
       </p:sp>
       <p:sp>
         <p:nvSpPr>
-          <p:cNvPr id="306" name="Google Shape;306;p28"/>
+          <p:cNvPr id="312" name="Google Shape;312;p28"/>
           <p:cNvSpPr txBox="1"/>
           <p:nvPr>
             <p:ph idx="1" type="subTitle"/>
@@ -13259,7 +13259,7 @@
       </p:sp>
       <p:sp>
         <p:nvSpPr>
-          <p:cNvPr id="307" name="Google Shape;307;p28"/>
+          <p:cNvPr id="313" name="Google Shape;313;p28"/>
           <p:cNvSpPr txBox="1"/>
           <p:nvPr>
             <p:ph idx="2" type="body"/>
@@ -14226,7 +14226,7 @@
                   <a:srgbClr val="FFFFFF"/>
                 </a:highlight>
               </a:rPr>
-              <a:t>Several topics considered including cancer and malaria</a:t>
+              <a:t>Several topics considered including cancer, malaria, and COVID-19</a:t>
             </a:r>
             <a:endParaRPr sz="1600">
               <a:solidFill>
@@ -15484,78 +15484,13 @@
       </p:grpSpPr>
       <p:sp>
         <p:nvSpPr>
-          <p:cNvPr id="139" name="Google Shape;139;p18"/>
-          <p:cNvSpPr txBox="1"/>
-          <p:nvPr>
-            <p:ph type="title"/>
-          </p:nvPr>
-        </p:nvSpPr>
-        <p:spPr>
-          <a:xfrm>
-            <a:off x="598100" y="2152347"/>
-            <a:ext cx="8222100" cy="838800"/>
-          </a:xfrm>
-          <a:prstGeom prst="rect">
-            <a:avLst/>
-          </a:prstGeom>
-        </p:spPr>
-        <p:txBody>
-          <a:bodyPr anchorCtr="0" anchor="ctr" bIns="91425" lIns="91425" spcFirstLastPara="1" rIns="91425" wrap="square" tIns="91425">
-            <a:noAutofit/>
-          </a:bodyPr>
-          <a:lstStyle/>
-          <a:p>
-            <a:pPr indent="0" lvl="0" marL="0" rtl="0" algn="l">
-              <a:spcBef>
-                <a:spcPts val="0"/>
-              </a:spcBef>
-              <a:spcAft>
-                <a:spcPts val="0"/>
-              </a:spcAft>
-              <a:buNone/>
-            </a:pPr>
-            <a:r>
-              <a:rPr lang="en"/>
-              <a:t>Analysis</a:t>
-            </a:r>
-            <a:endParaRPr/>
-          </a:p>
-        </p:txBody>
-      </p:sp>
-    </p:spTree>
-  </p:cSld>
-  <p:clrMapOvr>
-    <a:masterClrMapping/>
-  </p:clrMapOvr>
-</p:sld>
-</file>
-
-<file path=ppt/slides/slide7.xml><?xml version="1.0" encoding="utf-8"?>
-<p:sld xmlns:a="http://schemas.openxmlformats.org/drawingml/2006/main" xmlns:r="http://schemas.openxmlformats.org/officeDocument/2006/relationships" xmlns:mc="http://schemas.openxmlformats.org/markup-compatibility/2006" xmlns:mv="urn:schemas-microsoft-com:mac:vml" xmlns:p="http://schemas.openxmlformats.org/presentationml/2006/main" xmlns:c="http://schemas.openxmlformats.org/drawingml/2006/chart" xmlns:dgm="http://schemas.openxmlformats.org/drawingml/2006/diagram" xmlns:o="urn:schemas-microsoft-com:office:office" xmlns:v="urn:schemas-microsoft-com:vml" xmlns:pvml="urn:schemas-microsoft-com:office:powerpoint" xmlns:com="http://schemas.openxmlformats.org/drawingml/2006/compatibility" xmlns:p14="http://schemas.microsoft.com/office/powerpoint/2010/main" xmlns:p15="http://schemas.microsoft.com/office/powerpoint/2012/main" xmlns:ahyp="http://schemas.microsoft.com/office/drawing/2018/hyperlinkcolor">
-  <p:cSld>
-    <p:spTree>
-      <p:nvGrpSpPr>
-        <p:cNvPr id="143" name="Shape 143"/>
-        <p:cNvGrpSpPr/>
-        <p:nvPr/>
-      </p:nvGrpSpPr>
-      <p:grpSpPr>
-        <a:xfrm>
-          <a:off x="0" y="0"/>
-          <a:ext cx="0" cy="0"/>
-          <a:chOff x="0" y="0"/>
-          <a:chExt cx="0" cy="0"/>
-        </a:xfrm>
-      </p:grpSpPr>
-      <p:sp>
-        <p:nvSpPr>
-          <p:cNvPr descr="Background pointer shape in timeline graphic" id="144" name="Google Shape;144;p19"/>
+          <p:cNvPr descr="Background pointer shape in timeline graphic" id="139" name="Google Shape;139;p18"/>
           <p:cNvSpPr/>
           <p:nvPr/>
         </p:nvSpPr>
         <p:spPr>
           <a:xfrm>
-            <a:off x="340934" y="2199000"/>
+            <a:off x="340934" y="3012225"/>
             <a:ext cx="1872300" cy="745500"/>
           </a:xfrm>
           <a:prstGeom prst="homePlate">
@@ -15600,13 +15535,13 @@
       </p:sp>
       <p:grpSp>
         <p:nvGrpSpPr>
-          <p:cNvPr id="145" name="Google Shape;145;p19"/>
+          <p:cNvPr id="140" name="Google Shape;140;p18"/>
           <p:cNvGrpSpPr/>
           <p:nvPr/>
         </p:nvGrpSpPr>
         <p:grpSpPr>
           <a:xfrm>
-            <a:off x="969270" y="1610215"/>
+            <a:off x="969270" y="2418565"/>
             <a:ext cx="198900" cy="593656"/>
             <a:chOff x="777447" y="1610215"/>
             <a:chExt cx="198900" cy="593656"/>
@@ -15614,7 +15549,7 @@
         </p:grpSpPr>
         <p:cxnSp>
           <p:nvCxnSpPr>
-            <p:cNvPr id="146" name="Google Shape;146;p19"/>
+            <p:cNvPr id="141" name="Google Shape;141;p18"/>
             <p:cNvCxnSpPr/>
             <p:nvPr/>
           </p:nvCxnSpPr>
@@ -15640,7 +15575,7 @@
         </p:cxnSp>
         <p:sp>
           <p:nvSpPr>
-            <p:cNvPr id="147" name="Google Shape;147;p19"/>
+            <p:cNvPr id="142" name="Google Shape;142;p18"/>
             <p:cNvSpPr/>
             <p:nvPr/>
           </p:nvSpPr>
@@ -15684,7 +15619,7 @@
       </p:grpSp>
       <p:sp>
         <p:nvSpPr>
-          <p:cNvPr id="148" name="Google Shape;148;p19"/>
+          <p:cNvPr id="143" name="Google Shape;143;p18"/>
           <p:cNvSpPr txBox="1"/>
           <p:nvPr>
             <p:ph idx="4294967295" type="body"/>
@@ -15692,7 +15627,7 @@
         </p:nvSpPr>
         <p:spPr>
           <a:xfrm>
-            <a:off x="261725" y="950800"/>
+            <a:off x="2035600" y="4507700"/>
             <a:ext cx="1614000" cy="593700"/>
           </a:xfrm>
           <a:prstGeom prst="rect">
@@ -15724,13 +15659,13 @@
       </p:sp>
       <p:sp>
         <p:nvSpPr>
-          <p:cNvPr descr="Background pointer shape in timeline graphic" id="149" name="Google Shape;149;p19"/>
+          <p:cNvPr descr="Background pointer shape in timeline graphic" id="144" name="Google Shape;144;p18"/>
           <p:cNvSpPr/>
           <p:nvPr/>
         </p:nvSpPr>
         <p:spPr>
           <a:xfrm>
-            <a:off x="1817054" y="2199000"/>
+            <a:off x="1817054" y="3012225"/>
             <a:ext cx="2051100" cy="745500"/>
           </a:xfrm>
           <a:prstGeom prst="chevron">
@@ -15775,13 +15710,13 @@
       </p:sp>
       <p:grpSp>
         <p:nvGrpSpPr>
-          <p:cNvPr id="150" name="Google Shape;150;p19"/>
+          <p:cNvPr id="145" name="Google Shape;145;p18"/>
           <p:cNvGrpSpPr/>
           <p:nvPr/>
         </p:nvGrpSpPr>
         <p:grpSpPr>
           <a:xfrm>
-            <a:off x="2684632" y="2938958"/>
+            <a:off x="2670932" y="3757733"/>
             <a:ext cx="198900" cy="593656"/>
             <a:chOff x="2223534" y="2938958"/>
             <a:chExt cx="198900" cy="593656"/>
@@ -15789,7 +15724,7 @@
         </p:grpSpPr>
         <p:cxnSp>
           <p:nvCxnSpPr>
-            <p:cNvPr id="151" name="Google Shape;151;p19"/>
+            <p:cNvPr id="146" name="Google Shape;146;p18"/>
             <p:cNvCxnSpPr/>
             <p:nvPr/>
           </p:nvCxnSpPr>
@@ -15815,7 +15750,7 @@
         </p:cxnSp>
         <p:sp>
           <p:nvSpPr>
-            <p:cNvPr id="152" name="Google Shape;152;p19"/>
+            <p:cNvPr id="147" name="Google Shape;147;p18"/>
             <p:cNvSpPr/>
             <p:nvPr/>
           </p:nvSpPr>
@@ -15859,7 +15794,7 @@
       </p:grpSp>
       <p:sp>
         <p:nvSpPr>
-          <p:cNvPr id="153" name="Google Shape;153;p19"/>
+          <p:cNvPr id="148" name="Google Shape;148;p18"/>
           <p:cNvSpPr txBox="1"/>
           <p:nvPr>
             <p:ph idx="4294967295" type="body"/>
@@ -15867,7 +15802,7 @@
         </p:nvSpPr>
         <p:spPr>
           <a:xfrm>
-            <a:off x="1662687" y="3757725"/>
+            <a:off x="155687" y="1797125"/>
             <a:ext cx="2242800" cy="906300"/>
           </a:xfrm>
           <a:prstGeom prst="rect">
@@ -15899,13 +15834,13 @@
       </p:sp>
       <p:sp>
         <p:nvSpPr>
-          <p:cNvPr descr="Background pointer shape in timeline graphic" id="154" name="Google Shape;154;p19"/>
+          <p:cNvPr descr="Background pointer shape in timeline graphic" id="149" name="Google Shape;149;p18"/>
           <p:cNvSpPr/>
           <p:nvPr/>
         </p:nvSpPr>
         <p:spPr>
           <a:xfrm>
-            <a:off x="3471973" y="2199000"/>
+            <a:off x="3471973" y="3012225"/>
             <a:ext cx="2051100" cy="745500"/>
           </a:xfrm>
           <a:prstGeom prst="chevron">
@@ -15950,13 +15885,13 @@
       </p:sp>
       <p:grpSp>
         <p:nvGrpSpPr>
-          <p:cNvPr id="155" name="Google Shape;155;p19"/>
+          <p:cNvPr id="150" name="Google Shape;150;p18"/>
           <p:cNvGrpSpPr/>
           <p:nvPr/>
         </p:nvGrpSpPr>
         <p:grpSpPr>
           <a:xfrm>
-            <a:off x="4319545" y="1610215"/>
+            <a:off x="4319520" y="2418565"/>
             <a:ext cx="198900" cy="593656"/>
             <a:chOff x="3918084" y="1610215"/>
             <a:chExt cx="198900" cy="593656"/>
@@ -15964,7 +15899,7 @@
         </p:grpSpPr>
         <p:cxnSp>
           <p:nvCxnSpPr>
-            <p:cNvPr id="156" name="Google Shape;156;p19"/>
+            <p:cNvPr id="151" name="Google Shape;151;p18"/>
             <p:cNvCxnSpPr/>
             <p:nvPr/>
           </p:nvCxnSpPr>
@@ -15990,7 +15925,7 @@
         </p:cxnSp>
         <p:sp>
           <p:nvSpPr>
-            <p:cNvPr id="157" name="Google Shape;157;p19"/>
+            <p:cNvPr id="152" name="Google Shape;152;p18"/>
             <p:cNvSpPr/>
             <p:nvPr/>
           </p:nvSpPr>
@@ -16034,7 +15969,7 @@
       </p:grpSp>
       <p:sp>
         <p:nvSpPr>
-          <p:cNvPr id="158" name="Google Shape;158;p19"/>
+          <p:cNvPr id="153" name="Google Shape;153;p18"/>
           <p:cNvSpPr txBox="1"/>
           <p:nvPr>
             <p:ph idx="4294967295" type="body"/>
@@ -16042,7 +15977,7 @@
         </p:nvSpPr>
         <p:spPr>
           <a:xfrm>
-            <a:off x="3297582" y="879417"/>
+            <a:off x="3297582" y="1797117"/>
             <a:ext cx="2242800" cy="906300"/>
           </a:xfrm>
           <a:prstGeom prst="rect">
@@ -16074,13 +16009,13 @@
       </p:sp>
       <p:sp>
         <p:nvSpPr>
-          <p:cNvPr descr="Background pointer shape in timeline graphic" id="159" name="Google Shape;159;p19"/>
+          <p:cNvPr descr="Background pointer shape in timeline graphic" id="154" name="Google Shape;154;p18"/>
           <p:cNvSpPr/>
           <p:nvPr/>
         </p:nvSpPr>
         <p:spPr>
           <a:xfrm>
-            <a:off x="5126893" y="2199000"/>
+            <a:off x="5126893" y="3012225"/>
             <a:ext cx="2051100" cy="745500"/>
           </a:xfrm>
           <a:prstGeom prst="chevron">
@@ -16125,13 +16060,13 @@
       </p:sp>
       <p:grpSp>
         <p:nvGrpSpPr>
-          <p:cNvPr id="160" name="Google Shape;160;p19"/>
+          <p:cNvPr id="155" name="Google Shape;155;p18"/>
           <p:cNvGrpSpPr/>
           <p:nvPr/>
         </p:nvGrpSpPr>
         <p:grpSpPr>
           <a:xfrm>
-            <a:off x="5973070" y="2938958"/>
+            <a:off x="5945620" y="3757733"/>
             <a:ext cx="198900" cy="593656"/>
             <a:chOff x="5958946" y="2938958"/>
             <a:chExt cx="198900" cy="593656"/>
@@ -16139,7 +16074,7 @@
         </p:grpSpPr>
         <p:cxnSp>
           <p:nvCxnSpPr>
-            <p:cNvPr id="161" name="Google Shape;161;p19"/>
+            <p:cNvPr id="156" name="Google Shape;156;p18"/>
             <p:cNvCxnSpPr/>
             <p:nvPr/>
           </p:nvCxnSpPr>
@@ -16165,7 +16100,7 @@
         </p:cxnSp>
         <p:sp>
           <p:nvSpPr>
-            <p:cNvPr id="162" name="Google Shape;162;p19"/>
+            <p:cNvPr id="157" name="Google Shape;157;p18"/>
             <p:cNvSpPr/>
             <p:nvPr/>
           </p:nvSpPr>
@@ -16209,7 +16144,7 @@
       </p:grpSp>
       <p:sp>
         <p:nvSpPr>
-          <p:cNvPr id="163" name="Google Shape;163;p19"/>
+          <p:cNvPr id="158" name="Google Shape;158;p18"/>
           <p:cNvSpPr txBox="1"/>
           <p:nvPr>
             <p:ph idx="4294967295" type="body"/>
@@ -16217,7 +16152,7 @@
         </p:nvSpPr>
         <p:spPr>
           <a:xfrm>
-            <a:off x="4951127" y="3757725"/>
+            <a:off x="5031052" y="4351400"/>
             <a:ext cx="2242800" cy="906300"/>
           </a:xfrm>
           <a:prstGeom prst="rect">
@@ -16249,13 +16184,13 @@
       </p:sp>
       <p:sp>
         <p:nvSpPr>
-          <p:cNvPr descr="Background pointer shape in timeline graphic" id="164" name="Google Shape;164;p19"/>
+          <p:cNvPr descr="Background pointer shape in timeline graphic" id="159" name="Google Shape;159;p18"/>
           <p:cNvSpPr/>
           <p:nvPr/>
         </p:nvSpPr>
         <p:spPr>
           <a:xfrm>
-            <a:off x="6781813" y="2199000"/>
+            <a:off x="6781813" y="3012225"/>
             <a:ext cx="2051100" cy="745500"/>
           </a:xfrm>
           <a:prstGeom prst="chevron">
@@ -16300,13 +16235,13 @@
       </p:sp>
       <p:grpSp>
         <p:nvGrpSpPr>
-          <p:cNvPr id="165" name="Google Shape;165;p19"/>
+          <p:cNvPr id="160" name="Google Shape;160;p18"/>
           <p:cNvGrpSpPr/>
           <p:nvPr/>
         </p:nvGrpSpPr>
         <p:grpSpPr>
           <a:xfrm>
-            <a:off x="7669807" y="1610215"/>
+            <a:off x="7669782" y="2418565"/>
             <a:ext cx="198900" cy="593656"/>
             <a:chOff x="3918084" y="1610215"/>
             <a:chExt cx="198900" cy="593656"/>
@@ -16314,7 +16249,7 @@
         </p:grpSpPr>
         <p:cxnSp>
           <p:nvCxnSpPr>
-            <p:cNvPr id="166" name="Google Shape;166;p19"/>
+            <p:cNvPr id="161" name="Google Shape;161;p18"/>
             <p:cNvCxnSpPr/>
             <p:nvPr/>
           </p:nvCxnSpPr>
@@ -16340,7 +16275,7 @@
         </p:cxnSp>
         <p:sp>
           <p:nvSpPr>
-            <p:cNvPr id="167" name="Google Shape;167;p19"/>
+            <p:cNvPr id="162" name="Google Shape;162;p18"/>
             <p:cNvSpPr/>
             <p:nvPr/>
           </p:nvSpPr>
@@ -16384,7 +16319,7 @@
       </p:grpSp>
       <p:sp>
         <p:nvSpPr>
-          <p:cNvPr id="168" name="Google Shape;168;p19"/>
+          <p:cNvPr id="163" name="Google Shape;163;p18"/>
           <p:cNvSpPr txBox="1"/>
           <p:nvPr>
             <p:ph idx="4294967295" type="body"/>
@@ -16392,7 +16327,7 @@
         </p:nvSpPr>
         <p:spPr>
           <a:xfrm>
-            <a:off x="6647854" y="950792"/>
+            <a:off x="6685979" y="1797117"/>
             <a:ext cx="2242800" cy="906300"/>
           </a:xfrm>
           <a:prstGeom prst="rect">
@@ -16426,6 +16361,46 @@
           </a:p>
         </p:txBody>
       </p:sp>
+      <p:sp>
+        <p:nvSpPr>
+          <p:cNvPr id="164" name="Google Shape;164;p18"/>
+          <p:cNvSpPr txBox="1"/>
+          <p:nvPr>
+            <p:ph idx="4294967295" type="title"/>
+          </p:nvPr>
+        </p:nvSpPr>
+        <p:spPr>
+          <a:xfrm>
+            <a:off x="311700" y="574600"/>
+            <a:ext cx="8520600" cy="607800"/>
+          </a:xfrm>
+          <a:prstGeom prst="rect">
+            <a:avLst/>
+          </a:prstGeom>
+        </p:spPr>
+        <p:txBody>
+          <a:bodyPr anchorCtr="0" anchor="t" bIns="91425" lIns="91425" spcFirstLastPara="1" rIns="91425" wrap="square" tIns="91425">
+            <a:noAutofit/>
+          </a:bodyPr>
+          <a:lstStyle/>
+          <a:p>
+            <a:pPr indent="0" lvl="0" marL="0" rtl="0" algn="l">
+              <a:spcBef>
+                <a:spcPts val="0"/>
+              </a:spcBef>
+              <a:spcAft>
+                <a:spcPts val="0"/>
+              </a:spcAft>
+              <a:buNone/>
+            </a:pPr>
+            <a:r>
+              <a:rPr lang="en"/>
+              <a:t>Analysis Roadmap</a:t>
+            </a:r>
+            <a:endParaRPr/>
+          </a:p>
+        </p:txBody>
+      </p:sp>
     </p:spTree>
   </p:cSld>
   <p:clrMapOvr>
@@ -16434,12 +16409,12 @@
 </p:sld>
 </file>
 
-<file path=ppt/slides/slide8.xml><?xml version="1.0" encoding="utf-8"?>
+<file path=ppt/slides/slide7.xml><?xml version="1.0" encoding="utf-8"?>
 <p:sld xmlns:a="http://schemas.openxmlformats.org/drawingml/2006/main" xmlns:r="http://schemas.openxmlformats.org/officeDocument/2006/relationships" xmlns:mc="http://schemas.openxmlformats.org/markup-compatibility/2006" xmlns:mv="urn:schemas-microsoft-com:mac:vml" xmlns:p="http://schemas.openxmlformats.org/presentationml/2006/main" xmlns:c="http://schemas.openxmlformats.org/drawingml/2006/chart" xmlns:dgm="http://schemas.openxmlformats.org/drawingml/2006/diagram" xmlns:o="urn:schemas-microsoft-com:office:office" xmlns:v="urn:schemas-microsoft-com:vml" xmlns:pvml="urn:schemas-microsoft-com:office:powerpoint" xmlns:com="http://schemas.openxmlformats.org/drawingml/2006/compatibility" xmlns:p14="http://schemas.microsoft.com/office/powerpoint/2010/main" xmlns:p15="http://schemas.microsoft.com/office/powerpoint/2012/main" xmlns:ahyp="http://schemas.microsoft.com/office/drawing/2018/hyperlinkcolor">
   <p:cSld>
     <p:spTree>
       <p:nvGrpSpPr>
-        <p:cNvPr id="172" name="Shape 172"/>
+        <p:cNvPr id="168" name="Shape 168"/>
         <p:cNvGrpSpPr/>
         <p:nvPr/>
       </p:nvGrpSpPr>
@@ -16453,7 +16428,7 @@
       </p:grpSpPr>
       <p:sp>
         <p:nvSpPr>
-          <p:cNvPr id="173" name="Google Shape;173;p20"/>
+          <p:cNvPr id="169" name="Google Shape;169;p19"/>
           <p:cNvSpPr txBox="1"/>
           <p:nvPr>
             <p:ph type="title"/>
@@ -16493,14 +16468,14 @@
       </p:sp>
       <p:sp>
         <p:nvSpPr>
-          <p:cNvPr id="174" name="Google Shape;174;p20"/>
+          <p:cNvPr id="170" name="Google Shape;170;p19"/>
           <p:cNvSpPr/>
           <p:nvPr/>
         </p:nvSpPr>
         <p:spPr>
           <a:xfrm>
-            <a:off x="432350" y="1304875"/>
-            <a:ext cx="7426800" cy="607800"/>
+            <a:off x="366113" y="2772500"/>
+            <a:ext cx="2469300" cy="607800"/>
           </a:xfrm>
           <a:prstGeom prst="homePlate">
             <a:avLst>
@@ -16538,235 +16513,7 @@
       </p:sp>
       <p:sp>
         <p:nvSpPr>
-          <p:cNvPr id="175" name="Google Shape;175;p20"/>
-          <p:cNvSpPr txBox="1"/>
-          <p:nvPr/>
-        </p:nvSpPr>
-        <p:spPr>
-          <a:xfrm>
-            <a:off x="534925" y="2139700"/>
-            <a:ext cx="8037600" cy="1046700"/>
-          </a:xfrm>
-          <a:prstGeom prst="rect">
-            <a:avLst/>
-          </a:prstGeom>
-          <a:noFill/>
-          <a:ln>
-            <a:noFill/>
-          </a:ln>
-        </p:spPr>
-        <p:txBody>
-          <a:bodyPr anchorCtr="0" anchor="t" bIns="91425" lIns="91425" spcFirstLastPara="1" rIns="91425" wrap="square" tIns="91425">
-            <a:spAutoFit/>
-          </a:bodyPr>
-          <a:lstStyle/>
-          <a:p>
-            <a:pPr indent="0" lvl="0" marL="0" rtl="0" algn="l">
-              <a:spcBef>
-                <a:spcPts val="0"/>
-              </a:spcBef>
-              <a:spcAft>
-                <a:spcPts val="0"/>
-              </a:spcAft>
-              <a:buNone/>
-            </a:pPr>
-            <a:r>
-              <a:rPr lang="en">
-                <a:solidFill>
-                  <a:srgbClr val="24292F"/>
-                </a:solidFill>
-                <a:highlight>
-                  <a:srgbClr val="FFFFFF"/>
-                </a:highlight>
-                <a:latin typeface="Roboto"/>
-                <a:ea typeface="Roboto"/>
-                <a:cs typeface="Roboto"/>
-                <a:sym typeface="Roboto"/>
-              </a:rPr>
-              <a:t>Exploratory analysis was completed to better understand the data. Utilizing Python, the data was explored to determine the nature of each column, the number of values contained in each column, and the significance of each column. For example, exploration included </a:t>
-            </a:r>
-            <a:r>
-              <a:rPr lang="en">
-                <a:solidFill>
-                  <a:srgbClr val="24292F"/>
-                </a:solidFill>
-                <a:highlight>
-                  <a:srgbClr val="FFFFFF"/>
-                </a:highlight>
-                <a:latin typeface="Roboto"/>
-                <a:ea typeface="Roboto"/>
-                <a:cs typeface="Roboto"/>
-                <a:sym typeface="Roboto"/>
-              </a:rPr>
-              <a:t>listing</a:t>
-            </a:r>
-            <a:r>
-              <a:rPr lang="en">
-                <a:solidFill>
-                  <a:srgbClr val="24292F"/>
-                </a:solidFill>
-                <a:highlight>
-                  <a:srgbClr val="FFFFFF"/>
-                </a:highlight>
-                <a:latin typeface="Roboto"/>
-                <a:ea typeface="Roboto"/>
-                <a:cs typeface="Roboto"/>
-                <a:sym typeface="Roboto"/>
-              </a:rPr>
-              <a:t> the </a:t>
-            </a:r>
-            <a:r>
-              <a:rPr lang="en">
-                <a:solidFill>
-                  <a:srgbClr val="24292F"/>
-                </a:solidFill>
-                <a:highlight>
-                  <a:srgbClr val="FFFFFF"/>
-                </a:highlight>
-                <a:latin typeface="Roboto"/>
-                <a:ea typeface="Roboto"/>
-                <a:cs typeface="Roboto"/>
-                <a:sym typeface="Roboto"/>
-              </a:rPr>
-              <a:t>number</a:t>
-            </a:r>
-            <a:r>
-              <a:rPr lang="en">
-                <a:solidFill>
-                  <a:srgbClr val="24292F"/>
-                </a:solidFill>
-                <a:highlight>
-                  <a:srgbClr val="FFFFFF"/>
-                </a:highlight>
-                <a:latin typeface="Roboto"/>
-                <a:ea typeface="Roboto"/>
-                <a:cs typeface="Roboto"/>
-                <a:sym typeface="Roboto"/>
-              </a:rPr>
-              <a:t> of entries per country and the number of missing values per country.</a:t>
-            </a:r>
-            <a:endParaRPr sz="1600">
-              <a:latin typeface="Roboto"/>
-              <a:ea typeface="Roboto"/>
-              <a:cs typeface="Roboto"/>
-              <a:sym typeface="Roboto"/>
-            </a:endParaRPr>
-          </a:p>
-        </p:txBody>
-      </p:sp>
-    </p:spTree>
-  </p:cSld>
-  <p:clrMapOvr>
-    <a:masterClrMapping/>
-  </p:clrMapOvr>
-</p:sld>
-</file>
-
-<file path=ppt/slides/slide9.xml><?xml version="1.0" encoding="utf-8"?>
-<p:sld xmlns:a="http://schemas.openxmlformats.org/drawingml/2006/main" xmlns:r="http://schemas.openxmlformats.org/officeDocument/2006/relationships" xmlns:mc="http://schemas.openxmlformats.org/markup-compatibility/2006" xmlns:mv="urn:schemas-microsoft-com:mac:vml" xmlns:p="http://schemas.openxmlformats.org/presentationml/2006/main" xmlns:c="http://schemas.openxmlformats.org/drawingml/2006/chart" xmlns:dgm="http://schemas.openxmlformats.org/drawingml/2006/diagram" xmlns:o="urn:schemas-microsoft-com:office:office" xmlns:v="urn:schemas-microsoft-com:vml" xmlns:pvml="urn:schemas-microsoft-com:office:powerpoint" xmlns:com="http://schemas.openxmlformats.org/drawingml/2006/compatibility" xmlns:p14="http://schemas.microsoft.com/office/powerpoint/2010/main" xmlns:p15="http://schemas.microsoft.com/office/powerpoint/2012/main" xmlns:ahyp="http://schemas.microsoft.com/office/drawing/2018/hyperlinkcolor">
-  <p:cSld>
-    <p:spTree>
-      <p:nvGrpSpPr>
-        <p:cNvPr id="179" name="Shape 179"/>
-        <p:cNvGrpSpPr/>
-        <p:nvPr/>
-      </p:nvGrpSpPr>
-      <p:grpSpPr>
-        <a:xfrm>
-          <a:off x="0" y="0"/>
-          <a:ext cx="0" cy="0"/>
-          <a:chOff x="0" y="0"/>
-          <a:chExt cx="0" cy="0"/>
-        </a:xfrm>
-      </p:grpSpPr>
-      <p:sp>
-        <p:nvSpPr>
-          <p:cNvPr id="180" name="Google Shape;180;p21"/>
-          <p:cNvSpPr txBox="1"/>
-          <p:nvPr>
-            <p:ph type="title"/>
-          </p:nvPr>
-        </p:nvSpPr>
-        <p:spPr>
-          <a:xfrm>
-            <a:off x="311700" y="410000"/>
-            <a:ext cx="8520600" cy="607800"/>
-          </a:xfrm>
-          <a:prstGeom prst="rect">
-            <a:avLst/>
-          </a:prstGeom>
-        </p:spPr>
-        <p:txBody>
-          <a:bodyPr anchorCtr="0" anchor="t" bIns="91425" lIns="91425" spcFirstLastPara="1" rIns="91425" wrap="square" tIns="91425">
-            <a:noAutofit/>
-          </a:bodyPr>
-          <a:lstStyle/>
-          <a:p>
-            <a:pPr indent="0" lvl="0" marL="0" rtl="0" algn="l">
-              <a:spcBef>
-                <a:spcPts val="0"/>
-              </a:spcBef>
-              <a:spcAft>
-                <a:spcPts val="0"/>
-              </a:spcAft>
-              <a:buNone/>
-            </a:pPr>
-            <a:r>
-              <a:rPr lang="en"/>
-              <a:t>Data Exploration (cont.)</a:t>
-            </a:r>
-            <a:endParaRPr/>
-          </a:p>
-        </p:txBody>
-      </p:sp>
-      <p:sp>
-        <p:nvSpPr>
-          <p:cNvPr id="181" name="Google Shape;181;p21"/>
-          <p:cNvSpPr/>
-          <p:nvPr/>
-        </p:nvSpPr>
-        <p:spPr>
-          <a:xfrm>
-            <a:off x="432350" y="1304875"/>
-            <a:ext cx="2469300" cy="607800"/>
-          </a:xfrm>
-          <a:prstGeom prst="homePlate">
-            <a:avLst>
-              <a:gd fmla="val 50000" name="adj"/>
-            </a:avLst>
-          </a:prstGeom>
-          <a:solidFill>
-            <a:schemeClr val="dk1"/>
-          </a:solidFill>
-          <a:ln>
-            <a:noFill/>
-          </a:ln>
-        </p:spPr>
-        <p:txBody>
-          <a:bodyPr anchorCtr="0" anchor="ctr" bIns="121875" lIns="121875" spcFirstLastPara="1" rIns="121875" wrap="square" tIns="121875">
-            <a:noAutofit/>
-          </a:bodyPr>
-          <a:lstStyle/>
-          <a:p>
-            <a:pPr indent="0" lvl="0" marL="0" rtl="0" algn="l">
-              <a:spcBef>
-                <a:spcPts val="0"/>
-              </a:spcBef>
-              <a:spcAft>
-                <a:spcPts val="0"/>
-              </a:spcAft>
-              <a:buNone/>
-            </a:pPr>
-            <a:r>
-              <a:t/>
-            </a:r>
-            <a:endParaRPr/>
-          </a:p>
-        </p:txBody>
-      </p:sp>
-      <p:sp>
-        <p:nvSpPr>
-          <p:cNvPr id="182" name="Google Shape;182;p21"/>
+          <p:cNvPr id="171" name="Google Shape;171;p19"/>
           <p:cNvSpPr txBox="1"/>
           <p:nvPr>
             <p:ph idx="4294967295" type="body"/>
@@ -16774,7 +16521,7 @@
         </p:nvSpPr>
         <p:spPr>
           <a:xfrm>
-            <a:off x="432350" y="1451576"/>
+            <a:off x="351838" y="2919201"/>
             <a:ext cx="2257200" cy="314400"/>
           </a:xfrm>
           <a:prstGeom prst="rect">
@@ -16817,7 +16564,7 @@
       </p:sp>
       <p:sp>
         <p:nvSpPr>
-          <p:cNvPr id="183" name="Google Shape;183;p21"/>
+          <p:cNvPr id="172" name="Google Shape;172;p19"/>
           <p:cNvSpPr txBox="1"/>
           <p:nvPr>
             <p:ph idx="4294967295" type="body"/>
@@ -16825,7 +16572,7 @@
         </p:nvSpPr>
         <p:spPr>
           <a:xfrm>
-            <a:off x="311700" y="2070575"/>
+            <a:off x="297475" y="3469600"/>
             <a:ext cx="2592300" cy="2650800"/>
           </a:xfrm>
           <a:prstGeom prst="rect">
@@ -16855,39 +16602,17 @@
             <a:endParaRPr sz="1600"/>
           </a:p>
           <a:p>
-            <a:pPr indent="-330200" lvl="0" marL="457200" rtl="0" algn="l">
-              <a:spcBef>
-                <a:spcPts val="0"/>
-              </a:spcBef>
-              <a:spcAft>
-                <a:spcPts val="0"/>
-              </a:spcAft>
-              <a:buSzPts val="1600"/>
-              <a:buChar char="●"/>
+            <a:pPr indent="0" lvl="0" marL="457200" rtl="0" algn="l">
+              <a:spcBef>
+                <a:spcPts val="800"/>
+              </a:spcBef>
+              <a:spcAft>
+                <a:spcPts val="800"/>
+              </a:spcAft>
+              <a:buNone/>
             </a:pPr>
             <a:r>
-              <a:rPr lang="en" sz="1600"/>
-              <a:t>E.g. multiple </a:t>
-            </a:r>
-            <a:r>
-              <a:rPr lang="en" sz="1600"/>
-              <a:t>continents</a:t>
-            </a:r>
-            <a:r>
-              <a:rPr lang="en" sz="1600"/>
-              <a:t> were listed within the location column which </a:t>
-            </a:r>
-            <a:r>
-              <a:rPr lang="en" sz="1600"/>
-              <a:t>predominantly</a:t>
-            </a:r>
-            <a:r>
-              <a:rPr lang="en" sz="1600"/>
-              <a:t> held the names of </a:t>
-            </a:r>
-            <a:r>
-              <a:rPr lang="en" sz="1600"/>
-              <a:t>countries</a:t>
+              <a:t/>
             </a:r>
             <a:endParaRPr sz="1600"/>
           </a:p>
@@ -16895,13 +16620,13 @@
       </p:sp>
       <p:sp>
         <p:nvSpPr>
-          <p:cNvPr id="184" name="Google Shape;184;p21"/>
+          <p:cNvPr id="173" name="Google Shape;173;p19"/>
           <p:cNvSpPr/>
           <p:nvPr/>
         </p:nvSpPr>
         <p:spPr>
           <a:xfrm>
-            <a:off x="3044777" y="1304875"/>
+            <a:off x="3044777" y="2772500"/>
             <a:ext cx="2760600" cy="607800"/>
           </a:xfrm>
           <a:prstGeom prst="chevron">
@@ -16940,7 +16665,7 @@
       </p:sp>
       <p:sp>
         <p:nvSpPr>
-          <p:cNvPr id="185" name="Google Shape;185;p21"/>
+          <p:cNvPr id="174" name="Google Shape;174;p19"/>
           <p:cNvSpPr txBox="1"/>
           <p:nvPr>
             <p:ph idx="4294967295" type="body"/>
@@ -16948,7 +16673,7 @@
         </p:nvSpPr>
         <p:spPr>
           <a:xfrm>
-            <a:off x="3336150" y="1451576"/>
+            <a:off x="3336150" y="2919201"/>
             <a:ext cx="2257200" cy="314400"/>
           </a:xfrm>
           <a:prstGeom prst="rect">
@@ -16991,7 +16716,7 @@
       </p:sp>
       <p:sp>
         <p:nvSpPr>
-          <p:cNvPr id="186" name="Google Shape;186;p21"/>
+          <p:cNvPr id="175" name="Google Shape;175;p19"/>
           <p:cNvSpPr txBox="1"/>
           <p:nvPr>
             <p:ph idx="4294967295" type="body"/>
@@ -16999,7 +16724,7 @@
         </p:nvSpPr>
         <p:spPr>
           <a:xfrm>
-            <a:off x="3336146" y="2070575"/>
+            <a:off x="3044771" y="3469600"/>
             <a:ext cx="2471700" cy="2650800"/>
           </a:xfrm>
           <a:prstGeom prst="rect">
@@ -17032,13 +16757,13 @@
       </p:sp>
       <p:sp>
         <p:nvSpPr>
-          <p:cNvPr id="187" name="Google Shape;187;p21"/>
+          <p:cNvPr id="176" name="Google Shape;176;p19"/>
           <p:cNvSpPr/>
           <p:nvPr/>
         </p:nvSpPr>
         <p:spPr>
           <a:xfrm>
-            <a:off x="5948502" y="1304875"/>
+            <a:off x="5948502" y="2772500"/>
             <a:ext cx="2760600" cy="607800"/>
           </a:xfrm>
           <a:prstGeom prst="chevron">
@@ -17077,7 +16802,7 @@
       </p:sp>
       <p:sp>
         <p:nvSpPr>
-          <p:cNvPr id="188" name="Google Shape;188;p21"/>
+          <p:cNvPr id="177" name="Google Shape;177;p19"/>
           <p:cNvSpPr txBox="1"/>
           <p:nvPr>
             <p:ph idx="4294967295" type="body"/>
@@ -17085,7 +16810,7 @@
         </p:nvSpPr>
         <p:spPr>
           <a:xfrm>
-            <a:off x="6254233" y="1451576"/>
+            <a:off x="6254233" y="2919201"/>
             <a:ext cx="2257200" cy="314400"/>
           </a:xfrm>
           <a:prstGeom prst="rect">
@@ -17128,7 +16853,7 @@
       </p:sp>
       <p:sp>
         <p:nvSpPr>
-          <p:cNvPr id="189" name="Google Shape;189;p21"/>
+          <p:cNvPr id="178" name="Google Shape;178;p19"/>
           <p:cNvSpPr txBox="1"/>
           <p:nvPr>
             <p:ph idx="4294967295" type="body"/>
@@ -17136,7 +16861,7 @@
         </p:nvSpPr>
         <p:spPr>
           <a:xfrm>
-            <a:off x="6254226" y="2070575"/>
+            <a:off x="5805376" y="3469600"/>
             <a:ext cx="2471700" cy="2650800"/>
           </a:xfrm>
           <a:prstGeom prst="rect">
@@ -17175,6 +16900,790 @@
           </a:p>
         </p:txBody>
       </p:sp>
+      <p:sp>
+        <p:nvSpPr>
+          <p:cNvPr id="179" name="Google Shape;179;p19"/>
+          <p:cNvSpPr txBox="1"/>
+          <p:nvPr/>
+        </p:nvSpPr>
+        <p:spPr>
+          <a:xfrm>
+            <a:off x="311700" y="1122950"/>
+            <a:ext cx="8037600" cy="1544400"/>
+          </a:xfrm>
+          <a:prstGeom prst="rect">
+            <a:avLst/>
+          </a:prstGeom>
+          <a:noFill/>
+          <a:ln>
+            <a:noFill/>
+          </a:ln>
+        </p:spPr>
+        <p:txBody>
+          <a:bodyPr anchorCtr="0" anchor="t" bIns="91425" lIns="91425" spcFirstLastPara="1" rIns="91425" wrap="square" tIns="91425">
+            <a:spAutoFit/>
+          </a:bodyPr>
+          <a:lstStyle/>
+          <a:p>
+            <a:pPr indent="-330200" lvl="0" marL="457200" rtl="0" algn="l">
+              <a:spcBef>
+                <a:spcPts val="0"/>
+              </a:spcBef>
+              <a:spcAft>
+                <a:spcPts val="0"/>
+              </a:spcAft>
+              <a:buClr>
+                <a:srgbClr val="24292F"/>
+              </a:buClr>
+              <a:buSzPts val="1600"/>
+              <a:buFont typeface="Roboto"/>
+              <a:buChar char="●"/>
+            </a:pPr>
+            <a:r>
+              <a:rPr lang="en" sz="1600">
+                <a:solidFill>
+                  <a:srgbClr val="24292F"/>
+                </a:solidFill>
+                <a:highlight>
+                  <a:srgbClr val="FFFFFF"/>
+                </a:highlight>
+                <a:latin typeface="Roboto"/>
+                <a:ea typeface="Roboto"/>
+                <a:cs typeface="Roboto"/>
+                <a:sym typeface="Roboto"/>
+              </a:rPr>
+              <a:t>Utilizing Python and Jupyter Notebook, the data was explored to determine the nature of each column, the number of values contained in each column, and the significance of each column </a:t>
+            </a:r>
+            <a:endParaRPr sz="1600">
+              <a:solidFill>
+                <a:srgbClr val="24292F"/>
+              </a:solidFill>
+              <a:highlight>
+                <a:srgbClr val="FFFFFF"/>
+              </a:highlight>
+              <a:latin typeface="Roboto"/>
+              <a:ea typeface="Roboto"/>
+              <a:cs typeface="Roboto"/>
+              <a:sym typeface="Roboto"/>
+            </a:endParaRPr>
+          </a:p>
+          <a:p>
+            <a:pPr indent="-330200" lvl="0" marL="457200" rtl="0" algn="l">
+              <a:spcBef>
+                <a:spcPts val="1000"/>
+              </a:spcBef>
+              <a:spcAft>
+                <a:spcPts val="1000"/>
+              </a:spcAft>
+              <a:buClr>
+                <a:srgbClr val="24292F"/>
+              </a:buClr>
+              <a:buSzPts val="1600"/>
+              <a:buFont typeface="Roboto"/>
+              <a:buChar char="●"/>
+            </a:pPr>
+            <a:r>
+              <a:rPr lang="en" sz="1600">
+                <a:solidFill>
+                  <a:srgbClr val="24292F"/>
+                </a:solidFill>
+                <a:highlight>
+                  <a:srgbClr val="FFFFFF"/>
+                </a:highlight>
+                <a:latin typeface="Roboto"/>
+                <a:ea typeface="Roboto"/>
+                <a:cs typeface="Roboto"/>
+                <a:sym typeface="Roboto"/>
+              </a:rPr>
+              <a:t>Due to the collection and variety of data, there were </a:t>
+            </a:r>
+            <a:r>
+              <a:rPr lang="en" sz="1600">
+                <a:solidFill>
+                  <a:srgbClr val="24292F"/>
+                </a:solidFill>
+                <a:highlight>
+                  <a:srgbClr val="FFFFFF"/>
+                </a:highlight>
+                <a:latin typeface="Roboto"/>
+                <a:ea typeface="Roboto"/>
+                <a:cs typeface="Roboto"/>
+                <a:sym typeface="Roboto"/>
+              </a:rPr>
+              <a:t>significant</a:t>
+            </a:r>
+            <a:r>
+              <a:rPr lang="en" sz="1600">
+                <a:solidFill>
+                  <a:srgbClr val="24292F"/>
+                </a:solidFill>
+                <a:highlight>
+                  <a:srgbClr val="FFFFFF"/>
+                </a:highlight>
+                <a:latin typeface="Roboto"/>
+                <a:ea typeface="Roboto"/>
+                <a:cs typeface="Roboto"/>
+                <a:sym typeface="Roboto"/>
+              </a:rPr>
+              <a:t> </a:t>
+            </a:r>
+            <a:r>
+              <a:rPr lang="en" sz="1600">
+                <a:solidFill>
+                  <a:srgbClr val="24292F"/>
+                </a:solidFill>
+                <a:highlight>
+                  <a:srgbClr val="FFFFFF"/>
+                </a:highlight>
+                <a:latin typeface="Roboto"/>
+                <a:ea typeface="Roboto"/>
+                <a:cs typeface="Roboto"/>
+                <a:sym typeface="Roboto"/>
+              </a:rPr>
+              <a:t>disparities</a:t>
+            </a:r>
+            <a:r>
+              <a:rPr lang="en" sz="1600">
+                <a:solidFill>
+                  <a:srgbClr val="24292F"/>
+                </a:solidFill>
+                <a:highlight>
+                  <a:srgbClr val="FFFFFF"/>
+                </a:highlight>
+                <a:latin typeface="Roboto"/>
+                <a:ea typeface="Roboto"/>
+                <a:cs typeface="Roboto"/>
+                <a:sym typeface="Roboto"/>
+              </a:rPr>
+              <a:t> in the data between both rows and columns</a:t>
+            </a:r>
+            <a:endParaRPr sz="1800">
+              <a:latin typeface="Roboto"/>
+              <a:ea typeface="Roboto"/>
+              <a:cs typeface="Roboto"/>
+              <a:sym typeface="Roboto"/>
+            </a:endParaRPr>
+          </a:p>
+        </p:txBody>
+      </p:sp>
+    </p:spTree>
+  </p:cSld>
+  <p:clrMapOvr>
+    <a:masterClrMapping/>
+  </p:clrMapOvr>
+</p:sld>
+</file>
+
+<file path=ppt/slides/slide8.xml><?xml version="1.0" encoding="utf-8"?>
+<p:sld xmlns:a="http://schemas.openxmlformats.org/drawingml/2006/main" xmlns:r="http://schemas.openxmlformats.org/officeDocument/2006/relationships" xmlns:mc="http://schemas.openxmlformats.org/markup-compatibility/2006" xmlns:mv="urn:schemas-microsoft-com:mac:vml" xmlns:p="http://schemas.openxmlformats.org/presentationml/2006/main" xmlns:c="http://schemas.openxmlformats.org/drawingml/2006/chart" xmlns:dgm="http://schemas.openxmlformats.org/drawingml/2006/diagram" xmlns:o="urn:schemas-microsoft-com:office:office" xmlns:v="urn:schemas-microsoft-com:vml" xmlns:pvml="urn:schemas-microsoft-com:office:powerpoint" xmlns:com="http://schemas.openxmlformats.org/drawingml/2006/compatibility" xmlns:p14="http://schemas.microsoft.com/office/powerpoint/2010/main" xmlns:p15="http://schemas.microsoft.com/office/powerpoint/2012/main" xmlns:ahyp="http://schemas.microsoft.com/office/drawing/2018/hyperlinkcolor">
+  <p:cSld>
+    <p:spTree>
+      <p:nvGrpSpPr>
+        <p:cNvPr id="183" name="Shape 183"/>
+        <p:cNvGrpSpPr/>
+        <p:nvPr/>
+      </p:nvGrpSpPr>
+      <p:grpSpPr>
+        <a:xfrm>
+          <a:off x="0" y="0"/>
+          <a:ext cx="0" cy="0"/>
+          <a:chOff x="0" y="0"/>
+          <a:chExt cx="0" cy="0"/>
+        </a:xfrm>
+      </p:grpSpPr>
+      <p:sp>
+        <p:nvSpPr>
+          <p:cNvPr id="184" name="Google Shape;184;p20"/>
+          <p:cNvSpPr txBox="1"/>
+          <p:nvPr>
+            <p:ph type="title"/>
+          </p:nvPr>
+        </p:nvSpPr>
+        <p:spPr>
+          <a:xfrm>
+            <a:off x="311700" y="410000"/>
+            <a:ext cx="8520600" cy="607800"/>
+          </a:xfrm>
+          <a:prstGeom prst="rect">
+            <a:avLst/>
+          </a:prstGeom>
+        </p:spPr>
+        <p:txBody>
+          <a:bodyPr anchorCtr="0" anchor="t" bIns="91425" lIns="91425" spcFirstLastPara="1" rIns="91425" wrap="square" tIns="91425">
+            <a:noAutofit/>
+          </a:bodyPr>
+          <a:lstStyle/>
+          <a:p>
+            <a:pPr indent="0" lvl="0" marL="0" rtl="0" algn="l">
+              <a:spcBef>
+                <a:spcPts val="0"/>
+              </a:spcBef>
+              <a:spcAft>
+                <a:spcPts val="0"/>
+              </a:spcAft>
+              <a:buNone/>
+            </a:pPr>
+            <a:r>
+              <a:rPr lang="en"/>
+              <a:t>Loading Data</a:t>
+            </a:r>
+            <a:endParaRPr/>
+          </a:p>
+        </p:txBody>
+      </p:sp>
+      <p:grpSp>
+        <p:nvGrpSpPr>
+          <p:cNvPr id="185" name="Google Shape;185;p20"/>
+          <p:cNvGrpSpPr/>
+          <p:nvPr/>
+        </p:nvGrpSpPr>
+        <p:grpSpPr>
+          <a:xfrm>
+            <a:off x="401725" y="1228664"/>
+            <a:ext cx="8430695" cy="3105712"/>
+            <a:chOff x="431925" y="1304875"/>
+            <a:chExt cx="2628923" cy="3525612"/>
+          </a:xfrm>
+        </p:grpSpPr>
+        <p:sp>
+          <p:nvSpPr>
+            <p:cNvPr id="186" name="Google Shape;186;p20"/>
+            <p:cNvSpPr txBox="1"/>
+            <p:nvPr/>
+          </p:nvSpPr>
+          <p:spPr>
+            <a:xfrm>
+              <a:off x="431925" y="1304875"/>
+              <a:ext cx="2628900" cy="464100"/>
+            </a:xfrm>
+            <a:prstGeom prst="rect">
+              <a:avLst/>
+            </a:prstGeom>
+            <a:solidFill>
+              <a:schemeClr val="dk1"/>
+            </a:solidFill>
+            <a:ln>
+              <a:noFill/>
+            </a:ln>
+          </p:spPr>
+          <p:txBody>
+            <a:bodyPr anchorCtr="0" anchor="ctr" bIns="91425" lIns="91425" spcFirstLastPara="1" rIns="91425" wrap="square" tIns="91425">
+              <a:noAutofit/>
+            </a:bodyPr>
+            <a:lstStyle/>
+            <a:p>
+              <a:pPr indent="0" lvl="0" marL="0" rtl="0" algn="l">
+                <a:spcBef>
+                  <a:spcPts val="0"/>
+                </a:spcBef>
+                <a:spcAft>
+                  <a:spcPts val="0"/>
+                </a:spcAft>
+                <a:buNone/>
+              </a:pPr>
+              <a:r>
+                <a:t/>
+              </a:r>
+              <a:endParaRPr/>
+            </a:p>
+          </p:txBody>
+        </p:sp>
+        <p:sp>
+          <p:nvSpPr>
+            <p:cNvPr id="187" name="Google Shape;187;p20"/>
+            <p:cNvSpPr/>
+            <p:nvPr/>
+          </p:nvSpPr>
+          <p:spPr>
+            <a:xfrm>
+              <a:off x="431948" y="1304887"/>
+              <a:ext cx="2628900" cy="3525600"/>
+            </a:xfrm>
+            <a:prstGeom prst="rect">
+              <a:avLst/>
+            </a:prstGeom>
+            <a:noFill/>
+            <a:ln cap="flat" cmpd="sng" w="9525">
+              <a:solidFill>
+                <a:schemeClr val="dk1"/>
+              </a:solidFill>
+              <a:prstDash val="solid"/>
+              <a:round/>
+              <a:headEnd len="sm" w="sm" type="none"/>
+              <a:tailEnd len="sm" w="sm" type="none"/>
+            </a:ln>
+          </p:spPr>
+          <p:txBody>
+            <a:bodyPr anchorCtr="0" anchor="ctr" bIns="91425" lIns="91425" spcFirstLastPara="1" rIns="91425" wrap="square" tIns="91425">
+              <a:noAutofit/>
+            </a:bodyPr>
+            <a:lstStyle/>
+            <a:p>
+              <a:pPr indent="-330200" lvl="0" marL="457200" rtl="0" algn="l">
+                <a:spcBef>
+                  <a:spcPts val="1000"/>
+                </a:spcBef>
+                <a:spcAft>
+                  <a:spcPts val="0"/>
+                </a:spcAft>
+                <a:buSzPts val="1600"/>
+                <a:buFont typeface="Roboto"/>
+                <a:buChar char="●"/>
+              </a:pPr>
+              <a:r>
+                <a:rPr lang="en" sz="1600">
+                  <a:latin typeface="Roboto"/>
+                  <a:ea typeface="Roboto"/>
+                  <a:cs typeface="Roboto"/>
+                  <a:sym typeface="Roboto"/>
+                </a:rPr>
+                <a:t>AWS used to </a:t>
+              </a:r>
+              <a:r>
+                <a:rPr lang="en" sz="1600">
+                  <a:latin typeface="Roboto"/>
+                  <a:ea typeface="Roboto"/>
+                  <a:cs typeface="Roboto"/>
+                  <a:sym typeface="Roboto"/>
+                </a:rPr>
+                <a:t>allow</a:t>
+              </a:r>
+              <a:r>
+                <a:rPr lang="en" sz="1600">
+                  <a:latin typeface="Roboto"/>
+                  <a:ea typeface="Roboto"/>
+                  <a:cs typeface="Roboto"/>
+                  <a:sym typeface="Roboto"/>
+                </a:rPr>
+                <a:t> cohesive access of data and database to all group members</a:t>
+              </a:r>
+              <a:endParaRPr sz="1600">
+                <a:latin typeface="Roboto"/>
+                <a:ea typeface="Roboto"/>
+                <a:cs typeface="Roboto"/>
+                <a:sym typeface="Roboto"/>
+              </a:endParaRPr>
+            </a:p>
+            <a:p>
+              <a:pPr indent="-330200" lvl="0" marL="457200" rtl="0" algn="l">
+                <a:spcBef>
+                  <a:spcPts val="1000"/>
+                </a:spcBef>
+                <a:spcAft>
+                  <a:spcPts val="0"/>
+                </a:spcAft>
+                <a:buSzPts val="1600"/>
+                <a:buFont typeface="Roboto"/>
+                <a:buChar char="●"/>
+              </a:pPr>
+              <a:r>
+                <a:rPr lang="en" sz="1600">
+                  <a:latin typeface="Roboto"/>
+                  <a:ea typeface="Roboto"/>
+                  <a:cs typeface="Roboto"/>
+                  <a:sym typeface="Roboto"/>
+                </a:rPr>
+                <a:t>CSV file from [DATE] uploaded into S3 bucket to be accessed with PySpark</a:t>
+              </a:r>
+              <a:endParaRPr sz="1600">
+                <a:latin typeface="Roboto"/>
+                <a:ea typeface="Roboto"/>
+                <a:cs typeface="Roboto"/>
+                <a:sym typeface="Roboto"/>
+              </a:endParaRPr>
+            </a:p>
+            <a:p>
+              <a:pPr indent="-330200" lvl="0" marL="457200" rtl="0" algn="l">
+                <a:spcBef>
+                  <a:spcPts val="1000"/>
+                </a:spcBef>
+                <a:spcAft>
+                  <a:spcPts val="0"/>
+                </a:spcAft>
+                <a:buSzPts val="1600"/>
+                <a:buFont typeface="Roboto"/>
+                <a:buChar char="●"/>
+              </a:pPr>
+              <a:r>
+                <a:rPr lang="en" sz="1600">
+                  <a:latin typeface="Roboto"/>
+                  <a:ea typeface="Roboto"/>
+                  <a:cs typeface="Roboto"/>
+                  <a:sym typeface="Roboto"/>
+                </a:rPr>
+                <a:t>RDS </a:t>
+              </a:r>
+              <a:r>
+                <a:rPr lang="en" sz="1600">
+                  <a:latin typeface="Roboto"/>
+                  <a:ea typeface="Roboto"/>
+                  <a:cs typeface="Roboto"/>
+                  <a:sym typeface="Roboto"/>
+                </a:rPr>
+                <a:t>instance</a:t>
+              </a:r>
+              <a:r>
+                <a:rPr lang="en" sz="1600">
+                  <a:latin typeface="Roboto"/>
+                  <a:ea typeface="Roboto"/>
+                  <a:cs typeface="Roboto"/>
+                  <a:sym typeface="Roboto"/>
+                </a:rPr>
+                <a:t> created to connect to Postgres within local PgAdmin</a:t>
+              </a:r>
+              <a:endParaRPr sz="1600">
+                <a:latin typeface="Roboto"/>
+                <a:ea typeface="Roboto"/>
+                <a:cs typeface="Roboto"/>
+                <a:sym typeface="Roboto"/>
+              </a:endParaRPr>
+            </a:p>
+            <a:p>
+              <a:pPr indent="-330200" lvl="0" marL="457200" rtl="0" algn="l">
+                <a:spcBef>
+                  <a:spcPts val="1000"/>
+                </a:spcBef>
+                <a:spcAft>
+                  <a:spcPts val="0"/>
+                </a:spcAft>
+                <a:buSzPts val="1600"/>
+                <a:buFont typeface="Roboto"/>
+                <a:buChar char="●"/>
+              </a:pPr>
+              <a:r>
+                <a:rPr lang="en" sz="1600">
+                  <a:latin typeface="Roboto"/>
+                  <a:ea typeface="Roboto"/>
+                  <a:cs typeface="Roboto"/>
+                  <a:sym typeface="Roboto"/>
+                </a:rPr>
+                <a:t>Google Colab notebook created to start PySpark session and load data from CSV to a dataframe</a:t>
+              </a:r>
+              <a:endParaRPr sz="1600">
+                <a:latin typeface="Roboto"/>
+                <a:ea typeface="Roboto"/>
+                <a:cs typeface="Roboto"/>
+                <a:sym typeface="Roboto"/>
+              </a:endParaRPr>
+            </a:p>
+            <a:p>
+              <a:pPr indent="-330200" lvl="0" marL="457200" rtl="0" algn="l">
+                <a:spcBef>
+                  <a:spcPts val="1000"/>
+                </a:spcBef>
+                <a:spcAft>
+                  <a:spcPts val="1000"/>
+                </a:spcAft>
+                <a:buSzPts val="1600"/>
+                <a:buFont typeface="Roboto"/>
+                <a:buChar char="●"/>
+              </a:pPr>
+              <a:r>
+                <a:rPr lang="en" sz="1600">
+                  <a:latin typeface="Roboto"/>
+                  <a:ea typeface="Roboto"/>
+                  <a:cs typeface="Roboto"/>
+                  <a:sym typeface="Roboto"/>
+                </a:rPr>
+                <a:t>An id_row was created to be the index for each row of data</a:t>
+              </a:r>
+              <a:endParaRPr sz="1600">
+                <a:latin typeface="Roboto"/>
+                <a:ea typeface="Roboto"/>
+                <a:cs typeface="Roboto"/>
+                <a:sym typeface="Roboto"/>
+              </a:endParaRPr>
+            </a:p>
+          </p:txBody>
+        </p:sp>
+      </p:grpSp>
+    </p:spTree>
+  </p:cSld>
+  <p:clrMapOvr>
+    <a:masterClrMapping/>
+  </p:clrMapOvr>
+</p:sld>
+</file>
+
+<file path=ppt/slides/slide9.xml><?xml version="1.0" encoding="utf-8"?>
+<p:sld xmlns:a="http://schemas.openxmlformats.org/drawingml/2006/main" xmlns:r="http://schemas.openxmlformats.org/officeDocument/2006/relationships" xmlns:mc="http://schemas.openxmlformats.org/markup-compatibility/2006" xmlns:mv="urn:schemas-microsoft-com:mac:vml" xmlns:p="http://schemas.openxmlformats.org/presentationml/2006/main" xmlns:c="http://schemas.openxmlformats.org/drawingml/2006/chart" xmlns:dgm="http://schemas.openxmlformats.org/drawingml/2006/diagram" xmlns:o="urn:schemas-microsoft-com:office:office" xmlns:v="urn:schemas-microsoft-com:vml" xmlns:pvml="urn:schemas-microsoft-com:office:powerpoint" xmlns:com="http://schemas.openxmlformats.org/drawingml/2006/compatibility" xmlns:p14="http://schemas.microsoft.com/office/powerpoint/2010/main" xmlns:p15="http://schemas.microsoft.com/office/powerpoint/2012/main" xmlns:ahyp="http://schemas.microsoft.com/office/drawing/2018/hyperlinkcolor">
+  <p:cSld>
+    <p:spTree>
+      <p:nvGrpSpPr>
+        <p:cNvPr id="191" name="Shape 191"/>
+        <p:cNvGrpSpPr/>
+        <p:nvPr/>
+      </p:nvGrpSpPr>
+      <p:grpSpPr>
+        <a:xfrm>
+          <a:off x="0" y="0"/>
+          <a:ext cx="0" cy="0"/>
+          <a:chOff x="0" y="0"/>
+          <a:chExt cx="0" cy="0"/>
+        </a:xfrm>
+      </p:grpSpPr>
+      <p:sp>
+        <p:nvSpPr>
+          <p:cNvPr id="192" name="Google Shape;192;p21"/>
+          <p:cNvSpPr txBox="1"/>
+          <p:nvPr>
+            <p:ph type="title"/>
+          </p:nvPr>
+        </p:nvSpPr>
+        <p:spPr>
+          <a:xfrm>
+            <a:off x="311700" y="410000"/>
+            <a:ext cx="8520600" cy="607800"/>
+          </a:xfrm>
+          <a:prstGeom prst="rect">
+            <a:avLst/>
+          </a:prstGeom>
+        </p:spPr>
+        <p:txBody>
+          <a:bodyPr anchorCtr="0" anchor="t" bIns="91425" lIns="91425" spcFirstLastPara="1" rIns="91425" wrap="square" tIns="91425">
+            <a:noAutofit/>
+          </a:bodyPr>
+          <a:lstStyle/>
+          <a:p>
+            <a:pPr indent="0" lvl="0" marL="0" rtl="0" algn="l">
+              <a:spcBef>
+                <a:spcPts val="0"/>
+              </a:spcBef>
+              <a:spcAft>
+                <a:spcPts val="0"/>
+              </a:spcAft>
+              <a:buNone/>
+            </a:pPr>
+            <a:r>
+              <a:rPr lang="en"/>
+              <a:t>Loading Data (cont.)</a:t>
+            </a:r>
+            <a:endParaRPr/>
+          </a:p>
+        </p:txBody>
+      </p:sp>
+      <p:grpSp>
+        <p:nvGrpSpPr>
+          <p:cNvPr id="193" name="Google Shape;193;p21"/>
+          <p:cNvGrpSpPr/>
+          <p:nvPr/>
+        </p:nvGrpSpPr>
+        <p:grpSpPr>
+          <a:xfrm>
+            <a:off x="401725" y="1228664"/>
+            <a:ext cx="8430700" cy="3009507"/>
+            <a:chOff x="431925" y="1304875"/>
+            <a:chExt cx="2628925" cy="3416400"/>
+          </a:xfrm>
+        </p:grpSpPr>
+        <p:sp>
+          <p:nvSpPr>
+            <p:cNvPr id="194" name="Google Shape;194;p21"/>
+            <p:cNvSpPr txBox="1"/>
+            <p:nvPr/>
+          </p:nvSpPr>
+          <p:spPr>
+            <a:xfrm>
+              <a:off x="431925" y="1304875"/>
+              <a:ext cx="2628900" cy="464100"/>
+            </a:xfrm>
+            <a:prstGeom prst="rect">
+              <a:avLst/>
+            </a:prstGeom>
+            <a:solidFill>
+              <a:schemeClr val="dk1"/>
+            </a:solidFill>
+            <a:ln>
+              <a:noFill/>
+            </a:ln>
+          </p:spPr>
+          <p:txBody>
+            <a:bodyPr anchorCtr="0" anchor="ctr" bIns="91425" lIns="91425" spcFirstLastPara="1" rIns="91425" wrap="square" tIns="91425">
+              <a:noAutofit/>
+            </a:bodyPr>
+            <a:lstStyle/>
+            <a:p>
+              <a:pPr indent="0" lvl="0" marL="0" rtl="0" algn="l">
+                <a:spcBef>
+                  <a:spcPts val="0"/>
+                </a:spcBef>
+                <a:spcAft>
+                  <a:spcPts val="0"/>
+                </a:spcAft>
+                <a:buNone/>
+              </a:pPr>
+              <a:r>
+                <a:t/>
+              </a:r>
+              <a:endParaRPr/>
+            </a:p>
+          </p:txBody>
+        </p:sp>
+        <p:sp>
+          <p:nvSpPr>
+            <p:cNvPr id="195" name="Google Shape;195;p21"/>
+            <p:cNvSpPr/>
+            <p:nvPr/>
+          </p:nvSpPr>
+          <p:spPr>
+            <a:xfrm>
+              <a:off x="431950" y="1304875"/>
+              <a:ext cx="2628900" cy="3416400"/>
+            </a:xfrm>
+            <a:prstGeom prst="rect">
+              <a:avLst/>
+            </a:prstGeom>
+            <a:noFill/>
+            <a:ln cap="flat" cmpd="sng" w="9525">
+              <a:solidFill>
+                <a:schemeClr val="dk1"/>
+              </a:solidFill>
+              <a:prstDash val="solid"/>
+              <a:round/>
+              <a:headEnd len="sm" w="sm" type="none"/>
+              <a:tailEnd len="sm" w="sm" type="none"/>
+            </a:ln>
+          </p:spPr>
+          <p:txBody>
+            <a:bodyPr anchorCtr="0" anchor="ctr" bIns="91425" lIns="91425" spcFirstLastPara="1" rIns="91425" wrap="square" tIns="91425">
+              <a:noAutofit/>
+            </a:bodyPr>
+            <a:lstStyle/>
+            <a:p>
+              <a:pPr indent="0" lvl="0" marL="0" rtl="0" algn="l">
+                <a:spcBef>
+                  <a:spcPts val="0"/>
+                </a:spcBef>
+                <a:spcAft>
+                  <a:spcPts val="0"/>
+                </a:spcAft>
+                <a:buNone/>
+              </a:pPr>
+              <a:r>
+                <a:t/>
+              </a:r>
+              <a:endParaRPr sz="1600">
+                <a:latin typeface="Roboto"/>
+                <a:ea typeface="Roboto"/>
+                <a:cs typeface="Roboto"/>
+                <a:sym typeface="Roboto"/>
+              </a:endParaRPr>
+            </a:p>
+            <a:p>
+              <a:pPr indent="-330200" lvl="0" marL="457200" rtl="0" algn="l">
+                <a:spcBef>
+                  <a:spcPts val="1000"/>
+                </a:spcBef>
+                <a:spcAft>
+                  <a:spcPts val="0"/>
+                </a:spcAft>
+                <a:buSzPts val="1600"/>
+                <a:buFont typeface="Roboto"/>
+                <a:buChar char="●"/>
+              </a:pPr>
+              <a:r>
+                <a:rPr lang="en" sz="1600">
+                  <a:latin typeface="Roboto"/>
+                  <a:ea typeface="Roboto"/>
+                  <a:cs typeface="Roboto"/>
+                  <a:sym typeface="Roboto"/>
+                </a:rPr>
+                <a:t>Data types were changed to match PySpark schema and schema in the database</a:t>
+              </a:r>
+              <a:endParaRPr sz="1600">
+                <a:latin typeface="Roboto"/>
+                <a:ea typeface="Roboto"/>
+                <a:cs typeface="Roboto"/>
+                <a:sym typeface="Roboto"/>
+              </a:endParaRPr>
+            </a:p>
+            <a:p>
+              <a:pPr indent="-330200" lvl="0" marL="457200" rtl="0" algn="l">
+                <a:spcBef>
+                  <a:spcPts val="1000"/>
+                </a:spcBef>
+                <a:spcAft>
+                  <a:spcPts val="0"/>
+                </a:spcAft>
+                <a:buSzPts val="1600"/>
+                <a:buFont typeface="Roboto"/>
+                <a:buChar char="●"/>
+              </a:pPr>
+              <a:r>
+                <a:rPr lang="en" sz="1600">
+                  <a:latin typeface="Roboto"/>
+                  <a:ea typeface="Roboto"/>
+                  <a:cs typeface="Roboto"/>
+                  <a:sym typeface="Roboto"/>
+                </a:rPr>
+                <a:t>Two dataframes were created; one to hold case specific data (number of cases, deaths, hospitalizations etc.) and one to hold demographic information (population, age, poverty, GDP)</a:t>
+              </a:r>
+              <a:endParaRPr sz="1600">
+                <a:latin typeface="Roboto"/>
+                <a:ea typeface="Roboto"/>
+                <a:cs typeface="Roboto"/>
+                <a:sym typeface="Roboto"/>
+              </a:endParaRPr>
+            </a:p>
+            <a:p>
+              <a:pPr indent="-330200" lvl="0" marL="457200" rtl="0" algn="l">
+                <a:spcBef>
+                  <a:spcPts val="1000"/>
+                </a:spcBef>
+                <a:spcAft>
+                  <a:spcPts val="0"/>
+                </a:spcAft>
+                <a:buSzPts val="1600"/>
+                <a:buFont typeface="Roboto"/>
+                <a:buChar char="●"/>
+              </a:pPr>
+              <a:r>
+                <a:rPr lang="en" sz="1600">
+                  <a:latin typeface="Roboto"/>
+                  <a:ea typeface="Roboto"/>
+                  <a:cs typeface="Roboto"/>
+                  <a:sym typeface="Roboto"/>
+                </a:rPr>
+                <a:t>Tables created in RDS instance to match data types and columns of the two separate dataframes</a:t>
+              </a:r>
+              <a:endParaRPr sz="1600">
+                <a:latin typeface="Roboto"/>
+                <a:ea typeface="Roboto"/>
+                <a:cs typeface="Roboto"/>
+                <a:sym typeface="Roboto"/>
+              </a:endParaRPr>
+            </a:p>
+            <a:p>
+              <a:pPr indent="-330200" lvl="0" marL="457200" rtl="0" algn="l">
+                <a:spcBef>
+                  <a:spcPts val="1000"/>
+                </a:spcBef>
+                <a:spcAft>
+                  <a:spcPts val="1000"/>
+                </a:spcAft>
+                <a:buSzPts val="1600"/>
+                <a:buFont typeface="Roboto"/>
+                <a:buChar char="●"/>
+              </a:pPr>
+              <a:r>
+                <a:rPr lang="en" sz="1600">
+                  <a:latin typeface="Roboto"/>
+                  <a:ea typeface="Roboto"/>
+                  <a:cs typeface="Roboto"/>
+                  <a:sym typeface="Roboto"/>
+                </a:rPr>
+                <a:t>Data loaded from PySpark dataframes to Postgres</a:t>
+              </a:r>
+              <a:endParaRPr sz="1600">
+                <a:latin typeface="Roboto"/>
+                <a:ea typeface="Roboto"/>
+                <a:cs typeface="Roboto"/>
+                <a:sym typeface="Roboto"/>
+              </a:endParaRPr>
+            </a:p>
+          </p:txBody>
+        </p:sp>
+      </p:grpSp>
     </p:spTree>
   </p:cSld>
   <p:clrMapOvr>
@@ -17184,6 +17693,285 @@
 </file>
 
 <file path=ppt/theme/theme1.xml><?xml version="1.0" encoding="utf-8"?>
+<a:theme xmlns:a="http://schemas.openxmlformats.org/drawingml/2006/main" xmlns:r="http://schemas.openxmlformats.org/officeDocument/2006/relationships" name="Geometric">
+  <a:themeElements>
+    <a:clrScheme name="Geometric">
+      <a:dk1>
+        <a:srgbClr val="2A3990"/>
+      </a:dk1>
+      <a:lt1>
+        <a:srgbClr val="FFFFFF"/>
+      </a:lt1>
+      <a:dk2>
+        <a:srgbClr val="434343"/>
+      </a:dk2>
+      <a:lt2>
+        <a:srgbClr val="999999"/>
+      </a:lt2>
+      <a:accent1>
+        <a:srgbClr val="212D74"/>
+      </a:accent1>
+      <a:accent2>
+        <a:srgbClr val="3949AB"/>
+      </a:accent2>
+      <a:accent3>
+        <a:srgbClr val="9C254D"/>
+      </a:accent3>
+      <a:accent4>
+        <a:srgbClr val="D23369"/>
+      </a:accent4>
+      <a:accent5>
+        <a:srgbClr val="F06292"/>
+      </a:accent5>
+      <a:accent6>
+        <a:srgbClr val="7890CD"/>
+      </a:accent6>
+      <a:hlink>
+        <a:srgbClr val="F06292"/>
+      </a:hlink>
+      <a:folHlink>
+        <a:srgbClr val="F06292"/>
+      </a:folHlink>
+    </a:clrScheme>
+    <a:fontScheme name="Office">
+      <a:majorFont>
+        <a:latin typeface="Arial"/>
+        <a:ea typeface=""/>
+        <a:cs typeface=""/>
+        <a:font script="Jpan" typeface="ＭＳ Ｐゴシック"/>
+        <a:font script="Hang" typeface="맑은 고딕"/>
+        <a:font script="Hans" typeface="宋体"/>
+        <a:font script="Hant" typeface="新細明體"/>
+        <a:font script="Arab" typeface="Times New Roman"/>
+        <a:font script="Hebr" typeface="Times New Roman"/>
+        <a:font script="Thai" typeface="Angsana New"/>
+        <a:font script="Ethi" typeface="Nyala"/>
+        <a:font script="Beng" typeface="Vrinda"/>
+        <a:font script="Gujr" typeface="Shruti"/>
+        <a:font script="Khmr" typeface="MoolBoran"/>
+        <a:font script="Knda" typeface="Tunga"/>
+        <a:font script="Guru" typeface="Raavi"/>
+        <a:font script="Cans" typeface="Euphemia"/>
+        <a:font script="Cher" typeface="Plantagenet Cherokee"/>
+        <a:font script="Yiii" typeface="Microsoft Yi Baiti"/>
+        <a:font script="Tibt" typeface="Microsoft Himalaya"/>
+        <a:font script="Thaa" typeface="MV Boli"/>
+        <a:font script="Deva" typeface="Mangal"/>
+        <a:font script="Telu" typeface="Gautami"/>
+        <a:font script="Taml" typeface="Latha"/>
+        <a:font script="Syrc" typeface="Estrangelo Edessa"/>
+        <a:font script="Orya" typeface="Kalinga"/>
+        <a:font script="Mlym" typeface="Kartika"/>
+        <a:font script="Laoo" typeface="DokChampa"/>
+        <a:font script="Sinh" typeface="Iskoola Pota"/>
+        <a:font script="Mong" typeface="Mongolian Baiti"/>
+        <a:font script="Viet" typeface="Times New Roman"/>
+        <a:font script="Uigh" typeface="Microsoft Uighur"/>
+        <a:font script="Geor" typeface="Sylfaen"/>
+      </a:majorFont>
+      <a:minorFont>
+        <a:latin typeface="Arial"/>
+        <a:ea typeface=""/>
+        <a:cs typeface=""/>
+        <a:font script="Jpan" typeface="ＭＳ Ｐゴシック"/>
+        <a:font script="Hang" typeface="맑은 고딕"/>
+        <a:font script="Hans" typeface="宋体"/>
+        <a:font script="Hant" typeface="新細明體"/>
+        <a:font script="Arab" typeface="Arial"/>
+        <a:font script="Hebr" typeface="Arial"/>
+        <a:font script="Thai" typeface="Cordia New"/>
+        <a:font script="Ethi" typeface="Nyala"/>
+        <a:font script="Beng" typeface="Vrinda"/>
+        <a:font script="Gujr" typeface="Shruti"/>
+        <a:font script="Khmr" typeface="DaunPenh"/>
+        <a:font script="Knda" typeface="Tunga"/>
+        <a:font script="Guru" typeface="Raavi"/>
+        <a:font script="Cans" typeface="Euphemia"/>
+        <a:font script="Cher" typeface="Plantagenet Cherokee"/>
+        <a:font script="Yiii" typeface="Microsoft Yi Baiti"/>
+        <a:font script="Tibt" typeface="Microsoft Himalaya"/>
+        <a:font script="Thaa" typeface="MV Boli"/>
+        <a:font script="Deva" typeface="Mangal"/>
+        <a:font script="Telu" typeface="Gautami"/>
+        <a:font script="Taml" typeface="Latha"/>
+        <a:font script="Syrc" typeface="Estrangelo Edessa"/>
+        <a:font script="Orya" typeface="Kalinga"/>
+        <a:font script="Mlym" typeface="Kartika"/>
+        <a:font script="Laoo" typeface="DokChampa"/>
+        <a:font script="Sinh" typeface="Iskoola Pota"/>
+        <a:font script="Mong" typeface="Mongolian Baiti"/>
+        <a:font script="Viet" typeface="Arial"/>
+        <a:font script="Uigh" typeface="Microsoft Uighur"/>
+        <a:font script="Geor" typeface="Sylfaen"/>
+      </a:minorFont>
+    </a:fontScheme>
+    <a:fmtScheme name="Office">
+      <a:fillStyleLst>
+        <a:solidFill>
+          <a:schemeClr val="phClr"/>
+        </a:solidFill>
+        <a:gradFill rotWithShape="1">
+          <a:gsLst>
+            <a:gs pos="0">
+              <a:schemeClr val="phClr">
+                <a:tint val="50000"/>
+                <a:satMod val="300000"/>
+              </a:schemeClr>
+            </a:gs>
+            <a:gs pos="35000">
+              <a:schemeClr val="phClr">
+                <a:tint val="37000"/>
+                <a:satMod val="300000"/>
+              </a:schemeClr>
+            </a:gs>
+            <a:gs pos="100000">
+              <a:schemeClr val="phClr">
+                <a:tint val="15000"/>
+                <a:satMod val="350000"/>
+              </a:schemeClr>
+            </a:gs>
+          </a:gsLst>
+          <a:lin ang="16200000" scaled="1"/>
+        </a:gradFill>
+        <a:gradFill rotWithShape="1">
+          <a:gsLst>
+            <a:gs pos="0">
+              <a:schemeClr val="phClr">
+                <a:tint val="100000"/>
+                <a:shade val="100000"/>
+                <a:satMod val="130000"/>
+              </a:schemeClr>
+            </a:gs>
+            <a:gs pos="100000">
+              <a:schemeClr val="phClr">
+                <a:tint val="50000"/>
+                <a:shade val="100000"/>
+                <a:satMod val="350000"/>
+              </a:schemeClr>
+            </a:gs>
+          </a:gsLst>
+          <a:lin ang="16200000" scaled="0"/>
+        </a:gradFill>
+      </a:fillStyleLst>
+      <a:lnStyleLst>
+        <a:ln w="9525" cap="flat" cmpd="sng" algn="ctr">
+          <a:solidFill>
+            <a:schemeClr val="phClr">
+              <a:shade val="95000"/>
+              <a:satMod val="105000"/>
+            </a:schemeClr>
+          </a:solidFill>
+          <a:prstDash val="solid"/>
+        </a:ln>
+        <a:ln w="25400" cap="flat" cmpd="sng" algn="ctr">
+          <a:solidFill>
+            <a:schemeClr val="phClr"/>
+          </a:solidFill>
+          <a:prstDash val="solid"/>
+        </a:ln>
+        <a:ln w="38100" cap="flat" cmpd="sng" algn="ctr">
+          <a:solidFill>
+            <a:schemeClr val="phClr"/>
+          </a:solidFill>
+          <a:prstDash val="solid"/>
+        </a:ln>
+      </a:lnStyleLst>
+      <a:effectStyleLst>
+        <a:effectStyle>
+          <a:effectLst>
+            <a:outerShdw blurRad="40000" dist="20000" dir="5400000" rotWithShape="0">
+              <a:srgbClr val="000000">
+                <a:alpha val="38000"/>
+              </a:srgbClr>
+            </a:outerShdw>
+          </a:effectLst>
+        </a:effectStyle>
+        <a:effectStyle>
+          <a:effectLst>
+            <a:outerShdw blurRad="40000" dist="23000" dir="5400000" rotWithShape="0">
+              <a:srgbClr val="000000">
+                <a:alpha val="35000"/>
+              </a:srgbClr>
+            </a:outerShdw>
+          </a:effectLst>
+        </a:effectStyle>
+        <a:effectStyle>
+          <a:effectLst>
+            <a:outerShdw blurRad="40000" dist="23000" dir="5400000" rotWithShape="0">
+              <a:srgbClr val="000000">
+                <a:alpha val="35000"/>
+              </a:srgbClr>
+            </a:outerShdw>
+          </a:effectLst>
+          <a:scene3d>
+            <a:camera prst="orthographicFront">
+              <a:rot lat="0" lon="0" rev="0"/>
+            </a:camera>
+            <a:lightRig rig="threePt" dir="t">
+              <a:rot lat="0" lon="0" rev="1200000"/>
+            </a:lightRig>
+          </a:scene3d>
+          <a:sp3d>
+            <a:bevelT w="63500" h="25400"/>
+          </a:sp3d>
+        </a:effectStyle>
+      </a:effectStyleLst>
+      <a:bgFillStyleLst>
+        <a:solidFill>
+          <a:schemeClr val="phClr"/>
+        </a:solidFill>
+        <a:gradFill rotWithShape="1">
+          <a:gsLst>
+            <a:gs pos="0">
+              <a:schemeClr val="phClr">
+                <a:tint val="40000"/>
+                <a:satMod val="350000"/>
+              </a:schemeClr>
+            </a:gs>
+            <a:gs pos="40000">
+              <a:schemeClr val="phClr">
+                <a:tint val="45000"/>
+                <a:shade val="99000"/>
+                <a:satMod val="350000"/>
+              </a:schemeClr>
+            </a:gs>
+            <a:gs pos="100000">
+              <a:schemeClr val="phClr">
+                <a:shade val="20000"/>
+                <a:satMod val="255000"/>
+              </a:schemeClr>
+            </a:gs>
+          </a:gsLst>
+          <a:path path="circle">
+            <a:fillToRect l="50000" t="-80000" r="50000" b="180000"/>
+          </a:path>
+        </a:gradFill>
+        <a:gradFill rotWithShape="1">
+          <a:gsLst>
+            <a:gs pos="0">
+              <a:schemeClr val="phClr">
+                <a:tint val="80000"/>
+                <a:satMod val="300000"/>
+              </a:schemeClr>
+            </a:gs>
+            <a:gs pos="100000">
+              <a:schemeClr val="phClr">
+                <a:shade val="30000"/>
+                <a:satMod val="200000"/>
+              </a:schemeClr>
+            </a:gs>
+          </a:gsLst>
+          <a:path path="circle">
+            <a:fillToRect l="50000" t="50000" r="50000" b="50000"/>
+          </a:path>
+        </a:gradFill>
+      </a:bgFillStyleLst>
+    </a:fmtScheme>
+  </a:themeElements>
+</a:theme>
+</file>
+
+<file path=ppt/theme/theme2.xml><?xml version="1.0" encoding="utf-8"?>
 <a:theme xmlns:a="http://schemas.openxmlformats.org/drawingml/2006/main" xmlns:r="http://schemas.openxmlformats.org/officeDocument/2006/relationships">
   <a:themeElements>
     <a:clrScheme name="Default">
@@ -17460,283 +18248,4 @@
     </a:fmtScheme>
   </a:themeElements>
 </a:theme>
-</file>
-
-<file path=ppt/theme/theme2.xml><?xml version="1.0" encoding="utf-8"?>
-<a:theme xmlns:a="http://schemas.openxmlformats.org/drawingml/2006/main" xmlns:r="http://schemas.openxmlformats.org/officeDocument/2006/relationships" name="Geometric">
-  <a:themeElements>
-    <a:clrScheme name="Geometric">
-      <a:dk1>
-        <a:srgbClr val="2A3990"/>
-      </a:dk1>
-      <a:lt1>
-        <a:srgbClr val="FFFFFF"/>
-      </a:lt1>
-      <a:dk2>
-        <a:srgbClr val="434343"/>
-      </a:dk2>
-      <a:lt2>
-        <a:srgbClr val="999999"/>
-      </a:lt2>
-      <a:accent1>
-        <a:srgbClr val="212D74"/>
-      </a:accent1>
-      <a:accent2>
-        <a:srgbClr val="3949AB"/>
-      </a:accent2>
-      <a:accent3>
-        <a:srgbClr val="9C254D"/>
-      </a:accent3>
-      <a:accent4>
-        <a:srgbClr val="D23369"/>
-      </a:accent4>
-      <a:accent5>
-        <a:srgbClr val="F06292"/>
-      </a:accent5>
-      <a:accent6>
-        <a:srgbClr val="7890CD"/>
-      </a:accent6>
-      <a:hlink>
-        <a:srgbClr val="F06292"/>
-      </a:hlink>
-      <a:folHlink>
-        <a:srgbClr val="F06292"/>
-      </a:folHlink>
-    </a:clrScheme>
-    <a:fontScheme name="Office">
-      <a:majorFont>
-        <a:latin typeface="Arial"/>
-        <a:ea typeface=""/>
-        <a:cs typeface=""/>
-        <a:font script="Jpan" typeface="ＭＳ Ｐゴシック"/>
-        <a:font script="Hang" typeface="맑은 고딕"/>
-        <a:font script="Hans" typeface="宋体"/>
-        <a:font script="Hant" typeface="新細明體"/>
-        <a:font script="Arab" typeface="Times New Roman"/>
-        <a:font script="Hebr" typeface="Times New Roman"/>
-        <a:font script="Thai" typeface="Angsana New"/>
-        <a:font script="Ethi" typeface="Nyala"/>
-        <a:font script="Beng" typeface="Vrinda"/>
-        <a:font script="Gujr" typeface="Shruti"/>
-        <a:font script="Khmr" typeface="MoolBoran"/>
-        <a:font script="Knda" typeface="Tunga"/>
-        <a:font script="Guru" typeface="Raavi"/>
-        <a:font script="Cans" typeface="Euphemia"/>
-        <a:font script="Cher" typeface="Plantagenet Cherokee"/>
-        <a:font script="Yiii" typeface="Microsoft Yi Baiti"/>
-        <a:font script="Tibt" typeface="Microsoft Himalaya"/>
-        <a:font script="Thaa" typeface="MV Boli"/>
-        <a:font script="Deva" typeface="Mangal"/>
-        <a:font script="Telu" typeface="Gautami"/>
-        <a:font script="Taml" typeface="Latha"/>
-        <a:font script="Syrc" typeface="Estrangelo Edessa"/>
-        <a:font script="Orya" typeface="Kalinga"/>
-        <a:font script="Mlym" typeface="Kartika"/>
-        <a:font script="Laoo" typeface="DokChampa"/>
-        <a:font script="Sinh" typeface="Iskoola Pota"/>
-        <a:font script="Mong" typeface="Mongolian Baiti"/>
-        <a:font script="Viet" typeface="Times New Roman"/>
-        <a:font script="Uigh" typeface="Microsoft Uighur"/>
-        <a:font script="Geor" typeface="Sylfaen"/>
-      </a:majorFont>
-      <a:minorFont>
-        <a:latin typeface="Arial"/>
-        <a:ea typeface=""/>
-        <a:cs typeface=""/>
-        <a:font script="Jpan" typeface="ＭＳ Ｐゴシック"/>
-        <a:font script="Hang" typeface="맑은 고딕"/>
-        <a:font script="Hans" typeface="宋体"/>
-        <a:font script="Hant" typeface="新細明體"/>
-        <a:font script="Arab" typeface="Arial"/>
-        <a:font script="Hebr" typeface="Arial"/>
-        <a:font script="Thai" typeface="Cordia New"/>
-        <a:font script="Ethi" typeface="Nyala"/>
-        <a:font script="Beng" typeface="Vrinda"/>
-        <a:font script="Gujr" typeface="Shruti"/>
-        <a:font script="Khmr" typeface="DaunPenh"/>
-        <a:font script="Knda" typeface="Tunga"/>
-        <a:font script="Guru" typeface="Raavi"/>
-        <a:font script="Cans" typeface="Euphemia"/>
-        <a:font script="Cher" typeface="Plantagenet Cherokee"/>
-        <a:font script="Yiii" typeface="Microsoft Yi Baiti"/>
-        <a:font script="Tibt" typeface="Microsoft Himalaya"/>
-        <a:font script="Thaa" typeface="MV Boli"/>
-        <a:font script="Deva" typeface="Mangal"/>
-        <a:font script="Telu" typeface="Gautami"/>
-        <a:font script="Taml" typeface="Latha"/>
-        <a:font script="Syrc" typeface="Estrangelo Edessa"/>
-        <a:font script="Orya" typeface="Kalinga"/>
-        <a:font script="Mlym" typeface="Kartika"/>
-        <a:font script="Laoo" typeface="DokChampa"/>
-        <a:font script="Sinh" typeface="Iskoola Pota"/>
-        <a:font script="Mong" typeface="Mongolian Baiti"/>
-        <a:font script="Viet" typeface="Arial"/>
-        <a:font script="Uigh" typeface="Microsoft Uighur"/>
-        <a:font script="Geor" typeface="Sylfaen"/>
-      </a:minorFont>
-    </a:fontScheme>
-    <a:fmtScheme name="Office">
-      <a:fillStyleLst>
-        <a:solidFill>
-          <a:schemeClr val="phClr"/>
-        </a:solidFill>
-        <a:gradFill rotWithShape="1">
-          <a:gsLst>
-            <a:gs pos="0">
-              <a:schemeClr val="phClr">
-                <a:tint val="50000"/>
-                <a:satMod val="300000"/>
-              </a:schemeClr>
-            </a:gs>
-            <a:gs pos="35000">
-              <a:schemeClr val="phClr">
-                <a:tint val="37000"/>
-                <a:satMod val="300000"/>
-              </a:schemeClr>
-            </a:gs>
-            <a:gs pos="100000">
-              <a:schemeClr val="phClr">
-                <a:tint val="15000"/>
-                <a:satMod val="350000"/>
-              </a:schemeClr>
-            </a:gs>
-          </a:gsLst>
-          <a:lin ang="16200000" scaled="1"/>
-        </a:gradFill>
-        <a:gradFill rotWithShape="1">
-          <a:gsLst>
-            <a:gs pos="0">
-              <a:schemeClr val="phClr">
-                <a:tint val="100000"/>
-                <a:shade val="100000"/>
-                <a:satMod val="130000"/>
-              </a:schemeClr>
-            </a:gs>
-            <a:gs pos="100000">
-              <a:schemeClr val="phClr">
-                <a:tint val="50000"/>
-                <a:shade val="100000"/>
-                <a:satMod val="350000"/>
-              </a:schemeClr>
-            </a:gs>
-          </a:gsLst>
-          <a:lin ang="16200000" scaled="0"/>
-        </a:gradFill>
-      </a:fillStyleLst>
-      <a:lnStyleLst>
-        <a:ln w="9525" cap="flat" cmpd="sng" algn="ctr">
-          <a:solidFill>
-            <a:schemeClr val="phClr">
-              <a:shade val="95000"/>
-              <a:satMod val="105000"/>
-            </a:schemeClr>
-          </a:solidFill>
-          <a:prstDash val="solid"/>
-        </a:ln>
-        <a:ln w="25400" cap="flat" cmpd="sng" algn="ctr">
-          <a:solidFill>
-            <a:schemeClr val="phClr"/>
-          </a:solidFill>
-          <a:prstDash val="solid"/>
-        </a:ln>
-        <a:ln w="38100" cap="flat" cmpd="sng" algn="ctr">
-          <a:solidFill>
-            <a:schemeClr val="phClr"/>
-          </a:solidFill>
-          <a:prstDash val="solid"/>
-        </a:ln>
-      </a:lnStyleLst>
-      <a:effectStyleLst>
-        <a:effectStyle>
-          <a:effectLst>
-            <a:outerShdw blurRad="40000" dist="20000" dir="5400000" rotWithShape="0">
-              <a:srgbClr val="000000">
-                <a:alpha val="38000"/>
-              </a:srgbClr>
-            </a:outerShdw>
-          </a:effectLst>
-        </a:effectStyle>
-        <a:effectStyle>
-          <a:effectLst>
-            <a:outerShdw blurRad="40000" dist="23000" dir="5400000" rotWithShape="0">
-              <a:srgbClr val="000000">
-                <a:alpha val="35000"/>
-              </a:srgbClr>
-            </a:outerShdw>
-          </a:effectLst>
-        </a:effectStyle>
-        <a:effectStyle>
-          <a:effectLst>
-            <a:outerShdw blurRad="40000" dist="23000" dir="5400000" rotWithShape="0">
-              <a:srgbClr val="000000">
-                <a:alpha val="35000"/>
-              </a:srgbClr>
-            </a:outerShdw>
-          </a:effectLst>
-          <a:scene3d>
-            <a:camera prst="orthographicFront">
-              <a:rot lat="0" lon="0" rev="0"/>
-            </a:camera>
-            <a:lightRig rig="threePt" dir="t">
-              <a:rot lat="0" lon="0" rev="1200000"/>
-            </a:lightRig>
-          </a:scene3d>
-          <a:sp3d>
-            <a:bevelT w="63500" h="25400"/>
-          </a:sp3d>
-        </a:effectStyle>
-      </a:effectStyleLst>
-      <a:bgFillStyleLst>
-        <a:solidFill>
-          <a:schemeClr val="phClr"/>
-        </a:solidFill>
-        <a:gradFill rotWithShape="1">
-          <a:gsLst>
-            <a:gs pos="0">
-              <a:schemeClr val="phClr">
-                <a:tint val="40000"/>
-                <a:satMod val="350000"/>
-              </a:schemeClr>
-            </a:gs>
-            <a:gs pos="40000">
-              <a:schemeClr val="phClr">
-                <a:tint val="45000"/>
-                <a:shade val="99000"/>
-                <a:satMod val="350000"/>
-              </a:schemeClr>
-            </a:gs>
-            <a:gs pos="100000">
-              <a:schemeClr val="phClr">
-                <a:shade val="20000"/>
-                <a:satMod val="255000"/>
-              </a:schemeClr>
-            </a:gs>
-          </a:gsLst>
-          <a:path path="circle">
-            <a:fillToRect l="50000" t="-80000" r="50000" b="180000"/>
-          </a:path>
-        </a:gradFill>
-        <a:gradFill rotWithShape="1">
-          <a:gsLst>
-            <a:gs pos="0">
-              <a:schemeClr val="phClr">
-                <a:tint val="80000"/>
-                <a:satMod val="300000"/>
-              </a:schemeClr>
-            </a:gs>
-            <a:gs pos="100000">
-              <a:schemeClr val="phClr">
-                <a:shade val="30000"/>
-                <a:satMod val="200000"/>
-              </a:schemeClr>
-            </a:gs>
-          </a:gsLst>
-          <a:path path="circle">
-            <a:fillToRect l="50000" t="50000" r="50000" b="50000"/>
-          </a:path>
-        </a:gradFill>
-      </a:bgFillStyleLst>
-    </a:fmtScheme>
-  </a:themeElements>
-</a:theme>
 </file>
--- a/COVID-19 Analysis.pptx
+++ b/COVID-19 Analysis.pptx
@@ -11678,11 +11678,15 @@
               <a:buNone/>
             </a:pPr>
             <a:r>
-              <a:rPr lang="en">
+              <a:rPr lang="en" u="sng">
+                <a:solidFill>
+                  <a:schemeClr val="hlink"/>
+                </a:solidFill>
                 <a:latin typeface="Roboto"/>
                 <a:ea typeface="Roboto"/>
                 <a:cs typeface="Roboto"/>
                 <a:sym typeface="Roboto"/>
+                <a:hlinkClick r:id="rId3"/>
               </a:rPr>
               <a:t>[[LINK TO DASHBOARD]]</a:t>
             </a:r>
@@ -12832,7 +12836,7 @@
                   <a:srgbClr val="000000"/>
                 </a:solidFill>
               </a:rPr>
-              <a:t>Many entities are now treating COVID-19 as </a:t>
+              <a:t>Scientists are now discussing COVID-19 as becoming </a:t>
             </a:r>
             <a:r>
               <a:rPr b="1" lang="en">
@@ -13314,8 +13318,8 @@
         </p:nvGrpSpPr>
         <p:grpSpPr>
           <a:xfrm>
-            <a:off x="2362975" y="1796969"/>
-            <a:ext cx="3974017" cy="2537206"/>
+            <a:off x="2362912" y="1947633"/>
+            <a:ext cx="3974017" cy="2139711"/>
             <a:chOff x="3071454" y="1867179"/>
             <a:chExt cx="2014200" cy="1716300"/>
           </a:xfrm>
@@ -13432,7 +13436,7 @@
           </p:nvSpPr>
           <p:spPr>
             <a:xfrm>
-              <a:off x="3071454" y="2160019"/>
+              <a:off x="3071454" y="2093504"/>
               <a:ext cx="2014200" cy="512400"/>
             </a:xfrm>
             <a:prstGeom prst="rect">
@@ -13494,10 +13498,10 @@
         </p:nvGrpSpPr>
         <p:grpSpPr>
           <a:xfrm>
-            <a:off x="418155" y="1616077"/>
-            <a:ext cx="1944846" cy="2882727"/>
-            <a:chOff x="413391" y="1616100"/>
-            <a:chExt cx="1944846" cy="1569600"/>
+            <a:off x="418401" y="1561209"/>
+            <a:ext cx="1944604" cy="2937596"/>
+            <a:chOff x="413638" y="1586225"/>
+            <a:chExt cx="1944604" cy="1599475"/>
           </a:xfrm>
         </p:grpSpPr>
         <p:sp>
@@ -13554,7 +13558,7 @@
           </p:nvSpPr>
           <p:spPr>
             <a:xfrm>
-              <a:off x="413640" y="1616104"/>
+              <a:off x="413640" y="1586225"/>
               <a:ext cx="1743300" cy="459900"/>
             </a:xfrm>
             <a:prstGeom prst="rect">
@@ -13612,7 +13616,7 @@
           </p:nvSpPr>
           <p:spPr>
             <a:xfrm>
-              <a:off x="413391" y="2003805"/>
+              <a:off x="413641" y="1880255"/>
               <a:ext cx="1944600" cy="512400"/>
             </a:xfrm>
             <a:prstGeom prst="rect">
@@ -13651,11 +13655,11 @@
                   <a:cs typeface="Roboto"/>
                   <a:sym typeface="Roboto"/>
                 </a:rPr>
-                <a:t>(3.7.13), Jupyter Notebook (6.4.11), Anaconda (4.13.0), PostgreSQL (11.15-R1), pgAdmin4 (6.7), Spark (3.2.1), Visual Studio Code (1.65.0)</a:t>
+                <a:t>(3.7.13), Jupyter Notebook (6.4.11), Anaconda (4.13.0), PostgreSQL (11.15-R1), Tableau (2020.4),  pgAdmin4 (6.7), Spark (3.2.1), Visual Studio Code (1.65.0)</a:t>
               </a:r>
-              <a:endParaRPr sz="1100">
-                <a:solidFill>
-                  <a:srgbClr val="FFFFFF"/>
+              <a:endParaRPr>
+                <a:solidFill>
+                  <a:schemeClr val="lt1"/>
                 </a:solidFill>
                 <a:latin typeface="Roboto"/>
                 <a:ea typeface="Roboto"/>
@@ -13674,9 +13678,9 @@
         </p:nvGrpSpPr>
         <p:grpSpPr>
           <a:xfrm>
-            <a:off x="6199868" y="2229806"/>
-            <a:ext cx="2402767" cy="1761420"/>
-            <a:chOff x="5015938" y="2013862"/>
+            <a:off x="6199855" y="2304301"/>
+            <a:ext cx="2402767" cy="1453776"/>
+            <a:chOff x="5015929" y="2013862"/>
             <a:chExt cx="3001208" cy="1569613"/>
           </a:xfrm>
         </p:grpSpPr>
@@ -13849,7 +13853,7 @@
           </p:nvSpPr>
           <p:spPr>
             <a:xfrm>
-              <a:off x="5015945" y="2410800"/>
+              <a:off x="5015929" y="2302616"/>
               <a:ext cx="3001200" cy="512400"/>
             </a:xfrm>
             <a:prstGeom prst="rect">
@@ -16694,11 +16698,7 @@
             </a:pPr>
             <a:r>
               <a:rPr lang="en"/>
-              <a:t>Questions</a:t>
-            </a:r>
-            <a:r>
-              <a:rPr lang="en"/>
-              <a:t> to be Answered by Analysis</a:t>
+              <a:t>Potential Outcomes of Analysis</a:t>
             </a:r>
             <a:endParaRPr/>
           </a:p>
@@ -16790,15 +16790,7 @@
                   <a:schemeClr val="lt1"/>
                 </a:solidFill>
               </a:rPr>
-              <a:t>Question </a:t>
-            </a:r>
-            <a:r>
-              <a:rPr lang="en">
-                <a:solidFill>
-                  <a:schemeClr val="lt1"/>
-                </a:solidFill>
-              </a:rPr>
-              <a:t>1</a:t>
+              <a:t>Goals</a:t>
             </a:r>
             <a:endParaRPr>
               <a:solidFill>
@@ -16863,7 +16855,7 @@
         </p:nvSpPr>
         <p:spPr>
           <a:xfrm>
-            <a:off x="6051925" y="1451576"/>
+            <a:off x="5228950" y="1451576"/>
             <a:ext cx="2257200" cy="314400"/>
           </a:xfrm>
           <a:prstGeom prst="rect">
@@ -16894,7 +16886,7 @@
                   <a:schemeClr val="lt1"/>
                 </a:solidFill>
               </a:rPr>
-              <a:t>Question 2</a:t>
+              <a:t>Questions</a:t>
             </a:r>
             <a:endParaRPr>
               <a:solidFill>
@@ -16913,7 +16905,7 @@
         <p:spPr>
           <a:xfrm>
             <a:off x="534925" y="2139700"/>
-            <a:ext cx="3552600" cy="831300"/>
+            <a:ext cx="3552600" cy="2940000"/>
           </a:xfrm>
           <a:prstGeom prst="rect">
             <a:avLst/>
@@ -16929,14 +16921,16 @@
           </a:bodyPr>
           <a:lstStyle/>
           <a:p>
-            <a:pPr indent="0" lvl="0" marL="0" rtl="0" algn="l">
-              <a:spcBef>
-                <a:spcPts val="0"/>
-              </a:spcBef>
-              <a:spcAft>
-                <a:spcPts val="0"/>
-              </a:spcAft>
-              <a:buNone/>
+            <a:pPr indent="-317500" lvl="0" marL="457200" rtl="0" algn="l">
+              <a:spcBef>
+                <a:spcPts val="0"/>
+              </a:spcBef>
+              <a:spcAft>
+                <a:spcPts val="0"/>
+              </a:spcAft>
+              <a:buSzPts val="1400"/>
+              <a:buFont typeface="Roboto"/>
+              <a:buChar char="●"/>
             </a:pPr>
             <a:r>
               <a:rPr lang="en">
@@ -16948,9 +16942,162 @@
                 <a:cs typeface="Roboto"/>
                 <a:sym typeface="Roboto"/>
               </a:rPr>
-              <a:t>What differences exist between the health outcomes of people from different countries? </a:t>
+              <a:t>Identify differences between the health outcomes of people from different countries</a:t>
             </a:r>
-            <a:endParaRPr sz="1600">
+            <a:endParaRPr>
+              <a:highlight>
+                <a:srgbClr val="FFFFFF"/>
+              </a:highlight>
+              <a:latin typeface="Roboto"/>
+              <a:ea typeface="Roboto"/>
+              <a:cs typeface="Roboto"/>
+              <a:sym typeface="Roboto"/>
+            </a:endParaRPr>
+          </a:p>
+          <a:p>
+            <a:pPr indent="-317500" lvl="0" marL="457200" rtl="0" algn="l">
+              <a:spcBef>
+                <a:spcPts val="1000"/>
+              </a:spcBef>
+              <a:spcAft>
+                <a:spcPts val="0"/>
+              </a:spcAft>
+              <a:buSzPts val="1400"/>
+              <a:buFont typeface="Roboto"/>
+              <a:buChar char="●"/>
+            </a:pPr>
+            <a:r>
+              <a:rPr lang="en">
+                <a:highlight>
+                  <a:srgbClr val="FFFFFF"/>
+                </a:highlight>
+                <a:latin typeface="Roboto"/>
+                <a:ea typeface="Roboto"/>
+                <a:cs typeface="Roboto"/>
+                <a:sym typeface="Roboto"/>
+              </a:rPr>
+              <a:t>Predict new cases of COVID-19 in various countries</a:t>
+            </a:r>
+            <a:endParaRPr>
+              <a:highlight>
+                <a:srgbClr val="FFFFFF"/>
+              </a:highlight>
+              <a:latin typeface="Roboto"/>
+              <a:ea typeface="Roboto"/>
+              <a:cs typeface="Roboto"/>
+              <a:sym typeface="Roboto"/>
+            </a:endParaRPr>
+          </a:p>
+          <a:p>
+            <a:pPr indent="-317500" lvl="0" marL="457200" rtl="0" algn="l">
+              <a:spcBef>
+                <a:spcPts val="1000"/>
+              </a:spcBef>
+              <a:spcAft>
+                <a:spcPts val="0"/>
+              </a:spcAft>
+              <a:buSzPts val="1400"/>
+              <a:buFont typeface="Roboto"/>
+              <a:buChar char="●"/>
+            </a:pPr>
+            <a:r>
+              <a:rPr lang="en">
+                <a:highlight>
+                  <a:srgbClr val="FFFFFF"/>
+                </a:highlight>
+                <a:latin typeface="Roboto"/>
+                <a:ea typeface="Roboto"/>
+                <a:cs typeface="Roboto"/>
+                <a:sym typeface="Roboto"/>
+              </a:rPr>
+              <a:t>Determine the relationship between the </a:t>
+            </a:r>
+            <a:r>
+              <a:rPr lang="en">
+                <a:highlight>
+                  <a:srgbClr val="FFFFFF"/>
+                </a:highlight>
+                <a:latin typeface="Roboto"/>
+                <a:ea typeface="Roboto"/>
+                <a:cs typeface="Roboto"/>
+                <a:sym typeface="Roboto"/>
+              </a:rPr>
+              <a:t>spread</a:t>
+            </a:r>
+            <a:r>
+              <a:rPr lang="en">
+                <a:highlight>
+                  <a:srgbClr val="FFFFFF"/>
+                </a:highlight>
+                <a:latin typeface="Roboto"/>
+                <a:ea typeface="Roboto"/>
+                <a:cs typeface="Roboto"/>
+                <a:sym typeface="Roboto"/>
+              </a:rPr>
+              <a:t> of COVID-19 and health factors for global populations</a:t>
+            </a:r>
+            <a:endParaRPr>
+              <a:highlight>
+                <a:srgbClr val="FFFFFF"/>
+              </a:highlight>
+              <a:latin typeface="Roboto"/>
+              <a:ea typeface="Roboto"/>
+              <a:cs typeface="Roboto"/>
+              <a:sym typeface="Roboto"/>
+            </a:endParaRPr>
+          </a:p>
+          <a:p>
+            <a:pPr indent="-317500" lvl="0" marL="457200" rtl="0" algn="l">
+              <a:spcBef>
+                <a:spcPts val="1000"/>
+              </a:spcBef>
+              <a:spcAft>
+                <a:spcPts val="1000"/>
+              </a:spcAft>
+              <a:buSzPts val="1400"/>
+              <a:buFont typeface="Roboto"/>
+              <a:buChar char="●"/>
+            </a:pPr>
+            <a:r>
+              <a:rPr lang="en">
+                <a:highlight>
+                  <a:srgbClr val="FFFFFF"/>
+                </a:highlight>
+                <a:latin typeface="Roboto"/>
+                <a:ea typeface="Roboto"/>
+                <a:cs typeface="Roboto"/>
+                <a:sym typeface="Roboto"/>
+              </a:rPr>
+              <a:t>Compare the accuracy of predicting new cases with regression and </a:t>
+            </a:r>
+            <a:r>
+              <a:rPr lang="en">
+                <a:highlight>
+                  <a:srgbClr val="FFFFFF"/>
+                </a:highlight>
+                <a:latin typeface="Roboto"/>
+                <a:ea typeface="Roboto"/>
+                <a:cs typeface="Roboto"/>
+                <a:sym typeface="Roboto"/>
+              </a:rPr>
+              <a:t>neural</a:t>
+            </a:r>
+            <a:r>
+              <a:rPr lang="en">
+                <a:highlight>
+                  <a:srgbClr val="FFFFFF"/>
+                </a:highlight>
+                <a:latin typeface="Roboto"/>
+                <a:ea typeface="Roboto"/>
+                <a:cs typeface="Roboto"/>
+                <a:sym typeface="Roboto"/>
+              </a:rPr>
+              <a:t> network</a:t>
+            </a:r>
+            <a:endParaRPr>
+              <a:highlight>
+                <a:srgbClr val="FFFFFF"/>
+              </a:highlight>
               <a:latin typeface="Roboto"/>
               <a:ea typeface="Roboto"/>
               <a:cs typeface="Roboto"/>
@@ -16968,7 +17115,7 @@
         <p:spPr>
           <a:xfrm>
             <a:off x="5021775" y="2139700"/>
-            <a:ext cx="3552600" cy="615600"/>
+            <a:ext cx="3552600" cy="2596200"/>
           </a:xfrm>
           <a:prstGeom prst="rect">
             <a:avLst/>
@@ -16984,14 +17131,108 @@
           </a:bodyPr>
           <a:lstStyle/>
           <a:p>
-            <a:pPr indent="0" lvl="0" marL="0" rtl="0" algn="l">
-              <a:spcBef>
-                <a:spcPts val="0"/>
-              </a:spcBef>
-              <a:spcAft>
-                <a:spcPts val="0"/>
-              </a:spcAft>
-              <a:buNone/>
+            <a:pPr indent="-317500" lvl="0" marL="457200" rtl="0" algn="l">
+              <a:spcBef>
+                <a:spcPts val="0"/>
+              </a:spcBef>
+              <a:spcAft>
+                <a:spcPts val="0"/>
+              </a:spcAft>
+              <a:buSzPts val="1400"/>
+              <a:buFont typeface="Roboto"/>
+              <a:buChar char="●"/>
+            </a:pPr>
+            <a:r>
+              <a:rPr lang="en">
+                <a:highlight>
+                  <a:srgbClr val="FFFFFF"/>
+                </a:highlight>
+                <a:latin typeface="Roboto"/>
+                <a:ea typeface="Roboto"/>
+                <a:cs typeface="Roboto"/>
+                <a:sym typeface="Roboto"/>
+              </a:rPr>
+              <a:t>How can the number of daily new cases be predicted based on information such as cases, vaccinations, people vaccinated, and population </a:t>
+            </a:r>
+            <a:r>
+              <a:rPr lang="en">
+                <a:highlight>
+                  <a:srgbClr val="FFFFFF"/>
+                </a:highlight>
+                <a:latin typeface="Roboto"/>
+                <a:ea typeface="Roboto"/>
+                <a:cs typeface="Roboto"/>
+                <a:sym typeface="Roboto"/>
+              </a:rPr>
+              <a:t>density</a:t>
+            </a:r>
+            <a:r>
+              <a:rPr lang="en">
+                <a:highlight>
+                  <a:srgbClr val="FFFFFF"/>
+                </a:highlight>
+                <a:latin typeface="Roboto"/>
+                <a:ea typeface="Roboto"/>
+                <a:cs typeface="Roboto"/>
+                <a:sym typeface="Roboto"/>
+              </a:rPr>
+              <a:t>?</a:t>
+            </a:r>
+            <a:endParaRPr>
+              <a:highlight>
+                <a:srgbClr val="FFFFFF"/>
+              </a:highlight>
+              <a:latin typeface="Roboto"/>
+              <a:ea typeface="Roboto"/>
+              <a:cs typeface="Roboto"/>
+              <a:sym typeface="Roboto"/>
+            </a:endParaRPr>
+          </a:p>
+          <a:p>
+            <a:pPr indent="-317500" lvl="0" marL="457200" rtl="0" algn="l">
+              <a:spcBef>
+                <a:spcPts val="1000"/>
+              </a:spcBef>
+              <a:spcAft>
+                <a:spcPts val="0"/>
+              </a:spcAft>
+              <a:buSzPts val="1400"/>
+              <a:buFont typeface="Roboto"/>
+              <a:buChar char="●"/>
+            </a:pPr>
+            <a:r>
+              <a:rPr lang="en">
+                <a:highlight>
+                  <a:srgbClr val="FFFFFF"/>
+                </a:highlight>
+                <a:latin typeface="Roboto"/>
+                <a:ea typeface="Roboto"/>
+                <a:cs typeface="Roboto"/>
+                <a:sym typeface="Roboto"/>
+              </a:rPr>
+              <a:t>Can new cases be better predicted by a machine learning regression model or a neural network?</a:t>
+            </a:r>
+            <a:endParaRPr>
+              <a:highlight>
+                <a:srgbClr val="FFFFFF"/>
+              </a:highlight>
+              <a:latin typeface="Roboto"/>
+              <a:ea typeface="Roboto"/>
+              <a:cs typeface="Roboto"/>
+              <a:sym typeface="Roboto"/>
+            </a:endParaRPr>
+          </a:p>
+          <a:p>
+            <a:pPr indent="-317500" lvl="0" marL="457200" rtl="0" algn="l">
+              <a:spcBef>
+                <a:spcPts val="1000"/>
+              </a:spcBef>
+              <a:spcAft>
+                <a:spcPts val="1000"/>
+              </a:spcAft>
+              <a:buSzPts val="1400"/>
+              <a:buFont typeface="Roboto"/>
+              <a:buChar char="●"/>
             </a:pPr>
             <a:r>
               <a:rPr lang="en">
@@ -19759,7 +20000,7 @@
                   <a:cs typeface="Roboto"/>
                   <a:sym typeface="Roboto"/>
                 </a:rPr>
-                <a:t>CSV file from [DATE] uploaded into S3 bucket to be accessed with PySpark</a:t>
+                <a:t>CSV file from 7/5/22 uploaded into S3 bucket to be accessed with PySpark</a:t>
               </a:r>
               <a:endParaRPr sz="1600">
                 <a:latin typeface="Roboto"/>
@@ -19882,6 +20123,285 @@
 </file>
 
 <file path=ppt/theme/theme1.xml><?xml version="1.0" encoding="utf-8"?>
+<a:theme xmlns:a="http://schemas.openxmlformats.org/drawingml/2006/main" xmlns:r="http://schemas.openxmlformats.org/officeDocument/2006/relationships">
+  <a:themeElements>
+    <a:clrScheme name="Default">
+      <a:dk1>
+        <a:srgbClr val="000000"/>
+      </a:dk1>
+      <a:lt1>
+        <a:srgbClr val="FFFFFF"/>
+      </a:lt1>
+      <a:dk2>
+        <a:srgbClr val="158158"/>
+      </a:dk2>
+      <a:lt2>
+        <a:srgbClr val="F3F3F3"/>
+      </a:lt2>
+      <a:accent1>
+        <a:srgbClr val="058DC7"/>
+      </a:accent1>
+      <a:accent2>
+        <a:srgbClr val="50B432"/>
+      </a:accent2>
+      <a:accent3>
+        <a:srgbClr val="ED561B"/>
+      </a:accent3>
+      <a:accent4>
+        <a:srgbClr val="EDEF00"/>
+      </a:accent4>
+      <a:accent5>
+        <a:srgbClr val="24CBE5"/>
+      </a:accent5>
+      <a:accent6>
+        <a:srgbClr val="64E572"/>
+      </a:accent6>
+      <a:hlink>
+        <a:srgbClr val="2200CC"/>
+      </a:hlink>
+      <a:folHlink>
+        <a:srgbClr val="551A8B"/>
+      </a:folHlink>
+    </a:clrScheme>
+    <a:fontScheme name="Office">
+      <a:majorFont>
+        <a:latin typeface="Arial"/>
+        <a:ea typeface=""/>
+        <a:cs typeface=""/>
+        <a:font script="Jpan" typeface="ＭＳ Ｐゴシック"/>
+        <a:font script="Hang" typeface="맑은 고딕"/>
+        <a:font script="Hans" typeface="宋体"/>
+        <a:font script="Hant" typeface="新細明體"/>
+        <a:font script="Arab" typeface="Times New Roman"/>
+        <a:font script="Hebr" typeface="Times New Roman"/>
+        <a:font script="Thai" typeface="Angsana New"/>
+        <a:font script="Ethi" typeface="Nyala"/>
+        <a:font script="Beng" typeface="Vrinda"/>
+        <a:font script="Gujr" typeface="Shruti"/>
+        <a:font script="Khmr" typeface="MoolBoran"/>
+        <a:font script="Knda" typeface="Tunga"/>
+        <a:font script="Guru" typeface="Raavi"/>
+        <a:font script="Cans" typeface="Euphemia"/>
+        <a:font script="Cher" typeface="Plantagenet Cherokee"/>
+        <a:font script="Yiii" typeface="Microsoft Yi Baiti"/>
+        <a:font script="Tibt" typeface="Microsoft Himalaya"/>
+        <a:font script="Thaa" typeface="MV Boli"/>
+        <a:font script="Deva" typeface="Mangal"/>
+        <a:font script="Telu" typeface="Gautami"/>
+        <a:font script="Taml" typeface="Latha"/>
+        <a:font script="Syrc" typeface="Estrangelo Edessa"/>
+        <a:font script="Orya" typeface="Kalinga"/>
+        <a:font script="Mlym" typeface="Kartika"/>
+        <a:font script="Laoo" typeface="DokChampa"/>
+        <a:font script="Sinh" typeface="Iskoola Pota"/>
+        <a:font script="Mong" typeface="Mongolian Baiti"/>
+        <a:font script="Viet" typeface="Times New Roman"/>
+        <a:font script="Uigh" typeface="Microsoft Uighur"/>
+        <a:font script="Geor" typeface="Sylfaen"/>
+      </a:majorFont>
+      <a:minorFont>
+        <a:latin typeface="Arial"/>
+        <a:ea typeface=""/>
+        <a:cs typeface=""/>
+        <a:font script="Jpan" typeface="ＭＳ Ｐゴシック"/>
+        <a:font script="Hang" typeface="맑은 고딕"/>
+        <a:font script="Hans" typeface="宋体"/>
+        <a:font script="Hant" typeface="新細明體"/>
+        <a:font script="Arab" typeface="Arial"/>
+        <a:font script="Hebr" typeface="Arial"/>
+        <a:font script="Thai" typeface="Cordia New"/>
+        <a:font script="Ethi" typeface="Nyala"/>
+        <a:font script="Beng" typeface="Vrinda"/>
+        <a:font script="Gujr" typeface="Shruti"/>
+        <a:font script="Khmr" typeface="DaunPenh"/>
+        <a:font script="Knda" typeface="Tunga"/>
+        <a:font script="Guru" typeface="Raavi"/>
+        <a:font script="Cans" typeface="Euphemia"/>
+        <a:font script="Cher" typeface="Plantagenet Cherokee"/>
+        <a:font script="Yiii" typeface="Microsoft Yi Baiti"/>
+        <a:font script="Tibt" typeface="Microsoft Himalaya"/>
+        <a:font script="Thaa" typeface="MV Boli"/>
+        <a:font script="Deva" typeface="Mangal"/>
+        <a:font script="Telu" typeface="Gautami"/>
+        <a:font script="Taml" typeface="Latha"/>
+        <a:font script="Syrc" typeface="Estrangelo Edessa"/>
+        <a:font script="Orya" typeface="Kalinga"/>
+        <a:font script="Mlym" typeface="Kartika"/>
+        <a:font script="Laoo" typeface="DokChampa"/>
+        <a:font script="Sinh" typeface="Iskoola Pota"/>
+        <a:font script="Mong" typeface="Mongolian Baiti"/>
+        <a:font script="Viet" typeface="Arial"/>
+        <a:font script="Uigh" typeface="Microsoft Uighur"/>
+        <a:font script="Geor" typeface="Sylfaen"/>
+      </a:minorFont>
+    </a:fontScheme>
+    <a:fmtScheme name="Office">
+      <a:fillStyleLst>
+        <a:solidFill>
+          <a:schemeClr val="phClr"/>
+        </a:solidFill>
+        <a:gradFill rotWithShape="1">
+          <a:gsLst>
+            <a:gs pos="0">
+              <a:schemeClr val="phClr">
+                <a:tint val="50000"/>
+                <a:satMod val="300000"/>
+              </a:schemeClr>
+            </a:gs>
+            <a:gs pos="35000">
+              <a:schemeClr val="phClr">
+                <a:tint val="37000"/>
+                <a:satMod val="300000"/>
+              </a:schemeClr>
+            </a:gs>
+            <a:gs pos="100000">
+              <a:schemeClr val="phClr">
+                <a:tint val="15000"/>
+                <a:satMod val="350000"/>
+              </a:schemeClr>
+            </a:gs>
+          </a:gsLst>
+          <a:lin ang="16200000" scaled="1"/>
+        </a:gradFill>
+        <a:gradFill rotWithShape="1">
+          <a:gsLst>
+            <a:gs pos="0">
+              <a:schemeClr val="phClr">
+                <a:tint val="100000"/>
+                <a:shade val="100000"/>
+                <a:satMod val="130000"/>
+              </a:schemeClr>
+            </a:gs>
+            <a:gs pos="100000">
+              <a:schemeClr val="phClr">
+                <a:tint val="50000"/>
+                <a:shade val="100000"/>
+                <a:satMod val="350000"/>
+              </a:schemeClr>
+            </a:gs>
+          </a:gsLst>
+          <a:lin ang="16200000" scaled="0"/>
+        </a:gradFill>
+      </a:fillStyleLst>
+      <a:lnStyleLst>
+        <a:ln w="9525" cap="flat" cmpd="sng" algn="ctr">
+          <a:solidFill>
+            <a:schemeClr val="phClr">
+              <a:shade val="95000"/>
+              <a:satMod val="105000"/>
+            </a:schemeClr>
+          </a:solidFill>
+          <a:prstDash val="solid"/>
+        </a:ln>
+        <a:ln w="25400" cap="flat" cmpd="sng" algn="ctr">
+          <a:solidFill>
+            <a:schemeClr val="phClr"/>
+          </a:solidFill>
+          <a:prstDash val="solid"/>
+        </a:ln>
+        <a:ln w="38100" cap="flat" cmpd="sng" algn="ctr">
+          <a:solidFill>
+            <a:schemeClr val="phClr"/>
+          </a:solidFill>
+          <a:prstDash val="solid"/>
+        </a:ln>
+      </a:lnStyleLst>
+      <a:effectStyleLst>
+        <a:effectStyle>
+          <a:effectLst>
+            <a:outerShdw blurRad="40000" dist="20000" dir="5400000" rotWithShape="0">
+              <a:srgbClr val="000000">
+                <a:alpha val="38000"/>
+              </a:srgbClr>
+            </a:outerShdw>
+          </a:effectLst>
+        </a:effectStyle>
+        <a:effectStyle>
+          <a:effectLst>
+            <a:outerShdw blurRad="40000" dist="23000" dir="5400000" rotWithShape="0">
+              <a:srgbClr val="000000">
+                <a:alpha val="35000"/>
+              </a:srgbClr>
+            </a:outerShdw>
+          </a:effectLst>
+        </a:effectStyle>
+        <a:effectStyle>
+          <a:effectLst>
+            <a:outerShdw blurRad="40000" dist="23000" dir="5400000" rotWithShape="0">
+              <a:srgbClr val="000000">
+                <a:alpha val="35000"/>
+              </a:srgbClr>
+            </a:outerShdw>
+          </a:effectLst>
+          <a:scene3d>
+            <a:camera prst="orthographicFront">
+              <a:rot lat="0" lon="0" rev="0"/>
+            </a:camera>
+            <a:lightRig rig="threePt" dir="t">
+              <a:rot lat="0" lon="0" rev="1200000"/>
+            </a:lightRig>
+          </a:scene3d>
+          <a:sp3d>
+            <a:bevelT w="63500" h="25400"/>
+          </a:sp3d>
+        </a:effectStyle>
+      </a:effectStyleLst>
+      <a:bgFillStyleLst>
+        <a:solidFill>
+          <a:schemeClr val="phClr"/>
+        </a:solidFill>
+        <a:gradFill rotWithShape="1">
+          <a:gsLst>
+            <a:gs pos="0">
+              <a:schemeClr val="phClr">
+                <a:tint val="40000"/>
+                <a:satMod val="350000"/>
+              </a:schemeClr>
+            </a:gs>
+            <a:gs pos="40000">
+              <a:schemeClr val="phClr">
+                <a:tint val="45000"/>
+                <a:shade val="99000"/>
+                <a:satMod val="350000"/>
+              </a:schemeClr>
+            </a:gs>
+            <a:gs pos="100000">
+              <a:schemeClr val="phClr">
+                <a:shade val="20000"/>
+                <a:satMod val="255000"/>
+              </a:schemeClr>
+            </a:gs>
+          </a:gsLst>
+          <a:path path="circle">
+            <a:fillToRect l="50000" t="-80000" r="50000" b="180000"/>
+          </a:path>
+        </a:gradFill>
+        <a:gradFill rotWithShape="1">
+          <a:gsLst>
+            <a:gs pos="0">
+              <a:schemeClr val="phClr">
+                <a:tint val="80000"/>
+                <a:satMod val="300000"/>
+              </a:schemeClr>
+            </a:gs>
+            <a:gs pos="100000">
+              <a:schemeClr val="phClr">
+                <a:shade val="30000"/>
+                <a:satMod val="200000"/>
+              </a:schemeClr>
+            </a:gs>
+          </a:gsLst>
+          <a:path path="circle">
+            <a:fillToRect l="50000" t="50000" r="50000" b="50000"/>
+          </a:path>
+        </a:gradFill>
+      </a:bgFillStyleLst>
+    </a:fmtScheme>
+  </a:themeElements>
+</a:theme>
+</file>
+
+<file path=ppt/theme/theme2.xml><?xml version="1.0" encoding="utf-8"?>
 <a:theme xmlns:a="http://schemas.openxmlformats.org/drawingml/2006/main" xmlns:r="http://schemas.openxmlformats.org/officeDocument/2006/relationships" name="Geometric">
   <a:themeElements>
     <a:clrScheme name="Geometric">
@@ -20158,283 +20678,4 @@
     </a:fmtScheme>
   </a:themeElements>
 </a:theme>
-</file>
-
-<file path=ppt/theme/theme2.xml><?xml version="1.0" encoding="utf-8"?>
-<a:theme xmlns:a="http://schemas.openxmlformats.org/drawingml/2006/main" xmlns:r="http://schemas.openxmlformats.org/officeDocument/2006/relationships">
-  <a:themeElements>
-    <a:clrScheme name="Default">
-      <a:dk1>
-        <a:srgbClr val="000000"/>
-      </a:dk1>
-      <a:lt1>
-        <a:srgbClr val="FFFFFF"/>
-      </a:lt1>
-      <a:dk2>
-        <a:srgbClr val="158158"/>
-      </a:dk2>
-      <a:lt2>
-        <a:srgbClr val="F3F3F3"/>
-      </a:lt2>
-      <a:accent1>
-        <a:srgbClr val="058DC7"/>
-      </a:accent1>
-      <a:accent2>
-        <a:srgbClr val="50B432"/>
-      </a:accent2>
-      <a:accent3>
-        <a:srgbClr val="ED561B"/>
-      </a:accent3>
-      <a:accent4>
-        <a:srgbClr val="EDEF00"/>
-      </a:accent4>
-      <a:accent5>
-        <a:srgbClr val="24CBE5"/>
-      </a:accent5>
-      <a:accent6>
-        <a:srgbClr val="64E572"/>
-      </a:accent6>
-      <a:hlink>
-        <a:srgbClr val="2200CC"/>
-      </a:hlink>
-      <a:folHlink>
-        <a:srgbClr val="551A8B"/>
-      </a:folHlink>
-    </a:clrScheme>
-    <a:fontScheme name="Office">
-      <a:majorFont>
-        <a:latin typeface="Arial"/>
-        <a:ea typeface=""/>
-        <a:cs typeface=""/>
-        <a:font script="Jpan" typeface="ＭＳ Ｐゴシック"/>
-        <a:font script="Hang" typeface="맑은 고딕"/>
-        <a:font script="Hans" typeface="宋体"/>
-        <a:font script="Hant" typeface="新細明體"/>
-        <a:font script="Arab" typeface="Times New Roman"/>
-        <a:font script="Hebr" typeface="Times New Roman"/>
-        <a:font script="Thai" typeface="Angsana New"/>
-        <a:font script="Ethi" typeface="Nyala"/>
-        <a:font script="Beng" typeface="Vrinda"/>
-        <a:font script="Gujr" typeface="Shruti"/>
-        <a:font script="Khmr" typeface="MoolBoran"/>
-        <a:font script="Knda" typeface="Tunga"/>
-        <a:font script="Guru" typeface="Raavi"/>
-        <a:font script="Cans" typeface="Euphemia"/>
-        <a:font script="Cher" typeface="Plantagenet Cherokee"/>
-        <a:font script="Yiii" typeface="Microsoft Yi Baiti"/>
-        <a:font script="Tibt" typeface="Microsoft Himalaya"/>
-        <a:font script="Thaa" typeface="MV Boli"/>
-        <a:font script="Deva" typeface="Mangal"/>
-        <a:font script="Telu" typeface="Gautami"/>
-        <a:font script="Taml" typeface="Latha"/>
-        <a:font script="Syrc" typeface="Estrangelo Edessa"/>
-        <a:font script="Orya" typeface="Kalinga"/>
-        <a:font script="Mlym" typeface="Kartika"/>
-        <a:font script="Laoo" typeface="DokChampa"/>
-        <a:font script="Sinh" typeface="Iskoola Pota"/>
-        <a:font script="Mong" typeface="Mongolian Baiti"/>
-        <a:font script="Viet" typeface="Times New Roman"/>
-        <a:font script="Uigh" typeface="Microsoft Uighur"/>
-        <a:font script="Geor" typeface="Sylfaen"/>
-      </a:majorFont>
-      <a:minorFont>
-        <a:latin typeface="Arial"/>
-        <a:ea typeface=""/>
-        <a:cs typeface=""/>
-        <a:font script="Jpan" typeface="ＭＳ Ｐゴシック"/>
-        <a:font script="Hang" typeface="맑은 고딕"/>
-        <a:font script="Hans" typeface="宋体"/>
-        <a:font script="Hant" typeface="新細明體"/>
-        <a:font script="Arab" typeface="Arial"/>
-        <a:font script="Hebr" typeface="Arial"/>
-        <a:font script="Thai" typeface="Cordia New"/>
-        <a:font script="Ethi" typeface="Nyala"/>
-        <a:font script="Beng" typeface="Vrinda"/>
-        <a:font script="Gujr" typeface="Shruti"/>
-        <a:font script="Khmr" typeface="DaunPenh"/>
-        <a:font script="Knda" typeface="Tunga"/>
-        <a:font script="Guru" typeface="Raavi"/>
-        <a:font script="Cans" typeface="Euphemia"/>
-        <a:font script="Cher" typeface="Plantagenet Cherokee"/>
-        <a:font script="Yiii" typeface="Microsoft Yi Baiti"/>
-        <a:font script="Tibt" typeface="Microsoft Himalaya"/>
-        <a:font script="Thaa" typeface="MV Boli"/>
-        <a:font script="Deva" typeface="Mangal"/>
-        <a:font script="Telu" typeface="Gautami"/>
-        <a:font script="Taml" typeface="Latha"/>
-        <a:font script="Syrc" typeface="Estrangelo Edessa"/>
-        <a:font script="Orya" typeface="Kalinga"/>
-        <a:font script="Mlym" typeface="Kartika"/>
-        <a:font script="Laoo" typeface="DokChampa"/>
-        <a:font script="Sinh" typeface="Iskoola Pota"/>
-        <a:font script="Mong" typeface="Mongolian Baiti"/>
-        <a:font script="Viet" typeface="Arial"/>
-        <a:font script="Uigh" typeface="Microsoft Uighur"/>
-        <a:font script="Geor" typeface="Sylfaen"/>
-      </a:minorFont>
-    </a:fontScheme>
-    <a:fmtScheme name="Office">
-      <a:fillStyleLst>
-        <a:solidFill>
-          <a:schemeClr val="phClr"/>
-        </a:solidFill>
-        <a:gradFill rotWithShape="1">
-          <a:gsLst>
-            <a:gs pos="0">
-              <a:schemeClr val="phClr">
-                <a:tint val="50000"/>
-                <a:satMod val="300000"/>
-              </a:schemeClr>
-            </a:gs>
-            <a:gs pos="35000">
-              <a:schemeClr val="phClr">
-                <a:tint val="37000"/>
-                <a:satMod val="300000"/>
-              </a:schemeClr>
-            </a:gs>
-            <a:gs pos="100000">
-              <a:schemeClr val="phClr">
-                <a:tint val="15000"/>
-                <a:satMod val="350000"/>
-              </a:schemeClr>
-            </a:gs>
-          </a:gsLst>
-          <a:lin ang="16200000" scaled="1"/>
-        </a:gradFill>
-        <a:gradFill rotWithShape="1">
-          <a:gsLst>
-            <a:gs pos="0">
-              <a:schemeClr val="phClr">
-                <a:tint val="100000"/>
-                <a:shade val="100000"/>
-                <a:satMod val="130000"/>
-              </a:schemeClr>
-            </a:gs>
-            <a:gs pos="100000">
-              <a:schemeClr val="phClr">
-                <a:tint val="50000"/>
-                <a:shade val="100000"/>
-                <a:satMod val="350000"/>
-              </a:schemeClr>
-            </a:gs>
-          </a:gsLst>
-          <a:lin ang="16200000" scaled="0"/>
-        </a:gradFill>
-      </a:fillStyleLst>
-      <a:lnStyleLst>
-        <a:ln w="9525" cap="flat" cmpd="sng" algn="ctr">
-          <a:solidFill>
-            <a:schemeClr val="phClr">
-              <a:shade val="95000"/>
-              <a:satMod val="105000"/>
-            </a:schemeClr>
-          </a:solidFill>
-          <a:prstDash val="solid"/>
-        </a:ln>
-        <a:ln w="25400" cap="flat" cmpd="sng" algn="ctr">
-          <a:solidFill>
-            <a:schemeClr val="phClr"/>
-          </a:solidFill>
-          <a:prstDash val="solid"/>
-        </a:ln>
-        <a:ln w="38100" cap="flat" cmpd="sng" algn="ctr">
-          <a:solidFill>
-            <a:schemeClr val="phClr"/>
-          </a:solidFill>
-          <a:prstDash val="solid"/>
-        </a:ln>
-      </a:lnStyleLst>
-      <a:effectStyleLst>
-        <a:effectStyle>
-          <a:effectLst>
-            <a:outerShdw blurRad="40000" dist="20000" dir="5400000" rotWithShape="0">
-              <a:srgbClr val="000000">
-                <a:alpha val="38000"/>
-              </a:srgbClr>
-            </a:outerShdw>
-          </a:effectLst>
-        </a:effectStyle>
-        <a:effectStyle>
-          <a:effectLst>
-            <a:outerShdw blurRad="40000" dist="23000" dir="5400000" rotWithShape="0">
-              <a:srgbClr val="000000">
-                <a:alpha val="35000"/>
-              </a:srgbClr>
-            </a:outerShdw>
-          </a:effectLst>
-        </a:effectStyle>
-        <a:effectStyle>
-          <a:effectLst>
-            <a:outerShdw blurRad="40000" dist="23000" dir="5400000" rotWithShape="0">
-              <a:srgbClr val="000000">
-                <a:alpha val="35000"/>
-              </a:srgbClr>
-            </a:outerShdw>
-          </a:effectLst>
-          <a:scene3d>
-            <a:camera prst="orthographicFront">
-              <a:rot lat="0" lon="0" rev="0"/>
-            </a:camera>
-            <a:lightRig rig="threePt" dir="t">
-              <a:rot lat="0" lon="0" rev="1200000"/>
-            </a:lightRig>
-          </a:scene3d>
-          <a:sp3d>
-            <a:bevelT w="63500" h="25400"/>
-          </a:sp3d>
-        </a:effectStyle>
-      </a:effectStyleLst>
-      <a:bgFillStyleLst>
-        <a:solidFill>
-          <a:schemeClr val="phClr"/>
-        </a:solidFill>
-        <a:gradFill rotWithShape="1">
-          <a:gsLst>
-            <a:gs pos="0">
-              <a:schemeClr val="phClr">
-                <a:tint val="40000"/>
-                <a:satMod val="350000"/>
-              </a:schemeClr>
-            </a:gs>
-            <a:gs pos="40000">
-              <a:schemeClr val="phClr">
-                <a:tint val="45000"/>
-                <a:shade val="99000"/>
-                <a:satMod val="350000"/>
-              </a:schemeClr>
-            </a:gs>
-            <a:gs pos="100000">
-              <a:schemeClr val="phClr">
-                <a:shade val="20000"/>
-                <a:satMod val="255000"/>
-              </a:schemeClr>
-            </a:gs>
-          </a:gsLst>
-          <a:path path="circle">
-            <a:fillToRect l="50000" t="-80000" r="50000" b="180000"/>
-          </a:path>
-        </a:gradFill>
-        <a:gradFill rotWithShape="1">
-          <a:gsLst>
-            <a:gs pos="0">
-              <a:schemeClr val="phClr">
-                <a:tint val="80000"/>
-                <a:satMod val="300000"/>
-              </a:schemeClr>
-            </a:gs>
-            <a:gs pos="100000">
-              <a:schemeClr val="phClr">
-                <a:shade val="30000"/>
-                <a:satMod val="200000"/>
-              </a:schemeClr>
-            </a:gs>
-          </a:gsLst>
-          <a:path path="circle">
-            <a:fillToRect l="50000" t="50000" r="50000" b="50000"/>
-          </a:path>
-        </a:gradFill>
-      </a:bgFillStyleLst>
-    </a:fmtScheme>
-  </a:themeElements>
-</a:theme>
 </file>
--- a/COVID-19 Analysis.pptx
+++ b/COVID-19 Analysis.pptx
@@ -1216,7 +1216,7 @@
   <p:cSld>
     <p:spTree>
       <p:nvGrpSpPr>
-        <p:cNvPr id="235" name="Shape 235"/>
+        <p:cNvPr id="236" name="Shape 236"/>
         <p:cNvGrpSpPr/>
         <p:nvPr/>
       </p:nvGrpSpPr>
@@ -1230,7 +1230,7 @@
       </p:grpSpPr>
       <p:sp>
         <p:nvSpPr>
-          <p:cNvPr id="236" name="Google Shape;236;g13e30ec05fc_1_0:notes"/>
+          <p:cNvPr id="237" name="Google Shape;237;g13e30ec05fc_1_0:notes"/>
           <p:cNvSpPr/>
           <p:nvPr>
             <p:ph idx="2" type="sldImg"/>
@@ -1265,7 +1265,7 @@
       </p:sp>
       <p:sp>
         <p:nvSpPr>
-          <p:cNvPr id="237" name="Google Shape;237;g13e30ec05fc_1_0:notes"/>
+          <p:cNvPr id="238" name="Google Shape;238;g13e30ec05fc_1_0:notes"/>
           <p:cNvSpPr txBox="1"/>
           <p:nvPr>
             <p:ph idx="1" type="body"/>
@@ -1315,7 +1315,7 @@
   <p:cSld>
     <p:spTree>
       <p:nvGrpSpPr>
-        <p:cNvPr id="243" name="Shape 243"/>
+        <p:cNvPr id="245" name="Shape 245"/>
         <p:cNvGrpSpPr/>
         <p:nvPr/>
       </p:nvGrpSpPr>
@@ -1329,7 +1329,7 @@
       </p:grpSpPr>
       <p:sp>
         <p:nvSpPr>
-          <p:cNvPr id="244" name="Google Shape;244;g13d29a0f314_0_85:notes"/>
+          <p:cNvPr id="246" name="Google Shape;246;g13d29a0f314_0_85:notes"/>
           <p:cNvSpPr/>
           <p:nvPr>
             <p:ph idx="2" type="sldImg"/>
@@ -1364,7 +1364,7 @@
       </p:sp>
       <p:sp>
         <p:nvSpPr>
-          <p:cNvPr id="245" name="Google Shape;245;g13d29a0f314_0_85:notes"/>
+          <p:cNvPr id="247" name="Google Shape;247;g13d29a0f314_0_85:notes"/>
           <p:cNvSpPr txBox="1"/>
           <p:nvPr>
             <p:ph idx="1" type="body"/>
@@ -1414,7 +1414,7 @@
   <p:cSld>
     <p:spTree>
       <p:nvGrpSpPr>
-        <p:cNvPr id="250" name="Shape 250"/>
+        <p:cNvPr id="252" name="Shape 252"/>
         <p:cNvGrpSpPr/>
         <p:nvPr/>
       </p:nvGrpSpPr>
@@ -1428,7 +1428,7 @@
       </p:grpSpPr>
       <p:sp>
         <p:nvSpPr>
-          <p:cNvPr id="251" name="Google Shape;251;g13e30ec05fc_1_7:notes"/>
+          <p:cNvPr id="253" name="Google Shape;253;g13e30ec05fc_1_7:notes"/>
           <p:cNvSpPr/>
           <p:nvPr>
             <p:ph idx="2" type="sldImg"/>
@@ -1463,7 +1463,7 @@
       </p:sp>
       <p:sp>
         <p:nvSpPr>
-          <p:cNvPr id="252" name="Google Shape;252;g13e30ec05fc_1_7:notes"/>
+          <p:cNvPr id="254" name="Google Shape;254;g13e30ec05fc_1_7:notes"/>
           <p:cNvSpPr txBox="1"/>
           <p:nvPr>
             <p:ph idx="1" type="body"/>
@@ -1513,7 +1513,7 @@
   <p:cSld>
     <p:spTree>
       <p:nvGrpSpPr>
-        <p:cNvPr id="257" name="Shape 257"/>
+        <p:cNvPr id="259" name="Shape 259"/>
         <p:cNvGrpSpPr/>
         <p:nvPr/>
       </p:nvGrpSpPr>
@@ -1527,7 +1527,7 @@
       </p:grpSpPr>
       <p:sp>
         <p:nvSpPr>
-          <p:cNvPr id="258" name="Google Shape;258;g13e30ec05fc_1_240:notes"/>
+          <p:cNvPr id="260" name="Google Shape;260;g13e30ec05fc_1_240:notes"/>
           <p:cNvSpPr/>
           <p:nvPr>
             <p:ph idx="2" type="sldImg"/>
@@ -1562,7 +1562,7 @@
       </p:sp>
       <p:sp>
         <p:nvSpPr>
-          <p:cNvPr id="259" name="Google Shape;259;g13e30ec05fc_1_240:notes"/>
+          <p:cNvPr id="261" name="Google Shape;261;g13e30ec05fc_1_240:notes"/>
           <p:cNvSpPr txBox="1"/>
           <p:nvPr>
             <p:ph idx="1" type="body"/>
@@ -1612,7 +1612,7 @@
   <p:cSld>
     <p:spTree>
       <p:nvGrpSpPr>
-        <p:cNvPr id="263" name="Shape 263"/>
+        <p:cNvPr id="265" name="Shape 265"/>
         <p:cNvGrpSpPr/>
         <p:nvPr/>
       </p:nvGrpSpPr>
@@ -1626,7 +1626,7 @@
       </p:grpSpPr>
       <p:sp>
         <p:nvSpPr>
-          <p:cNvPr id="264" name="Google Shape;264;g13e30ec05fc_1_249:notes"/>
+          <p:cNvPr id="266" name="Google Shape;266;g13e30ec05fc_1_249:notes"/>
           <p:cNvSpPr/>
           <p:nvPr>
             <p:ph idx="2" type="sldImg"/>
@@ -1661,7 +1661,7 @@
       </p:sp>
       <p:sp>
         <p:nvSpPr>
-          <p:cNvPr id="265" name="Google Shape;265;g13e30ec05fc_1_249:notes"/>
+          <p:cNvPr id="267" name="Google Shape;267;g13e30ec05fc_1_249:notes"/>
           <p:cNvSpPr txBox="1"/>
           <p:nvPr>
             <p:ph idx="1" type="body"/>
@@ -1711,7 +1711,7 @@
   <p:cSld>
     <p:spTree>
       <p:nvGrpSpPr>
-        <p:cNvPr id="271" name="Shape 271"/>
+        <p:cNvPr id="273" name="Shape 273"/>
         <p:cNvGrpSpPr/>
         <p:nvPr/>
       </p:nvGrpSpPr>
@@ -1725,7 +1725,7 @@
       </p:grpSpPr>
       <p:sp>
         <p:nvSpPr>
-          <p:cNvPr id="272" name="Google Shape;272;g13e30ec05fc_1_245:notes"/>
+          <p:cNvPr id="274" name="Google Shape;274;g13e30ec05fc_1_245:notes"/>
           <p:cNvSpPr/>
           <p:nvPr>
             <p:ph idx="2" type="sldImg"/>
@@ -1760,7 +1760,7 @@
       </p:sp>
       <p:sp>
         <p:nvSpPr>
-          <p:cNvPr id="273" name="Google Shape;273;g13e30ec05fc_1_245:notes"/>
+          <p:cNvPr id="275" name="Google Shape;275;g13e30ec05fc_1_245:notes"/>
           <p:cNvSpPr txBox="1"/>
           <p:nvPr>
             <p:ph idx="1" type="body"/>
@@ -1909,7 +1909,7 @@
   <p:cSld>
     <p:spTree>
       <p:nvGrpSpPr>
-        <p:cNvPr id="280" name="Shape 280"/>
+        <p:cNvPr id="282" name="Shape 282"/>
         <p:cNvGrpSpPr/>
         <p:nvPr/>
       </p:nvGrpSpPr>
@@ -1923,7 +1923,7 @@
       </p:grpSpPr>
       <p:sp>
         <p:nvSpPr>
-          <p:cNvPr id="281" name="Google Shape;281;g13e30ec05fc_1_218:notes"/>
+          <p:cNvPr id="283" name="Google Shape;283;g13e30ec05fc_1_218:notes"/>
           <p:cNvSpPr/>
           <p:nvPr>
             <p:ph idx="2" type="sldImg"/>
@@ -1958,7 +1958,7 @@
       </p:sp>
       <p:sp>
         <p:nvSpPr>
-          <p:cNvPr id="282" name="Google Shape;282;g13e30ec05fc_1_218:notes"/>
+          <p:cNvPr id="284" name="Google Shape;284;g13e30ec05fc_1_218:notes"/>
           <p:cNvSpPr txBox="1"/>
           <p:nvPr>
             <p:ph idx="1" type="body"/>
@@ -2008,7 +2008,7 @@
   <p:cSld>
     <p:spTree>
       <p:nvGrpSpPr>
-        <p:cNvPr id="297" name="Shape 297"/>
+        <p:cNvPr id="299" name="Shape 299"/>
         <p:cNvGrpSpPr/>
         <p:nvPr/>
       </p:nvGrpSpPr>
@@ -2022,7 +2022,7 @@
       </p:grpSpPr>
       <p:sp>
         <p:nvSpPr>
-          <p:cNvPr id="298" name="Google Shape;298;gc6f9e470d_0_126:notes"/>
+          <p:cNvPr id="300" name="Google Shape;300;gc6f9e470d_0_126:notes"/>
           <p:cNvSpPr/>
           <p:nvPr>
             <p:ph idx="2" type="sldImg"/>
@@ -2057,7 +2057,7 @@
       </p:sp>
       <p:sp>
         <p:nvSpPr>
-          <p:cNvPr id="299" name="Google Shape;299;gc6f9e470d_0_126:notes"/>
+          <p:cNvPr id="301" name="Google Shape;301;gc6f9e470d_0_126:notes"/>
           <p:cNvSpPr txBox="1"/>
           <p:nvPr>
             <p:ph idx="1" type="body"/>
@@ -2107,7 +2107,7 @@
   <p:cSld>
     <p:spTree>
       <p:nvGrpSpPr>
-        <p:cNvPr id="334" name="Shape 334"/>
+        <p:cNvPr id="336" name="Shape 336"/>
         <p:cNvGrpSpPr/>
         <p:nvPr/>
       </p:nvGrpSpPr>
@@ -2121,7 +2121,7 @@
       </p:grpSpPr>
       <p:sp>
         <p:nvSpPr>
-          <p:cNvPr id="335" name="Google Shape;335;g13e30ec05fc_1_786:notes"/>
+          <p:cNvPr id="337" name="Google Shape;337;g13e30ec05fc_1_786:notes"/>
           <p:cNvSpPr/>
           <p:nvPr>
             <p:ph idx="2" type="sldImg"/>
@@ -2156,7 +2156,7 @@
       </p:sp>
       <p:sp>
         <p:nvSpPr>
-          <p:cNvPr id="336" name="Google Shape;336;g13e30ec05fc_1_786:notes"/>
+          <p:cNvPr id="338" name="Google Shape;338;g13e30ec05fc_1_786:notes"/>
           <p:cNvSpPr txBox="1"/>
           <p:nvPr>
             <p:ph idx="1" type="body"/>
@@ -10490,9 +10490,9 @@
         <p:grpSpPr>
           <a:xfrm>
             <a:off x="401725" y="1228664"/>
-            <a:ext cx="8430695" cy="3105712"/>
+            <a:ext cx="8430695" cy="3598914"/>
             <a:chOff x="431925" y="1304875"/>
-            <a:chExt cx="2628923" cy="3525612"/>
+            <a:chExt cx="2628923" cy="4085497"/>
           </a:xfrm>
         </p:grpSpPr>
         <p:sp>
@@ -10546,8 +10546,8 @@
           </p:nvSpPr>
           <p:spPr>
             <a:xfrm>
-              <a:off x="431948" y="1304887"/>
-              <a:ext cx="2628900" cy="3525600"/>
+              <a:off x="431948" y="1703372"/>
+              <a:ext cx="2628900" cy="3687000"/>
             </a:xfrm>
             <a:prstGeom prst="rect">
               <a:avLst/>
@@ -10569,27 +10569,27 @@
             </a:bodyPr>
             <a:lstStyle/>
             <a:p>
-              <a:pPr indent="-330200" lvl="0" marL="457200" rtl="0" algn="l">
+              <a:pPr indent="-317500" lvl="0" marL="457200" rtl="0" algn="l">
                 <a:spcBef>
                   <a:spcPts val="1000"/>
                 </a:spcBef>
                 <a:spcAft>
                   <a:spcPts val="0"/>
                 </a:spcAft>
-                <a:buSzPts val="1600"/>
+                <a:buSzPts val="1400"/>
                 <a:buFont typeface="Roboto"/>
                 <a:buChar char="●"/>
               </a:pPr>
               <a:r>
-                <a:rPr lang="en" sz="1600">
+                <a:rPr lang="en">
                   <a:latin typeface="Roboto"/>
                   <a:ea typeface="Roboto"/>
                   <a:cs typeface="Roboto"/>
                   <a:sym typeface="Roboto"/>
                 </a:rPr>
-                <a:t>XXXXXXXXXXXXXXXXXXXXXXXXXXX</a:t>
+                <a:t>COVID-19 dataset initially contained 198,846 rows of data organized in 67 columns between January 1st, 2020 and July 5th, 2022</a:t>
               </a:r>
-              <a:endParaRPr sz="1600">
+              <a:endParaRPr>
                 <a:latin typeface="Roboto"/>
                 <a:ea typeface="Roboto"/>
                 <a:cs typeface="Roboto"/>
@@ -10597,27 +10597,27 @@
               </a:endParaRPr>
             </a:p>
             <a:p>
-              <a:pPr indent="-330200" lvl="0" marL="457200" rtl="0" algn="l">
+              <a:pPr indent="-317500" lvl="0" marL="457200" rtl="0" algn="l">
                 <a:spcBef>
                   <a:spcPts val="1000"/>
                 </a:spcBef>
                 <a:spcAft>
                   <a:spcPts val="0"/>
                 </a:spcAft>
-                <a:buSzPts val="1600"/>
+                <a:buSzPts val="1400"/>
                 <a:buFont typeface="Roboto"/>
                 <a:buChar char="●"/>
               </a:pPr>
               <a:r>
-                <a:rPr lang="en" sz="1600">
+                <a:rPr lang="en">
                   <a:latin typeface="Roboto"/>
                   <a:ea typeface="Roboto"/>
                   <a:cs typeface="Roboto"/>
                   <a:sym typeface="Roboto"/>
                 </a:rPr>
-                <a:t>XXXXXXXXXXXXXXXXXXXXX</a:t>
+                <a:t>All COVID-19 testing data was removed since testing policies, availability, interpretation, and reporting were sporadic and varied significantly among countries</a:t>
               </a:r>
-              <a:endParaRPr sz="1600">
+              <a:endParaRPr>
                 <a:latin typeface="Roboto"/>
                 <a:ea typeface="Roboto"/>
                 <a:cs typeface="Roboto"/>
@@ -10625,27 +10625,27 @@
               </a:endParaRPr>
             </a:p>
             <a:p>
-              <a:pPr indent="-330200" lvl="0" marL="457200" rtl="0" algn="l">
+              <a:pPr indent="-317500" lvl="0" marL="457200" rtl="0" algn="l">
                 <a:spcBef>
                   <a:spcPts val="1000"/>
                 </a:spcBef>
                 <a:spcAft>
                   <a:spcPts val="0"/>
                 </a:spcAft>
-                <a:buSzPts val="1600"/>
+                <a:buSzPts val="1400"/>
                 <a:buFont typeface="Roboto"/>
                 <a:buChar char="●"/>
               </a:pPr>
               <a:r>
-                <a:rPr lang="en" sz="1600">
+                <a:rPr lang="en">
                   <a:latin typeface="Roboto"/>
                   <a:ea typeface="Roboto"/>
                   <a:cs typeface="Roboto"/>
                   <a:sym typeface="Roboto"/>
                 </a:rPr>
-                <a:t>XXXXXXXXXXXXXXXXXXXXXXX</a:t>
+                <a:t>Columns related to calculated excess_mortality were dropped as they are not relevant to the intended predictions</a:t>
               </a:r>
-              <a:endParaRPr sz="1600">
+              <a:endParaRPr>
                 <a:latin typeface="Roboto"/>
                 <a:ea typeface="Roboto"/>
                 <a:cs typeface="Roboto"/>
@@ -10653,27 +10653,27 @@
               </a:endParaRPr>
             </a:p>
             <a:p>
-              <a:pPr indent="-330200" lvl="0" marL="457200" rtl="0" algn="l">
+              <a:pPr indent="-317500" lvl="0" marL="457200" rtl="0" algn="l">
                 <a:spcBef>
                   <a:spcPts val="1000"/>
                 </a:spcBef>
                 <a:spcAft>
                   <a:spcPts val="0"/>
                 </a:spcAft>
-                <a:buSzPts val="1600"/>
+                <a:buSzPts val="1400"/>
                 <a:buFont typeface="Roboto"/>
                 <a:buChar char="●"/>
               </a:pPr>
               <a:r>
-                <a:rPr lang="en" sz="1600">
+                <a:rPr lang="en">
                   <a:latin typeface="Roboto"/>
                   <a:ea typeface="Roboto"/>
                   <a:cs typeface="Roboto"/>
                   <a:sym typeface="Roboto"/>
                 </a:rPr>
-                <a:t>XXXXXXXXXXXXXXXXXXXXXXXXXXXX</a:t>
+                <a:t>The columns related to Intensive Care Unit (ICU) and hospital admissions were removed due to containing a high number of null values</a:t>
               </a:r>
-              <a:endParaRPr sz="1600">
+              <a:endParaRPr>
                 <a:latin typeface="Roboto"/>
                 <a:ea typeface="Roboto"/>
                 <a:cs typeface="Roboto"/>
@@ -10681,27 +10681,27 @@
               </a:endParaRPr>
             </a:p>
             <a:p>
-              <a:pPr indent="-330200" lvl="0" marL="457200" rtl="0" algn="l">
+              <a:pPr indent="-317500" lvl="0" marL="457200" rtl="0" algn="l">
                 <a:spcBef>
                   <a:spcPts val="1000"/>
                 </a:spcBef>
                 <a:spcAft>
                   <a:spcPts val="1000"/>
                 </a:spcAft>
-                <a:buSzPts val="1600"/>
+                <a:buSzPts val="1400"/>
                 <a:buFont typeface="Roboto"/>
                 <a:buChar char="●"/>
               </a:pPr>
               <a:r>
-                <a:rPr lang="en" sz="1600">
+                <a:rPr lang="en">
                   <a:latin typeface="Roboto"/>
                   <a:ea typeface="Roboto"/>
                   <a:cs typeface="Roboto"/>
                   <a:sym typeface="Roboto"/>
                 </a:rPr>
-                <a:t>XXXXXXXXXXXXXXXXXXXX</a:t>
+                <a:t>General columns with redundant information from other columns were dropped, leaving the dataframe with 43 columns</a:t>
               </a:r>
-              <a:endParaRPr sz="1600">
+              <a:endParaRPr>
                 <a:latin typeface="Roboto"/>
                 <a:ea typeface="Roboto"/>
                 <a:cs typeface="Roboto"/>
@@ -10711,6 +10711,54 @@
           </p:txBody>
         </p:sp>
       </p:grpSp>
+      <p:sp>
+        <p:nvSpPr>
+          <p:cNvPr id="235" name="Google Shape;235;p25"/>
+          <p:cNvSpPr txBox="1"/>
+          <p:nvPr>
+            <p:ph idx="4294967295" type="body"/>
+          </p:nvPr>
+        </p:nvSpPr>
+        <p:spPr>
+          <a:xfrm>
+            <a:off x="401700" y="1228700"/>
+            <a:ext cx="2494500" cy="461400"/>
+          </a:xfrm>
+          <a:prstGeom prst="rect">
+            <a:avLst/>
+          </a:prstGeom>
+        </p:spPr>
+        <p:txBody>
+          <a:bodyPr anchorCtr="0" anchor="t" bIns="91425" lIns="91425" spcFirstLastPara="1" rIns="91425" wrap="square" tIns="91425">
+            <a:noAutofit/>
+          </a:bodyPr>
+          <a:lstStyle/>
+          <a:p>
+            <a:pPr indent="0" lvl="0" marL="0" rtl="0" algn="l">
+              <a:spcBef>
+                <a:spcPts val="0"/>
+              </a:spcBef>
+              <a:spcAft>
+                <a:spcPts val="0"/>
+              </a:spcAft>
+              <a:buNone/>
+            </a:pPr>
+            <a:r>
+              <a:rPr lang="en">
+                <a:solidFill>
+                  <a:schemeClr val="lt1"/>
+                </a:solidFill>
+              </a:rPr>
+              <a:t>Dropping Data</a:t>
+            </a:r>
+            <a:endParaRPr>
+              <a:solidFill>
+                <a:schemeClr val="lt1"/>
+              </a:solidFill>
+            </a:endParaRPr>
+          </a:p>
+        </p:txBody>
+      </p:sp>
     </p:spTree>
   </p:cSld>
   <p:clrMapOvr>
@@ -10724,7 +10772,7 @@
   <p:cSld>
     <p:spTree>
       <p:nvGrpSpPr>
-        <p:cNvPr id="238" name="Shape 238"/>
+        <p:cNvPr id="239" name="Shape 239"/>
         <p:cNvGrpSpPr/>
         <p:nvPr/>
       </p:nvGrpSpPr>
@@ -10738,7 +10786,7 @@
       </p:grpSpPr>
       <p:sp>
         <p:nvSpPr>
-          <p:cNvPr id="239" name="Google Shape;239;p26"/>
+          <p:cNvPr id="240" name="Google Shape;240;p26"/>
           <p:cNvSpPr txBox="1"/>
           <p:nvPr>
             <p:ph type="title"/>
@@ -10778,7 +10826,7 @@
       </p:sp>
       <p:grpSp>
         <p:nvGrpSpPr>
-          <p:cNvPr id="240" name="Google Shape;240;p26"/>
+          <p:cNvPr id="241" name="Google Shape;241;p26"/>
           <p:cNvGrpSpPr/>
           <p:nvPr/>
         </p:nvGrpSpPr>
@@ -10792,7 +10840,7 @@
         </p:grpSpPr>
         <p:sp>
           <p:nvSpPr>
-            <p:cNvPr id="241" name="Google Shape;241;p26"/>
+            <p:cNvPr id="242" name="Google Shape;242;p26"/>
             <p:cNvSpPr txBox="1"/>
             <p:nvPr/>
           </p:nvSpPr>
@@ -10835,7 +10883,7 @@
         </p:sp>
         <p:sp>
           <p:nvSpPr>
-            <p:cNvPr id="242" name="Google Shape;242;p26"/>
+            <p:cNvPr id="243" name="Google Shape;243;p26"/>
             <p:cNvSpPr/>
             <p:nvPr/>
           </p:nvSpPr>
@@ -10864,27 +10912,30 @@
             </a:bodyPr>
             <a:lstStyle/>
             <a:p>
-              <a:pPr indent="-330200" lvl="0" marL="457200" rtl="0" algn="l">
+              <a:pPr indent="-317500" lvl="0" marL="457200" rtl="0" algn="l">
                 <a:spcBef>
                   <a:spcPts val="1000"/>
                 </a:spcBef>
                 <a:spcAft>
                   <a:spcPts val="0"/>
                 </a:spcAft>
-                <a:buSzPts val="1600"/>
+                <a:buSzPts val="1400"/>
                 <a:buFont typeface="Roboto"/>
                 <a:buChar char="●"/>
               </a:pPr>
               <a:r>
-                <a:rPr lang="en" sz="1600">
+                <a:rPr lang="en">
+                  <a:highlight>
+                    <a:srgbClr val="FFFFFF"/>
+                  </a:highlight>
                   <a:latin typeface="Roboto"/>
                   <a:ea typeface="Roboto"/>
                   <a:cs typeface="Roboto"/>
                   <a:sym typeface="Roboto"/>
                 </a:rPr>
-                <a:t>XXXXXXXXXXXXXXXXXXXXXXXXXXXXX</a:t>
+                <a:t>All null values from the total_cases column were dropped and the new_cases nulls were filled with zeros as the goal was to predict the number of daily new cases</a:t>
               </a:r>
-              <a:endParaRPr sz="1600">
+              <a:endParaRPr>
                 <a:latin typeface="Roboto"/>
                 <a:ea typeface="Roboto"/>
                 <a:cs typeface="Roboto"/>
@@ -10892,27 +10943,30 @@
               </a:endParaRPr>
             </a:p>
             <a:p>
-              <a:pPr indent="-330200" lvl="0" marL="457200" rtl="0" algn="l">
+              <a:pPr indent="-317500" lvl="0" marL="457200" rtl="0" algn="l">
                 <a:spcBef>
                   <a:spcPts val="1000"/>
                 </a:spcBef>
                 <a:spcAft>
                   <a:spcPts val="0"/>
                 </a:spcAft>
-                <a:buSzPts val="1600"/>
+                <a:buSzPts val="1400"/>
                 <a:buFont typeface="Roboto"/>
                 <a:buChar char="●"/>
               </a:pPr>
               <a:r>
-                <a:rPr lang="en" sz="1600">
+                <a:rPr lang="en">
+                  <a:highlight>
+                    <a:srgbClr val="FFFFFF"/>
+                  </a:highlight>
                   <a:latin typeface="Roboto"/>
                   <a:ea typeface="Roboto"/>
                   <a:cs typeface="Roboto"/>
                   <a:sym typeface="Roboto"/>
                 </a:rPr>
-                <a:t>XXXXXXXXXXXXXXXXXXXXXXXXXXXXXX</a:t>
+                <a:t>By dropping the missed values from total cases, the missing values of new cases decreased significantly</a:t>
               </a:r>
-              <a:endParaRPr sz="1600">
+              <a:endParaRPr>
                 <a:latin typeface="Roboto"/>
                 <a:ea typeface="Roboto"/>
                 <a:cs typeface="Roboto"/>
@@ -10920,19 +10974,19 @@
               </a:endParaRPr>
             </a:p>
             <a:p>
-              <a:pPr indent="-330200" lvl="0" marL="457200" rtl="0" algn="l">
+              <a:pPr indent="-317500" lvl="0" marL="457200" rtl="0" algn="l">
                 <a:spcBef>
                   <a:spcPts val="1000"/>
                 </a:spcBef>
                 <a:spcAft>
                   <a:spcPts val="0"/>
                 </a:spcAft>
-                <a:buSzPts val="1600"/>
+                <a:buSzPts val="1400"/>
                 <a:buFont typeface="Roboto"/>
                 <a:buChar char="●"/>
               </a:pPr>
               <a:r>
-                <a:rPr lang="en" sz="1600">
+                <a:rPr lang="en">
                   <a:latin typeface="Roboto"/>
                   <a:ea typeface="Roboto"/>
                   <a:cs typeface="Roboto"/>
@@ -10940,7 +10994,7 @@
                 </a:rPr>
                 <a:t>XXXXXXXXXXXXXXXXXXXXXXXXXXXXXXX</a:t>
               </a:r>
-              <a:endParaRPr sz="1600">
+              <a:endParaRPr>
                 <a:latin typeface="Roboto"/>
                 <a:ea typeface="Roboto"/>
                 <a:cs typeface="Roboto"/>
@@ -11006,6 +11060,54 @@
           </p:txBody>
         </p:sp>
       </p:grpSp>
+      <p:sp>
+        <p:nvSpPr>
+          <p:cNvPr id="244" name="Google Shape;244;p26"/>
+          <p:cNvSpPr txBox="1"/>
+          <p:nvPr>
+            <p:ph idx="4294967295" type="body"/>
+          </p:nvPr>
+        </p:nvSpPr>
+        <p:spPr>
+          <a:xfrm>
+            <a:off x="401700" y="1228700"/>
+            <a:ext cx="3743400" cy="461400"/>
+          </a:xfrm>
+          <a:prstGeom prst="rect">
+            <a:avLst/>
+          </a:prstGeom>
+        </p:spPr>
+        <p:txBody>
+          <a:bodyPr anchorCtr="0" anchor="t" bIns="91425" lIns="91425" spcFirstLastPara="1" rIns="91425" wrap="square" tIns="91425">
+            <a:noAutofit/>
+          </a:bodyPr>
+          <a:lstStyle/>
+          <a:p>
+            <a:pPr indent="0" lvl="0" marL="0" rtl="0" algn="l">
+              <a:spcBef>
+                <a:spcPts val="0"/>
+              </a:spcBef>
+              <a:spcAft>
+                <a:spcPts val="0"/>
+              </a:spcAft>
+              <a:buNone/>
+            </a:pPr>
+            <a:r>
+              <a:rPr lang="en">
+                <a:solidFill>
+                  <a:schemeClr val="lt1"/>
+                </a:solidFill>
+              </a:rPr>
+              <a:t>Addressing Missing Data</a:t>
+            </a:r>
+            <a:endParaRPr>
+              <a:solidFill>
+                <a:schemeClr val="lt1"/>
+              </a:solidFill>
+            </a:endParaRPr>
+          </a:p>
+        </p:txBody>
+      </p:sp>
     </p:spTree>
   </p:cSld>
   <p:clrMapOvr>
@@ -11019,7 +11121,7 @@
   <p:cSld>
     <p:spTree>
       <p:nvGrpSpPr>
-        <p:cNvPr id="246" name="Shape 246"/>
+        <p:cNvPr id="248" name="Shape 248"/>
         <p:cNvGrpSpPr/>
         <p:nvPr/>
       </p:nvGrpSpPr>
@@ -11033,7 +11135,7 @@
       </p:grpSpPr>
       <p:sp>
         <p:nvSpPr>
-          <p:cNvPr id="247" name="Google Shape;247;p27"/>
+          <p:cNvPr id="249" name="Google Shape;249;p27"/>
           <p:cNvSpPr txBox="1"/>
           <p:nvPr>
             <p:ph type="title"/>
@@ -11073,7 +11175,7 @@
       </p:sp>
       <p:sp>
         <p:nvSpPr>
-          <p:cNvPr id="248" name="Google Shape;248;p27"/>
+          <p:cNvPr id="250" name="Google Shape;250;p27"/>
           <p:cNvSpPr txBox="1"/>
           <p:nvPr>
             <p:ph idx="4294967295" type="body"/>
@@ -11249,7 +11351,7 @@
       </p:sp>
       <p:sp>
         <p:nvSpPr>
-          <p:cNvPr id="249" name="Google Shape;249;p27"/>
+          <p:cNvPr id="251" name="Google Shape;251;p27"/>
           <p:cNvSpPr/>
           <p:nvPr/>
         </p:nvSpPr>
@@ -11305,7 +11407,7 @@
   <p:cSld>
     <p:spTree>
       <p:nvGrpSpPr>
-        <p:cNvPr id="253" name="Shape 253"/>
+        <p:cNvPr id="255" name="Shape 255"/>
         <p:cNvGrpSpPr/>
         <p:nvPr/>
       </p:nvGrpSpPr>
@@ -11319,7 +11421,7 @@
       </p:grpSpPr>
       <p:sp>
         <p:nvSpPr>
-          <p:cNvPr id="254" name="Google Shape;254;p28"/>
+          <p:cNvPr id="256" name="Google Shape;256;p28"/>
           <p:cNvSpPr txBox="1"/>
           <p:nvPr>
             <p:ph type="title"/>
@@ -11359,7 +11461,7 @@
       </p:sp>
       <p:sp>
         <p:nvSpPr>
-          <p:cNvPr id="255" name="Google Shape;255;p28"/>
+          <p:cNvPr id="257" name="Google Shape;257;p28"/>
           <p:cNvSpPr txBox="1"/>
           <p:nvPr>
             <p:ph idx="4294967295" type="body"/>
@@ -11535,7 +11637,7 @@
       </p:sp>
       <p:sp>
         <p:nvSpPr>
-          <p:cNvPr id="256" name="Google Shape;256;p28"/>
+          <p:cNvPr id="258" name="Google Shape;258;p28"/>
           <p:cNvSpPr/>
           <p:nvPr/>
         </p:nvSpPr>
@@ -11591,7 +11693,7 @@
   <p:cSld>
     <p:spTree>
       <p:nvGrpSpPr>
-        <p:cNvPr id="260" name="Shape 260"/>
+        <p:cNvPr id="262" name="Shape 262"/>
         <p:cNvGrpSpPr/>
         <p:nvPr/>
       </p:nvGrpSpPr>
@@ -11605,7 +11707,7 @@
       </p:grpSpPr>
       <p:sp>
         <p:nvSpPr>
-          <p:cNvPr id="261" name="Google Shape;261;p29"/>
+          <p:cNvPr id="263" name="Google Shape;263;p29"/>
           <p:cNvSpPr txBox="1"/>
           <p:nvPr>
             <p:ph type="title"/>
@@ -11645,7 +11747,7 @@
       </p:sp>
       <p:sp>
         <p:nvSpPr>
-          <p:cNvPr id="262" name="Google Shape;262;p29"/>
+          <p:cNvPr id="264" name="Google Shape;264;p29"/>
           <p:cNvSpPr txBox="1"/>
           <p:nvPr/>
         </p:nvSpPr>
@@ -11712,7 +11814,7 @@
   <p:cSld>
     <p:spTree>
       <p:nvGrpSpPr>
-        <p:cNvPr id="266" name="Shape 266"/>
+        <p:cNvPr id="268" name="Shape 268"/>
         <p:cNvGrpSpPr/>
         <p:nvPr/>
       </p:nvGrpSpPr>
@@ -11726,7 +11828,7 @@
       </p:grpSpPr>
       <p:sp>
         <p:nvSpPr>
-          <p:cNvPr id="267" name="Google Shape;267;p30"/>
+          <p:cNvPr id="269" name="Google Shape;269;p30"/>
           <p:cNvSpPr txBox="1"/>
           <p:nvPr>
             <p:ph type="title"/>
@@ -11766,7 +11868,7 @@
       </p:sp>
       <p:grpSp>
         <p:nvGrpSpPr>
-          <p:cNvPr id="268" name="Google Shape;268;p30"/>
+          <p:cNvPr id="270" name="Google Shape;270;p30"/>
           <p:cNvGrpSpPr/>
           <p:nvPr/>
         </p:nvGrpSpPr>
@@ -11780,7 +11882,7 @@
         </p:grpSpPr>
         <p:sp>
           <p:nvSpPr>
-            <p:cNvPr id="269" name="Google Shape;269;p30"/>
+            <p:cNvPr id="271" name="Google Shape;271;p30"/>
             <p:cNvSpPr txBox="1"/>
             <p:nvPr/>
           </p:nvSpPr>
@@ -11823,7 +11925,7 @@
         </p:sp>
         <p:sp>
           <p:nvSpPr>
-            <p:cNvPr id="270" name="Google Shape;270;p30"/>
+            <p:cNvPr id="272" name="Google Shape;272;p30"/>
             <p:cNvSpPr/>
             <p:nvPr/>
           </p:nvSpPr>
@@ -12007,7 +12109,7 @@
   <p:cSld>
     <p:spTree>
       <p:nvGrpSpPr>
-        <p:cNvPr id="274" name="Shape 274"/>
+        <p:cNvPr id="276" name="Shape 276"/>
         <p:cNvGrpSpPr/>
         <p:nvPr/>
       </p:nvGrpSpPr>
@@ -12021,7 +12123,7 @@
       </p:grpSpPr>
       <p:sp>
         <p:nvSpPr>
-          <p:cNvPr id="275" name="Google Shape;275;p31"/>
+          <p:cNvPr id="277" name="Google Shape;277;p31"/>
           <p:cNvSpPr txBox="1"/>
           <p:nvPr>
             <p:ph type="title"/>
@@ -12065,7 +12167,7 @@
       </p:sp>
       <p:grpSp>
         <p:nvGrpSpPr>
-          <p:cNvPr id="276" name="Google Shape;276;p31"/>
+          <p:cNvPr id="278" name="Google Shape;278;p31"/>
           <p:cNvGrpSpPr/>
           <p:nvPr/>
         </p:nvGrpSpPr>
@@ -12079,7 +12181,7 @@
         </p:grpSpPr>
         <p:sp>
           <p:nvSpPr>
-            <p:cNvPr id="277" name="Google Shape;277;p31"/>
+            <p:cNvPr id="279" name="Google Shape;279;p31"/>
             <p:cNvSpPr txBox="1"/>
             <p:nvPr/>
           </p:nvSpPr>
@@ -12122,7 +12224,7 @@
         </p:sp>
         <p:sp>
           <p:nvSpPr>
-            <p:cNvPr id="278" name="Google Shape;278;p31"/>
+            <p:cNvPr id="280" name="Google Shape;280;p31"/>
             <p:cNvSpPr/>
             <p:nvPr/>
           </p:nvSpPr>
@@ -12295,7 +12397,7 @@
       </p:grpSp>
       <p:sp>
         <p:nvSpPr>
-          <p:cNvPr id="279" name="Google Shape;279;p31"/>
+          <p:cNvPr id="281" name="Google Shape;281;p31"/>
           <p:cNvSpPr/>
           <p:nvPr/>
         </p:nvSpPr>
@@ -13173,7 +13275,7 @@
   <p:cSld>
     <p:spTree>
       <p:nvGrpSpPr>
-        <p:cNvPr id="283" name="Shape 283"/>
+        <p:cNvPr id="285" name="Shape 285"/>
         <p:cNvGrpSpPr/>
         <p:nvPr/>
       </p:nvGrpSpPr>
@@ -13187,7 +13289,7 @@
       </p:grpSpPr>
       <p:sp>
         <p:nvSpPr>
-          <p:cNvPr id="284" name="Google Shape;284;p32"/>
+          <p:cNvPr id="286" name="Google Shape;286;p32"/>
           <p:cNvSpPr txBox="1"/>
           <p:nvPr>
             <p:ph type="title"/>
@@ -13312,7 +13414,7 @@
       </p:sp>
       <p:grpSp>
         <p:nvGrpSpPr>
-          <p:cNvPr id="285" name="Google Shape;285;p32"/>
+          <p:cNvPr id="287" name="Google Shape;287;p32"/>
           <p:cNvGrpSpPr/>
           <p:nvPr/>
         </p:nvGrpSpPr>
@@ -13326,7 +13428,7 @@
         </p:grpSpPr>
         <p:sp>
           <p:nvSpPr>
-            <p:cNvPr id="286" name="Google Shape;286;p32"/>
+            <p:cNvPr id="288" name="Google Shape;288;p32"/>
             <p:cNvSpPr/>
             <p:nvPr/>
           </p:nvSpPr>
@@ -13372,7 +13474,7 @@
         </p:sp>
         <p:sp>
           <p:nvSpPr>
-            <p:cNvPr id="287" name="Google Shape;287;p32"/>
+            <p:cNvPr id="289" name="Google Shape;289;p32"/>
             <p:cNvSpPr txBox="1"/>
             <p:nvPr/>
           </p:nvSpPr>
@@ -13430,7 +13532,7 @@
         </p:sp>
         <p:sp>
           <p:nvSpPr>
-            <p:cNvPr id="288" name="Google Shape;288;p32"/>
+            <p:cNvPr id="290" name="Google Shape;290;p32"/>
             <p:cNvSpPr txBox="1"/>
             <p:nvPr/>
           </p:nvSpPr>
@@ -13492,7 +13594,7 @@
       </p:grpSp>
       <p:grpSp>
         <p:nvGrpSpPr>
-          <p:cNvPr id="289" name="Google Shape;289;p32"/>
+          <p:cNvPr id="291" name="Google Shape;291;p32"/>
           <p:cNvGrpSpPr/>
           <p:nvPr/>
         </p:nvGrpSpPr>
@@ -13506,7 +13608,7 @@
         </p:grpSpPr>
         <p:sp>
           <p:nvSpPr>
-            <p:cNvPr id="290" name="Google Shape;290;p32"/>
+            <p:cNvPr id="292" name="Google Shape;292;p32"/>
             <p:cNvSpPr/>
             <p:nvPr/>
           </p:nvSpPr>
@@ -13552,7 +13654,7 @@
         </p:sp>
         <p:sp>
           <p:nvSpPr>
-            <p:cNvPr id="291" name="Google Shape;291;p32"/>
+            <p:cNvPr id="293" name="Google Shape;293;p32"/>
             <p:cNvSpPr txBox="1"/>
             <p:nvPr/>
           </p:nvSpPr>
@@ -13610,7 +13712,7 @@
         </p:sp>
         <p:sp>
           <p:nvSpPr>
-            <p:cNvPr id="292" name="Google Shape;292;p32"/>
+            <p:cNvPr id="294" name="Google Shape;294;p32"/>
             <p:cNvSpPr txBox="1"/>
             <p:nvPr/>
           </p:nvSpPr>
@@ -13672,7 +13774,7 @@
       </p:grpSp>
       <p:grpSp>
         <p:nvGrpSpPr>
-          <p:cNvPr id="293" name="Google Shape;293;p32"/>
+          <p:cNvPr id="295" name="Google Shape;295;p32"/>
           <p:cNvGrpSpPr/>
           <p:nvPr/>
         </p:nvGrpSpPr>
@@ -13686,7 +13788,7 @@
         </p:grpSpPr>
         <p:sp>
           <p:nvSpPr>
-            <p:cNvPr id="294" name="Google Shape;294;p32"/>
+            <p:cNvPr id="296" name="Google Shape;296;p32"/>
             <p:cNvSpPr/>
             <p:nvPr/>
           </p:nvSpPr>
@@ -13777,7 +13879,7 @@
         </p:sp>
         <p:sp>
           <p:nvSpPr>
-            <p:cNvPr id="295" name="Google Shape;295;p32"/>
+            <p:cNvPr id="297" name="Google Shape;297;p32"/>
             <p:cNvSpPr txBox="1"/>
             <p:nvPr/>
           </p:nvSpPr>
@@ -13847,7 +13949,7 @@
         </p:sp>
         <p:sp>
           <p:nvSpPr>
-            <p:cNvPr id="296" name="Google Shape;296;p32"/>
+            <p:cNvPr id="298" name="Google Shape;298;p32"/>
             <p:cNvSpPr txBox="1"/>
             <p:nvPr/>
           </p:nvSpPr>
@@ -13920,7 +14022,7 @@
   <p:cSld>
     <p:spTree>
       <p:nvGrpSpPr>
-        <p:cNvPr id="300" name="Shape 300"/>
+        <p:cNvPr id="302" name="Shape 302"/>
         <p:cNvGrpSpPr/>
         <p:nvPr/>
       </p:nvGrpSpPr>
@@ -13934,7 +14036,7 @@
       </p:grpSpPr>
       <p:grpSp>
         <p:nvGrpSpPr>
-          <p:cNvPr id="301" name="Google Shape;301;p33"/>
+          <p:cNvPr id="303" name="Google Shape;303;p33"/>
           <p:cNvGrpSpPr/>
           <p:nvPr/>
         </p:nvGrpSpPr>
@@ -13948,7 +14050,7 @@
         </p:grpSpPr>
         <p:cxnSp>
           <p:nvCxnSpPr>
-            <p:cNvPr id="302" name="Google Shape;302;p33"/>
+            <p:cNvPr id="304" name="Google Shape;304;p33"/>
             <p:cNvCxnSpPr/>
             <p:nvPr/>
           </p:nvCxnSpPr>
@@ -13974,7 +14076,7 @@
         </p:cxnSp>
         <p:cxnSp>
           <p:nvCxnSpPr>
-            <p:cNvPr id="303" name="Google Shape;303;p33"/>
+            <p:cNvPr id="305" name="Google Shape;305;p33"/>
             <p:cNvCxnSpPr/>
             <p:nvPr/>
           </p:nvCxnSpPr>
@@ -14000,7 +14102,7 @@
         </p:cxnSp>
         <p:cxnSp>
           <p:nvCxnSpPr>
-            <p:cNvPr id="304" name="Google Shape;304;p33"/>
+            <p:cNvPr id="306" name="Google Shape;306;p33"/>
             <p:cNvCxnSpPr/>
             <p:nvPr/>
           </p:nvCxnSpPr>
@@ -14026,7 +14128,7 @@
         </p:cxnSp>
         <p:cxnSp>
           <p:nvCxnSpPr>
-            <p:cNvPr id="305" name="Google Shape;305;p33"/>
+            <p:cNvPr id="307" name="Google Shape;307;p33"/>
             <p:cNvCxnSpPr/>
             <p:nvPr/>
           </p:nvCxnSpPr>
@@ -14052,7 +14154,7 @@
         </p:cxnSp>
         <p:cxnSp>
           <p:nvCxnSpPr>
-            <p:cNvPr id="306" name="Google Shape;306;p33"/>
+            <p:cNvPr id="308" name="Google Shape;308;p33"/>
             <p:cNvCxnSpPr/>
             <p:nvPr/>
           </p:nvCxnSpPr>
@@ -14078,7 +14180,7 @@
         </p:cxnSp>
         <p:cxnSp>
           <p:nvCxnSpPr>
-            <p:cNvPr id="307" name="Google Shape;307;p33"/>
+            <p:cNvPr id="309" name="Google Shape;309;p33"/>
             <p:cNvCxnSpPr/>
             <p:nvPr/>
           </p:nvCxnSpPr>
@@ -14104,7 +14206,7 @@
         </p:cxnSp>
         <p:cxnSp>
           <p:nvCxnSpPr>
-            <p:cNvPr id="308" name="Google Shape;308;p33"/>
+            <p:cNvPr id="310" name="Google Shape;310;p33"/>
             <p:cNvCxnSpPr/>
             <p:nvPr/>
           </p:nvCxnSpPr>
@@ -14130,7 +14232,7 @@
         </p:cxnSp>
         <p:cxnSp>
           <p:nvCxnSpPr>
-            <p:cNvPr id="309" name="Google Shape;309;p33"/>
+            <p:cNvPr id="311" name="Google Shape;311;p33"/>
             <p:cNvCxnSpPr/>
             <p:nvPr/>
           </p:nvCxnSpPr>
@@ -14156,7 +14258,7 @@
         </p:cxnSp>
         <p:cxnSp>
           <p:nvCxnSpPr>
-            <p:cNvPr id="310" name="Google Shape;310;p33"/>
+            <p:cNvPr id="312" name="Google Shape;312;p33"/>
             <p:cNvCxnSpPr/>
             <p:nvPr/>
           </p:nvCxnSpPr>
@@ -14182,7 +14284,7 @@
         </p:cxnSp>
         <p:cxnSp>
           <p:nvCxnSpPr>
-            <p:cNvPr id="311" name="Google Shape;311;p33"/>
+            <p:cNvPr id="313" name="Google Shape;313;p33"/>
             <p:cNvCxnSpPr/>
             <p:nvPr/>
           </p:nvCxnSpPr>
@@ -14209,7 +14311,7 @@
       </p:grpSp>
       <p:sp>
         <p:nvSpPr>
-          <p:cNvPr id="312" name="Google Shape;312;p33"/>
+          <p:cNvPr id="314" name="Google Shape;314;p33"/>
           <p:cNvSpPr txBox="1"/>
           <p:nvPr>
             <p:ph type="title"/>
@@ -14249,7 +14351,7 @@
       </p:sp>
       <p:grpSp>
         <p:nvGrpSpPr>
-          <p:cNvPr id="313" name="Google Shape;313;p33"/>
+          <p:cNvPr id="315" name="Google Shape;315;p33"/>
           <p:cNvGrpSpPr/>
           <p:nvPr/>
         </p:nvGrpSpPr>
@@ -14263,7 +14365,7 @@
         </p:grpSpPr>
         <p:sp>
           <p:nvSpPr>
-            <p:cNvPr id="314" name="Google Shape;314;p33"/>
+            <p:cNvPr id="316" name="Google Shape;316;p33"/>
             <p:cNvSpPr/>
             <p:nvPr/>
           </p:nvSpPr>
@@ -14341,7 +14443,7 @@
         </p:sp>
         <p:sp>
           <p:nvSpPr>
-            <p:cNvPr id="315" name="Google Shape;315;p33"/>
+            <p:cNvPr id="317" name="Google Shape;317;p33"/>
             <p:cNvSpPr/>
             <p:nvPr/>
           </p:nvSpPr>
@@ -14390,7 +14492,7 @@
         </p:sp>
         <p:sp>
           <p:nvSpPr>
-            <p:cNvPr id="316" name="Google Shape;316;p33"/>
+            <p:cNvPr id="318" name="Google Shape;318;p33"/>
             <p:cNvSpPr/>
             <p:nvPr/>
           </p:nvSpPr>
@@ -14439,7 +14541,7 @@
         </p:sp>
         <p:sp>
           <p:nvSpPr>
-            <p:cNvPr id="317" name="Google Shape;317;p33"/>
+            <p:cNvPr id="319" name="Google Shape;319;p33"/>
             <p:cNvSpPr/>
             <p:nvPr/>
           </p:nvSpPr>
@@ -14488,7 +14590,7 @@
         </p:sp>
         <p:sp>
           <p:nvSpPr>
-            <p:cNvPr id="318" name="Google Shape;318;p33"/>
+            <p:cNvPr id="320" name="Google Shape;320;p33"/>
             <p:cNvSpPr/>
             <p:nvPr/>
           </p:nvSpPr>
@@ -14537,7 +14639,7 @@
         </p:sp>
         <p:sp>
           <p:nvSpPr>
-            <p:cNvPr id="319" name="Google Shape;319;p33"/>
+            <p:cNvPr id="321" name="Google Shape;321;p33"/>
             <p:cNvSpPr/>
             <p:nvPr/>
           </p:nvSpPr>
@@ -14586,7 +14688,7 @@
         </p:sp>
         <p:sp>
           <p:nvSpPr>
-            <p:cNvPr id="320" name="Google Shape;320;p33"/>
+            <p:cNvPr id="322" name="Google Shape;322;p33"/>
             <p:cNvSpPr/>
             <p:nvPr/>
           </p:nvSpPr>
@@ -14635,7 +14737,7 @@
         </p:sp>
         <p:sp>
           <p:nvSpPr>
-            <p:cNvPr id="321" name="Google Shape;321;p33"/>
+            <p:cNvPr id="323" name="Google Shape;323;p33"/>
             <p:cNvSpPr/>
             <p:nvPr/>
           </p:nvSpPr>
@@ -14684,7 +14786,7 @@
         </p:sp>
         <p:sp>
           <p:nvSpPr>
-            <p:cNvPr id="322" name="Google Shape;322;p33"/>
+            <p:cNvPr id="324" name="Google Shape;324;p33"/>
             <p:cNvSpPr/>
             <p:nvPr/>
           </p:nvSpPr>
@@ -14734,7 +14836,7 @@
       </p:grpSp>
       <p:grpSp>
         <p:nvGrpSpPr>
-          <p:cNvPr id="323" name="Google Shape;323;p33"/>
+          <p:cNvPr id="325" name="Google Shape;325;p33"/>
           <p:cNvGrpSpPr/>
           <p:nvPr/>
         </p:nvGrpSpPr>
@@ -14748,7 +14850,7 @@
         </p:grpSpPr>
         <p:sp>
           <p:nvSpPr>
-            <p:cNvPr id="324" name="Google Shape;324;p33"/>
+            <p:cNvPr id="326" name="Google Shape;326;p33"/>
             <p:cNvSpPr/>
             <p:nvPr/>
           </p:nvSpPr>
@@ -14826,7 +14928,7 @@
         </p:sp>
         <p:sp>
           <p:nvSpPr>
-            <p:cNvPr id="325" name="Google Shape;325;p33"/>
+            <p:cNvPr id="327" name="Google Shape;327;p33"/>
             <p:cNvSpPr/>
             <p:nvPr/>
           </p:nvSpPr>
@@ -14875,7 +14977,7 @@
         </p:sp>
         <p:sp>
           <p:nvSpPr>
-            <p:cNvPr id="326" name="Google Shape;326;p33"/>
+            <p:cNvPr id="328" name="Google Shape;328;p33"/>
             <p:cNvSpPr/>
             <p:nvPr/>
           </p:nvSpPr>
@@ -14924,7 +15026,7 @@
         </p:sp>
         <p:sp>
           <p:nvSpPr>
-            <p:cNvPr id="327" name="Google Shape;327;p33"/>
+            <p:cNvPr id="329" name="Google Shape;329;p33"/>
             <p:cNvSpPr/>
             <p:nvPr/>
           </p:nvSpPr>
@@ -14973,7 +15075,7 @@
         </p:sp>
         <p:sp>
           <p:nvSpPr>
-            <p:cNvPr id="328" name="Google Shape;328;p33"/>
+            <p:cNvPr id="330" name="Google Shape;330;p33"/>
             <p:cNvSpPr/>
             <p:nvPr/>
           </p:nvSpPr>
@@ -15022,7 +15124,7 @@
         </p:sp>
         <p:sp>
           <p:nvSpPr>
-            <p:cNvPr id="329" name="Google Shape;329;p33"/>
+            <p:cNvPr id="331" name="Google Shape;331;p33"/>
             <p:cNvSpPr/>
             <p:nvPr/>
           </p:nvSpPr>
@@ -15071,7 +15173,7 @@
         </p:sp>
         <p:sp>
           <p:nvSpPr>
-            <p:cNvPr id="330" name="Google Shape;330;p33"/>
+            <p:cNvPr id="332" name="Google Shape;332;p33"/>
             <p:cNvSpPr/>
             <p:nvPr/>
           </p:nvSpPr>
@@ -15120,7 +15222,7 @@
         </p:sp>
         <p:sp>
           <p:nvSpPr>
-            <p:cNvPr id="331" name="Google Shape;331;p33"/>
+            <p:cNvPr id="333" name="Google Shape;333;p33"/>
             <p:cNvSpPr/>
             <p:nvPr/>
           </p:nvSpPr>
@@ -15169,7 +15271,7 @@
         </p:sp>
         <p:sp>
           <p:nvSpPr>
-            <p:cNvPr id="332" name="Google Shape;332;p33"/>
+            <p:cNvPr id="334" name="Google Shape;334;p33"/>
             <p:cNvSpPr/>
             <p:nvPr/>
           </p:nvSpPr>
@@ -15219,7 +15321,7 @@
       </p:grpSp>
       <p:sp>
         <p:nvSpPr>
-          <p:cNvPr id="333" name="Google Shape;333;p33"/>
+          <p:cNvPr id="335" name="Google Shape;335;p33"/>
           <p:cNvSpPr txBox="1"/>
           <p:nvPr>
             <p:ph idx="2" type="body"/>
@@ -15278,7 +15380,7 @@
   <p:cSld>
     <p:spTree>
       <p:nvGrpSpPr>
-        <p:cNvPr id="337" name="Shape 337"/>
+        <p:cNvPr id="339" name="Shape 339"/>
         <p:cNvGrpSpPr/>
         <p:nvPr/>
       </p:nvGrpSpPr>
@@ -15292,7 +15394,7 @@
       </p:grpSpPr>
       <p:sp>
         <p:nvSpPr>
-          <p:cNvPr id="338" name="Google Shape;338;p34"/>
+          <p:cNvPr id="340" name="Google Shape;340;p34"/>
           <p:cNvSpPr txBox="1"/>
           <p:nvPr/>
         </p:nvSpPr>
@@ -15583,7 +15685,7 @@
       </p:sp>
       <p:sp>
         <p:nvSpPr>
-          <p:cNvPr id="339" name="Google Shape;339;p34"/>
+          <p:cNvPr id="341" name="Google Shape;341;p34"/>
           <p:cNvSpPr txBox="1"/>
           <p:nvPr>
             <p:ph idx="4294967295" type="title"/>
@@ -20123,6 +20225,285 @@
 </file>
 
 <file path=ppt/theme/theme1.xml><?xml version="1.0" encoding="utf-8"?>
+<a:theme xmlns:a="http://schemas.openxmlformats.org/drawingml/2006/main" xmlns:r="http://schemas.openxmlformats.org/officeDocument/2006/relationships" name="Geometric">
+  <a:themeElements>
+    <a:clrScheme name="Geometric">
+      <a:dk1>
+        <a:srgbClr val="2A3990"/>
+      </a:dk1>
+      <a:lt1>
+        <a:srgbClr val="FFFFFF"/>
+      </a:lt1>
+      <a:dk2>
+        <a:srgbClr val="434343"/>
+      </a:dk2>
+      <a:lt2>
+        <a:srgbClr val="999999"/>
+      </a:lt2>
+      <a:accent1>
+        <a:srgbClr val="212D74"/>
+      </a:accent1>
+      <a:accent2>
+        <a:srgbClr val="3949AB"/>
+      </a:accent2>
+      <a:accent3>
+        <a:srgbClr val="9C254D"/>
+      </a:accent3>
+      <a:accent4>
+        <a:srgbClr val="D23369"/>
+      </a:accent4>
+      <a:accent5>
+        <a:srgbClr val="F06292"/>
+      </a:accent5>
+      <a:accent6>
+        <a:srgbClr val="7890CD"/>
+      </a:accent6>
+      <a:hlink>
+        <a:srgbClr val="F06292"/>
+      </a:hlink>
+      <a:folHlink>
+        <a:srgbClr val="F06292"/>
+      </a:folHlink>
+    </a:clrScheme>
+    <a:fontScheme name="Office">
+      <a:majorFont>
+        <a:latin typeface="Arial"/>
+        <a:ea typeface=""/>
+        <a:cs typeface=""/>
+        <a:font script="Jpan" typeface="ＭＳ Ｐゴシック"/>
+        <a:font script="Hang" typeface="맑은 고딕"/>
+        <a:font script="Hans" typeface="宋体"/>
+        <a:font script="Hant" typeface="新細明體"/>
+        <a:font script="Arab" typeface="Times New Roman"/>
+        <a:font script="Hebr" typeface="Times New Roman"/>
+        <a:font script="Thai" typeface="Angsana New"/>
+        <a:font script="Ethi" typeface="Nyala"/>
+        <a:font script="Beng" typeface="Vrinda"/>
+        <a:font script="Gujr" typeface="Shruti"/>
+        <a:font script="Khmr" typeface="MoolBoran"/>
+        <a:font script="Knda" typeface="Tunga"/>
+        <a:font script="Guru" typeface="Raavi"/>
+        <a:font script="Cans" typeface="Euphemia"/>
+        <a:font script="Cher" typeface="Plantagenet Cherokee"/>
+        <a:font script="Yiii" typeface="Microsoft Yi Baiti"/>
+        <a:font script="Tibt" typeface="Microsoft Himalaya"/>
+        <a:font script="Thaa" typeface="MV Boli"/>
+        <a:font script="Deva" typeface="Mangal"/>
+        <a:font script="Telu" typeface="Gautami"/>
+        <a:font script="Taml" typeface="Latha"/>
+        <a:font script="Syrc" typeface="Estrangelo Edessa"/>
+        <a:font script="Orya" typeface="Kalinga"/>
+        <a:font script="Mlym" typeface="Kartika"/>
+        <a:font script="Laoo" typeface="DokChampa"/>
+        <a:font script="Sinh" typeface="Iskoola Pota"/>
+        <a:font script="Mong" typeface="Mongolian Baiti"/>
+        <a:font script="Viet" typeface="Times New Roman"/>
+        <a:font script="Uigh" typeface="Microsoft Uighur"/>
+        <a:font script="Geor" typeface="Sylfaen"/>
+      </a:majorFont>
+      <a:minorFont>
+        <a:latin typeface="Arial"/>
+        <a:ea typeface=""/>
+        <a:cs typeface=""/>
+        <a:font script="Jpan" typeface="ＭＳ Ｐゴシック"/>
+        <a:font script="Hang" typeface="맑은 고딕"/>
+        <a:font script="Hans" typeface="宋体"/>
+        <a:font script="Hant" typeface="新細明體"/>
+        <a:font script="Arab" typeface="Arial"/>
+        <a:font script="Hebr" typeface="Arial"/>
+        <a:font script="Thai" typeface="Cordia New"/>
+        <a:font script="Ethi" typeface="Nyala"/>
+        <a:font script="Beng" typeface="Vrinda"/>
+        <a:font script="Gujr" typeface="Shruti"/>
+        <a:font script="Khmr" typeface="DaunPenh"/>
+        <a:font script="Knda" typeface="Tunga"/>
+        <a:font script="Guru" typeface="Raavi"/>
+        <a:font script="Cans" typeface="Euphemia"/>
+        <a:font script="Cher" typeface="Plantagenet Cherokee"/>
+        <a:font script="Yiii" typeface="Microsoft Yi Baiti"/>
+        <a:font script="Tibt" typeface="Microsoft Himalaya"/>
+        <a:font script="Thaa" typeface="MV Boli"/>
+        <a:font script="Deva" typeface="Mangal"/>
+        <a:font script="Telu" typeface="Gautami"/>
+        <a:font script="Taml" typeface="Latha"/>
+        <a:font script="Syrc" typeface="Estrangelo Edessa"/>
+        <a:font script="Orya" typeface="Kalinga"/>
+        <a:font script="Mlym" typeface="Kartika"/>
+        <a:font script="Laoo" typeface="DokChampa"/>
+        <a:font script="Sinh" typeface="Iskoola Pota"/>
+        <a:font script="Mong" typeface="Mongolian Baiti"/>
+        <a:font script="Viet" typeface="Arial"/>
+        <a:font script="Uigh" typeface="Microsoft Uighur"/>
+        <a:font script="Geor" typeface="Sylfaen"/>
+      </a:minorFont>
+    </a:fontScheme>
+    <a:fmtScheme name="Office">
+      <a:fillStyleLst>
+        <a:solidFill>
+          <a:schemeClr val="phClr"/>
+        </a:solidFill>
+        <a:gradFill rotWithShape="1">
+          <a:gsLst>
+            <a:gs pos="0">
+              <a:schemeClr val="phClr">
+                <a:tint val="50000"/>
+                <a:satMod val="300000"/>
+              </a:schemeClr>
+            </a:gs>
+            <a:gs pos="35000">
+              <a:schemeClr val="phClr">
+                <a:tint val="37000"/>
+                <a:satMod val="300000"/>
+              </a:schemeClr>
+            </a:gs>
+            <a:gs pos="100000">
+              <a:schemeClr val="phClr">
+                <a:tint val="15000"/>
+                <a:satMod val="350000"/>
+              </a:schemeClr>
+            </a:gs>
+          </a:gsLst>
+          <a:lin ang="16200000" scaled="1"/>
+        </a:gradFill>
+        <a:gradFill rotWithShape="1">
+          <a:gsLst>
+            <a:gs pos="0">
+              <a:schemeClr val="phClr">
+                <a:tint val="100000"/>
+                <a:shade val="100000"/>
+                <a:satMod val="130000"/>
+              </a:schemeClr>
+            </a:gs>
+            <a:gs pos="100000">
+              <a:schemeClr val="phClr">
+                <a:tint val="50000"/>
+                <a:shade val="100000"/>
+                <a:satMod val="350000"/>
+              </a:schemeClr>
+            </a:gs>
+          </a:gsLst>
+          <a:lin ang="16200000" scaled="0"/>
+        </a:gradFill>
+      </a:fillStyleLst>
+      <a:lnStyleLst>
+        <a:ln w="9525" cap="flat" cmpd="sng" algn="ctr">
+          <a:solidFill>
+            <a:schemeClr val="phClr">
+              <a:shade val="95000"/>
+              <a:satMod val="105000"/>
+            </a:schemeClr>
+          </a:solidFill>
+          <a:prstDash val="solid"/>
+        </a:ln>
+        <a:ln w="25400" cap="flat" cmpd="sng" algn="ctr">
+          <a:solidFill>
+            <a:schemeClr val="phClr"/>
+          </a:solidFill>
+          <a:prstDash val="solid"/>
+        </a:ln>
+        <a:ln w="38100" cap="flat" cmpd="sng" algn="ctr">
+          <a:solidFill>
+            <a:schemeClr val="phClr"/>
+          </a:solidFill>
+          <a:prstDash val="solid"/>
+        </a:ln>
+      </a:lnStyleLst>
+      <a:effectStyleLst>
+        <a:effectStyle>
+          <a:effectLst>
+            <a:outerShdw blurRad="40000" dist="20000" dir="5400000" rotWithShape="0">
+              <a:srgbClr val="000000">
+                <a:alpha val="38000"/>
+              </a:srgbClr>
+            </a:outerShdw>
+          </a:effectLst>
+        </a:effectStyle>
+        <a:effectStyle>
+          <a:effectLst>
+            <a:outerShdw blurRad="40000" dist="23000" dir="5400000" rotWithShape="0">
+              <a:srgbClr val="000000">
+                <a:alpha val="35000"/>
+              </a:srgbClr>
+            </a:outerShdw>
+          </a:effectLst>
+        </a:effectStyle>
+        <a:effectStyle>
+          <a:effectLst>
+            <a:outerShdw blurRad="40000" dist="23000" dir="5400000" rotWithShape="0">
+              <a:srgbClr val="000000">
+                <a:alpha val="35000"/>
+              </a:srgbClr>
+            </a:outerShdw>
+          </a:effectLst>
+          <a:scene3d>
+            <a:camera prst="orthographicFront">
+              <a:rot lat="0" lon="0" rev="0"/>
+            </a:camera>
+            <a:lightRig rig="threePt" dir="t">
+              <a:rot lat="0" lon="0" rev="1200000"/>
+            </a:lightRig>
+          </a:scene3d>
+          <a:sp3d>
+            <a:bevelT w="63500" h="25400"/>
+          </a:sp3d>
+        </a:effectStyle>
+      </a:effectStyleLst>
+      <a:bgFillStyleLst>
+        <a:solidFill>
+          <a:schemeClr val="phClr"/>
+        </a:solidFill>
+        <a:gradFill rotWithShape="1">
+          <a:gsLst>
+            <a:gs pos="0">
+              <a:schemeClr val="phClr">
+                <a:tint val="40000"/>
+                <a:satMod val="350000"/>
+              </a:schemeClr>
+            </a:gs>
+            <a:gs pos="40000">
+              <a:schemeClr val="phClr">
+                <a:tint val="45000"/>
+                <a:shade val="99000"/>
+                <a:satMod val="350000"/>
+              </a:schemeClr>
+            </a:gs>
+            <a:gs pos="100000">
+              <a:schemeClr val="phClr">
+                <a:shade val="20000"/>
+                <a:satMod val="255000"/>
+              </a:schemeClr>
+            </a:gs>
+          </a:gsLst>
+          <a:path path="circle">
+            <a:fillToRect l="50000" t="-80000" r="50000" b="180000"/>
+          </a:path>
+        </a:gradFill>
+        <a:gradFill rotWithShape="1">
+          <a:gsLst>
+            <a:gs pos="0">
+              <a:schemeClr val="phClr">
+                <a:tint val="80000"/>
+                <a:satMod val="300000"/>
+              </a:schemeClr>
+            </a:gs>
+            <a:gs pos="100000">
+              <a:schemeClr val="phClr">
+                <a:shade val="30000"/>
+                <a:satMod val="200000"/>
+              </a:schemeClr>
+            </a:gs>
+          </a:gsLst>
+          <a:path path="circle">
+            <a:fillToRect l="50000" t="50000" r="50000" b="50000"/>
+          </a:path>
+        </a:gradFill>
+      </a:bgFillStyleLst>
+    </a:fmtScheme>
+  </a:themeElements>
+</a:theme>
+</file>
+
+<file path=ppt/theme/theme2.xml><?xml version="1.0" encoding="utf-8"?>
 <a:theme xmlns:a="http://schemas.openxmlformats.org/drawingml/2006/main" xmlns:r="http://schemas.openxmlformats.org/officeDocument/2006/relationships">
   <a:themeElements>
     <a:clrScheme name="Default">
@@ -20399,283 +20780,4 @@
     </a:fmtScheme>
   </a:themeElements>
 </a:theme>
-</file>
-
-<file path=ppt/theme/theme2.xml><?xml version="1.0" encoding="utf-8"?>
-<a:theme xmlns:a="http://schemas.openxmlformats.org/drawingml/2006/main" xmlns:r="http://schemas.openxmlformats.org/officeDocument/2006/relationships" name="Geometric">
-  <a:themeElements>
-    <a:clrScheme name="Geometric">
-      <a:dk1>
-        <a:srgbClr val="2A3990"/>
-      </a:dk1>
-      <a:lt1>
-        <a:srgbClr val="FFFFFF"/>
-      </a:lt1>
-      <a:dk2>
-        <a:srgbClr val="434343"/>
-      </a:dk2>
-      <a:lt2>
-        <a:srgbClr val="999999"/>
-      </a:lt2>
-      <a:accent1>
-        <a:srgbClr val="212D74"/>
-      </a:accent1>
-      <a:accent2>
-        <a:srgbClr val="3949AB"/>
-      </a:accent2>
-      <a:accent3>
-        <a:srgbClr val="9C254D"/>
-      </a:accent3>
-      <a:accent4>
-        <a:srgbClr val="D23369"/>
-      </a:accent4>
-      <a:accent5>
-        <a:srgbClr val="F06292"/>
-      </a:accent5>
-      <a:accent6>
-        <a:srgbClr val="7890CD"/>
-      </a:accent6>
-      <a:hlink>
-        <a:srgbClr val="F06292"/>
-      </a:hlink>
-      <a:folHlink>
-        <a:srgbClr val="F06292"/>
-      </a:folHlink>
-    </a:clrScheme>
-    <a:fontScheme name="Office">
-      <a:majorFont>
-        <a:latin typeface="Arial"/>
-        <a:ea typeface=""/>
-        <a:cs typeface=""/>
-        <a:font script="Jpan" typeface="ＭＳ Ｐゴシック"/>
-        <a:font script="Hang" typeface="맑은 고딕"/>
-        <a:font script="Hans" typeface="宋体"/>
-        <a:font script="Hant" typeface="新細明體"/>
-        <a:font script="Arab" typeface="Times New Roman"/>
-        <a:font script="Hebr" typeface="Times New Roman"/>
-        <a:font script="Thai" typeface="Angsana New"/>
-        <a:font script="Ethi" typeface="Nyala"/>
-        <a:font script="Beng" typeface="Vrinda"/>
-        <a:font script="Gujr" typeface="Shruti"/>
-        <a:font script="Khmr" typeface="MoolBoran"/>
-        <a:font script="Knda" typeface="Tunga"/>
-        <a:font script="Guru" typeface="Raavi"/>
-        <a:font script="Cans" typeface="Euphemia"/>
-        <a:font script="Cher" typeface="Plantagenet Cherokee"/>
-        <a:font script="Yiii" typeface="Microsoft Yi Baiti"/>
-        <a:font script="Tibt" typeface="Microsoft Himalaya"/>
-        <a:font script="Thaa" typeface="MV Boli"/>
-        <a:font script="Deva" typeface="Mangal"/>
-        <a:font script="Telu" typeface="Gautami"/>
-        <a:font script="Taml" typeface="Latha"/>
-        <a:font script="Syrc" typeface="Estrangelo Edessa"/>
-        <a:font script="Orya" typeface="Kalinga"/>
-        <a:font script="Mlym" typeface="Kartika"/>
-        <a:font script="Laoo" typeface="DokChampa"/>
-        <a:font script="Sinh" typeface="Iskoola Pota"/>
-        <a:font script="Mong" typeface="Mongolian Baiti"/>
-        <a:font script="Viet" typeface="Times New Roman"/>
-        <a:font script="Uigh" typeface="Microsoft Uighur"/>
-        <a:font script="Geor" typeface="Sylfaen"/>
-      </a:majorFont>
-      <a:minorFont>
-        <a:latin typeface="Arial"/>
-        <a:ea typeface=""/>
-        <a:cs typeface=""/>
-        <a:font script="Jpan" typeface="ＭＳ Ｐゴシック"/>
-        <a:font script="Hang" typeface="맑은 고딕"/>
-        <a:font script="Hans" typeface="宋体"/>
-        <a:font script="Hant" typeface="新細明體"/>
-        <a:font script="Arab" typeface="Arial"/>
-        <a:font script="Hebr" typeface="Arial"/>
-        <a:font script="Thai" typeface="Cordia New"/>
-        <a:font script="Ethi" typeface="Nyala"/>
-        <a:font script="Beng" typeface="Vrinda"/>
-        <a:font script="Gujr" typeface="Shruti"/>
-        <a:font script="Khmr" typeface="DaunPenh"/>
-        <a:font script="Knda" typeface="Tunga"/>
-        <a:font script="Guru" typeface="Raavi"/>
-        <a:font script="Cans" typeface="Euphemia"/>
-        <a:font script="Cher" typeface="Plantagenet Cherokee"/>
-        <a:font script="Yiii" typeface="Microsoft Yi Baiti"/>
-        <a:font script="Tibt" typeface="Microsoft Himalaya"/>
-        <a:font script="Thaa" typeface="MV Boli"/>
-        <a:font script="Deva" typeface="Mangal"/>
-        <a:font script="Telu" typeface="Gautami"/>
-        <a:font script="Taml" typeface="Latha"/>
-        <a:font script="Syrc" typeface="Estrangelo Edessa"/>
-        <a:font script="Orya" typeface="Kalinga"/>
-        <a:font script="Mlym" typeface="Kartika"/>
-        <a:font script="Laoo" typeface="DokChampa"/>
-        <a:font script="Sinh" typeface="Iskoola Pota"/>
-        <a:font script="Mong" typeface="Mongolian Baiti"/>
-        <a:font script="Viet" typeface="Arial"/>
-        <a:font script="Uigh" typeface="Microsoft Uighur"/>
-        <a:font script="Geor" typeface="Sylfaen"/>
-      </a:minorFont>
-    </a:fontScheme>
-    <a:fmtScheme name="Office">
-      <a:fillStyleLst>
-        <a:solidFill>
-          <a:schemeClr val="phClr"/>
-        </a:solidFill>
-        <a:gradFill rotWithShape="1">
-          <a:gsLst>
-            <a:gs pos="0">
-              <a:schemeClr val="phClr">
-                <a:tint val="50000"/>
-                <a:satMod val="300000"/>
-              </a:schemeClr>
-            </a:gs>
-            <a:gs pos="35000">
-              <a:schemeClr val="phClr">
-                <a:tint val="37000"/>
-                <a:satMod val="300000"/>
-              </a:schemeClr>
-            </a:gs>
-            <a:gs pos="100000">
-              <a:schemeClr val="phClr">
-                <a:tint val="15000"/>
-                <a:satMod val="350000"/>
-              </a:schemeClr>
-            </a:gs>
-          </a:gsLst>
-          <a:lin ang="16200000" scaled="1"/>
-        </a:gradFill>
-        <a:gradFill rotWithShape="1">
-          <a:gsLst>
-            <a:gs pos="0">
-              <a:schemeClr val="phClr">
-                <a:tint val="100000"/>
-                <a:shade val="100000"/>
-                <a:satMod val="130000"/>
-              </a:schemeClr>
-            </a:gs>
-            <a:gs pos="100000">
-              <a:schemeClr val="phClr">
-                <a:tint val="50000"/>
-                <a:shade val="100000"/>
-                <a:satMod val="350000"/>
-              </a:schemeClr>
-            </a:gs>
-          </a:gsLst>
-          <a:lin ang="16200000" scaled="0"/>
-        </a:gradFill>
-      </a:fillStyleLst>
-      <a:lnStyleLst>
-        <a:ln w="9525" cap="flat" cmpd="sng" algn="ctr">
-          <a:solidFill>
-            <a:schemeClr val="phClr">
-              <a:shade val="95000"/>
-              <a:satMod val="105000"/>
-            </a:schemeClr>
-          </a:solidFill>
-          <a:prstDash val="solid"/>
-        </a:ln>
-        <a:ln w="25400" cap="flat" cmpd="sng" algn="ctr">
-          <a:solidFill>
-            <a:schemeClr val="phClr"/>
-          </a:solidFill>
-          <a:prstDash val="solid"/>
-        </a:ln>
-        <a:ln w="38100" cap="flat" cmpd="sng" algn="ctr">
-          <a:solidFill>
-            <a:schemeClr val="phClr"/>
-          </a:solidFill>
-          <a:prstDash val="solid"/>
-        </a:ln>
-      </a:lnStyleLst>
-      <a:effectStyleLst>
-        <a:effectStyle>
-          <a:effectLst>
-            <a:outerShdw blurRad="40000" dist="20000" dir="5400000" rotWithShape="0">
-              <a:srgbClr val="000000">
-                <a:alpha val="38000"/>
-              </a:srgbClr>
-            </a:outerShdw>
-          </a:effectLst>
-        </a:effectStyle>
-        <a:effectStyle>
-          <a:effectLst>
-            <a:outerShdw blurRad="40000" dist="23000" dir="5400000" rotWithShape="0">
-              <a:srgbClr val="000000">
-                <a:alpha val="35000"/>
-              </a:srgbClr>
-            </a:outerShdw>
-          </a:effectLst>
-        </a:effectStyle>
-        <a:effectStyle>
-          <a:effectLst>
-            <a:outerShdw blurRad="40000" dist="23000" dir="5400000" rotWithShape="0">
-              <a:srgbClr val="000000">
-                <a:alpha val="35000"/>
-              </a:srgbClr>
-            </a:outerShdw>
-          </a:effectLst>
-          <a:scene3d>
-            <a:camera prst="orthographicFront">
-              <a:rot lat="0" lon="0" rev="0"/>
-            </a:camera>
-            <a:lightRig rig="threePt" dir="t">
-              <a:rot lat="0" lon="0" rev="1200000"/>
-            </a:lightRig>
-          </a:scene3d>
-          <a:sp3d>
-            <a:bevelT w="63500" h="25400"/>
-          </a:sp3d>
-        </a:effectStyle>
-      </a:effectStyleLst>
-      <a:bgFillStyleLst>
-        <a:solidFill>
-          <a:schemeClr val="phClr"/>
-        </a:solidFill>
-        <a:gradFill rotWithShape="1">
-          <a:gsLst>
-            <a:gs pos="0">
-              <a:schemeClr val="phClr">
-                <a:tint val="40000"/>
-                <a:satMod val="350000"/>
-              </a:schemeClr>
-            </a:gs>
-            <a:gs pos="40000">
-              <a:schemeClr val="phClr">
-                <a:tint val="45000"/>
-                <a:shade val="99000"/>
-                <a:satMod val="350000"/>
-              </a:schemeClr>
-            </a:gs>
-            <a:gs pos="100000">
-              <a:schemeClr val="phClr">
-                <a:shade val="20000"/>
-                <a:satMod val="255000"/>
-              </a:schemeClr>
-            </a:gs>
-          </a:gsLst>
-          <a:path path="circle">
-            <a:fillToRect l="50000" t="-80000" r="50000" b="180000"/>
-          </a:path>
-        </a:gradFill>
-        <a:gradFill rotWithShape="1">
-          <a:gsLst>
-            <a:gs pos="0">
-              <a:schemeClr val="phClr">
-                <a:tint val="80000"/>
-                <a:satMod val="300000"/>
-              </a:schemeClr>
-            </a:gs>
-            <a:gs pos="100000">
-              <a:schemeClr val="phClr">
-                <a:shade val="30000"/>
-                <a:satMod val="200000"/>
-              </a:schemeClr>
-            </a:gs>
-          </a:gsLst>
-          <a:path path="circle">
-            <a:fillToRect l="50000" t="50000" r="50000" b="50000"/>
-          </a:path>
-        </a:gradFill>
-      </a:bgFillStyleLst>
-    </a:fmtScheme>
-  </a:themeElements>
-</a:theme>
 </file>
--- a/COVID-19 Analysis.pptx
+++ b/COVID-19 Analysis.pptx
@@ -30,16 +30,18 @@
     <p:sldId id="275" r:id="rId25"/>
     <p:sldId id="276" r:id="rId26"/>
     <p:sldId id="277" r:id="rId27"/>
+    <p:sldId id="278" r:id="rId28"/>
+    <p:sldId id="279" r:id="rId29"/>
   </p:sldIdLst>
   <p:sldSz cy="5143500" cx="9144000"/>
   <p:notesSz cx="6858000" cy="9144000"/>
   <p:embeddedFontLst>
     <p:embeddedFont>
       <p:font typeface="Roboto"/>
-      <p:regular r:id="rId28"/>
-      <p:bold r:id="rId29"/>
-      <p:italic r:id="rId30"/>
-      <p:boldItalic r:id="rId31"/>
+      <p:regular r:id="rId30"/>
+      <p:bold r:id="rId31"/>
+      <p:italic r:id="rId32"/>
+      <p:boldItalic r:id="rId33"/>
     </p:embeddedFont>
   </p:embeddedFontLst>
   <p:defaultTextStyle>
@@ -1329,7 +1331,205 @@
       </p:grpSpPr>
       <p:sp>
         <p:nvSpPr>
-          <p:cNvPr id="246" name="Google Shape;246;g13d29a0f314_0_85:notes"/>
+          <p:cNvPr id="246" name="Google Shape;246;g13f84584001_0_2:notes"/>
+          <p:cNvSpPr/>
+          <p:nvPr>
+            <p:ph idx="2" type="sldImg"/>
+          </p:nvPr>
+        </p:nvSpPr>
+        <p:spPr>
+          <a:xfrm>
+            <a:off x="381300" y="685800"/>
+            <a:ext cx="6096000" cy="3429000"/>
+          </a:xfrm>
+          <a:custGeom>
+            <a:rect b="b" l="l" r="r" t="t"/>
+            <a:pathLst>
+              <a:path extrusionOk="0" h="120000" w="120000">
+                <a:moveTo>
+                  <a:pt x="0" y="0"/>
+                </a:moveTo>
+                <a:lnTo>
+                  <a:pt x="120000" y="0"/>
+                </a:lnTo>
+                <a:lnTo>
+                  <a:pt x="120000" y="120000"/>
+                </a:lnTo>
+                <a:lnTo>
+                  <a:pt x="0" y="120000"/>
+                </a:lnTo>
+                <a:close/>
+              </a:path>
+            </a:pathLst>
+          </a:custGeom>
+        </p:spPr>
+      </p:sp>
+      <p:sp>
+        <p:nvSpPr>
+          <p:cNvPr id="247" name="Google Shape;247;g13f84584001_0_2:notes"/>
+          <p:cNvSpPr txBox="1"/>
+          <p:nvPr>
+            <p:ph idx="1" type="body"/>
+          </p:nvPr>
+        </p:nvSpPr>
+        <p:spPr>
+          <a:xfrm>
+            <a:off x="685800" y="4343400"/>
+            <a:ext cx="5486400" cy="4114800"/>
+          </a:xfrm>
+          <a:prstGeom prst="rect">
+            <a:avLst/>
+          </a:prstGeom>
+        </p:spPr>
+        <p:txBody>
+          <a:bodyPr anchorCtr="0" anchor="t" bIns="91425" lIns="91425" spcFirstLastPara="1" rIns="91425" wrap="square" tIns="91425">
+            <a:noAutofit/>
+          </a:bodyPr>
+          <a:lstStyle/>
+          <a:p>
+            <a:pPr indent="0" lvl="0" marL="0" rtl="0" algn="l">
+              <a:spcBef>
+                <a:spcPts val="0"/>
+              </a:spcBef>
+              <a:spcAft>
+                <a:spcPts val="0"/>
+              </a:spcAft>
+              <a:buNone/>
+            </a:pPr>
+            <a:r>
+              <a:t/>
+            </a:r>
+            <a:endParaRPr/>
+          </a:p>
+        </p:txBody>
+      </p:sp>
+    </p:spTree>
+  </p:cSld>
+  <p:clrMapOvr>
+    <a:masterClrMapping/>
+  </p:clrMapOvr>
+</p:notes>
+</file>
+
+<file path=ppt/notesSlides/notesSlide16.xml><?xml version="1.0" encoding="utf-8"?>
+<p:notes xmlns:a="http://schemas.openxmlformats.org/drawingml/2006/main" xmlns:r="http://schemas.openxmlformats.org/officeDocument/2006/relationships" xmlns:mc="http://schemas.openxmlformats.org/markup-compatibility/2006" xmlns:mv="urn:schemas-microsoft-com:mac:vml" xmlns:p="http://schemas.openxmlformats.org/presentationml/2006/main" xmlns:c="http://schemas.openxmlformats.org/drawingml/2006/chart" xmlns:dgm="http://schemas.openxmlformats.org/drawingml/2006/diagram" xmlns:o="urn:schemas-microsoft-com:office:office" xmlns:v="urn:schemas-microsoft-com:vml" xmlns:pvml="urn:schemas-microsoft-com:office:powerpoint" xmlns:com="http://schemas.openxmlformats.org/drawingml/2006/compatibility" xmlns:p14="http://schemas.microsoft.com/office/powerpoint/2010/main" xmlns:p15="http://schemas.microsoft.com/office/powerpoint/2012/main" xmlns:ahyp="http://schemas.microsoft.com/office/drawing/2018/hyperlinkcolor" showMasterPhAnim="0" showMasterSp="0">
+  <p:cSld>
+    <p:spTree>
+      <p:nvGrpSpPr>
+        <p:cNvPr id="254" name="Shape 254"/>
+        <p:cNvGrpSpPr/>
+        <p:nvPr/>
+      </p:nvGrpSpPr>
+      <p:grpSpPr>
+        <a:xfrm>
+          <a:off x="0" y="0"/>
+          <a:ext cx="0" cy="0"/>
+          <a:chOff x="0" y="0"/>
+          <a:chExt cx="0" cy="0"/>
+        </a:xfrm>
+      </p:grpSpPr>
+      <p:sp>
+        <p:nvSpPr>
+          <p:cNvPr id="255" name="Google Shape;255;g13f84584001_0_15:notes"/>
+          <p:cNvSpPr/>
+          <p:nvPr>
+            <p:ph idx="2" type="sldImg"/>
+          </p:nvPr>
+        </p:nvSpPr>
+        <p:spPr>
+          <a:xfrm>
+            <a:off x="381300" y="685800"/>
+            <a:ext cx="6096000" cy="3429000"/>
+          </a:xfrm>
+          <a:custGeom>
+            <a:rect b="b" l="l" r="r" t="t"/>
+            <a:pathLst>
+              <a:path extrusionOk="0" h="120000" w="120000">
+                <a:moveTo>
+                  <a:pt x="0" y="0"/>
+                </a:moveTo>
+                <a:lnTo>
+                  <a:pt x="120000" y="0"/>
+                </a:lnTo>
+                <a:lnTo>
+                  <a:pt x="120000" y="120000"/>
+                </a:lnTo>
+                <a:lnTo>
+                  <a:pt x="0" y="120000"/>
+                </a:lnTo>
+                <a:close/>
+              </a:path>
+            </a:pathLst>
+          </a:custGeom>
+        </p:spPr>
+      </p:sp>
+      <p:sp>
+        <p:nvSpPr>
+          <p:cNvPr id="256" name="Google Shape;256;g13f84584001_0_15:notes"/>
+          <p:cNvSpPr txBox="1"/>
+          <p:nvPr>
+            <p:ph idx="1" type="body"/>
+          </p:nvPr>
+        </p:nvSpPr>
+        <p:spPr>
+          <a:xfrm>
+            <a:off x="685800" y="4343400"/>
+            <a:ext cx="5486400" cy="4114800"/>
+          </a:xfrm>
+          <a:prstGeom prst="rect">
+            <a:avLst/>
+          </a:prstGeom>
+        </p:spPr>
+        <p:txBody>
+          <a:bodyPr anchorCtr="0" anchor="t" bIns="91425" lIns="91425" spcFirstLastPara="1" rIns="91425" wrap="square" tIns="91425">
+            <a:noAutofit/>
+          </a:bodyPr>
+          <a:lstStyle/>
+          <a:p>
+            <a:pPr indent="0" lvl="0" marL="0" rtl="0" algn="l">
+              <a:spcBef>
+                <a:spcPts val="0"/>
+              </a:spcBef>
+              <a:spcAft>
+                <a:spcPts val="0"/>
+              </a:spcAft>
+              <a:buNone/>
+            </a:pPr>
+            <a:r>
+              <a:t/>
+            </a:r>
+            <a:endParaRPr/>
+          </a:p>
+        </p:txBody>
+      </p:sp>
+    </p:spTree>
+  </p:cSld>
+  <p:clrMapOvr>
+    <a:masterClrMapping/>
+  </p:clrMapOvr>
+</p:notes>
+</file>
+
+<file path=ppt/notesSlides/notesSlide17.xml><?xml version="1.0" encoding="utf-8"?>
+<p:notes xmlns:a="http://schemas.openxmlformats.org/drawingml/2006/main" xmlns:r="http://schemas.openxmlformats.org/officeDocument/2006/relationships" xmlns:mc="http://schemas.openxmlformats.org/markup-compatibility/2006" xmlns:mv="urn:schemas-microsoft-com:mac:vml" xmlns:p="http://schemas.openxmlformats.org/presentationml/2006/main" xmlns:c="http://schemas.openxmlformats.org/drawingml/2006/chart" xmlns:dgm="http://schemas.openxmlformats.org/drawingml/2006/diagram" xmlns:o="urn:schemas-microsoft-com:office:office" xmlns:v="urn:schemas-microsoft-com:vml" xmlns:pvml="urn:schemas-microsoft-com:office:powerpoint" xmlns:com="http://schemas.openxmlformats.org/drawingml/2006/compatibility" xmlns:p14="http://schemas.microsoft.com/office/powerpoint/2010/main" xmlns:p15="http://schemas.microsoft.com/office/powerpoint/2012/main" xmlns:ahyp="http://schemas.microsoft.com/office/drawing/2018/hyperlinkcolor" showMasterPhAnim="0" showMasterSp="0">
+  <p:cSld>
+    <p:spTree>
+      <p:nvGrpSpPr>
+        <p:cNvPr id="263" name="Shape 263"/>
+        <p:cNvGrpSpPr/>
+        <p:nvPr/>
+      </p:nvGrpSpPr>
+      <p:grpSpPr>
+        <a:xfrm>
+          <a:off x="0" y="0"/>
+          <a:ext cx="0" cy="0"/>
+          <a:chOff x="0" y="0"/>
+          <a:chExt cx="0" cy="0"/>
+        </a:xfrm>
+      </p:grpSpPr>
+      <p:sp>
+        <p:nvSpPr>
+          <p:cNvPr id="264" name="Google Shape;264;g13d29a0f314_0_85:notes"/>
           <p:cNvSpPr/>
           <p:nvPr>
             <p:ph idx="2" type="sldImg"/>
@@ -1364,7 +1564,7 @@
       </p:sp>
       <p:sp>
         <p:nvSpPr>
-          <p:cNvPr id="247" name="Google Shape;247;g13d29a0f314_0_85:notes"/>
+          <p:cNvPr id="265" name="Google Shape;265;g13d29a0f314_0_85:notes"/>
           <p:cNvSpPr txBox="1"/>
           <p:nvPr>
             <p:ph idx="1" type="body"/>
@@ -1409,12 +1609,12 @@
 </p:notes>
 </file>
 
-<file path=ppt/notesSlides/notesSlide16.xml><?xml version="1.0" encoding="utf-8"?>
+<file path=ppt/notesSlides/notesSlide18.xml><?xml version="1.0" encoding="utf-8"?>
 <p:notes xmlns:a="http://schemas.openxmlformats.org/drawingml/2006/main" xmlns:r="http://schemas.openxmlformats.org/officeDocument/2006/relationships" xmlns:mc="http://schemas.openxmlformats.org/markup-compatibility/2006" xmlns:mv="urn:schemas-microsoft-com:mac:vml" xmlns:p="http://schemas.openxmlformats.org/presentationml/2006/main" xmlns:c="http://schemas.openxmlformats.org/drawingml/2006/chart" xmlns:dgm="http://schemas.openxmlformats.org/drawingml/2006/diagram" xmlns:o="urn:schemas-microsoft-com:office:office" xmlns:v="urn:schemas-microsoft-com:vml" xmlns:pvml="urn:schemas-microsoft-com:office:powerpoint" xmlns:com="http://schemas.openxmlformats.org/drawingml/2006/compatibility" xmlns:p14="http://schemas.microsoft.com/office/powerpoint/2010/main" xmlns:p15="http://schemas.microsoft.com/office/powerpoint/2012/main" xmlns:ahyp="http://schemas.microsoft.com/office/drawing/2018/hyperlinkcolor" showMasterPhAnim="0" showMasterSp="0">
   <p:cSld>
     <p:spTree>
       <p:nvGrpSpPr>
-        <p:cNvPr id="252" name="Shape 252"/>
+        <p:cNvPr id="270" name="Shape 270"/>
         <p:cNvGrpSpPr/>
         <p:nvPr/>
       </p:nvGrpSpPr>
@@ -1428,7 +1628,7 @@
       </p:grpSpPr>
       <p:sp>
         <p:nvSpPr>
-          <p:cNvPr id="253" name="Google Shape;253;g13e30ec05fc_1_7:notes"/>
+          <p:cNvPr id="271" name="Google Shape;271;g13e30ec05fc_1_7:notes"/>
           <p:cNvSpPr/>
           <p:nvPr>
             <p:ph idx="2" type="sldImg"/>
@@ -1463,7 +1663,7 @@
       </p:sp>
       <p:sp>
         <p:nvSpPr>
-          <p:cNvPr id="254" name="Google Shape;254;g13e30ec05fc_1_7:notes"/>
+          <p:cNvPr id="272" name="Google Shape;272;g13e30ec05fc_1_7:notes"/>
           <p:cNvSpPr txBox="1"/>
           <p:nvPr>
             <p:ph idx="1" type="body"/>
@@ -1508,12 +1708,12 @@
 </p:notes>
 </file>
 
-<file path=ppt/notesSlides/notesSlide17.xml><?xml version="1.0" encoding="utf-8"?>
+<file path=ppt/notesSlides/notesSlide19.xml><?xml version="1.0" encoding="utf-8"?>
 <p:notes xmlns:a="http://schemas.openxmlformats.org/drawingml/2006/main" xmlns:r="http://schemas.openxmlformats.org/officeDocument/2006/relationships" xmlns:mc="http://schemas.openxmlformats.org/markup-compatibility/2006" xmlns:mv="urn:schemas-microsoft-com:mac:vml" xmlns:p="http://schemas.openxmlformats.org/presentationml/2006/main" xmlns:c="http://schemas.openxmlformats.org/drawingml/2006/chart" xmlns:dgm="http://schemas.openxmlformats.org/drawingml/2006/diagram" xmlns:o="urn:schemas-microsoft-com:office:office" xmlns:v="urn:schemas-microsoft-com:vml" xmlns:pvml="urn:schemas-microsoft-com:office:powerpoint" xmlns:com="http://schemas.openxmlformats.org/drawingml/2006/compatibility" xmlns:p14="http://schemas.microsoft.com/office/powerpoint/2010/main" xmlns:p15="http://schemas.microsoft.com/office/powerpoint/2012/main" xmlns:ahyp="http://schemas.microsoft.com/office/drawing/2018/hyperlinkcolor" showMasterPhAnim="0" showMasterSp="0">
   <p:cSld>
     <p:spTree>
       <p:nvGrpSpPr>
-        <p:cNvPr id="259" name="Shape 259"/>
+        <p:cNvPr id="277" name="Shape 277"/>
         <p:cNvGrpSpPr/>
         <p:nvPr/>
       </p:nvGrpSpPr>
@@ -1527,7 +1727,7 @@
       </p:grpSpPr>
       <p:sp>
         <p:nvSpPr>
-          <p:cNvPr id="260" name="Google Shape;260;g13e30ec05fc_1_240:notes"/>
+          <p:cNvPr id="278" name="Google Shape;278;g13e30ec05fc_1_240:notes"/>
           <p:cNvSpPr/>
           <p:nvPr>
             <p:ph idx="2" type="sldImg"/>
@@ -1562,205 +1762,7 @@
       </p:sp>
       <p:sp>
         <p:nvSpPr>
-          <p:cNvPr id="261" name="Google Shape;261;g13e30ec05fc_1_240:notes"/>
-          <p:cNvSpPr txBox="1"/>
-          <p:nvPr>
-            <p:ph idx="1" type="body"/>
-          </p:nvPr>
-        </p:nvSpPr>
-        <p:spPr>
-          <a:xfrm>
-            <a:off x="685800" y="4343400"/>
-            <a:ext cx="5486400" cy="4114800"/>
-          </a:xfrm>
-          <a:prstGeom prst="rect">
-            <a:avLst/>
-          </a:prstGeom>
-        </p:spPr>
-        <p:txBody>
-          <a:bodyPr anchorCtr="0" anchor="t" bIns="91425" lIns="91425" spcFirstLastPara="1" rIns="91425" wrap="square" tIns="91425">
-            <a:noAutofit/>
-          </a:bodyPr>
-          <a:lstStyle/>
-          <a:p>
-            <a:pPr indent="0" lvl="0" marL="0" rtl="0" algn="l">
-              <a:spcBef>
-                <a:spcPts val="0"/>
-              </a:spcBef>
-              <a:spcAft>
-                <a:spcPts val="0"/>
-              </a:spcAft>
-              <a:buNone/>
-            </a:pPr>
-            <a:r>
-              <a:t/>
-            </a:r>
-            <a:endParaRPr/>
-          </a:p>
-        </p:txBody>
-      </p:sp>
-    </p:spTree>
-  </p:cSld>
-  <p:clrMapOvr>
-    <a:masterClrMapping/>
-  </p:clrMapOvr>
-</p:notes>
-</file>
-
-<file path=ppt/notesSlides/notesSlide18.xml><?xml version="1.0" encoding="utf-8"?>
-<p:notes xmlns:a="http://schemas.openxmlformats.org/drawingml/2006/main" xmlns:r="http://schemas.openxmlformats.org/officeDocument/2006/relationships" xmlns:mc="http://schemas.openxmlformats.org/markup-compatibility/2006" xmlns:mv="urn:schemas-microsoft-com:mac:vml" xmlns:p="http://schemas.openxmlformats.org/presentationml/2006/main" xmlns:c="http://schemas.openxmlformats.org/drawingml/2006/chart" xmlns:dgm="http://schemas.openxmlformats.org/drawingml/2006/diagram" xmlns:o="urn:schemas-microsoft-com:office:office" xmlns:v="urn:schemas-microsoft-com:vml" xmlns:pvml="urn:schemas-microsoft-com:office:powerpoint" xmlns:com="http://schemas.openxmlformats.org/drawingml/2006/compatibility" xmlns:p14="http://schemas.microsoft.com/office/powerpoint/2010/main" xmlns:p15="http://schemas.microsoft.com/office/powerpoint/2012/main" xmlns:ahyp="http://schemas.microsoft.com/office/drawing/2018/hyperlinkcolor" showMasterPhAnim="0" showMasterSp="0">
-  <p:cSld>
-    <p:spTree>
-      <p:nvGrpSpPr>
-        <p:cNvPr id="265" name="Shape 265"/>
-        <p:cNvGrpSpPr/>
-        <p:nvPr/>
-      </p:nvGrpSpPr>
-      <p:grpSpPr>
-        <a:xfrm>
-          <a:off x="0" y="0"/>
-          <a:ext cx="0" cy="0"/>
-          <a:chOff x="0" y="0"/>
-          <a:chExt cx="0" cy="0"/>
-        </a:xfrm>
-      </p:grpSpPr>
-      <p:sp>
-        <p:nvSpPr>
-          <p:cNvPr id="266" name="Google Shape;266;g13e30ec05fc_1_249:notes"/>
-          <p:cNvSpPr/>
-          <p:nvPr>
-            <p:ph idx="2" type="sldImg"/>
-          </p:nvPr>
-        </p:nvSpPr>
-        <p:spPr>
-          <a:xfrm>
-            <a:off x="381300" y="685800"/>
-            <a:ext cx="6096000" cy="3429000"/>
-          </a:xfrm>
-          <a:custGeom>
-            <a:rect b="b" l="l" r="r" t="t"/>
-            <a:pathLst>
-              <a:path extrusionOk="0" h="120000" w="120000">
-                <a:moveTo>
-                  <a:pt x="0" y="0"/>
-                </a:moveTo>
-                <a:lnTo>
-                  <a:pt x="120000" y="0"/>
-                </a:lnTo>
-                <a:lnTo>
-                  <a:pt x="120000" y="120000"/>
-                </a:lnTo>
-                <a:lnTo>
-                  <a:pt x="0" y="120000"/>
-                </a:lnTo>
-                <a:close/>
-              </a:path>
-            </a:pathLst>
-          </a:custGeom>
-        </p:spPr>
-      </p:sp>
-      <p:sp>
-        <p:nvSpPr>
-          <p:cNvPr id="267" name="Google Shape;267;g13e30ec05fc_1_249:notes"/>
-          <p:cNvSpPr txBox="1"/>
-          <p:nvPr>
-            <p:ph idx="1" type="body"/>
-          </p:nvPr>
-        </p:nvSpPr>
-        <p:spPr>
-          <a:xfrm>
-            <a:off x="685800" y="4343400"/>
-            <a:ext cx="5486400" cy="4114800"/>
-          </a:xfrm>
-          <a:prstGeom prst="rect">
-            <a:avLst/>
-          </a:prstGeom>
-        </p:spPr>
-        <p:txBody>
-          <a:bodyPr anchorCtr="0" anchor="t" bIns="91425" lIns="91425" spcFirstLastPara="1" rIns="91425" wrap="square" tIns="91425">
-            <a:noAutofit/>
-          </a:bodyPr>
-          <a:lstStyle/>
-          <a:p>
-            <a:pPr indent="0" lvl="0" marL="0" rtl="0" algn="l">
-              <a:spcBef>
-                <a:spcPts val="0"/>
-              </a:spcBef>
-              <a:spcAft>
-                <a:spcPts val="0"/>
-              </a:spcAft>
-              <a:buNone/>
-            </a:pPr>
-            <a:r>
-              <a:t/>
-            </a:r>
-            <a:endParaRPr/>
-          </a:p>
-        </p:txBody>
-      </p:sp>
-    </p:spTree>
-  </p:cSld>
-  <p:clrMapOvr>
-    <a:masterClrMapping/>
-  </p:clrMapOvr>
-</p:notes>
-</file>
-
-<file path=ppt/notesSlides/notesSlide19.xml><?xml version="1.0" encoding="utf-8"?>
-<p:notes xmlns:a="http://schemas.openxmlformats.org/drawingml/2006/main" xmlns:r="http://schemas.openxmlformats.org/officeDocument/2006/relationships" xmlns:mc="http://schemas.openxmlformats.org/markup-compatibility/2006" xmlns:mv="urn:schemas-microsoft-com:mac:vml" xmlns:p="http://schemas.openxmlformats.org/presentationml/2006/main" xmlns:c="http://schemas.openxmlformats.org/drawingml/2006/chart" xmlns:dgm="http://schemas.openxmlformats.org/drawingml/2006/diagram" xmlns:o="urn:schemas-microsoft-com:office:office" xmlns:v="urn:schemas-microsoft-com:vml" xmlns:pvml="urn:schemas-microsoft-com:office:powerpoint" xmlns:com="http://schemas.openxmlformats.org/drawingml/2006/compatibility" xmlns:p14="http://schemas.microsoft.com/office/powerpoint/2010/main" xmlns:p15="http://schemas.microsoft.com/office/powerpoint/2012/main" xmlns:ahyp="http://schemas.microsoft.com/office/drawing/2018/hyperlinkcolor" showMasterPhAnim="0" showMasterSp="0">
-  <p:cSld>
-    <p:spTree>
-      <p:nvGrpSpPr>
-        <p:cNvPr id="273" name="Shape 273"/>
-        <p:cNvGrpSpPr/>
-        <p:nvPr/>
-      </p:nvGrpSpPr>
-      <p:grpSpPr>
-        <a:xfrm>
-          <a:off x="0" y="0"/>
-          <a:ext cx="0" cy="0"/>
-          <a:chOff x="0" y="0"/>
-          <a:chExt cx="0" cy="0"/>
-        </a:xfrm>
-      </p:grpSpPr>
-      <p:sp>
-        <p:nvSpPr>
-          <p:cNvPr id="274" name="Google Shape;274;g13e30ec05fc_1_245:notes"/>
-          <p:cNvSpPr/>
-          <p:nvPr>
-            <p:ph idx="2" type="sldImg"/>
-          </p:nvPr>
-        </p:nvSpPr>
-        <p:spPr>
-          <a:xfrm>
-            <a:off x="381300" y="685800"/>
-            <a:ext cx="6096000" cy="3429000"/>
-          </a:xfrm>
-          <a:custGeom>
-            <a:rect b="b" l="l" r="r" t="t"/>
-            <a:pathLst>
-              <a:path extrusionOk="0" h="120000" w="120000">
-                <a:moveTo>
-                  <a:pt x="0" y="0"/>
-                </a:moveTo>
-                <a:lnTo>
-                  <a:pt x="120000" y="0"/>
-                </a:lnTo>
-                <a:lnTo>
-                  <a:pt x="120000" y="120000"/>
-                </a:lnTo>
-                <a:lnTo>
-                  <a:pt x="0" y="120000"/>
-                </a:lnTo>
-                <a:close/>
-              </a:path>
-            </a:pathLst>
-          </a:custGeom>
-        </p:spPr>
-      </p:sp>
-      <p:sp>
-        <p:nvSpPr>
-          <p:cNvPr id="275" name="Google Shape;275;g13e30ec05fc_1_245:notes"/>
+          <p:cNvPr id="279" name="Google Shape;279;g13e30ec05fc_1_240:notes"/>
           <p:cNvSpPr txBox="1"/>
           <p:nvPr>
             <p:ph idx="1" type="body"/>
@@ -1909,7 +1911,7 @@
   <p:cSld>
     <p:spTree>
       <p:nvGrpSpPr>
-        <p:cNvPr id="282" name="Shape 282"/>
+        <p:cNvPr id="283" name="Shape 283"/>
         <p:cNvGrpSpPr/>
         <p:nvPr/>
       </p:nvGrpSpPr>
@@ -1923,7 +1925,7 @@
       </p:grpSpPr>
       <p:sp>
         <p:nvSpPr>
-          <p:cNvPr id="283" name="Google Shape;283;g13e30ec05fc_1_218:notes"/>
+          <p:cNvPr id="284" name="Google Shape;284;g13e30ec05fc_1_249:notes"/>
           <p:cNvSpPr/>
           <p:nvPr>
             <p:ph idx="2" type="sldImg"/>
@@ -1958,7 +1960,7 @@
       </p:sp>
       <p:sp>
         <p:nvSpPr>
-          <p:cNvPr id="284" name="Google Shape;284;g13e30ec05fc_1_218:notes"/>
+          <p:cNvPr id="285" name="Google Shape;285;g13e30ec05fc_1_249:notes"/>
           <p:cNvSpPr txBox="1"/>
           <p:nvPr>
             <p:ph idx="1" type="body"/>
@@ -2008,7 +2010,7 @@
   <p:cSld>
     <p:spTree>
       <p:nvGrpSpPr>
-        <p:cNvPr id="299" name="Shape 299"/>
+        <p:cNvPr id="291" name="Shape 291"/>
         <p:cNvGrpSpPr/>
         <p:nvPr/>
       </p:nvGrpSpPr>
@@ -2022,7 +2024,205 @@
       </p:grpSpPr>
       <p:sp>
         <p:nvSpPr>
-          <p:cNvPr id="300" name="Google Shape;300;gc6f9e470d_0_126:notes"/>
+          <p:cNvPr id="292" name="Google Shape;292;g13e30ec05fc_1_245:notes"/>
+          <p:cNvSpPr/>
+          <p:nvPr>
+            <p:ph idx="2" type="sldImg"/>
+          </p:nvPr>
+        </p:nvSpPr>
+        <p:spPr>
+          <a:xfrm>
+            <a:off x="381300" y="685800"/>
+            <a:ext cx="6096000" cy="3429000"/>
+          </a:xfrm>
+          <a:custGeom>
+            <a:rect b="b" l="l" r="r" t="t"/>
+            <a:pathLst>
+              <a:path extrusionOk="0" h="120000" w="120000">
+                <a:moveTo>
+                  <a:pt x="0" y="0"/>
+                </a:moveTo>
+                <a:lnTo>
+                  <a:pt x="120000" y="0"/>
+                </a:lnTo>
+                <a:lnTo>
+                  <a:pt x="120000" y="120000"/>
+                </a:lnTo>
+                <a:lnTo>
+                  <a:pt x="0" y="120000"/>
+                </a:lnTo>
+                <a:close/>
+              </a:path>
+            </a:pathLst>
+          </a:custGeom>
+        </p:spPr>
+      </p:sp>
+      <p:sp>
+        <p:nvSpPr>
+          <p:cNvPr id="293" name="Google Shape;293;g13e30ec05fc_1_245:notes"/>
+          <p:cNvSpPr txBox="1"/>
+          <p:nvPr>
+            <p:ph idx="1" type="body"/>
+          </p:nvPr>
+        </p:nvSpPr>
+        <p:spPr>
+          <a:xfrm>
+            <a:off x="685800" y="4343400"/>
+            <a:ext cx="5486400" cy="4114800"/>
+          </a:xfrm>
+          <a:prstGeom prst="rect">
+            <a:avLst/>
+          </a:prstGeom>
+        </p:spPr>
+        <p:txBody>
+          <a:bodyPr anchorCtr="0" anchor="t" bIns="91425" lIns="91425" spcFirstLastPara="1" rIns="91425" wrap="square" tIns="91425">
+            <a:noAutofit/>
+          </a:bodyPr>
+          <a:lstStyle/>
+          <a:p>
+            <a:pPr indent="0" lvl="0" marL="0" rtl="0" algn="l">
+              <a:spcBef>
+                <a:spcPts val="0"/>
+              </a:spcBef>
+              <a:spcAft>
+                <a:spcPts val="0"/>
+              </a:spcAft>
+              <a:buNone/>
+            </a:pPr>
+            <a:r>
+              <a:t/>
+            </a:r>
+            <a:endParaRPr/>
+          </a:p>
+        </p:txBody>
+      </p:sp>
+    </p:spTree>
+  </p:cSld>
+  <p:clrMapOvr>
+    <a:masterClrMapping/>
+  </p:clrMapOvr>
+</p:notes>
+</file>
+
+<file path=ppt/notesSlides/notesSlide22.xml><?xml version="1.0" encoding="utf-8"?>
+<p:notes xmlns:a="http://schemas.openxmlformats.org/drawingml/2006/main" xmlns:r="http://schemas.openxmlformats.org/officeDocument/2006/relationships" xmlns:mc="http://schemas.openxmlformats.org/markup-compatibility/2006" xmlns:mv="urn:schemas-microsoft-com:mac:vml" xmlns:p="http://schemas.openxmlformats.org/presentationml/2006/main" xmlns:c="http://schemas.openxmlformats.org/drawingml/2006/chart" xmlns:dgm="http://schemas.openxmlformats.org/drawingml/2006/diagram" xmlns:o="urn:schemas-microsoft-com:office:office" xmlns:v="urn:schemas-microsoft-com:vml" xmlns:pvml="urn:schemas-microsoft-com:office:powerpoint" xmlns:com="http://schemas.openxmlformats.org/drawingml/2006/compatibility" xmlns:p14="http://schemas.microsoft.com/office/powerpoint/2010/main" xmlns:p15="http://schemas.microsoft.com/office/powerpoint/2012/main" xmlns:ahyp="http://schemas.microsoft.com/office/drawing/2018/hyperlinkcolor" showMasterPhAnim="0" showMasterSp="0">
+  <p:cSld>
+    <p:spTree>
+      <p:nvGrpSpPr>
+        <p:cNvPr id="300" name="Shape 300"/>
+        <p:cNvGrpSpPr/>
+        <p:nvPr/>
+      </p:nvGrpSpPr>
+      <p:grpSpPr>
+        <a:xfrm>
+          <a:off x="0" y="0"/>
+          <a:ext cx="0" cy="0"/>
+          <a:chOff x="0" y="0"/>
+          <a:chExt cx="0" cy="0"/>
+        </a:xfrm>
+      </p:grpSpPr>
+      <p:sp>
+        <p:nvSpPr>
+          <p:cNvPr id="301" name="Google Shape;301;g13e30ec05fc_1_218:notes"/>
+          <p:cNvSpPr/>
+          <p:nvPr>
+            <p:ph idx="2" type="sldImg"/>
+          </p:nvPr>
+        </p:nvSpPr>
+        <p:spPr>
+          <a:xfrm>
+            <a:off x="381300" y="685800"/>
+            <a:ext cx="6096000" cy="3429000"/>
+          </a:xfrm>
+          <a:custGeom>
+            <a:rect b="b" l="l" r="r" t="t"/>
+            <a:pathLst>
+              <a:path extrusionOk="0" h="120000" w="120000">
+                <a:moveTo>
+                  <a:pt x="0" y="0"/>
+                </a:moveTo>
+                <a:lnTo>
+                  <a:pt x="120000" y="0"/>
+                </a:lnTo>
+                <a:lnTo>
+                  <a:pt x="120000" y="120000"/>
+                </a:lnTo>
+                <a:lnTo>
+                  <a:pt x="0" y="120000"/>
+                </a:lnTo>
+                <a:close/>
+              </a:path>
+            </a:pathLst>
+          </a:custGeom>
+        </p:spPr>
+      </p:sp>
+      <p:sp>
+        <p:nvSpPr>
+          <p:cNvPr id="302" name="Google Shape;302;g13e30ec05fc_1_218:notes"/>
+          <p:cNvSpPr txBox="1"/>
+          <p:nvPr>
+            <p:ph idx="1" type="body"/>
+          </p:nvPr>
+        </p:nvSpPr>
+        <p:spPr>
+          <a:xfrm>
+            <a:off x="685800" y="4343400"/>
+            <a:ext cx="5486400" cy="4114800"/>
+          </a:xfrm>
+          <a:prstGeom prst="rect">
+            <a:avLst/>
+          </a:prstGeom>
+        </p:spPr>
+        <p:txBody>
+          <a:bodyPr anchorCtr="0" anchor="t" bIns="91425" lIns="91425" spcFirstLastPara="1" rIns="91425" wrap="square" tIns="91425">
+            <a:noAutofit/>
+          </a:bodyPr>
+          <a:lstStyle/>
+          <a:p>
+            <a:pPr indent="0" lvl="0" marL="0" rtl="0" algn="l">
+              <a:spcBef>
+                <a:spcPts val="0"/>
+              </a:spcBef>
+              <a:spcAft>
+                <a:spcPts val="0"/>
+              </a:spcAft>
+              <a:buNone/>
+            </a:pPr>
+            <a:r>
+              <a:t/>
+            </a:r>
+            <a:endParaRPr/>
+          </a:p>
+        </p:txBody>
+      </p:sp>
+    </p:spTree>
+  </p:cSld>
+  <p:clrMapOvr>
+    <a:masterClrMapping/>
+  </p:clrMapOvr>
+</p:notes>
+</file>
+
+<file path=ppt/notesSlides/notesSlide23.xml><?xml version="1.0" encoding="utf-8"?>
+<p:notes xmlns:a="http://schemas.openxmlformats.org/drawingml/2006/main" xmlns:r="http://schemas.openxmlformats.org/officeDocument/2006/relationships" xmlns:mc="http://schemas.openxmlformats.org/markup-compatibility/2006" xmlns:mv="urn:schemas-microsoft-com:mac:vml" xmlns:p="http://schemas.openxmlformats.org/presentationml/2006/main" xmlns:c="http://schemas.openxmlformats.org/drawingml/2006/chart" xmlns:dgm="http://schemas.openxmlformats.org/drawingml/2006/diagram" xmlns:o="urn:schemas-microsoft-com:office:office" xmlns:v="urn:schemas-microsoft-com:vml" xmlns:pvml="urn:schemas-microsoft-com:office:powerpoint" xmlns:com="http://schemas.openxmlformats.org/drawingml/2006/compatibility" xmlns:p14="http://schemas.microsoft.com/office/powerpoint/2010/main" xmlns:p15="http://schemas.microsoft.com/office/powerpoint/2012/main" xmlns:ahyp="http://schemas.microsoft.com/office/drawing/2018/hyperlinkcolor" showMasterPhAnim="0" showMasterSp="0">
+  <p:cSld>
+    <p:spTree>
+      <p:nvGrpSpPr>
+        <p:cNvPr id="317" name="Shape 317"/>
+        <p:cNvGrpSpPr/>
+        <p:nvPr/>
+      </p:nvGrpSpPr>
+      <p:grpSpPr>
+        <a:xfrm>
+          <a:off x="0" y="0"/>
+          <a:ext cx="0" cy="0"/>
+          <a:chOff x="0" y="0"/>
+          <a:chExt cx="0" cy="0"/>
+        </a:xfrm>
+      </p:grpSpPr>
+      <p:sp>
+        <p:nvSpPr>
+          <p:cNvPr id="318" name="Google Shape;318;gc6f9e470d_0_126:notes"/>
           <p:cNvSpPr/>
           <p:nvPr>
             <p:ph idx="2" type="sldImg"/>
@@ -2057,7 +2257,7 @@
       </p:sp>
       <p:sp>
         <p:nvSpPr>
-          <p:cNvPr id="301" name="Google Shape;301;gc6f9e470d_0_126:notes"/>
+          <p:cNvPr id="319" name="Google Shape;319;gc6f9e470d_0_126:notes"/>
           <p:cNvSpPr txBox="1"/>
           <p:nvPr>
             <p:ph idx="1" type="body"/>
@@ -2102,12 +2302,12 @@
 </p:notes>
 </file>
 
-<file path=ppt/notesSlides/notesSlide22.xml><?xml version="1.0" encoding="utf-8"?>
+<file path=ppt/notesSlides/notesSlide24.xml><?xml version="1.0" encoding="utf-8"?>
 <p:notes xmlns:a="http://schemas.openxmlformats.org/drawingml/2006/main" xmlns:r="http://schemas.openxmlformats.org/officeDocument/2006/relationships" xmlns:mc="http://schemas.openxmlformats.org/markup-compatibility/2006" xmlns:mv="urn:schemas-microsoft-com:mac:vml" xmlns:p="http://schemas.openxmlformats.org/presentationml/2006/main" xmlns:c="http://schemas.openxmlformats.org/drawingml/2006/chart" xmlns:dgm="http://schemas.openxmlformats.org/drawingml/2006/diagram" xmlns:o="urn:schemas-microsoft-com:office:office" xmlns:v="urn:schemas-microsoft-com:vml" xmlns:pvml="urn:schemas-microsoft-com:office:powerpoint" xmlns:com="http://schemas.openxmlformats.org/drawingml/2006/compatibility" xmlns:p14="http://schemas.microsoft.com/office/powerpoint/2010/main" xmlns:p15="http://schemas.microsoft.com/office/powerpoint/2012/main" xmlns:ahyp="http://schemas.microsoft.com/office/drawing/2018/hyperlinkcolor" showMasterPhAnim="0" showMasterSp="0">
   <p:cSld>
     <p:spTree>
       <p:nvGrpSpPr>
-        <p:cNvPr id="336" name="Shape 336"/>
+        <p:cNvPr id="354" name="Shape 354"/>
         <p:cNvGrpSpPr/>
         <p:nvPr/>
       </p:nvGrpSpPr>
@@ -2121,7 +2321,7 @@
       </p:grpSpPr>
       <p:sp>
         <p:nvSpPr>
-          <p:cNvPr id="337" name="Google Shape;337;g13e30ec05fc_1_786:notes"/>
+          <p:cNvPr id="355" name="Google Shape;355;g13e30ec05fc_1_786:notes"/>
           <p:cNvSpPr/>
           <p:nvPr>
             <p:ph idx="2" type="sldImg"/>
@@ -2156,7 +2356,7 @@
       </p:sp>
       <p:sp>
         <p:nvSpPr>
-          <p:cNvPr id="338" name="Google Shape;338;g13e30ec05fc_1_786:notes"/>
+          <p:cNvPr id="356" name="Google Shape;356;g13e30ec05fc_1_786:notes"/>
           <p:cNvSpPr txBox="1"/>
           <p:nvPr>
             <p:ph idx="1" type="body"/>
@@ -10833,9 +11033,9 @@
         <p:grpSpPr>
           <a:xfrm>
             <a:off x="401725" y="1228664"/>
-            <a:ext cx="8430695" cy="3105712"/>
+            <a:ext cx="8430695" cy="3637004"/>
             <a:chOff x="431925" y="1304875"/>
-            <a:chExt cx="2628923" cy="3525612"/>
+            <a:chExt cx="2628923" cy="4128736"/>
           </a:xfrm>
         </p:grpSpPr>
         <p:sp>
@@ -10889,8 +11089,8 @@
           </p:nvSpPr>
           <p:spPr>
             <a:xfrm>
-              <a:off x="431948" y="1304887"/>
-              <a:ext cx="2628900" cy="3525600"/>
+              <a:off x="431948" y="1689011"/>
+              <a:ext cx="2628900" cy="3744600"/>
             </a:xfrm>
             <a:prstGeom prst="rect">
               <a:avLst/>
@@ -10964,7 +11164,41 @@
                   <a:cs typeface="Roboto"/>
                   <a:sym typeface="Roboto"/>
                 </a:rPr>
-                <a:t>By dropping the missed values from total cases, the missing values of new cases decreased significantly</a:t>
+                <a:t>By dropping the missed values from total cases, the missing values of new cases decreased significantly and the remaining missing values from new cases were filled with zeros</a:t>
+              </a:r>
+              <a:endParaRPr>
+                <a:highlight>
+                  <a:srgbClr val="FFFFFF"/>
+                </a:highlight>
+                <a:latin typeface="Roboto"/>
+                <a:ea typeface="Roboto"/>
+                <a:cs typeface="Roboto"/>
+                <a:sym typeface="Roboto"/>
+              </a:endParaRPr>
+            </a:p>
+            <a:p>
+              <a:pPr indent="-317500" lvl="0" marL="457200" rtl="0" algn="l">
+                <a:spcBef>
+                  <a:spcPts val="1000"/>
+                </a:spcBef>
+                <a:spcAft>
+                  <a:spcPts val="0"/>
+                </a:spcAft>
+                <a:buSzPts val="1400"/>
+                <a:buFont typeface="Roboto"/>
+                <a:buChar char="●"/>
+              </a:pPr>
+              <a:r>
+                <a:rPr lang="en">
+                  <a:highlight>
+                    <a:srgbClr val="FFFFFF"/>
+                  </a:highlight>
+                  <a:latin typeface="Roboto"/>
+                  <a:ea typeface="Roboto"/>
+                  <a:cs typeface="Roboto"/>
+                  <a:sym typeface="Roboto"/>
+                </a:rPr>
+                <a:t>Death-related columns would only be features in the COVID-related deaths prediction model but not in the daily new cases prediction model so they were separated into a different dataframe</a:t>
               </a:r>
               <a:endParaRPr>
                 <a:latin typeface="Roboto"/>
@@ -10987,12 +11221,15 @@
               </a:pPr>
               <a:r>
                 <a:rPr lang="en">
+                  <a:highlight>
+                    <a:srgbClr val="FFFFFF"/>
+                  </a:highlight>
                   <a:latin typeface="Roboto"/>
                   <a:ea typeface="Roboto"/>
                   <a:cs typeface="Roboto"/>
                   <a:sym typeface="Roboto"/>
                 </a:rPr>
-                <a:t>XXXXXXXXXXXXXXXXXXXXXXXXXXXXXXX</a:t>
+                <a:t>The column reproduction_rate: represents a real-time estimate of the effective reproduction rate (R) of COVID-19 and there was no discernable reason for the number of missing values (31,175)</a:t>
               </a:r>
               <a:endParaRPr>
                 <a:latin typeface="Roboto"/>
@@ -11002,55 +11239,45 @@
               </a:endParaRPr>
             </a:p>
             <a:p>
-              <a:pPr indent="-330200" lvl="0" marL="457200" rtl="0" algn="l">
-                <a:spcBef>
-                  <a:spcPts val="1000"/>
-                </a:spcBef>
-                <a:spcAft>
-                  <a:spcPts val="0"/>
-                </a:spcAft>
-                <a:buSzPts val="1600"/>
-                <a:buFont typeface="Roboto"/>
-                <a:buChar char="●"/>
-              </a:pPr>
-              <a:r>
-                <a:rPr lang="en" sz="1600">
-                  <a:latin typeface="Roboto"/>
-                  <a:ea typeface="Roboto"/>
-                  <a:cs typeface="Roboto"/>
-                  <a:sym typeface="Roboto"/>
-                </a:rPr>
-                <a:t>XXXXXXXXXXXXXXXXXXXXXXXXXXXXXX</a:t>
-              </a:r>
-              <a:endParaRPr sz="1600">
-                <a:latin typeface="Roboto"/>
-                <a:ea typeface="Roboto"/>
-                <a:cs typeface="Roboto"/>
-                <a:sym typeface="Roboto"/>
-              </a:endParaRPr>
-            </a:p>
-            <a:p>
-              <a:pPr indent="-330200" lvl="0" marL="457200" rtl="0" algn="l">
+              <a:pPr indent="-317500" lvl="0" marL="457200" rtl="0" algn="l">
                 <a:spcBef>
                   <a:spcPts val="1000"/>
                 </a:spcBef>
                 <a:spcAft>
                   <a:spcPts val="1000"/>
                 </a:spcAft>
-                <a:buSzPts val="1600"/>
+                <a:buSzPts val="1400"/>
                 <a:buFont typeface="Roboto"/>
                 <a:buChar char="●"/>
               </a:pPr>
               <a:r>
-                <a:rPr lang="en" sz="1600">
+                <a:rPr lang="en">
                   <a:latin typeface="Roboto"/>
                   <a:ea typeface="Roboto"/>
                   <a:cs typeface="Roboto"/>
                   <a:sym typeface="Roboto"/>
                 </a:rPr>
-                <a:t>XXXXXXXXXXXXXXXXXXXXXXXXXXXXXXXXXXXX</a:t>
+                <a:t>The missing values were dropped </a:t>
               </a:r>
-              <a:endParaRPr sz="1600">
+              <a:r>
+                <a:rPr lang="en">
+                  <a:latin typeface="Roboto"/>
+                  <a:ea typeface="Roboto"/>
+                  <a:cs typeface="Roboto"/>
+                  <a:sym typeface="Roboto"/>
+                </a:rPr>
+                <a:t>instead</a:t>
+              </a:r>
+              <a:r>
+                <a:rPr lang="en">
+                  <a:latin typeface="Roboto"/>
+                  <a:ea typeface="Roboto"/>
+                  <a:cs typeface="Roboto"/>
+                  <a:sym typeface="Roboto"/>
+                </a:rPr>
+                <a:t> of being replaced with zeros to avoid skewing results leaving the dataframe with a total of 190 countries</a:t>
+              </a:r>
+              <a:endParaRPr>
                 <a:latin typeface="Roboto"/>
                 <a:ea typeface="Roboto"/>
                 <a:cs typeface="Roboto"/>
@@ -11167,700 +11394,7 @@
             </a:pPr>
             <a:r>
               <a:rPr lang="en"/>
-              <a:t>Machine Learning</a:t>
-            </a:r>
-            <a:endParaRPr/>
-          </a:p>
-        </p:txBody>
-      </p:sp>
-      <p:sp>
-        <p:nvSpPr>
-          <p:cNvPr id="250" name="Google Shape;250;p27"/>
-          <p:cNvSpPr txBox="1"/>
-          <p:nvPr>
-            <p:ph idx="4294967295" type="body"/>
-          </p:nvPr>
-        </p:nvSpPr>
-        <p:spPr>
-          <a:xfrm>
-            <a:off x="432350" y="2070575"/>
-            <a:ext cx="8400000" cy="2650800"/>
-          </a:xfrm>
-          <a:prstGeom prst="rect">
-            <a:avLst/>
-          </a:prstGeom>
-        </p:spPr>
-        <p:txBody>
-          <a:bodyPr anchorCtr="0" anchor="t" bIns="91425" lIns="91425" spcFirstLastPara="1" rIns="91425" wrap="square" tIns="91425">
-            <a:noAutofit/>
-          </a:bodyPr>
-          <a:lstStyle/>
-          <a:p>
-            <a:pPr indent="-330200" lvl="0" marL="457200" rtl="0" algn="l">
-              <a:lnSpc>
-                <a:spcPct val="100000"/>
-              </a:lnSpc>
-              <a:spcBef>
-                <a:spcPts val="0"/>
-              </a:spcBef>
-              <a:spcAft>
-                <a:spcPts val="0"/>
-              </a:spcAft>
-              <a:buClr>
-                <a:srgbClr val="000000"/>
-              </a:buClr>
-              <a:buSzPts val="1600"/>
-              <a:buFont typeface="Roboto"/>
-              <a:buChar char="●"/>
-            </a:pPr>
-            <a:r>
-              <a:rPr lang="en" sz="1600">
-                <a:solidFill>
-                  <a:srgbClr val="000000"/>
-                </a:solidFill>
-              </a:rPr>
-              <a:t>XXXXXXXXXXXXXXXXXXXXXXXXXXXXXXXXXXXXX</a:t>
-            </a:r>
-            <a:endParaRPr sz="1600">
-              <a:solidFill>
-                <a:srgbClr val="000000"/>
-              </a:solidFill>
-            </a:endParaRPr>
-          </a:p>
-          <a:p>
-            <a:pPr indent="-330200" lvl="0" marL="457200" rtl="0" algn="l">
-              <a:spcBef>
-                <a:spcPts val="1000"/>
-              </a:spcBef>
-              <a:spcAft>
-                <a:spcPts val="0"/>
-              </a:spcAft>
-              <a:buClr>
-                <a:srgbClr val="000000"/>
-              </a:buClr>
-              <a:buSzPts val="1600"/>
-              <a:buFont typeface="Roboto"/>
-              <a:buChar char="●"/>
-            </a:pPr>
-            <a:r>
-              <a:rPr lang="en" sz="1600">
-                <a:solidFill>
-                  <a:srgbClr val="000000"/>
-                </a:solidFill>
-                <a:highlight>
-                  <a:schemeClr val="lt1"/>
-                </a:highlight>
-              </a:rPr>
-              <a:t>XXXXXXXXXXXXXXXXXXXXXXX</a:t>
-            </a:r>
-            <a:endParaRPr sz="1600">
-              <a:solidFill>
-                <a:srgbClr val="000000"/>
-              </a:solidFill>
-              <a:highlight>
-                <a:schemeClr val="lt1"/>
-              </a:highlight>
-            </a:endParaRPr>
-          </a:p>
-          <a:p>
-            <a:pPr indent="-330200" lvl="0" marL="457200" rtl="0" algn="l">
-              <a:spcBef>
-                <a:spcPts val="1000"/>
-              </a:spcBef>
-              <a:spcAft>
-                <a:spcPts val="0"/>
-              </a:spcAft>
-              <a:buClr>
-                <a:srgbClr val="000000"/>
-              </a:buClr>
-              <a:buSzPts val="1600"/>
-              <a:buFont typeface="Roboto"/>
-              <a:buChar char="●"/>
-            </a:pPr>
-            <a:r>
-              <a:rPr lang="en" sz="1600">
-                <a:solidFill>
-                  <a:srgbClr val="000000"/>
-                </a:solidFill>
-                <a:highlight>
-                  <a:schemeClr val="lt1"/>
-                </a:highlight>
-              </a:rPr>
-              <a:t>XXXXXXXXXXXXXXXXXXXXXXXXXXXXXXXXXXXXXX</a:t>
-            </a:r>
-            <a:endParaRPr sz="1600">
-              <a:solidFill>
-                <a:srgbClr val="000000"/>
-              </a:solidFill>
-              <a:highlight>
-                <a:schemeClr val="lt1"/>
-              </a:highlight>
-            </a:endParaRPr>
-          </a:p>
-          <a:p>
-            <a:pPr indent="-330200" lvl="0" marL="457200" rtl="0" algn="l">
-              <a:spcBef>
-                <a:spcPts val="1000"/>
-              </a:spcBef>
-              <a:spcAft>
-                <a:spcPts val="0"/>
-              </a:spcAft>
-              <a:buClr>
-                <a:srgbClr val="000000"/>
-              </a:buClr>
-              <a:buSzPts val="1600"/>
-              <a:buFont typeface="Roboto"/>
-              <a:buChar char="●"/>
-            </a:pPr>
-            <a:r>
-              <a:rPr lang="en" sz="1600">
-                <a:solidFill>
-                  <a:srgbClr val="000000"/>
-                </a:solidFill>
-                <a:highlight>
-                  <a:schemeClr val="lt1"/>
-                </a:highlight>
-              </a:rPr>
-              <a:t>XXXXXXXXXXXXXXXXXX</a:t>
-            </a:r>
-            <a:endParaRPr sz="1400">
-              <a:solidFill>
-                <a:srgbClr val="24292F"/>
-              </a:solidFill>
-              <a:highlight>
-                <a:srgbClr val="FFFFFF"/>
-              </a:highlight>
-            </a:endParaRPr>
-          </a:p>
-          <a:p>
-            <a:pPr indent="0" lvl="0" marL="0" rtl="0" algn="l">
-              <a:spcBef>
-                <a:spcPts val="1000"/>
-              </a:spcBef>
-              <a:spcAft>
-                <a:spcPts val="800"/>
-              </a:spcAft>
-              <a:buNone/>
-            </a:pPr>
-            <a:r>
-              <a:t/>
-            </a:r>
-            <a:endParaRPr sz="1600"/>
-          </a:p>
-        </p:txBody>
-      </p:sp>
-      <p:sp>
-        <p:nvSpPr>
-          <p:cNvPr id="251" name="Google Shape;251;p27"/>
-          <p:cNvSpPr/>
-          <p:nvPr/>
-        </p:nvSpPr>
-        <p:spPr>
-          <a:xfrm>
-            <a:off x="432351" y="1304875"/>
-            <a:ext cx="8293500" cy="607800"/>
-          </a:xfrm>
-          <a:prstGeom prst="chevron">
-            <a:avLst>
-              <a:gd fmla="val 50000" name="adj"/>
-            </a:avLst>
-          </a:prstGeom>
-          <a:solidFill>
-            <a:schemeClr val="dk1"/>
-          </a:solidFill>
-          <a:ln>
-            <a:noFill/>
-          </a:ln>
-        </p:spPr>
-        <p:txBody>
-          <a:bodyPr anchorCtr="0" anchor="ctr" bIns="121875" lIns="121875" spcFirstLastPara="1" rIns="121875" wrap="square" tIns="121875">
-            <a:noAutofit/>
-          </a:bodyPr>
-          <a:lstStyle/>
-          <a:p>
-            <a:pPr indent="0" lvl="0" marL="0" rtl="0" algn="l">
-              <a:spcBef>
-                <a:spcPts val="0"/>
-              </a:spcBef>
-              <a:spcAft>
-                <a:spcPts val="0"/>
-              </a:spcAft>
-              <a:buNone/>
-            </a:pPr>
-            <a:r>
-              <a:t/>
-            </a:r>
-            <a:endParaRPr/>
-          </a:p>
-        </p:txBody>
-      </p:sp>
-    </p:spTree>
-  </p:cSld>
-  <p:clrMapOvr>
-    <a:masterClrMapping/>
-  </p:clrMapOvr>
-</p:sld>
-</file>
-
-<file path=ppt/slides/slide16.xml><?xml version="1.0" encoding="utf-8"?>
-<p:sld xmlns:a="http://schemas.openxmlformats.org/drawingml/2006/main" xmlns:r="http://schemas.openxmlformats.org/officeDocument/2006/relationships" xmlns:mc="http://schemas.openxmlformats.org/markup-compatibility/2006" xmlns:mv="urn:schemas-microsoft-com:mac:vml" xmlns:p="http://schemas.openxmlformats.org/presentationml/2006/main" xmlns:c="http://schemas.openxmlformats.org/drawingml/2006/chart" xmlns:dgm="http://schemas.openxmlformats.org/drawingml/2006/diagram" xmlns:o="urn:schemas-microsoft-com:office:office" xmlns:v="urn:schemas-microsoft-com:vml" xmlns:pvml="urn:schemas-microsoft-com:office:powerpoint" xmlns:com="http://schemas.openxmlformats.org/drawingml/2006/compatibility" xmlns:p14="http://schemas.microsoft.com/office/powerpoint/2010/main" xmlns:p15="http://schemas.microsoft.com/office/powerpoint/2012/main" xmlns:ahyp="http://schemas.microsoft.com/office/drawing/2018/hyperlinkcolor">
-  <p:cSld>
-    <p:spTree>
-      <p:nvGrpSpPr>
-        <p:cNvPr id="255" name="Shape 255"/>
-        <p:cNvGrpSpPr/>
-        <p:nvPr/>
-      </p:nvGrpSpPr>
-      <p:grpSpPr>
-        <a:xfrm>
-          <a:off x="0" y="0"/>
-          <a:ext cx="0" cy="0"/>
-          <a:chOff x="0" y="0"/>
-          <a:chExt cx="0" cy="0"/>
-        </a:xfrm>
-      </p:grpSpPr>
-      <p:sp>
-        <p:nvSpPr>
-          <p:cNvPr id="256" name="Google Shape;256;p28"/>
-          <p:cNvSpPr txBox="1"/>
-          <p:nvPr>
-            <p:ph type="title"/>
-          </p:nvPr>
-        </p:nvSpPr>
-        <p:spPr>
-          <a:xfrm>
-            <a:off x="311700" y="410000"/>
-            <a:ext cx="8520600" cy="607800"/>
-          </a:xfrm>
-          <a:prstGeom prst="rect">
-            <a:avLst/>
-          </a:prstGeom>
-        </p:spPr>
-        <p:txBody>
-          <a:bodyPr anchorCtr="0" anchor="t" bIns="91425" lIns="91425" spcFirstLastPara="1" rIns="91425" wrap="square" tIns="91425">
-            <a:noAutofit/>
-          </a:bodyPr>
-          <a:lstStyle/>
-          <a:p>
-            <a:pPr indent="0" lvl="0" marL="0" rtl="0" algn="l">
-              <a:spcBef>
-                <a:spcPts val="0"/>
-              </a:spcBef>
-              <a:spcAft>
-                <a:spcPts val="0"/>
-              </a:spcAft>
-              <a:buNone/>
-            </a:pPr>
-            <a:r>
-              <a:rPr lang="en"/>
-              <a:t>Machine Learning (cont.)</a:t>
-            </a:r>
-            <a:endParaRPr/>
-          </a:p>
-        </p:txBody>
-      </p:sp>
-      <p:sp>
-        <p:nvSpPr>
-          <p:cNvPr id="257" name="Google Shape;257;p28"/>
-          <p:cNvSpPr txBox="1"/>
-          <p:nvPr>
-            <p:ph idx="4294967295" type="body"/>
-          </p:nvPr>
-        </p:nvSpPr>
-        <p:spPr>
-          <a:xfrm>
-            <a:off x="432350" y="2070575"/>
-            <a:ext cx="8400000" cy="2650800"/>
-          </a:xfrm>
-          <a:prstGeom prst="rect">
-            <a:avLst/>
-          </a:prstGeom>
-        </p:spPr>
-        <p:txBody>
-          <a:bodyPr anchorCtr="0" anchor="t" bIns="91425" lIns="91425" spcFirstLastPara="1" rIns="91425" wrap="square" tIns="91425">
-            <a:noAutofit/>
-          </a:bodyPr>
-          <a:lstStyle/>
-          <a:p>
-            <a:pPr indent="-330200" lvl="0" marL="457200" rtl="0" algn="l">
-              <a:lnSpc>
-                <a:spcPct val="100000"/>
-              </a:lnSpc>
-              <a:spcBef>
-                <a:spcPts val="0"/>
-              </a:spcBef>
-              <a:spcAft>
-                <a:spcPts val="0"/>
-              </a:spcAft>
-              <a:buClr>
-                <a:srgbClr val="000000"/>
-              </a:buClr>
-              <a:buSzPts val="1600"/>
-              <a:buFont typeface="Roboto"/>
-              <a:buChar char="●"/>
-            </a:pPr>
-            <a:r>
-              <a:rPr lang="en" sz="1600">
-                <a:solidFill>
-                  <a:srgbClr val="000000"/>
-                </a:solidFill>
-              </a:rPr>
-              <a:t>XXXXXXXXXXXXXXXXXXXXXXXXXXXXXXXXXXXXX</a:t>
-            </a:r>
-            <a:endParaRPr sz="1600">
-              <a:solidFill>
-                <a:srgbClr val="000000"/>
-              </a:solidFill>
-            </a:endParaRPr>
-          </a:p>
-          <a:p>
-            <a:pPr indent="-330200" lvl="0" marL="457200" rtl="0" algn="l">
-              <a:spcBef>
-                <a:spcPts val="1000"/>
-              </a:spcBef>
-              <a:spcAft>
-                <a:spcPts val="0"/>
-              </a:spcAft>
-              <a:buClr>
-                <a:srgbClr val="000000"/>
-              </a:buClr>
-              <a:buSzPts val="1600"/>
-              <a:buFont typeface="Roboto"/>
-              <a:buChar char="●"/>
-            </a:pPr>
-            <a:r>
-              <a:rPr lang="en" sz="1600">
-                <a:solidFill>
-                  <a:srgbClr val="000000"/>
-                </a:solidFill>
-                <a:highlight>
-                  <a:schemeClr val="lt1"/>
-                </a:highlight>
-              </a:rPr>
-              <a:t>XXXXXXXXXXXXXXXXXXXXXXX</a:t>
-            </a:r>
-            <a:endParaRPr sz="1600">
-              <a:solidFill>
-                <a:srgbClr val="000000"/>
-              </a:solidFill>
-              <a:highlight>
-                <a:schemeClr val="lt1"/>
-              </a:highlight>
-            </a:endParaRPr>
-          </a:p>
-          <a:p>
-            <a:pPr indent="-330200" lvl="0" marL="457200" rtl="0" algn="l">
-              <a:spcBef>
-                <a:spcPts val="1000"/>
-              </a:spcBef>
-              <a:spcAft>
-                <a:spcPts val="0"/>
-              </a:spcAft>
-              <a:buClr>
-                <a:srgbClr val="000000"/>
-              </a:buClr>
-              <a:buSzPts val="1600"/>
-              <a:buFont typeface="Roboto"/>
-              <a:buChar char="●"/>
-            </a:pPr>
-            <a:r>
-              <a:rPr lang="en" sz="1600">
-                <a:solidFill>
-                  <a:srgbClr val="000000"/>
-                </a:solidFill>
-                <a:highlight>
-                  <a:schemeClr val="lt1"/>
-                </a:highlight>
-              </a:rPr>
-              <a:t>XXXXXXXXXXXXXXXXXXXXXXXXXXXXXXXXXXXXXX</a:t>
-            </a:r>
-            <a:endParaRPr sz="1600">
-              <a:solidFill>
-                <a:srgbClr val="000000"/>
-              </a:solidFill>
-              <a:highlight>
-                <a:schemeClr val="lt1"/>
-              </a:highlight>
-            </a:endParaRPr>
-          </a:p>
-          <a:p>
-            <a:pPr indent="-330200" lvl="0" marL="457200" rtl="0" algn="l">
-              <a:spcBef>
-                <a:spcPts val="1000"/>
-              </a:spcBef>
-              <a:spcAft>
-                <a:spcPts val="0"/>
-              </a:spcAft>
-              <a:buClr>
-                <a:srgbClr val="000000"/>
-              </a:buClr>
-              <a:buSzPts val="1600"/>
-              <a:buFont typeface="Roboto"/>
-              <a:buChar char="●"/>
-            </a:pPr>
-            <a:r>
-              <a:rPr lang="en" sz="1600">
-                <a:solidFill>
-                  <a:srgbClr val="000000"/>
-                </a:solidFill>
-                <a:highlight>
-                  <a:schemeClr val="lt1"/>
-                </a:highlight>
-              </a:rPr>
-              <a:t>XXXXXXXXXXXXXXXXXX</a:t>
-            </a:r>
-            <a:endParaRPr sz="1400">
-              <a:solidFill>
-                <a:srgbClr val="24292F"/>
-              </a:solidFill>
-              <a:highlight>
-                <a:srgbClr val="FFFFFF"/>
-              </a:highlight>
-            </a:endParaRPr>
-          </a:p>
-          <a:p>
-            <a:pPr indent="0" lvl="0" marL="0" rtl="0" algn="l">
-              <a:spcBef>
-                <a:spcPts val="1000"/>
-              </a:spcBef>
-              <a:spcAft>
-                <a:spcPts val="800"/>
-              </a:spcAft>
-              <a:buNone/>
-            </a:pPr>
-            <a:r>
-              <a:t/>
-            </a:r>
-            <a:endParaRPr sz="1600"/>
-          </a:p>
-        </p:txBody>
-      </p:sp>
-      <p:sp>
-        <p:nvSpPr>
-          <p:cNvPr id="258" name="Google Shape;258;p28"/>
-          <p:cNvSpPr/>
-          <p:nvPr/>
-        </p:nvSpPr>
-        <p:spPr>
-          <a:xfrm>
-            <a:off x="432351" y="1304875"/>
-            <a:ext cx="8293500" cy="607800"/>
-          </a:xfrm>
-          <a:prstGeom prst="chevron">
-            <a:avLst>
-              <a:gd fmla="val 50000" name="adj"/>
-            </a:avLst>
-          </a:prstGeom>
-          <a:solidFill>
-            <a:schemeClr val="dk1"/>
-          </a:solidFill>
-          <a:ln>
-            <a:noFill/>
-          </a:ln>
-        </p:spPr>
-        <p:txBody>
-          <a:bodyPr anchorCtr="0" anchor="ctr" bIns="121875" lIns="121875" spcFirstLastPara="1" rIns="121875" wrap="square" tIns="121875">
-            <a:noAutofit/>
-          </a:bodyPr>
-          <a:lstStyle/>
-          <a:p>
-            <a:pPr indent="0" lvl="0" marL="0" rtl="0" algn="l">
-              <a:spcBef>
-                <a:spcPts val="0"/>
-              </a:spcBef>
-              <a:spcAft>
-                <a:spcPts val="0"/>
-              </a:spcAft>
-              <a:buNone/>
-            </a:pPr>
-            <a:r>
-              <a:t/>
-            </a:r>
-            <a:endParaRPr/>
-          </a:p>
-        </p:txBody>
-      </p:sp>
-    </p:spTree>
-  </p:cSld>
-  <p:clrMapOvr>
-    <a:masterClrMapping/>
-  </p:clrMapOvr>
-</p:sld>
-</file>
-
-<file path=ppt/slides/slide17.xml><?xml version="1.0" encoding="utf-8"?>
-<p:sld xmlns:a="http://schemas.openxmlformats.org/drawingml/2006/main" xmlns:r="http://schemas.openxmlformats.org/officeDocument/2006/relationships" xmlns:mc="http://schemas.openxmlformats.org/markup-compatibility/2006" xmlns:mv="urn:schemas-microsoft-com:mac:vml" xmlns:p="http://schemas.openxmlformats.org/presentationml/2006/main" xmlns:c="http://schemas.openxmlformats.org/drawingml/2006/chart" xmlns:dgm="http://schemas.openxmlformats.org/drawingml/2006/diagram" xmlns:o="urn:schemas-microsoft-com:office:office" xmlns:v="urn:schemas-microsoft-com:vml" xmlns:pvml="urn:schemas-microsoft-com:office:powerpoint" xmlns:com="http://schemas.openxmlformats.org/drawingml/2006/compatibility" xmlns:p14="http://schemas.microsoft.com/office/powerpoint/2010/main" xmlns:p15="http://schemas.microsoft.com/office/powerpoint/2012/main" xmlns:ahyp="http://schemas.microsoft.com/office/drawing/2018/hyperlinkcolor">
-  <p:cSld>
-    <p:spTree>
-      <p:nvGrpSpPr>
-        <p:cNvPr id="262" name="Shape 262"/>
-        <p:cNvGrpSpPr/>
-        <p:nvPr/>
-      </p:nvGrpSpPr>
-      <p:grpSpPr>
-        <a:xfrm>
-          <a:off x="0" y="0"/>
-          <a:ext cx="0" cy="0"/>
-          <a:chOff x="0" y="0"/>
-          <a:chExt cx="0" cy="0"/>
-        </a:xfrm>
-      </p:grpSpPr>
-      <p:sp>
-        <p:nvSpPr>
-          <p:cNvPr id="263" name="Google Shape;263;p29"/>
-          <p:cNvSpPr txBox="1"/>
-          <p:nvPr>
-            <p:ph type="title"/>
-          </p:nvPr>
-        </p:nvSpPr>
-        <p:spPr>
-          <a:xfrm>
-            <a:off x="311700" y="410000"/>
-            <a:ext cx="8520600" cy="607800"/>
-          </a:xfrm>
-          <a:prstGeom prst="rect">
-            <a:avLst/>
-          </a:prstGeom>
-        </p:spPr>
-        <p:txBody>
-          <a:bodyPr anchorCtr="0" anchor="t" bIns="91425" lIns="91425" spcFirstLastPara="1" rIns="91425" wrap="square" tIns="91425">
-            <a:noAutofit/>
-          </a:bodyPr>
-          <a:lstStyle/>
-          <a:p>
-            <a:pPr indent="0" lvl="0" marL="0" rtl="0" algn="l">
-              <a:spcBef>
-                <a:spcPts val="0"/>
-              </a:spcBef>
-              <a:spcAft>
-                <a:spcPts val="0"/>
-              </a:spcAft>
-              <a:buNone/>
-            </a:pPr>
-            <a:r>
-              <a:rPr lang="en"/>
-              <a:t>Creating Visualizations</a:t>
-            </a:r>
-            <a:endParaRPr/>
-          </a:p>
-        </p:txBody>
-      </p:sp>
-      <p:sp>
-        <p:nvSpPr>
-          <p:cNvPr id="264" name="Google Shape;264;p29"/>
-          <p:cNvSpPr txBox="1"/>
-          <p:nvPr/>
-        </p:nvSpPr>
-        <p:spPr>
-          <a:xfrm>
-            <a:off x="562350" y="1412750"/>
-            <a:ext cx="7159800" cy="400200"/>
-          </a:xfrm>
-          <a:prstGeom prst="rect">
-            <a:avLst/>
-          </a:prstGeom>
-          <a:noFill/>
-          <a:ln>
-            <a:noFill/>
-          </a:ln>
-        </p:spPr>
-        <p:txBody>
-          <a:bodyPr anchorCtr="0" anchor="t" bIns="91425" lIns="91425" spcFirstLastPara="1" rIns="91425" wrap="square" tIns="91425">
-            <a:spAutoFit/>
-          </a:bodyPr>
-          <a:lstStyle/>
-          <a:p>
-            <a:pPr indent="0" lvl="0" marL="0" rtl="0" algn="l">
-              <a:spcBef>
-                <a:spcPts val="0"/>
-              </a:spcBef>
-              <a:spcAft>
-                <a:spcPts val="0"/>
-              </a:spcAft>
-              <a:buNone/>
-            </a:pPr>
-            <a:r>
-              <a:rPr lang="en" u="sng">
-                <a:solidFill>
-                  <a:schemeClr val="hlink"/>
-                </a:solidFill>
-                <a:latin typeface="Roboto"/>
-                <a:ea typeface="Roboto"/>
-                <a:cs typeface="Roboto"/>
-                <a:sym typeface="Roboto"/>
-                <a:hlinkClick r:id="rId3"/>
-              </a:rPr>
-              <a:t>[[LINK TO DASHBOARD]]</a:t>
-            </a:r>
-            <a:endParaRPr>
-              <a:latin typeface="Roboto"/>
-              <a:ea typeface="Roboto"/>
-              <a:cs typeface="Roboto"/>
-              <a:sym typeface="Roboto"/>
-            </a:endParaRPr>
-          </a:p>
-        </p:txBody>
-      </p:sp>
-    </p:spTree>
-  </p:cSld>
-  <p:clrMapOvr>
-    <a:masterClrMapping/>
-  </p:clrMapOvr>
-</p:sld>
-</file>
-
-<file path=ppt/slides/slide18.xml><?xml version="1.0" encoding="utf-8"?>
-<p:sld xmlns:a="http://schemas.openxmlformats.org/drawingml/2006/main" xmlns:r="http://schemas.openxmlformats.org/officeDocument/2006/relationships" xmlns:mc="http://schemas.openxmlformats.org/markup-compatibility/2006" xmlns:mv="urn:schemas-microsoft-com:mac:vml" xmlns:p="http://schemas.openxmlformats.org/presentationml/2006/main" xmlns:c="http://schemas.openxmlformats.org/drawingml/2006/chart" xmlns:dgm="http://schemas.openxmlformats.org/drawingml/2006/diagram" xmlns:o="urn:schemas-microsoft-com:office:office" xmlns:v="urn:schemas-microsoft-com:vml" xmlns:pvml="urn:schemas-microsoft-com:office:powerpoint" xmlns:com="http://schemas.openxmlformats.org/drawingml/2006/compatibility" xmlns:p14="http://schemas.microsoft.com/office/powerpoint/2010/main" xmlns:p15="http://schemas.microsoft.com/office/powerpoint/2012/main" xmlns:ahyp="http://schemas.microsoft.com/office/drawing/2018/hyperlinkcolor">
-  <p:cSld>
-    <p:spTree>
-      <p:nvGrpSpPr>
-        <p:cNvPr id="268" name="Shape 268"/>
-        <p:cNvGrpSpPr/>
-        <p:nvPr/>
-      </p:nvGrpSpPr>
-      <p:grpSpPr>
-        <a:xfrm>
-          <a:off x="0" y="0"/>
-          <a:ext cx="0" cy="0"/>
-          <a:chOff x="0" y="0"/>
-          <a:chExt cx="0" cy="0"/>
-        </a:xfrm>
-      </p:grpSpPr>
-      <p:sp>
-        <p:nvSpPr>
-          <p:cNvPr id="269" name="Google Shape;269;p30"/>
-          <p:cNvSpPr txBox="1"/>
-          <p:nvPr>
-            <p:ph type="title"/>
-          </p:nvPr>
-        </p:nvSpPr>
-        <p:spPr>
-          <a:xfrm>
-            <a:off x="311700" y="410000"/>
-            <a:ext cx="8520600" cy="607800"/>
-          </a:xfrm>
-          <a:prstGeom prst="rect">
-            <a:avLst/>
-          </a:prstGeom>
-        </p:spPr>
-        <p:txBody>
-          <a:bodyPr anchorCtr="0" anchor="t" bIns="91425" lIns="91425" spcFirstLastPara="1" rIns="91425" wrap="square" tIns="91425">
-            <a:noAutofit/>
-          </a:bodyPr>
-          <a:lstStyle/>
-          <a:p>
-            <a:pPr indent="0" lvl="0" marL="0" rtl="0" algn="l">
-              <a:spcBef>
-                <a:spcPts val="0"/>
-              </a:spcBef>
-              <a:spcAft>
-                <a:spcPts val="0"/>
-              </a:spcAft>
-              <a:buNone/>
-            </a:pPr>
-            <a:r>
-              <a:rPr lang="en"/>
-              <a:t>Summarizing Analysis</a:t>
+              <a:t>Preprocessing Data (cont.)</a:t>
             </a:r>
             <a:endParaRPr/>
           </a:p>
@@ -11868,21 +11402,21 @@
       </p:sp>
       <p:grpSp>
         <p:nvGrpSpPr>
-          <p:cNvPr id="270" name="Google Shape;270;p30"/>
+          <p:cNvPr id="250" name="Google Shape;250;p27"/>
           <p:cNvGrpSpPr/>
           <p:nvPr/>
         </p:nvGrpSpPr>
         <p:grpSpPr>
           <a:xfrm>
             <a:off x="401725" y="1228664"/>
-            <a:ext cx="8430695" cy="3105712"/>
+            <a:ext cx="8430695" cy="3637004"/>
             <a:chOff x="431925" y="1304875"/>
-            <a:chExt cx="2628923" cy="3525612"/>
+            <a:chExt cx="2628923" cy="4128736"/>
           </a:xfrm>
         </p:grpSpPr>
         <p:sp>
           <p:nvSpPr>
-            <p:cNvPr id="271" name="Google Shape;271;p30"/>
+            <p:cNvPr id="251" name="Google Shape;251;p27"/>
             <p:cNvSpPr txBox="1"/>
             <p:nvPr/>
           </p:nvSpPr>
@@ -11925,7 +11459,2161 @@
         </p:sp>
         <p:sp>
           <p:nvSpPr>
-            <p:cNvPr id="272" name="Google Shape;272;p30"/>
+            <p:cNvPr id="252" name="Google Shape;252;p27"/>
+            <p:cNvSpPr/>
+            <p:nvPr/>
+          </p:nvSpPr>
+          <p:spPr>
+            <a:xfrm>
+              <a:off x="431948" y="1689011"/>
+              <a:ext cx="2628900" cy="3744600"/>
+            </a:xfrm>
+            <a:prstGeom prst="rect">
+              <a:avLst/>
+            </a:prstGeom>
+            <a:noFill/>
+            <a:ln cap="flat" cmpd="sng" w="9525">
+              <a:solidFill>
+                <a:schemeClr val="dk1"/>
+              </a:solidFill>
+              <a:prstDash val="solid"/>
+              <a:round/>
+              <a:headEnd len="sm" w="sm" type="none"/>
+              <a:tailEnd len="sm" w="sm" type="none"/>
+            </a:ln>
+          </p:spPr>
+          <p:txBody>
+            <a:bodyPr anchorCtr="0" anchor="ctr" bIns="91425" lIns="91425" spcFirstLastPara="1" rIns="91425" wrap="square" tIns="91425">
+              <a:noAutofit/>
+            </a:bodyPr>
+            <a:lstStyle/>
+            <a:p>
+              <a:pPr indent="-317500" lvl="0" marL="457200" rtl="0" algn="l">
+                <a:spcBef>
+                  <a:spcPts val="1000"/>
+                </a:spcBef>
+                <a:spcAft>
+                  <a:spcPts val="0"/>
+                </a:spcAft>
+                <a:buSzPts val="1400"/>
+                <a:buFont typeface="Roboto"/>
+                <a:buChar char="●"/>
+              </a:pPr>
+              <a:r>
+                <a:rPr lang="en">
+                  <a:highlight>
+                    <a:srgbClr val="FFFFFF"/>
+                  </a:highlight>
+                  <a:latin typeface="Roboto"/>
+                  <a:ea typeface="Roboto"/>
+                  <a:cs typeface="Roboto"/>
+                  <a:sym typeface="Roboto"/>
+                </a:rPr>
+                <a:t>Out of 148,217 records, there were only 44,719 records with reported daily total vaccinations numbers from all 190 locations</a:t>
+              </a:r>
+              <a:endParaRPr>
+                <a:latin typeface="Roboto"/>
+                <a:ea typeface="Roboto"/>
+                <a:cs typeface="Roboto"/>
+                <a:sym typeface="Roboto"/>
+              </a:endParaRPr>
+            </a:p>
+            <a:p>
+              <a:pPr indent="-317500" lvl="0" marL="457200" rtl="0" algn="l">
+                <a:spcBef>
+                  <a:spcPts val="1000"/>
+                </a:spcBef>
+                <a:spcAft>
+                  <a:spcPts val="0"/>
+                </a:spcAft>
+                <a:buSzPts val="1400"/>
+                <a:buFont typeface="Roboto"/>
+                <a:buChar char="●"/>
+              </a:pPr>
+              <a:r>
+                <a:rPr lang="en">
+                  <a:highlight>
+                    <a:srgbClr val="FFFFFF"/>
+                  </a:highlight>
+                  <a:latin typeface="Roboto"/>
+                  <a:ea typeface="Roboto"/>
+                  <a:cs typeface="Roboto"/>
+                  <a:sym typeface="Roboto"/>
+                </a:rPr>
+                <a:t>The 103,498 total_vaccinations and total_vaccinations_per_hundered nulls were filled with zeros because the absence of vaccines emphasized certain trends in the pandemic</a:t>
+              </a:r>
+              <a:endParaRPr>
+                <a:highlight>
+                  <a:srgbClr val="FFFFFF"/>
+                </a:highlight>
+                <a:latin typeface="Roboto"/>
+                <a:ea typeface="Roboto"/>
+                <a:cs typeface="Roboto"/>
+                <a:sym typeface="Roboto"/>
+              </a:endParaRPr>
+            </a:p>
+            <a:p>
+              <a:pPr indent="-317500" lvl="0" marL="457200" rtl="0" algn="l">
+                <a:spcBef>
+                  <a:spcPts val="1000"/>
+                </a:spcBef>
+                <a:spcAft>
+                  <a:spcPts val="0"/>
+                </a:spcAft>
+                <a:buSzPts val="1400"/>
+                <a:buFont typeface="Roboto"/>
+                <a:buChar char="●"/>
+              </a:pPr>
+              <a:r>
+                <a:rPr lang="en">
+                  <a:highlight>
+                    <a:srgbClr val="FFFFFF"/>
+                  </a:highlight>
+                  <a:latin typeface="Roboto"/>
+                  <a:ea typeface="Roboto"/>
+                  <a:cs typeface="Roboto"/>
+                  <a:sym typeface="Roboto"/>
+                </a:rPr>
+                <a:t>The column containing the number of people fully vaccinated was selected since the completion of vaccination regimen indicated a superior level of immunity against the virus</a:t>
+              </a:r>
+              <a:endParaRPr>
+                <a:latin typeface="Roboto"/>
+                <a:ea typeface="Roboto"/>
+                <a:cs typeface="Roboto"/>
+                <a:sym typeface="Roboto"/>
+              </a:endParaRPr>
+            </a:p>
+            <a:p>
+              <a:pPr indent="-317500" lvl="0" marL="457200" rtl="0" algn="l">
+                <a:spcBef>
+                  <a:spcPts val="1000"/>
+                </a:spcBef>
+                <a:spcAft>
+                  <a:spcPts val="0"/>
+                </a:spcAft>
+                <a:buSzPts val="1400"/>
+                <a:buFont typeface="Roboto"/>
+                <a:buChar char="●"/>
+              </a:pPr>
+              <a:r>
+                <a:rPr lang="en">
+                  <a:highlight>
+                    <a:srgbClr val="FFFFFF"/>
+                  </a:highlight>
+                  <a:latin typeface="Roboto"/>
+                  <a:ea typeface="Roboto"/>
+                  <a:cs typeface="Roboto"/>
+                  <a:sym typeface="Roboto"/>
+                </a:rPr>
+                <a:t>The window of analysis was shortened to include all records from 1/1/2020 up until 3/29/2022 since the daily vaccination reporting was inconsistent in many countries after that time</a:t>
+              </a:r>
+              <a:endParaRPr>
+                <a:latin typeface="Roboto"/>
+                <a:ea typeface="Roboto"/>
+                <a:cs typeface="Roboto"/>
+                <a:sym typeface="Roboto"/>
+              </a:endParaRPr>
+            </a:p>
+            <a:p>
+              <a:pPr indent="-317500" lvl="0" marL="457200" rtl="0" algn="l">
+                <a:spcBef>
+                  <a:spcPts val="1000"/>
+                </a:spcBef>
+                <a:spcAft>
+                  <a:spcPts val="1000"/>
+                </a:spcAft>
+                <a:buSzPts val="1400"/>
+                <a:buFont typeface="Roboto"/>
+                <a:buChar char="●"/>
+              </a:pPr>
+              <a:r>
+                <a:rPr lang="en">
+                  <a:latin typeface="Roboto"/>
+                  <a:ea typeface="Roboto"/>
+                  <a:cs typeface="Roboto"/>
+                  <a:sym typeface="Roboto"/>
+                </a:rPr>
+                <a:t>Following cleaning of vaccination columns, a total of 34 </a:t>
+              </a:r>
+              <a:r>
+                <a:rPr lang="en">
+                  <a:latin typeface="Roboto"/>
+                  <a:ea typeface="Roboto"/>
+                  <a:cs typeface="Roboto"/>
+                  <a:sym typeface="Roboto"/>
+                </a:rPr>
+                <a:t>columns</a:t>
+              </a:r>
+              <a:r>
+                <a:rPr lang="en">
+                  <a:latin typeface="Roboto"/>
+                  <a:ea typeface="Roboto"/>
+                  <a:cs typeface="Roboto"/>
+                  <a:sym typeface="Roboto"/>
+                </a:rPr>
+                <a:t> were left for feature engineering</a:t>
+              </a:r>
+              <a:endParaRPr>
+                <a:latin typeface="Roboto"/>
+                <a:ea typeface="Roboto"/>
+                <a:cs typeface="Roboto"/>
+                <a:sym typeface="Roboto"/>
+              </a:endParaRPr>
+            </a:p>
+          </p:txBody>
+        </p:sp>
+      </p:grpSp>
+      <p:sp>
+        <p:nvSpPr>
+          <p:cNvPr id="253" name="Google Shape;253;p27"/>
+          <p:cNvSpPr txBox="1"/>
+          <p:nvPr>
+            <p:ph idx="4294967295" type="body"/>
+          </p:nvPr>
+        </p:nvSpPr>
+        <p:spPr>
+          <a:xfrm>
+            <a:off x="401700" y="1228700"/>
+            <a:ext cx="3743400" cy="461400"/>
+          </a:xfrm>
+          <a:prstGeom prst="rect">
+            <a:avLst/>
+          </a:prstGeom>
+        </p:spPr>
+        <p:txBody>
+          <a:bodyPr anchorCtr="0" anchor="t" bIns="91425" lIns="91425" spcFirstLastPara="1" rIns="91425" wrap="square" tIns="91425">
+            <a:noAutofit/>
+          </a:bodyPr>
+          <a:lstStyle/>
+          <a:p>
+            <a:pPr indent="0" lvl="0" marL="0" rtl="0" algn="l">
+              <a:spcBef>
+                <a:spcPts val="0"/>
+              </a:spcBef>
+              <a:spcAft>
+                <a:spcPts val="0"/>
+              </a:spcAft>
+              <a:buNone/>
+            </a:pPr>
+            <a:r>
+              <a:rPr lang="en">
+                <a:solidFill>
+                  <a:schemeClr val="lt1"/>
+                </a:solidFill>
+              </a:rPr>
+              <a:t>Vaccination Columns</a:t>
+            </a:r>
+            <a:endParaRPr>
+              <a:solidFill>
+                <a:schemeClr val="lt1"/>
+              </a:solidFill>
+            </a:endParaRPr>
+          </a:p>
+        </p:txBody>
+      </p:sp>
+    </p:spTree>
+  </p:cSld>
+  <p:clrMapOvr>
+    <a:masterClrMapping/>
+  </p:clrMapOvr>
+</p:sld>
+</file>
+
+<file path=ppt/slides/slide16.xml><?xml version="1.0" encoding="utf-8"?>
+<p:sld xmlns:a="http://schemas.openxmlformats.org/drawingml/2006/main" xmlns:r="http://schemas.openxmlformats.org/officeDocument/2006/relationships" xmlns:mc="http://schemas.openxmlformats.org/markup-compatibility/2006" xmlns:mv="urn:schemas-microsoft-com:mac:vml" xmlns:p="http://schemas.openxmlformats.org/presentationml/2006/main" xmlns:c="http://schemas.openxmlformats.org/drawingml/2006/chart" xmlns:dgm="http://schemas.openxmlformats.org/drawingml/2006/diagram" xmlns:o="urn:schemas-microsoft-com:office:office" xmlns:v="urn:schemas-microsoft-com:vml" xmlns:pvml="urn:schemas-microsoft-com:office:powerpoint" xmlns:com="http://schemas.openxmlformats.org/drawingml/2006/compatibility" xmlns:p14="http://schemas.microsoft.com/office/powerpoint/2010/main" xmlns:p15="http://schemas.microsoft.com/office/powerpoint/2012/main" xmlns:ahyp="http://schemas.microsoft.com/office/drawing/2018/hyperlinkcolor">
+  <p:cSld>
+    <p:spTree>
+      <p:nvGrpSpPr>
+        <p:cNvPr id="257" name="Shape 257"/>
+        <p:cNvGrpSpPr/>
+        <p:nvPr/>
+      </p:nvGrpSpPr>
+      <p:grpSpPr>
+        <a:xfrm>
+          <a:off x="0" y="0"/>
+          <a:ext cx="0" cy="0"/>
+          <a:chOff x="0" y="0"/>
+          <a:chExt cx="0" cy="0"/>
+        </a:xfrm>
+      </p:grpSpPr>
+      <p:sp>
+        <p:nvSpPr>
+          <p:cNvPr id="258" name="Google Shape;258;p28"/>
+          <p:cNvSpPr txBox="1"/>
+          <p:nvPr>
+            <p:ph type="title"/>
+          </p:nvPr>
+        </p:nvSpPr>
+        <p:spPr>
+          <a:xfrm>
+            <a:off x="311700" y="410000"/>
+            <a:ext cx="8520600" cy="607800"/>
+          </a:xfrm>
+          <a:prstGeom prst="rect">
+            <a:avLst/>
+          </a:prstGeom>
+        </p:spPr>
+        <p:txBody>
+          <a:bodyPr anchorCtr="0" anchor="t" bIns="91425" lIns="91425" spcFirstLastPara="1" rIns="91425" wrap="square" tIns="91425">
+            <a:noAutofit/>
+          </a:bodyPr>
+          <a:lstStyle/>
+          <a:p>
+            <a:pPr indent="0" lvl="0" marL="0" rtl="0" algn="l">
+              <a:spcBef>
+                <a:spcPts val="0"/>
+              </a:spcBef>
+              <a:spcAft>
+                <a:spcPts val="0"/>
+              </a:spcAft>
+              <a:buNone/>
+            </a:pPr>
+            <a:r>
+              <a:rPr lang="en"/>
+              <a:t>Preprocessing Data (cont.)</a:t>
+            </a:r>
+            <a:endParaRPr/>
+          </a:p>
+        </p:txBody>
+      </p:sp>
+      <p:grpSp>
+        <p:nvGrpSpPr>
+          <p:cNvPr id="259" name="Google Shape;259;p28"/>
+          <p:cNvGrpSpPr/>
+          <p:nvPr/>
+        </p:nvGrpSpPr>
+        <p:grpSpPr>
+          <a:xfrm>
+            <a:off x="401725" y="1228664"/>
+            <a:ext cx="8430695" cy="3637004"/>
+            <a:chOff x="431925" y="1304875"/>
+            <a:chExt cx="2628923" cy="4128736"/>
+          </a:xfrm>
+        </p:grpSpPr>
+        <p:sp>
+          <p:nvSpPr>
+            <p:cNvPr id="260" name="Google Shape;260;p28"/>
+            <p:cNvSpPr txBox="1"/>
+            <p:nvPr/>
+          </p:nvSpPr>
+          <p:spPr>
+            <a:xfrm>
+              <a:off x="431925" y="1304875"/>
+              <a:ext cx="2628900" cy="464100"/>
+            </a:xfrm>
+            <a:prstGeom prst="rect">
+              <a:avLst/>
+            </a:prstGeom>
+            <a:solidFill>
+              <a:schemeClr val="dk1"/>
+            </a:solidFill>
+            <a:ln>
+              <a:noFill/>
+            </a:ln>
+          </p:spPr>
+          <p:txBody>
+            <a:bodyPr anchorCtr="0" anchor="ctr" bIns="91425" lIns="91425" spcFirstLastPara="1" rIns="91425" wrap="square" tIns="91425">
+              <a:noAutofit/>
+            </a:bodyPr>
+            <a:lstStyle/>
+            <a:p>
+              <a:pPr indent="0" lvl="0" marL="0" rtl="0" algn="l">
+                <a:spcBef>
+                  <a:spcPts val="0"/>
+                </a:spcBef>
+                <a:spcAft>
+                  <a:spcPts val="0"/>
+                </a:spcAft>
+                <a:buNone/>
+              </a:pPr>
+              <a:r>
+                <a:t/>
+              </a:r>
+              <a:endParaRPr/>
+            </a:p>
+          </p:txBody>
+        </p:sp>
+        <p:sp>
+          <p:nvSpPr>
+            <p:cNvPr id="261" name="Google Shape;261;p28"/>
+            <p:cNvSpPr/>
+            <p:nvPr/>
+          </p:nvSpPr>
+          <p:spPr>
+            <a:xfrm>
+              <a:off x="431948" y="1689011"/>
+              <a:ext cx="2628900" cy="3744600"/>
+            </a:xfrm>
+            <a:prstGeom prst="rect">
+              <a:avLst/>
+            </a:prstGeom>
+            <a:noFill/>
+            <a:ln cap="flat" cmpd="sng" w="9525">
+              <a:solidFill>
+                <a:schemeClr val="dk1"/>
+              </a:solidFill>
+              <a:prstDash val="solid"/>
+              <a:round/>
+              <a:headEnd len="sm" w="sm" type="none"/>
+              <a:tailEnd len="sm" w="sm" type="none"/>
+            </a:ln>
+          </p:spPr>
+          <p:txBody>
+            <a:bodyPr anchorCtr="0" anchor="ctr" bIns="91425" lIns="91425" spcFirstLastPara="1" rIns="91425" wrap="square" tIns="91425">
+              <a:noAutofit/>
+            </a:bodyPr>
+            <a:lstStyle/>
+            <a:p>
+              <a:pPr indent="-317500" lvl="0" marL="457200" rtl="0" algn="l">
+                <a:spcBef>
+                  <a:spcPts val="1000"/>
+                </a:spcBef>
+                <a:spcAft>
+                  <a:spcPts val="0"/>
+                </a:spcAft>
+                <a:buSzPts val="1400"/>
+                <a:buFont typeface="Roboto"/>
+                <a:buChar char="●"/>
+              </a:pPr>
+              <a:r>
+                <a:rPr lang="en">
+                  <a:highlight>
+                    <a:srgbClr val="FFFFFF"/>
+                  </a:highlight>
+                  <a:latin typeface="Roboto"/>
+                  <a:ea typeface="Roboto"/>
+                  <a:cs typeface="Roboto"/>
+                  <a:sym typeface="Roboto"/>
+                </a:rPr>
+                <a:t>Date column was converted to datetime and the dates were filtered to only include data from 1/1/2020 until 3/28/2022</a:t>
+              </a:r>
+              <a:endParaRPr>
+                <a:latin typeface="Roboto"/>
+                <a:ea typeface="Roboto"/>
+                <a:cs typeface="Roboto"/>
+                <a:sym typeface="Roboto"/>
+              </a:endParaRPr>
+            </a:p>
+            <a:p>
+              <a:pPr indent="-317500" lvl="0" marL="457200" rtl="0" algn="l">
+                <a:spcBef>
+                  <a:spcPts val="1000"/>
+                </a:spcBef>
+                <a:spcAft>
+                  <a:spcPts val="0"/>
+                </a:spcAft>
+                <a:buSzPts val="1400"/>
+                <a:buFont typeface="Roboto"/>
+                <a:buChar char="●"/>
+              </a:pPr>
+              <a:r>
+                <a:rPr lang="en">
+                  <a:highlight>
+                    <a:srgbClr val="FFFFFF"/>
+                  </a:highlight>
+                  <a:latin typeface="Roboto"/>
+                  <a:ea typeface="Roboto"/>
+                  <a:cs typeface="Roboto"/>
+                  <a:sym typeface="Roboto"/>
+                </a:rPr>
+                <a:t>A new column was created to reflect the number of days into the COVID-19 pandemic for each record, which ultimately replaced the date column</a:t>
+              </a:r>
+              <a:endParaRPr>
+                <a:highlight>
+                  <a:srgbClr val="FFFFFF"/>
+                </a:highlight>
+                <a:latin typeface="Roboto"/>
+                <a:ea typeface="Roboto"/>
+                <a:cs typeface="Roboto"/>
+                <a:sym typeface="Roboto"/>
+              </a:endParaRPr>
+            </a:p>
+            <a:p>
+              <a:pPr indent="-317500" lvl="0" marL="457200" rtl="0" algn="l">
+                <a:spcBef>
+                  <a:spcPts val="1000"/>
+                </a:spcBef>
+                <a:spcAft>
+                  <a:spcPts val="0"/>
+                </a:spcAft>
+                <a:buSzPts val="1400"/>
+                <a:buFont typeface="Roboto"/>
+                <a:buChar char="●"/>
+              </a:pPr>
+              <a:r>
+                <a:t/>
+              </a:r>
+              <a:endParaRPr>
+                <a:latin typeface="Roboto"/>
+                <a:ea typeface="Roboto"/>
+                <a:cs typeface="Roboto"/>
+                <a:sym typeface="Roboto"/>
+              </a:endParaRPr>
+            </a:p>
+            <a:p>
+              <a:pPr indent="-317500" lvl="0" marL="457200" rtl="0" algn="l">
+                <a:spcBef>
+                  <a:spcPts val="1000"/>
+                </a:spcBef>
+                <a:spcAft>
+                  <a:spcPts val="0"/>
+                </a:spcAft>
+                <a:buSzPts val="1400"/>
+                <a:buFont typeface="Roboto"/>
+                <a:buChar char="●"/>
+              </a:pPr>
+              <a:r>
+                <a:t/>
+              </a:r>
+              <a:endParaRPr>
+                <a:latin typeface="Roboto"/>
+                <a:ea typeface="Roboto"/>
+                <a:cs typeface="Roboto"/>
+                <a:sym typeface="Roboto"/>
+              </a:endParaRPr>
+            </a:p>
+            <a:p>
+              <a:pPr indent="-317500" lvl="0" marL="457200" rtl="0" algn="l">
+                <a:spcBef>
+                  <a:spcPts val="1000"/>
+                </a:spcBef>
+                <a:spcAft>
+                  <a:spcPts val="1000"/>
+                </a:spcAft>
+                <a:buSzPts val="1400"/>
+                <a:buFont typeface="Roboto"/>
+                <a:buChar char="●"/>
+              </a:pPr>
+              <a:r>
+                <a:t/>
+              </a:r>
+              <a:endParaRPr>
+                <a:latin typeface="Roboto"/>
+                <a:ea typeface="Roboto"/>
+                <a:cs typeface="Roboto"/>
+                <a:sym typeface="Roboto"/>
+              </a:endParaRPr>
+            </a:p>
+          </p:txBody>
+        </p:sp>
+      </p:grpSp>
+      <p:sp>
+        <p:nvSpPr>
+          <p:cNvPr id="262" name="Google Shape;262;p28"/>
+          <p:cNvSpPr txBox="1"/>
+          <p:nvPr>
+            <p:ph idx="4294967295" type="body"/>
+          </p:nvPr>
+        </p:nvSpPr>
+        <p:spPr>
+          <a:xfrm>
+            <a:off x="401700" y="1228700"/>
+            <a:ext cx="3743400" cy="461400"/>
+          </a:xfrm>
+          <a:prstGeom prst="rect">
+            <a:avLst/>
+          </a:prstGeom>
+        </p:spPr>
+        <p:txBody>
+          <a:bodyPr anchorCtr="0" anchor="t" bIns="91425" lIns="91425" spcFirstLastPara="1" rIns="91425" wrap="square" tIns="91425">
+            <a:noAutofit/>
+          </a:bodyPr>
+          <a:lstStyle/>
+          <a:p>
+            <a:pPr indent="0" lvl="0" marL="0" rtl="0" algn="l">
+              <a:spcBef>
+                <a:spcPts val="0"/>
+              </a:spcBef>
+              <a:spcAft>
+                <a:spcPts val="0"/>
+              </a:spcAft>
+              <a:buNone/>
+            </a:pPr>
+            <a:r>
+              <a:rPr lang="en">
+                <a:solidFill>
+                  <a:schemeClr val="lt1"/>
+                </a:solidFill>
+              </a:rPr>
+              <a:t>Feature Engineering</a:t>
+            </a:r>
+            <a:endParaRPr>
+              <a:solidFill>
+                <a:schemeClr val="lt1"/>
+              </a:solidFill>
+            </a:endParaRPr>
+          </a:p>
+        </p:txBody>
+      </p:sp>
+    </p:spTree>
+  </p:cSld>
+  <p:clrMapOvr>
+    <a:masterClrMapping/>
+  </p:clrMapOvr>
+</p:sld>
+</file>
+
+<file path=ppt/slides/slide17.xml><?xml version="1.0" encoding="utf-8"?>
+<p:sld xmlns:a="http://schemas.openxmlformats.org/drawingml/2006/main" xmlns:r="http://schemas.openxmlformats.org/officeDocument/2006/relationships" xmlns:mc="http://schemas.openxmlformats.org/markup-compatibility/2006" xmlns:mv="urn:schemas-microsoft-com:mac:vml" xmlns:p="http://schemas.openxmlformats.org/presentationml/2006/main" xmlns:c="http://schemas.openxmlformats.org/drawingml/2006/chart" xmlns:dgm="http://schemas.openxmlformats.org/drawingml/2006/diagram" xmlns:o="urn:schemas-microsoft-com:office:office" xmlns:v="urn:schemas-microsoft-com:vml" xmlns:pvml="urn:schemas-microsoft-com:office:powerpoint" xmlns:com="http://schemas.openxmlformats.org/drawingml/2006/compatibility" xmlns:p14="http://schemas.microsoft.com/office/powerpoint/2010/main" xmlns:p15="http://schemas.microsoft.com/office/powerpoint/2012/main" xmlns:ahyp="http://schemas.microsoft.com/office/drawing/2018/hyperlinkcolor">
+  <p:cSld>
+    <p:spTree>
+      <p:nvGrpSpPr>
+        <p:cNvPr id="266" name="Shape 266"/>
+        <p:cNvGrpSpPr/>
+        <p:nvPr/>
+      </p:nvGrpSpPr>
+      <p:grpSpPr>
+        <a:xfrm>
+          <a:off x="0" y="0"/>
+          <a:ext cx="0" cy="0"/>
+          <a:chOff x="0" y="0"/>
+          <a:chExt cx="0" cy="0"/>
+        </a:xfrm>
+      </p:grpSpPr>
+      <p:sp>
+        <p:nvSpPr>
+          <p:cNvPr id="267" name="Google Shape;267;p29"/>
+          <p:cNvSpPr txBox="1"/>
+          <p:nvPr>
+            <p:ph type="title"/>
+          </p:nvPr>
+        </p:nvSpPr>
+        <p:spPr>
+          <a:xfrm>
+            <a:off x="311700" y="410000"/>
+            <a:ext cx="8520600" cy="607800"/>
+          </a:xfrm>
+          <a:prstGeom prst="rect">
+            <a:avLst/>
+          </a:prstGeom>
+        </p:spPr>
+        <p:txBody>
+          <a:bodyPr anchorCtr="0" anchor="t" bIns="91425" lIns="91425" spcFirstLastPara="1" rIns="91425" wrap="square" tIns="91425">
+            <a:noAutofit/>
+          </a:bodyPr>
+          <a:lstStyle/>
+          <a:p>
+            <a:pPr indent="0" lvl="0" marL="0" rtl="0" algn="l">
+              <a:spcBef>
+                <a:spcPts val="0"/>
+              </a:spcBef>
+              <a:spcAft>
+                <a:spcPts val="0"/>
+              </a:spcAft>
+              <a:buNone/>
+            </a:pPr>
+            <a:r>
+              <a:rPr lang="en"/>
+              <a:t>Machine Learning</a:t>
+            </a:r>
+            <a:endParaRPr/>
+          </a:p>
+        </p:txBody>
+      </p:sp>
+      <p:sp>
+        <p:nvSpPr>
+          <p:cNvPr id="268" name="Google Shape;268;p29"/>
+          <p:cNvSpPr txBox="1"/>
+          <p:nvPr>
+            <p:ph idx="4294967295" type="body"/>
+          </p:nvPr>
+        </p:nvSpPr>
+        <p:spPr>
+          <a:xfrm>
+            <a:off x="432350" y="2070575"/>
+            <a:ext cx="8400000" cy="2650800"/>
+          </a:xfrm>
+          <a:prstGeom prst="rect">
+            <a:avLst/>
+          </a:prstGeom>
+        </p:spPr>
+        <p:txBody>
+          <a:bodyPr anchorCtr="0" anchor="t" bIns="91425" lIns="91425" spcFirstLastPara="1" rIns="91425" wrap="square" tIns="91425">
+            <a:noAutofit/>
+          </a:bodyPr>
+          <a:lstStyle/>
+          <a:p>
+            <a:pPr indent="-330200" lvl="0" marL="457200" rtl="0" algn="l">
+              <a:lnSpc>
+                <a:spcPct val="100000"/>
+              </a:lnSpc>
+              <a:spcBef>
+                <a:spcPts val="0"/>
+              </a:spcBef>
+              <a:spcAft>
+                <a:spcPts val="0"/>
+              </a:spcAft>
+              <a:buClr>
+                <a:srgbClr val="000000"/>
+              </a:buClr>
+              <a:buSzPts val="1600"/>
+              <a:buFont typeface="Roboto"/>
+              <a:buChar char="●"/>
+            </a:pPr>
+            <a:r>
+              <a:rPr lang="en" sz="1600">
+                <a:solidFill>
+                  <a:srgbClr val="000000"/>
+                </a:solidFill>
+              </a:rPr>
+              <a:t>XXXXXXXXXXXXXXXXXXXXXXXXXXXXXXXXXXXXX</a:t>
+            </a:r>
+            <a:endParaRPr sz="1600">
+              <a:solidFill>
+                <a:srgbClr val="000000"/>
+              </a:solidFill>
+            </a:endParaRPr>
+          </a:p>
+          <a:p>
+            <a:pPr indent="-330200" lvl="0" marL="457200" rtl="0" algn="l">
+              <a:spcBef>
+                <a:spcPts val="1000"/>
+              </a:spcBef>
+              <a:spcAft>
+                <a:spcPts val="0"/>
+              </a:spcAft>
+              <a:buClr>
+                <a:srgbClr val="000000"/>
+              </a:buClr>
+              <a:buSzPts val="1600"/>
+              <a:buFont typeface="Roboto"/>
+              <a:buChar char="●"/>
+            </a:pPr>
+            <a:r>
+              <a:rPr lang="en" sz="1600">
+                <a:solidFill>
+                  <a:srgbClr val="000000"/>
+                </a:solidFill>
+                <a:highlight>
+                  <a:schemeClr val="lt1"/>
+                </a:highlight>
+              </a:rPr>
+              <a:t>XXXXXXXXXXXXXXXXXXXXXXX</a:t>
+            </a:r>
+            <a:endParaRPr sz="1600">
+              <a:solidFill>
+                <a:srgbClr val="000000"/>
+              </a:solidFill>
+              <a:highlight>
+                <a:schemeClr val="lt1"/>
+              </a:highlight>
+            </a:endParaRPr>
+          </a:p>
+          <a:p>
+            <a:pPr indent="-330200" lvl="0" marL="457200" rtl="0" algn="l">
+              <a:spcBef>
+                <a:spcPts val="1000"/>
+              </a:spcBef>
+              <a:spcAft>
+                <a:spcPts val="0"/>
+              </a:spcAft>
+              <a:buClr>
+                <a:srgbClr val="000000"/>
+              </a:buClr>
+              <a:buSzPts val="1600"/>
+              <a:buFont typeface="Roboto"/>
+              <a:buChar char="●"/>
+            </a:pPr>
+            <a:r>
+              <a:rPr lang="en" sz="1600">
+                <a:solidFill>
+                  <a:srgbClr val="000000"/>
+                </a:solidFill>
+                <a:highlight>
+                  <a:schemeClr val="lt1"/>
+                </a:highlight>
+              </a:rPr>
+              <a:t>XXXXXXXXXXXXXXXXXXXXXXXXXXXXXXXXXXXXXX</a:t>
+            </a:r>
+            <a:endParaRPr sz="1600">
+              <a:solidFill>
+                <a:srgbClr val="000000"/>
+              </a:solidFill>
+              <a:highlight>
+                <a:schemeClr val="lt1"/>
+              </a:highlight>
+            </a:endParaRPr>
+          </a:p>
+          <a:p>
+            <a:pPr indent="-330200" lvl="0" marL="457200" rtl="0" algn="l">
+              <a:spcBef>
+                <a:spcPts val="1000"/>
+              </a:spcBef>
+              <a:spcAft>
+                <a:spcPts val="0"/>
+              </a:spcAft>
+              <a:buClr>
+                <a:srgbClr val="000000"/>
+              </a:buClr>
+              <a:buSzPts val="1600"/>
+              <a:buFont typeface="Roboto"/>
+              <a:buChar char="●"/>
+            </a:pPr>
+            <a:r>
+              <a:rPr lang="en" sz="1600">
+                <a:solidFill>
+                  <a:srgbClr val="000000"/>
+                </a:solidFill>
+                <a:highlight>
+                  <a:schemeClr val="lt1"/>
+                </a:highlight>
+              </a:rPr>
+              <a:t>XXXXXXXXXXXXXXXXXX</a:t>
+            </a:r>
+            <a:endParaRPr sz="1400">
+              <a:solidFill>
+                <a:srgbClr val="24292F"/>
+              </a:solidFill>
+              <a:highlight>
+                <a:srgbClr val="FFFFFF"/>
+              </a:highlight>
+            </a:endParaRPr>
+          </a:p>
+          <a:p>
+            <a:pPr indent="0" lvl="0" marL="0" rtl="0" algn="l">
+              <a:spcBef>
+                <a:spcPts val="1000"/>
+              </a:spcBef>
+              <a:spcAft>
+                <a:spcPts val="800"/>
+              </a:spcAft>
+              <a:buNone/>
+            </a:pPr>
+            <a:r>
+              <a:t/>
+            </a:r>
+            <a:endParaRPr sz="1600"/>
+          </a:p>
+        </p:txBody>
+      </p:sp>
+      <p:sp>
+        <p:nvSpPr>
+          <p:cNvPr id="269" name="Google Shape;269;p29"/>
+          <p:cNvSpPr/>
+          <p:nvPr/>
+        </p:nvSpPr>
+        <p:spPr>
+          <a:xfrm>
+            <a:off x="432351" y="1304875"/>
+            <a:ext cx="8293500" cy="607800"/>
+          </a:xfrm>
+          <a:prstGeom prst="chevron">
+            <a:avLst>
+              <a:gd fmla="val 50000" name="adj"/>
+            </a:avLst>
+          </a:prstGeom>
+          <a:solidFill>
+            <a:schemeClr val="dk1"/>
+          </a:solidFill>
+          <a:ln>
+            <a:noFill/>
+          </a:ln>
+        </p:spPr>
+        <p:txBody>
+          <a:bodyPr anchorCtr="0" anchor="ctr" bIns="121875" lIns="121875" spcFirstLastPara="1" rIns="121875" wrap="square" tIns="121875">
+            <a:noAutofit/>
+          </a:bodyPr>
+          <a:lstStyle/>
+          <a:p>
+            <a:pPr indent="0" lvl="0" marL="0" rtl="0" algn="l">
+              <a:spcBef>
+                <a:spcPts val="0"/>
+              </a:spcBef>
+              <a:spcAft>
+                <a:spcPts val="0"/>
+              </a:spcAft>
+              <a:buNone/>
+            </a:pPr>
+            <a:r>
+              <a:t/>
+            </a:r>
+            <a:endParaRPr/>
+          </a:p>
+        </p:txBody>
+      </p:sp>
+    </p:spTree>
+  </p:cSld>
+  <p:clrMapOvr>
+    <a:masterClrMapping/>
+  </p:clrMapOvr>
+</p:sld>
+</file>
+
+<file path=ppt/slides/slide18.xml><?xml version="1.0" encoding="utf-8"?>
+<p:sld xmlns:a="http://schemas.openxmlformats.org/drawingml/2006/main" xmlns:r="http://schemas.openxmlformats.org/officeDocument/2006/relationships" xmlns:mc="http://schemas.openxmlformats.org/markup-compatibility/2006" xmlns:mv="urn:schemas-microsoft-com:mac:vml" xmlns:p="http://schemas.openxmlformats.org/presentationml/2006/main" xmlns:c="http://schemas.openxmlformats.org/drawingml/2006/chart" xmlns:dgm="http://schemas.openxmlformats.org/drawingml/2006/diagram" xmlns:o="urn:schemas-microsoft-com:office:office" xmlns:v="urn:schemas-microsoft-com:vml" xmlns:pvml="urn:schemas-microsoft-com:office:powerpoint" xmlns:com="http://schemas.openxmlformats.org/drawingml/2006/compatibility" xmlns:p14="http://schemas.microsoft.com/office/powerpoint/2010/main" xmlns:p15="http://schemas.microsoft.com/office/powerpoint/2012/main" xmlns:ahyp="http://schemas.microsoft.com/office/drawing/2018/hyperlinkcolor">
+  <p:cSld>
+    <p:spTree>
+      <p:nvGrpSpPr>
+        <p:cNvPr id="273" name="Shape 273"/>
+        <p:cNvGrpSpPr/>
+        <p:nvPr/>
+      </p:nvGrpSpPr>
+      <p:grpSpPr>
+        <a:xfrm>
+          <a:off x="0" y="0"/>
+          <a:ext cx="0" cy="0"/>
+          <a:chOff x="0" y="0"/>
+          <a:chExt cx="0" cy="0"/>
+        </a:xfrm>
+      </p:grpSpPr>
+      <p:sp>
+        <p:nvSpPr>
+          <p:cNvPr id="274" name="Google Shape;274;p30"/>
+          <p:cNvSpPr txBox="1"/>
+          <p:nvPr>
+            <p:ph type="title"/>
+          </p:nvPr>
+        </p:nvSpPr>
+        <p:spPr>
+          <a:xfrm>
+            <a:off x="311700" y="410000"/>
+            <a:ext cx="8520600" cy="607800"/>
+          </a:xfrm>
+          <a:prstGeom prst="rect">
+            <a:avLst/>
+          </a:prstGeom>
+        </p:spPr>
+        <p:txBody>
+          <a:bodyPr anchorCtr="0" anchor="t" bIns="91425" lIns="91425" spcFirstLastPara="1" rIns="91425" wrap="square" tIns="91425">
+            <a:noAutofit/>
+          </a:bodyPr>
+          <a:lstStyle/>
+          <a:p>
+            <a:pPr indent="0" lvl="0" marL="0" rtl="0" algn="l">
+              <a:spcBef>
+                <a:spcPts val="0"/>
+              </a:spcBef>
+              <a:spcAft>
+                <a:spcPts val="0"/>
+              </a:spcAft>
+              <a:buNone/>
+            </a:pPr>
+            <a:r>
+              <a:rPr lang="en"/>
+              <a:t>Machine Learning (cont.)</a:t>
+            </a:r>
+            <a:endParaRPr/>
+          </a:p>
+        </p:txBody>
+      </p:sp>
+      <p:sp>
+        <p:nvSpPr>
+          <p:cNvPr id="275" name="Google Shape;275;p30"/>
+          <p:cNvSpPr txBox="1"/>
+          <p:nvPr>
+            <p:ph idx="4294967295" type="body"/>
+          </p:nvPr>
+        </p:nvSpPr>
+        <p:spPr>
+          <a:xfrm>
+            <a:off x="432350" y="2070575"/>
+            <a:ext cx="8400000" cy="2650800"/>
+          </a:xfrm>
+          <a:prstGeom prst="rect">
+            <a:avLst/>
+          </a:prstGeom>
+        </p:spPr>
+        <p:txBody>
+          <a:bodyPr anchorCtr="0" anchor="t" bIns="91425" lIns="91425" spcFirstLastPara="1" rIns="91425" wrap="square" tIns="91425">
+            <a:noAutofit/>
+          </a:bodyPr>
+          <a:lstStyle/>
+          <a:p>
+            <a:pPr indent="-330200" lvl="0" marL="457200" rtl="0" algn="l">
+              <a:lnSpc>
+                <a:spcPct val="100000"/>
+              </a:lnSpc>
+              <a:spcBef>
+                <a:spcPts val="0"/>
+              </a:spcBef>
+              <a:spcAft>
+                <a:spcPts val="0"/>
+              </a:spcAft>
+              <a:buClr>
+                <a:srgbClr val="000000"/>
+              </a:buClr>
+              <a:buSzPts val="1600"/>
+              <a:buFont typeface="Roboto"/>
+              <a:buChar char="●"/>
+            </a:pPr>
+            <a:r>
+              <a:rPr lang="en" sz="1600">
+                <a:solidFill>
+                  <a:srgbClr val="000000"/>
+                </a:solidFill>
+              </a:rPr>
+              <a:t>XXXXXXXXXXXXXXXXXXXXXXXXXXXXXXXXXXXXX</a:t>
+            </a:r>
+            <a:endParaRPr sz="1600">
+              <a:solidFill>
+                <a:srgbClr val="000000"/>
+              </a:solidFill>
+            </a:endParaRPr>
+          </a:p>
+          <a:p>
+            <a:pPr indent="-330200" lvl="0" marL="457200" rtl="0" algn="l">
+              <a:spcBef>
+                <a:spcPts val="1000"/>
+              </a:spcBef>
+              <a:spcAft>
+                <a:spcPts val="0"/>
+              </a:spcAft>
+              <a:buClr>
+                <a:srgbClr val="000000"/>
+              </a:buClr>
+              <a:buSzPts val="1600"/>
+              <a:buFont typeface="Roboto"/>
+              <a:buChar char="●"/>
+            </a:pPr>
+            <a:r>
+              <a:rPr lang="en" sz="1600">
+                <a:solidFill>
+                  <a:srgbClr val="000000"/>
+                </a:solidFill>
+                <a:highlight>
+                  <a:schemeClr val="lt1"/>
+                </a:highlight>
+              </a:rPr>
+              <a:t>XXXXXXXXXXXXXXXXXXXXXXX</a:t>
+            </a:r>
+            <a:endParaRPr sz="1600">
+              <a:solidFill>
+                <a:srgbClr val="000000"/>
+              </a:solidFill>
+              <a:highlight>
+                <a:schemeClr val="lt1"/>
+              </a:highlight>
+            </a:endParaRPr>
+          </a:p>
+          <a:p>
+            <a:pPr indent="-330200" lvl="0" marL="457200" rtl="0" algn="l">
+              <a:spcBef>
+                <a:spcPts val="1000"/>
+              </a:spcBef>
+              <a:spcAft>
+                <a:spcPts val="0"/>
+              </a:spcAft>
+              <a:buClr>
+                <a:srgbClr val="000000"/>
+              </a:buClr>
+              <a:buSzPts val="1600"/>
+              <a:buFont typeface="Roboto"/>
+              <a:buChar char="●"/>
+            </a:pPr>
+            <a:r>
+              <a:rPr lang="en" sz="1600">
+                <a:solidFill>
+                  <a:srgbClr val="000000"/>
+                </a:solidFill>
+                <a:highlight>
+                  <a:schemeClr val="lt1"/>
+                </a:highlight>
+              </a:rPr>
+              <a:t>XXXXXXXXXXXXXXXXXXXXXXXXXXXXXXXXXXXXXX</a:t>
+            </a:r>
+            <a:endParaRPr sz="1600">
+              <a:solidFill>
+                <a:srgbClr val="000000"/>
+              </a:solidFill>
+              <a:highlight>
+                <a:schemeClr val="lt1"/>
+              </a:highlight>
+            </a:endParaRPr>
+          </a:p>
+          <a:p>
+            <a:pPr indent="-330200" lvl="0" marL="457200" rtl="0" algn="l">
+              <a:spcBef>
+                <a:spcPts val="1000"/>
+              </a:spcBef>
+              <a:spcAft>
+                <a:spcPts val="0"/>
+              </a:spcAft>
+              <a:buClr>
+                <a:srgbClr val="000000"/>
+              </a:buClr>
+              <a:buSzPts val="1600"/>
+              <a:buFont typeface="Roboto"/>
+              <a:buChar char="●"/>
+            </a:pPr>
+            <a:r>
+              <a:rPr lang="en" sz="1600">
+                <a:solidFill>
+                  <a:srgbClr val="000000"/>
+                </a:solidFill>
+                <a:highlight>
+                  <a:schemeClr val="lt1"/>
+                </a:highlight>
+              </a:rPr>
+              <a:t>XXXXXXXXXXXXXXXXXX</a:t>
+            </a:r>
+            <a:endParaRPr sz="1400">
+              <a:solidFill>
+                <a:srgbClr val="24292F"/>
+              </a:solidFill>
+              <a:highlight>
+                <a:srgbClr val="FFFFFF"/>
+              </a:highlight>
+            </a:endParaRPr>
+          </a:p>
+          <a:p>
+            <a:pPr indent="0" lvl="0" marL="0" rtl="0" algn="l">
+              <a:spcBef>
+                <a:spcPts val="1000"/>
+              </a:spcBef>
+              <a:spcAft>
+                <a:spcPts val="800"/>
+              </a:spcAft>
+              <a:buNone/>
+            </a:pPr>
+            <a:r>
+              <a:t/>
+            </a:r>
+            <a:endParaRPr sz="1600"/>
+          </a:p>
+        </p:txBody>
+      </p:sp>
+      <p:sp>
+        <p:nvSpPr>
+          <p:cNvPr id="276" name="Google Shape;276;p30"/>
+          <p:cNvSpPr/>
+          <p:nvPr/>
+        </p:nvSpPr>
+        <p:spPr>
+          <a:xfrm>
+            <a:off x="432351" y="1304875"/>
+            <a:ext cx="8293500" cy="607800"/>
+          </a:xfrm>
+          <a:prstGeom prst="chevron">
+            <a:avLst>
+              <a:gd fmla="val 50000" name="adj"/>
+            </a:avLst>
+          </a:prstGeom>
+          <a:solidFill>
+            <a:schemeClr val="dk1"/>
+          </a:solidFill>
+          <a:ln>
+            <a:noFill/>
+          </a:ln>
+        </p:spPr>
+        <p:txBody>
+          <a:bodyPr anchorCtr="0" anchor="ctr" bIns="121875" lIns="121875" spcFirstLastPara="1" rIns="121875" wrap="square" tIns="121875">
+            <a:noAutofit/>
+          </a:bodyPr>
+          <a:lstStyle/>
+          <a:p>
+            <a:pPr indent="0" lvl="0" marL="0" rtl="0" algn="l">
+              <a:spcBef>
+                <a:spcPts val="0"/>
+              </a:spcBef>
+              <a:spcAft>
+                <a:spcPts val="0"/>
+              </a:spcAft>
+              <a:buNone/>
+            </a:pPr>
+            <a:r>
+              <a:t/>
+            </a:r>
+            <a:endParaRPr/>
+          </a:p>
+        </p:txBody>
+      </p:sp>
+    </p:spTree>
+  </p:cSld>
+  <p:clrMapOvr>
+    <a:masterClrMapping/>
+  </p:clrMapOvr>
+</p:sld>
+</file>
+
+<file path=ppt/slides/slide19.xml><?xml version="1.0" encoding="utf-8"?>
+<p:sld xmlns:a="http://schemas.openxmlformats.org/drawingml/2006/main" xmlns:r="http://schemas.openxmlformats.org/officeDocument/2006/relationships" xmlns:mc="http://schemas.openxmlformats.org/markup-compatibility/2006" xmlns:mv="urn:schemas-microsoft-com:mac:vml" xmlns:p="http://schemas.openxmlformats.org/presentationml/2006/main" xmlns:c="http://schemas.openxmlformats.org/drawingml/2006/chart" xmlns:dgm="http://schemas.openxmlformats.org/drawingml/2006/diagram" xmlns:o="urn:schemas-microsoft-com:office:office" xmlns:v="urn:schemas-microsoft-com:vml" xmlns:pvml="urn:schemas-microsoft-com:office:powerpoint" xmlns:com="http://schemas.openxmlformats.org/drawingml/2006/compatibility" xmlns:p14="http://schemas.microsoft.com/office/powerpoint/2010/main" xmlns:p15="http://schemas.microsoft.com/office/powerpoint/2012/main" xmlns:ahyp="http://schemas.microsoft.com/office/drawing/2018/hyperlinkcolor">
+  <p:cSld>
+    <p:spTree>
+      <p:nvGrpSpPr>
+        <p:cNvPr id="280" name="Shape 280"/>
+        <p:cNvGrpSpPr/>
+        <p:nvPr/>
+      </p:nvGrpSpPr>
+      <p:grpSpPr>
+        <a:xfrm>
+          <a:off x="0" y="0"/>
+          <a:ext cx="0" cy="0"/>
+          <a:chOff x="0" y="0"/>
+          <a:chExt cx="0" cy="0"/>
+        </a:xfrm>
+      </p:grpSpPr>
+      <p:sp>
+        <p:nvSpPr>
+          <p:cNvPr id="281" name="Google Shape;281;p31"/>
+          <p:cNvSpPr txBox="1"/>
+          <p:nvPr>
+            <p:ph type="title"/>
+          </p:nvPr>
+        </p:nvSpPr>
+        <p:spPr>
+          <a:xfrm>
+            <a:off x="311700" y="410000"/>
+            <a:ext cx="8520600" cy="607800"/>
+          </a:xfrm>
+          <a:prstGeom prst="rect">
+            <a:avLst/>
+          </a:prstGeom>
+        </p:spPr>
+        <p:txBody>
+          <a:bodyPr anchorCtr="0" anchor="t" bIns="91425" lIns="91425" spcFirstLastPara="1" rIns="91425" wrap="square" tIns="91425">
+            <a:noAutofit/>
+          </a:bodyPr>
+          <a:lstStyle/>
+          <a:p>
+            <a:pPr indent="0" lvl="0" marL="0" rtl="0" algn="l">
+              <a:spcBef>
+                <a:spcPts val="0"/>
+              </a:spcBef>
+              <a:spcAft>
+                <a:spcPts val="0"/>
+              </a:spcAft>
+              <a:buNone/>
+            </a:pPr>
+            <a:r>
+              <a:rPr lang="en"/>
+              <a:t>Creating Visualizations</a:t>
+            </a:r>
+            <a:endParaRPr/>
+          </a:p>
+        </p:txBody>
+      </p:sp>
+      <p:sp>
+        <p:nvSpPr>
+          <p:cNvPr id="282" name="Google Shape;282;p31"/>
+          <p:cNvSpPr txBox="1"/>
+          <p:nvPr/>
+        </p:nvSpPr>
+        <p:spPr>
+          <a:xfrm>
+            <a:off x="562350" y="1412750"/>
+            <a:ext cx="7159800" cy="400200"/>
+          </a:xfrm>
+          <a:prstGeom prst="rect">
+            <a:avLst/>
+          </a:prstGeom>
+          <a:noFill/>
+          <a:ln>
+            <a:noFill/>
+          </a:ln>
+        </p:spPr>
+        <p:txBody>
+          <a:bodyPr anchorCtr="0" anchor="t" bIns="91425" lIns="91425" spcFirstLastPara="1" rIns="91425" wrap="square" tIns="91425">
+            <a:spAutoFit/>
+          </a:bodyPr>
+          <a:lstStyle/>
+          <a:p>
+            <a:pPr indent="0" lvl="0" marL="0" rtl="0" algn="l">
+              <a:spcBef>
+                <a:spcPts val="0"/>
+              </a:spcBef>
+              <a:spcAft>
+                <a:spcPts val="0"/>
+              </a:spcAft>
+              <a:buNone/>
+            </a:pPr>
+            <a:r>
+              <a:rPr lang="en" u="sng">
+                <a:solidFill>
+                  <a:schemeClr val="hlink"/>
+                </a:solidFill>
+                <a:latin typeface="Roboto"/>
+                <a:ea typeface="Roboto"/>
+                <a:cs typeface="Roboto"/>
+                <a:sym typeface="Roboto"/>
+                <a:hlinkClick r:id="rId3"/>
+              </a:rPr>
+              <a:t>[[LINK TO DASHBOARD]]</a:t>
+            </a:r>
+            <a:endParaRPr>
+              <a:latin typeface="Roboto"/>
+              <a:ea typeface="Roboto"/>
+              <a:cs typeface="Roboto"/>
+              <a:sym typeface="Roboto"/>
+            </a:endParaRPr>
+          </a:p>
+        </p:txBody>
+      </p:sp>
+    </p:spTree>
+  </p:cSld>
+  <p:clrMapOvr>
+    <a:masterClrMapping/>
+  </p:clrMapOvr>
+</p:sld>
+</file>
+
+<file path=ppt/slides/slide2.xml><?xml version="1.0" encoding="utf-8"?>
+<p:sld xmlns:a="http://schemas.openxmlformats.org/drawingml/2006/main" xmlns:r="http://schemas.openxmlformats.org/officeDocument/2006/relationships" xmlns:mc="http://schemas.openxmlformats.org/markup-compatibility/2006" xmlns:mv="urn:schemas-microsoft-com:mac:vml" xmlns:p="http://schemas.openxmlformats.org/presentationml/2006/main" xmlns:c="http://schemas.openxmlformats.org/drawingml/2006/chart" xmlns:dgm="http://schemas.openxmlformats.org/drawingml/2006/diagram" xmlns:o="urn:schemas-microsoft-com:office:office" xmlns:v="urn:schemas-microsoft-com:vml" xmlns:pvml="urn:schemas-microsoft-com:office:powerpoint" xmlns:com="http://schemas.openxmlformats.org/drawingml/2006/compatibility" xmlns:p14="http://schemas.microsoft.com/office/powerpoint/2010/main" xmlns:p15="http://schemas.microsoft.com/office/powerpoint/2012/main" xmlns:ahyp="http://schemas.microsoft.com/office/drawing/2018/hyperlinkcolor">
+  <p:cSld>
+    <p:spTree>
+      <p:nvGrpSpPr>
+        <p:cNvPr id="91" name="Shape 91"/>
+        <p:cNvGrpSpPr/>
+        <p:nvPr/>
+      </p:nvGrpSpPr>
+      <p:grpSpPr>
+        <a:xfrm>
+          <a:off x="0" y="0"/>
+          <a:ext cx="0" cy="0"/>
+          <a:chOff x="0" y="0"/>
+          <a:chExt cx="0" cy="0"/>
+        </a:xfrm>
+      </p:grpSpPr>
+      <p:sp>
+        <p:nvSpPr>
+          <p:cNvPr id="92" name="Google Shape;92;p14"/>
+          <p:cNvSpPr txBox="1"/>
+          <p:nvPr>
+            <p:ph type="title"/>
+          </p:nvPr>
+        </p:nvSpPr>
+        <p:spPr>
+          <a:xfrm>
+            <a:off x="311700" y="410000"/>
+            <a:ext cx="8520600" cy="607800"/>
+          </a:xfrm>
+          <a:prstGeom prst="rect">
+            <a:avLst/>
+          </a:prstGeom>
+        </p:spPr>
+        <p:txBody>
+          <a:bodyPr anchorCtr="0" anchor="t" bIns="91425" lIns="91425" spcFirstLastPara="1" rIns="91425" wrap="square" tIns="91425">
+            <a:noAutofit/>
+          </a:bodyPr>
+          <a:lstStyle/>
+          <a:p>
+            <a:pPr indent="0" lvl="0" marL="0" rtl="0" algn="l">
+              <a:spcBef>
+                <a:spcPts val="0"/>
+              </a:spcBef>
+              <a:spcAft>
+                <a:spcPts val="0"/>
+              </a:spcAft>
+              <a:buNone/>
+            </a:pPr>
+            <a:r>
+              <a:rPr lang="en"/>
+              <a:t>COVID-19 Overview</a:t>
+            </a:r>
+            <a:endParaRPr/>
+          </a:p>
+        </p:txBody>
+      </p:sp>
+      <p:grpSp>
+        <p:nvGrpSpPr>
+          <p:cNvPr id="93" name="Google Shape;93;p14"/>
+          <p:cNvGrpSpPr/>
+          <p:nvPr/>
+        </p:nvGrpSpPr>
+        <p:grpSpPr>
+          <a:xfrm>
+            <a:off x="401725" y="1228664"/>
+            <a:ext cx="8430699" cy="3009507"/>
+            <a:chOff x="431925" y="1304875"/>
+            <a:chExt cx="2628925" cy="3416400"/>
+          </a:xfrm>
+        </p:grpSpPr>
+        <p:sp>
+          <p:nvSpPr>
+            <p:cNvPr id="94" name="Google Shape;94;p14"/>
+            <p:cNvSpPr txBox="1"/>
+            <p:nvPr/>
+          </p:nvSpPr>
+          <p:spPr>
+            <a:xfrm>
+              <a:off x="431925" y="1304875"/>
+              <a:ext cx="2628900" cy="464100"/>
+            </a:xfrm>
+            <a:prstGeom prst="rect">
+              <a:avLst/>
+            </a:prstGeom>
+            <a:solidFill>
+              <a:schemeClr val="dk1"/>
+            </a:solidFill>
+            <a:ln>
+              <a:noFill/>
+            </a:ln>
+          </p:spPr>
+          <p:txBody>
+            <a:bodyPr anchorCtr="0" anchor="ctr" bIns="91425" lIns="91425" spcFirstLastPara="1" rIns="91425" wrap="square" tIns="91425">
+              <a:noAutofit/>
+            </a:bodyPr>
+            <a:lstStyle/>
+            <a:p>
+              <a:pPr indent="0" lvl="0" marL="0" rtl="0" algn="l">
+                <a:spcBef>
+                  <a:spcPts val="0"/>
+                </a:spcBef>
+                <a:spcAft>
+                  <a:spcPts val="0"/>
+                </a:spcAft>
+                <a:buNone/>
+              </a:pPr>
+              <a:r>
+                <a:t/>
+              </a:r>
+              <a:endParaRPr/>
+            </a:p>
+          </p:txBody>
+        </p:sp>
+        <p:sp>
+          <p:nvSpPr>
+            <p:cNvPr id="95" name="Google Shape;95;p14"/>
+            <p:cNvSpPr/>
+            <p:nvPr/>
+          </p:nvSpPr>
+          <p:spPr>
+            <a:xfrm>
+              <a:off x="431950" y="1304875"/>
+              <a:ext cx="2628900" cy="3416400"/>
+            </a:xfrm>
+            <a:prstGeom prst="rect">
+              <a:avLst/>
+            </a:prstGeom>
+            <a:noFill/>
+            <a:ln cap="flat" cmpd="sng" w="9525">
+              <a:solidFill>
+                <a:schemeClr val="dk1"/>
+              </a:solidFill>
+              <a:prstDash val="solid"/>
+              <a:round/>
+              <a:headEnd len="sm" w="sm" type="none"/>
+              <a:tailEnd len="sm" w="sm" type="none"/>
+            </a:ln>
+          </p:spPr>
+          <p:txBody>
+            <a:bodyPr anchorCtr="0" anchor="ctr" bIns="91425" lIns="91425" spcFirstLastPara="1" rIns="91425" wrap="square" tIns="91425">
+              <a:noAutofit/>
+            </a:bodyPr>
+            <a:lstStyle/>
+            <a:p>
+              <a:pPr indent="0" lvl="0" marL="0" rtl="0" algn="l">
+                <a:spcBef>
+                  <a:spcPts val="0"/>
+                </a:spcBef>
+                <a:spcAft>
+                  <a:spcPts val="0"/>
+                </a:spcAft>
+                <a:buNone/>
+              </a:pPr>
+              <a:r>
+                <a:t/>
+              </a:r>
+              <a:endParaRPr/>
+            </a:p>
+          </p:txBody>
+        </p:sp>
+      </p:grpSp>
+      <p:sp>
+        <p:nvSpPr>
+          <p:cNvPr id="96" name="Google Shape;96;p14"/>
+          <p:cNvSpPr txBox="1"/>
+          <p:nvPr>
+            <p:ph idx="4294967295" type="body"/>
+          </p:nvPr>
+        </p:nvSpPr>
+        <p:spPr>
+          <a:xfrm>
+            <a:off x="401700" y="1228700"/>
+            <a:ext cx="2494500" cy="461400"/>
+          </a:xfrm>
+          <a:prstGeom prst="rect">
+            <a:avLst/>
+          </a:prstGeom>
+        </p:spPr>
+        <p:txBody>
+          <a:bodyPr anchorCtr="0" anchor="t" bIns="91425" lIns="91425" spcFirstLastPara="1" rIns="91425" wrap="square" tIns="91425">
+            <a:noAutofit/>
+          </a:bodyPr>
+          <a:lstStyle/>
+          <a:p>
+            <a:pPr indent="0" lvl="0" marL="0" rtl="0" algn="l">
+              <a:spcBef>
+                <a:spcPts val="0"/>
+              </a:spcBef>
+              <a:spcAft>
+                <a:spcPts val="0"/>
+              </a:spcAft>
+              <a:buNone/>
+            </a:pPr>
+            <a:r>
+              <a:rPr lang="en">
+                <a:solidFill>
+                  <a:schemeClr val="lt1"/>
+                </a:solidFill>
+              </a:rPr>
+              <a:t>Background</a:t>
+            </a:r>
+            <a:endParaRPr>
+              <a:solidFill>
+                <a:schemeClr val="lt1"/>
+              </a:solidFill>
+            </a:endParaRPr>
+          </a:p>
+        </p:txBody>
+      </p:sp>
+      <p:sp>
+        <p:nvSpPr>
+          <p:cNvPr id="97" name="Google Shape;97;p14"/>
+          <p:cNvSpPr txBox="1"/>
+          <p:nvPr>
+            <p:ph idx="4294967295" type="body"/>
+          </p:nvPr>
+        </p:nvSpPr>
+        <p:spPr>
+          <a:xfrm>
+            <a:off x="401775" y="1511800"/>
+            <a:ext cx="8430600" cy="2808900"/>
+          </a:xfrm>
+          <a:prstGeom prst="rect">
+            <a:avLst/>
+          </a:prstGeom>
+        </p:spPr>
+        <p:txBody>
+          <a:bodyPr anchorCtr="0" anchor="ctr" bIns="91425" lIns="91425" spcFirstLastPara="1" rIns="91425" wrap="square" tIns="91425">
+            <a:noAutofit/>
+          </a:bodyPr>
+          <a:lstStyle/>
+          <a:p>
+            <a:pPr indent="-342900" lvl="0" marL="457200" rtl="0" algn="l">
+              <a:lnSpc>
+                <a:spcPct val="125000"/>
+              </a:lnSpc>
+              <a:spcBef>
+                <a:spcPts val="1800"/>
+              </a:spcBef>
+              <a:spcAft>
+                <a:spcPts val="0"/>
+              </a:spcAft>
+              <a:buClr>
+                <a:srgbClr val="000000"/>
+              </a:buClr>
+              <a:buSzPts val="1800"/>
+              <a:buChar char="●"/>
+            </a:pPr>
+            <a:r>
+              <a:rPr lang="en">
+                <a:solidFill>
+                  <a:srgbClr val="000000"/>
+                </a:solidFill>
+              </a:rPr>
+              <a:t>An </a:t>
+            </a:r>
+            <a:r>
+              <a:rPr b="1" lang="en">
+                <a:solidFill>
+                  <a:srgbClr val="000000"/>
+                </a:solidFill>
+              </a:rPr>
+              <a:t>epidemic</a:t>
+            </a:r>
+            <a:r>
+              <a:rPr lang="en">
+                <a:solidFill>
+                  <a:srgbClr val="000000"/>
+                </a:solidFill>
+              </a:rPr>
+              <a:t> refers to an unexpected increase in cases of disease in a specific area</a:t>
+            </a:r>
+            <a:r>
+              <a:rPr lang="en">
+                <a:solidFill>
+                  <a:srgbClr val="000000"/>
+                </a:solidFill>
+                <a:highlight>
+                  <a:srgbClr val="FFFFFF"/>
+                </a:highlight>
+              </a:rPr>
+              <a:t>¹</a:t>
+            </a:r>
+            <a:endParaRPr>
+              <a:solidFill>
+                <a:srgbClr val="000000"/>
+              </a:solidFill>
+              <a:highlight>
+                <a:srgbClr val="FFFFFF"/>
+              </a:highlight>
+            </a:endParaRPr>
+          </a:p>
+          <a:p>
+            <a:pPr indent="-342900" lvl="0" marL="457200" rtl="0" algn="l">
+              <a:lnSpc>
+                <a:spcPct val="125000"/>
+              </a:lnSpc>
+              <a:spcBef>
+                <a:spcPts val="0"/>
+              </a:spcBef>
+              <a:spcAft>
+                <a:spcPts val="0"/>
+              </a:spcAft>
+              <a:buClr>
+                <a:srgbClr val="000000"/>
+              </a:buClr>
+              <a:buSzPts val="1800"/>
+              <a:buChar char="●"/>
+            </a:pPr>
+            <a:r>
+              <a:rPr lang="en">
+                <a:solidFill>
+                  <a:srgbClr val="000000"/>
+                </a:solidFill>
+              </a:rPr>
+              <a:t>A </a:t>
+            </a:r>
+            <a:r>
+              <a:rPr b="1" lang="en">
+                <a:solidFill>
+                  <a:srgbClr val="000000"/>
+                </a:solidFill>
+              </a:rPr>
+              <a:t>pandemic</a:t>
+            </a:r>
+            <a:r>
+              <a:rPr lang="en">
+                <a:solidFill>
+                  <a:srgbClr val="000000"/>
+                </a:solidFill>
+              </a:rPr>
+              <a:t> is an epidemic that has spanned across locations</a:t>
+            </a:r>
+            <a:r>
+              <a:rPr lang="en">
+                <a:solidFill>
+                  <a:srgbClr val="000000"/>
+                </a:solidFill>
+                <a:highlight>
+                  <a:srgbClr val="FFFFFF"/>
+                </a:highlight>
+              </a:rPr>
+              <a:t>¹</a:t>
+            </a:r>
+            <a:endParaRPr>
+              <a:solidFill>
+                <a:srgbClr val="000000"/>
+              </a:solidFill>
+              <a:highlight>
+                <a:srgbClr val="FFFFFF"/>
+              </a:highlight>
+            </a:endParaRPr>
+          </a:p>
+          <a:p>
+            <a:pPr indent="-342900" lvl="0" marL="457200" rtl="0" algn="l">
+              <a:lnSpc>
+                <a:spcPct val="125000"/>
+              </a:lnSpc>
+              <a:spcBef>
+                <a:spcPts val="0"/>
+              </a:spcBef>
+              <a:spcAft>
+                <a:spcPts val="0"/>
+              </a:spcAft>
+              <a:buClr>
+                <a:srgbClr val="000000"/>
+              </a:buClr>
+              <a:buSzPts val="1800"/>
+              <a:buChar char="●"/>
+            </a:pPr>
+            <a:r>
+              <a:rPr lang="en">
+                <a:solidFill>
+                  <a:srgbClr val="000000"/>
+                </a:solidFill>
+              </a:rPr>
+              <a:t>COVID-19 is now the deadliest pandemic in the history of the United States, as of September 2021</a:t>
+            </a:r>
+            <a:r>
+              <a:rPr lang="en">
+                <a:solidFill>
+                  <a:srgbClr val="000000"/>
+                </a:solidFill>
+                <a:highlight>
+                  <a:srgbClr val="FFFFFF"/>
+                </a:highlight>
+              </a:rPr>
+              <a:t>³</a:t>
+            </a:r>
+            <a:endParaRPr>
+              <a:solidFill>
+                <a:srgbClr val="000000"/>
+              </a:solidFill>
+            </a:endParaRPr>
+          </a:p>
+          <a:p>
+            <a:pPr indent="-342900" lvl="0" marL="457200" rtl="0" algn="l">
+              <a:lnSpc>
+                <a:spcPct val="125000"/>
+              </a:lnSpc>
+              <a:spcBef>
+                <a:spcPts val="0"/>
+              </a:spcBef>
+              <a:spcAft>
+                <a:spcPts val="0"/>
+              </a:spcAft>
+              <a:buClr>
+                <a:srgbClr val="000000"/>
+              </a:buClr>
+              <a:buSzPts val="1800"/>
+              <a:buChar char="●"/>
+            </a:pPr>
+            <a:r>
+              <a:rPr lang="en">
+                <a:solidFill>
+                  <a:srgbClr val="000000"/>
+                </a:solidFill>
+              </a:rPr>
+              <a:t>Scientists are now discussing COVID-19 as becoming </a:t>
+            </a:r>
+            <a:r>
+              <a:rPr b="1" lang="en">
+                <a:solidFill>
+                  <a:srgbClr val="000000"/>
+                </a:solidFill>
+              </a:rPr>
+              <a:t>endemic</a:t>
+            </a:r>
+            <a:r>
+              <a:rPr lang="en">
+                <a:solidFill>
+                  <a:srgbClr val="000000"/>
+                </a:solidFill>
+              </a:rPr>
+              <a:t>- a disease that continually circulates a population or area with occasional outbreaks</a:t>
+            </a:r>
+            <a:r>
+              <a:rPr lang="en">
+                <a:solidFill>
+                  <a:srgbClr val="000000"/>
+                </a:solidFill>
+                <a:highlight>
+                  <a:srgbClr val="FFFFFF"/>
+                </a:highlight>
+              </a:rPr>
+              <a:t>⁵</a:t>
+            </a:r>
+            <a:endParaRPr>
+              <a:solidFill>
+                <a:srgbClr val="000000"/>
+              </a:solidFill>
+            </a:endParaRPr>
+          </a:p>
+        </p:txBody>
+      </p:sp>
+      <p:sp>
+        <p:nvSpPr>
+          <p:cNvPr id="98" name="Google Shape;98;p14"/>
+          <p:cNvSpPr/>
+          <p:nvPr/>
+        </p:nvSpPr>
+        <p:spPr>
+          <a:xfrm>
+            <a:off x="401700" y="4449050"/>
+            <a:ext cx="2494500" cy="365400"/>
+          </a:xfrm>
+          <a:prstGeom prst="homePlate">
+            <a:avLst>
+              <a:gd fmla="val 50000" name="adj"/>
+            </a:avLst>
+          </a:prstGeom>
+          <a:solidFill>
+            <a:schemeClr val="dk1"/>
+          </a:solidFill>
+          <a:ln>
+            <a:noFill/>
+          </a:ln>
+        </p:spPr>
+        <p:txBody>
+          <a:bodyPr anchorCtr="0" anchor="ctr" bIns="121875" lIns="121875" spcFirstLastPara="1" rIns="121875" wrap="square" tIns="121875">
+            <a:noAutofit/>
+          </a:bodyPr>
+          <a:lstStyle/>
+          <a:p>
+            <a:pPr indent="0" lvl="0" marL="0" rtl="0" algn="l">
+              <a:spcBef>
+                <a:spcPts val="0"/>
+              </a:spcBef>
+              <a:spcAft>
+                <a:spcPts val="0"/>
+              </a:spcAft>
+              <a:buNone/>
+            </a:pPr>
+            <a:r>
+              <a:t/>
+            </a:r>
+            <a:endParaRPr/>
+          </a:p>
+        </p:txBody>
+      </p:sp>
+      <p:sp>
+        <p:nvSpPr>
+          <p:cNvPr id="99" name="Google Shape;99;p14"/>
+          <p:cNvSpPr/>
+          <p:nvPr/>
+        </p:nvSpPr>
+        <p:spPr>
+          <a:xfrm>
+            <a:off x="3031250" y="4449050"/>
+            <a:ext cx="2824800" cy="365400"/>
+          </a:xfrm>
+          <a:prstGeom prst="chevron">
+            <a:avLst>
+              <a:gd fmla="val 50000" name="adj"/>
+            </a:avLst>
+          </a:prstGeom>
+          <a:solidFill>
+            <a:schemeClr val="dk1"/>
+          </a:solidFill>
+          <a:ln>
+            <a:noFill/>
+          </a:ln>
+        </p:spPr>
+        <p:txBody>
+          <a:bodyPr anchorCtr="0" anchor="ctr" bIns="121875" lIns="121875" spcFirstLastPara="1" rIns="121875" wrap="square" tIns="121875">
+            <a:noAutofit/>
+          </a:bodyPr>
+          <a:lstStyle/>
+          <a:p>
+            <a:pPr indent="0" lvl="0" marL="0" rtl="0" algn="l">
+              <a:spcBef>
+                <a:spcPts val="0"/>
+              </a:spcBef>
+              <a:spcAft>
+                <a:spcPts val="0"/>
+              </a:spcAft>
+              <a:buNone/>
+            </a:pPr>
+            <a:r>
+              <a:t/>
+            </a:r>
+            <a:endParaRPr/>
+          </a:p>
+        </p:txBody>
+      </p:sp>
+      <p:sp>
+        <p:nvSpPr>
+          <p:cNvPr id="100" name="Google Shape;100;p14"/>
+          <p:cNvSpPr/>
+          <p:nvPr/>
+        </p:nvSpPr>
+        <p:spPr>
+          <a:xfrm>
+            <a:off x="6007600" y="4449050"/>
+            <a:ext cx="2824800" cy="365400"/>
+          </a:xfrm>
+          <a:prstGeom prst="chevron">
+            <a:avLst>
+              <a:gd fmla="val 50000" name="adj"/>
+            </a:avLst>
+          </a:prstGeom>
+          <a:solidFill>
+            <a:schemeClr val="dk1"/>
+          </a:solidFill>
+          <a:ln>
+            <a:noFill/>
+          </a:ln>
+        </p:spPr>
+        <p:txBody>
+          <a:bodyPr anchorCtr="0" anchor="ctr" bIns="121875" lIns="121875" spcFirstLastPara="1" rIns="121875" wrap="square" tIns="121875">
+            <a:noAutofit/>
+          </a:bodyPr>
+          <a:lstStyle/>
+          <a:p>
+            <a:pPr indent="0" lvl="0" marL="0" rtl="0" algn="l">
+              <a:spcBef>
+                <a:spcPts val="0"/>
+              </a:spcBef>
+              <a:spcAft>
+                <a:spcPts val="0"/>
+              </a:spcAft>
+              <a:buNone/>
+            </a:pPr>
+            <a:r>
+              <a:t/>
+            </a:r>
+            <a:endParaRPr/>
+          </a:p>
+        </p:txBody>
+      </p:sp>
+      <p:sp>
+        <p:nvSpPr>
+          <p:cNvPr id="101" name="Google Shape;101;p14"/>
+          <p:cNvSpPr txBox="1"/>
+          <p:nvPr>
+            <p:ph idx="4294967295" type="body"/>
+          </p:nvPr>
+        </p:nvSpPr>
+        <p:spPr>
+          <a:xfrm>
+            <a:off x="937850" y="4401050"/>
+            <a:ext cx="2494500" cy="461400"/>
+          </a:xfrm>
+          <a:prstGeom prst="rect">
+            <a:avLst/>
+          </a:prstGeom>
+        </p:spPr>
+        <p:txBody>
+          <a:bodyPr anchorCtr="0" anchor="t" bIns="91425" lIns="91425" spcFirstLastPara="1" rIns="91425" wrap="square" tIns="91425">
+            <a:noAutofit/>
+          </a:bodyPr>
+          <a:lstStyle/>
+          <a:p>
+            <a:pPr indent="0" lvl="0" marL="0" rtl="0" algn="l">
+              <a:spcBef>
+                <a:spcPts val="0"/>
+              </a:spcBef>
+              <a:spcAft>
+                <a:spcPts val="0"/>
+              </a:spcAft>
+              <a:buNone/>
+            </a:pPr>
+            <a:r>
+              <a:rPr lang="en">
+                <a:solidFill>
+                  <a:schemeClr val="lt1"/>
+                </a:solidFill>
+              </a:rPr>
+              <a:t>Epidemic</a:t>
+            </a:r>
+            <a:endParaRPr>
+              <a:solidFill>
+                <a:schemeClr val="lt1"/>
+              </a:solidFill>
+            </a:endParaRPr>
+          </a:p>
+        </p:txBody>
+      </p:sp>
+      <p:sp>
+        <p:nvSpPr>
+          <p:cNvPr id="102" name="Google Shape;102;p14"/>
+          <p:cNvSpPr txBox="1"/>
+          <p:nvPr>
+            <p:ph idx="4294967295" type="body"/>
+          </p:nvPr>
+        </p:nvSpPr>
+        <p:spPr>
+          <a:xfrm>
+            <a:off x="3884488" y="4401050"/>
+            <a:ext cx="2494500" cy="461400"/>
+          </a:xfrm>
+          <a:prstGeom prst="rect">
+            <a:avLst/>
+          </a:prstGeom>
+        </p:spPr>
+        <p:txBody>
+          <a:bodyPr anchorCtr="0" anchor="t" bIns="91425" lIns="91425" spcFirstLastPara="1" rIns="91425" wrap="square" tIns="91425">
+            <a:noAutofit/>
+          </a:bodyPr>
+          <a:lstStyle/>
+          <a:p>
+            <a:pPr indent="0" lvl="0" marL="0" rtl="0" algn="l">
+              <a:spcBef>
+                <a:spcPts val="0"/>
+              </a:spcBef>
+              <a:spcAft>
+                <a:spcPts val="0"/>
+              </a:spcAft>
+              <a:buNone/>
+            </a:pPr>
+            <a:r>
+              <a:rPr lang="en">
+                <a:solidFill>
+                  <a:schemeClr val="lt1"/>
+                </a:solidFill>
+              </a:rPr>
+              <a:t>Pan</a:t>
+            </a:r>
+            <a:r>
+              <a:rPr lang="en">
+                <a:solidFill>
+                  <a:schemeClr val="lt1"/>
+                </a:solidFill>
+              </a:rPr>
+              <a:t>demic</a:t>
+            </a:r>
+            <a:endParaRPr>
+              <a:solidFill>
+                <a:schemeClr val="lt1"/>
+              </a:solidFill>
+            </a:endParaRPr>
+          </a:p>
+        </p:txBody>
+      </p:sp>
+      <p:sp>
+        <p:nvSpPr>
+          <p:cNvPr id="103" name="Google Shape;103;p14"/>
+          <p:cNvSpPr txBox="1"/>
+          <p:nvPr>
+            <p:ph idx="4294967295" type="body"/>
+          </p:nvPr>
+        </p:nvSpPr>
+        <p:spPr>
+          <a:xfrm>
+            <a:off x="6831150" y="4401050"/>
+            <a:ext cx="1851000" cy="461400"/>
+          </a:xfrm>
+          <a:prstGeom prst="rect">
+            <a:avLst/>
+          </a:prstGeom>
+        </p:spPr>
+        <p:txBody>
+          <a:bodyPr anchorCtr="0" anchor="t" bIns="91425" lIns="91425" spcFirstLastPara="1" rIns="91425" wrap="square" tIns="91425">
+            <a:noAutofit/>
+          </a:bodyPr>
+          <a:lstStyle/>
+          <a:p>
+            <a:pPr indent="0" lvl="0" marL="0" rtl="0" algn="l">
+              <a:spcBef>
+                <a:spcPts val="0"/>
+              </a:spcBef>
+              <a:spcAft>
+                <a:spcPts val="0"/>
+              </a:spcAft>
+              <a:buNone/>
+            </a:pPr>
+            <a:r>
+              <a:rPr lang="en">
+                <a:solidFill>
+                  <a:schemeClr val="lt1"/>
+                </a:solidFill>
+              </a:rPr>
+              <a:t>Endemic</a:t>
+            </a:r>
+            <a:endParaRPr>
+              <a:solidFill>
+                <a:schemeClr val="lt1"/>
+              </a:solidFill>
+            </a:endParaRPr>
+          </a:p>
+        </p:txBody>
+      </p:sp>
+    </p:spTree>
+  </p:cSld>
+  <p:clrMapOvr>
+    <a:masterClrMapping/>
+  </p:clrMapOvr>
+</p:sld>
+</file>
+
+<file path=ppt/slides/slide20.xml><?xml version="1.0" encoding="utf-8"?>
+<p:sld xmlns:a="http://schemas.openxmlformats.org/drawingml/2006/main" xmlns:r="http://schemas.openxmlformats.org/officeDocument/2006/relationships" xmlns:mc="http://schemas.openxmlformats.org/markup-compatibility/2006" xmlns:mv="urn:schemas-microsoft-com:mac:vml" xmlns:p="http://schemas.openxmlformats.org/presentationml/2006/main" xmlns:c="http://schemas.openxmlformats.org/drawingml/2006/chart" xmlns:dgm="http://schemas.openxmlformats.org/drawingml/2006/diagram" xmlns:o="urn:schemas-microsoft-com:office:office" xmlns:v="urn:schemas-microsoft-com:vml" xmlns:pvml="urn:schemas-microsoft-com:office:powerpoint" xmlns:com="http://schemas.openxmlformats.org/drawingml/2006/compatibility" xmlns:p14="http://schemas.microsoft.com/office/powerpoint/2010/main" xmlns:p15="http://schemas.microsoft.com/office/powerpoint/2012/main" xmlns:ahyp="http://schemas.microsoft.com/office/drawing/2018/hyperlinkcolor">
+  <p:cSld>
+    <p:spTree>
+      <p:nvGrpSpPr>
+        <p:cNvPr id="286" name="Shape 286"/>
+        <p:cNvGrpSpPr/>
+        <p:nvPr/>
+      </p:nvGrpSpPr>
+      <p:grpSpPr>
+        <a:xfrm>
+          <a:off x="0" y="0"/>
+          <a:ext cx="0" cy="0"/>
+          <a:chOff x="0" y="0"/>
+          <a:chExt cx="0" cy="0"/>
+        </a:xfrm>
+      </p:grpSpPr>
+      <p:sp>
+        <p:nvSpPr>
+          <p:cNvPr id="287" name="Google Shape;287;p32"/>
+          <p:cNvSpPr txBox="1"/>
+          <p:nvPr>
+            <p:ph type="title"/>
+          </p:nvPr>
+        </p:nvSpPr>
+        <p:spPr>
+          <a:xfrm>
+            <a:off x="311700" y="410000"/>
+            <a:ext cx="8520600" cy="607800"/>
+          </a:xfrm>
+          <a:prstGeom prst="rect">
+            <a:avLst/>
+          </a:prstGeom>
+        </p:spPr>
+        <p:txBody>
+          <a:bodyPr anchorCtr="0" anchor="t" bIns="91425" lIns="91425" spcFirstLastPara="1" rIns="91425" wrap="square" tIns="91425">
+            <a:noAutofit/>
+          </a:bodyPr>
+          <a:lstStyle/>
+          <a:p>
+            <a:pPr indent="0" lvl="0" marL="0" rtl="0" algn="l">
+              <a:spcBef>
+                <a:spcPts val="0"/>
+              </a:spcBef>
+              <a:spcAft>
+                <a:spcPts val="0"/>
+              </a:spcAft>
+              <a:buNone/>
+            </a:pPr>
+            <a:r>
+              <a:rPr lang="en"/>
+              <a:t>Summarizing Analysis</a:t>
+            </a:r>
+            <a:endParaRPr/>
+          </a:p>
+        </p:txBody>
+      </p:sp>
+      <p:grpSp>
+        <p:nvGrpSpPr>
+          <p:cNvPr id="288" name="Google Shape;288;p32"/>
+          <p:cNvGrpSpPr/>
+          <p:nvPr/>
+        </p:nvGrpSpPr>
+        <p:grpSpPr>
+          <a:xfrm>
+            <a:off x="401725" y="1228664"/>
+            <a:ext cx="8430695" cy="3105712"/>
+            <a:chOff x="431925" y="1304875"/>
+            <a:chExt cx="2628923" cy="3525612"/>
+          </a:xfrm>
+        </p:grpSpPr>
+        <p:sp>
+          <p:nvSpPr>
+            <p:cNvPr id="289" name="Google Shape;289;p32"/>
+            <p:cNvSpPr txBox="1"/>
+            <p:nvPr/>
+          </p:nvSpPr>
+          <p:spPr>
+            <a:xfrm>
+              <a:off x="431925" y="1304875"/>
+              <a:ext cx="2628900" cy="464100"/>
+            </a:xfrm>
+            <a:prstGeom prst="rect">
+              <a:avLst/>
+            </a:prstGeom>
+            <a:solidFill>
+              <a:schemeClr val="dk1"/>
+            </a:solidFill>
+            <a:ln>
+              <a:noFill/>
+            </a:ln>
+          </p:spPr>
+          <p:txBody>
+            <a:bodyPr anchorCtr="0" anchor="ctr" bIns="91425" lIns="91425" spcFirstLastPara="1" rIns="91425" wrap="square" tIns="91425">
+              <a:noAutofit/>
+            </a:bodyPr>
+            <a:lstStyle/>
+            <a:p>
+              <a:pPr indent="0" lvl="0" marL="0" rtl="0" algn="l">
+                <a:spcBef>
+                  <a:spcPts val="0"/>
+                </a:spcBef>
+                <a:spcAft>
+                  <a:spcPts val="0"/>
+                </a:spcAft>
+                <a:buNone/>
+              </a:pPr>
+              <a:r>
+                <a:t/>
+              </a:r>
+              <a:endParaRPr/>
+            </a:p>
+          </p:txBody>
+        </p:sp>
+        <p:sp>
+          <p:nvSpPr>
+            <p:cNvPr id="290" name="Google Shape;290;p32"/>
             <p:cNvSpPr/>
             <p:nvPr/>
           </p:nvSpPr>
@@ -12104,12 +13792,12 @@
 </p:sld>
 </file>
 
-<file path=ppt/slides/slide19.xml><?xml version="1.0" encoding="utf-8"?>
+<file path=ppt/slides/slide21.xml><?xml version="1.0" encoding="utf-8"?>
 <p:sld xmlns:a="http://schemas.openxmlformats.org/drawingml/2006/main" xmlns:r="http://schemas.openxmlformats.org/officeDocument/2006/relationships" xmlns:mc="http://schemas.openxmlformats.org/markup-compatibility/2006" xmlns:mv="urn:schemas-microsoft-com:mac:vml" xmlns:p="http://schemas.openxmlformats.org/presentationml/2006/main" xmlns:c="http://schemas.openxmlformats.org/drawingml/2006/chart" xmlns:dgm="http://schemas.openxmlformats.org/drawingml/2006/diagram" xmlns:o="urn:schemas-microsoft-com:office:office" xmlns:v="urn:schemas-microsoft-com:vml" xmlns:pvml="urn:schemas-microsoft-com:office:powerpoint" xmlns:com="http://schemas.openxmlformats.org/drawingml/2006/compatibility" xmlns:p14="http://schemas.microsoft.com/office/powerpoint/2010/main" xmlns:p15="http://schemas.microsoft.com/office/powerpoint/2012/main" xmlns:ahyp="http://schemas.microsoft.com/office/drawing/2018/hyperlinkcolor">
   <p:cSld>
     <p:spTree>
       <p:nvGrpSpPr>
-        <p:cNvPr id="276" name="Shape 276"/>
+        <p:cNvPr id="294" name="Shape 294"/>
         <p:cNvGrpSpPr/>
         <p:nvPr/>
       </p:nvGrpSpPr>
@@ -12123,7 +13811,7 @@
       </p:grpSpPr>
       <p:sp>
         <p:nvSpPr>
-          <p:cNvPr id="277" name="Google Shape;277;p31"/>
+          <p:cNvPr id="295" name="Google Shape;295;p33"/>
           <p:cNvSpPr txBox="1"/>
           <p:nvPr>
             <p:ph type="title"/>
@@ -12167,7 +13855,7 @@
       </p:sp>
       <p:grpSp>
         <p:nvGrpSpPr>
-          <p:cNvPr id="278" name="Google Shape;278;p31"/>
+          <p:cNvPr id="296" name="Google Shape;296;p33"/>
           <p:cNvGrpSpPr/>
           <p:nvPr/>
         </p:nvGrpSpPr>
@@ -12181,7 +13869,7 @@
         </p:grpSpPr>
         <p:sp>
           <p:nvSpPr>
-            <p:cNvPr id="279" name="Google Shape;279;p31"/>
+            <p:cNvPr id="297" name="Google Shape;297;p33"/>
             <p:cNvSpPr txBox="1"/>
             <p:nvPr/>
           </p:nvSpPr>
@@ -12224,7 +13912,7 @@
         </p:sp>
         <p:sp>
           <p:nvSpPr>
-            <p:cNvPr id="280" name="Google Shape;280;p31"/>
+            <p:cNvPr id="298" name="Google Shape;298;p33"/>
             <p:cNvSpPr/>
             <p:nvPr/>
           </p:nvSpPr>
@@ -12397,7 +14085,7 @@
       </p:grpSp>
       <p:sp>
         <p:nvSpPr>
-          <p:cNvPr id="281" name="Google Shape;281;p31"/>
+          <p:cNvPr id="299" name="Google Shape;299;p33"/>
           <p:cNvSpPr/>
           <p:nvPr/>
         </p:nvSpPr>
@@ -12519,12 +14207,12 @@
 </p:sld>
 </file>
 
-<file path=ppt/slides/slide2.xml><?xml version="1.0" encoding="utf-8"?>
+<file path=ppt/slides/slide22.xml><?xml version="1.0" encoding="utf-8"?>
 <p:sld xmlns:a="http://schemas.openxmlformats.org/drawingml/2006/main" xmlns:r="http://schemas.openxmlformats.org/officeDocument/2006/relationships" xmlns:mc="http://schemas.openxmlformats.org/markup-compatibility/2006" xmlns:mv="urn:schemas-microsoft-com:mac:vml" xmlns:p="http://schemas.openxmlformats.org/presentationml/2006/main" xmlns:c="http://schemas.openxmlformats.org/drawingml/2006/chart" xmlns:dgm="http://schemas.openxmlformats.org/drawingml/2006/diagram" xmlns:o="urn:schemas-microsoft-com:office:office" xmlns:v="urn:schemas-microsoft-com:vml" xmlns:pvml="urn:schemas-microsoft-com:office:powerpoint" xmlns:com="http://schemas.openxmlformats.org/drawingml/2006/compatibility" xmlns:p14="http://schemas.microsoft.com/office/powerpoint/2010/main" xmlns:p15="http://schemas.microsoft.com/office/powerpoint/2012/main" xmlns:ahyp="http://schemas.microsoft.com/office/drawing/2018/hyperlinkcolor">
   <p:cSld>
     <p:spTree>
       <p:nvGrpSpPr>
-        <p:cNvPr id="91" name="Shape 91"/>
+        <p:cNvPr id="303" name="Shape 303"/>
         <p:cNvGrpSpPr/>
         <p:nvPr/>
       </p:nvGrpSpPr>
@@ -12538,7 +14226,7 @@
       </p:grpSpPr>
       <p:sp>
         <p:nvSpPr>
-          <p:cNvPr id="92" name="Google Shape;92;p14"/>
+          <p:cNvPr id="304" name="Google Shape;304;p34"/>
           <p:cNvSpPr txBox="1"/>
           <p:nvPr>
             <p:ph type="title"/>
@@ -12570,757 +14258,6 @@
             </a:pPr>
             <a:r>
               <a:rPr lang="en"/>
-              <a:t>COVID-19 Overview</a:t>
-            </a:r>
-            <a:endParaRPr/>
-          </a:p>
-        </p:txBody>
-      </p:sp>
-      <p:grpSp>
-        <p:nvGrpSpPr>
-          <p:cNvPr id="93" name="Google Shape;93;p14"/>
-          <p:cNvGrpSpPr/>
-          <p:nvPr/>
-        </p:nvGrpSpPr>
-        <p:grpSpPr>
-          <a:xfrm>
-            <a:off x="401725" y="1228664"/>
-            <a:ext cx="8430699" cy="3009507"/>
-            <a:chOff x="431925" y="1304875"/>
-            <a:chExt cx="2628925" cy="3416400"/>
-          </a:xfrm>
-        </p:grpSpPr>
-        <p:sp>
-          <p:nvSpPr>
-            <p:cNvPr id="94" name="Google Shape;94;p14"/>
-            <p:cNvSpPr txBox="1"/>
-            <p:nvPr/>
-          </p:nvSpPr>
-          <p:spPr>
-            <a:xfrm>
-              <a:off x="431925" y="1304875"/>
-              <a:ext cx="2628900" cy="464100"/>
-            </a:xfrm>
-            <a:prstGeom prst="rect">
-              <a:avLst/>
-            </a:prstGeom>
-            <a:solidFill>
-              <a:schemeClr val="dk1"/>
-            </a:solidFill>
-            <a:ln>
-              <a:noFill/>
-            </a:ln>
-          </p:spPr>
-          <p:txBody>
-            <a:bodyPr anchorCtr="0" anchor="ctr" bIns="91425" lIns="91425" spcFirstLastPara="1" rIns="91425" wrap="square" tIns="91425">
-              <a:noAutofit/>
-            </a:bodyPr>
-            <a:lstStyle/>
-            <a:p>
-              <a:pPr indent="0" lvl="0" marL="0" rtl="0" algn="l">
-                <a:spcBef>
-                  <a:spcPts val="0"/>
-                </a:spcBef>
-                <a:spcAft>
-                  <a:spcPts val="0"/>
-                </a:spcAft>
-                <a:buNone/>
-              </a:pPr>
-              <a:r>
-                <a:t/>
-              </a:r>
-              <a:endParaRPr/>
-            </a:p>
-          </p:txBody>
-        </p:sp>
-        <p:sp>
-          <p:nvSpPr>
-            <p:cNvPr id="95" name="Google Shape;95;p14"/>
-            <p:cNvSpPr/>
-            <p:nvPr/>
-          </p:nvSpPr>
-          <p:spPr>
-            <a:xfrm>
-              <a:off x="431950" y="1304875"/>
-              <a:ext cx="2628900" cy="3416400"/>
-            </a:xfrm>
-            <a:prstGeom prst="rect">
-              <a:avLst/>
-            </a:prstGeom>
-            <a:noFill/>
-            <a:ln cap="flat" cmpd="sng" w="9525">
-              <a:solidFill>
-                <a:schemeClr val="dk1"/>
-              </a:solidFill>
-              <a:prstDash val="solid"/>
-              <a:round/>
-              <a:headEnd len="sm" w="sm" type="none"/>
-              <a:tailEnd len="sm" w="sm" type="none"/>
-            </a:ln>
-          </p:spPr>
-          <p:txBody>
-            <a:bodyPr anchorCtr="0" anchor="ctr" bIns="91425" lIns="91425" spcFirstLastPara="1" rIns="91425" wrap="square" tIns="91425">
-              <a:noAutofit/>
-            </a:bodyPr>
-            <a:lstStyle/>
-            <a:p>
-              <a:pPr indent="0" lvl="0" marL="0" rtl="0" algn="l">
-                <a:spcBef>
-                  <a:spcPts val="0"/>
-                </a:spcBef>
-                <a:spcAft>
-                  <a:spcPts val="0"/>
-                </a:spcAft>
-                <a:buNone/>
-              </a:pPr>
-              <a:r>
-                <a:t/>
-              </a:r>
-              <a:endParaRPr/>
-            </a:p>
-          </p:txBody>
-        </p:sp>
-      </p:grpSp>
-      <p:sp>
-        <p:nvSpPr>
-          <p:cNvPr id="96" name="Google Shape;96;p14"/>
-          <p:cNvSpPr txBox="1"/>
-          <p:nvPr>
-            <p:ph idx="4294967295" type="body"/>
-          </p:nvPr>
-        </p:nvSpPr>
-        <p:spPr>
-          <a:xfrm>
-            <a:off x="401700" y="1228700"/>
-            <a:ext cx="2494500" cy="461400"/>
-          </a:xfrm>
-          <a:prstGeom prst="rect">
-            <a:avLst/>
-          </a:prstGeom>
-        </p:spPr>
-        <p:txBody>
-          <a:bodyPr anchorCtr="0" anchor="t" bIns="91425" lIns="91425" spcFirstLastPara="1" rIns="91425" wrap="square" tIns="91425">
-            <a:noAutofit/>
-          </a:bodyPr>
-          <a:lstStyle/>
-          <a:p>
-            <a:pPr indent="0" lvl="0" marL="0" rtl="0" algn="l">
-              <a:spcBef>
-                <a:spcPts val="0"/>
-              </a:spcBef>
-              <a:spcAft>
-                <a:spcPts val="0"/>
-              </a:spcAft>
-              <a:buNone/>
-            </a:pPr>
-            <a:r>
-              <a:rPr lang="en">
-                <a:solidFill>
-                  <a:schemeClr val="lt1"/>
-                </a:solidFill>
-              </a:rPr>
-              <a:t>Background</a:t>
-            </a:r>
-            <a:endParaRPr>
-              <a:solidFill>
-                <a:schemeClr val="lt1"/>
-              </a:solidFill>
-            </a:endParaRPr>
-          </a:p>
-        </p:txBody>
-      </p:sp>
-      <p:sp>
-        <p:nvSpPr>
-          <p:cNvPr id="97" name="Google Shape;97;p14"/>
-          <p:cNvSpPr txBox="1"/>
-          <p:nvPr>
-            <p:ph idx="4294967295" type="body"/>
-          </p:nvPr>
-        </p:nvSpPr>
-        <p:spPr>
-          <a:xfrm>
-            <a:off x="401775" y="1511800"/>
-            <a:ext cx="8430600" cy="2808900"/>
-          </a:xfrm>
-          <a:prstGeom prst="rect">
-            <a:avLst/>
-          </a:prstGeom>
-        </p:spPr>
-        <p:txBody>
-          <a:bodyPr anchorCtr="0" anchor="ctr" bIns="91425" lIns="91425" spcFirstLastPara="1" rIns="91425" wrap="square" tIns="91425">
-            <a:noAutofit/>
-          </a:bodyPr>
-          <a:lstStyle/>
-          <a:p>
-            <a:pPr indent="-342900" lvl="0" marL="457200" rtl="0" algn="l">
-              <a:lnSpc>
-                <a:spcPct val="125000"/>
-              </a:lnSpc>
-              <a:spcBef>
-                <a:spcPts val="1800"/>
-              </a:spcBef>
-              <a:spcAft>
-                <a:spcPts val="0"/>
-              </a:spcAft>
-              <a:buClr>
-                <a:srgbClr val="000000"/>
-              </a:buClr>
-              <a:buSzPts val="1800"/>
-              <a:buChar char="●"/>
-            </a:pPr>
-            <a:r>
-              <a:rPr lang="en">
-                <a:solidFill>
-                  <a:srgbClr val="000000"/>
-                </a:solidFill>
-              </a:rPr>
-              <a:t>An </a:t>
-            </a:r>
-            <a:r>
-              <a:rPr b="1" lang="en">
-                <a:solidFill>
-                  <a:srgbClr val="000000"/>
-                </a:solidFill>
-              </a:rPr>
-              <a:t>epidemic</a:t>
-            </a:r>
-            <a:r>
-              <a:rPr lang="en">
-                <a:solidFill>
-                  <a:srgbClr val="000000"/>
-                </a:solidFill>
-              </a:rPr>
-              <a:t> refers to an unexpected increase in cases of disease in a specific area</a:t>
-            </a:r>
-            <a:r>
-              <a:rPr lang="en">
-                <a:solidFill>
-                  <a:srgbClr val="000000"/>
-                </a:solidFill>
-                <a:highlight>
-                  <a:srgbClr val="FFFFFF"/>
-                </a:highlight>
-              </a:rPr>
-              <a:t>¹</a:t>
-            </a:r>
-            <a:endParaRPr>
-              <a:solidFill>
-                <a:srgbClr val="000000"/>
-              </a:solidFill>
-              <a:highlight>
-                <a:srgbClr val="FFFFFF"/>
-              </a:highlight>
-            </a:endParaRPr>
-          </a:p>
-          <a:p>
-            <a:pPr indent="-342900" lvl="0" marL="457200" rtl="0" algn="l">
-              <a:lnSpc>
-                <a:spcPct val="125000"/>
-              </a:lnSpc>
-              <a:spcBef>
-                <a:spcPts val="0"/>
-              </a:spcBef>
-              <a:spcAft>
-                <a:spcPts val="0"/>
-              </a:spcAft>
-              <a:buClr>
-                <a:srgbClr val="000000"/>
-              </a:buClr>
-              <a:buSzPts val="1800"/>
-              <a:buChar char="●"/>
-            </a:pPr>
-            <a:r>
-              <a:rPr lang="en">
-                <a:solidFill>
-                  <a:srgbClr val="000000"/>
-                </a:solidFill>
-              </a:rPr>
-              <a:t>A </a:t>
-            </a:r>
-            <a:r>
-              <a:rPr b="1" lang="en">
-                <a:solidFill>
-                  <a:srgbClr val="000000"/>
-                </a:solidFill>
-              </a:rPr>
-              <a:t>pandemic</a:t>
-            </a:r>
-            <a:r>
-              <a:rPr lang="en">
-                <a:solidFill>
-                  <a:srgbClr val="000000"/>
-                </a:solidFill>
-              </a:rPr>
-              <a:t> is an epidemic that has spanned across locations</a:t>
-            </a:r>
-            <a:r>
-              <a:rPr lang="en">
-                <a:solidFill>
-                  <a:srgbClr val="000000"/>
-                </a:solidFill>
-                <a:highlight>
-                  <a:srgbClr val="FFFFFF"/>
-                </a:highlight>
-              </a:rPr>
-              <a:t>¹</a:t>
-            </a:r>
-            <a:endParaRPr>
-              <a:solidFill>
-                <a:srgbClr val="000000"/>
-              </a:solidFill>
-              <a:highlight>
-                <a:srgbClr val="FFFFFF"/>
-              </a:highlight>
-            </a:endParaRPr>
-          </a:p>
-          <a:p>
-            <a:pPr indent="-342900" lvl="0" marL="457200" rtl="0" algn="l">
-              <a:lnSpc>
-                <a:spcPct val="125000"/>
-              </a:lnSpc>
-              <a:spcBef>
-                <a:spcPts val="0"/>
-              </a:spcBef>
-              <a:spcAft>
-                <a:spcPts val="0"/>
-              </a:spcAft>
-              <a:buClr>
-                <a:srgbClr val="000000"/>
-              </a:buClr>
-              <a:buSzPts val="1800"/>
-              <a:buChar char="●"/>
-            </a:pPr>
-            <a:r>
-              <a:rPr lang="en">
-                <a:solidFill>
-                  <a:srgbClr val="000000"/>
-                </a:solidFill>
-              </a:rPr>
-              <a:t>COVID-19 is now the deadliest pandemic in the history of the United States, as of September 2021</a:t>
-            </a:r>
-            <a:r>
-              <a:rPr lang="en">
-                <a:solidFill>
-                  <a:srgbClr val="000000"/>
-                </a:solidFill>
-                <a:highlight>
-                  <a:srgbClr val="FFFFFF"/>
-                </a:highlight>
-              </a:rPr>
-              <a:t>³</a:t>
-            </a:r>
-            <a:endParaRPr>
-              <a:solidFill>
-                <a:srgbClr val="000000"/>
-              </a:solidFill>
-            </a:endParaRPr>
-          </a:p>
-          <a:p>
-            <a:pPr indent="-342900" lvl="0" marL="457200" rtl="0" algn="l">
-              <a:lnSpc>
-                <a:spcPct val="125000"/>
-              </a:lnSpc>
-              <a:spcBef>
-                <a:spcPts val="0"/>
-              </a:spcBef>
-              <a:spcAft>
-                <a:spcPts val="0"/>
-              </a:spcAft>
-              <a:buClr>
-                <a:srgbClr val="000000"/>
-              </a:buClr>
-              <a:buSzPts val="1800"/>
-              <a:buChar char="●"/>
-            </a:pPr>
-            <a:r>
-              <a:rPr lang="en">
-                <a:solidFill>
-                  <a:srgbClr val="000000"/>
-                </a:solidFill>
-              </a:rPr>
-              <a:t>Scientists are now discussing COVID-19 as becoming </a:t>
-            </a:r>
-            <a:r>
-              <a:rPr b="1" lang="en">
-                <a:solidFill>
-                  <a:srgbClr val="000000"/>
-                </a:solidFill>
-              </a:rPr>
-              <a:t>endemic</a:t>
-            </a:r>
-            <a:r>
-              <a:rPr lang="en">
-                <a:solidFill>
-                  <a:srgbClr val="000000"/>
-                </a:solidFill>
-              </a:rPr>
-              <a:t>- a disease that continually circulates a population or area with occasional outbreaks</a:t>
-            </a:r>
-            <a:r>
-              <a:rPr lang="en">
-                <a:solidFill>
-                  <a:srgbClr val="000000"/>
-                </a:solidFill>
-                <a:highlight>
-                  <a:srgbClr val="FFFFFF"/>
-                </a:highlight>
-              </a:rPr>
-              <a:t>⁵</a:t>
-            </a:r>
-            <a:endParaRPr>
-              <a:solidFill>
-                <a:srgbClr val="000000"/>
-              </a:solidFill>
-            </a:endParaRPr>
-          </a:p>
-        </p:txBody>
-      </p:sp>
-      <p:sp>
-        <p:nvSpPr>
-          <p:cNvPr id="98" name="Google Shape;98;p14"/>
-          <p:cNvSpPr/>
-          <p:nvPr/>
-        </p:nvSpPr>
-        <p:spPr>
-          <a:xfrm>
-            <a:off x="401700" y="4449050"/>
-            <a:ext cx="2494500" cy="365400"/>
-          </a:xfrm>
-          <a:prstGeom prst="homePlate">
-            <a:avLst>
-              <a:gd fmla="val 50000" name="adj"/>
-            </a:avLst>
-          </a:prstGeom>
-          <a:solidFill>
-            <a:schemeClr val="dk1"/>
-          </a:solidFill>
-          <a:ln>
-            <a:noFill/>
-          </a:ln>
-        </p:spPr>
-        <p:txBody>
-          <a:bodyPr anchorCtr="0" anchor="ctr" bIns="121875" lIns="121875" spcFirstLastPara="1" rIns="121875" wrap="square" tIns="121875">
-            <a:noAutofit/>
-          </a:bodyPr>
-          <a:lstStyle/>
-          <a:p>
-            <a:pPr indent="0" lvl="0" marL="0" rtl="0" algn="l">
-              <a:spcBef>
-                <a:spcPts val="0"/>
-              </a:spcBef>
-              <a:spcAft>
-                <a:spcPts val="0"/>
-              </a:spcAft>
-              <a:buNone/>
-            </a:pPr>
-            <a:r>
-              <a:t/>
-            </a:r>
-            <a:endParaRPr/>
-          </a:p>
-        </p:txBody>
-      </p:sp>
-      <p:sp>
-        <p:nvSpPr>
-          <p:cNvPr id="99" name="Google Shape;99;p14"/>
-          <p:cNvSpPr/>
-          <p:nvPr/>
-        </p:nvSpPr>
-        <p:spPr>
-          <a:xfrm>
-            <a:off x="3031250" y="4449050"/>
-            <a:ext cx="2824800" cy="365400"/>
-          </a:xfrm>
-          <a:prstGeom prst="chevron">
-            <a:avLst>
-              <a:gd fmla="val 50000" name="adj"/>
-            </a:avLst>
-          </a:prstGeom>
-          <a:solidFill>
-            <a:schemeClr val="dk1"/>
-          </a:solidFill>
-          <a:ln>
-            <a:noFill/>
-          </a:ln>
-        </p:spPr>
-        <p:txBody>
-          <a:bodyPr anchorCtr="0" anchor="ctr" bIns="121875" lIns="121875" spcFirstLastPara="1" rIns="121875" wrap="square" tIns="121875">
-            <a:noAutofit/>
-          </a:bodyPr>
-          <a:lstStyle/>
-          <a:p>
-            <a:pPr indent="0" lvl="0" marL="0" rtl="0" algn="l">
-              <a:spcBef>
-                <a:spcPts val="0"/>
-              </a:spcBef>
-              <a:spcAft>
-                <a:spcPts val="0"/>
-              </a:spcAft>
-              <a:buNone/>
-            </a:pPr>
-            <a:r>
-              <a:t/>
-            </a:r>
-            <a:endParaRPr/>
-          </a:p>
-        </p:txBody>
-      </p:sp>
-      <p:sp>
-        <p:nvSpPr>
-          <p:cNvPr id="100" name="Google Shape;100;p14"/>
-          <p:cNvSpPr/>
-          <p:nvPr/>
-        </p:nvSpPr>
-        <p:spPr>
-          <a:xfrm>
-            <a:off x="6007600" y="4449050"/>
-            <a:ext cx="2824800" cy="365400"/>
-          </a:xfrm>
-          <a:prstGeom prst="chevron">
-            <a:avLst>
-              <a:gd fmla="val 50000" name="adj"/>
-            </a:avLst>
-          </a:prstGeom>
-          <a:solidFill>
-            <a:schemeClr val="dk1"/>
-          </a:solidFill>
-          <a:ln>
-            <a:noFill/>
-          </a:ln>
-        </p:spPr>
-        <p:txBody>
-          <a:bodyPr anchorCtr="0" anchor="ctr" bIns="121875" lIns="121875" spcFirstLastPara="1" rIns="121875" wrap="square" tIns="121875">
-            <a:noAutofit/>
-          </a:bodyPr>
-          <a:lstStyle/>
-          <a:p>
-            <a:pPr indent="0" lvl="0" marL="0" rtl="0" algn="l">
-              <a:spcBef>
-                <a:spcPts val="0"/>
-              </a:spcBef>
-              <a:spcAft>
-                <a:spcPts val="0"/>
-              </a:spcAft>
-              <a:buNone/>
-            </a:pPr>
-            <a:r>
-              <a:t/>
-            </a:r>
-            <a:endParaRPr/>
-          </a:p>
-        </p:txBody>
-      </p:sp>
-      <p:sp>
-        <p:nvSpPr>
-          <p:cNvPr id="101" name="Google Shape;101;p14"/>
-          <p:cNvSpPr txBox="1"/>
-          <p:nvPr>
-            <p:ph idx="4294967295" type="body"/>
-          </p:nvPr>
-        </p:nvSpPr>
-        <p:spPr>
-          <a:xfrm>
-            <a:off x="937850" y="4401050"/>
-            <a:ext cx="2494500" cy="461400"/>
-          </a:xfrm>
-          <a:prstGeom prst="rect">
-            <a:avLst/>
-          </a:prstGeom>
-        </p:spPr>
-        <p:txBody>
-          <a:bodyPr anchorCtr="0" anchor="t" bIns="91425" lIns="91425" spcFirstLastPara="1" rIns="91425" wrap="square" tIns="91425">
-            <a:noAutofit/>
-          </a:bodyPr>
-          <a:lstStyle/>
-          <a:p>
-            <a:pPr indent="0" lvl="0" marL="0" rtl="0" algn="l">
-              <a:spcBef>
-                <a:spcPts val="0"/>
-              </a:spcBef>
-              <a:spcAft>
-                <a:spcPts val="0"/>
-              </a:spcAft>
-              <a:buNone/>
-            </a:pPr>
-            <a:r>
-              <a:rPr lang="en">
-                <a:solidFill>
-                  <a:schemeClr val="lt1"/>
-                </a:solidFill>
-              </a:rPr>
-              <a:t>Epidemic</a:t>
-            </a:r>
-            <a:endParaRPr>
-              <a:solidFill>
-                <a:schemeClr val="lt1"/>
-              </a:solidFill>
-            </a:endParaRPr>
-          </a:p>
-        </p:txBody>
-      </p:sp>
-      <p:sp>
-        <p:nvSpPr>
-          <p:cNvPr id="102" name="Google Shape;102;p14"/>
-          <p:cNvSpPr txBox="1"/>
-          <p:nvPr>
-            <p:ph idx="4294967295" type="body"/>
-          </p:nvPr>
-        </p:nvSpPr>
-        <p:spPr>
-          <a:xfrm>
-            <a:off x="3884488" y="4401050"/>
-            <a:ext cx="2494500" cy="461400"/>
-          </a:xfrm>
-          <a:prstGeom prst="rect">
-            <a:avLst/>
-          </a:prstGeom>
-        </p:spPr>
-        <p:txBody>
-          <a:bodyPr anchorCtr="0" anchor="t" bIns="91425" lIns="91425" spcFirstLastPara="1" rIns="91425" wrap="square" tIns="91425">
-            <a:noAutofit/>
-          </a:bodyPr>
-          <a:lstStyle/>
-          <a:p>
-            <a:pPr indent="0" lvl="0" marL="0" rtl="0" algn="l">
-              <a:spcBef>
-                <a:spcPts val="0"/>
-              </a:spcBef>
-              <a:spcAft>
-                <a:spcPts val="0"/>
-              </a:spcAft>
-              <a:buNone/>
-            </a:pPr>
-            <a:r>
-              <a:rPr lang="en">
-                <a:solidFill>
-                  <a:schemeClr val="lt1"/>
-                </a:solidFill>
-              </a:rPr>
-              <a:t>Pan</a:t>
-            </a:r>
-            <a:r>
-              <a:rPr lang="en">
-                <a:solidFill>
-                  <a:schemeClr val="lt1"/>
-                </a:solidFill>
-              </a:rPr>
-              <a:t>demic</a:t>
-            </a:r>
-            <a:endParaRPr>
-              <a:solidFill>
-                <a:schemeClr val="lt1"/>
-              </a:solidFill>
-            </a:endParaRPr>
-          </a:p>
-        </p:txBody>
-      </p:sp>
-      <p:sp>
-        <p:nvSpPr>
-          <p:cNvPr id="103" name="Google Shape;103;p14"/>
-          <p:cNvSpPr txBox="1"/>
-          <p:nvPr>
-            <p:ph idx="4294967295" type="body"/>
-          </p:nvPr>
-        </p:nvSpPr>
-        <p:spPr>
-          <a:xfrm>
-            <a:off x="6831150" y="4401050"/>
-            <a:ext cx="1851000" cy="461400"/>
-          </a:xfrm>
-          <a:prstGeom prst="rect">
-            <a:avLst/>
-          </a:prstGeom>
-        </p:spPr>
-        <p:txBody>
-          <a:bodyPr anchorCtr="0" anchor="t" bIns="91425" lIns="91425" spcFirstLastPara="1" rIns="91425" wrap="square" tIns="91425">
-            <a:noAutofit/>
-          </a:bodyPr>
-          <a:lstStyle/>
-          <a:p>
-            <a:pPr indent="0" lvl="0" marL="0" rtl="0" algn="l">
-              <a:spcBef>
-                <a:spcPts val="0"/>
-              </a:spcBef>
-              <a:spcAft>
-                <a:spcPts val="0"/>
-              </a:spcAft>
-              <a:buNone/>
-            </a:pPr>
-            <a:r>
-              <a:rPr lang="en">
-                <a:solidFill>
-                  <a:schemeClr val="lt1"/>
-                </a:solidFill>
-              </a:rPr>
-              <a:t>Endemic</a:t>
-            </a:r>
-            <a:endParaRPr>
-              <a:solidFill>
-                <a:schemeClr val="lt1"/>
-              </a:solidFill>
-            </a:endParaRPr>
-          </a:p>
-        </p:txBody>
-      </p:sp>
-    </p:spTree>
-  </p:cSld>
-  <p:clrMapOvr>
-    <a:masterClrMapping/>
-  </p:clrMapOvr>
-</p:sld>
-</file>
-
-<file path=ppt/slides/slide20.xml><?xml version="1.0" encoding="utf-8"?>
-<p:sld xmlns:a="http://schemas.openxmlformats.org/drawingml/2006/main" xmlns:r="http://schemas.openxmlformats.org/officeDocument/2006/relationships" xmlns:mc="http://schemas.openxmlformats.org/markup-compatibility/2006" xmlns:mv="urn:schemas-microsoft-com:mac:vml" xmlns:p="http://schemas.openxmlformats.org/presentationml/2006/main" xmlns:c="http://schemas.openxmlformats.org/drawingml/2006/chart" xmlns:dgm="http://schemas.openxmlformats.org/drawingml/2006/diagram" xmlns:o="urn:schemas-microsoft-com:office:office" xmlns:v="urn:schemas-microsoft-com:vml" xmlns:pvml="urn:schemas-microsoft-com:office:powerpoint" xmlns:com="http://schemas.openxmlformats.org/drawingml/2006/compatibility" xmlns:p14="http://schemas.microsoft.com/office/powerpoint/2010/main" xmlns:p15="http://schemas.microsoft.com/office/powerpoint/2012/main" xmlns:ahyp="http://schemas.microsoft.com/office/drawing/2018/hyperlinkcolor">
-  <p:cSld>
-    <p:spTree>
-      <p:nvGrpSpPr>
-        <p:cNvPr id="285" name="Shape 285"/>
-        <p:cNvGrpSpPr/>
-        <p:nvPr/>
-      </p:nvGrpSpPr>
-      <p:grpSpPr>
-        <a:xfrm>
-          <a:off x="0" y="0"/>
-          <a:ext cx="0" cy="0"/>
-          <a:chOff x="0" y="0"/>
-          <a:chExt cx="0" cy="0"/>
-        </a:xfrm>
-      </p:grpSpPr>
-      <p:sp>
-        <p:nvSpPr>
-          <p:cNvPr id="286" name="Google Shape;286;p32"/>
-          <p:cNvSpPr txBox="1"/>
-          <p:nvPr>
-            <p:ph type="title"/>
-          </p:nvPr>
-        </p:nvSpPr>
-        <p:spPr>
-          <a:xfrm>
-            <a:off x="311700" y="410000"/>
-            <a:ext cx="8520600" cy="607800"/>
-          </a:xfrm>
-          <a:prstGeom prst="rect">
-            <a:avLst/>
-          </a:prstGeom>
-        </p:spPr>
-        <p:txBody>
-          <a:bodyPr anchorCtr="0" anchor="t" bIns="91425" lIns="91425" spcFirstLastPara="1" rIns="91425" wrap="square" tIns="91425">
-            <a:noAutofit/>
-          </a:bodyPr>
-          <a:lstStyle/>
-          <a:p>
-            <a:pPr indent="0" lvl="0" marL="0" rtl="0" algn="l">
-              <a:spcBef>
-                <a:spcPts val="0"/>
-              </a:spcBef>
-              <a:spcAft>
-                <a:spcPts val="0"/>
-              </a:spcAft>
-              <a:buNone/>
-            </a:pPr>
-            <a:r>
-              <a:rPr lang="en"/>
               <a:t>Technologies, Languages, and Tools Used</a:t>
             </a:r>
             <a:endParaRPr/>
@@ -13414,7 +14351,7 @@
       </p:sp>
       <p:grpSp>
         <p:nvGrpSpPr>
-          <p:cNvPr id="287" name="Google Shape;287;p32"/>
+          <p:cNvPr id="305" name="Google Shape;305;p34"/>
           <p:cNvGrpSpPr/>
           <p:nvPr/>
         </p:nvGrpSpPr>
@@ -13428,7 +14365,7 @@
         </p:grpSpPr>
         <p:sp>
           <p:nvSpPr>
-            <p:cNvPr id="288" name="Google Shape;288;p32"/>
+            <p:cNvPr id="306" name="Google Shape;306;p34"/>
             <p:cNvSpPr/>
             <p:nvPr/>
           </p:nvSpPr>
@@ -13474,7 +14411,7 @@
         </p:sp>
         <p:sp>
           <p:nvSpPr>
-            <p:cNvPr id="289" name="Google Shape;289;p32"/>
+            <p:cNvPr id="307" name="Google Shape;307;p34"/>
             <p:cNvSpPr txBox="1"/>
             <p:nvPr/>
           </p:nvSpPr>
@@ -13532,7 +14469,7 @@
         </p:sp>
         <p:sp>
           <p:nvSpPr>
-            <p:cNvPr id="290" name="Google Shape;290;p32"/>
+            <p:cNvPr id="308" name="Google Shape;308;p34"/>
             <p:cNvSpPr txBox="1"/>
             <p:nvPr/>
           </p:nvSpPr>
@@ -13594,7 +14531,7 @@
       </p:grpSp>
       <p:grpSp>
         <p:nvGrpSpPr>
-          <p:cNvPr id="291" name="Google Shape;291;p32"/>
+          <p:cNvPr id="309" name="Google Shape;309;p34"/>
           <p:cNvGrpSpPr/>
           <p:nvPr/>
         </p:nvGrpSpPr>
@@ -13608,7 +14545,7 @@
         </p:grpSpPr>
         <p:sp>
           <p:nvSpPr>
-            <p:cNvPr id="292" name="Google Shape;292;p32"/>
+            <p:cNvPr id="310" name="Google Shape;310;p34"/>
             <p:cNvSpPr/>
             <p:nvPr/>
           </p:nvSpPr>
@@ -13654,7 +14591,7 @@
         </p:sp>
         <p:sp>
           <p:nvSpPr>
-            <p:cNvPr id="293" name="Google Shape;293;p32"/>
+            <p:cNvPr id="311" name="Google Shape;311;p34"/>
             <p:cNvSpPr txBox="1"/>
             <p:nvPr/>
           </p:nvSpPr>
@@ -13712,7 +14649,7 @@
         </p:sp>
         <p:sp>
           <p:nvSpPr>
-            <p:cNvPr id="294" name="Google Shape;294;p32"/>
+            <p:cNvPr id="312" name="Google Shape;312;p34"/>
             <p:cNvSpPr txBox="1"/>
             <p:nvPr/>
           </p:nvSpPr>
@@ -13774,7 +14711,7 @@
       </p:grpSp>
       <p:grpSp>
         <p:nvGrpSpPr>
-          <p:cNvPr id="295" name="Google Shape;295;p32"/>
+          <p:cNvPr id="313" name="Google Shape;313;p34"/>
           <p:cNvGrpSpPr/>
           <p:nvPr/>
         </p:nvGrpSpPr>
@@ -13788,7 +14725,7 @@
         </p:grpSpPr>
         <p:sp>
           <p:nvSpPr>
-            <p:cNvPr id="296" name="Google Shape;296;p32"/>
+            <p:cNvPr id="314" name="Google Shape;314;p34"/>
             <p:cNvSpPr/>
             <p:nvPr/>
           </p:nvSpPr>
@@ -13879,7 +14816,7 @@
         </p:sp>
         <p:sp>
           <p:nvSpPr>
-            <p:cNvPr id="297" name="Google Shape;297;p32"/>
+            <p:cNvPr id="315" name="Google Shape;315;p34"/>
             <p:cNvSpPr txBox="1"/>
             <p:nvPr/>
           </p:nvSpPr>
@@ -13949,7 +14886,7 @@
         </p:sp>
         <p:sp>
           <p:nvSpPr>
-            <p:cNvPr id="298" name="Google Shape;298;p32"/>
+            <p:cNvPr id="316" name="Google Shape;316;p34"/>
             <p:cNvSpPr txBox="1"/>
             <p:nvPr/>
           </p:nvSpPr>
@@ -14017,12 +14954,12 @@
 </p:sld>
 </file>
 
-<file path=ppt/slides/slide21.xml><?xml version="1.0" encoding="utf-8"?>
+<file path=ppt/slides/slide23.xml><?xml version="1.0" encoding="utf-8"?>
 <p:sld xmlns:a="http://schemas.openxmlformats.org/drawingml/2006/main" xmlns:r="http://schemas.openxmlformats.org/officeDocument/2006/relationships" xmlns:mc="http://schemas.openxmlformats.org/markup-compatibility/2006" xmlns:mv="urn:schemas-microsoft-com:mac:vml" xmlns:p="http://schemas.openxmlformats.org/presentationml/2006/main" xmlns:c="http://schemas.openxmlformats.org/drawingml/2006/chart" xmlns:dgm="http://schemas.openxmlformats.org/drawingml/2006/diagram" xmlns:o="urn:schemas-microsoft-com:office:office" xmlns:v="urn:schemas-microsoft-com:vml" xmlns:pvml="urn:schemas-microsoft-com:office:powerpoint" xmlns:com="http://schemas.openxmlformats.org/drawingml/2006/compatibility" xmlns:p14="http://schemas.microsoft.com/office/powerpoint/2010/main" xmlns:p15="http://schemas.microsoft.com/office/powerpoint/2012/main" xmlns:ahyp="http://schemas.microsoft.com/office/drawing/2018/hyperlinkcolor">
   <p:cSld>
     <p:spTree>
       <p:nvGrpSpPr>
-        <p:cNvPr id="302" name="Shape 302"/>
+        <p:cNvPr id="320" name="Shape 320"/>
         <p:cNvGrpSpPr/>
         <p:nvPr/>
       </p:nvGrpSpPr>
@@ -14036,7 +14973,7 @@
       </p:grpSpPr>
       <p:grpSp>
         <p:nvGrpSpPr>
-          <p:cNvPr id="303" name="Google Shape;303;p33"/>
+          <p:cNvPr id="321" name="Google Shape;321;p35"/>
           <p:cNvGrpSpPr/>
           <p:nvPr/>
         </p:nvGrpSpPr>
@@ -14050,7 +14987,7 @@
         </p:grpSpPr>
         <p:cxnSp>
           <p:nvCxnSpPr>
-            <p:cNvPr id="304" name="Google Shape;304;p33"/>
+            <p:cNvPr id="322" name="Google Shape;322;p35"/>
             <p:cNvCxnSpPr/>
             <p:nvPr/>
           </p:nvCxnSpPr>
@@ -14076,7 +15013,7 @@
         </p:cxnSp>
         <p:cxnSp>
           <p:nvCxnSpPr>
-            <p:cNvPr id="305" name="Google Shape;305;p33"/>
+            <p:cNvPr id="323" name="Google Shape;323;p35"/>
             <p:cNvCxnSpPr/>
             <p:nvPr/>
           </p:nvCxnSpPr>
@@ -14102,7 +15039,7 @@
         </p:cxnSp>
         <p:cxnSp>
           <p:nvCxnSpPr>
-            <p:cNvPr id="306" name="Google Shape;306;p33"/>
+            <p:cNvPr id="324" name="Google Shape;324;p35"/>
             <p:cNvCxnSpPr/>
             <p:nvPr/>
           </p:nvCxnSpPr>
@@ -14128,7 +15065,7 @@
         </p:cxnSp>
         <p:cxnSp>
           <p:nvCxnSpPr>
-            <p:cNvPr id="307" name="Google Shape;307;p33"/>
+            <p:cNvPr id="325" name="Google Shape;325;p35"/>
             <p:cNvCxnSpPr/>
             <p:nvPr/>
           </p:nvCxnSpPr>
@@ -14154,7 +15091,7 @@
         </p:cxnSp>
         <p:cxnSp>
           <p:nvCxnSpPr>
-            <p:cNvPr id="308" name="Google Shape;308;p33"/>
+            <p:cNvPr id="326" name="Google Shape;326;p35"/>
             <p:cNvCxnSpPr/>
             <p:nvPr/>
           </p:nvCxnSpPr>
@@ -14180,7 +15117,7 @@
         </p:cxnSp>
         <p:cxnSp>
           <p:nvCxnSpPr>
-            <p:cNvPr id="309" name="Google Shape;309;p33"/>
+            <p:cNvPr id="327" name="Google Shape;327;p35"/>
             <p:cNvCxnSpPr/>
             <p:nvPr/>
           </p:nvCxnSpPr>
@@ -14206,7 +15143,7 @@
         </p:cxnSp>
         <p:cxnSp>
           <p:nvCxnSpPr>
-            <p:cNvPr id="310" name="Google Shape;310;p33"/>
+            <p:cNvPr id="328" name="Google Shape;328;p35"/>
             <p:cNvCxnSpPr/>
             <p:nvPr/>
           </p:nvCxnSpPr>
@@ -14232,7 +15169,7 @@
         </p:cxnSp>
         <p:cxnSp>
           <p:nvCxnSpPr>
-            <p:cNvPr id="311" name="Google Shape;311;p33"/>
+            <p:cNvPr id="329" name="Google Shape;329;p35"/>
             <p:cNvCxnSpPr/>
             <p:nvPr/>
           </p:nvCxnSpPr>
@@ -14258,7 +15195,7 @@
         </p:cxnSp>
         <p:cxnSp>
           <p:nvCxnSpPr>
-            <p:cNvPr id="312" name="Google Shape;312;p33"/>
+            <p:cNvPr id="330" name="Google Shape;330;p35"/>
             <p:cNvCxnSpPr/>
             <p:nvPr/>
           </p:nvCxnSpPr>
@@ -14284,7 +15221,7 @@
         </p:cxnSp>
         <p:cxnSp>
           <p:nvCxnSpPr>
-            <p:cNvPr id="313" name="Google Shape;313;p33"/>
+            <p:cNvPr id="331" name="Google Shape;331;p35"/>
             <p:cNvCxnSpPr/>
             <p:nvPr/>
           </p:nvCxnSpPr>
@@ -14311,7 +15248,7 @@
       </p:grpSp>
       <p:sp>
         <p:nvSpPr>
-          <p:cNvPr id="314" name="Google Shape;314;p33"/>
+          <p:cNvPr id="332" name="Google Shape;332;p35"/>
           <p:cNvSpPr txBox="1"/>
           <p:nvPr>
             <p:ph type="title"/>
@@ -14351,7 +15288,7 @@
       </p:sp>
       <p:grpSp>
         <p:nvGrpSpPr>
-          <p:cNvPr id="315" name="Google Shape;315;p33"/>
+          <p:cNvPr id="333" name="Google Shape;333;p35"/>
           <p:cNvGrpSpPr/>
           <p:nvPr/>
         </p:nvGrpSpPr>
@@ -14365,7 +15302,7 @@
         </p:grpSpPr>
         <p:sp>
           <p:nvSpPr>
-            <p:cNvPr id="316" name="Google Shape;316;p33"/>
+            <p:cNvPr id="334" name="Google Shape;334;p35"/>
             <p:cNvSpPr/>
             <p:nvPr/>
           </p:nvSpPr>
@@ -14443,7 +15380,7 @@
         </p:sp>
         <p:sp>
           <p:nvSpPr>
-            <p:cNvPr id="317" name="Google Shape;317;p33"/>
+            <p:cNvPr id="335" name="Google Shape;335;p35"/>
             <p:cNvSpPr/>
             <p:nvPr/>
           </p:nvSpPr>
@@ -14492,7 +15429,7 @@
         </p:sp>
         <p:sp>
           <p:nvSpPr>
-            <p:cNvPr id="318" name="Google Shape;318;p33"/>
+            <p:cNvPr id="336" name="Google Shape;336;p35"/>
             <p:cNvSpPr/>
             <p:nvPr/>
           </p:nvSpPr>
@@ -14541,7 +15478,7 @@
         </p:sp>
         <p:sp>
           <p:nvSpPr>
-            <p:cNvPr id="319" name="Google Shape;319;p33"/>
+            <p:cNvPr id="337" name="Google Shape;337;p35"/>
             <p:cNvSpPr/>
             <p:nvPr/>
           </p:nvSpPr>
@@ -14590,7 +15527,7 @@
         </p:sp>
         <p:sp>
           <p:nvSpPr>
-            <p:cNvPr id="320" name="Google Shape;320;p33"/>
+            <p:cNvPr id="338" name="Google Shape;338;p35"/>
             <p:cNvSpPr/>
             <p:nvPr/>
           </p:nvSpPr>
@@ -14639,7 +15576,7 @@
         </p:sp>
         <p:sp>
           <p:nvSpPr>
-            <p:cNvPr id="321" name="Google Shape;321;p33"/>
+            <p:cNvPr id="339" name="Google Shape;339;p35"/>
             <p:cNvSpPr/>
             <p:nvPr/>
           </p:nvSpPr>
@@ -14688,7 +15625,7 @@
         </p:sp>
         <p:sp>
           <p:nvSpPr>
-            <p:cNvPr id="322" name="Google Shape;322;p33"/>
+            <p:cNvPr id="340" name="Google Shape;340;p35"/>
             <p:cNvSpPr/>
             <p:nvPr/>
           </p:nvSpPr>
@@ -14737,7 +15674,7 @@
         </p:sp>
         <p:sp>
           <p:nvSpPr>
-            <p:cNvPr id="323" name="Google Shape;323;p33"/>
+            <p:cNvPr id="341" name="Google Shape;341;p35"/>
             <p:cNvSpPr/>
             <p:nvPr/>
           </p:nvSpPr>
@@ -14786,7 +15723,7 @@
         </p:sp>
         <p:sp>
           <p:nvSpPr>
-            <p:cNvPr id="324" name="Google Shape;324;p33"/>
+            <p:cNvPr id="342" name="Google Shape;342;p35"/>
             <p:cNvSpPr/>
             <p:nvPr/>
           </p:nvSpPr>
@@ -14836,7 +15773,7 @@
       </p:grpSp>
       <p:grpSp>
         <p:nvGrpSpPr>
-          <p:cNvPr id="325" name="Google Shape;325;p33"/>
+          <p:cNvPr id="343" name="Google Shape;343;p35"/>
           <p:cNvGrpSpPr/>
           <p:nvPr/>
         </p:nvGrpSpPr>
@@ -14850,7 +15787,7 @@
         </p:grpSpPr>
         <p:sp>
           <p:nvSpPr>
-            <p:cNvPr id="326" name="Google Shape;326;p33"/>
+            <p:cNvPr id="344" name="Google Shape;344;p35"/>
             <p:cNvSpPr/>
             <p:nvPr/>
           </p:nvSpPr>
@@ -14928,7 +15865,7 @@
         </p:sp>
         <p:sp>
           <p:nvSpPr>
-            <p:cNvPr id="327" name="Google Shape;327;p33"/>
+            <p:cNvPr id="345" name="Google Shape;345;p35"/>
             <p:cNvSpPr/>
             <p:nvPr/>
           </p:nvSpPr>
@@ -14977,7 +15914,7 @@
         </p:sp>
         <p:sp>
           <p:nvSpPr>
-            <p:cNvPr id="328" name="Google Shape;328;p33"/>
+            <p:cNvPr id="346" name="Google Shape;346;p35"/>
             <p:cNvSpPr/>
             <p:nvPr/>
           </p:nvSpPr>
@@ -15026,7 +15963,7 @@
         </p:sp>
         <p:sp>
           <p:nvSpPr>
-            <p:cNvPr id="329" name="Google Shape;329;p33"/>
+            <p:cNvPr id="347" name="Google Shape;347;p35"/>
             <p:cNvSpPr/>
             <p:nvPr/>
           </p:nvSpPr>
@@ -15075,7 +16012,7 @@
         </p:sp>
         <p:sp>
           <p:nvSpPr>
-            <p:cNvPr id="330" name="Google Shape;330;p33"/>
+            <p:cNvPr id="348" name="Google Shape;348;p35"/>
             <p:cNvSpPr/>
             <p:nvPr/>
           </p:nvSpPr>
@@ -15124,7 +16061,7 @@
         </p:sp>
         <p:sp>
           <p:nvSpPr>
-            <p:cNvPr id="331" name="Google Shape;331;p33"/>
+            <p:cNvPr id="349" name="Google Shape;349;p35"/>
             <p:cNvSpPr/>
             <p:nvPr/>
           </p:nvSpPr>
@@ -15173,7 +16110,7 @@
         </p:sp>
         <p:sp>
           <p:nvSpPr>
-            <p:cNvPr id="332" name="Google Shape;332;p33"/>
+            <p:cNvPr id="350" name="Google Shape;350;p35"/>
             <p:cNvSpPr/>
             <p:nvPr/>
           </p:nvSpPr>
@@ -15222,7 +16159,7 @@
         </p:sp>
         <p:sp>
           <p:nvSpPr>
-            <p:cNvPr id="333" name="Google Shape;333;p33"/>
+            <p:cNvPr id="351" name="Google Shape;351;p35"/>
             <p:cNvSpPr/>
             <p:nvPr/>
           </p:nvSpPr>
@@ -15271,7 +16208,7 @@
         </p:sp>
         <p:sp>
           <p:nvSpPr>
-            <p:cNvPr id="334" name="Google Shape;334;p33"/>
+            <p:cNvPr id="352" name="Google Shape;352;p35"/>
             <p:cNvSpPr/>
             <p:nvPr/>
           </p:nvSpPr>
@@ -15321,7 +16258,7 @@
       </p:grpSp>
       <p:sp>
         <p:nvSpPr>
-          <p:cNvPr id="335" name="Google Shape;335;p33"/>
+          <p:cNvPr id="353" name="Google Shape;353;p35"/>
           <p:cNvSpPr txBox="1"/>
           <p:nvPr>
             <p:ph idx="2" type="body"/>
@@ -15375,12 +16312,12 @@
 </p:sld>
 </file>
 
-<file path=ppt/slides/slide22.xml><?xml version="1.0" encoding="utf-8"?>
+<file path=ppt/slides/slide24.xml><?xml version="1.0" encoding="utf-8"?>
 <p:sld xmlns:a="http://schemas.openxmlformats.org/drawingml/2006/main" xmlns:r="http://schemas.openxmlformats.org/officeDocument/2006/relationships" xmlns:mc="http://schemas.openxmlformats.org/markup-compatibility/2006" xmlns:mv="urn:schemas-microsoft-com:mac:vml" xmlns:p="http://schemas.openxmlformats.org/presentationml/2006/main" xmlns:c="http://schemas.openxmlformats.org/drawingml/2006/chart" xmlns:dgm="http://schemas.openxmlformats.org/drawingml/2006/diagram" xmlns:o="urn:schemas-microsoft-com:office:office" xmlns:v="urn:schemas-microsoft-com:vml" xmlns:pvml="urn:schemas-microsoft-com:office:powerpoint" xmlns:com="http://schemas.openxmlformats.org/drawingml/2006/compatibility" xmlns:p14="http://schemas.microsoft.com/office/powerpoint/2010/main" xmlns:p15="http://schemas.microsoft.com/office/powerpoint/2012/main" xmlns:ahyp="http://schemas.microsoft.com/office/drawing/2018/hyperlinkcolor">
   <p:cSld>
     <p:spTree>
       <p:nvGrpSpPr>
-        <p:cNvPr id="339" name="Shape 339"/>
+        <p:cNvPr id="357" name="Shape 357"/>
         <p:cNvGrpSpPr/>
         <p:nvPr/>
       </p:nvGrpSpPr>
@@ -15394,7 +16331,7 @@
       </p:grpSpPr>
       <p:sp>
         <p:nvSpPr>
-          <p:cNvPr id="340" name="Google Shape;340;p34"/>
+          <p:cNvPr id="358" name="Google Shape;358;p36"/>
           <p:cNvSpPr txBox="1"/>
           <p:nvPr/>
         </p:nvSpPr>
@@ -15685,7 +16622,7 @@
       </p:sp>
       <p:sp>
         <p:nvSpPr>
-          <p:cNvPr id="341" name="Google Shape;341;p34"/>
+          <p:cNvPr id="359" name="Google Shape;359;p36"/>
           <p:cNvSpPr txBox="1"/>
           <p:nvPr>
             <p:ph idx="4294967295" type="title"/>
@@ -20225,6 +21162,285 @@
 </file>
 
 <file path=ppt/theme/theme1.xml><?xml version="1.0" encoding="utf-8"?>
+<a:theme xmlns:a="http://schemas.openxmlformats.org/drawingml/2006/main" xmlns:r="http://schemas.openxmlformats.org/officeDocument/2006/relationships">
+  <a:themeElements>
+    <a:clrScheme name="Default">
+      <a:dk1>
+        <a:srgbClr val="000000"/>
+      </a:dk1>
+      <a:lt1>
+        <a:srgbClr val="FFFFFF"/>
+      </a:lt1>
+      <a:dk2>
+        <a:srgbClr val="158158"/>
+      </a:dk2>
+      <a:lt2>
+        <a:srgbClr val="F3F3F3"/>
+      </a:lt2>
+      <a:accent1>
+        <a:srgbClr val="058DC7"/>
+      </a:accent1>
+      <a:accent2>
+        <a:srgbClr val="50B432"/>
+      </a:accent2>
+      <a:accent3>
+        <a:srgbClr val="ED561B"/>
+      </a:accent3>
+      <a:accent4>
+        <a:srgbClr val="EDEF00"/>
+      </a:accent4>
+      <a:accent5>
+        <a:srgbClr val="24CBE5"/>
+      </a:accent5>
+      <a:accent6>
+        <a:srgbClr val="64E572"/>
+      </a:accent6>
+      <a:hlink>
+        <a:srgbClr val="2200CC"/>
+      </a:hlink>
+      <a:folHlink>
+        <a:srgbClr val="551A8B"/>
+      </a:folHlink>
+    </a:clrScheme>
+    <a:fontScheme name="Office">
+      <a:majorFont>
+        <a:latin typeface="Arial"/>
+        <a:ea typeface=""/>
+        <a:cs typeface=""/>
+        <a:font script="Jpan" typeface="ＭＳ Ｐゴシック"/>
+        <a:font script="Hang" typeface="맑은 고딕"/>
+        <a:font script="Hans" typeface="宋体"/>
+        <a:font script="Hant" typeface="新細明體"/>
+        <a:font script="Arab" typeface="Times New Roman"/>
+        <a:font script="Hebr" typeface="Times New Roman"/>
+        <a:font script="Thai" typeface="Angsana New"/>
+        <a:font script="Ethi" typeface="Nyala"/>
+        <a:font script="Beng" typeface="Vrinda"/>
+        <a:font script="Gujr" typeface="Shruti"/>
+        <a:font script="Khmr" typeface="MoolBoran"/>
+        <a:font script="Knda" typeface="Tunga"/>
+        <a:font script="Guru" typeface="Raavi"/>
+        <a:font script="Cans" typeface="Euphemia"/>
+        <a:font script="Cher" typeface="Plantagenet Cherokee"/>
+        <a:font script="Yiii" typeface="Microsoft Yi Baiti"/>
+        <a:font script="Tibt" typeface="Microsoft Himalaya"/>
+        <a:font script="Thaa" typeface="MV Boli"/>
+        <a:font script="Deva" typeface="Mangal"/>
+        <a:font script="Telu" typeface="Gautami"/>
+        <a:font script="Taml" typeface="Latha"/>
+        <a:font script="Syrc" typeface="Estrangelo Edessa"/>
+        <a:font script="Orya" typeface="Kalinga"/>
+        <a:font script="Mlym" typeface="Kartika"/>
+        <a:font script="Laoo" typeface="DokChampa"/>
+        <a:font script="Sinh" typeface="Iskoola Pota"/>
+        <a:font script="Mong" typeface="Mongolian Baiti"/>
+        <a:font script="Viet" typeface="Times New Roman"/>
+        <a:font script="Uigh" typeface="Microsoft Uighur"/>
+        <a:font script="Geor" typeface="Sylfaen"/>
+      </a:majorFont>
+      <a:minorFont>
+        <a:latin typeface="Arial"/>
+        <a:ea typeface=""/>
+        <a:cs typeface=""/>
+        <a:font script="Jpan" typeface="ＭＳ Ｐゴシック"/>
+        <a:font script="Hang" typeface="맑은 고딕"/>
+        <a:font script="Hans" typeface="宋体"/>
+        <a:font script="Hant" typeface="新細明體"/>
+        <a:font script="Arab" typeface="Arial"/>
+        <a:font script="Hebr" typeface="Arial"/>
+        <a:font script="Thai" typeface="Cordia New"/>
+        <a:font script="Ethi" typeface="Nyala"/>
+        <a:font script="Beng" typeface="Vrinda"/>
+        <a:font script="Gujr" typeface="Shruti"/>
+        <a:font script="Khmr" typeface="DaunPenh"/>
+        <a:font script="Knda" typeface="Tunga"/>
+        <a:font script="Guru" typeface="Raavi"/>
+        <a:font script="Cans" typeface="Euphemia"/>
+        <a:font script="Cher" typeface="Plantagenet Cherokee"/>
+        <a:font script="Yiii" typeface="Microsoft Yi Baiti"/>
+        <a:font script="Tibt" typeface="Microsoft Himalaya"/>
+        <a:font script="Thaa" typeface="MV Boli"/>
+        <a:font script="Deva" typeface="Mangal"/>
+        <a:font script="Telu" typeface="Gautami"/>
+        <a:font script="Taml" typeface="Latha"/>
+        <a:font script="Syrc" typeface="Estrangelo Edessa"/>
+        <a:font script="Orya" typeface="Kalinga"/>
+        <a:font script="Mlym" typeface="Kartika"/>
+        <a:font script="Laoo" typeface="DokChampa"/>
+        <a:font script="Sinh" typeface="Iskoola Pota"/>
+        <a:font script="Mong" typeface="Mongolian Baiti"/>
+        <a:font script="Viet" typeface="Arial"/>
+        <a:font script="Uigh" typeface="Microsoft Uighur"/>
+        <a:font script="Geor" typeface="Sylfaen"/>
+      </a:minorFont>
+    </a:fontScheme>
+    <a:fmtScheme name="Office">
+      <a:fillStyleLst>
+        <a:solidFill>
+          <a:schemeClr val="phClr"/>
+        </a:solidFill>
+        <a:gradFill rotWithShape="1">
+          <a:gsLst>
+            <a:gs pos="0">
+              <a:schemeClr val="phClr">
+                <a:tint val="50000"/>
+                <a:satMod val="300000"/>
+              </a:schemeClr>
+            </a:gs>
+            <a:gs pos="35000">
+              <a:schemeClr val="phClr">
+                <a:tint val="37000"/>
+                <a:satMod val="300000"/>
+              </a:schemeClr>
+            </a:gs>
+            <a:gs pos="100000">
+              <a:schemeClr val="phClr">
+                <a:tint val="15000"/>
+                <a:satMod val="350000"/>
+              </a:schemeClr>
+            </a:gs>
+          </a:gsLst>
+          <a:lin ang="16200000" scaled="1"/>
+        </a:gradFill>
+        <a:gradFill rotWithShape="1">
+          <a:gsLst>
+            <a:gs pos="0">
+              <a:schemeClr val="phClr">
+                <a:tint val="100000"/>
+                <a:shade val="100000"/>
+                <a:satMod val="130000"/>
+              </a:schemeClr>
+            </a:gs>
+            <a:gs pos="100000">
+              <a:schemeClr val="phClr">
+                <a:tint val="50000"/>
+                <a:shade val="100000"/>
+                <a:satMod val="350000"/>
+              </a:schemeClr>
+            </a:gs>
+          </a:gsLst>
+          <a:lin ang="16200000" scaled="0"/>
+        </a:gradFill>
+      </a:fillStyleLst>
+      <a:lnStyleLst>
+        <a:ln w="9525" cap="flat" cmpd="sng" algn="ctr">
+          <a:solidFill>
+            <a:schemeClr val="phClr">
+              <a:shade val="95000"/>
+              <a:satMod val="105000"/>
+            </a:schemeClr>
+          </a:solidFill>
+          <a:prstDash val="solid"/>
+        </a:ln>
+        <a:ln w="25400" cap="flat" cmpd="sng" algn="ctr">
+          <a:solidFill>
+            <a:schemeClr val="phClr"/>
+          </a:solidFill>
+          <a:prstDash val="solid"/>
+        </a:ln>
+        <a:ln w="38100" cap="flat" cmpd="sng" algn="ctr">
+          <a:solidFill>
+            <a:schemeClr val="phClr"/>
+          </a:solidFill>
+          <a:prstDash val="solid"/>
+        </a:ln>
+      </a:lnStyleLst>
+      <a:effectStyleLst>
+        <a:effectStyle>
+          <a:effectLst>
+            <a:outerShdw blurRad="40000" dist="20000" dir="5400000" rotWithShape="0">
+              <a:srgbClr val="000000">
+                <a:alpha val="38000"/>
+              </a:srgbClr>
+            </a:outerShdw>
+          </a:effectLst>
+        </a:effectStyle>
+        <a:effectStyle>
+          <a:effectLst>
+            <a:outerShdw blurRad="40000" dist="23000" dir="5400000" rotWithShape="0">
+              <a:srgbClr val="000000">
+                <a:alpha val="35000"/>
+              </a:srgbClr>
+            </a:outerShdw>
+          </a:effectLst>
+        </a:effectStyle>
+        <a:effectStyle>
+          <a:effectLst>
+            <a:outerShdw blurRad="40000" dist="23000" dir="5400000" rotWithShape="0">
+              <a:srgbClr val="000000">
+                <a:alpha val="35000"/>
+              </a:srgbClr>
+            </a:outerShdw>
+          </a:effectLst>
+          <a:scene3d>
+            <a:camera prst="orthographicFront">
+              <a:rot lat="0" lon="0" rev="0"/>
+            </a:camera>
+            <a:lightRig rig="threePt" dir="t">
+              <a:rot lat="0" lon="0" rev="1200000"/>
+            </a:lightRig>
+          </a:scene3d>
+          <a:sp3d>
+            <a:bevelT w="63500" h="25400"/>
+          </a:sp3d>
+        </a:effectStyle>
+      </a:effectStyleLst>
+      <a:bgFillStyleLst>
+        <a:solidFill>
+          <a:schemeClr val="phClr"/>
+        </a:solidFill>
+        <a:gradFill rotWithShape="1">
+          <a:gsLst>
+            <a:gs pos="0">
+              <a:schemeClr val="phClr">
+                <a:tint val="40000"/>
+                <a:satMod val="350000"/>
+              </a:schemeClr>
+            </a:gs>
+            <a:gs pos="40000">
+              <a:schemeClr val="phClr">
+                <a:tint val="45000"/>
+                <a:shade val="99000"/>
+                <a:satMod val="350000"/>
+              </a:schemeClr>
+            </a:gs>
+            <a:gs pos="100000">
+              <a:schemeClr val="phClr">
+                <a:shade val="20000"/>
+                <a:satMod val="255000"/>
+              </a:schemeClr>
+            </a:gs>
+          </a:gsLst>
+          <a:path path="circle">
+            <a:fillToRect l="50000" t="-80000" r="50000" b="180000"/>
+          </a:path>
+        </a:gradFill>
+        <a:gradFill rotWithShape="1">
+          <a:gsLst>
+            <a:gs pos="0">
+              <a:schemeClr val="phClr">
+                <a:tint val="80000"/>
+                <a:satMod val="300000"/>
+              </a:schemeClr>
+            </a:gs>
+            <a:gs pos="100000">
+              <a:schemeClr val="phClr">
+                <a:shade val="30000"/>
+                <a:satMod val="200000"/>
+              </a:schemeClr>
+            </a:gs>
+          </a:gsLst>
+          <a:path path="circle">
+            <a:fillToRect l="50000" t="50000" r="50000" b="50000"/>
+          </a:path>
+        </a:gradFill>
+      </a:bgFillStyleLst>
+    </a:fmtScheme>
+  </a:themeElements>
+</a:theme>
+</file>
+
+<file path=ppt/theme/theme2.xml><?xml version="1.0" encoding="utf-8"?>
 <a:theme xmlns:a="http://schemas.openxmlformats.org/drawingml/2006/main" xmlns:r="http://schemas.openxmlformats.org/officeDocument/2006/relationships" name="Geometric">
   <a:themeElements>
     <a:clrScheme name="Geometric">
@@ -20501,283 +21717,4 @@
     </a:fmtScheme>
   </a:themeElements>
 </a:theme>
-</file>
-
-<file path=ppt/theme/theme2.xml><?xml version="1.0" encoding="utf-8"?>
-<a:theme xmlns:a="http://schemas.openxmlformats.org/drawingml/2006/main" xmlns:r="http://schemas.openxmlformats.org/officeDocument/2006/relationships">
-  <a:themeElements>
-    <a:clrScheme name="Default">
-      <a:dk1>
-        <a:srgbClr val="000000"/>
-      </a:dk1>
-      <a:lt1>
-        <a:srgbClr val="FFFFFF"/>
-      </a:lt1>
-      <a:dk2>
-        <a:srgbClr val="158158"/>
-      </a:dk2>
-      <a:lt2>
-        <a:srgbClr val="F3F3F3"/>
-      </a:lt2>
-      <a:accent1>
-        <a:srgbClr val="058DC7"/>
-      </a:accent1>
-      <a:accent2>
-        <a:srgbClr val="50B432"/>
-      </a:accent2>
-      <a:accent3>
-        <a:srgbClr val="ED561B"/>
-      </a:accent3>
-      <a:accent4>
-        <a:srgbClr val="EDEF00"/>
-      </a:accent4>
-      <a:accent5>
-        <a:srgbClr val="24CBE5"/>
-      </a:accent5>
-      <a:accent6>
-        <a:srgbClr val="64E572"/>
-      </a:accent6>
-      <a:hlink>
-        <a:srgbClr val="2200CC"/>
-      </a:hlink>
-      <a:folHlink>
-        <a:srgbClr val="551A8B"/>
-      </a:folHlink>
-    </a:clrScheme>
-    <a:fontScheme name="Office">
-      <a:majorFont>
-        <a:latin typeface="Arial"/>
-        <a:ea typeface=""/>
-        <a:cs typeface=""/>
-        <a:font script="Jpan" typeface="ＭＳ Ｐゴシック"/>
-        <a:font script="Hang" typeface="맑은 고딕"/>
-        <a:font script="Hans" typeface="宋体"/>
-        <a:font script="Hant" typeface="新細明體"/>
-        <a:font script="Arab" typeface="Times New Roman"/>
-        <a:font script="Hebr" typeface="Times New Roman"/>
-        <a:font script="Thai" typeface="Angsana New"/>
-        <a:font script="Ethi" typeface="Nyala"/>
-        <a:font script="Beng" typeface="Vrinda"/>
-        <a:font script="Gujr" typeface="Shruti"/>
-        <a:font script="Khmr" typeface="MoolBoran"/>
-        <a:font script="Knda" typeface="Tunga"/>
-        <a:font script="Guru" typeface="Raavi"/>
-        <a:font script="Cans" typeface="Euphemia"/>
-        <a:font script="Cher" typeface="Plantagenet Cherokee"/>
-        <a:font script="Yiii" typeface="Microsoft Yi Baiti"/>
-        <a:font script="Tibt" typeface="Microsoft Himalaya"/>
-        <a:font script="Thaa" typeface="MV Boli"/>
-        <a:font script="Deva" typeface="Mangal"/>
-        <a:font script="Telu" typeface="Gautami"/>
-        <a:font script="Taml" typeface="Latha"/>
-        <a:font script="Syrc" typeface="Estrangelo Edessa"/>
-        <a:font script="Orya" typeface="Kalinga"/>
-        <a:font script="Mlym" typeface="Kartika"/>
-        <a:font script="Laoo" typeface="DokChampa"/>
-        <a:font script="Sinh" typeface="Iskoola Pota"/>
-        <a:font script="Mong" typeface="Mongolian Baiti"/>
-        <a:font script="Viet" typeface="Times New Roman"/>
-        <a:font script="Uigh" typeface="Microsoft Uighur"/>
-        <a:font script="Geor" typeface="Sylfaen"/>
-      </a:majorFont>
-      <a:minorFont>
-        <a:latin typeface="Arial"/>
-        <a:ea typeface=""/>
-        <a:cs typeface=""/>
-        <a:font script="Jpan" typeface="ＭＳ Ｐゴシック"/>
-        <a:font script="Hang" typeface="맑은 고딕"/>
-        <a:font script="Hans" typeface="宋体"/>
-        <a:font script="Hant" typeface="新細明體"/>
-        <a:font script="Arab" typeface="Arial"/>
-        <a:font script="Hebr" typeface="Arial"/>
-        <a:font script="Thai" typeface="Cordia New"/>
-        <a:font script="Ethi" typeface="Nyala"/>
-        <a:font script="Beng" typeface="Vrinda"/>
-        <a:font script="Gujr" typeface="Shruti"/>
-        <a:font script="Khmr" typeface="DaunPenh"/>
-        <a:font script="Knda" typeface="Tunga"/>
-        <a:font script="Guru" typeface="Raavi"/>
-        <a:font script="Cans" typeface="Euphemia"/>
-        <a:font script="Cher" typeface="Plantagenet Cherokee"/>
-        <a:font script="Yiii" typeface="Microsoft Yi Baiti"/>
-        <a:font script="Tibt" typeface="Microsoft Himalaya"/>
-        <a:font script="Thaa" typeface="MV Boli"/>
-        <a:font script="Deva" typeface="Mangal"/>
-        <a:font script="Telu" typeface="Gautami"/>
-        <a:font script="Taml" typeface="Latha"/>
-        <a:font script="Syrc" typeface="Estrangelo Edessa"/>
-        <a:font script="Orya" typeface="Kalinga"/>
-        <a:font script="Mlym" typeface="Kartika"/>
-        <a:font script="Laoo" typeface="DokChampa"/>
-        <a:font script="Sinh" typeface="Iskoola Pota"/>
-        <a:font script="Mong" typeface="Mongolian Baiti"/>
-        <a:font script="Viet" typeface="Arial"/>
-        <a:font script="Uigh" typeface="Microsoft Uighur"/>
-        <a:font script="Geor" typeface="Sylfaen"/>
-      </a:minorFont>
-    </a:fontScheme>
-    <a:fmtScheme name="Office">
-      <a:fillStyleLst>
-        <a:solidFill>
-          <a:schemeClr val="phClr"/>
-        </a:solidFill>
-        <a:gradFill rotWithShape="1">
-          <a:gsLst>
-            <a:gs pos="0">
-              <a:schemeClr val="phClr">
-                <a:tint val="50000"/>
-                <a:satMod val="300000"/>
-              </a:schemeClr>
-            </a:gs>
-            <a:gs pos="35000">
-              <a:schemeClr val="phClr">
-                <a:tint val="37000"/>
-                <a:satMod val="300000"/>
-              </a:schemeClr>
-            </a:gs>
-            <a:gs pos="100000">
-              <a:schemeClr val="phClr">
-                <a:tint val="15000"/>
-                <a:satMod val="350000"/>
-              </a:schemeClr>
-            </a:gs>
-          </a:gsLst>
-          <a:lin ang="16200000" scaled="1"/>
-        </a:gradFill>
-        <a:gradFill rotWithShape="1">
-          <a:gsLst>
-            <a:gs pos="0">
-              <a:schemeClr val="phClr">
-                <a:tint val="100000"/>
-                <a:shade val="100000"/>
-                <a:satMod val="130000"/>
-              </a:schemeClr>
-            </a:gs>
-            <a:gs pos="100000">
-              <a:schemeClr val="phClr">
-                <a:tint val="50000"/>
-                <a:shade val="100000"/>
-                <a:satMod val="350000"/>
-              </a:schemeClr>
-            </a:gs>
-          </a:gsLst>
-          <a:lin ang="16200000" scaled="0"/>
-        </a:gradFill>
-      </a:fillStyleLst>
-      <a:lnStyleLst>
-        <a:ln w="9525" cap="flat" cmpd="sng" algn="ctr">
-          <a:solidFill>
-            <a:schemeClr val="phClr">
-              <a:shade val="95000"/>
-              <a:satMod val="105000"/>
-            </a:schemeClr>
-          </a:solidFill>
-          <a:prstDash val="solid"/>
-        </a:ln>
-        <a:ln w="25400" cap="flat" cmpd="sng" algn="ctr">
-          <a:solidFill>
-            <a:schemeClr val="phClr"/>
-          </a:solidFill>
-          <a:prstDash val="solid"/>
-        </a:ln>
-        <a:ln w="38100" cap="flat" cmpd="sng" algn="ctr">
-          <a:solidFill>
-            <a:schemeClr val="phClr"/>
-          </a:solidFill>
-          <a:prstDash val="solid"/>
-        </a:ln>
-      </a:lnStyleLst>
-      <a:effectStyleLst>
-        <a:effectStyle>
-          <a:effectLst>
-            <a:outerShdw blurRad="40000" dist="20000" dir="5400000" rotWithShape="0">
-              <a:srgbClr val="000000">
-                <a:alpha val="38000"/>
-              </a:srgbClr>
-            </a:outerShdw>
-          </a:effectLst>
-        </a:effectStyle>
-        <a:effectStyle>
-          <a:effectLst>
-            <a:outerShdw blurRad="40000" dist="23000" dir="5400000" rotWithShape="0">
-              <a:srgbClr val="000000">
-                <a:alpha val="35000"/>
-              </a:srgbClr>
-            </a:outerShdw>
-          </a:effectLst>
-        </a:effectStyle>
-        <a:effectStyle>
-          <a:effectLst>
-            <a:outerShdw blurRad="40000" dist="23000" dir="5400000" rotWithShape="0">
-              <a:srgbClr val="000000">
-                <a:alpha val="35000"/>
-              </a:srgbClr>
-            </a:outerShdw>
-          </a:effectLst>
-          <a:scene3d>
-            <a:camera prst="orthographicFront">
-              <a:rot lat="0" lon="0" rev="0"/>
-            </a:camera>
-            <a:lightRig rig="threePt" dir="t">
-              <a:rot lat="0" lon="0" rev="1200000"/>
-            </a:lightRig>
-          </a:scene3d>
-          <a:sp3d>
-            <a:bevelT w="63500" h="25400"/>
-          </a:sp3d>
-        </a:effectStyle>
-      </a:effectStyleLst>
-      <a:bgFillStyleLst>
-        <a:solidFill>
-          <a:schemeClr val="phClr"/>
-        </a:solidFill>
-        <a:gradFill rotWithShape="1">
-          <a:gsLst>
-            <a:gs pos="0">
-              <a:schemeClr val="phClr">
-                <a:tint val="40000"/>
-                <a:satMod val="350000"/>
-              </a:schemeClr>
-            </a:gs>
-            <a:gs pos="40000">
-              <a:schemeClr val="phClr">
-                <a:tint val="45000"/>
-                <a:shade val="99000"/>
-                <a:satMod val="350000"/>
-              </a:schemeClr>
-            </a:gs>
-            <a:gs pos="100000">
-              <a:schemeClr val="phClr">
-                <a:shade val="20000"/>
-                <a:satMod val="255000"/>
-              </a:schemeClr>
-            </a:gs>
-          </a:gsLst>
-          <a:path path="circle">
-            <a:fillToRect l="50000" t="-80000" r="50000" b="180000"/>
-          </a:path>
-        </a:gradFill>
-        <a:gradFill rotWithShape="1">
-          <a:gsLst>
-            <a:gs pos="0">
-              <a:schemeClr val="phClr">
-                <a:tint val="80000"/>
-                <a:satMod val="300000"/>
-              </a:schemeClr>
-            </a:gs>
-            <a:gs pos="100000">
-              <a:schemeClr val="phClr">
-                <a:shade val="30000"/>
-                <a:satMod val="200000"/>
-              </a:schemeClr>
-            </a:gs>
-          </a:gsLst>
-          <a:path path="circle">
-            <a:fillToRect l="50000" t="50000" r="50000" b="50000"/>
-          </a:path>
-        </a:gradFill>
-      </a:bgFillStyleLst>
-    </a:fmtScheme>
-  </a:themeElements>
-</a:theme>
 </file>
--- a/COVID-19 Analysis.pptx
+++ b/COVID-19 Analysis.pptx
@@ -1614,7 +1614,7 @@
   <p:cSld>
     <p:spTree>
       <p:nvGrpSpPr>
-        <p:cNvPr id="270" name="Shape 270"/>
+        <p:cNvPr id="271" name="Shape 271"/>
         <p:cNvGrpSpPr/>
         <p:nvPr/>
       </p:nvGrpSpPr>
@@ -1628,7 +1628,7 @@
       </p:grpSpPr>
       <p:sp>
         <p:nvSpPr>
-          <p:cNvPr id="271" name="Google Shape;271;g13e30ec05fc_1_7:notes"/>
+          <p:cNvPr id="272" name="Google Shape;272;g13e30ec05fc_1_7:notes"/>
           <p:cNvSpPr/>
           <p:nvPr>
             <p:ph idx="2" type="sldImg"/>
@@ -1663,7 +1663,7 @@
       </p:sp>
       <p:sp>
         <p:nvSpPr>
-          <p:cNvPr id="272" name="Google Shape;272;g13e30ec05fc_1_7:notes"/>
+          <p:cNvPr id="273" name="Google Shape;273;g13e30ec05fc_1_7:notes"/>
           <p:cNvSpPr txBox="1"/>
           <p:nvPr>
             <p:ph idx="1" type="body"/>
@@ -1713,7 +1713,7 @@
   <p:cSld>
     <p:spTree>
       <p:nvGrpSpPr>
-        <p:cNvPr id="277" name="Shape 277"/>
+        <p:cNvPr id="279" name="Shape 279"/>
         <p:cNvGrpSpPr/>
         <p:nvPr/>
       </p:nvGrpSpPr>
@@ -1727,7 +1727,7 @@
       </p:grpSpPr>
       <p:sp>
         <p:nvSpPr>
-          <p:cNvPr id="278" name="Google Shape;278;g13e30ec05fc_1_240:notes"/>
+          <p:cNvPr id="280" name="Google Shape;280;g13e30ec05fc_1_240:notes"/>
           <p:cNvSpPr/>
           <p:nvPr>
             <p:ph idx="2" type="sldImg"/>
@@ -1762,7 +1762,7 @@
       </p:sp>
       <p:sp>
         <p:nvSpPr>
-          <p:cNvPr id="279" name="Google Shape;279;g13e30ec05fc_1_240:notes"/>
+          <p:cNvPr id="281" name="Google Shape;281;g13e30ec05fc_1_240:notes"/>
           <p:cNvSpPr txBox="1"/>
           <p:nvPr>
             <p:ph idx="1" type="body"/>
@@ -1911,7 +1911,7 @@
   <p:cSld>
     <p:spTree>
       <p:nvGrpSpPr>
-        <p:cNvPr id="283" name="Shape 283"/>
+        <p:cNvPr id="286" name="Shape 286"/>
         <p:cNvGrpSpPr/>
         <p:nvPr/>
       </p:nvGrpSpPr>
@@ -1925,7 +1925,7 @@
       </p:grpSpPr>
       <p:sp>
         <p:nvSpPr>
-          <p:cNvPr id="284" name="Google Shape;284;g13e30ec05fc_1_249:notes"/>
+          <p:cNvPr id="287" name="Google Shape;287;g13e30ec05fc_1_249:notes"/>
           <p:cNvSpPr/>
           <p:nvPr>
             <p:ph idx="2" type="sldImg"/>
@@ -1960,7 +1960,7 @@
       </p:sp>
       <p:sp>
         <p:nvSpPr>
-          <p:cNvPr id="285" name="Google Shape;285;g13e30ec05fc_1_249:notes"/>
+          <p:cNvPr id="288" name="Google Shape;288;g13e30ec05fc_1_249:notes"/>
           <p:cNvSpPr txBox="1"/>
           <p:nvPr>
             <p:ph idx="1" type="body"/>
@@ -2010,7 +2010,7 @@
   <p:cSld>
     <p:spTree>
       <p:nvGrpSpPr>
-        <p:cNvPr id="291" name="Shape 291"/>
+        <p:cNvPr id="294" name="Shape 294"/>
         <p:cNvGrpSpPr/>
         <p:nvPr/>
       </p:nvGrpSpPr>
@@ -2024,7 +2024,7 @@
       </p:grpSpPr>
       <p:sp>
         <p:nvSpPr>
-          <p:cNvPr id="292" name="Google Shape;292;g13e30ec05fc_1_245:notes"/>
+          <p:cNvPr id="295" name="Google Shape;295;g13e30ec05fc_1_245:notes"/>
           <p:cNvSpPr/>
           <p:nvPr>
             <p:ph idx="2" type="sldImg"/>
@@ -2059,7 +2059,7 @@
       </p:sp>
       <p:sp>
         <p:nvSpPr>
-          <p:cNvPr id="293" name="Google Shape;293;g13e30ec05fc_1_245:notes"/>
+          <p:cNvPr id="296" name="Google Shape;296;g13e30ec05fc_1_245:notes"/>
           <p:cNvSpPr txBox="1"/>
           <p:nvPr>
             <p:ph idx="1" type="body"/>
@@ -2109,7 +2109,7 @@
   <p:cSld>
     <p:spTree>
       <p:nvGrpSpPr>
-        <p:cNvPr id="300" name="Shape 300"/>
+        <p:cNvPr id="304" name="Shape 304"/>
         <p:cNvGrpSpPr/>
         <p:nvPr/>
       </p:nvGrpSpPr>
@@ -2123,7 +2123,7 @@
       </p:grpSpPr>
       <p:sp>
         <p:nvSpPr>
-          <p:cNvPr id="301" name="Google Shape;301;g13e30ec05fc_1_218:notes"/>
+          <p:cNvPr id="305" name="Google Shape;305;g13e30ec05fc_1_218:notes"/>
           <p:cNvSpPr/>
           <p:nvPr>
             <p:ph idx="2" type="sldImg"/>
@@ -2158,7 +2158,7 @@
       </p:sp>
       <p:sp>
         <p:nvSpPr>
-          <p:cNvPr id="302" name="Google Shape;302;g13e30ec05fc_1_218:notes"/>
+          <p:cNvPr id="306" name="Google Shape;306;g13e30ec05fc_1_218:notes"/>
           <p:cNvSpPr txBox="1"/>
           <p:nvPr>
             <p:ph idx="1" type="body"/>
@@ -2208,7 +2208,7 @@
   <p:cSld>
     <p:spTree>
       <p:nvGrpSpPr>
-        <p:cNvPr id="317" name="Shape 317"/>
+        <p:cNvPr id="321" name="Shape 321"/>
         <p:cNvGrpSpPr/>
         <p:nvPr/>
       </p:nvGrpSpPr>
@@ -2222,7 +2222,7 @@
       </p:grpSpPr>
       <p:sp>
         <p:nvSpPr>
-          <p:cNvPr id="318" name="Google Shape;318;gc6f9e470d_0_126:notes"/>
+          <p:cNvPr id="322" name="Google Shape;322;gc6f9e470d_0_126:notes"/>
           <p:cNvSpPr/>
           <p:nvPr>
             <p:ph idx="2" type="sldImg"/>
@@ -2257,7 +2257,7 @@
       </p:sp>
       <p:sp>
         <p:nvSpPr>
-          <p:cNvPr id="319" name="Google Shape;319;gc6f9e470d_0_126:notes"/>
+          <p:cNvPr id="323" name="Google Shape;323;gc6f9e470d_0_126:notes"/>
           <p:cNvSpPr txBox="1"/>
           <p:nvPr>
             <p:ph idx="1" type="body"/>
@@ -2307,7 +2307,7 @@
   <p:cSld>
     <p:spTree>
       <p:nvGrpSpPr>
-        <p:cNvPr id="354" name="Shape 354"/>
+        <p:cNvPr id="358" name="Shape 358"/>
         <p:cNvGrpSpPr/>
         <p:nvPr/>
       </p:nvGrpSpPr>
@@ -2321,7 +2321,7 @@
       </p:grpSpPr>
       <p:sp>
         <p:nvSpPr>
-          <p:cNvPr id="355" name="Google Shape;355;g13e30ec05fc_1_786:notes"/>
+          <p:cNvPr id="359" name="Google Shape;359;g13e30ec05fc_1_786:notes"/>
           <p:cNvSpPr/>
           <p:nvPr>
             <p:ph idx="2" type="sldImg"/>
@@ -2356,7 +2356,7 @@
       </p:sp>
       <p:sp>
         <p:nvSpPr>
-          <p:cNvPr id="356" name="Google Shape;356;g13e30ec05fc_1_786:notes"/>
+          <p:cNvPr id="360" name="Google Shape;360;g13e30ec05fc_1_786:notes"/>
           <p:cNvSpPr txBox="1"/>
           <p:nvPr>
             <p:ph idx="1" type="body"/>
@@ -11941,9 +11941,21 @@
                 <a:buChar char="●"/>
               </a:pPr>
               <a:r>
-                <a:t/>
+                <a:rPr lang="en">
+                  <a:highlight>
+                    <a:srgbClr val="FFFFFF"/>
+                  </a:highlight>
+                  <a:latin typeface="Roboto"/>
+                  <a:ea typeface="Roboto"/>
+                  <a:cs typeface="Roboto"/>
+                  <a:sym typeface="Roboto"/>
+                </a:rPr>
+                <a:t>Additional columns were created to represent the differences between daily total vaccinations and daily people total vaccinated</a:t>
               </a:r>
               <a:endParaRPr>
+                <a:highlight>
+                  <a:srgbClr val="FFFFFF"/>
+                </a:highlight>
                 <a:latin typeface="Roboto"/>
                 <a:ea typeface="Roboto"/>
                 <a:cs typeface="Roboto"/>
@@ -11963,9 +11975,21 @@
                 <a:buChar char="●"/>
               </a:pPr>
               <a:r>
-                <a:t/>
+                <a:rPr lang="en">
+                  <a:highlight>
+                    <a:srgbClr val="FFFFFF"/>
+                  </a:highlight>
+                  <a:latin typeface="Roboto"/>
+                  <a:ea typeface="Roboto"/>
+                  <a:cs typeface="Roboto"/>
+                  <a:sym typeface="Roboto"/>
+                </a:rPr>
+                <a:t>Columns were then normalized to per 100,000 people of each location's population</a:t>
               </a:r>
               <a:endParaRPr>
+                <a:highlight>
+                  <a:srgbClr val="FFFFFF"/>
+                </a:highlight>
                 <a:latin typeface="Roboto"/>
                 <a:ea typeface="Roboto"/>
                 <a:cs typeface="Roboto"/>
@@ -11985,7 +12009,16 @@
                 <a:buChar char="●"/>
               </a:pPr>
               <a:r>
-                <a:t/>
+                <a:rPr lang="en">
+                  <a:highlight>
+                    <a:srgbClr val="FFFFFF"/>
+                  </a:highlight>
+                  <a:latin typeface="Roboto"/>
+                  <a:ea typeface="Roboto"/>
+                  <a:cs typeface="Roboto"/>
+                  <a:sym typeface="Roboto"/>
+                </a:rPr>
+                <a:t>The cleaned dataset was split into two dataframes: one for cases prediction and another for deaths predictions</a:t>
               </a:r>
               <a:endParaRPr>
                 <a:latin typeface="Roboto"/>
@@ -12133,10 +12166,7 @@
           </a:bodyPr>
           <a:lstStyle/>
           <a:p>
-            <a:pPr indent="-330200" lvl="0" marL="457200" rtl="0" algn="l">
-              <a:lnSpc>
-                <a:spcPct val="100000"/>
-              </a:lnSpc>
+            <a:pPr indent="-317500" lvl="0" marL="457200" rtl="0" algn="l">
               <a:spcBef>
                 <a:spcPts val="0"/>
               </a:spcBef>
@@ -12146,51 +12176,22 @@
               <a:buClr>
                 <a:srgbClr val="000000"/>
               </a:buClr>
-              <a:buSzPts val="1600"/>
+              <a:buSzPts val="1400"/>
               <a:buFont typeface="Roboto"/>
               <a:buChar char="●"/>
             </a:pPr>
             <a:r>
-              <a:rPr lang="en" sz="1600">
+              <a:rPr lang="en" sz="1400">
                 <a:solidFill>
                   <a:srgbClr val="000000"/>
                 </a:solidFill>
-              </a:rPr>
-              <a:t>XXXXXXXXXXXXXXXXXXXXXXXXXXXXXXXXXXXXX</a:t>
-            </a:r>
-            <a:endParaRPr sz="1600">
-              <a:solidFill>
-                <a:srgbClr val="000000"/>
-              </a:solidFill>
-            </a:endParaRPr>
-          </a:p>
-          <a:p>
-            <a:pPr indent="-330200" lvl="0" marL="457200" rtl="0" algn="l">
-              <a:spcBef>
-                <a:spcPts val="1000"/>
-              </a:spcBef>
-              <a:spcAft>
-                <a:spcPts val="0"/>
-              </a:spcAft>
-              <a:buClr>
-                <a:srgbClr val="000000"/>
-              </a:buClr>
-              <a:buSzPts val="1600"/>
-              <a:buFont typeface="Roboto"/>
-              <a:buChar char="●"/>
-            </a:pPr>
-            <a:r>
-              <a:rPr lang="en" sz="1600">
-                <a:solidFill>
-                  <a:srgbClr val="000000"/>
-                </a:solidFill>
                 <a:highlight>
-                  <a:schemeClr val="lt1"/>
+                  <a:srgbClr val="FFFFFF"/>
                 </a:highlight>
               </a:rPr>
-              <a:t>XXXXXXXXXXXXXXXXXXXXXXX</a:t>
+              <a:t>Random Forest Regressors are a type of ensemble learning models that combines multiple smaller models into a more robust and accurate model</a:t>
             </a:r>
-            <a:endParaRPr sz="1600">
+            <a:endParaRPr sz="1400">
               <a:solidFill>
                 <a:srgbClr val="000000"/>
               </a:solidFill>
@@ -12200,7 +12201,7 @@
             </a:endParaRPr>
           </a:p>
           <a:p>
-            <a:pPr indent="-330200" lvl="0" marL="457200" rtl="0" algn="l">
+            <a:pPr indent="-317500" lvl="0" marL="457200" rtl="0" algn="l">
               <a:spcBef>
                 <a:spcPts val="1000"/>
               </a:spcBef>
@@ -12210,22 +12211,22 @@
               <a:buClr>
                 <a:srgbClr val="000000"/>
               </a:buClr>
-              <a:buSzPts val="1600"/>
+              <a:buSzPts val="1400"/>
               <a:buFont typeface="Roboto"/>
               <a:buChar char="●"/>
             </a:pPr>
             <a:r>
-              <a:rPr lang="en" sz="1600">
+              <a:rPr lang="en" sz="1400">
                 <a:solidFill>
                   <a:srgbClr val="000000"/>
                 </a:solidFill>
                 <a:highlight>
-                  <a:schemeClr val="lt1"/>
+                  <a:srgbClr val="FFFFFF"/>
                 </a:highlight>
               </a:rPr>
-              <a:t>XXXXXXXXXXXXXXXXXXXXXXXXXXXXXXXXXXXXXX</a:t>
+              <a:t>Random forest models use a number of weak learner algorithms (decision trees) and combine their output to make a final regression decision</a:t>
             </a:r>
-            <a:endParaRPr sz="1600">
+            <a:endParaRPr sz="1400">
               <a:solidFill>
                 <a:srgbClr val="000000"/>
               </a:solidFill>
@@ -12235,7 +12236,7 @@
             </a:endParaRPr>
           </a:p>
           <a:p>
-            <a:pPr indent="-330200" lvl="0" marL="457200" rtl="0" algn="l">
+            <a:pPr indent="-317500" lvl="0" marL="457200" rtl="0" algn="l">
               <a:spcBef>
                 <a:spcPts val="1000"/>
               </a:spcBef>
@@ -12245,24 +12246,94 @@
               <a:buClr>
                 <a:srgbClr val="000000"/>
               </a:buClr>
-              <a:buSzPts val="1600"/>
+              <a:buSzPts val="1400"/>
               <a:buFont typeface="Roboto"/>
               <a:buChar char="●"/>
             </a:pPr>
             <a:r>
-              <a:rPr lang="en" sz="1600">
+              <a:rPr lang="en" sz="1400">
                 <a:solidFill>
                   <a:srgbClr val="000000"/>
                 </a:solidFill>
                 <a:highlight>
-                  <a:schemeClr val="lt1"/>
+                  <a:srgbClr val="FFFFFF"/>
                 </a:highlight>
               </a:rPr>
-              <a:t>XXXXXXXXXXXXXXXXXX</a:t>
+              <a:t>Structurally speaking, random forest models are very similar to their neural network counterparts</a:t>
             </a:r>
             <a:endParaRPr sz="1400">
               <a:solidFill>
-                <a:srgbClr val="24292F"/>
+                <a:srgbClr val="000000"/>
+              </a:solidFill>
+              <a:highlight>
+                <a:srgbClr val="FFFFFF"/>
+              </a:highlight>
+            </a:endParaRPr>
+          </a:p>
+          <a:p>
+            <a:pPr indent="-317500" lvl="0" marL="457200" rtl="0" algn="l">
+              <a:spcBef>
+                <a:spcPts val="1000"/>
+              </a:spcBef>
+              <a:spcAft>
+                <a:spcPts val="0"/>
+              </a:spcAft>
+              <a:buClr>
+                <a:srgbClr val="000000"/>
+              </a:buClr>
+              <a:buSzPts val="1400"/>
+              <a:buFont typeface="Roboto"/>
+              <a:buChar char="●"/>
+            </a:pPr>
+            <a:r>
+              <a:rPr lang="en" sz="1400">
+                <a:solidFill>
+                  <a:srgbClr val="000000"/>
+                </a:solidFill>
+                <a:highlight>
+                  <a:srgbClr val="FFFFFF"/>
+                </a:highlight>
+              </a:rPr>
+              <a:t>Random forest models have been a staple in machine learning algorithms for many years due to their robustness and scalability</a:t>
+            </a:r>
+            <a:endParaRPr sz="1400">
+              <a:solidFill>
+                <a:srgbClr val="000000"/>
+              </a:solidFill>
+              <a:highlight>
+                <a:srgbClr val="FFFFFF"/>
+              </a:highlight>
+            </a:endParaRPr>
+          </a:p>
+          <a:p>
+            <a:pPr indent="-317500" lvl="0" marL="457200" rtl="0" algn="l">
+              <a:spcBef>
+                <a:spcPts val="1000"/>
+              </a:spcBef>
+              <a:spcAft>
+                <a:spcPts val="0"/>
+              </a:spcAft>
+              <a:buClr>
+                <a:srgbClr val="000000"/>
+              </a:buClr>
+              <a:buSzPts val="1400"/>
+              <a:buFont typeface="Roboto"/>
+              <a:buChar char="●"/>
+            </a:pPr>
+            <a:r>
+              <a:rPr lang="en" sz="1400">
+                <a:solidFill>
+                  <a:srgbClr val="000000"/>
+                </a:solidFill>
+                <a:highlight>
+                  <a:srgbClr val="FFFFFF"/>
+                </a:highlight>
+              </a:rPr>
+              <a:t>Both output and feature selection of random forest models are easy to interpret, and they can easily handle outliers and nonlinear data</a:t>
+            </a:r>
+            <a:endParaRPr sz="1400">
+              <a:solidFill>
+                <a:srgbClr val="000000"/>
               </a:solidFill>
               <a:highlight>
                 <a:srgbClr val="FFFFFF"/>
@@ -12331,6 +12402,54 @@
           </a:p>
         </p:txBody>
       </p:sp>
+      <p:sp>
+        <p:nvSpPr>
+          <p:cNvPr id="270" name="Google Shape;270;p29"/>
+          <p:cNvSpPr txBox="1"/>
+          <p:nvPr>
+            <p:ph idx="4294967295" type="body"/>
+          </p:nvPr>
+        </p:nvSpPr>
+        <p:spPr>
+          <a:xfrm>
+            <a:off x="742900" y="1378075"/>
+            <a:ext cx="3743400" cy="461400"/>
+          </a:xfrm>
+          <a:prstGeom prst="rect">
+            <a:avLst/>
+          </a:prstGeom>
+        </p:spPr>
+        <p:txBody>
+          <a:bodyPr anchorCtr="0" anchor="t" bIns="91425" lIns="91425" spcFirstLastPara="1" rIns="91425" wrap="square" tIns="91425">
+            <a:noAutofit/>
+          </a:bodyPr>
+          <a:lstStyle/>
+          <a:p>
+            <a:pPr indent="0" lvl="0" marL="0" rtl="0" algn="l">
+              <a:spcBef>
+                <a:spcPts val="0"/>
+              </a:spcBef>
+              <a:spcAft>
+                <a:spcPts val="0"/>
+              </a:spcAft>
+              <a:buNone/>
+            </a:pPr>
+            <a:r>
+              <a:rPr lang="en">
+                <a:solidFill>
+                  <a:schemeClr val="lt1"/>
+                </a:solidFill>
+              </a:rPr>
+              <a:t>Model Selection</a:t>
+            </a:r>
+            <a:endParaRPr>
+              <a:solidFill>
+                <a:schemeClr val="lt1"/>
+              </a:solidFill>
+            </a:endParaRPr>
+          </a:p>
+        </p:txBody>
+      </p:sp>
     </p:spTree>
   </p:cSld>
   <p:clrMapOvr>
@@ -12344,7 +12463,7 @@
   <p:cSld>
     <p:spTree>
       <p:nvGrpSpPr>
-        <p:cNvPr id="273" name="Shape 273"/>
+        <p:cNvPr id="274" name="Shape 274"/>
         <p:cNvGrpSpPr/>
         <p:nvPr/>
       </p:nvGrpSpPr>
@@ -12358,7 +12477,7 @@
       </p:grpSpPr>
       <p:sp>
         <p:nvSpPr>
-          <p:cNvPr id="274" name="Google Shape;274;p30"/>
+          <p:cNvPr id="275" name="Google Shape;275;p30"/>
           <p:cNvSpPr txBox="1"/>
           <p:nvPr>
             <p:ph type="title"/>
@@ -12398,7 +12517,7 @@
       </p:sp>
       <p:sp>
         <p:nvSpPr>
-          <p:cNvPr id="275" name="Google Shape;275;p30"/>
+          <p:cNvPr id="276" name="Google Shape;276;p30"/>
           <p:cNvSpPr txBox="1"/>
           <p:nvPr>
             <p:ph idx="4294967295" type="body"/>
@@ -12574,7 +12693,7 @@
       </p:sp>
       <p:sp>
         <p:nvSpPr>
-          <p:cNvPr id="276" name="Google Shape;276;p30"/>
+          <p:cNvPr id="277" name="Google Shape;277;p30"/>
           <p:cNvSpPr/>
           <p:nvPr/>
         </p:nvSpPr>
@@ -12617,6 +12736,54 @@
           </a:p>
         </p:txBody>
       </p:sp>
+      <p:sp>
+        <p:nvSpPr>
+          <p:cNvPr id="278" name="Google Shape;278;p30"/>
+          <p:cNvSpPr txBox="1"/>
+          <p:nvPr>
+            <p:ph idx="4294967295" type="body"/>
+          </p:nvPr>
+        </p:nvSpPr>
+        <p:spPr>
+          <a:xfrm>
+            <a:off x="742900" y="1378075"/>
+            <a:ext cx="3743400" cy="461400"/>
+          </a:xfrm>
+          <a:prstGeom prst="rect">
+            <a:avLst/>
+          </a:prstGeom>
+        </p:spPr>
+        <p:txBody>
+          <a:bodyPr anchorCtr="0" anchor="t" bIns="91425" lIns="91425" spcFirstLastPara="1" rIns="91425" wrap="square" tIns="91425">
+            <a:noAutofit/>
+          </a:bodyPr>
+          <a:lstStyle/>
+          <a:p>
+            <a:pPr indent="0" lvl="0" marL="0" rtl="0" algn="l">
+              <a:spcBef>
+                <a:spcPts val="0"/>
+              </a:spcBef>
+              <a:spcAft>
+                <a:spcPts val="0"/>
+              </a:spcAft>
+              <a:buNone/>
+            </a:pPr>
+            <a:r>
+              <a:rPr lang="en">
+                <a:solidFill>
+                  <a:schemeClr val="lt1"/>
+                </a:solidFill>
+              </a:rPr>
+              <a:t>Results</a:t>
+            </a:r>
+            <a:endParaRPr>
+              <a:solidFill>
+                <a:schemeClr val="lt1"/>
+              </a:solidFill>
+            </a:endParaRPr>
+          </a:p>
+        </p:txBody>
+      </p:sp>
     </p:spTree>
   </p:cSld>
   <p:clrMapOvr>
@@ -12630,7 +12797,7 @@
   <p:cSld>
     <p:spTree>
       <p:nvGrpSpPr>
-        <p:cNvPr id="280" name="Shape 280"/>
+        <p:cNvPr id="282" name="Shape 282"/>
         <p:cNvGrpSpPr/>
         <p:nvPr/>
       </p:nvGrpSpPr>
@@ -12644,7 +12811,7 @@
       </p:grpSpPr>
       <p:sp>
         <p:nvSpPr>
-          <p:cNvPr id="281" name="Google Shape;281;p31"/>
+          <p:cNvPr id="283" name="Google Shape;283;p31"/>
           <p:cNvSpPr txBox="1"/>
           <p:nvPr>
             <p:ph type="title"/>
@@ -12675,7 +12842,12 @@
               <a:buNone/>
             </a:pPr>
             <a:r>
-              <a:rPr lang="en"/>
+              <a:rPr lang="en" u="sng">
+                <a:solidFill>
+                  <a:schemeClr val="hlink"/>
+                </a:solidFill>
+                <a:hlinkClick r:id="rId3"/>
+              </a:rPr>
               <a:t>Creating Visualizations</a:t>
             </a:r>
             <a:endParaRPr/>
@@ -12684,14 +12856,14 @@
       </p:sp>
       <p:sp>
         <p:nvSpPr>
-          <p:cNvPr id="282" name="Google Shape;282;p31"/>
+          <p:cNvPr id="284" name="Google Shape;284;p31"/>
           <p:cNvSpPr txBox="1"/>
           <p:nvPr/>
         </p:nvSpPr>
         <p:spPr>
           <a:xfrm>
             <a:off x="562350" y="1412750"/>
-            <a:ext cx="7159800" cy="400200"/>
+            <a:ext cx="7159800" cy="431100"/>
           </a:xfrm>
           <a:prstGeom prst="rect">
             <a:avLst/>
@@ -12717,19 +12889,9 @@
               <a:buNone/>
             </a:pPr>
             <a:r>
-              <a:rPr lang="en" u="sng">
-                <a:solidFill>
-                  <a:schemeClr val="hlink"/>
-                </a:solidFill>
-                <a:latin typeface="Roboto"/>
-                <a:ea typeface="Roboto"/>
-                <a:cs typeface="Roboto"/>
-                <a:sym typeface="Roboto"/>
-                <a:hlinkClick r:id="rId3"/>
-              </a:rPr>
-              <a:t>[[LINK TO DASHBOARD]]</a:t>
+              <a:t/>
             </a:r>
-            <a:endParaRPr>
+            <a:endParaRPr sz="1600">
               <a:latin typeface="Roboto"/>
               <a:ea typeface="Roboto"/>
               <a:cs typeface="Roboto"/>
@@ -12738,6 +12900,34 @@
           </a:p>
         </p:txBody>
       </p:sp>
+      <p:pic>
+        <p:nvPicPr>
+          <p:cNvPr id="285" name="Google Shape;285;p31"/>
+          <p:cNvPicPr preferRelativeResize="0"/>
+          <p:nvPr/>
+        </p:nvPicPr>
+        <p:blipFill>
+          <a:blip r:embed="rId4">
+            <a:alphaModFix/>
+          </a:blip>
+          <a:stretch>
+            <a:fillRect/>
+          </a:stretch>
+        </p:blipFill>
+        <p:spPr>
+          <a:xfrm>
+            <a:off x="5005225" y="1705600"/>
+            <a:ext cx="2994850" cy="2994850"/>
+          </a:xfrm>
+          <a:prstGeom prst="rect">
+            <a:avLst/>
+          </a:prstGeom>
+          <a:noFill/>
+          <a:ln>
+            <a:noFill/>
+          </a:ln>
+        </p:spPr>
+      </p:pic>
     </p:spTree>
   </p:cSld>
   <p:clrMapOvr>
@@ -12797,7 +12987,7 @@
             </a:pPr>
             <a:r>
               <a:rPr lang="en"/>
-              <a:t>COVID-19 Overview</a:t>
+              <a:t>Overview</a:t>
             </a:r>
             <a:endParaRPr/>
           </a:p>
@@ -13502,7 +13692,7 @@
   <p:cSld>
     <p:spTree>
       <p:nvGrpSpPr>
-        <p:cNvPr id="286" name="Shape 286"/>
+        <p:cNvPr id="289" name="Shape 289"/>
         <p:cNvGrpSpPr/>
         <p:nvPr/>
       </p:nvGrpSpPr>
@@ -13516,7 +13706,7 @@
       </p:grpSpPr>
       <p:sp>
         <p:nvSpPr>
-          <p:cNvPr id="287" name="Google Shape;287;p32"/>
+          <p:cNvPr id="290" name="Google Shape;290;p32"/>
           <p:cNvSpPr txBox="1"/>
           <p:nvPr>
             <p:ph type="title"/>
@@ -13556,7 +13746,7 @@
       </p:sp>
       <p:grpSp>
         <p:nvGrpSpPr>
-          <p:cNvPr id="288" name="Google Shape;288;p32"/>
+          <p:cNvPr id="291" name="Google Shape;291;p32"/>
           <p:cNvGrpSpPr/>
           <p:nvPr/>
         </p:nvGrpSpPr>
@@ -13570,7 +13760,7 @@
         </p:grpSpPr>
         <p:sp>
           <p:nvSpPr>
-            <p:cNvPr id="289" name="Google Shape;289;p32"/>
+            <p:cNvPr id="292" name="Google Shape;292;p32"/>
             <p:cNvSpPr txBox="1"/>
             <p:nvPr/>
           </p:nvSpPr>
@@ -13613,7 +13803,7 @@
         </p:sp>
         <p:sp>
           <p:nvSpPr>
-            <p:cNvPr id="290" name="Google Shape;290;p32"/>
+            <p:cNvPr id="293" name="Google Shape;293;p32"/>
             <p:cNvSpPr/>
             <p:nvPr/>
           </p:nvSpPr>
@@ -13797,7 +13987,7 @@
   <p:cSld>
     <p:spTree>
       <p:nvGrpSpPr>
-        <p:cNvPr id="294" name="Shape 294"/>
+        <p:cNvPr id="297" name="Shape 297"/>
         <p:cNvGrpSpPr/>
         <p:nvPr/>
       </p:nvGrpSpPr>
@@ -13811,7 +14001,7 @@
       </p:grpSpPr>
       <p:sp>
         <p:nvSpPr>
-          <p:cNvPr id="295" name="Google Shape;295;p33"/>
+          <p:cNvPr id="298" name="Google Shape;298;p33"/>
           <p:cNvSpPr txBox="1"/>
           <p:nvPr>
             <p:ph type="title"/>
@@ -13855,7 +14045,7 @@
       </p:sp>
       <p:grpSp>
         <p:nvGrpSpPr>
-          <p:cNvPr id="296" name="Google Shape;296;p33"/>
+          <p:cNvPr id="299" name="Google Shape;299;p33"/>
           <p:cNvGrpSpPr/>
           <p:nvPr/>
         </p:nvGrpSpPr>
@@ -13869,7 +14059,7 @@
         </p:grpSpPr>
         <p:sp>
           <p:nvSpPr>
-            <p:cNvPr id="297" name="Google Shape;297;p33"/>
+            <p:cNvPr id="300" name="Google Shape;300;p33"/>
             <p:cNvSpPr txBox="1"/>
             <p:nvPr/>
           </p:nvSpPr>
@@ -13912,7 +14102,7 @@
         </p:sp>
         <p:sp>
           <p:nvSpPr>
-            <p:cNvPr id="298" name="Google Shape;298;p33"/>
+            <p:cNvPr id="301" name="Google Shape;301;p33"/>
             <p:cNvSpPr/>
             <p:nvPr/>
           </p:nvSpPr>
@@ -13953,13 +14143,22 @@
                 <a:buChar char="●"/>
               </a:pPr>
               <a:r>
+                <a:rPr b="1" lang="en" sz="1600">
+                  <a:latin typeface="Roboto"/>
+                  <a:ea typeface="Roboto"/>
+                  <a:cs typeface="Roboto"/>
+                  <a:sym typeface="Roboto"/>
+                </a:rPr>
+                <a:t>Time and Resources</a:t>
+              </a:r>
+              <a:r>
                 <a:rPr lang="en" sz="1600">
                   <a:latin typeface="Roboto"/>
                   <a:ea typeface="Roboto"/>
                   <a:cs typeface="Roboto"/>
                   <a:sym typeface="Roboto"/>
                 </a:rPr>
-                <a:t>XXXXXXXXXXXXXXXXXXXXXXXXXXX</a:t>
+                <a:t> </a:t>
               </a:r>
               <a:endParaRPr sz="1600">
                 <a:latin typeface="Roboto"/>
@@ -13987,7 +14186,7 @@
                   <a:cs typeface="Roboto"/>
                   <a:sym typeface="Roboto"/>
                 </a:rPr>
-                <a:t>XXXXXXXXXXXXXXXXXXXXX</a:t>
+                <a:t>Unable to use models to predict deaths relating to COVID-19</a:t>
               </a:r>
               <a:endParaRPr sz="1600">
                 <a:latin typeface="Roboto"/>
@@ -14015,35 +14214,7 @@
                   <a:cs typeface="Roboto"/>
                   <a:sym typeface="Roboto"/>
                 </a:rPr>
-                <a:t>XXXXXXXXXXXXXXXXXXXXXXX</a:t>
-              </a:r>
-              <a:endParaRPr sz="1600">
-                <a:latin typeface="Roboto"/>
-                <a:ea typeface="Roboto"/>
-                <a:cs typeface="Roboto"/>
-                <a:sym typeface="Roboto"/>
-              </a:endParaRPr>
-            </a:p>
-            <a:p>
-              <a:pPr indent="-330200" lvl="0" marL="457200" rtl="0" algn="l">
-                <a:spcBef>
-                  <a:spcPts val="1000"/>
-                </a:spcBef>
-                <a:spcAft>
-                  <a:spcPts val="0"/>
-                </a:spcAft>
-                <a:buSzPts val="1600"/>
-                <a:buFont typeface="Roboto"/>
-                <a:buChar char="●"/>
-              </a:pPr>
-              <a:r>
-                <a:rPr lang="en" sz="1600">
-                  <a:latin typeface="Roboto"/>
-                  <a:ea typeface="Roboto"/>
-                  <a:cs typeface="Roboto"/>
-                  <a:sym typeface="Roboto"/>
-                </a:rPr>
-                <a:t>XXXXXXXXXXXXXXXXXXXXXXXXXXXX</a:t>
+                <a:t>Unable to predict the number of cases and deaths in future populations</a:t>
               </a:r>
               <a:endParaRPr sz="1600">
                 <a:latin typeface="Roboto"/>
@@ -14085,7 +14256,7 @@
       </p:grpSp>
       <p:sp>
         <p:nvSpPr>
-          <p:cNvPr id="299" name="Google Shape;299;p33"/>
+          <p:cNvPr id="302" name="Google Shape;302;p33"/>
           <p:cNvSpPr/>
           <p:nvPr/>
         </p:nvSpPr>
@@ -14199,6 +14370,54 @@
           </a:p>
         </p:txBody>
       </p:sp>
+      <p:sp>
+        <p:nvSpPr>
+          <p:cNvPr id="303" name="Google Shape;303;p33"/>
+          <p:cNvSpPr txBox="1"/>
+          <p:nvPr>
+            <p:ph idx="4294967295" type="body"/>
+          </p:nvPr>
+        </p:nvSpPr>
+        <p:spPr>
+          <a:xfrm>
+            <a:off x="401725" y="1228675"/>
+            <a:ext cx="3743400" cy="461400"/>
+          </a:xfrm>
+          <a:prstGeom prst="rect">
+            <a:avLst/>
+          </a:prstGeom>
+        </p:spPr>
+        <p:txBody>
+          <a:bodyPr anchorCtr="0" anchor="t" bIns="91425" lIns="91425" spcFirstLastPara="1" rIns="91425" wrap="square" tIns="91425">
+            <a:noAutofit/>
+          </a:bodyPr>
+          <a:lstStyle/>
+          <a:p>
+            <a:pPr indent="0" lvl="0" marL="0" rtl="0" algn="l">
+              <a:spcBef>
+                <a:spcPts val="0"/>
+              </a:spcBef>
+              <a:spcAft>
+                <a:spcPts val="0"/>
+              </a:spcAft>
+              <a:buNone/>
+            </a:pPr>
+            <a:r>
+              <a:rPr lang="en">
+                <a:solidFill>
+                  <a:schemeClr val="lt1"/>
+                </a:solidFill>
+              </a:rPr>
+              <a:t>Limitations</a:t>
+            </a:r>
+            <a:endParaRPr>
+              <a:solidFill>
+                <a:schemeClr val="lt1"/>
+              </a:solidFill>
+            </a:endParaRPr>
+          </a:p>
+        </p:txBody>
+      </p:sp>
     </p:spTree>
   </p:cSld>
   <p:clrMapOvr>
@@ -14212,7 +14431,7 @@
   <p:cSld>
     <p:spTree>
       <p:nvGrpSpPr>
-        <p:cNvPr id="303" name="Shape 303"/>
+        <p:cNvPr id="307" name="Shape 307"/>
         <p:cNvGrpSpPr/>
         <p:nvPr/>
       </p:nvGrpSpPr>
@@ -14226,7 +14445,7 @@
       </p:grpSpPr>
       <p:sp>
         <p:nvSpPr>
-          <p:cNvPr id="304" name="Google Shape;304;p34"/>
+          <p:cNvPr id="308" name="Google Shape;308;p34"/>
           <p:cNvSpPr txBox="1"/>
           <p:nvPr>
             <p:ph type="title"/>
@@ -14351,7 +14570,7 @@
       </p:sp>
       <p:grpSp>
         <p:nvGrpSpPr>
-          <p:cNvPr id="305" name="Google Shape;305;p34"/>
+          <p:cNvPr id="309" name="Google Shape;309;p34"/>
           <p:cNvGrpSpPr/>
           <p:nvPr/>
         </p:nvGrpSpPr>
@@ -14365,7 +14584,7 @@
         </p:grpSpPr>
         <p:sp>
           <p:nvSpPr>
-            <p:cNvPr id="306" name="Google Shape;306;p34"/>
+            <p:cNvPr id="310" name="Google Shape;310;p34"/>
             <p:cNvSpPr/>
             <p:nvPr/>
           </p:nvSpPr>
@@ -14411,7 +14630,7 @@
         </p:sp>
         <p:sp>
           <p:nvSpPr>
-            <p:cNvPr id="307" name="Google Shape;307;p34"/>
+            <p:cNvPr id="311" name="Google Shape;311;p34"/>
             <p:cNvSpPr txBox="1"/>
             <p:nvPr/>
           </p:nvSpPr>
@@ -14469,7 +14688,7 @@
         </p:sp>
         <p:sp>
           <p:nvSpPr>
-            <p:cNvPr id="308" name="Google Shape;308;p34"/>
+            <p:cNvPr id="312" name="Google Shape;312;p34"/>
             <p:cNvSpPr txBox="1"/>
             <p:nvPr/>
           </p:nvSpPr>
@@ -14531,7 +14750,7 @@
       </p:grpSp>
       <p:grpSp>
         <p:nvGrpSpPr>
-          <p:cNvPr id="309" name="Google Shape;309;p34"/>
+          <p:cNvPr id="313" name="Google Shape;313;p34"/>
           <p:cNvGrpSpPr/>
           <p:nvPr/>
         </p:nvGrpSpPr>
@@ -14545,7 +14764,7 @@
         </p:grpSpPr>
         <p:sp>
           <p:nvSpPr>
-            <p:cNvPr id="310" name="Google Shape;310;p34"/>
+            <p:cNvPr id="314" name="Google Shape;314;p34"/>
             <p:cNvSpPr/>
             <p:nvPr/>
           </p:nvSpPr>
@@ -14591,7 +14810,7 @@
         </p:sp>
         <p:sp>
           <p:nvSpPr>
-            <p:cNvPr id="311" name="Google Shape;311;p34"/>
+            <p:cNvPr id="315" name="Google Shape;315;p34"/>
             <p:cNvSpPr txBox="1"/>
             <p:nvPr/>
           </p:nvSpPr>
@@ -14649,7 +14868,7 @@
         </p:sp>
         <p:sp>
           <p:nvSpPr>
-            <p:cNvPr id="312" name="Google Shape;312;p34"/>
+            <p:cNvPr id="316" name="Google Shape;316;p34"/>
             <p:cNvSpPr txBox="1"/>
             <p:nvPr/>
           </p:nvSpPr>
@@ -14711,7 +14930,7 @@
       </p:grpSp>
       <p:grpSp>
         <p:nvGrpSpPr>
-          <p:cNvPr id="313" name="Google Shape;313;p34"/>
+          <p:cNvPr id="317" name="Google Shape;317;p34"/>
           <p:cNvGrpSpPr/>
           <p:nvPr/>
         </p:nvGrpSpPr>
@@ -14725,7 +14944,7 @@
         </p:grpSpPr>
         <p:sp>
           <p:nvSpPr>
-            <p:cNvPr id="314" name="Google Shape;314;p34"/>
+            <p:cNvPr id="318" name="Google Shape;318;p34"/>
             <p:cNvSpPr/>
             <p:nvPr/>
           </p:nvSpPr>
@@ -14816,7 +15035,7 @@
         </p:sp>
         <p:sp>
           <p:nvSpPr>
-            <p:cNvPr id="315" name="Google Shape;315;p34"/>
+            <p:cNvPr id="319" name="Google Shape;319;p34"/>
             <p:cNvSpPr txBox="1"/>
             <p:nvPr/>
           </p:nvSpPr>
@@ -14886,7 +15105,7 @@
         </p:sp>
         <p:sp>
           <p:nvSpPr>
-            <p:cNvPr id="316" name="Google Shape;316;p34"/>
+            <p:cNvPr id="320" name="Google Shape;320;p34"/>
             <p:cNvSpPr txBox="1"/>
             <p:nvPr/>
           </p:nvSpPr>
@@ -14959,7 +15178,7 @@
   <p:cSld>
     <p:spTree>
       <p:nvGrpSpPr>
-        <p:cNvPr id="320" name="Shape 320"/>
+        <p:cNvPr id="324" name="Shape 324"/>
         <p:cNvGrpSpPr/>
         <p:nvPr/>
       </p:nvGrpSpPr>
@@ -14973,7 +15192,7 @@
       </p:grpSpPr>
       <p:grpSp>
         <p:nvGrpSpPr>
-          <p:cNvPr id="321" name="Google Shape;321;p35"/>
+          <p:cNvPr id="325" name="Google Shape;325;p35"/>
           <p:cNvGrpSpPr/>
           <p:nvPr/>
         </p:nvGrpSpPr>
@@ -14987,7 +15206,7 @@
         </p:grpSpPr>
         <p:cxnSp>
           <p:nvCxnSpPr>
-            <p:cNvPr id="322" name="Google Shape;322;p35"/>
+            <p:cNvPr id="326" name="Google Shape;326;p35"/>
             <p:cNvCxnSpPr/>
             <p:nvPr/>
           </p:nvCxnSpPr>
@@ -15013,7 +15232,7 @@
         </p:cxnSp>
         <p:cxnSp>
           <p:nvCxnSpPr>
-            <p:cNvPr id="323" name="Google Shape;323;p35"/>
+            <p:cNvPr id="327" name="Google Shape;327;p35"/>
             <p:cNvCxnSpPr/>
             <p:nvPr/>
           </p:nvCxnSpPr>
@@ -15039,7 +15258,7 @@
         </p:cxnSp>
         <p:cxnSp>
           <p:nvCxnSpPr>
-            <p:cNvPr id="324" name="Google Shape;324;p35"/>
+            <p:cNvPr id="328" name="Google Shape;328;p35"/>
             <p:cNvCxnSpPr/>
             <p:nvPr/>
           </p:nvCxnSpPr>
@@ -15065,7 +15284,7 @@
         </p:cxnSp>
         <p:cxnSp>
           <p:nvCxnSpPr>
-            <p:cNvPr id="325" name="Google Shape;325;p35"/>
+            <p:cNvPr id="329" name="Google Shape;329;p35"/>
             <p:cNvCxnSpPr/>
             <p:nvPr/>
           </p:nvCxnSpPr>
@@ -15091,7 +15310,7 @@
         </p:cxnSp>
         <p:cxnSp>
           <p:nvCxnSpPr>
-            <p:cNvPr id="326" name="Google Shape;326;p35"/>
+            <p:cNvPr id="330" name="Google Shape;330;p35"/>
             <p:cNvCxnSpPr/>
             <p:nvPr/>
           </p:nvCxnSpPr>
@@ -15117,7 +15336,7 @@
         </p:cxnSp>
         <p:cxnSp>
           <p:nvCxnSpPr>
-            <p:cNvPr id="327" name="Google Shape;327;p35"/>
+            <p:cNvPr id="331" name="Google Shape;331;p35"/>
             <p:cNvCxnSpPr/>
             <p:nvPr/>
           </p:nvCxnSpPr>
@@ -15143,7 +15362,7 @@
         </p:cxnSp>
         <p:cxnSp>
           <p:nvCxnSpPr>
-            <p:cNvPr id="328" name="Google Shape;328;p35"/>
+            <p:cNvPr id="332" name="Google Shape;332;p35"/>
             <p:cNvCxnSpPr/>
             <p:nvPr/>
           </p:nvCxnSpPr>
@@ -15169,7 +15388,7 @@
         </p:cxnSp>
         <p:cxnSp>
           <p:nvCxnSpPr>
-            <p:cNvPr id="329" name="Google Shape;329;p35"/>
+            <p:cNvPr id="333" name="Google Shape;333;p35"/>
             <p:cNvCxnSpPr/>
             <p:nvPr/>
           </p:nvCxnSpPr>
@@ -15195,7 +15414,7 @@
         </p:cxnSp>
         <p:cxnSp>
           <p:nvCxnSpPr>
-            <p:cNvPr id="330" name="Google Shape;330;p35"/>
+            <p:cNvPr id="334" name="Google Shape;334;p35"/>
             <p:cNvCxnSpPr/>
             <p:nvPr/>
           </p:nvCxnSpPr>
@@ -15221,7 +15440,7 @@
         </p:cxnSp>
         <p:cxnSp>
           <p:nvCxnSpPr>
-            <p:cNvPr id="331" name="Google Shape;331;p35"/>
+            <p:cNvPr id="335" name="Google Shape;335;p35"/>
             <p:cNvCxnSpPr/>
             <p:nvPr/>
           </p:nvCxnSpPr>
@@ -15248,7 +15467,7 @@
       </p:grpSp>
       <p:sp>
         <p:nvSpPr>
-          <p:cNvPr id="332" name="Google Shape;332;p35"/>
+          <p:cNvPr id="336" name="Google Shape;336;p35"/>
           <p:cNvSpPr txBox="1"/>
           <p:nvPr>
             <p:ph type="title"/>
@@ -15288,7 +15507,7 @@
       </p:sp>
       <p:grpSp>
         <p:nvGrpSpPr>
-          <p:cNvPr id="333" name="Google Shape;333;p35"/>
+          <p:cNvPr id="337" name="Google Shape;337;p35"/>
           <p:cNvGrpSpPr/>
           <p:nvPr/>
         </p:nvGrpSpPr>
@@ -15302,7 +15521,7 @@
         </p:grpSpPr>
         <p:sp>
           <p:nvSpPr>
-            <p:cNvPr id="334" name="Google Shape;334;p35"/>
+            <p:cNvPr id="338" name="Google Shape;338;p35"/>
             <p:cNvSpPr/>
             <p:nvPr/>
           </p:nvSpPr>
@@ -15380,7 +15599,7 @@
         </p:sp>
         <p:sp>
           <p:nvSpPr>
-            <p:cNvPr id="335" name="Google Shape;335;p35"/>
+            <p:cNvPr id="339" name="Google Shape;339;p35"/>
             <p:cNvSpPr/>
             <p:nvPr/>
           </p:nvSpPr>
@@ -15429,7 +15648,7 @@
         </p:sp>
         <p:sp>
           <p:nvSpPr>
-            <p:cNvPr id="336" name="Google Shape;336;p35"/>
+            <p:cNvPr id="340" name="Google Shape;340;p35"/>
             <p:cNvSpPr/>
             <p:nvPr/>
           </p:nvSpPr>
@@ -15478,7 +15697,7 @@
         </p:sp>
         <p:sp>
           <p:nvSpPr>
-            <p:cNvPr id="337" name="Google Shape;337;p35"/>
+            <p:cNvPr id="341" name="Google Shape;341;p35"/>
             <p:cNvSpPr/>
             <p:nvPr/>
           </p:nvSpPr>
@@ -15527,7 +15746,7 @@
         </p:sp>
         <p:sp>
           <p:nvSpPr>
-            <p:cNvPr id="338" name="Google Shape;338;p35"/>
+            <p:cNvPr id="342" name="Google Shape;342;p35"/>
             <p:cNvSpPr/>
             <p:nvPr/>
           </p:nvSpPr>
@@ -15576,7 +15795,7 @@
         </p:sp>
         <p:sp>
           <p:nvSpPr>
-            <p:cNvPr id="339" name="Google Shape;339;p35"/>
+            <p:cNvPr id="343" name="Google Shape;343;p35"/>
             <p:cNvSpPr/>
             <p:nvPr/>
           </p:nvSpPr>
@@ -15625,7 +15844,7 @@
         </p:sp>
         <p:sp>
           <p:nvSpPr>
-            <p:cNvPr id="340" name="Google Shape;340;p35"/>
+            <p:cNvPr id="344" name="Google Shape;344;p35"/>
             <p:cNvSpPr/>
             <p:nvPr/>
           </p:nvSpPr>
@@ -15674,7 +15893,7 @@
         </p:sp>
         <p:sp>
           <p:nvSpPr>
-            <p:cNvPr id="341" name="Google Shape;341;p35"/>
+            <p:cNvPr id="345" name="Google Shape;345;p35"/>
             <p:cNvSpPr/>
             <p:nvPr/>
           </p:nvSpPr>
@@ -15723,7 +15942,7 @@
         </p:sp>
         <p:sp>
           <p:nvSpPr>
-            <p:cNvPr id="342" name="Google Shape;342;p35"/>
+            <p:cNvPr id="346" name="Google Shape;346;p35"/>
             <p:cNvSpPr/>
             <p:nvPr/>
           </p:nvSpPr>
@@ -15773,7 +15992,7 @@
       </p:grpSp>
       <p:grpSp>
         <p:nvGrpSpPr>
-          <p:cNvPr id="343" name="Google Shape;343;p35"/>
+          <p:cNvPr id="347" name="Google Shape;347;p35"/>
           <p:cNvGrpSpPr/>
           <p:nvPr/>
         </p:nvGrpSpPr>
@@ -15787,7 +16006,7 @@
         </p:grpSpPr>
         <p:sp>
           <p:nvSpPr>
-            <p:cNvPr id="344" name="Google Shape;344;p35"/>
+            <p:cNvPr id="348" name="Google Shape;348;p35"/>
             <p:cNvSpPr/>
             <p:nvPr/>
           </p:nvSpPr>
@@ -15865,7 +16084,7 @@
         </p:sp>
         <p:sp>
           <p:nvSpPr>
-            <p:cNvPr id="345" name="Google Shape;345;p35"/>
+            <p:cNvPr id="349" name="Google Shape;349;p35"/>
             <p:cNvSpPr/>
             <p:nvPr/>
           </p:nvSpPr>
@@ -15914,7 +16133,7 @@
         </p:sp>
         <p:sp>
           <p:nvSpPr>
-            <p:cNvPr id="346" name="Google Shape;346;p35"/>
+            <p:cNvPr id="350" name="Google Shape;350;p35"/>
             <p:cNvSpPr/>
             <p:nvPr/>
           </p:nvSpPr>
@@ -15963,7 +16182,7 @@
         </p:sp>
         <p:sp>
           <p:nvSpPr>
-            <p:cNvPr id="347" name="Google Shape;347;p35"/>
+            <p:cNvPr id="351" name="Google Shape;351;p35"/>
             <p:cNvSpPr/>
             <p:nvPr/>
           </p:nvSpPr>
@@ -16012,7 +16231,7 @@
         </p:sp>
         <p:sp>
           <p:nvSpPr>
-            <p:cNvPr id="348" name="Google Shape;348;p35"/>
+            <p:cNvPr id="352" name="Google Shape;352;p35"/>
             <p:cNvSpPr/>
             <p:nvPr/>
           </p:nvSpPr>
@@ -16061,7 +16280,7 @@
         </p:sp>
         <p:sp>
           <p:nvSpPr>
-            <p:cNvPr id="349" name="Google Shape;349;p35"/>
+            <p:cNvPr id="353" name="Google Shape;353;p35"/>
             <p:cNvSpPr/>
             <p:nvPr/>
           </p:nvSpPr>
@@ -16110,7 +16329,7 @@
         </p:sp>
         <p:sp>
           <p:nvSpPr>
-            <p:cNvPr id="350" name="Google Shape;350;p35"/>
+            <p:cNvPr id="354" name="Google Shape;354;p35"/>
             <p:cNvSpPr/>
             <p:nvPr/>
           </p:nvSpPr>
@@ -16159,7 +16378,7 @@
         </p:sp>
         <p:sp>
           <p:nvSpPr>
-            <p:cNvPr id="351" name="Google Shape;351;p35"/>
+            <p:cNvPr id="355" name="Google Shape;355;p35"/>
             <p:cNvSpPr/>
             <p:nvPr/>
           </p:nvSpPr>
@@ -16208,7 +16427,7 @@
         </p:sp>
         <p:sp>
           <p:nvSpPr>
-            <p:cNvPr id="352" name="Google Shape;352;p35"/>
+            <p:cNvPr id="356" name="Google Shape;356;p35"/>
             <p:cNvSpPr/>
             <p:nvPr/>
           </p:nvSpPr>
@@ -16258,7 +16477,7 @@
       </p:grpSp>
       <p:sp>
         <p:nvSpPr>
-          <p:cNvPr id="353" name="Google Shape;353;p35"/>
+          <p:cNvPr id="357" name="Google Shape;357;p35"/>
           <p:cNvSpPr txBox="1"/>
           <p:nvPr>
             <p:ph idx="2" type="body"/>
@@ -16317,7 +16536,7 @@
   <p:cSld>
     <p:spTree>
       <p:nvGrpSpPr>
-        <p:cNvPr id="357" name="Shape 357"/>
+        <p:cNvPr id="361" name="Shape 361"/>
         <p:cNvGrpSpPr/>
         <p:nvPr/>
       </p:nvGrpSpPr>
@@ -16331,7 +16550,7 @@
       </p:grpSpPr>
       <p:sp>
         <p:nvSpPr>
-          <p:cNvPr id="358" name="Google Shape;358;p36"/>
+          <p:cNvPr id="362" name="Google Shape;362;p36"/>
           <p:cNvSpPr txBox="1"/>
           <p:nvPr/>
         </p:nvSpPr>
@@ -16622,7 +16841,7 @@
       </p:sp>
       <p:sp>
         <p:nvSpPr>
-          <p:cNvPr id="359" name="Google Shape;359;p36"/>
+          <p:cNvPr id="363" name="Google Shape;363;p36"/>
           <p:cNvSpPr txBox="1"/>
           <p:nvPr>
             <p:ph idx="4294967295" type="title"/>
@@ -17375,7 +17594,7 @@
                   <a:srgbClr val="FFFFFF"/>
                 </a:highlight>
               </a:rPr>
-              <a:t> at </a:t>
+              <a:t> on OWID’s GitHub </a:t>
             </a:r>
             <a:r>
               <a:rPr lang="en" sz="1400" u="sng">
@@ -17631,7 +17850,7 @@
                   <a:schemeClr val="lt1"/>
                 </a:highlight>
               </a:rPr>
-              <a:t> including country, COVID-19 cases, COVID-19 deaths, vaccinations, population, and several other factors in reference to the COVID-19 pandemic</a:t>
+              <a:t> including country, COVID-19 cases, COVID-19 deaths, vaccinations, population, and several other socioeconomic factors </a:t>
             </a:r>
             <a:endParaRPr sz="1400">
               <a:solidFill>
@@ -18107,7 +18326,7 @@
                 <a:cs typeface="Roboto"/>
                 <a:sym typeface="Roboto"/>
               </a:rPr>
-              <a:t>Compare the accuracy of predicting new cases with regression and </a:t>
+              <a:t>Compare the accuracy of predicting new cases with a regression model and </a:t>
             </a:r>
             <a:r>
               <a:rPr lang="en">
@@ -21162,6 +21381,285 @@
 </file>
 
 <file path=ppt/theme/theme1.xml><?xml version="1.0" encoding="utf-8"?>
+<a:theme xmlns:a="http://schemas.openxmlformats.org/drawingml/2006/main" xmlns:r="http://schemas.openxmlformats.org/officeDocument/2006/relationships" name="Geometric">
+  <a:themeElements>
+    <a:clrScheme name="Geometric">
+      <a:dk1>
+        <a:srgbClr val="2A3990"/>
+      </a:dk1>
+      <a:lt1>
+        <a:srgbClr val="FFFFFF"/>
+      </a:lt1>
+      <a:dk2>
+        <a:srgbClr val="434343"/>
+      </a:dk2>
+      <a:lt2>
+        <a:srgbClr val="999999"/>
+      </a:lt2>
+      <a:accent1>
+        <a:srgbClr val="212D74"/>
+      </a:accent1>
+      <a:accent2>
+        <a:srgbClr val="3949AB"/>
+      </a:accent2>
+      <a:accent3>
+        <a:srgbClr val="9C254D"/>
+      </a:accent3>
+      <a:accent4>
+        <a:srgbClr val="D23369"/>
+      </a:accent4>
+      <a:accent5>
+        <a:srgbClr val="F06292"/>
+      </a:accent5>
+      <a:accent6>
+        <a:srgbClr val="7890CD"/>
+      </a:accent6>
+      <a:hlink>
+        <a:srgbClr val="F06292"/>
+      </a:hlink>
+      <a:folHlink>
+        <a:srgbClr val="F06292"/>
+      </a:folHlink>
+    </a:clrScheme>
+    <a:fontScheme name="Office">
+      <a:majorFont>
+        <a:latin typeface="Arial"/>
+        <a:ea typeface=""/>
+        <a:cs typeface=""/>
+        <a:font script="Jpan" typeface="ＭＳ Ｐゴシック"/>
+        <a:font script="Hang" typeface="맑은 고딕"/>
+        <a:font script="Hans" typeface="宋体"/>
+        <a:font script="Hant" typeface="新細明體"/>
+        <a:font script="Arab" typeface="Times New Roman"/>
+        <a:font script="Hebr" typeface="Times New Roman"/>
+        <a:font script="Thai" typeface="Angsana New"/>
+        <a:font script="Ethi" typeface="Nyala"/>
+        <a:font script="Beng" typeface="Vrinda"/>
+        <a:font script="Gujr" typeface="Shruti"/>
+        <a:font script="Khmr" typeface="MoolBoran"/>
+        <a:font script="Knda" typeface="Tunga"/>
+        <a:font script="Guru" typeface="Raavi"/>
+        <a:font script="Cans" typeface="Euphemia"/>
+        <a:font script="Cher" typeface="Plantagenet Cherokee"/>
+        <a:font script="Yiii" typeface="Microsoft Yi Baiti"/>
+        <a:font script="Tibt" typeface="Microsoft Himalaya"/>
+        <a:font script="Thaa" typeface="MV Boli"/>
+        <a:font script="Deva" typeface="Mangal"/>
+        <a:font script="Telu" typeface="Gautami"/>
+        <a:font script="Taml" typeface="Latha"/>
+        <a:font script="Syrc" typeface="Estrangelo Edessa"/>
+        <a:font script="Orya" typeface="Kalinga"/>
+        <a:font script="Mlym" typeface="Kartika"/>
+        <a:font script="Laoo" typeface="DokChampa"/>
+        <a:font script="Sinh" typeface="Iskoola Pota"/>
+        <a:font script="Mong" typeface="Mongolian Baiti"/>
+        <a:font script="Viet" typeface="Times New Roman"/>
+        <a:font script="Uigh" typeface="Microsoft Uighur"/>
+        <a:font script="Geor" typeface="Sylfaen"/>
+      </a:majorFont>
+      <a:minorFont>
+        <a:latin typeface="Arial"/>
+        <a:ea typeface=""/>
+        <a:cs typeface=""/>
+        <a:font script="Jpan" typeface="ＭＳ Ｐゴシック"/>
+        <a:font script="Hang" typeface="맑은 고딕"/>
+        <a:font script="Hans" typeface="宋体"/>
+        <a:font script="Hant" typeface="新細明體"/>
+        <a:font script="Arab" typeface="Arial"/>
+        <a:font script="Hebr" typeface="Arial"/>
+        <a:font script="Thai" typeface="Cordia New"/>
+        <a:font script="Ethi" typeface="Nyala"/>
+        <a:font script="Beng" typeface="Vrinda"/>
+        <a:font script="Gujr" typeface="Shruti"/>
+        <a:font script="Khmr" typeface="DaunPenh"/>
+        <a:font script="Knda" typeface="Tunga"/>
+        <a:font script="Guru" typeface="Raavi"/>
+        <a:font script="Cans" typeface="Euphemia"/>
+        <a:font script="Cher" typeface="Plantagenet Cherokee"/>
+        <a:font script="Yiii" typeface="Microsoft Yi Baiti"/>
+        <a:font script="Tibt" typeface="Microsoft Himalaya"/>
+        <a:font script="Thaa" typeface="MV Boli"/>
+        <a:font script="Deva" typeface="Mangal"/>
+        <a:font script="Telu" typeface="Gautami"/>
+        <a:font script="Taml" typeface="Latha"/>
+        <a:font script="Syrc" typeface="Estrangelo Edessa"/>
+        <a:font script="Orya" typeface="Kalinga"/>
+        <a:font script="Mlym" typeface="Kartika"/>
+        <a:font script="Laoo" typeface="DokChampa"/>
+        <a:font script="Sinh" typeface="Iskoola Pota"/>
+        <a:font script="Mong" typeface="Mongolian Baiti"/>
+        <a:font script="Viet" typeface="Arial"/>
+        <a:font script="Uigh" typeface="Microsoft Uighur"/>
+        <a:font script="Geor" typeface="Sylfaen"/>
+      </a:minorFont>
+    </a:fontScheme>
+    <a:fmtScheme name="Office">
+      <a:fillStyleLst>
+        <a:solidFill>
+          <a:schemeClr val="phClr"/>
+        </a:solidFill>
+        <a:gradFill rotWithShape="1">
+          <a:gsLst>
+            <a:gs pos="0">
+              <a:schemeClr val="phClr">
+                <a:tint val="50000"/>
+                <a:satMod val="300000"/>
+              </a:schemeClr>
+            </a:gs>
+            <a:gs pos="35000">
+              <a:schemeClr val="phClr">
+                <a:tint val="37000"/>
+                <a:satMod val="300000"/>
+              </a:schemeClr>
+            </a:gs>
+            <a:gs pos="100000">
+              <a:schemeClr val="phClr">
+                <a:tint val="15000"/>
+                <a:satMod val="350000"/>
+              </a:schemeClr>
+            </a:gs>
+          </a:gsLst>
+          <a:lin ang="16200000" scaled="1"/>
+        </a:gradFill>
+        <a:gradFill rotWithShape="1">
+          <a:gsLst>
+            <a:gs pos="0">
+              <a:schemeClr val="phClr">
+                <a:tint val="100000"/>
+                <a:shade val="100000"/>
+                <a:satMod val="130000"/>
+              </a:schemeClr>
+            </a:gs>
+            <a:gs pos="100000">
+              <a:schemeClr val="phClr">
+                <a:tint val="50000"/>
+                <a:shade val="100000"/>
+                <a:satMod val="350000"/>
+              </a:schemeClr>
+            </a:gs>
+          </a:gsLst>
+          <a:lin ang="16200000" scaled="0"/>
+        </a:gradFill>
+      </a:fillStyleLst>
+      <a:lnStyleLst>
+        <a:ln w="9525" cap="flat" cmpd="sng" algn="ctr">
+          <a:solidFill>
+            <a:schemeClr val="phClr">
+              <a:shade val="95000"/>
+              <a:satMod val="105000"/>
+            </a:schemeClr>
+          </a:solidFill>
+          <a:prstDash val="solid"/>
+        </a:ln>
+        <a:ln w="25400" cap="flat" cmpd="sng" algn="ctr">
+          <a:solidFill>
+            <a:schemeClr val="phClr"/>
+          </a:solidFill>
+          <a:prstDash val="solid"/>
+        </a:ln>
+        <a:ln w="38100" cap="flat" cmpd="sng" algn="ctr">
+          <a:solidFill>
+            <a:schemeClr val="phClr"/>
+          </a:solidFill>
+          <a:prstDash val="solid"/>
+        </a:ln>
+      </a:lnStyleLst>
+      <a:effectStyleLst>
+        <a:effectStyle>
+          <a:effectLst>
+            <a:outerShdw blurRad="40000" dist="20000" dir="5400000" rotWithShape="0">
+              <a:srgbClr val="000000">
+                <a:alpha val="38000"/>
+              </a:srgbClr>
+            </a:outerShdw>
+          </a:effectLst>
+        </a:effectStyle>
+        <a:effectStyle>
+          <a:effectLst>
+            <a:outerShdw blurRad="40000" dist="23000" dir="5400000" rotWithShape="0">
+              <a:srgbClr val="000000">
+                <a:alpha val="35000"/>
+              </a:srgbClr>
+            </a:outerShdw>
+          </a:effectLst>
+        </a:effectStyle>
+        <a:effectStyle>
+          <a:effectLst>
+            <a:outerShdw blurRad="40000" dist="23000" dir="5400000" rotWithShape="0">
+              <a:srgbClr val="000000">
+                <a:alpha val="35000"/>
+              </a:srgbClr>
+            </a:outerShdw>
+          </a:effectLst>
+          <a:scene3d>
+            <a:camera prst="orthographicFront">
+              <a:rot lat="0" lon="0" rev="0"/>
+            </a:camera>
+            <a:lightRig rig="threePt" dir="t">
+              <a:rot lat="0" lon="0" rev="1200000"/>
+            </a:lightRig>
+          </a:scene3d>
+          <a:sp3d>
+            <a:bevelT w="63500" h="25400"/>
+          </a:sp3d>
+        </a:effectStyle>
+      </a:effectStyleLst>
+      <a:bgFillStyleLst>
+        <a:solidFill>
+          <a:schemeClr val="phClr"/>
+        </a:solidFill>
+        <a:gradFill rotWithShape="1">
+          <a:gsLst>
+            <a:gs pos="0">
+              <a:schemeClr val="phClr">
+                <a:tint val="40000"/>
+                <a:satMod val="350000"/>
+              </a:schemeClr>
+            </a:gs>
+            <a:gs pos="40000">
+              <a:schemeClr val="phClr">
+                <a:tint val="45000"/>
+                <a:shade val="99000"/>
+                <a:satMod val="350000"/>
+              </a:schemeClr>
+            </a:gs>
+            <a:gs pos="100000">
+              <a:schemeClr val="phClr">
+                <a:shade val="20000"/>
+                <a:satMod val="255000"/>
+              </a:schemeClr>
+            </a:gs>
+          </a:gsLst>
+          <a:path path="circle">
+            <a:fillToRect l="50000" t="-80000" r="50000" b="180000"/>
+          </a:path>
+        </a:gradFill>
+        <a:gradFill rotWithShape="1">
+          <a:gsLst>
+            <a:gs pos="0">
+              <a:schemeClr val="phClr">
+                <a:tint val="80000"/>
+                <a:satMod val="300000"/>
+              </a:schemeClr>
+            </a:gs>
+            <a:gs pos="100000">
+              <a:schemeClr val="phClr">
+                <a:shade val="30000"/>
+                <a:satMod val="200000"/>
+              </a:schemeClr>
+            </a:gs>
+          </a:gsLst>
+          <a:path path="circle">
+            <a:fillToRect l="50000" t="50000" r="50000" b="50000"/>
+          </a:path>
+        </a:gradFill>
+      </a:bgFillStyleLst>
+    </a:fmtScheme>
+  </a:themeElements>
+</a:theme>
+</file>
+
+<file path=ppt/theme/theme2.xml><?xml version="1.0" encoding="utf-8"?>
 <a:theme xmlns:a="http://schemas.openxmlformats.org/drawingml/2006/main" xmlns:r="http://schemas.openxmlformats.org/officeDocument/2006/relationships">
   <a:themeElements>
     <a:clrScheme name="Default">
@@ -21438,283 +21936,4 @@
     </a:fmtScheme>
   </a:themeElements>
 </a:theme>
-</file>
-
-<file path=ppt/theme/theme2.xml><?xml version="1.0" encoding="utf-8"?>
-<a:theme xmlns:a="http://schemas.openxmlformats.org/drawingml/2006/main" xmlns:r="http://schemas.openxmlformats.org/officeDocument/2006/relationships" name="Geometric">
-  <a:themeElements>
-    <a:clrScheme name="Geometric">
-      <a:dk1>
-        <a:srgbClr val="2A3990"/>
-      </a:dk1>
-      <a:lt1>
-        <a:srgbClr val="FFFFFF"/>
-      </a:lt1>
-      <a:dk2>
-        <a:srgbClr val="434343"/>
-      </a:dk2>
-      <a:lt2>
-        <a:srgbClr val="999999"/>
-      </a:lt2>
-      <a:accent1>
-        <a:srgbClr val="212D74"/>
-      </a:accent1>
-      <a:accent2>
-        <a:srgbClr val="3949AB"/>
-      </a:accent2>
-      <a:accent3>
-        <a:srgbClr val="9C254D"/>
-      </a:accent3>
-      <a:accent4>
-        <a:srgbClr val="D23369"/>
-      </a:accent4>
-      <a:accent5>
-        <a:srgbClr val="F06292"/>
-      </a:accent5>
-      <a:accent6>
-        <a:srgbClr val="7890CD"/>
-      </a:accent6>
-      <a:hlink>
-        <a:srgbClr val="F06292"/>
-      </a:hlink>
-      <a:folHlink>
-        <a:srgbClr val="F06292"/>
-      </a:folHlink>
-    </a:clrScheme>
-    <a:fontScheme name="Office">
-      <a:majorFont>
-        <a:latin typeface="Arial"/>
-        <a:ea typeface=""/>
-        <a:cs typeface=""/>
-        <a:font script="Jpan" typeface="ＭＳ Ｐゴシック"/>
-        <a:font script="Hang" typeface="맑은 고딕"/>
-        <a:font script="Hans" typeface="宋体"/>
-        <a:font script="Hant" typeface="新細明體"/>
-        <a:font script="Arab" typeface="Times New Roman"/>
-        <a:font script="Hebr" typeface="Times New Roman"/>
-        <a:font script="Thai" typeface="Angsana New"/>
-        <a:font script="Ethi" typeface="Nyala"/>
-        <a:font script="Beng" typeface="Vrinda"/>
-        <a:font script="Gujr" typeface="Shruti"/>
-        <a:font script="Khmr" typeface="MoolBoran"/>
-        <a:font script="Knda" typeface="Tunga"/>
-        <a:font script="Guru" typeface="Raavi"/>
-        <a:font script="Cans" typeface="Euphemia"/>
-        <a:font script="Cher" typeface="Plantagenet Cherokee"/>
-        <a:font script="Yiii" typeface="Microsoft Yi Baiti"/>
-        <a:font script="Tibt" typeface="Microsoft Himalaya"/>
-        <a:font script="Thaa" typeface="MV Boli"/>
-        <a:font script="Deva" typeface="Mangal"/>
-        <a:font script="Telu" typeface="Gautami"/>
-        <a:font script="Taml" typeface="Latha"/>
-        <a:font script="Syrc" typeface="Estrangelo Edessa"/>
-        <a:font script="Orya" typeface="Kalinga"/>
-        <a:font script="Mlym" typeface="Kartika"/>
-        <a:font script="Laoo" typeface="DokChampa"/>
-        <a:font script="Sinh" typeface="Iskoola Pota"/>
-        <a:font script="Mong" typeface="Mongolian Baiti"/>
-        <a:font script="Viet" typeface="Times New Roman"/>
-        <a:font script="Uigh" typeface="Microsoft Uighur"/>
-        <a:font script="Geor" typeface="Sylfaen"/>
-      </a:majorFont>
-      <a:minorFont>
-        <a:latin typeface="Arial"/>
-        <a:ea typeface=""/>
-        <a:cs typeface=""/>
-        <a:font script="Jpan" typeface="ＭＳ Ｐゴシック"/>
-        <a:font script="Hang" typeface="맑은 고딕"/>
-        <a:font script="Hans" typeface="宋体"/>
-        <a:font script="Hant" typeface="新細明體"/>
-        <a:font script="Arab" typeface="Arial"/>
-        <a:font script="Hebr" typeface="Arial"/>
-        <a:font script="Thai" typeface="Cordia New"/>
-        <a:font script="Ethi" typeface="Nyala"/>
-        <a:font script="Beng" typeface="Vrinda"/>
-        <a:font script="Gujr" typeface="Shruti"/>
-        <a:font script="Khmr" typeface="DaunPenh"/>
-        <a:font script="Knda" typeface="Tunga"/>
-        <a:font script="Guru" typeface="Raavi"/>
-        <a:font script="Cans" typeface="Euphemia"/>
-        <a:font script="Cher" typeface="Plantagenet Cherokee"/>
-        <a:font script="Yiii" typeface="Microsoft Yi Baiti"/>
-        <a:font script="Tibt" typeface="Microsoft Himalaya"/>
-        <a:font script="Thaa" typeface="MV Boli"/>
-        <a:font script="Deva" typeface="Mangal"/>
-        <a:font script="Telu" typeface="Gautami"/>
-        <a:font script="Taml" typeface="Latha"/>
-        <a:font script="Syrc" typeface="Estrangelo Edessa"/>
-        <a:font script="Orya" typeface="Kalinga"/>
-        <a:font script="Mlym" typeface="Kartika"/>
-        <a:font script="Laoo" typeface="DokChampa"/>
-        <a:font script="Sinh" typeface="Iskoola Pota"/>
-        <a:font script="Mong" typeface="Mongolian Baiti"/>
-        <a:font script="Viet" typeface="Arial"/>
-        <a:font script="Uigh" typeface="Microsoft Uighur"/>
-        <a:font script="Geor" typeface="Sylfaen"/>
-      </a:minorFont>
-    </a:fontScheme>
-    <a:fmtScheme name="Office">
-      <a:fillStyleLst>
-        <a:solidFill>
-          <a:schemeClr val="phClr"/>
-        </a:solidFill>
-        <a:gradFill rotWithShape="1">
-          <a:gsLst>
-            <a:gs pos="0">
-              <a:schemeClr val="phClr">
-                <a:tint val="50000"/>
-                <a:satMod val="300000"/>
-              </a:schemeClr>
-            </a:gs>
-            <a:gs pos="35000">
-              <a:schemeClr val="phClr">
-                <a:tint val="37000"/>
-                <a:satMod val="300000"/>
-              </a:schemeClr>
-            </a:gs>
-            <a:gs pos="100000">
-              <a:schemeClr val="phClr">
-                <a:tint val="15000"/>
-                <a:satMod val="350000"/>
-              </a:schemeClr>
-            </a:gs>
-          </a:gsLst>
-          <a:lin ang="16200000" scaled="1"/>
-        </a:gradFill>
-        <a:gradFill rotWithShape="1">
-          <a:gsLst>
-            <a:gs pos="0">
-              <a:schemeClr val="phClr">
-                <a:tint val="100000"/>
-                <a:shade val="100000"/>
-                <a:satMod val="130000"/>
-              </a:schemeClr>
-            </a:gs>
-            <a:gs pos="100000">
-              <a:schemeClr val="phClr">
-                <a:tint val="50000"/>
-                <a:shade val="100000"/>
-                <a:satMod val="350000"/>
-              </a:schemeClr>
-            </a:gs>
-          </a:gsLst>
-          <a:lin ang="16200000" scaled="0"/>
-        </a:gradFill>
-      </a:fillStyleLst>
-      <a:lnStyleLst>
-        <a:ln w="9525" cap="flat" cmpd="sng" algn="ctr">
-          <a:solidFill>
-            <a:schemeClr val="phClr">
-              <a:shade val="95000"/>
-              <a:satMod val="105000"/>
-            </a:schemeClr>
-          </a:solidFill>
-          <a:prstDash val="solid"/>
-        </a:ln>
-        <a:ln w="25400" cap="flat" cmpd="sng" algn="ctr">
-          <a:solidFill>
-            <a:schemeClr val="phClr"/>
-          </a:solidFill>
-          <a:prstDash val="solid"/>
-        </a:ln>
-        <a:ln w="38100" cap="flat" cmpd="sng" algn="ctr">
-          <a:solidFill>
-            <a:schemeClr val="phClr"/>
-          </a:solidFill>
-          <a:prstDash val="solid"/>
-        </a:ln>
-      </a:lnStyleLst>
-      <a:effectStyleLst>
-        <a:effectStyle>
-          <a:effectLst>
-            <a:outerShdw blurRad="40000" dist="20000" dir="5400000" rotWithShape="0">
-              <a:srgbClr val="000000">
-                <a:alpha val="38000"/>
-              </a:srgbClr>
-            </a:outerShdw>
-          </a:effectLst>
-        </a:effectStyle>
-        <a:effectStyle>
-          <a:effectLst>
-            <a:outerShdw blurRad="40000" dist="23000" dir="5400000" rotWithShape="0">
-              <a:srgbClr val="000000">
-                <a:alpha val="35000"/>
-              </a:srgbClr>
-            </a:outerShdw>
-          </a:effectLst>
-        </a:effectStyle>
-        <a:effectStyle>
-          <a:effectLst>
-            <a:outerShdw blurRad="40000" dist="23000" dir="5400000" rotWithShape="0">
-              <a:srgbClr val="000000">
-                <a:alpha val="35000"/>
-              </a:srgbClr>
-            </a:outerShdw>
-          </a:effectLst>
-          <a:scene3d>
-            <a:camera prst="orthographicFront">
-              <a:rot lat="0" lon="0" rev="0"/>
-            </a:camera>
-            <a:lightRig rig="threePt" dir="t">
-              <a:rot lat="0" lon="0" rev="1200000"/>
-            </a:lightRig>
-          </a:scene3d>
-          <a:sp3d>
-            <a:bevelT w="63500" h="25400"/>
-          </a:sp3d>
-        </a:effectStyle>
-      </a:effectStyleLst>
-      <a:bgFillStyleLst>
-        <a:solidFill>
-          <a:schemeClr val="phClr"/>
-        </a:solidFill>
-        <a:gradFill rotWithShape="1">
-          <a:gsLst>
-            <a:gs pos="0">
-              <a:schemeClr val="phClr">
-                <a:tint val="40000"/>
-                <a:satMod val="350000"/>
-              </a:schemeClr>
-            </a:gs>
-            <a:gs pos="40000">
-              <a:schemeClr val="phClr">
-                <a:tint val="45000"/>
-                <a:shade val="99000"/>
-                <a:satMod val="350000"/>
-              </a:schemeClr>
-            </a:gs>
-            <a:gs pos="100000">
-              <a:schemeClr val="phClr">
-                <a:shade val="20000"/>
-                <a:satMod val="255000"/>
-              </a:schemeClr>
-            </a:gs>
-          </a:gsLst>
-          <a:path path="circle">
-            <a:fillToRect l="50000" t="-80000" r="50000" b="180000"/>
-          </a:path>
-        </a:gradFill>
-        <a:gradFill rotWithShape="1">
-          <a:gsLst>
-            <a:gs pos="0">
-              <a:schemeClr val="phClr">
-                <a:tint val="80000"/>
-                <a:satMod val="300000"/>
-              </a:schemeClr>
-            </a:gs>
-            <a:gs pos="100000">
-              <a:schemeClr val="phClr">
-                <a:shade val="30000"/>
-                <a:satMod val="200000"/>
-              </a:schemeClr>
-            </a:gs>
-          </a:gsLst>
-          <a:path path="circle">
-            <a:fillToRect l="50000" t="50000" r="50000" b="50000"/>
-          </a:path>
-        </a:gradFill>
-      </a:bgFillStyleLst>
-    </a:fmtScheme>
-  </a:themeElements>
-</a:theme>
 </file>
--- a/COVID-19 Analysis.pptx
+++ b/COVID-19 Analysis.pptx
@@ -2,46 +2,56 @@
 <file path=ppt/presentation.xml><?xml version="1.0" encoding="utf-8"?>
 <p:presentation xmlns:a="http://schemas.openxmlformats.org/drawingml/2006/main" xmlns:r="http://schemas.openxmlformats.org/officeDocument/2006/relationships" xmlns:mc="http://schemas.openxmlformats.org/markup-compatibility/2006" xmlns:mv="urn:schemas-microsoft-com:mac:vml" xmlns:p="http://schemas.openxmlformats.org/presentationml/2006/main" xmlns:c="http://schemas.openxmlformats.org/drawingml/2006/chart" xmlns:dgm="http://schemas.openxmlformats.org/drawingml/2006/diagram" xmlns:o="urn:schemas-microsoft-com:office:office" xmlns:v="urn:schemas-microsoft-com:vml" xmlns:pvml="urn:schemas-microsoft-com:office:powerpoint" xmlns:com="http://schemas.openxmlformats.org/drawingml/2006/compatibility" xmlns:p14="http://schemas.microsoft.com/office/powerpoint/2010/main" xmlns:p15="http://schemas.microsoft.com/office/powerpoint/2012/main" xmlns:ahyp="http://schemas.microsoft.com/office/drawing/2018/hyperlinkcolor" autoCompressPictures="0" embedTrueTypeFonts="1" strictFirstAndLastChars="0" saveSubsetFonts="1">
   <p:sldMasterIdLst>
-    <p:sldMasterId id="2147483659" r:id="rId4"/>
+    <p:sldMasterId id="2147483659" r:id="rId5"/>
   </p:sldMasterIdLst>
   <p:notesMasterIdLst>
-    <p:notesMasterId r:id="rId5"/>
+    <p:notesMasterId r:id="rId6"/>
   </p:notesMasterIdLst>
   <p:sldIdLst>
-    <p:sldId id="256" r:id="rId6"/>
-    <p:sldId id="257" r:id="rId7"/>
-    <p:sldId id="258" r:id="rId8"/>
-    <p:sldId id="259" r:id="rId9"/>
-    <p:sldId id="260" r:id="rId10"/>
-    <p:sldId id="261" r:id="rId11"/>
-    <p:sldId id="262" r:id="rId12"/>
-    <p:sldId id="263" r:id="rId13"/>
-    <p:sldId id="264" r:id="rId14"/>
-    <p:sldId id="265" r:id="rId15"/>
-    <p:sldId id="266" r:id="rId16"/>
-    <p:sldId id="267" r:id="rId17"/>
-    <p:sldId id="268" r:id="rId18"/>
-    <p:sldId id="269" r:id="rId19"/>
-    <p:sldId id="270" r:id="rId20"/>
-    <p:sldId id="271" r:id="rId21"/>
-    <p:sldId id="272" r:id="rId22"/>
-    <p:sldId id="273" r:id="rId23"/>
-    <p:sldId id="274" r:id="rId24"/>
-    <p:sldId id="275" r:id="rId25"/>
-    <p:sldId id="276" r:id="rId26"/>
-    <p:sldId id="277" r:id="rId27"/>
-    <p:sldId id="278" r:id="rId28"/>
-    <p:sldId id="279" r:id="rId29"/>
+    <p:sldId id="256" r:id="rId7"/>
+    <p:sldId id="257" r:id="rId8"/>
+    <p:sldId id="258" r:id="rId9"/>
+    <p:sldId id="259" r:id="rId10"/>
+    <p:sldId id="260" r:id="rId11"/>
+    <p:sldId id="261" r:id="rId12"/>
+    <p:sldId id="262" r:id="rId13"/>
+    <p:sldId id="263" r:id="rId14"/>
+    <p:sldId id="264" r:id="rId15"/>
+    <p:sldId id="265" r:id="rId16"/>
+    <p:sldId id="266" r:id="rId17"/>
+    <p:sldId id="267" r:id="rId18"/>
+    <p:sldId id="268" r:id="rId19"/>
+    <p:sldId id="269" r:id="rId20"/>
+    <p:sldId id="270" r:id="rId21"/>
+    <p:sldId id="271" r:id="rId22"/>
+    <p:sldId id="272" r:id="rId23"/>
+    <p:sldId id="273" r:id="rId24"/>
+    <p:sldId id="274" r:id="rId25"/>
+    <p:sldId id="275" r:id="rId26"/>
+    <p:sldId id="276" r:id="rId27"/>
+    <p:sldId id="277" r:id="rId28"/>
+    <p:sldId id="278" r:id="rId29"/>
+    <p:sldId id="279" r:id="rId30"/>
+    <p:sldId id="280" r:id="rId31"/>
+    <p:sldId id="281" r:id="rId32"/>
+    <p:sldId id="282" r:id="rId33"/>
+    <p:sldId id="283" r:id="rId34"/>
+    <p:sldId id="284" r:id="rId35"/>
+    <p:sldId id="285" r:id="rId36"/>
+    <p:sldId id="286" r:id="rId37"/>
+    <p:sldId id="287" r:id="rId38"/>
+    <p:sldId id="288" r:id="rId39"/>
+    <p:sldId id="289" r:id="rId40"/>
   </p:sldIdLst>
   <p:sldSz cy="5143500" cx="9144000"/>
   <p:notesSz cx="6858000" cy="9144000"/>
   <p:embeddedFontLst>
     <p:embeddedFont>
       <p:font typeface="Roboto"/>
-      <p:regular r:id="rId30"/>
-      <p:bold r:id="rId31"/>
-      <p:italic r:id="rId32"/>
-      <p:boldItalic r:id="rId33"/>
+      <p:regular r:id="rId41"/>
+      <p:bold r:id="rId42"/>
+      <p:italic r:id="rId43"/>
+      <p:boldItalic r:id="rId44"/>
     </p:embeddedFont>
   </p:embeddedFontLst>
   <p:defaultTextStyle>
@@ -1628,7 +1638,7 @@
       </p:grpSpPr>
       <p:sp>
         <p:nvSpPr>
-          <p:cNvPr id="272" name="Google Shape;272;g13e30ec05fc_1_7:notes"/>
+          <p:cNvPr id="272" name="Google Shape;272;g13eefb9d006_0_4:notes"/>
           <p:cNvSpPr/>
           <p:nvPr>
             <p:ph idx="2" type="sldImg"/>
@@ -1663,7 +1673,7 @@
       </p:sp>
       <p:sp>
         <p:nvSpPr>
-          <p:cNvPr id="273" name="Google Shape;273;g13e30ec05fc_1_7:notes"/>
+          <p:cNvPr id="273" name="Google Shape;273;g13eefb9d006_0_4:notes"/>
           <p:cNvSpPr txBox="1"/>
           <p:nvPr>
             <p:ph idx="1" type="body"/>
@@ -1727,7 +1737,7 @@
       </p:grpSpPr>
       <p:sp>
         <p:nvSpPr>
-          <p:cNvPr id="280" name="Google Shape;280;g13e30ec05fc_1_240:notes"/>
+          <p:cNvPr id="280" name="Google Shape;280;g13eefb9d006_0_11:notes"/>
           <p:cNvSpPr/>
           <p:nvPr>
             <p:ph idx="2" type="sldImg"/>
@@ -1735,8 +1745,8 @@
         </p:nvSpPr>
         <p:spPr>
           <a:xfrm>
-            <a:off x="381300" y="685800"/>
-            <a:ext cx="6096000" cy="3429000"/>
+            <a:off x="381188" y="685800"/>
+            <a:ext cx="6096300" cy="3429000"/>
           </a:xfrm>
           <a:custGeom>
             <a:rect b="b" l="l" r="r" t="t"/>
@@ -1762,7 +1772,7 @@
       </p:sp>
       <p:sp>
         <p:nvSpPr>
-          <p:cNvPr id="281" name="Google Shape;281;g13e30ec05fc_1_240:notes"/>
+          <p:cNvPr id="281" name="Google Shape;281;g13eefb9d006_0_11:notes"/>
           <p:cNvSpPr txBox="1"/>
           <p:nvPr>
             <p:ph idx="1" type="body"/>
@@ -1925,7 +1935,7 @@
       </p:grpSpPr>
       <p:sp>
         <p:nvSpPr>
-          <p:cNvPr id="287" name="Google Shape;287;g13e30ec05fc_1_249:notes"/>
+          <p:cNvPr id="287" name="Google Shape;287;g13e30ec05fc_1_7:notes"/>
           <p:cNvSpPr/>
           <p:nvPr>
             <p:ph idx="2" type="sldImg"/>
@@ -1933,8 +1943,8 @@
         </p:nvSpPr>
         <p:spPr>
           <a:xfrm>
-            <a:off x="381300" y="685800"/>
-            <a:ext cx="6096000" cy="3429000"/>
+            <a:off x="381188" y="685800"/>
+            <a:ext cx="6096300" cy="3429000"/>
           </a:xfrm>
           <a:custGeom>
             <a:rect b="b" l="l" r="r" t="t"/>
@@ -1960,7 +1970,7 @@
       </p:sp>
       <p:sp>
         <p:nvSpPr>
-          <p:cNvPr id="288" name="Google Shape;288;g13e30ec05fc_1_249:notes"/>
+          <p:cNvPr id="288" name="Google Shape;288;g13e30ec05fc_1_7:notes"/>
           <p:cNvSpPr txBox="1"/>
           <p:nvPr>
             <p:ph idx="1" type="body"/>
@@ -2024,7 +2034,700 @@
       </p:grpSpPr>
       <p:sp>
         <p:nvSpPr>
-          <p:cNvPr id="295" name="Google Shape;295;g13e30ec05fc_1_245:notes"/>
+          <p:cNvPr id="295" name="Google Shape;295;g13fcf7cd354_0_6:notes"/>
+          <p:cNvSpPr/>
+          <p:nvPr>
+            <p:ph idx="2" type="sldImg"/>
+          </p:nvPr>
+        </p:nvSpPr>
+        <p:spPr>
+          <a:xfrm>
+            <a:off x="381188" y="685800"/>
+            <a:ext cx="6096300" cy="3429000"/>
+          </a:xfrm>
+          <a:custGeom>
+            <a:rect b="b" l="l" r="r" t="t"/>
+            <a:pathLst>
+              <a:path extrusionOk="0" h="120000" w="120000">
+                <a:moveTo>
+                  <a:pt x="0" y="0"/>
+                </a:moveTo>
+                <a:lnTo>
+                  <a:pt x="120000" y="0"/>
+                </a:lnTo>
+                <a:lnTo>
+                  <a:pt x="120000" y="120000"/>
+                </a:lnTo>
+                <a:lnTo>
+                  <a:pt x="0" y="120000"/>
+                </a:lnTo>
+                <a:close/>
+              </a:path>
+            </a:pathLst>
+          </a:custGeom>
+        </p:spPr>
+      </p:sp>
+      <p:sp>
+        <p:nvSpPr>
+          <p:cNvPr id="296" name="Google Shape;296;g13fcf7cd354_0_6:notes"/>
+          <p:cNvSpPr txBox="1"/>
+          <p:nvPr>
+            <p:ph idx="1" type="body"/>
+          </p:nvPr>
+        </p:nvSpPr>
+        <p:spPr>
+          <a:xfrm>
+            <a:off x="685800" y="4343400"/>
+            <a:ext cx="5486400" cy="4114800"/>
+          </a:xfrm>
+          <a:prstGeom prst="rect">
+            <a:avLst/>
+          </a:prstGeom>
+        </p:spPr>
+        <p:txBody>
+          <a:bodyPr anchorCtr="0" anchor="t" bIns="91425" lIns="91425" spcFirstLastPara="1" rIns="91425" wrap="square" tIns="91425">
+            <a:noAutofit/>
+          </a:bodyPr>
+          <a:lstStyle/>
+          <a:p>
+            <a:pPr indent="0" lvl="0" marL="0" rtl="0" algn="l">
+              <a:spcBef>
+                <a:spcPts val="0"/>
+              </a:spcBef>
+              <a:spcAft>
+                <a:spcPts val="0"/>
+              </a:spcAft>
+              <a:buNone/>
+            </a:pPr>
+            <a:r>
+              <a:t/>
+            </a:r>
+            <a:endParaRPr/>
+          </a:p>
+        </p:txBody>
+      </p:sp>
+    </p:spTree>
+  </p:cSld>
+  <p:clrMapOvr>
+    <a:masterClrMapping/>
+  </p:clrMapOvr>
+</p:notes>
+</file>
+
+<file path=ppt/notesSlides/notesSlide22.xml><?xml version="1.0" encoding="utf-8"?>
+<p:notes xmlns:a="http://schemas.openxmlformats.org/drawingml/2006/main" xmlns:r="http://schemas.openxmlformats.org/officeDocument/2006/relationships" xmlns:mc="http://schemas.openxmlformats.org/markup-compatibility/2006" xmlns:mv="urn:schemas-microsoft-com:mac:vml" xmlns:p="http://schemas.openxmlformats.org/presentationml/2006/main" xmlns:c="http://schemas.openxmlformats.org/drawingml/2006/chart" xmlns:dgm="http://schemas.openxmlformats.org/drawingml/2006/diagram" xmlns:o="urn:schemas-microsoft-com:office:office" xmlns:v="urn:schemas-microsoft-com:vml" xmlns:pvml="urn:schemas-microsoft-com:office:powerpoint" xmlns:com="http://schemas.openxmlformats.org/drawingml/2006/compatibility" xmlns:p14="http://schemas.microsoft.com/office/powerpoint/2010/main" xmlns:p15="http://schemas.microsoft.com/office/powerpoint/2012/main" xmlns:ahyp="http://schemas.microsoft.com/office/drawing/2018/hyperlinkcolor" showMasterPhAnim="0" showMasterSp="0">
+  <p:cSld>
+    <p:spTree>
+      <p:nvGrpSpPr>
+        <p:cNvPr id="302" name="Shape 302"/>
+        <p:cNvGrpSpPr/>
+        <p:nvPr/>
+      </p:nvGrpSpPr>
+      <p:grpSpPr>
+        <a:xfrm>
+          <a:off x="0" y="0"/>
+          <a:ext cx="0" cy="0"/>
+          <a:chOff x="0" y="0"/>
+          <a:chExt cx="0" cy="0"/>
+        </a:xfrm>
+      </p:grpSpPr>
+      <p:sp>
+        <p:nvSpPr>
+          <p:cNvPr id="303" name="Google Shape;303;g13fcf7cd354_0_24:notes"/>
+          <p:cNvSpPr/>
+          <p:nvPr>
+            <p:ph idx="2" type="sldImg"/>
+          </p:nvPr>
+        </p:nvSpPr>
+        <p:spPr>
+          <a:xfrm>
+            <a:off x="381188" y="685800"/>
+            <a:ext cx="6096300" cy="3429000"/>
+          </a:xfrm>
+          <a:custGeom>
+            <a:rect b="b" l="l" r="r" t="t"/>
+            <a:pathLst>
+              <a:path extrusionOk="0" h="120000" w="120000">
+                <a:moveTo>
+                  <a:pt x="0" y="0"/>
+                </a:moveTo>
+                <a:lnTo>
+                  <a:pt x="120000" y="0"/>
+                </a:lnTo>
+                <a:lnTo>
+                  <a:pt x="120000" y="120000"/>
+                </a:lnTo>
+                <a:lnTo>
+                  <a:pt x="0" y="120000"/>
+                </a:lnTo>
+                <a:close/>
+              </a:path>
+            </a:pathLst>
+          </a:custGeom>
+        </p:spPr>
+      </p:sp>
+      <p:sp>
+        <p:nvSpPr>
+          <p:cNvPr id="304" name="Google Shape;304;g13fcf7cd354_0_24:notes"/>
+          <p:cNvSpPr txBox="1"/>
+          <p:nvPr>
+            <p:ph idx="1" type="body"/>
+          </p:nvPr>
+        </p:nvSpPr>
+        <p:spPr>
+          <a:xfrm>
+            <a:off x="685800" y="4343400"/>
+            <a:ext cx="5486400" cy="4114800"/>
+          </a:xfrm>
+          <a:prstGeom prst="rect">
+            <a:avLst/>
+          </a:prstGeom>
+        </p:spPr>
+        <p:txBody>
+          <a:bodyPr anchorCtr="0" anchor="t" bIns="91425" lIns="91425" spcFirstLastPara="1" rIns="91425" wrap="square" tIns="91425">
+            <a:noAutofit/>
+          </a:bodyPr>
+          <a:lstStyle/>
+          <a:p>
+            <a:pPr indent="0" lvl="0" marL="0" rtl="0" algn="l">
+              <a:spcBef>
+                <a:spcPts val="0"/>
+              </a:spcBef>
+              <a:spcAft>
+                <a:spcPts val="0"/>
+              </a:spcAft>
+              <a:buNone/>
+            </a:pPr>
+            <a:r>
+              <a:t/>
+            </a:r>
+            <a:endParaRPr/>
+          </a:p>
+        </p:txBody>
+      </p:sp>
+    </p:spTree>
+  </p:cSld>
+  <p:clrMapOvr>
+    <a:masterClrMapping/>
+  </p:clrMapOvr>
+</p:notes>
+</file>
+
+<file path=ppt/notesSlides/notesSlide23.xml><?xml version="1.0" encoding="utf-8"?>
+<p:notes xmlns:a="http://schemas.openxmlformats.org/drawingml/2006/main" xmlns:r="http://schemas.openxmlformats.org/officeDocument/2006/relationships" xmlns:mc="http://schemas.openxmlformats.org/markup-compatibility/2006" xmlns:mv="urn:schemas-microsoft-com:mac:vml" xmlns:p="http://schemas.openxmlformats.org/presentationml/2006/main" xmlns:c="http://schemas.openxmlformats.org/drawingml/2006/chart" xmlns:dgm="http://schemas.openxmlformats.org/drawingml/2006/diagram" xmlns:o="urn:schemas-microsoft-com:office:office" xmlns:v="urn:schemas-microsoft-com:vml" xmlns:pvml="urn:schemas-microsoft-com:office:powerpoint" xmlns:com="http://schemas.openxmlformats.org/drawingml/2006/compatibility" xmlns:p14="http://schemas.microsoft.com/office/powerpoint/2010/main" xmlns:p15="http://schemas.microsoft.com/office/powerpoint/2012/main" xmlns:ahyp="http://schemas.microsoft.com/office/drawing/2018/hyperlinkcolor" showMasterPhAnim="0" showMasterSp="0">
+  <p:cSld>
+    <p:spTree>
+      <p:nvGrpSpPr>
+        <p:cNvPr id="309" name="Shape 309"/>
+        <p:cNvGrpSpPr/>
+        <p:nvPr/>
+      </p:nvGrpSpPr>
+      <p:grpSpPr>
+        <a:xfrm>
+          <a:off x="0" y="0"/>
+          <a:ext cx="0" cy="0"/>
+          <a:chOff x="0" y="0"/>
+          <a:chExt cx="0" cy="0"/>
+        </a:xfrm>
+      </p:grpSpPr>
+      <p:sp>
+        <p:nvSpPr>
+          <p:cNvPr id="310" name="Google Shape;310;g13fcf7cd354_0_32:notes"/>
+          <p:cNvSpPr/>
+          <p:nvPr>
+            <p:ph idx="2" type="sldImg"/>
+          </p:nvPr>
+        </p:nvSpPr>
+        <p:spPr>
+          <a:xfrm>
+            <a:off x="381188" y="685800"/>
+            <a:ext cx="6096300" cy="3429000"/>
+          </a:xfrm>
+          <a:custGeom>
+            <a:rect b="b" l="l" r="r" t="t"/>
+            <a:pathLst>
+              <a:path extrusionOk="0" h="120000" w="120000">
+                <a:moveTo>
+                  <a:pt x="0" y="0"/>
+                </a:moveTo>
+                <a:lnTo>
+                  <a:pt x="120000" y="0"/>
+                </a:lnTo>
+                <a:lnTo>
+                  <a:pt x="120000" y="120000"/>
+                </a:lnTo>
+                <a:lnTo>
+                  <a:pt x="0" y="120000"/>
+                </a:lnTo>
+                <a:close/>
+              </a:path>
+            </a:pathLst>
+          </a:custGeom>
+        </p:spPr>
+      </p:sp>
+      <p:sp>
+        <p:nvSpPr>
+          <p:cNvPr id="311" name="Google Shape;311;g13fcf7cd354_0_32:notes"/>
+          <p:cNvSpPr txBox="1"/>
+          <p:nvPr>
+            <p:ph idx="1" type="body"/>
+          </p:nvPr>
+        </p:nvSpPr>
+        <p:spPr>
+          <a:xfrm>
+            <a:off x="685800" y="4343400"/>
+            <a:ext cx="5486400" cy="4114800"/>
+          </a:xfrm>
+          <a:prstGeom prst="rect">
+            <a:avLst/>
+          </a:prstGeom>
+        </p:spPr>
+        <p:txBody>
+          <a:bodyPr anchorCtr="0" anchor="t" bIns="91425" lIns="91425" spcFirstLastPara="1" rIns="91425" wrap="square" tIns="91425">
+            <a:noAutofit/>
+          </a:bodyPr>
+          <a:lstStyle/>
+          <a:p>
+            <a:pPr indent="0" lvl="0" marL="0" rtl="0" algn="l">
+              <a:spcBef>
+                <a:spcPts val="0"/>
+              </a:spcBef>
+              <a:spcAft>
+                <a:spcPts val="0"/>
+              </a:spcAft>
+              <a:buNone/>
+            </a:pPr>
+            <a:r>
+              <a:t/>
+            </a:r>
+            <a:endParaRPr/>
+          </a:p>
+        </p:txBody>
+      </p:sp>
+    </p:spTree>
+  </p:cSld>
+  <p:clrMapOvr>
+    <a:masterClrMapping/>
+  </p:clrMapOvr>
+</p:notes>
+</file>
+
+<file path=ppt/notesSlides/notesSlide24.xml><?xml version="1.0" encoding="utf-8"?>
+<p:notes xmlns:a="http://schemas.openxmlformats.org/drawingml/2006/main" xmlns:r="http://schemas.openxmlformats.org/officeDocument/2006/relationships" xmlns:mc="http://schemas.openxmlformats.org/markup-compatibility/2006" xmlns:mv="urn:schemas-microsoft-com:mac:vml" xmlns:p="http://schemas.openxmlformats.org/presentationml/2006/main" xmlns:c="http://schemas.openxmlformats.org/drawingml/2006/chart" xmlns:dgm="http://schemas.openxmlformats.org/drawingml/2006/diagram" xmlns:o="urn:schemas-microsoft-com:office:office" xmlns:v="urn:schemas-microsoft-com:vml" xmlns:pvml="urn:schemas-microsoft-com:office:powerpoint" xmlns:com="http://schemas.openxmlformats.org/drawingml/2006/compatibility" xmlns:p14="http://schemas.microsoft.com/office/powerpoint/2010/main" xmlns:p15="http://schemas.microsoft.com/office/powerpoint/2012/main" xmlns:ahyp="http://schemas.microsoft.com/office/drawing/2018/hyperlinkcolor" showMasterPhAnim="0" showMasterSp="0">
+  <p:cSld>
+    <p:spTree>
+      <p:nvGrpSpPr>
+        <p:cNvPr id="317" name="Shape 317"/>
+        <p:cNvGrpSpPr/>
+        <p:nvPr/>
+      </p:nvGrpSpPr>
+      <p:grpSpPr>
+        <a:xfrm>
+          <a:off x="0" y="0"/>
+          <a:ext cx="0" cy="0"/>
+          <a:chOff x="0" y="0"/>
+          <a:chExt cx="0" cy="0"/>
+        </a:xfrm>
+      </p:grpSpPr>
+      <p:sp>
+        <p:nvSpPr>
+          <p:cNvPr id="318" name="Google Shape;318;g13fcf7cd354_0_44:notes"/>
+          <p:cNvSpPr/>
+          <p:nvPr>
+            <p:ph idx="2" type="sldImg"/>
+          </p:nvPr>
+        </p:nvSpPr>
+        <p:spPr>
+          <a:xfrm>
+            <a:off x="381188" y="685800"/>
+            <a:ext cx="6096300" cy="3429000"/>
+          </a:xfrm>
+          <a:custGeom>
+            <a:rect b="b" l="l" r="r" t="t"/>
+            <a:pathLst>
+              <a:path extrusionOk="0" h="120000" w="120000">
+                <a:moveTo>
+                  <a:pt x="0" y="0"/>
+                </a:moveTo>
+                <a:lnTo>
+                  <a:pt x="120000" y="0"/>
+                </a:lnTo>
+                <a:lnTo>
+                  <a:pt x="120000" y="120000"/>
+                </a:lnTo>
+                <a:lnTo>
+                  <a:pt x="0" y="120000"/>
+                </a:lnTo>
+                <a:close/>
+              </a:path>
+            </a:pathLst>
+          </a:custGeom>
+        </p:spPr>
+      </p:sp>
+      <p:sp>
+        <p:nvSpPr>
+          <p:cNvPr id="319" name="Google Shape;319;g13fcf7cd354_0_44:notes"/>
+          <p:cNvSpPr txBox="1"/>
+          <p:nvPr>
+            <p:ph idx="1" type="body"/>
+          </p:nvPr>
+        </p:nvSpPr>
+        <p:spPr>
+          <a:xfrm>
+            <a:off x="685800" y="4343400"/>
+            <a:ext cx="5486400" cy="4114800"/>
+          </a:xfrm>
+          <a:prstGeom prst="rect">
+            <a:avLst/>
+          </a:prstGeom>
+        </p:spPr>
+        <p:txBody>
+          <a:bodyPr anchorCtr="0" anchor="t" bIns="91425" lIns="91425" spcFirstLastPara="1" rIns="91425" wrap="square" tIns="91425">
+            <a:noAutofit/>
+          </a:bodyPr>
+          <a:lstStyle/>
+          <a:p>
+            <a:pPr indent="0" lvl="0" marL="0" rtl="0" algn="l">
+              <a:spcBef>
+                <a:spcPts val="0"/>
+              </a:spcBef>
+              <a:spcAft>
+                <a:spcPts val="0"/>
+              </a:spcAft>
+              <a:buNone/>
+            </a:pPr>
+            <a:r>
+              <a:t/>
+            </a:r>
+            <a:endParaRPr/>
+          </a:p>
+        </p:txBody>
+      </p:sp>
+    </p:spTree>
+  </p:cSld>
+  <p:clrMapOvr>
+    <a:masterClrMapping/>
+  </p:clrMapOvr>
+</p:notes>
+</file>
+
+<file path=ppt/notesSlides/notesSlide25.xml><?xml version="1.0" encoding="utf-8"?>
+<p:notes xmlns:a="http://schemas.openxmlformats.org/drawingml/2006/main" xmlns:r="http://schemas.openxmlformats.org/officeDocument/2006/relationships" xmlns:mc="http://schemas.openxmlformats.org/markup-compatibility/2006" xmlns:mv="urn:schemas-microsoft-com:mac:vml" xmlns:p="http://schemas.openxmlformats.org/presentationml/2006/main" xmlns:c="http://schemas.openxmlformats.org/drawingml/2006/chart" xmlns:dgm="http://schemas.openxmlformats.org/drawingml/2006/diagram" xmlns:o="urn:schemas-microsoft-com:office:office" xmlns:v="urn:schemas-microsoft-com:vml" xmlns:pvml="urn:schemas-microsoft-com:office:powerpoint" xmlns:com="http://schemas.openxmlformats.org/drawingml/2006/compatibility" xmlns:p14="http://schemas.microsoft.com/office/powerpoint/2010/main" xmlns:p15="http://schemas.microsoft.com/office/powerpoint/2012/main" xmlns:ahyp="http://schemas.microsoft.com/office/drawing/2018/hyperlinkcolor" showMasterPhAnim="0" showMasterSp="0">
+  <p:cSld>
+    <p:spTree>
+      <p:nvGrpSpPr>
+        <p:cNvPr id="325" name="Shape 325"/>
+        <p:cNvGrpSpPr/>
+        <p:nvPr/>
+      </p:nvGrpSpPr>
+      <p:grpSpPr>
+        <a:xfrm>
+          <a:off x="0" y="0"/>
+          <a:ext cx="0" cy="0"/>
+          <a:chOff x="0" y="0"/>
+          <a:chExt cx="0" cy="0"/>
+        </a:xfrm>
+      </p:grpSpPr>
+      <p:sp>
+        <p:nvSpPr>
+          <p:cNvPr id="326" name="Google Shape;326;g13eefb9d006_0_45:notes"/>
+          <p:cNvSpPr/>
+          <p:nvPr>
+            <p:ph idx="2" type="sldImg"/>
+          </p:nvPr>
+        </p:nvSpPr>
+        <p:spPr>
+          <a:xfrm>
+            <a:off x="381188" y="685800"/>
+            <a:ext cx="6096300" cy="3429000"/>
+          </a:xfrm>
+          <a:custGeom>
+            <a:rect b="b" l="l" r="r" t="t"/>
+            <a:pathLst>
+              <a:path extrusionOk="0" h="120000" w="120000">
+                <a:moveTo>
+                  <a:pt x="0" y="0"/>
+                </a:moveTo>
+                <a:lnTo>
+                  <a:pt x="120000" y="0"/>
+                </a:lnTo>
+                <a:lnTo>
+                  <a:pt x="120000" y="120000"/>
+                </a:lnTo>
+                <a:lnTo>
+                  <a:pt x="0" y="120000"/>
+                </a:lnTo>
+                <a:close/>
+              </a:path>
+            </a:pathLst>
+          </a:custGeom>
+        </p:spPr>
+      </p:sp>
+      <p:sp>
+        <p:nvSpPr>
+          <p:cNvPr id="327" name="Google Shape;327;g13eefb9d006_0_45:notes"/>
+          <p:cNvSpPr txBox="1"/>
+          <p:nvPr>
+            <p:ph idx="1" type="body"/>
+          </p:nvPr>
+        </p:nvSpPr>
+        <p:spPr>
+          <a:xfrm>
+            <a:off x="685800" y="4343400"/>
+            <a:ext cx="5486400" cy="4114800"/>
+          </a:xfrm>
+          <a:prstGeom prst="rect">
+            <a:avLst/>
+          </a:prstGeom>
+        </p:spPr>
+        <p:txBody>
+          <a:bodyPr anchorCtr="0" anchor="t" bIns="91425" lIns="91425" spcFirstLastPara="1" rIns="91425" wrap="square" tIns="91425">
+            <a:noAutofit/>
+          </a:bodyPr>
+          <a:lstStyle/>
+          <a:p>
+            <a:pPr indent="0" lvl="0" marL="0" rtl="0" algn="l">
+              <a:spcBef>
+                <a:spcPts val="0"/>
+              </a:spcBef>
+              <a:spcAft>
+                <a:spcPts val="0"/>
+              </a:spcAft>
+              <a:buNone/>
+            </a:pPr>
+            <a:r>
+              <a:t/>
+            </a:r>
+            <a:endParaRPr/>
+          </a:p>
+        </p:txBody>
+      </p:sp>
+    </p:spTree>
+  </p:cSld>
+  <p:clrMapOvr>
+    <a:masterClrMapping/>
+  </p:clrMapOvr>
+</p:notes>
+</file>
+
+<file path=ppt/notesSlides/notesSlide26.xml><?xml version="1.0" encoding="utf-8"?>
+<p:notes xmlns:a="http://schemas.openxmlformats.org/drawingml/2006/main" xmlns:r="http://schemas.openxmlformats.org/officeDocument/2006/relationships" xmlns:mc="http://schemas.openxmlformats.org/markup-compatibility/2006" xmlns:mv="urn:schemas-microsoft-com:mac:vml" xmlns:p="http://schemas.openxmlformats.org/presentationml/2006/main" xmlns:c="http://schemas.openxmlformats.org/drawingml/2006/chart" xmlns:dgm="http://schemas.openxmlformats.org/drawingml/2006/diagram" xmlns:o="urn:schemas-microsoft-com:office:office" xmlns:v="urn:schemas-microsoft-com:vml" xmlns:pvml="urn:schemas-microsoft-com:office:powerpoint" xmlns:com="http://schemas.openxmlformats.org/drawingml/2006/compatibility" xmlns:p14="http://schemas.microsoft.com/office/powerpoint/2010/main" xmlns:p15="http://schemas.microsoft.com/office/powerpoint/2012/main" xmlns:ahyp="http://schemas.microsoft.com/office/drawing/2018/hyperlinkcolor" showMasterPhAnim="0" showMasterSp="0">
+  <p:cSld>
+    <p:spTree>
+      <p:nvGrpSpPr>
+        <p:cNvPr id="332" name="Shape 332"/>
+        <p:cNvGrpSpPr/>
+        <p:nvPr/>
+      </p:nvGrpSpPr>
+      <p:grpSpPr>
+        <a:xfrm>
+          <a:off x="0" y="0"/>
+          <a:ext cx="0" cy="0"/>
+          <a:chOff x="0" y="0"/>
+          <a:chExt cx="0" cy="0"/>
+        </a:xfrm>
+      </p:grpSpPr>
+      <p:sp>
+        <p:nvSpPr>
+          <p:cNvPr id="333" name="Google Shape;333;g13fcf7cd354_0_53:notes"/>
+          <p:cNvSpPr/>
+          <p:nvPr>
+            <p:ph idx="2" type="sldImg"/>
+          </p:nvPr>
+        </p:nvSpPr>
+        <p:spPr>
+          <a:xfrm>
+            <a:off x="381188" y="685800"/>
+            <a:ext cx="6096300" cy="3429000"/>
+          </a:xfrm>
+          <a:custGeom>
+            <a:rect b="b" l="l" r="r" t="t"/>
+            <a:pathLst>
+              <a:path extrusionOk="0" h="120000" w="120000">
+                <a:moveTo>
+                  <a:pt x="0" y="0"/>
+                </a:moveTo>
+                <a:lnTo>
+                  <a:pt x="120000" y="0"/>
+                </a:lnTo>
+                <a:lnTo>
+                  <a:pt x="120000" y="120000"/>
+                </a:lnTo>
+                <a:lnTo>
+                  <a:pt x="0" y="120000"/>
+                </a:lnTo>
+                <a:close/>
+              </a:path>
+            </a:pathLst>
+          </a:custGeom>
+        </p:spPr>
+      </p:sp>
+      <p:sp>
+        <p:nvSpPr>
+          <p:cNvPr id="334" name="Google Shape;334;g13fcf7cd354_0_53:notes"/>
+          <p:cNvSpPr txBox="1"/>
+          <p:nvPr>
+            <p:ph idx="1" type="body"/>
+          </p:nvPr>
+        </p:nvSpPr>
+        <p:spPr>
+          <a:xfrm>
+            <a:off x="685800" y="4343400"/>
+            <a:ext cx="5486400" cy="4114800"/>
+          </a:xfrm>
+          <a:prstGeom prst="rect">
+            <a:avLst/>
+          </a:prstGeom>
+        </p:spPr>
+        <p:txBody>
+          <a:bodyPr anchorCtr="0" anchor="t" bIns="91425" lIns="91425" spcFirstLastPara="1" rIns="91425" wrap="square" tIns="91425">
+            <a:noAutofit/>
+          </a:bodyPr>
+          <a:lstStyle/>
+          <a:p>
+            <a:pPr indent="0" lvl="0" marL="0" rtl="0" algn="l">
+              <a:spcBef>
+                <a:spcPts val="0"/>
+              </a:spcBef>
+              <a:spcAft>
+                <a:spcPts val="0"/>
+              </a:spcAft>
+              <a:buNone/>
+            </a:pPr>
+            <a:r>
+              <a:t/>
+            </a:r>
+            <a:endParaRPr/>
+          </a:p>
+        </p:txBody>
+      </p:sp>
+    </p:spTree>
+  </p:cSld>
+  <p:clrMapOvr>
+    <a:masterClrMapping/>
+  </p:clrMapOvr>
+</p:notes>
+</file>
+
+<file path=ppt/notesSlides/notesSlide27.xml><?xml version="1.0" encoding="utf-8"?>
+<p:notes xmlns:a="http://schemas.openxmlformats.org/drawingml/2006/main" xmlns:r="http://schemas.openxmlformats.org/officeDocument/2006/relationships" xmlns:mc="http://schemas.openxmlformats.org/markup-compatibility/2006" xmlns:mv="urn:schemas-microsoft-com:mac:vml" xmlns:p="http://schemas.openxmlformats.org/presentationml/2006/main" xmlns:c="http://schemas.openxmlformats.org/drawingml/2006/chart" xmlns:dgm="http://schemas.openxmlformats.org/drawingml/2006/diagram" xmlns:o="urn:schemas-microsoft-com:office:office" xmlns:v="urn:schemas-microsoft-com:vml" xmlns:pvml="urn:schemas-microsoft-com:office:powerpoint" xmlns:com="http://schemas.openxmlformats.org/drawingml/2006/compatibility" xmlns:p14="http://schemas.microsoft.com/office/powerpoint/2010/main" xmlns:p15="http://schemas.microsoft.com/office/powerpoint/2012/main" xmlns:ahyp="http://schemas.microsoft.com/office/drawing/2018/hyperlinkcolor" showMasterPhAnim="0" showMasterSp="0">
+  <p:cSld>
+    <p:spTree>
+      <p:nvGrpSpPr>
+        <p:cNvPr id="339" name="Shape 339"/>
+        <p:cNvGrpSpPr/>
+        <p:nvPr/>
+      </p:nvGrpSpPr>
+      <p:grpSpPr>
+        <a:xfrm>
+          <a:off x="0" y="0"/>
+          <a:ext cx="0" cy="0"/>
+          <a:chOff x="0" y="0"/>
+          <a:chExt cx="0" cy="0"/>
+        </a:xfrm>
+      </p:grpSpPr>
+      <p:sp>
+        <p:nvSpPr>
+          <p:cNvPr id="340" name="Google Shape;340;g13fcf7cd354_0_67:notes"/>
+          <p:cNvSpPr/>
+          <p:nvPr>
+            <p:ph idx="2" type="sldImg"/>
+          </p:nvPr>
+        </p:nvSpPr>
+        <p:spPr>
+          <a:xfrm>
+            <a:off x="381188" y="685800"/>
+            <a:ext cx="6096300" cy="3429000"/>
+          </a:xfrm>
+          <a:custGeom>
+            <a:rect b="b" l="l" r="r" t="t"/>
+            <a:pathLst>
+              <a:path extrusionOk="0" h="120000" w="120000">
+                <a:moveTo>
+                  <a:pt x="0" y="0"/>
+                </a:moveTo>
+                <a:lnTo>
+                  <a:pt x="120000" y="0"/>
+                </a:lnTo>
+                <a:lnTo>
+                  <a:pt x="120000" y="120000"/>
+                </a:lnTo>
+                <a:lnTo>
+                  <a:pt x="0" y="120000"/>
+                </a:lnTo>
+                <a:close/>
+              </a:path>
+            </a:pathLst>
+          </a:custGeom>
+        </p:spPr>
+      </p:sp>
+      <p:sp>
+        <p:nvSpPr>
+          <p:cNvPr id="341" name="Google Shape;341;g13fcf7cd354_0_67:notes"/>
+          <p:cNvSpPr txBox="1"/>
+          <p:nvPr>
+            <p:ph idx="1" type="body"/>
+          </p:nvPr>
+        </p:nvSpPr>
+        <p:spPr>
+          <a:xfrm>
+            <a:off x="685800" y="4343400"/>
+            <a:ext cx="5486400" cy="4114800"/>
+          </a:xfrm>
+          <a:prstGeom prst="rect">
+            <a:avLst/>
+          </a:prstGeom>
+        </p:spPr>
+        <p:txBody>
+          <a:bodyPr anchorCtr="0" anchor="t" bIns="91425" lIns="91425" spcFirstLastPara="1" rIns="91425" wrap="square" tIns="91425">
+            <a:noAutofit/>
+          </a:bodyPr>
+          <a:lstStyle/>
+          <a:p>
+            <a:pPr indent="0" lvl="0" marL="0" rtl="0" algn="l">
+              <a:spcBef>
+                <a:spcPts val="0"/>
+              </a:spcBef>
+              <a:spcAft>
+                <a:spcPts val="0"/>
+              </a:spcAft>
+              <a:buNone/>
+            </a:pPr>
+            <a:r>
+              <a:t/>
+            </a:r>
+            <a:endParaRPr/>
+          </a:p>
+        </p:txBody>
+      </p:sp>
+    </p:spTree>
+  </p:cSld>
+  <p:clrMapOvr>
+    <a:masterClrMapping/>
+  </p:clrMapOvr>
+</p:notes>
+</file>
+
+<file path=ppt/notesSlides/notesSlide28.xml><?xml version="1.0" encoding="utf-8"?>
+<p:notes xmlns:a="http://schemas.openxmlformats.org/drawingml/2006/main" xmlns:r="http://schemas.openxmlformats.org/officeDocument/2006/relationships" xmlns:mc="http://schemas.openxmlformats.org/markup-compatibility/2006" xmlns:mv="urn:schemas-microsoft-com:mac:vml" xmlns:p="http://schemas.openxmlformats.org/presentationml/2006/main" xmlns:c="http://schemas.openxmlformats.org/drawingml/2006/chart" xmlns:dgm="http://schemas.openxmlformats.org/drawingml/2006/diagram" xmlns:o="urn:schemas-microsoft-com:office:office" xmlns:v="urn:schemas-microsoft-com:vml" xmlns:pvml="urn:schemas-microsoft-com:office:powerpoint" xmlns:com="http://schemas.openxmlformats.org/drawingml/2006/compatibility" xmlns:p14="http://schemas.microsoft.com/office/powerpoint/2010/main" xmlns:p15="http://schemas.microsoft.com/office/powerpoint/2012/main" xmlns:ahyp="http://schemas.microsoft.com/office/drawing/2018/hyperlinkcolor" showMasterPhAnim="0" showMasterSp="0">
+  <p:cSld>
+    <p:spTree>
+      <p:nvGrpSpPr>
+        <p:cNvPr id="346" name="Shape 346"/>
+        <p:cNvGrpSpPr/>
+        <p:nvPr/>
+      </p:nvGrpSpPr>
+      <p:grpSpPr>
+        <a:xfrm>
+          <a:off x="0" y="0"/>
+          <a:ext cx="0" cy="0"/>
+          <a:chOff x="0" y="0"/>
+          <a:chExt cx="0" cy="0"/>
+        </a:xfrm>
+      </p:grpSpPr>
+      <p:sp>
+        <p:nvSpPr>
+          <p:cNvPr id="347" name="Google Shape;347;g13e30ec05fc_1_240:notes"/>
           <p:cNvSpPr/>
           <p:nvPr>
             <p:ph idx="2" type="sldImg"/>
@@ -2059,7 +2762,7 @@
       </p:sp>
       <p:sp>
         <p:nvSpPr>
-          <p:cNvPr id="296" name="Google Shape;296;g13e30ec05fc_1_245:notes"/>
+          <p:cNvPr id="348" name="Google Shape;348;g13e30ec05fc_1_240:notes"/>
           <p:cNvSpPr txBox="1"/>
           <p:nvPr>
             <p:ph idx="1" type="body"/>
@@ -2104,12 +2807,12 @@
 </p:notes>
 </file>
 
-<file path=ppt/notesSlides/notesSlide22.xml><?xml version="1.0" encoding="utf-8"?>
+<file path=ppt/notesSlides/notesSlide29.xml><?xml version="1.0" encoding="utf-8"?>
 <p:notes xmlns:a="http://schemas.openxmlformats.org/drawingml/2006/main" xmlns:r="http://schemas.openxmlformats.org/officeDocument/2006/relationships" xmlns:mc="http://schemas.openxmlformats.org/markup-compatibility/2006" xmlns:mv="urn:schemas-microsoft-com:mac:vml" xmlns:p="http://schemas.openxmlformats.org/presentationml/2006/main" xmlns:c="http://schemas.openxmlformats.org/drawingml/2006/chart" xmlns:dgm="http://schemas.openxmlformats.org/drawingml/2006/diagram" xmlns:o="urn:schemas-microsoft-com:office:office" xmlns:v="urn:schemas-microsoft-com:vml" xmlns:pvml="urn:schemas-microsoft-com:office:powerpoint" xmlns:com="http://schemas.openxmlformats.org/drawingml/2006/compatibility" xmlns:p14="http://schemas.microsoft.com/office/powerpoint/2010/main" xmlns:p15="http://schemas.microsoft.com/office/powerpoint/2012/main" xmlns:ahyp="http://schemas.microsoft.com/office/drawing/2018/hyperlinkcolor" showMasterPhAnim="0" showMasterSp="0">
   <p:cSld>
     <p:spTree>
       <p:nvGrpSpPr>
-        <p:cNvPr id="304" name="Shape 304"/>
+        <p:cNvPr id="353" name="Shape 353"/>
         <p:cNvGrpSpPr/>
         <p:nvPr/>
       </p:nvGrpSpPr>
@@ -2123,7 +2826,7 @@
       </p:grpSpPr>
       <p:sp>
         <p:nvSpPr>
-          <p:cNvPr id="305" name="Google Shape;305;g13e30ec05fc_1_218:notes"/>
+          <p:cNvPr id="354" name="Google Shape;354;g13e30ec05fc_1_249:notes"/>
           <p:cNvSpPr/>
           <p:nvPr>
             <p:ph idx="2" type="sldImg"/>
@@ -2158,205 +2861,7 @@
       </p:sp>
       <p:sp>
         <p:nvSpPr>
-          <p:cNvPr id="306" name="Google Shape;306;g13e30ec05fc_1_218:notes"/>
-          <p:cNvSpPr txBox="1"/>
-          <p:nvPr>
-            <p:ph idx="1" type="body"/>
-          </p:nvPr>
-        </p:nvSpPr>
-        <p:spPr>
-          <a:xfrm>
-            <a:off x="685800" y="4343400"/>
-            <a:ext cx="5486400" cy="4114800"/>
-          </a:xfrm>
-          <a:prstGeom prst="rect">
-            <a:avLst/>
-          </a:prstGeom>
-        </p:spPr>
-        <p:txBody>
-          <a:bodyPr anchorCtr="0" anchor="t" bIns="91425" lIns="91425" spcFirstLastPara="1" rIns="91425" wrap="square" tIns="91425">
-            <a:noAutofit/>
-          </a:bodyPr>
-          <a:lstStyle/>
-          <a:p>
-            <a:pPr indent="0" lvl="0" marL="0" rtl="0" algn="l">
-              <a:spcBef>
-                <a:spcPts val="0"/>
-              </a:spcBef>
-              <a:spcAft>
-                <a:spcPts val="0"/>
-              </a:spcAft>
-              <a:buNone/>
-            </a:pPr>
-            <a:r>
-              <a:t/>
-            </a:r>
-            <a:endParaRPr/>
-          </a:p>
-        </p:txBody>
-      </p:sp>
-    </p:spTree>
-  </p:cSld>
-  <p:clrMapOvr>
-    <a:masterClrMapping/>
-  </p:clrMapOvr>
-</p:notes>
-</file>
-
-<file path=ppt/notesSlides/notesSlide23.xml><?xml version="1.0" encoding="utf-8"?>
-<p:notes xmlns:a="http://schemas.openxmlformats.org/drawingml/2006/main" xmlns:r="http://schemas.openxmlformats.org/officeDocument/2006/relationships" xmlns:mc="http://schemas.openxmlformats.org/markup-compatibility/2006" xmlns:mv="urn:schemas-microsoft-com:mac:vml" xmlns:p="http://schemas.openxmlformats.org/presentationml/2006/main" xmlns:c="http://schemas.openxmlformats.org/drawingml/2006/chart" xmlns:dgm="http://schemas.openxmlformats.org/drawingml/2006/diagram" xmlns:o="urn:schemas-microsoft-com:office:office" xmlns:v="urn:schemas-microsoft-com:vml" xmlns:pvml="urn:schemas-microsoft-com:office:powerpoint" xmlns:com="http://schemas.openxmlformats.org/drawingml/2006/compatibility" xmlns:p14="http://schemas.microsoft.com/office/powerpoint/2010/main" xmlns:p15="http://schemas.microsoft.com/office/powerpoint/2012/main" xmlns:ahyp="http://schemas.microsoft.com/office/drawing/2018/hyperlinkcolor" showMasterPhAnim="0" showMasterSp="0">
-  <p:cSld>
-    <p:spTree>
-      <p:nvGrpSpPr>
-        <p:cNvPr id="321" name="Shape 321"/>
-        <p:cNvGrpSpPr/>
-        <p:nvPr/>
-      </p:nvGrpSpPr>
-      <p:grpSpPr>
-        <a:xfrm>
-          <a:off x="0" y="0"/>
-          <a:ext cx="0" cy="0"/>
-          <a:chOff x="0" y="0"/>
-          <a:chExt cx="0" cy="0"/>
-        </a:xfrm>
-      </p:grpSpPr>
-      <p:sp>
-        <p:nvSpPr>
-          <p:cNvPr id="322" name="Google Shape;322;gc6f9e470d_0_126:notes"/>
-          <p:cNvSpPr/>
-          <p:nvPr>
-            <p:ph idx="2" type="sldImg"/>
-          </p:nvPr>
-        </p:nvSpPr>
-        <p:spPr>
-          <a:xfrm>
-            <a:off x="381188" y="685800"/>
-            <a:ext cx="6096300" cy="3429000"/>
-          </a:xfrm>
-          <a:custGeom>
-            <a:rect b="b" l="l" r="r" t="t"/>
-            <a:pathLst>
-              <a:path extrusionOk="0" h="120000" w="120000">
-                <a:moveTo>
-                  <a:pt x="0" y="0"/>
-                </a:moveTo>
-                <a:lnTo>
-                  <a:pt x="120000" y="0"/>
-                </a:lnTo>
-                <a:lnTo>
-                  <a:pt x="120000" y="120000"/>
-                </a:lnTo>
-                <a:lnTo>
-                  <a:pt x="0" y="120000"/>
-                </a:lnTo>
-                <a:close/>
-              </a:path>
-            </a:pathLst>
-          </a:custGeom>
-        </p:spPr>
-      </p:sp>
-      <p:sp>
-        <p:nvSpPr>
-          <p:cNvPr id="323" name="Google Shape;323;gc6f9e470d_0_126:notes"/>
-          <p:cNvSpPr txBox="1"/>
-          <p:nvPr>
-            <p:ph idx="1" type="body"/>
-          </p:nvPr>
-        </p:nvSpPr>
-        <p:spPr>
-          <a:xfrm>
-            <a:off x="685800" y="4343400"/>
-            <a:ext cx="5486400" cy="4114800"/>
-          </a:xfrm>
-          <a:prstGeom prst="rect">
-            <a:avLst/>
-          </a:prstGeom>
-        </p:spPr>
-        <p:txBody>
-          <a:bodyPr anchorCtr="0" anchor="t" bIns="91425" lIns="91425" spcFirstLastPara="1" rIns="91425" wrap="square" tIns="91425">
-            <a:noAutofit/>
-          </a:bodyPr>
-          <a:lstStyle/>
-          <a:p>
-            <a:pPr indent="0" lvl="0" marL="0" rtl="0" algn="l">
-              <a:spcBef>
-                <a:spcPts val="0"/>
-              </a:spcBef>
-              <a:spcAft>
-                <a:spcPts val="0"/>
-              </a:spcAft>
-              <a:buNone/>
-            </a:pPr>
-            <a:r>
-              <a:t/>
-            </a:r>
-            <a:endParaRPr/>
-          </a:p>
-        </p:txBody>
-      </p:sp>
-    </p:spTree>
-  </p:cSld>
-  <p:clrMapOvr>
-    <a:masterClrMapping/>
-  </p:clrMapOvr>
-</p:notes>
-</file>
-
-<file path=ppt/notesSlides/notesSlide24.xml><?xml version="1.0" encoding="utf-8"?>
-<p:notes xmlns:a="http://schemas.openxmlformats.org/drawingml/2006/main" xmlns:r="http://schemas.openxmlformats.org/officeDocument/2006/relationships" xmlns:mc="http://schemas.openxmlformats.org/markup-compatibility/2006" xmlns:mv="urn:schemas-microsoft-com:mac:vml" xmlns:p="http://schemas.openxmlformats.org/presentationml/2006/main" xmlns:c="http://schemas.openxmlformats.org/drawingml/2006/chart" xmlns:dgm="http://schemas.openxmlformats.org/drawingml/2006/diagram" xmlns:o="urn:schemas-microsoft-com:office:office" xmlns:v="urn:schemas-microsoft-com:vml" xmlns:pvml="urn:schemas-microsoft-com:office:powerpoint" xmlns:com="http://schemas.openxmlformats.org/drawingml/2006/compatibility" xmlns:p14="http://schemas.microsoft.com/office/powerpoint/2010/main" xmlns:p15="http://schemas.microsoft.com/office/powerpoint/2012/main" xmlns:ahyp="http://schemas.microsoft.com/office/drawing/2018/hyperlinkcolor" showMasterPhAnim="0" showMasterSp="0">
-  <p:cSld>
-    <p:spTree>
-      <p:nvGrpSpPr>
-        <p:cNvPr id="358" name="Shape 358"/>
-        <p:cNvGrpSpPr/>
-        <p:nvPr/>
-      </p:nvGrpSpPr>
-      <p:grpSpPr>
-        <a:xfrm>
-          <a:off x="0" y="0"/>
-          <a:ext cx="0" cy="0"/>
-          <a:chOff x="0" y="0"/>
-          <a:chExt cx="0" cy="0"/>
-        </a:xfrm>
-      </p:grpSpPr>
-      <p:sp>
-        <p:nvSpPr>
-          <p:cNvPr id="359" name="Google Shape;359;g13e30ec05fc_1_786:notes"/>
-          <p:cNvSpPr/>
-          <p:nvPr>
-            <p:ph idx="2" type="sldImg"/>
-          </p:nvPr>
-        </p:nvSpPr>
-        <p:spPr>
-          <a:xfrm>
-            <a:off x="381300" y="685800"/>
-            <a:ext cx="6096000" cy="3429000"/>
-          </a:xfrm>
-          <a:custGeom>
-            <a:rect b="b" l="l" r="r" t="t"/>
-            <a:pathLst>
-              <a:path extrusionOk="0" h="120000" w="120000">
-                <a:moveTo>
-                  <a:pt x="0" y="0"/>
-                </a:moveTo>
-                <a:lnTo>
-                  <a:pt x="120000" y="0"/>
-                </a:lnTo>
-                <a:lnTo>
-                  <a:pt x="120000" y="120000"/>
-                </a:lnTo>
-                <a:lnTo>
-                  <a:pt x="0" y="120000"/>
-                </a:lnTo>
-                <a:close/>
-              </a:path>
-            </a:pathLst>
-          </a:custGeom>
-        </p:spPr>
-      </p:sp>
-      <p:sp>
-        <p:nvSpPr>
-          <p:cNvPr id="360" name="Google Shape;360;g13e30ec05fc_1_786:notes"/>
+          <p:cNvPr id="355" name="Google Shape;355;g13e30ec05fc_1_249:notes"/>
           <p:cNvSpPr txBox="1"/>
           <p:nvPr>
             <p:ph idx="1" type="body"/>
@@ -2456,6 +2961,501 @@
       <p:sp>
         <p:nvSpPr>
           <p:cNvPr id="106" name="Google Shape;106;gc6f9e470d_0_24:notes"/>
+          <p:cNvSpPr txBox="1"/>
+          <p:nvPr>
+            <p:ph idx="1" type="body"/>
+          </p:nvPr>
+        </p:nvSpPr>
+        <p:spPr>
+          <a:xfrm>
+            <a:off x="685800" y="4343400"/>
+            <a:ext cx="5486400" cy="4114800"/>
+          </a:xfrm>
+          <a:prstGeom prst="rect">
+            <a:avLst/>
+          </a:prstGeom>
+        </p:spPr>
+        <p:txBody>
+          <a:bodyPr anchorCtr="0" anchor="t" bIns="91425" lIns="91425" spcFirstLastPara="1" rIns="91425" wrap="square" tIns="91425">
+            <a:noAutofit/>
+          </a:bodyPr>
+          <a:lstStyle/>
+          <a:p>
+            <a:pPr indent="0" lvl="0" marL="0" rtl="0" algn="l">
+              <a:spcBef>
+                <a:spcPts val="0"/>
+              </a:spcBef>
+              <a:spcAft>
+                <a:spcPts val="0"/>
+              </a:spcAft>
+              <a:buNone/>
+            </a:pPr>
+            <a:r>
+              <a:t/>
+            </a:r>
+            <a:endParaRPr/>
+          </a:p>
+        </p:txBody>
+      </p:sp>
+    </p:spTree>
+  </p:cSld>
+  <p:clrMapOvr>
+    <a:masterClrMapping/>
+  </p:clrMapOvr>
+</p:notes>
+</file>
+
+<file path=ppt/notesSlides/notesSlide30.xml><?xml version="1.0" encoding="utf-8"?>
+<p:notes xmlns:a="http://schemas.openxmlformats.org/drawingml/2006/main" xmlns:r="http://schemas.openxmlformats.org/officeDocument/2006/relationships" xmlns:mc="http://schemas.openxmlformats.org/markup-compatibility/2006" xmlns:mv="urn:schemas-microsoft-com:mac:vml" xmlns:p="http://schemas.openxmlformats.org/presentationml/2006/main" xmlns:c="http://schemas.openxmlformats.org/drawingml/2006/chart" xmlns:dgm="http://schemas.openxmlformats.org/drawingml/2006/diagram" xmlns:o="urn:schemas-microsoft-com:office:office" xmlns:v="urn:schemas-microsoft-com:vml" xmlns:pvml="urn:schemas-microsoft-com:office:powerpoint" xmlns:com="http://schemas.openxmlformats.org/drawingml/2006/compatibility" xmlns:p14="http://schemas.microsoft.com/office/powerpoint/2010/main" xmlns:p15="http://schemas.microsoft.com/office/powerpoint/2012/main" xmlns:ahyp="http://schemas.microsoft.com/office/drawing/2018/hyperlinkcolor" showMasterPhAnim="0" showMasterSp="0">
+  <p:cSld>
+    <p:spTree>
+      <p:nvGrpSpPr>
+        <p:cNvPr id="361" name="Shape 361"/>
+        <p:cNvGrpSpPr/>
+        <p:nvPr/>
+      </p:nvGrpSpPr>
+      <p:grpSpPr>
+        <a:xfrm>
+          <a:off x="0" y="0"/>
+          <a:ext cx="0" cy="0"/>
+          <a:chOff x="0" y="0"/>
+          <a:chExt cx="0" cy="0"/>
+        </a:xfrm>
+      </p:grpSpPr>
+      <p:sp>
+        <p:nvSpPr>
+          <p:cNvPr id="362" name="Google Shape;362;g13eefb9d006_0_22:notes"/>
+          <p:cNvSpPr/>
+          <p:nvPr>
+            <p:ph idx="2" type="sldImg"/>
+          </p:nvPr>
+        </p:nvSpPr>
+        <p:spPr>
+          <a:xfrm>
+            <a:off x="381300" y="685800"/>
+            <a:ext cx="6096000" cy="3429000"/>
+          </a:xfrm>
+          <a:custGeom>
+            <a:rect b="b" l="l" r="r" t="t"/>
+            <a:pathLst>
+              <a:path extrusionOk="0" h="120000" w="120000">
+                <a:moveTo>
+                  <a:pt x="0" y="0"/>
+                </a:moveTo>
+                <a:lnTo>
+                  <a:pt x="120000" y="0"/>
+                </a:lnTo>
+                <a:lnTo>
+                  <a:pt x="120000" y="120000"/>
+                </a:lnTo>
+                <a:lnTo>
+                  <a:pt x="0" y="120000"/>
+                </a:lnTo>
+                <a:close/>
+              </a:path>
+            </a:pathLst>
+          </a:custGeom>
+        </p:spPr>
+      </p:sp>
+      <p:sp>
+        <p:nvSpPr>
+          <p:cNvPr id="363" name="Google Shape;363;g13eefb9d006_0_22:notes"/>
+          <p:cNvSpPr txBox="1"/>
+          <p:nvPr>
+            <p:ph idx="1" type="body"/>
+          </p:nvPr>
+        </p:nvSpPr>
+        <p:spPr>
+          <a:xfrm>
+            <a:off x="685800" y="4343400"/>
+            <a:ext cx="5486400" cy="4114800"/>
+          </a:xfrm>
+          <a:prstGeom prst="rect">
+            <a:avLst/>
+          </a:prstGeom>
+        </p:spPr>
+        <p:txBody>
+          <a:bodyPr anchorCtr="0" anchor="t" bIns="91425" lIns="91425" spcFirstLastPara="1" rIns="91425" wrap="square" tIns="91425">
+            <a:noAutofit/>
+          </a:bodyPr>
+          <a:lstStyle/>
+          <a:p>
+            <a:pPr indent="0" lvl="0" marL="0" rtl="0" algn="l">
+              <a:spcBef>
+                <a:spcPts val="0"/>
+              </a:spcBef>
+              <a:spcAft>
+                <a:spcPts val="0"/>
+              </a:spcAft>
+              <a:buNone/>
+            </a:pPr>
+            <a:r>
+              <a:t/>
+            </a:r>
+            <a:endParaRPr/>
+          </a:p>
+        </p:txBody>
+      </p:sp>
+    </p:spTree>
+  </p:cSld>
+  <p:clrMapOvr>
+    <a:masterClrMapping/>
+  </p:clrMapOvr>
+</p:notes>
+</file>
+
+<file path=ppt/notesSlides/notesSlide31.xml><?xml version="1.0" encoding="utf-8"?>
+<p:notes xmlns:a="http://schemas.openxmlformats.org/drawingml/2006/main" xmlns:r="http://schemas.openxmlformats.org/officeDocument/2006/relationships" xmlns:mc="http://schemas.openxmlformats.org/markup-compatibility/2006" xmlns:mv="urn:schemas-microsoft-com:mac:vml" xmlns:p="http://schemas.openxmlformats.org/presentationml/2006/main" xmlns:c="http://schemas.openxmlformats.org/drawingml/2006/chart" xmlns:dgm="http://schemas.openxmlformats.org/drawingml/2006/diagram" xmlns:o="urn:schemas-microsoft-com:office:office" xmlns:v="urn:schemas-microsoft-com:vml" xmlns:pvml="urn:schemas-microsoft-com:office:powerpoint" xmlns:com="http://schemas.openxmlformats.org/drawingml/2006/compatibility" xmlns:p14="http://schemas.microsoft.com/office/powerpoint/2010/main" xmlns:p15="http://schemas.microsoft.com/office/powerpoint/2012/main" xmlns:ahyp="http://schemas.microsoft.com/office/drawing/2018/hyperlinkcolor" showMasterPhAnim="0" showMasterSp="0">
+  <p:cSld>
+    <p:spTree>
+      <p:nvGrpSpPr>
+        <p:cNvPr id="369" name="Shape 369"/>
+        <p:cNvGrpSpPr/>
+        <p:nvPr/>
+      </p:nvGrpSpPr>
+      <p:grpSpPr>
+        <a:xfrm>
+          <a:off x="0" y="0"/>
+          <a:ext cx="0" cy="0"/>
+          <a:chOff x="0" y="0"/>
+          <a:chExt cx="0" cy="0"/>
+        </a:xfrm>
+      </p:grpSpPr>
+      <p:sp>
+        <p:nvSpPr>
+          <p:cNvPr id="370" name="Google Shape;370;g13e30ec05fc_1_245:notes"/>
+          <p:cNvSpPr/>
+          <p:nvPr>
+            <p:ph idx="2" type="sldImg"/>
+          </p:nvPr>
+        </p:nvSpPr>
+        <p:spPr>
+          <a:xfrm>
+            <a:off x="381300" y="685800"/>
+            <a:ext cx="6096000" cy="3429000"/>
+          </a:xfrm>
+          <a:custGeom>
+            <a:rect b="b" l="l" r="r" t="t"/>
+            <a:pathLst>
+              <a:path extrusionOk="0" h="120000" w="120000">
+                <a:moveTo>
+                  <a:pt x="0" y="0"/>
+                </a:moveTo>
+                <a:lnTo>
+                  <a:pt x="120000" y="0"/>
+                </a:lnTo>
+                <a:lnTo>
+                  <a:pt x="120000" y="120000"/>
+                </a:lnTo>
+                <a:lnTo>
+                  <a:pt x="0" y="120000"/>
+                </a:lnTo>
+                <a:close/>
+              </a:path>
+            </a:pathLst>
+          </a:custGeom>
+        </p:spPr>
+      </p:sp>
+      <p:sp>
+        <p:nvSpPr>
+          <p:cNvPr id="371" name="Google Shape;371;g13e30ec05fc_1_245:notes"/>
+          <p:cNvSpPr txBox="1"/>
+          <p:nvPr>
+            <p:ph idx="1" type="body"/>
+          </p:nvPr>
+        </p:nvSpPr>
+        <p:spPr>
+          <a:xfrm>
+            <a:off x="685800" y="4343400"/>
+            <a:ext cx="5486400" cy="4114800"/>
+          </a:xfrm>
+          <a:prstGeom prst="rect">
+            <a:avLst/>
+          </a:prstGeom>
+        </p:spPr>
+        <p:txBody>
+          <a:bodyPr anchorCtr="0" anchor="t" bIns="91425" lIns="91425" spcFirstLastPara="1" rIns="91425" wrap="square" tIns="91425">
+            <a:noAutofit/>
+          </a:bodyPr>
+          <a:lstStyle/>
+          <a:p>
+            <a:pPr indent="0" lvl="0" marL="0" rtl="0" algn="l">
+              <a:spcBef>
+                <a:spcPts val="0"/>
+              </a:spcBef>
+              <a:spcAft>
+                <a:spcPts val="0"/>
+              </a:spcAft>
+              <a:buNone/>
+            </a:pPr>
+            <a:r>
+              <a:t/>
+            </a:r>
+            <a:endParaRPr/>
+          </a:p>
+        </p:txBody>
+      </p:sp>
+    </p:spTree>
+  </p:cSld>
+  <p:clrMapOvr>
+    <a:masterClrMapping/>
+  </p:clrMapOvr>
+</p:notes>
+</file>
+
+<file path=ppt/notesSlides/notesSlide32.xml><?xml version="1.0" encoding="utf-8"?>
+<p:notes xmlns:a="http://schemas.openxmlformats.org/drawingml/2006/main" xmlns:r="http://schemas.openxmlformats.org/officeDocument/2006/relationships" xmlns:mc="http://schemas.openxmlformats.org/markup-compatibility/2006" xmlns:mv="urn:schemas-microsoft-com:mac:vml" xmlns:p="http://schemas.openxmlformats.org/presentationml/2006/main" xmlns:c="http://schemas.openxmlformats.org/drawingml/2006/chart" xmlns:dgm="http://schemas.openxmlformats.org/drawingml/2006/diagram" xmlns:o="urn:schemas-microsoft-com:office:office" xmlns:v="urn:schemas-microsoft-com:vml" xmlns:pvml="urn:schemas-microsoft-com:office:powerpoint" xmlns:com="http://schemas.openxmlformats.org/drawingml/2006/compatibility" xmlns:p14="http://schemas.microsoft.com/office/powerpoint/2010/main" xmlns:p15="http://schemas.microsoft.com/office/powerpoint/2012/main" xmlns:ahyp="http://schemas.microsoft.com/office/drawing/2018/hyperlinkcolor" showMasterPhAnim="0" showMasterSp="0">
+  <p:cSld>
+    <p:spTree>
+      <p:nvGrpSpPr>
+        <p:cNvPr id="379" name="Shape 379"/>
+        <p:cNvGrpSpPr/>
+        <p:nvPr/>
+      </p:nvGrpSpPr>
+      <p:grpSpPr>
+        <a:xfrm>
+          <a:off x="0" y="0"/>
+          <a:ext cx="0" cy="0"/>
+          <a:chOff x="0" y="0"/>
+          <a:chExt cx="0" cy="0"/>
+        </a:xfrm>
+      </p:grpSpPr>
+      <p:sp>
+        <p:nvSpPr>
+          <p:cNvPr id="380" name="Google Shape;380;g13e30ec05fc_1_218:notes"/>
+          <p:cNvSpPr/>
+          <p:nvPr>
+            <p:ph idx="2" type="sldImg"/>
+          </p:nvPr>
+        </p:nvSpPr>
+        <p:spPr>
+          <a:xfrm>
+            <a:off x="381300" y="685800"/>
+            <a:ext cx="6096000" cy="3429000"/>
+          </a:xfrm>
+          <a:custGeom>
+            <a:rect b="b" l="l" r="r" t="t"/>
+            <a:pathLst>
+              <a:path extrusionOk="0" h="120000" w="120000">
+                <a:moveTo>
+                  <a:pt x="0" y="0"/>
+                </a:moveTo>
+                <a:lnTo>
+                  <a:pt x="120000" y="0"/>
+                </a:lnTo>
+                <a:lnTo>
+                  <a:pt x="120000" y="120000"/>
+                </a:lnTo>
+                <a:lnTo>
+                  <a:pt x="0" y="120000"/>
+                </a:lnTo>
+                <a:close/>
+              </a:path>
+            </a:pathLst>
+          </a:custGeom>
+        </p:spPr>
+      </p:sp>
+      <p:sp>
+        <p:nvSpPr>
+          <p:cNvPr id="381" name="Google Shape;381;g13e30ec05fc_1_218:notes"/>
+          <p:cNvSpPr txBox="1"/>
+          <p:nvPr>
+            <p:ph idx="1" type="body"/>
+          </p:nvPr>
+        </p:nvSpPr>
+        <p:spPr>
+          <a:xfrm>
+            <a:off x="685800" y="4343400"/>
+            <a:ext cx="5486400" cy="4114800"/>
+          </a:xfrm>
+          <a:prstGeom prst="rect">
+            <a:avLst/>
+          </a:prstGeom>
+        </p:spPr>
+        <p:txBody>
+          <a:bodyPr anchorCtr="0" anchor="t" bIns="91425" lIns="91425" spcFirstLastPara="1" rIns="91425" wrap="square" tIns="91425">
+            <a:noAutofit/>
+          </a:bodyPr>
+          <a:lstStyle/>
+          <a:p>
+            <a:pPr indent="0" lvl="0" marL="0" rtl="0" algn="l">
+              <a:spcBef>
+                <a:spcPts val="0"/>
+              </a:spcBef>
+              <a:spcAft>
+                <a:spcPts val="0"/>
+              </a:spcAft>
+              <a:buNone/>
+            </a:pPr>
+            <a:r>
+              <a:t/>
+            </a:r>
+            <a:endParaRPr/>
+          </a:p>
+        </p:txBody>
+      </p:sp>
+    </p:spTree>
+  </p:cSld>
+  <p:clrMapOvr>
+    <a:masterClrMapping/>
+  </p:clrMapOvr>
+</p:notes>
+</file>
+
+<file path=ppt/notesSlides/notesSlide33.xml><?xml version="1.0" encoding="utf-8"?>
+<p:notes xmlns:a="http://schemas.openxmlformats.org/drawingml/2006/main" xmlns:r="http://schemas.openxmlformats.org/officeDocument/2006/relationships" xmlns:mc="http://schemas.openxmlformats.org/markup-compatibility/2006" xmlns:mv="urn:schemas-microsoft-com:mac:vml" xmlns:p="http://schemas.openxmlformats.org/presentationml/2006/main" xmlns:c="http://schemas.openxmlformats.org/drawingml/2006/chart" xmlns:dgm="http://schemas.openxmlformats.org/drawingml/2006/diagram" xmlns:o="urn:schemas-microsoft-com:office:office" xmlns:v="urn:schemas-microsoft-com:vml" xmlns:pvml="urn:schemas-microsoft-com:office:powerpoint" xmlns:com="http://schemas.openxmlformats.org/drawingml/2006/compatibility" xmlns:p14="http://schemas.microsoft.com/office/powerpoint/2010/main" xmlns:p15="http://schemas.microsoft.com/office/powerpoint/2012/main" xmlns:ahyp="http://schemas.microsoft.com/office/drawing/2018/hyperlinkcolor" showMasterPhAnim="0" showMasterSp="0">
+  <p:cSld>
+    <p:spTree>
+      <p:nvGrpSpPr>
+        <p:cNvPr id="396" name="Shape 396"/>
+        <p:cNvGrpSpPr/>
+        <p:nvPr/>
+      </p:nvGrpSpPr>
+      <p:grpSpPr>
+        <a:xfrm>
+          <a:off x="0" y="0"/>
+          <a:ext cx="0" cy="0"/>
+          <a:chOff x="0" y="0"/>
+          <a:chExt cx="0" cy="0"/>
+        </a:xfrm>
+      </p:grpSpPr>
+      <p:sp>
+        <p:nvSpPr>
+          <p:cNvPr id="397" name="Google Shape;397;gc6f9e470d_0_126:notes"/>
+          <p:cNvSpPr/>
+          <p:nvPr>
+            <p:ph idx="2" type="sldImg"/>
+          </p:nvPr>
+        </p:nvSpPr>
+        <p:spPr>
+          <a:xfrm>
+            <a:off x="381188" y="685800"/>
+            <a:ext cx="6096300" cy="3429000"/>
+          </a:xfrm>
+          <a:custGeom>
+            <a:rect b="b" l="l" r="r" t="t"/>
+            <a:pathLst>
+              <a:path extrusionOk="0" h="120000" w="120000">
+                <a:moveTo>
+                  <a:pt x="0" y="0"/>
+                </a:moveTo>
+                <a:lnTo>
+                  <a:pt x="120000" y="0"/>
+                </a:lnTo>
+                <a:lnTo>
+                  <a:pt x="120000" y="120000"/>
+                </a:lnTo>
+                <a:lnTo>
+                  <a:pt x="0" y="120000"/>
+                </a:lnTo>
+                <a:close/>
+              </a:path>
+            </a:pathLst>
+          </a:custGeom>
+        </p:spPr>
+      </p:sp>
+      <p:sp>
+        <p:nvSpPr>
+          <p:cNvPr id="398" name="Google Shape;398;gc6f9e470d_0_126:notes"/>
+          <p:cNvSpPr txBox="1"/>
+          <p:nvPr>
+            <p:ph idx="1" type="body"/>
+          </p:nvPr>
+        </p:nvSpPr>
+        <p:spPr>
+          <a:xfrm>
+            <a:off x="685800" y="4343400"/>
+            <a:ext cx="5486400" cy="4114800"/>
+          </a:xfrm>
+          <a:prstGeom prst="rect">
+            <a:avLst/>
+          </a:prstGeom>
+        </p:spPr>
+        <p:txBody>
+          <a:bodyPr anchorCtr="0" anchor="t" bIns="91425" lIns="91425" spcFirstLastPara="1" rIns="91425" wrap="square" tIns="91425">
+            <a:noAutofit/>
+          </a:bodyPr>
+          <a:lstStyle/>
+          <a:p>
+            <a:pPr indent="0" lvl="0" marL="0" rtl="0" algn="l">
+              <a:spcBef>
+                <a:spcPts val="0"/>
+              </a:spcBef>
+              <a:spcAft>
+                <a:spcPts val="0"/>
+              </a:spcAft>
+              <a:buNone/>
+            </a:pPr>
+            <a:r>
+              <a:t/>
+            </a:r>
+            <a:endParaRPr/>
+          </a:p>
+        </p:txBody>
+      </p:sp>
+    </p:spTree>
+  </p:cSld>
+  <p:clrMapOvr>
+    <a:masterClrMapping/>
+  </p:clrMapOvr>
+</p:notes>
+</file>
+
+<file path=ppt/notesSlides/notesSlide34.xml><?xml version="1.0" encoding="utf-8"?>
+<p:notes xmlns:a="http://schemas.openxmlformats.org/drawingml/2006/main" xmlns:r="http://schemas.openxmlformats.org/officeDocument/2006/relationships" xmlns:mc="http://schemas.openxmlformats.org/markup-compatibility/2006" xmlns:mv="urn:schemas-microsoft-com:mac:vml" xmlns:p="http://schemas.openxmlformats.org/presentationml/2006/main" xmlns:c="http://schemas.openxmlformats.org/drawingml/2006/chart" xmlns:dgm="http://schemas.openxmlformats.org/drawingml/2006/diagram" xmlns:o="urn:schemas-microsoft-com:office:office" xmlns:v="urn:schemas-microsoft-com:vml" xmlns:pvml="urn:schemas-microsoft-com:office:powerpoint" xmlns:com="http://schemas.openxmlformats.org/drawingml/2006/compatibility" xmlns:p14="http://schemas.microsoft.com/office/powerpoint/2010/main" xmlns:p15="http://schemas.microsoft.com/office/powerpoint/2012/main" xmlns:ahyp="http://schemas.microsoft.com/office/drawing/2018/hyperlinkcolor" showMasterPhAnim="0" showMasterSp="0">
+  <p:cSld>
+    <p:spTree>
+      <p:nvGrpSpPr>
+        <p:cNvPr id="433" name="Shape 433"/>
+        <p:cNvGrpSpPr/>
+        <p:nvPr/>
+      </p:nvGrpSpPr>
+      <p:grpSpPr>
+        <a:xfrm>
+          <a:off x="0" y="0"/>
+          <a:ext cx="0" cy="0"/>
+          <a:chOff x="0" y="0"/>
+          <a:chExt cx="0" cy="0"/>
+        </a:xfrm>
+      </p:grpSpPr>
+      <p:sp>
+        <p:nvSpPr>
+          <p:cNvPr id="434" name="Google Shape;434;g13e30ec05fc_1_786:notes"/>
+          <p:cNvSpPr/>
+          <p:nvPr>
+            <p:ph idx="2" type="sldImg"/>
+          </p:nvPr>
+        </p:nvSpPr>
+        <p:spPr>
+          <a:xfrm>
+            <a:off x="381300" y="685800"/>
+            <a:ext cx="6096000" cy="3429000"/>
+          </a:xfrm>
+          <a:custGeom>
+            <a:rect b="b" l="l" r="r" t="t"/>
+            <a:pathLst>
+              <a:path extrusionOk="0" h="120000" w="120000">
+                <a:moveTo>
+                  <a:pt x="0" y="0"/>
+                </a:moveTo>
+                <a:lnTo>
+                  <a:pt x="120000" y="0"/>
+                </a:lnTo>
+                <a:lnTo>
+                  <a:pt x="120000" y="120000"/>
+                </a:lnTo>
+                <a:lnTo>
+                  <a:pt x="0" y="120000"/>
+                </a:lnTo>
+                <a:close/>
+              </a:path>
+            </a:pathLst>
+          </a:custGeom>
+        </p:spPr>
+      </p:sp>
+      <p:sp>
+        <p:nvSpPr>
+          <p:cNvPr id="435" name="Google Shape;435;g13e30ec05fc_1_786:notes"/>
           <p:cNvSpPr txBox="1"/>
           <p:nvPr>
             <p:ph idx="1" type="body"/>
@@ -11133,7 +12133,7 @@
                   <a:cs typeface="Roboto"/>
                   <a:sym typeface="Roboto"/>
                 </a:rPr>
-                <a:t>All null values from the total_cases column were dropped and the new_cases nulls were filled with zeros as the goal was to predict the number of daily new cases</a:t>
+                <a:t>All null values from the total_cases column were dropped and the new_cases nulls were filled with zeros as the goal was to predict the number of daily new cases.</a:t>
               </a:r>
               <a:endParaRPr>
                 <a:latin typeface="Roboto"/>
@@ -11984,7 +12984,41 @@
                   <a:cs typeface="Roboto"/>
                   <a:sym typeface="Roboto"/>
                 </a:rPr>
-                <a:t>Columns were then normalized to per 100,000 people of each location's population</a:t>
+                <a:t>New columns of daily differences in total vaccinations and people fully vaccinated were added to enhance the models interpretation of the cumulative numbers</a:t>
+              </a:r>
+              <a:endParaRPr>
+                <a:highlight>
+                  <a:srgbClr val="FFFFFF"/>
+                </a:highlight>
+                <a:latin typeface="Roboto"/>
+                <a:ea typeface="Roboto"/>
+                <a:cs typeface="Roboto"/>
+                <a:sym typeface="Roboto"/>
+              </a:endParaRPr>
+            </a:p>
+            <a:p>
+              <a:pPr indent="-317500" lvl="0" marL="457200" rtl="0" algn="l">
+                <a:spcBef>
+                  <a:spcPts val="1000"/>
+                </a:spcBef>
+                <a:spcAft>
+                  <a:spcPts val="0"/>
+                </a:spcAft>
+                <a:buSzPts val="1400"/>
+                <a:buFont typeface="Roboto"/>
+                <a:buChar char="●"/>
+              </a:pPr>
+              <a:r>
+                <a:rPr lang="en">
+                  <a:highlight>
+                    <a:srgbClr val="FFFFFF"/>
+                  </a:highlight>
+                  <a:latin typeface="Roboto"/>
+                  <a:ea typeface="Roboto"/>
+                  <a:cs typeface="Roboto"/>
+                  <a:sym typeface="Roboto"/>
+                </a:rPr>
+                <a:t>All columns were then normalized to per 100,000 people of each location's population</a:t>
               </a:r>
               <a:endParaRPr>
                 <a:highlight>
@@ -12509,7 +13543,7 @@
             </a:pPr>
             <a:r>
               <a:rPr lang="en"/>
-              <a:t>Machine Learning (cont.)</a:t>
+              <a:t>Machine Learning</a:t>
             </a:r>
             <a:endParaRPr/>
           </a:p>
@@ -12525,8 +13559,8 @@
         </p:nvSpPr>
         <p:spPr>
           <a:xfrm>
-            <a:off x="432350" y="2070575"/>
-            <a:ext cx="8400000" cy="2650800"/>
+            <a:off x="432350" y="2020050"/>
+            <a:ext cx="8403900" cy="2744400"/>
           </a:xfrm>
           <a:prstGeom prst="rect">
             <a:avLst/>
@@ -12538,10 +13572,7 @@
           </a:bodyPr>
           <a:lstStyle/>
           <a:p>
-            <a:pPr indent="-330200" lvl="0" marL="457200" rtl="0" algn="l">
-              <a:lnSpc>
-                <a:spcPct val="100000"/>
-              </a:lnSpc>
+            <a:pPr indent="-317500" lvl="0" marL="457200" rtl="0" algn="l">
               <a:spcBef>
                 <a:spcPts val="0"/>
               </a:spcBef>
@@ -12551,26 +13582,32 @@
               <a:buClr>
                 <a:srgbClr val="000000"/>
               </a:buClr>
-              <a:buSzPts val="1600"/>
+              <a:buSzPts val="1400"/>
               <a:buFont typeface="Roboto"/>
               <a:buChar char="●"/>
             </a:pPr>
             <a:r>
-              <a:rPr lang="en" sz="1600">
+              <a:rPr lang="en" sz="1400">
                 <a:solidFill>
                   <a:srgbClr val="000000"/>
                 </a:solidFill>
+                <a:highlight>
+                  <a:srgbClr val="FFFFFF"/>
+                </a:highlight>
               </a:rPr>
-              <a:t>XXXXXXXXXXXXXXXXXXXXXXXXXXXXXXXXXXXXX</a:t>
+              <a:t>With 99,856 records and 17 columns, all the variables were visualized with a heatmap to study their correlations using the Seaborn python library</a:t>
             </a:r>
-            <a:endParaRPr sz="1600">
+            <a:endParaRPr sz="1400">
               <a:solidFill>
                 <a:srgbClr val="000000"/>
               </a:solidFill>
+              <a:highlight>
+                <a:srgbClr val="FFFFFF"/>
+              </a:highlight>
             </a:endParaRPr>
           </a:p>
           <a:p>
-            <a:pPr indent="-330200" lvl="0" marL="457200" rtl="0" algn="l">
+            <a:pPr indent="-317500" lvl="0" marL="457200" rtl="0" algn="l">
               <a:spcBef>
                 <a:spcPts val="1000"/>
               </a:spcBef>
@@ -12580,32 +13617,32 @@
               <a:buClr>
                 <a:srgbClr val="000000"/>
               </a:buClr>
-              <a:buSzPts val="1600"/>
+              <a:buSzPts val="1400"/>
               <a:buFont typeface="Roboto"/>
               <a:buChar char="●"/>
             </a:pPr>
             <a:r>
-              <a:rPr lang="en" sz="1600">
+              <a:rPr lang="en" sz="1400">
                 <a:solidFill>
-                  <a:srgbClr val="000000"/>
+                  <a:srgbClr val="24292F"/>
                 </a:solidFill>
                 <a:highlight>
-                  <a:schemeClr val="lt1"/>
+                  <a:srgbClr val="FFFFFF"/>
                 </a:highlight>
               </a:rPr>
-              <a:t>XXXXXXXXXXXXXXXXXXXXXXX</a:t>
+              <a:t>Next, target was defined to be new_cases_per_100K and the rest of the 16 columns were the features</a:t>
             </a:r>
-            <a:endParaRPr sz="1600">
+            <a:endParaRPr sz="1400">
               <a:solidFill>
-                <a:srgbClr val="000000"/>
+                <a:srgbClr val="24292F"/>
               </a:solidFill>
               <a:highlight>
-                <a:schemeClr val="lt1"/>
+                <a:srgbClr val="FFFFFF"/>
               </a:highlight>
             </a:endParaRPr>
           </a:p>
           <a:p>
-            <a:pPr indent="-330200" lvl="0" marL="457200" rtl="0" algn="l">
+            <a:pPr indent="-317500" lvl="0" marL="457200" rtl="0" algn="l">
               <a:spcBef>
                 <a:spcPts val="1000"/>
               </a:spcBef>
@@ -12613,34 +13650,34 @@
                 <a:spcPts val="0"/>
               </a:spcAft>
               <a:buClr>
-                <a:srgbClr val="000000"/>
+                <a:srgbClr val="24292F"/>
               </a:buClr>
-              <a:buSzPts val="1600"/>
+              <a:buSzPts val="1400"/>
               <a:buFont typeface="Roboto"/>
               <a:buChar char="●"/>
             </a:pPr>
             <a:r>
-              <a:rPr lang="en" sz="1600">
+              <a:rPr lang="en" sz="1400">
                 <a:solidFill>
-                  <a:srgbClr val="000000"/>
+                  <a:srgbClr val="24292F"/>
                 </a:solidFill>
                 <a:highlight>
-                  <a:schemeClr val="lt1"/>
+                  <a:srgbClr val="FFFFFF"/>
                 </a:highlight>
               </a:rPr>
-              <a:t>XXXXXXXXXXXXXXXXXXXXXXXXXXXXXXXXXXXXXX</a:t>
+              <a:t>Then the data was split into training and testing subsets and standardized them with the StandardScaler</a:t>
             </a:r>
-            <a:endParaRPr sz="1600">
+            <a:endParaRPr sz="1400">
               <a:solidFill>
-                <a:srgbClr val="000000"/>
+                <a:srgbClr val="24292F"/>
               </a:solidFill>
               <a:highlight>
-                <a:schemeClr val="lt1"/>
+                <a:srgbClr val="FFFFFF"/>
               </a:highlight>
             </a:endParaRPr>
           </a:p>
           <a:p>
-            <a:pPr indent="-330200" lvl="0" marL="457200" rtl="0" algn="l">
+            <a:pPr indent="-317500" lvl="0" marL="457200" rtl="0" algn="l">
               <a:spcBef>
                 <a:spcPts val="1000"/>
               </a:spcBef>
@@ -12648,22 +13685,22 @@
                 <a:spcPts val="0"/>
               </a:spcAft>
               <a:buClr>
-                <a:srgbClr val="000000"/>
+                <a:srgbClr val="24292F"/>
               </a:buClr>
-              <a:buSzPts val="1600"/>
+              <a:buSzPts val="1400"/>
               <a:buFont typeface="Roboto"/>
               <a:buChar char="●"/>
             </a:pPr>
             <a:r>
-              <a:rPr lang="en" sz="1600">
+              <a:rPr lang="en" sz="1400">
                 <a:solidFill>
-                  <a:srgbClr val="000000"/>
+                  <a:srgbClr val="24292F"/>
                 </a:solidFill>
                 <a:highlight>
-                  <a:schemeClr val="lt1"/>
+                  <a:srgbClr val="FFFFFF"/>
                 </a:highlight>
               </a:rPr>
-              <a:t>XXXXXXXXXXXXXXXXXX</a:t>
+              <a:t>The training and testing subsets were split according the default of 75%, 25%, respectively. X_train shape: (74892, 16), X_test shape: (24964, 16), y_train shape: (74892,), y_test shape: (24964,)</a:t>
             </a:r>
             <a:endParaRPr sz="1400">
               <a:solidFill>
@@ -12677,7 +13714,7 @@
           <a:p>
             <a:pPr indent="0" lvl="0" marL="0" rtl="0" algn="l">
               <a:spcBef>
-                <a:spcPts val="1000"/>
+                <a:spcPts val="1200"/>
               </a:spcBef>
               <a:spcAft>
                 <a:spcPts val="800"/>
@@ -12699,8 +13736,8 @@
         </p:nvSpPr>
         <p:spPr>
           <a:xfrm>
-            <a:off x="432351" y="1304875"/>
-            <a:ext cx="8293500" cy="607800"/>
+            <a:off x="432347" y="1304875"/>
+            <a:ext cx="8287500" cy="607800"/>
           </a:xfrm>
           <a:prstGeom prst="chevron">
             <a:avLst>
@@ -12746,7 +13783,7 @@
         </p:nvSpPr>
         <p:spPr>
           <a:xfrm>
-            <a:off x="742900" y="1378075"/>
+            <a:off x="754000" y="1378075"/>
             <a:ext cx="3743400" cy="461400"/>
           </a:xfrm>
           <a:prstGeom prst="rect">
@@ -12774,7 +13811,7 @@
                   <a:schemeClr val="lt1"/>
                 </a:solidFill>
               </a:rPr>
-              <a:t>Results</a:t>
+              <a:t>Heatmap</a:t>
             </a:r>
             <a:endParaRPr>
               <a:solidFill>
@@ -12814,13 +13851,13 @@
           <p:cNvPr id="283" name="Google Shape;283;p31"/>
           <p:cNvSpPr txBox="1"/>
           <p:nvPr>
-            <p:ph type="title"/>
+            <p:ph idx="4294967295" type="body"/>
           </p:nvPr>
         </p:nvSpPr>
         <p:spPr>
           <a:xfrm>
-            <a:off x="311700" y="410000"/>
-            <a:ext cx="8520600" cy="607800"/>
+            <a:off x="742900" y="1378075"/>
+            <a:ext cx="3743400" cy="461400"/>
           </a:xfrm>
           <a:prstGeom prst="rect">
             <a:avLst/>
@@ -12842,28 +13879,59 @@
               <a:buNone/>
             </a:pPr>
             <a:r>
-              <a:rPr lang="en" u="sng">
+              <a:rPr lang="en">
                 <a:solidFill>
-                  <a:schemeClr val="hlink"/>
+                  <a:schemeClr val="lt1"/>
                 </a:solidFill>
-                <a:hlinkClick r:id="rId3"/>
               </a:rPr>
-              <a:t>Creating Visualizations</a:t>
+              <a:t>Model Selection</a:t>
             </a:r>
-            <a:endParaRPr/>
+            <a:endParaRPr>
+              <a:solidFill>
+                <a:schemeClr val="lt1"/>
+              </a:solidFill>
+            </a:endParaRPr>
           </a:p>
         </p:txBody>
       </p:sp>
+      <p:pic>
+        <p:nvPicPr>
+          <p:cNvPr id="284" name="Google Shape;284;p31"/>
+          <p:cNvPicPr preferRelativeResize="0"/>
+          <p:nvPr/>
+        </p:nvPicPr>
+        <p:blipFill>
+          <a:blip r:embed="rId3">
+            <a:alphaModFix/>
+          </a:blip>
+          <a:stretch>
+            <a:fillRect/>
+          </a:stretch>
+        </p:blipFill>
+        <p:spPr>
+          <a:xfrm>
+            <a:off x="846725" y="166700"/>
+            <a:ext cx="7342425" cy="4810099"/>
+          </a:xfrm>
+          <a:prstGeom prst="rect">
+            <a:avLst/>
+          </a:prstGeom>
+          <a:noFill/>
+          <a:ln>
+            <a:noFill/>
+          </a:ln>
+        </p:spPr>
+      </p:pic>
       <p:sp>
         <p:nvSpPr>
-          <p:cNvPr id="284" name="Google Shape;284;p31"/>
+          <p:cNvPr id="285" name="Google Shape;285;p31"/>
           <p:cNvSpPr txBox="1"/>
           <p:nvPr/>
         </p:nvSpPr>
         <p:spPr>
           <a:xfrm>
-            <a:off x="562350" y="1412750"/>
-            <a:ext cx="7159800" cy="431100"/>
+            <a:off x="1124725" y="4774200"/>
+            <a:ext cx="7279200" cy="369300"/>
           </a:xfrm>
           <a:prstGeom prst="rect">
             <a:avLst/>
@@ -12889,9 +13957,15 @@
               <a:buNone/>
             </a:pPr>
             <a:r>
-              <a:t/>
+              <a:rPr i="1" lang="en" sz="1200">
+                <a:latin typeface="Roboto"/>
+                <a:ea typeface="Roboto"/>
+                <a:cs typeface="Roboto"/>
+                <a:sym typeface="Roboto"/>
+              </a:rPr>
+              <a:t>Heatmap of 16 features</a:t>
             </a:r>
-            <a:endParaRPr sz="1600">
+            <a:endParaRPr i="1" sz="1200">
               <a:latin typeface="Roboto"/>
               <a:ea typeface="Roboto"/>
               <a:cs typeface="Roboto"/>
@@ -12900,34 +13974,6 @@
           </a:p>
         </p:txBody>
       </p:sp>
-      <p:pic>
-        <p:nvPicPr>
-          <p:cNvPr id="285" name="Google Shape;285;p31"/>
-          <p:cNvPicPr preferRelativeResize="0"/>
-          <p:nvPr/>
-        </p:nvPicPr>
-        <p:blipFill>
-          <a:blip r:embed="rId4">
-            <a:alphaModFix/>
-          </a:blip>
-          <a:stretch>
-            <a:fillRect/>
-          </a:stretch>
-        </p:blipFill>
-        <p:spPr>
-          <a:xfrm>
-            <a:off x="5005225" y="1705600"/>
-            <a:ext cx="2994850" cy="2994850"/>
-          </a:xfrm>
-          <a:prstGeom prst="rect">
-            <a:avLst/>
-          </a:prstGeom>
-          <a:noFill/>
-          <a:ln>
-            <a:noFill/>
-          </a:ln>
-        </p:spPr>
-      </p:pic>
     </p:spTree>
   </p:cSld>
   <p:clrMapOvr>
@@ -13738,242 +14784,376 @@
             </a:pPr>
             <a:r>
               <a:rPr lang="en"/>
-              <a:t>Summarizing Analysis</a:t>
+              <a:t>Machine Learning (cont.)</a:t>
             </a:r>
             <a:endParaRPr/>
           </a:p>
         </p:txBody>
       </p:sp>
-      <p:grpSp>
-        <p:nvGrpSpPr>
+      <p:sp>
+        <p:nvSpPr>
           <p:cNvPr id="291" name="Google Shape;291;p32"/>
-          <p:cNvGrpSpPr/>
+          <p:cNvSpPr txBox="1"/>
+          <p:nvPr>
+            <p:ph idx="4294967295" type="body"/>
+          </p:nvPr>
+        </p:nvSpPr>
+        <p:spPr>
+          <a:xfrm>
+            <a:off x="432350" y="2070575"/>
+            <a:ext cx="8400000" cy="2650800"/>
+          </a:xfrm>
+          <a:prstGeom prst="rect">
+            <a:avLst/>
+          </a:prstGeom>
+        </p:spPr>
+        <p:txBody>
+          <a:bodyPr anchorCtr="0" anchor="t" bIns="91425" lIns="91425" spcFirstLastPara="1" rIns="91425" wrap="square" tIns="91425">
+            <a:noAutofit/>
+          </a:bodyPr>
+          <a:lstStyle/>
+          <a:p>
+            <a:pPr indent="-317500" lvl="0" marL="457200" rtl="0" algn="l">
+              <a:lnSpc>
+                <a:spcPct val="100000"/>
+              </a:lnSpc>
+              <a:spcBef>
+                <a:spcPts val="0"/>
+              </a:spcBef>
+              <a:spcAft>
+                <a:spcPts val="0"/>
+              </a:spcAft>
+              <a:buClr>
+                <a:srgbClr val="000000"/>
+              </a:buClr>
+              <a:buSzPts val="1400"/>
+              <a:buFont typeface="Roboto"/>
+              <a:buChar char="●"/>
+            </a:pPr>
+            <a:r>
+              <a:rPr lang="en" sz="1400">
+                <a:solidFill>
+                  <a:srgbClr val="000000"/>
+                </a:solidFill>
+                <a:highlight>
+                  <a:srgbClr val="FFFFFF"/>
+                </a:highlight>
+              </a:rPr>
+              <a:t>Established a random forest regression instance and chose 128 decision trees for the first run of the model, followed by fitting and evaluating the model on the scaled training and testing data, respectively</a:t>
+            </a:r>
+            <a:endParaRPr sz="1400">
+              <a:solidFill>
+                <a:srgbClr val="000000"/>
+              </a:solidFill>
+            </a:endParaRPr>
+          </a:p>
+          <a:p>
+            <a:pPr indent="-317500" lvl="0" marL="457200" rtl="0" algn="l">
+              <a:spcBef>
+                <a:spcPts val="1000"/>
+              </a:spcBef>
+              <a:spcAft>
+                <a:spcPts val="0"/>
+              </a:spcAft>
+              <a:buClr>
+                <a:srgbClr val="000000"/>
+              </a:buClr>
+              <a:buSzPts val="1400"/>
+              <a:buFont typeface="Roboto"/>
+              <a:buChar char="●"/>
+            </a:pPr>
+            <a:r>
+              <a:rPr lang="en" sz="1400">
+                <a:solidFill>
+                  <a:srgbClr val="000000"/>
+                </a:solidFill>
+                <a:highlight>
+                  <a:srgbClr val="FFFFFF"/>
+                </a:highlight>
+              </a:rPr>
+              <a:t>The model was scored using mean squared error, mean absolute error, and the R squared metrics</a:t>
+            </a:r>
+            <a:endParaRPr sz="1400">
+              <a:solidFill>
+                <a:srgbClr val="000000"/>
+              </a:solidFill>
+              <a:highlight>
+                <a:schemeClr val="lt1"/>
+              </a:highlight>
+            </a:endParaRPr>
+          </a:p>
+          <a:p>
+            <a:pPr indent="-317500" lvl="0" marL="457200" rtl="0" algn="l">
+              <a:spcBef>
+                <a:spcPts val="1000"/>
+              </a:spcBef>
+              <a:spcAft>
+                <a:spcPts val="0"/>
+              </a:spcAft>
+              <a:buClr>
+                <a:srgbClr val="000000"/>
+              </a:buClr>
+              <a:buSzPts val="1400"/>
+              <a:buFont typeface="Roboto"/>
+              <a:buChar char="●"/>
+            </a:pPr>
+            <a:r>
+              <a:rPr lang="en" sz="1400">
+                <a:solidFill>
+                  <a:srgbClr val="000000"/>
+                </a:solidFill>
+                <a:highlight>
+                  <a:srgbClr val="FFFFFF"/>
+                </a:highlight>
+              </a:rPr>
+              <a:t>Matplotlib library was then to visualize the predictions against the actual new cases per 100k from the testing subset, in addition to plotting the residuals of predictions for the whole </a:t>
+            </a:r>
+            <a:r>
+              <a:rPr i="1" lang="en" sz="1400">
+                <a:solidFill>
+                  <a:srgbClr val="000000"/>
+                </a:solidFill>
+                <a:highlight>
+                  <a:srgbClr val="FFFFFF"/>
+                </a:highlight>
+              </a:rPr>
+              <a:t>scaled</a:t>
+            </a:r>
+            <a:r>
+              <a:rPr lang="en" sz="1400">
+                <a:solidFill>
+                  <a:srgbClr val="000000"/>
+                </a:solidFill>
+                <a:highlight>
+                  <a:srgbClr val="FFFFFF"/>
+                </a:highlight>
+              </a:rPr>
+              <a:t> dataset</a:t>
+            </a:r>
+            <a:endParaRPr sz="1400">
+              <a:solidFill>
+                <a:srgbClr val="000000"/>
+              </a:solidFill>
+              <a:highlight>
+                <a:schemeClr val="lt1"/>
+              </a:highlight>
+            </a:endParaRPr>
+          </a:p>
+          <a:p>
+            <a:pPr indent="-317500" lvl="0" marL="457200" rtl="0" algn="l">
+              <a:spcBef>
+                <a:spcPts val="1000"/>
+              </a:spcBef>
+              <a:spcAft>
+                <a:spcPts val="0"/>
+              </a:spcAft>
+              <a:buClr>
+                <a:srgbClr val="000000"/>
+              </a:buClr>
+              <a:buSzPts val="1400"/>
+              <a:buFont typeface="Roboto"/>
+              <a:buChar char="●"/>
+            </a:pPr>
+            <a:r>
+              <a:rPr lang="en" sz="1400">
+                <a:solidFill>
+                  <a:srgbClr val="000000"/>
+                </a:solidFill>
+                <a:highlight>
+                  <a:srgbClr val="FFFFFF"/>
+                </a:highlight>
+              </a:rPr>
+              <a:t>The whole dataset was scaled and predictions were made on the 16 features </a:t>
+            </a:r>
+            <a:endParaRPr sz="1400">
+              <a:solidFill>
+                <a:srgbClr val="000000"/>
+              </a:solidFill>
+              <a:highlight>
+                <a:srgbClr val="FFFFFF"/>
+              </a:highlight>
+            </a:endParaRPr>
+          </a:p>
+          <a:p>
+            <a:pPr indent="-317500" lvl="0" marL="457200" rtl="0" algn="l">
+              <a:spcBef>
+                <a:spcPts val="1000"/>
+              </a:spcBef>
+              <a:spcAft>
+                <a:spcPts val="1000"/>
+              </a:spcAft>
+              <a:buClr>
+                <a:srgbClr val="000000"/>
+              </a:buClr>
+              <a:buSzPts val="1400"/>
+              <a:buFont typeface="Roboto"/>
+              <a:buChar char="●"/>
+            </a:pPr>
+            <a:r>
+              <a:rPr lang="en" sz="1400">
+                <a:solidFill>
+                  <a:srgbClr val="000000"/>
+                </a:solidFill>
+                <a:highlight>
+                  <a:srgbClr val="FFFFFF"/>
+                </a:highlight>
+              </a:rPr>
+              <a:t>Then, added the predictions and calculated residuals to the </a:t>
+            </a:r>
+            <a:r>
+              <a:rPr lang="en" sz="1400">
+                <a:solidFill>
+                  <a:srgbClr val="000000"/>
+                </a:solidFill>
+                <a:highlight>
+                  <a:srgbClr val="FFFFFF"/>
+                </a:highlight>
+                <a:uFill>
+                  <a:noFill/>
+                </a:uFill>
+                <a:hlinkClick r:id="rId3">
+                  <a:extLst>
+                    <a:ext uri="{A12FA001-AC4F-418D-AE19-62706E023703}">
+                      <ahyp:hlinkClr val="tx"/>
+                    </a:ext>
+                  </a:extLst>
+                </a:hlinkClick>
+              </a:rPr>
+              <a:t>features only dataframe</a:t>
+            </a:r>
+            <a:r>
+              <a:rPr lang="en" sz="1400">
+                <a:solidFill>
+                  <a:srgbClr val="000000"/>
+                </a:solidFill>
+                <a:highlight>
+                  <a:srgbClr val="FFFFFF"/>
+                </a:highlight>
+              </a:rPr>
+              <a:t> and the </a:t>
+            </a:r>
+            <a:r>
+              <a:rPr lang="en" sz="1400">
+                <a:solidFill>
+                  <a:srgbClr val="000000"/>
+                </a:solidFill>
+                <a:highlight>
+                  <a:srgbClr val="FFFFFF"/>
+                </a:highlight>
+                <a:uFill>
+                  <a:noFill/>
+                </a:uFill>
+                <a:hlinkClick r:id="rId4">
+                  <a:extLst>
+                    <a:ext uri="{A12FA001-AC4F-418D-AE19-62706E023703}">
+                      <ahyp:hlinkClr val="tx"/>
+                    </a:ext>
+                  </a:extLst>
+                </a:hlinkClick>
+              </a:rPr>
+              <a:t>dataframe with locations and raw numbers</a:t>
+            </a:r>
+            <a:endParaRPr b="1" sz="1400">
+              <a:solidFill>
+                <a:srgbClr val="000000"/>
+              </a:solidFill>
+            </a:endParaRPr>
+          </a:p>
+        </p:txBody>
+      </p:sp>
+      <p:sp>
+        <p:nvSpPr>
+          <p:cNvPr id="292" name="Google Shape;292;p32"/>
+          <p:cNvSpPr/>
           <p:nvPr/>
-        </p:nvGrpSpPr>
-        <p:grpSpPr>
+        </p:nvSpPr>
+        <p:spPr>
           <a:xfrm>
-            <a:off x="401725" y="1228664"/>
-            <a:ext cx="8430695" cy="3105712"/>
-            <a:chOff x="431925" y="1304875"/>
-            <a:chExt cx="2628923" cy="3525612"/>
+            <a:off x="432351" y="1304875"/>
+            <a:ext cx="8293500" cy="607800"/>
           </a:xfrm>
-        </p:grpSpPr>
-        <p:sp>
-          <p:nvSpPr>
-            <p:cNvPr id="292" name="Google Shape;292;p32"/>
-            <p:cNvSpPr txBox="1"/>
-            <p:nvPr/>
-          </p:nvSpPr>
-          <p:spPr>
-            <a:xfrm>
-              <a:off x="431925" y="1304875"/>
-              <a:ext cx="2628900" cy="464100"/>
-            </a:xfrm>
-            <a:prstGeom prst="rect">
-              <a:avLst/>
-            </a:prstGeom>
-            <a:solidFill>
-              <a:schemeClr val="dk1"/>
-            </a:solidFill>
-            <a:ln>
-              <a:noFill/>
-            </a:ln>
-          </p:spPr>
-          <p:txBody>
-            <a:bodyPr anchorCtr="0" anchor="ctr" bIns="91425" lIns="91425" spcFirstLastPara="1" rIns="91425" wrap="square" tIns="91425">
-              <a:noAutofit/>
-            </a:bodyPr>
-            <a:lstStyle/>
-            <a:p>
-              <a:pPr indent="0" lvl="0" marL="0" rtl="0" algn="l">
-                <a:spcBef>
-                  <a:spcPts val="0"/>
-                </a:spcBef>
-                <a:spcAft>
-                  <a:spcPts val="0"/>
-                </a:spcAft>
-                <a:buNone/>
-              </a:pPr>
-              <a:r>
-                <a:t/>
-              </a:r>
-              <a:endParaRPr/>
-            </a:p>
-          </p:txBody>
-        </p:sp>
-        <p:sp>
-          <p:nvSpPr>
-            <p:cNvPr id="293" name="Google Shape;293;p32"/>
-            <p:cNvSpPr/>
-            <p:nvPr/>
-          </p:nvSpPr>
-          <p:spPr>
-            <a:xfrm>
-              <a:off x="431948" y="1304887"/>
-              <a:ext cx="2628900" cy="3525600"/>
-            </a:xfrm>
-            <a:prstGeom prst="rect">
-              <a:avLst/>
-            </a:prstGeom>
+          <a:prstGeom prst="chevron">
+            <a:avLst>
+              <a:gd fmla="val 50000" name="adj"/>
+            </a:avLst>
+          </a:prstGeom>
+          <a:solidFill>
+            <a:schemeClr val="dk1"/>
+          </a:solidFill>
+          <a:ln>
             <a:noFill/>
-            <a:ln cap="flat" cmpd="sng" w="9525">
+          </a:ln>
+        </p:spPr>
+        <p:txBody>
+          <a:bodyPr anchorCtr="0" anchor="ctr" bIns="121875" lIns="121875" spcFirstLastPara="1" rIns="121875" wrap="square" tIns="121875">
+            <a:noAutofit/>
+          </a:bodyPr>
+          <a:lstStyle/>
+          <a:p>
+            <a:pPr indent="0" lvl="0" marL="0" rtl="0" algn="l">
+              <a:spcBef>
+                <a:spcPts val="0"/>
+              </a:spcBef>
+              <a:spcAft>
+                <a:spcPts val="0"/>
+              </a:spcAft>
+              <a:buNone/>
+            </a:pPr>
+            <a:r>
+              <a:t/>
+            </a:r>
+            <a:endParaRPr/>
+          </a:p>
+        </p:txBody>
+      </p:sp>
+      <p:sp>
+        <p:nvSpPr>
+          <p:cNvPr id="293" name="Google Shape;293;p32"/>
+          <p:cNvSpPr txBox="1"/>
+          <p:nvPr>
+            <p:ph idx="4294967295" type="body"/>
+          </p:nvPr>
+        </p:nvSpPr>
+        <p:spPr>
+          <a:xfrm>
+            <a:off x="742900" y="1378075"/>
+            <a:ext cx="3743400" cy="461400"/>
+          </a:xfrm>
+          <a:prstGeom prst="rect">
+            <a:avLst/>
+          </a:prstGeom>
+        </p:spPr>
+        <p:txBody>
+          <a:bodyPr anchorCtr="0" anchor="t" bIns="91425" lIns="91425" spcFirstLastPara="1" rIns="91425" wrap="square" tIns="91425">
+            <a:noAutofit/>
+          </a:bodyPr>
+          <a:lstStyle/>
+          <a:p>
+            <a:pPr indent="0" lvl="0" marL="0" rtl="0" algn="l">
+              <a:spcBef>
+                <a:spcPts val="0"/>
+              </a:spcBef>
+              <a:spcAft>
+                <a:spcPts val="0"/>
+              </a:spcAft>
+              <a:buNone/>
+            </a:pPr>
+            <a:r>
+              <a:rPr lang="en">
+                <a:solidFill>
+                  <a:schemeClr val="lt1"/>
+                </a:solidFill>
+              </a:rPr>
+              <a:t>Creating the Model</a:t>
+            </a:r>
+            <a:endParaRPr>
               <a:solidFill>
-                <a:schemeClr val="dk1"/>
+                <a:schemeClr val="lt1"/>
               </a:solidFill>
-              <a:prstDash val="solid"/>
-              <a:round/>
-              <a:headEnd len="sm" w="sm" type="none"/>
-              <a:tailEnd len="sm" w="sm" type="none"/>
-            </a:ln>
-          </p:spPr>
-          <p:txBody>
-            <a:bodyPr anchorCtr="0" anchor="ctr" bIns="91425" lIns="91425" spcFirstLastPara="1" rIns="91425" wrap="square" tIns="91425">
-              <a:noAutofit/>
-            </a:bodyPr>
-            <a:lstStyle/>
-            <a:p>
-              <a:pPr indent="-330200" lvl="0" marL="457200" rtl="0" algn="l">
-                <a:spcBef>
-                  <a:spcPts val="1000"/>
-                </a:spcBef>
-                <a:spcAft>
-                  <a:spcPts val="0"/>
-                </a:spcAft>
-                <a:buSzPts val="1600"/>
-                <a:buFont typeface="Roboto"/>
-                <a:buChar char="●"/>
-              </a:pPr>
-              <a:r>
-                <a:rPr lang="en" sz="1600">
-                  <a:latin typeface="Roboto"/>
-                  <a:ea typeface="Roboto"/>
-                  <a:cs typeface="Roboto"/>
-                  <a:sym typeface="Roboto"/>
-                </a:rPr>
-                <a:t>XXXXXXXXXXXXXXXXXXXXXXXXXXX</a:t>
-              </a:r>
-              <a:endParaRPr sz="1600">
-                <a:latin typeface="Roboto"/>
-                <a:ea typeface="Roboto"/>
-                <a:cs typeface="Roboto"/>
-                <a:sym typeface="Roboto"/>
-              </a:endParaRPr>
-            </a:p>
-            <a:p>
-              <a:pPr indent="-330200" lvl="0" marL="457200" rtl="0" algn="l">
-                <a:spcBef>
-                  <a:spcPts val="1000"/>
-                </a:spcBef>
-                <a:spcAft>
-                  <a:spcPts val="0"/>
-                </a:spcAft>
-                <a:buSzPts val="1600"/>
-                <a:buFont typeface="Roboto"/>
-                <a:buChar char="●"/>
-              </a:pPr>
-              <a:r>
-                <a:rPr lang="en" sz="1600">
-                  <a:latin typeface="Roboto"/>
-                  <a:ea typeface="Roboto"/>
-                  <a:cs typeface="Roboto"/>
-                  <a:sym typeface="Roboto"/>
-                </a:rPr>
-                <a:t>XXXXXXXXXXXXXXXXXXXXX</a:t>
-              </a:r>
-              <a:endParaRPr sz="1600">
-                <a:latin typeface="Roboto"/>
-                <a:ea typeface="Roboto"/>
-                <a:cs typeface="Roboto"/>
-                <a:sym typeface="Roboto"/>
-              </a:endParaRPr>
-            </a:p>
-            <a:p>
-              <a:pPr indent="-330200" lvl="0" marL="457200" rtl="0" algn="l">
-                <a:spcBef>
-                  <a:spcPts val="1000"/>
-                </a:spcBef>
-                <a:spcAft>
-                  <a:spcPts val="0"/>
-                </a:spcAft>
-                <a:buSzPts val="1600"/>
-                <a:buFont typeface="Roboto"/>
-                <a:buChar char="●"/>
-              </a:pPr>
-              <a:r>
-                <a:rPr lang="en" sz="1600">
-                  <a:latin typeface="Roboto"/>
-                  <a:ea typeface="Roboto"/>
-                  <a:cs typeface="Roboto"/>
-                  <a:sym typeface="Roboto"/>
-                </a:rPr>
-                <a:t>XXXXXXXXXXXXXXXXXXXXXXX</a:t>
-              </a:r>
-              <a:endParaRPr sz="1600">
-                <a:latin typeface="Roboto"/>
-                <a:ea typeface="Roboto"/>
-                <a:cs typeface="Roboto"/>
-                <a:sym typeface="Roboto"/>
-              </a:endParaRPr>
-            </a:p>
-            <a:p>
-              <a:pPr indent="-330200" lvl="0" marL="457200" rtl="0" algn="l">
-                <a:spcBef>
-                  <a:spcPts val="1000"/>
-                </a:spcBef>
-                <a:spcAft>
-                  <a:spcPts val="0"/>
-                </a:spcAft>
-                <a:buSzPts val="1600"/>
-                <a:buFont typeface="Roboto"/>
-                <a:buChar char="●"/>
-              </a:pPr>
-              <a:r>
-                <a:rPr lang="en" sz="1600">
-                  <a:latin typeface="Roboto"/>
-                  <a:ea typeface="Roboto"/>
-                  <a:cs typeface="Roboto"/>
-                  <a:sym typeface="Roboto"/>
-                </a:rPr>
-                <a:t>XXXXXXXXXXXXXXXXXXXXXXXXXXXX</a:t>
-              </a:r>
-              <a:endParaRPr sz="1600">
-                <a:latin typeface="Roboto"/>
-                <a:ea typeface="Roboto"/>
-                <a:cs typeface="Roboto"/>
-                <a:sym typeface="Roboto"/>
-              </a:endParaRPr>
-            </a:p>
-            <a:p>
-              <a:pPr indent="-330200" lvl="0" marL="457200" rtl="0" algn="l">
-                <a:spcBef>
-                  <a:spcPts val="1000"/>
-                </a:spcBef>
-                <a:spcAft>
-                  <a:spcPts val="1000"/>
-                </a:spcAft>
-                <a:buSzPts val="1600"/>
-                <a:buFont typeface="Roboto"/>
-                <a:buChar char="●"/>
-              </a:pPr>
-              <a:r>
-                <a:rPr lang="en" sz="1600">
-                  <a:latin typeface="Roboto"/>
-                  <a:ea typeface="Roboto"/>
-                  <a:cs typeface="Roboto"/>
-                  <a:sym typeface="Roboto"/>
-                </a:rPr>
-                <a:t>XXXXXXXXXXXXXXXXXXXX</a:t>
-              </a:r>
-              <a:endParaRPr sz="1600">
-                <a:latin typeface="Roboto"/>
-                <a:ea typeface="Roboto"/>
-                <a:cs typeface="Roboto"/>
-                <a:sym typeface="Roboto"/>
-              </a:endParaRPr>
-            </a:p>
-          </p:txBody>
-        </p:sp>
-      </p:grpSp>
+            </a:endParaRPr>
+          </a:p>
+        </p:txBody>
+      </p:sp>
     </p:spTree>
   </p:cSld>
   <p:clrMapOvr>
@@ -14033,11 +15213,2968 @@
             </a:pPr>
             <a:r>
               <a:rPr lang="en"/>
-              <a:t>Summarizing Analysis </a:t>
+              <a:t>Machine Learning (cont.)</a:t>
             </a:r>
+            <a:endParaRPr/>
+          </a:p>
+        </p:txBody>
+      </p:sp>
+      <p:sp>
+        <p:nvSpPr>
+          <p:cNvPr id="299" name="Google Shape;299;p33"/>
+          <p:cNvSpPr txBox="1"/>
+          <p:nvPr>
+            <p:ph idx="4294967295" type="body"/>
+          </p:nvPr>
+        </p:nvSpPr>
+        <p:spPr>
+          <a:xfrm>
+            <a:off x="432350" y="1912675"/>
+            <a:ext cx="8400000" cy="2984400"/>
+          </a:xfrm>
+          <a:prstGeom prst="rect">
+            <a:avLst/>
+          </a:prstGeom>
+        </p:spPr>
+        <p:txBody>
+          <a:bodyPr anchorCtr="0" anchor="t" bIns="91425" lIns="91425" spcFirstLastPara="1" rIns="91425" wrap="square" tIns="91425">
+            <a:noAutofit/>
+          </a:bodyPr>
+          <a:lstStyle/>
+          <a:p>
+            <a:pPr indent="-317500" lvl="0" marL="457200" rtl="0" algn="l">
+              <a:lnSpc>
+                <a:spcPct val="100000"/>
+              </a:lnSpc>
+              <a:spcBef>
+                <a:spcPts val="0"/>
+              </a:spcBef>
+              <a:spcAft>
+                <a:spcPts val="0"/>
+              </a:spcAft>
+              <a:buClr>
+                <a:srgbClr val="000000"/>
+              </a:buClr>
+              <a:buSzPts val="1400"/>
+              <a:buFont typeface="Roboto"/>
+              <a:buChar char="●"/>
+            </a:pPr>
+            <a:r>
+              <a:rPr lang="en" sz="1400">
+                <a:solidFill>
+                  <a:srgbClr val="000000"/>
+                </a:solidFill>
+              </a:rPr>
+              <a:t>Feature importance was utilized and the RFR model was constructed based on the selected features only</a:t>
+            </a:r>
+            <a:endParaRPr>
+              <a:solidFill>
+                <a:srgbClr val="000000"/>
+              </a:solidFill>
+            </a:endParaRPr>
+          </a:p>
+          <a:p>
+            <a:pPr indent="-317500" lvl="0" marL="457200" rtl="0" algn="l">
+              <a:spcBef>
+                <a:spcPts val="1000"/>
+              </a:spcBef>
+              <a:spcAft>
+                <a:spcPts val="0"/>
+              </a:spcAft>
+              <a:buClr>
+                <a:srgbClr val="000000"/>
+              </a:buClr>
+              <a:buSzPts val="1400"/>
+              <a:buFont typeface="Roboto"/>
+              <a:buChar char="●"/>
+            </a:pPr>
+            <a:r>
+              <a:rPr lang="en" sz="1400">
+                <a:solidFill>
+                  <a:srgbClr val="000000"/>
+                </a:solidFill>
+              </a:rPr>
+              <a:t>Additional steps included removing an outlier, removing features with significant collinearity, increasing the number of estimators (decision trees)</a:t>
+            </a:r>
+            <a:endParaRPr sz="1400">
+              <a:solidFill>
+                <a:srgbClr val="000000"/>
+              </a:solidFill>
+            </a:endParaRPr>
+          </a:p>
+          <a:p>
+            <a:pPr indent="-317500" lvl="0" marL="457200" rtl="0" algn="l">
+              <a:spcBef>
+                <a:spcPts val="1000"/>
+              </a:spcBef>
+              <a:spcAft>
+                <a:spcPts val="0"/>
+              </a:spcAft>
+              <a:buClr>
+                <a:srgbClr val="000000"/>
+              </a:buClr>
+              <a:buSzPts val="1400"/>
+              <a:buFont typeface="Roboto"/>
+              <a:buChar char="●"/>
+            </a:pPr>
+            <a:r>
+              <a:rPr lang="en" sz="1400">
+                <a:solidFill>
+                  <a:srgbClr val="000000"/>
+                </a:solidFill>
+              </a:rPr>
+              <a:t>PCA technique was applied it to all 16 features to decrease data dimensions </a:t>
+            </a:r>
+            <a:endParaRPr b="1" sz="1400">
+              <a:solidFill>
+                <a:srgbClr val="000000"/>
+              </a:solidFill>
+            </a:endParaRPr>
+          </a:p>
+          <a:p>
+            <a:pPr indent="-317500" lvl="0" marL="457200" rtl="0" algn="l">
+              <a:spcBef>
+                <a:spcPts val="1000"/>
+              </a:spcBef>
+              <a:spcAft>
+                <a:spcPts val="0"/>
+              </a:spcAft>
+              <a:buClr>
+                <a:srgbClr val="000000"/>
+              </a:buClr>
+              <a:buSzPts val="1400"/>
+              <a:buFont typeface="Roboto"/>
+              <a:buChar char="●"/>
+            </a:pPr>
+            <a:r>
+              <a:rPr lang="en" sz="1400">
+                <a:solidFill>
+                  <a:srgbClr val="000000"/>
+                </a:solidFill>
+              </a:rPr>
+              <a:t>Then the dataset back was truncated to the beginning of a severe spike in new cases per 100K at the 730 days mark, and created a new dataframe of the first 720 days into the pandemic (88,039 records, 150 countries)</a:t>
+            </a:r>
+            <a:endParaRPr sz="1400">
+              <a:solidFill>
+                <a:srgbClr val="000000"/>
+              </a:solidFill>
+            </a:endParaRPr>
+          </a:p>
+          <a:p>
+            <a:pPr indent="-317500" lvl="0" marL="457200" rtl="0" algn="l">
+              <a:spcBef>
+                <a:spcPts val="1000"/>
+              </a:spcBef>
+              <a:spcAft>
+                <a:spcPts val="0"/>
+              </a:spcAft>
+              <a:buClr>
+                <a:srgbClr val="000000"/>
+              </a:buClr>
+              <a:buSzPts val="1400"/>
+              <a:buFont typeface="Roboto"/>
+              <a:buChar char="●"/>
+            </a:pPr>
+            <a:r>
+              <a:rPr lang="en" sz="1400">
+                <a:solidFill>
+                  <a:srgbClr val="000000"/>
+                </a:solidFill>
+              </a:rPr>
+              <a:t>After observing the results from the previous step we truncated the days even further down to 700 days only (84,848 records of 150 countries)</a:t>
+            </a:r>
+            <a:endParaRPr sz="1400">
+              <a:solidFill>
+                <a:srgbClr val="000000"/>
+              </a:solidFill>
+            </a:endParaRPr>
+          </a:p>
+          <a:p>
+            <a:pPr indent="0" lvl="0" marL="0" rtl="0" algn="l">
+              <a:spcBef>
+                <a:spcPts val="1000"/>
+              </a:spcBef>
+              <a:spcAft>
+                <a:spcPts val="800"/>
+              </a:spcAft>
+              <a:buNone/>
+            </a:pPr>
+            <a:r>
+              <a:t/>
+            </a:r>
+            <a:endParaRPr sz="1600"/>
+          </a:p>
+        </p:txBody>
+      </p:sp>
+      <p:sp>
+        <p:nvSpPr>
+          <p:cNvPr id="300" name="Google Shape;300;p33"/>
+          <p:cNvSpPr/>
+          <p:nvPr/>
+        </p:nvSpPr>
+        <p:spPr>
+          <a:xfrm>
+            <a:off x="425251" y="1304875"/>
+            <a:ext cx="8293500" cy="607800"/>
+          </a:xfrm>
+          <a:prstGeom prst="chevron">
+            <a:avLst>
+              <a:gd fmla="val 50000" name="adj"/>
+            </a:avLst>
+          </a:prstGeom>
+          <a:solidFill>
+            <a:schemeClr val="dk1"/>
+          </a:solidFill>
+          <a:ln>
+            <a:noFill/>
+          </a:ln>
+        </p:spPr>
+        <p:txBody>
+          <a:bodyPr anchorCtr="0" anchor="ctr" bIns="121875" lIns="121875" spcFirstLastPara="1" rIns="121875" wrap="square" tIns="121875">
+            <a:noAutofit/>
+          </a:bodyPr>
+          <a:lstStyle/>
+          <a:p>
+            <a:pPr indent="0" lvl="0" marL="0" rtl="0" algn="l">
+              <a:spcBef>
+                <a:spcPts val="0"/>
+              </a:spcBef>
+              <a:spcAft>
+                <a:spcPts val="0"/>
+              </a:spcAft>
+              <a:buNone/>
+            </a:pPr>
+            <a:r>
+              <a:t/>
+            </a:r>
+            <a:endParaRPr/>
+          </a:p>
+        </p:txBody>
+      </p:sp>
+      <p:sp>
+        <p:nvSpPr>
+          <p:cNvPr id="301" name="Google Shape;301;p33"/>
+          <p:cNvSpPr txBox="1"/>
+          <p:nvPr>
+            <p:ph idx="4294967295" type="body"/>
+          </p:nvPr>
+        </p:nvSpPr>
+        <p:spPr>
+          <a:xfrm>
+            <a:off x="742900" y="1378075"/>
+            <a:ext cx="3743400" cy="461400"/>
+          </a:xfrm>
+          <a:prstGeom prst="rect">
+            <a:avLst/>
+          </a:prstGeom>
+        </p:spPr>
+        <p:txBody>
+          <a:bodyPr anchorCtr="0" anchor="t" bIns="91425" lIns="91425" spcFirstLastPara="1" rIns="91425" wrap="square" tIns="91425">
+            <a:noAutofit/>
+          </a:bodyPr>
+          <a:lstStyle/>
+          <a:p>
+            <a:pPr indent="0" lvl="0" marL="0" rtl="0" algn="l">
+              <a:spcBef>
+                <a:spcPts val="0"/>
+              </a:spcBef>
+              <a:spcAft>
+                <a:spcPts val="0"/>
+              </a:spcAft>
+              <a:buNone/>
+            </a:pPr>
+            <a:r>
+              <a:rPr lang="en">
+                <a:solidFill>
+                  <a:schemeClr val="lt1"/>
+                </a:solidFill>
+              </a:rPr>
+              <a:t>Enhancing the Model</a:t>
+            </a:r>
+            <a:endParaRPr>
+              <a:solidFill>
+                <a:schemeClr val="lt1"/>
+              </a:solidFill>
+            </a:endParaRPr>
+          </a:p>
+        </p:txBody>
+      </p:sp>
+    </p:spTree>
+  </p:cSld>
+  <p:clrMapOvr>
+    <a:masterClrMapping/>
+  </p:clrMapOvr>
+</p:sld>
+</file>
+
+<file path=ppt/slides/slide22.xml><?xml version="1.0" encoding="utf-8"?>
+<p:sld xmlns:a="http://schemas.openxmlformats.org/drawingml/2006/main" xmlns:r="http://schemas.openxmlformats.org/officeDocument/2006/relationships" xmlns:mc="http://schemas.openxmlformats.org/markup-compatibility/2006" xmlns:mv="urn:schemas-microsoft-com:mac:vml" xmlns:p="http://schemas.openxmlformats.org/presentationml/2006/main" xmlns:c="http://schemas.openxmlformats.org/drawingml/2006/chart" xmlns:dgm="http://schemas.openxmlformats.org/drawingml/2006/diagram" xmlns:o="urn:schemas-microsoft-com:office:office" xmlns:v="urn:schemas-microsoft-com:vml" xmlns:pvml="urn:schemas-microsoft-com:office:powerpoint" xmlns:com="http://schemas.openxmlformats.org/drawingml/2006/compatibility" xmlns:p14="http://schemas.microsoft.com/office/powerpoint/2010/main" xmlns:p15="http://schemas.microsoft.com/office/powerpoint/2012/main" xmlns:ahyp="http://schemas.microsoft.com/office/drawing/2018/hyperlinkcolor">
+  <p:cSld>
+    <p:spTree>
+      <p:nvGrpSpPr>
+        <p:cNvPr id="305" name="Shape 305"/>
+        <p:cNvGrpSpPr/>
+        <p:nvPr/>
+      </p:nvGrpSpPr>
+      <p:grpSpPr>
+        <a:xfrm>
+          <a:off x="0" y="0"/>
+          <a:ext cx="0" cy="0"/>
+          <a:chOff x="0" y="0"/>
+          <a:chExt cx="0" cy="0"/>
+        </a:xfrm>
+      </p:grpSpPr>
+      <p:sp>
+        <p:nvSpPr>
+          <p:cNvPr id="306" name="Google Shape;306;p34"/>
+          <p:cNvSpPr txBox="1"/>
+          <p:nvPr>
+            <p:ph idx="4294967295" type="body"/>
+          </p:nvPr>
+        </p:nvSpPr>
+        <p:spPr>
+          <a:xfrm>
+            <a:off x="742900" y="1378075"/>
+            <a:ext cx="3743400" cy="461400"/>
+          </a:xfrm>
+          <a:prstGeom prst="rect">
+            <a:avLst/>
+          </a:prstGeom>
+        </p:spPr>
+        <p:txBody>
+          <a:bodyPr anchorCtr="0" anchor="t" bIns="91425" lIns="91425" spcFirstLastPara="1" rIns="91425" wrap="square" tIns="91425">
+            <a:noAutofit/>
+          </a:bodyPr>
+          <a:lstStyle/>
+          <a:p>
+            <a:pPr indent="0" lvl="0" marL="0" rtl="0" algn="l">
+              <a:spcBef>
+                <a:spcPts val="0"/>
+              </a:spcBef>
+              <a:spcAft>
+                <a:spcPts val="0"/>
+              </a:spcAft>
+              <a:buNone/>
+            </a:pPr>
+            <a:r>
+              <a:rPr lang="en">
+                <a:solidFill>
+                  <a:schemeClr val="lt1"/>
+                </a:solidFill>
+              </a:rPr>
+              <a:t>Model Selection</a:t>
+            </a:r>
+            <a:endParaRPr>
+              <a:solidFill>
+                <a:schemeClr val="lt1"/>
+              </a:solidFill>
+            </a:endParaRPr>
+          </a:p>
+        </p:txBody>
+      </p:sp>
+      <p:pic>
+        <p:nvPicPr>
+          <p:cNvPr id="307" name="Google Shape;307;p34"/>
+          <p:cNvPicPr preferRelativeResize="0"/>
+          <p:nvPr/>
+        </p:nvPicPr>
+        <p:blipFill>
+          <a:blip r:embed="rId3">
+            <a:alphaModFix/>
+          </a:blip>
+          <a:stretch>
+            <a:fillRect/>
+          </a:stretch>
+        </p:blipFill>
+        <p:spPr>
+          <a:xfrm>
+            <a:off x="632575" y="190325"/>
+            <a:ext cx="7316474" cy="4534925"/>
+          </a:xfrm>
+          <a:prstGeom prst="rect">
+            <a:avLst/>
+          </a:prstGeom>
+          <a:noFill/>
+          <a:ln>
+            <a:noFill/>
+          </a:ln>
+        </p:spPr>
+      </p:pic>
+      <p:sp>
+        <p:nvSpPr>
+          <p:cNvPr id="308" name="Google Shape;308;p34"/>
+          <p:cNvSpPr txBox="1"/>
+          <p:nvPr/>
+        </p:nvSpPr>
+        <p:spPr>
+          <a:xfrm>
+            <a:off x="1205500" y="4743300"/>
+            <a:ext cx="2818200" cy="369300"/>
+          </a:xfrm>
+          <a:prstGeom prst="rect">
+            <a:avLst/>
+          </a:prstGeom>
+          <a:noFill/>
+          <a:ln>
+            <a:noFill/>
+          </a:ln>
+        </p:spPr>
+        <p:txBody>
+          <a:bodyPr anchorCtr="0" anchor="t" bIns="91425" lIns="91425" spcFirstLastPara="1" rIns="91425" wrap="square" tIns="91425">
+            <a:spAutoFit/>
+          </a:bodyPr>
+          <a:lstStyle/>
+          <a:p>
+            <a:pPr indent="0" lvl="0" marL="0" rtl="0" algn="l">
+              <a:spcBef>
+                <a:spcPts val="0"/>
+              </a:spcBef>
+              <a:spcAft>
+                <a:spcPts val="0"/>
+              </a:spcAft>
+              <a:buNone/>
+            </a:pPr>
+            <a:r>
+              <a:rPr i="1" lang="en" sz="1200">
+                <a:latin typeface="Roboto"/>
+                <a:ea typeface="Roboto"/>
+                <a:cs typeface="Roboto"/>
+                <a:sym typeface="Roboto"/>
+              </a:rPr>
+              <a:t>Feature Importance</a:t>
+            </a:r>
+            <a:endParaRPr i="1" sz="1200">
+              <a:latin typeface="Roboto"/>
+              <a:ea typeface="Roboto"/>
+              <a:cs typeface="Roboto"/>
+              <a:sym typeface="Roboto"/>
+            </a:endParaRPr>
+          </a:p>
+        </p:txBody>
+      </p:sp>
+    </p:spTree>
+  </p:cSld>
+  <p:clrMapOvr>
+    <a:masterClrMapping/>
+  </p:clrMapOvr>
+</p:sld>
+</file>
+
+<file path=ppt/slides/slide23.xml><?xml version="1.0" encoding="utf-8"?>
+<p:sld xmlns:a="http://schemas.openxmlformats.org/drawingml/2006/main" xmlns:r="http://schemas.openxmlformats.org/officeDocument/2006/relationships" xmlns:mc="http://schemas.openxmlformats.org/markup-compatibility/2006" xmlns:mv="urn:schemas-microsoft-com:mac:vml" xmlns:p="http://schemas.openxmlformats.org/presentationml/2006/main" xmlns:c="http://schemas.openxmlformats.org/drawingml/2006/chart" xmlns:dgm="http://schemas.openxmlformats.org/drawingml/2006/diagram" xmlns:o="urn:schemas-microsoft-com:office:office" xmlns:v="urn:schemas-microsoft-com:vml" xmlns:pvml="urn:schemas-microsoft-com:office:powerpoint" xmlns:com="http://schemas.openxmlformats.org/drawingml/2006/compatibility" xmlns:p14="http://schemas.microsoft.com/office/powerpoint/2010/main" xmlns:p15="http://schemas.microsoft.com/office/powerpoint/2012/main" xmlns:ahyp="http://schemas.microsoft.com/office/drawing/2018/hyperlinkcolor">
+  <p:cSld>
+    <p:spTree>
+      <p:nvGrpSpPr>
+        <p:cNvPr id="312" name="Shape 312"/>
+        <p:cNvGrpSpPr/>
+        <p:nvPr/>
+      </p:nvGrpSpPr>
+      <p:grpSpPr>
+        <a:xfrm>
+          <a:off x="0" y="0"/>
+          <a:ext cx="0" cy="0"/>
+          <a:chOff x="0" y="0"/>
+          <a:chExt cx="0" cy="0"/>
+        </a:xfrm>
+      </p:grpSpPr>
+      <p:sp>
+        <p:nvSpPr>
+          <p:cNvPr id="313" name="Google Shape;313;p35"/>
+          <p:cNvSpPr txBox="1"/>
+          <p:nvPr>
+            <p:ph type="title"/>
+          </p:nvPr>
+        </p:nvSpPr>
+        <p:spPr>
+          <a:xfrm>
+            <a:off x="311700" y="410000"/>
+            <a:ext cx="8520600" cy="607800"/>
+          </a:xfrm>
+          <a:prstGeom prst="rect">
+            <a:avLst/>
+          </a:prstGeom>
+        </p:spPr>
+        <p:txBody>
+          <a:bodyPr anchorCtr="0" anchor="t" bIns="91425" lIns="91425" spcFirstLastPara="1" rIns="91425" wrap="square" tIns="91425">
+            <a:noAutofit/>
+          </a:bodyPr>
+          <a:lstStyle/>
+          <a:p>
+            <a:pPr indent="0" lvl="0" marL="0" rtl="0" algn="l">
+              <a:spcBef>
+                <a:spcPts val="0"/>
+              </a:spcBef>
+              <a:spcAft>
+                <a:spcPts val="0"/>
+              </a:spcAft>
+              <a:buNone/>
+            </a:pPr>
             <a:r>
               <a:rPr lang="en"/>
-              <a:t>(cont.)</a:t>
+              <a:t>Machine Learning (cont.)</a:t>
+            </a:r>
+            <a:endParaRPr/>
+          </a:p>
+        </p:txBody>
+      </p:sp>
+      <p:sp>
+        <p:nvSpPr>
+          <p:cNvPr id="314" name="Google Shape;314;p35"/>
+          <p:cNvSpPr txBox="1"/>
+          <p:nvPr>
+            <p:ph idx="4294967295" type="body"/>
+          </p:nvPr>
+        </p:nvSpPr>
+        <p:spPr>
+          <a:xfrm>
+            <a:off x="432350" y="1912675"/>
+            <a:ext cx="8400000" cy="2984400"/>
+          </a:xfrm>
+          <a:prstGeom prst="rect">
+            <a:avLst/>
+          </a:prstGeom>
+        </p:spPr>
+        <p:txBody>
+          <a:bodyPr anchorCtr="0" anchor="t" bIns="91425" lIns="91425" spcFirstLastPara="1" rIns="91425" wrap="square" tIns="91425">
+            <a:noAutofit/>
+          </a:bodyPr>
+          <a:lstStyle/>
+          <a:p>
+            <a:pPr indent="-317500" lvl="0" marL="457200" rtl="0" algn="l">
+              <a:lnSpc>
+                <a:spcPct val="100000"/>
+              </a:lnSpc>
+              <a:spcBef>
+                <a:spcPts val="0"/>
+              </a:spcBef>
+              <a:spcAft>
+                <a:spcPts val="0"/>
+              </a:spcAft>
+              <a:buClr>
+                <a:srgbClr val="000000"/>
+              </a:buClr>
+              <a:buSzPts val="1400"/>
+              <a:buFont typeface="Roboto"/>
+              <a:buChar char="●"/>
+            </a:pPr>
+            <a:r>
+              <a:rPr lang="en" sz="1400">
+                <a:solidFill>
+                  <a:srgbClr val="000000"/>
+                </a:solidFill>
+              </a:rPr>
+              <a:t>The Random Forest Regression model run on all 16 features got a prediction score of 77%</a:t>
+            </a:r>
+            <a:endParaRPr sz="1400">
+              <a:solidFill>
+                <a:srgbClr val="000000"/>
+              </a:solidFill>
+            </a:endParaRPr>
+          </a:p>
+          <a:p>
+            <a:pPr indent="-317500" lvl="0" marL="457200" rtl="0" algn="l">
+              <a:spcBef>
+                <a:spcPts val="1000"/>
+              </a:spcBef>
+              <a:spcAft>
+                <a:spcPts val="0"/>
+              </a:spcAft>
+              <a:buClr>
+                <a:srgbClr val="000000"/>
+              </a:buClr>
+              <a:buSzPts val="1400"/>
+              <a:buFont typeface="Roboto"/>
+              <a:buChar char="●"/>
+            </a:pPr>
+            <a:r>
+              <a:rPr lang="en" sz="1400">
+                <a:solidFill>
+                  <a:srgbClr val="000000"/>
+                </a:solidFill>
+              </a:rPr>
+              <a:t>Rerunning the RFR model on selected features based on their importance to the prediction resulted in a lower testing score of 75%</a:t>
+            </a:r>
+            <a:endParaRPr sz="1400">
+              <a:solidFill>
+                <a:srgbClr val="000000"/>
+              </a:solidFill>
+            </a:endParaRPr>
+          </a:p>
+          <a:p>
+            <a:pPr indent="-317500" lvl="0" marL="457200" rtl="0" algn="l">
+              <a:spcBef>
+                <a:spcPts val="1000"/>
+              </a:spcBef>
+              <a:spcAft>
+                <a:spcPts val="0"/>
+              </a:spcAft>
+              <a:buClr>
+                <a:srgbClr val="000000"/>
+              </a:buClr>
+              <a:buSzPts val="1400"/>
+              <a:buFont typeface="Roboto"/>
+              <a:buChar char="●"/>
+            </a:pPr>
+            <a:r>
+              <a:rPr lang="en" sz="1400">
+                <a:solidFill>
+                  <a:srgbClr val="000000"/>
+                </a:solidFill>
+              </a:rPr>
+              <a:t>Removing an outlier from the target new cases per 100K positively affected the performance of the RFR model, resulting in a R squared value of 0.808 and lower MSE of 457.205</a:t>
+            </a:r>
+            <a:endParaRPr b="1" sz="1400">
+              <a:solidFill>
+                <a:srgbClr val="000000"/>
+              </a:solidFill>
+            </a:endParaRPr>
+          </a:p>
+          <a:p>
+            <a:pPr indent="-317500" lvl="0" marL="457200" rtl="0" algn="l">
+              <a:spcBef>
+                <a:spcPts val="1000"/>
+              </a:spcBef>
+              <a:spcAft>
+                <a:spcPts val="0"/>
+              </a:spcAft>
+              <a:buClr>
+                <a:srgbClr val="000000"/>
+              </a:buClr>
+              <a:buSzPts val="1400"/>
+              <a:buFont typeface="Roboto"/>
+              <a:buChar char="●"/>
+            </a:pPr>
+            <a:r>
+              <a:rPr lang="en" sz="1400">
+                <a:solidFill>
+                  <a:srgbClr val="000000"/>
+                </a:solidFill>
+              </a:rPr>
+              <a:t>Testing the RFR model on the reduced features (13) resulted in 77% as well</a:t>
+            </a:r>
+            <a:endParaRPr sz="1400">
+              <a:solidFill>
+                <a:srgbClr val="000000"/>
+              </a:solidFill>
+            </a:endParaRPr>
+          </a:p>
+          <a:p>
+            <a:pPr indent="-317500" lvl="0" marL="457200" rtl="0" algn="l">
+              <a:spcBef>
+                <a:spcPts val="1000"/>
+              </a:spcBef>
+              <a:spcAft>
+                <a:spcPts val="0"/>
+              </a:spcAft>
+              <a:buClr>
+                <a:srgbClr val="000000"/>
+              </a:buClr>
+              <a:buSzPts val="1400"/>
+              <a:buFont typeface="Roboto"/>
+              <a:buChar char="●"/>
+            </a:pPr>
+            <a:r>
+              <a:rPr lang="en" sz="1400">
+                <a:solidFill>
+                  <a:srgbClr val="000000"/>
+                </a:solidFill>
+              </a:rPr>
+              <a:t>Using Principal Component Analysis on all 16 features and on non-collinear 13 features, with and without increasing the number of decision trees in the Random Forest was worse than other enhancement techniques and did not help the model for a better fit as evidence in the negative R squared scores achieved from both attempts</a:t>
+            </a:r>
+            <a:endParaRPr sz="1400">
+              <a:solidFill>
+                <a:srgbClr val="000000"/>
+              </a:solidFill>
+            </a:endParaRPr>
+          </a:p>
+          <a:p>
+            <a:pPr indent="0" lvl="0" marL="0" rtl="0" algn="l">
+              <a:spcBef>
+                <a:spcPts val="1000"/>
+              </a:spcBef>
+              <a:spcAft>
+                <a:spcPts val="800"/>
+              </a:spcAft>
+              <a:buNone/>
+            </a:pPr>
+            <a:r>
+              <a:t/>
+            </a:r>
+            <a:endParaRPr sz="1600"/>
+          </a:p>
+        </p:txBody>
+      </p:sp>
+      <p:sp>
+        <p:nvSpPr>
+          <p:cNvPr id="315" name="Google Shape;315;p35"/>
+          <p:cNvSpPr/>
+          <p:nvPr/>
+        </p:nvSpPr>
+        <p:spPr>
+          <a:xfrm>
+            <a:off x="425251" y="1304875"/>
+            <a:ext cx="8293500" cy="607800"/>
+          </a:xfrm>
+          <a:prstGeom prst="chevron">
+            <a:avLst>
+              <a:gd fmla="val 50000" name="adj"/>
+            </a:avLst>
+          </a:prstGeom>
+          <a:solidFill>
+            <a:schemeClr val="dk1"/>
+          </a:solidFill>
+          <a:ln>
+            <a:noFill/>
+          </a:ln>
+        </p:spPr>
+        <p:txBody>
+          <a:bodyPr anchorCtr="0" anchor="ctr" bIns="121875" lIns="121875" spcFirstLastPara="1" rIns="121875" wrap="square" tIns="121875">
+            <a:noAutofit/>
+          </a:bodyPr>
+          <a:lstStyle/>
+          <a:p>
+            <a:pPr indent="0" lvl="0" marL="0" rtl="0" algn="l">
+              <a:spcBef>
+                <a:spcPts val="0"/>
+              </a:spcBef>
+              <a:spcAft>
+                <a:spcPts val="0"/>
+              </a:spcAft>
+              <a:buNone/>
+            </a:pPr>
+            <a:r>
+              <a:t/>
+            </a:r>
+            <a:endParaRPr/>
+          </a:p>
+        </p:txBody>
+      </p:sp>
+      <p:sp>
+        <p:nvSpPr>
+          <p:cNvPr id="316" name="Google Shape;316;p35"/>
+          <p:cNvSpPr txBox="1"/>
+          <p:nvPr>
+            <p:ph idx="4294967295" type="body"/>
+          </p:nvPr>
+        </p:nvSpPr>
+        <p:spPr>
+          <a:xfrm>
+            <a:off x="742900" y="1378075"/>
+            <a:ext cx="3743400" cy="461400"/>
+          </a:xfrm>
+          <a:prstGeom prst="rect">
+            <a:avLst/>
+          </a:prstGeom>
+        </p:spPr>
+        <p:txBody>
+          <a:bodyPr anchorCtr="0" anchor="t" bIns="91425" lIns="91425" spcFirstLastPara="1" rIns="91425" wrap="square" tIns="91425">
+            <a:noAutofit/>
+          </a:bodyPr>
+          <a:lstStyle/>
+          <a:p>
+            <a:pPr indent="0" lvl="0" marL="0" rtl="0" algn="l">
+              <a:spcBef>
+                <a:spcPts val="0"/>
+              </a:spcBef>
+              <a:spcAft>
+                <a:spcPts val="0"/>
+              </a:spcAft>
+              <a:buNone/>
+            </a:pPr>
+            <a:r>
+              <a:rPr lang="en">
+                <a:solidFill>
+                  <a:schemeClr val="lt1"/>
+                </a:solidFill>
+              </a:rPr>
+              <a:t>Results</a:t>
+            </a:r>
+            <a:endParaRPr>
+              <a:solidFill>
+                <a:schemeClr val="lt1"/>
+              </a:solidFill>
+            </a:endParaRPr>
+          </a:p>
+        </p:txBody>
+      </p:sp>
+    </p:spTree>
+  </p:cSld>
+  <p:clrMapOvr>
+    <a:masterClrMapping/>
+  </p:clrMapOvr>
+</p:sld>
+</file>
+
+<file path=ppt/slides/slide24.xml><?xml version="1.0" encoding="utf-8"?>
+<p:sld xmlns:a="http://schemas.openxmlformats.org/drawingml/2006/main" xmlns:r="http://schemas.openxmlformats.org/officeDocument/2006/relationships" xmlns:mc="http://schemas.openxmlformats.org/markup-compatibility/2006" xmlns:mv="urn:schemas-microsoft-com:mac:vml" xmlns:p="http://schemas.openxmlformats.org/presentationml/2006/main" xmlns:c="http://schemas.openxmlformats.org/drawingml/2006/chart" xmlns:dgm="http://schemas.openxmlformats.org/drawingml/2006/diagram" xmlns:o="urn:schemas-microsoft-com:office:office" xmlns:v="urn:schemas-microsoft-com:vml" xmlns:pvml="urn:schemas-microsoft-com:office:powerpoint" xmlns:com="http://schemas.openxmlformats.org/drawingml/2006/compatibility" xmlns:p14="http://schemas.microsoft.com/office/powerpoint/2010/main" xmlns:p15="http://schemas.microsoft.com/office/powerpoint/2012/main" xmlns:ahyp="http://schemas.microsoft.com/office/drawing/2018/hyperlinkcolor">
+  <p:cSld>
+    <p:spTree>
+      <p:nvGrpSpPr>
+        <p:cNvPr id="320" name="Shape 320"/>
+        <p:cNvGrpSpPr/>
+        <p:nvPr/>
+      </p:nvGrpSpPr>
+      <p:grpSpPr>
+        <a:xfrm>
+          <a:off x="0" y="0"/>
+          <a:ext cx="0" cy="0"/>
+          <a:chOff x="0" y="0"/>
+          <a:chExt cx="0" cy="0"/>
+        </a:xfrm>
+      </p:grpSpPr>
+      <p:sp>
+        <p:nvSpPr>
+          <p:cNvPr id="321" name="Google Shape;321;p36"/>
+          <p:cNvSpPr txBox="1"/>
+          <p:nvPr>
+            <p:ph type="title"/>
+          </p:nvPr>
+        </p:nvSpPr>
+        <p:spPr>
+          <a:xfrm>
+            <a:off x="311700" y="410000"/>
+            <a:ext cx="8520600" cy="607800"/>
+          </a:xfrm>
+          <a:prstGeom prst="rect">
+            <a:avLst/>
+          </a:prstGeom>
+        </p:spPr>
+        <p:txBody>
+          <a:bodyPr anchorCtr="0" anchor="t" bIns="91425" lIns="91425" spcFirstLastPara="1" rIns="91425" wrap="square" tIns="91425">
+            <a:noAutofit/>
+          </a:bodyPr>
+          <a:lstStyle/>
+          <a:p>
+            <a:pPr indent="0" lvl="0" marL="0" rtl="0" algn="l">
+              <a:spcBef>
+                <a:spcPts val="0"/>
+              </a:spcBef>
+              <a:spcAft>
+                <a:spcPts val="0"/>
+              </a:spcAft>
+              <a:buNone/>
+            </a:pPr>
+            <a:r>
+              <a:rPr lang="en"/>
+              <a:t>Machine Learning (cont.)</a:t>
+            </a:r>
+            <a:endParaRPr/>
+          </a:p>
+        </p:txBody>
+      </p:sp>
+      <p:sp>
+        <p:nvSpPr>
+          <p:cNvPr id="322" name="Google Shape;322;p36"/>
+          <p:cNvSpPr txBox="1"/>
+          <p:nvPr>
+            <p:ph idx="4294967295" type="body"/>
+          </p:nvPr>
+        </p:nvSpPr>
+        <p:spPr>
+          <a:xfrm>
+            <a:off x="425250" y="2159100"/>
+            <a:ext cx="8400000" cy="2984400"/>
+          </a:xfrm>
+          <a:prstGeom prst="rect">
+            <a:avLst/>
+          </a:prstGeom>
+        </p:spPr>
+        <p:txBody>
+          <a:bodyPr anchorCtr="0" anchor="t" bIns="91425" lIns="91425" spcFirstLastPara="1" rIns="91425" wrap="square" tIns="91425">
+            <a:noAutofit/>
+          </a:bodyPr>
+          <a:lstStyle/>
+          <a:p>
+            <a:pPr indent="-317500" lvl="0" marL="457200" rtl="0" algn="l">
+              <a:spcBef>
+                <a:spcPts val="300"/>
+              </a:spcBef>
+              <a:spcAft>
+                <a:spcPts val="0"/>
+              </a:spcAft>
+              <a:buClr>
+                <a:srgbClr val="000000"/>
+              </a:buClr>
+              <a:buSzPts val="1400"/>
+              <a:buFont typeface="Roboto"/>
+              <a:buChar char="●"/>
+            </a:pPr>
+            <a:r>
+              <a:rPr lang="en" sz="1400">
+                <a:solidFill>
+                  <a:srgbClr val="000000"/>
+                </a:solidFill>
+                <a:highlight>
+                  <a:srgbClr val="FFFFFF"/>
+                </a:highlight>
+              </a:rPr>
+              <a:t>Truncating the records down to 720 days into the pandemic had a positive influence on the RFR model performance</a:t>
+            </a:r>
+            <a:endParaRPr sz="1400">
+              <a:solidFill>
+                <a:srgbClr val="000000"/>
+              </a:solidFill>
+              <a:highlight>
+                <a:srgbClr val="FFFFFF"/>
+              </a:highlight>
+            </a:endParaRPr>
+          </a:p>
+          <a:p>
+            <a:pPr indent="-317500" lvl="0" marL="457200" rtl="0" algn="l">
+              <a:spcBef>
+                <a:spcPts val="1000"/>
+              </a:spcBef>
+              <a:spcAft>
+                <a:spcPts val="0"/>
+              </a:spcAft>
+              <a:buClr>
+                <a:srgbClr val="000000"/>
+              </a:buClr>
+              <a:buSzPts val="1400"/>
+              <a:buFont typeface="Roboto"/>
+              <a:buChar char="●"/>
+            </a:pPr>
+            <a:r>
+              <a:rPr lang="en" sz="1400">
+                <a:solidFill>
+                  <a:srgbClr val="000000"/>
+                </a:solidFill>
+                <a:highlight>
+                  <a:srgbClr val="FFFFFF"/>
+                </a:highlight>
+              </a:rPr>
+              <a:t>While the R squared score remained at 77.4%, the mean squared error dropped significantly</a:t>
+            </a:r>
+            <a:endParaRPr sz="1400">
+              <a:solidFill>
+                <a:srgbClr val="000000"/>
+              </a:solidFill>
+              <a:highlight>
+                <a:srgbClr val="FFFFFF"/>
+              </a:highlight>
+            </a:endParaRPr>
+          </a:p>
+          <a:p>
+            <a:pPr indent="-317500" lvl="0" marL="457200" rtl="0" algn="l">
+              <a:spcBef>
+                <a:spcPts val="1000"/>
+              </a:spcBef>
+              <a:spcAft>
+                <a:spcPts val="0"/>
+              </a:spcAft>
+              <a:buClr>
+                <a:srgbClr val="000000"/>
+              </a:buClr>
+              <a:buSzPts val="1400"/>
+              <a:buFont typeface="Roboto"/>
+              <a:buChar char="●"/>
+            </a:pPr>
+            <a:r>
+              <a:rPr lang="en" sz="1400">
+                <a:solidFill>
+                  <a:srgbClr val="000000"/>
+                </a:solidFill>
+                <a:highlight>
+                  <a:srgbClr val="FFFFFF"/>
+                </a:highlight>
+              </a:rPr>
+              <a:t>Truncating the records down to 700 days into the pandemic had a positive influence on the RFR model performance</a:t>
+            </a:r>
+            <a:endParaRPr sz="1400">
+              <a:solidFill>
+                <a:srgbClr val="000000"/>
+              </a:solidFill>
+              <a:highlight>
+                <a:srgbClr val="FFFFFF"/>
+              </a:highlight>
+            </a:endParaRPr>
+          </a:p>
+          <a:p>
+            <a:pPr indent="-317500" lvl="0" marL="457200" rtl="0" algn="l">
+              <a:spcBef>
+                <a:spcPts val="1000"/>
+              </a:spcBef>
+              <a:spcAft>
+                <a:spcPts val="0"/>
+              </a:spcAft>
+              <a:buClr>
+                <a:srgbClr val="000000"/>
+              </a:buClr>
+              <a:buSzPts val="1400"/>
+              <a:buFont typeface="Roboto"/>
+              <a:buChar char="●"/>
+            </a:pPr>
+            <a:r>
+              <a:rPr lang="en" sz="1400">
+                <a:solidFill>
+                  <a:srgbClr val="000000"/>
+                </a:solidFill>
+                <a:highlight>
+                  <a:srgbClr val="FFFFFF"/>
+                </a:highlight>
+              </a:rPr>
+              <a:t>While the R squared score remained at 77.4%, the mean squared error dropped significantly</a:t>
+            </a:r>
+            <a:endParaRPr sz="1400">
+              <a:solidFill>
+                <a:srgbClr val="000000"/>
+              </a:solidFill>
+              <a:highlight>
+                <a:srgbClr val="FFFFFF"/>
+              </a:highlight>
+            </a:endParaRPr>
+          </a:p>
+          <a:p>
+            <a:pPr indent="0" lvl="0" marL="0" rtl="0" algn="l">
+              <a:spcBef>
+                <a:spcPts val="1000"/>
+              </a:spcBef>
+              <a:spcAft>
+                <a:spcPts val="800"/>
+              </a:spcAft>
+              <a:buNone/>
+            </a:pPr>
+            <a:r>
+              <a:t/>
+            </a:r>
+            <a:endParaRPr sz="1600"/>
+          </a:p>
+        </p:txBody>
+      </p:sp>
+      <p:sp>
+        <p:nvSpPr>
+          <p:cNvPr id="323" name="Google Shape;323;p36"/>
+          <p:cNvSpPr/>
+          <p:nvPr/>
+        </p:nvSpPr>
+        <p:spPr>
+          <a:xfrm>
+            <a:off x="425251" y="1304875"/>
+            <a:ext cx="8293500" cy="607800"/>
+          </a:xfrm>
+          <a:prstGeom prst="chevron">
+            <a:avLst>
+              <a:gd fmla="val 50000" name="adj"/>
+            </a:avLst>
+          </a:prstGeom>
+          <a:solidFill>
+            <a:schemeClr val="dk1"/>
+          </a:solidFill>
+          <a:ln>
+            <a:noFill/>
+          </a:ln>
+        </p:spPr>
+        <p:txBody>
+          <a:bodyPr anchorCtr="0" anchor="ctr" bIns="121875" lIns="121875" spcFirstLastPara="1" rIns="121875" wrap="square" tIns="121875">
+            <a:noAutofit/>
+          </a:bodyPr>
+          <a:lstStyle/>
+          <a:p>
+            <a:pPr indent="0" lvl="0" marL="0" rtl="0" algn="l">
+              <a:spcBef>
+                <a:spcPts val="0"/>
+              </a:spcBef>
+              <a:spcAft>
+                <a:spcPts val="0"/>
+              </a:spcAft>
+              <a:buNone/>
+            </a:pPr>
+            <a:r>
+              <a:t/>
+            </a:r>
+            <a:endParaRPr/>
+          </a:p>
+        </p:txBody>
+      </p:sp>
+      <p:sp>
+        <p:nvSpPr>
+          <p:cNvPr id="324" name="Google Shape;324;p36"/>
+          <p:cNvSpPr txBox="1"/>
+          <p:nvPr>
+            <p:ph idx="4294967295" type="body"/>
+          </p:nvPr>
+        </p:nvSpPr>
+        <p:spPr>
+          <a:xfrm>
+            <a:off x="742900" y="1378075"/>
+            <a:ext cx="3743400" cy="461400"/>
+          </a:xfrm>
+          <a:prstGeom prst="rect">
+            <a:avLst/>
+          </a:prstGeom>
+        </p:spPr>
+        <p:txBody>
+          <a:bodyPr anchorCtr="0" anchor="t" bIns="91425" lIns="91425" spcFirstLastPara="1" rIns="91425" wrap="square" tIns="91425">
+            <a:noAutofit/>
+          </a:bodyPr>
+          <a:lstStyle/>
+          <a:p>
+            <a:pPr indent="0" lvl="0" marL="0" rtl="0" algn="l">
+              <a:spcBef>
+                <a:spcPts val="0"/>
+              </a:spcBef>
+              <a:spcAft>
+                <a:spcPts val="0"/>
+              </a:spcAft>
+              <a:buNone/>
+            </a:pPr>
+            <a:r>
+              <a:rPr lang="en">
+                <a:solidFill>
+                  <a:schemeClr val="lt1"/>
+                </a:solidFill>
+              </a:rPr>
+              <a:t>Results</a:t>
+            </a:r>
+            <a:endParaRPr>
+              <a:solidFill>
+                <a:schemeClr val="lt1"/>
+              </a:solidFill>
+            </a:endParaRPr>
+          </a:p>
+        </p:txBody>
+      </p:sp>
+    </p:spTree>
+  </p:cSld>
+  <p:clrMapOvr>
+    <a:masterClrMapping/>
+  </p:clrMapOvr>
+</p:sld>
+</file>
+
+<file path=ppt/slides/slide25.xml><?xml version="1.0" encoding="utf-8"?>
+<p:sld xmlns:a="http://schemas.openxmlformats.org/drawingml/2006/main" xmlns:r="http://schemas.openxmlformats.org/officeDocument/2006/relationships" xmlns:mc="http://schemas.openxmlformats.org/markup-compatibility/2006" xmlns:mv="urn:schemas-microsoft-com:mac:vml" xmlns:p="http://schemas.openxmlformats.org/presentationml/2006/main" xmlns:c="http://schemas.openxmlformats.org/drawingml/2006/chart" xmlns:dgm="http://schemas.openxmlformats.org/drawingml/2006/diagram" xmlns:o="urn:schemas-microsoft-com:office:office" xmlns:v="urn:schemas-microsoft-com:vml" xmlns:pvml="urn:schemas-microsoft-com:office:powerpoint" xmlns:com="http://schemas.openxmlformats.org/drawingml/2006/compatibility" xmlns:p14="http://schemas.microsoft.com/office/powerpoint/2010/main" xmlns:p15="http://schemas.microsoft.com/office/powerpoint/2012/main" xmlns:ahyp="http://schemas.microsoft.com/office/drawing/2018/hyperlinkcolor">
+  <p:cSld>
+    <p:spTree>
+      <p:nvGrpSpPr>
+        <p:cNvPr id="328" name="Shape 328"/>
+        <p:cNvGrpSpPr/>
+        <p:nvPr/>
+      </p:nvGrpSpPr>
+      <p:grpSpPr>
+        <a:xfrm>
+          <a:off x="0" y="0"/>
+          <a:ext cx="0" cy="0"/>
+          <a:chOff x="0" y="0"/>
+          <a:chExt cx="0" cy="0"/>
+        </a:xfrm>
+      </p:grpSpPr>
+      <p:sp>
+        <p:nvSpPr>
+          <p:cNvPr id="329" name="Google Shape;329;p37"/>
+          <p:cNvSpPr txBox="1"/>
+          <p:nvPr>
+            <p:ph idx="4294967295" type="body"/>
+          </p:nvPr>
+        </p:nvSpPr>
+        <p:spPr>
+          <a:xfrm>
+            <a:off x="425250" y="2159100"/>
+            <a:ext cx="8400000" cy="2984400"/>
+          </a:xfrm>
+          <a:prstGeom prst="rect">
+            <a:avLst/>
+          </a:prstGeom>
+        </p:spPr>
+        <p:txBody>
+          <a:bodyPr anchorCtr="0" anchor="t" bIns="91425" lIns="91425" spcFirstLastPara="1" rIns="91425" wrap="square" tIns="91425">
+            <a:noAutofit/>
+          </a:bodyPr>
+          <a:lstStyle/>
+          <a:p>
+            <a:pPr indent="0" lvl="0" marL="0" rtl="0" algn="l">
+              <a:spcBef>
+                <a:spcPts val="300"/>
+              </a:spcBef>
+              <a:spcAft>
+                <a:spcPts val="0"/>
+              </a:spcAft>
+              <a:buNone/>
+            </a:pPr>
+            <a:r>
+              <a:t/>
+            </a:r>
+            <a:endParaRPr sz="1400">
+              <a:solidFill>
+                <a:srgbClr val="000000"/>
+              </a:solidFill>
+              <a:highlight>
+                <a:srgbClr val="FFFFFF"/>
+              </a:highlight>
+            </a:endParaRPr>
+          </a:p>
+          <a:p>
+            <a:pPr indent="0" lvl="0" marL="0" rtl="0" algn="l">
+              <a:spcBef>
+                <a:spcPts val="1000"/>
+              </a:spcBef>
+              <a:spcAft>
+                <a:spcPts val="800"/>
+              </a:spcAft>
+              <a:buNone/>
+            </a:pPr>
+            <a:r>
+              <a:t/>
+            </a:r>
+            <a:endParaRPr sz="1600"/>
+          </a:p>
+        </p:txBody>
+      </p:sp>
+      <p:sp>
+        <p:nvSpPr>
+          <p:cNvPr id="330" name="Google Shape;330;p37"/>
+          <p:cNvSpPr txBox="1"/>
+          <p:nvPr>
+            <p:ph idx="4294967295" type="body"/>
+          </p:nvPr>
+        </p:nvSpPr>
+        <p:spPr>
+          <a:xfrm>
+            <a:off x="742900" y="1378075"/>
+            <a:ext cx="3743400" cy="461400"/>
+          </a:xfrm>
+          <a:prstGeom prst="rect">
+            <a:avLst/>
+          </a:prstGeom>
+        </p:spPr>
+        <p:txBody>
+          <a:bodyPr anchorCtr="0" anchor="t" bIns="91425" lIns="91425" spcFirstLastPara="1" rIns="91425" wrap="square" tIns="91425">
+            <a:noAutofit/>
+          </a:bodyPr>
+          <a:lstStyle/>
+          <a:p>
+            <a:pPr indent="0" lvl="0" marL="0" rtl="0" algn="l">
+              <a:spcBef>
+                <a:spcPts val="0"/>
+              </a:spcBef>
+              <a:spcAft>
+                <a:spcPts val="0"/>
+              </a:spcAft>
+              <a:buNone/>
+            </a:pPr>
+            <a:r>
+              <a:rPr lang="en">
+                <a:solidFill>
+                  <a:schemeClr val="lt1"/>
+                </a:solidFill>
+              </a:rPr>
+              <a:t>Rsults</a:t>
+            </a:r>
+            <a:endParaRPr>
+              <a:solidFill>
+                <a:schemeClr val="lt1"/>
+              </a:solidFill>
+            </a:endParaRPr>
+          </a:p>
+        </p:txBody>
+      </p:sp>
+      <p:graphicFrame>
+        <p:nvGraphicFramePr>
+          <p:cNvPr id="331" name="Google Shape;331;p37"/>
+          <p:cNvGraphicFramePr/>
+          <p:nvPr/>
+        </p:nvGraphicFramePr>
+        <p:xfrm>
+          <a:off x="672063" y="501800"/>
+          <a:ext cx="3000000" cy="3000000"/>
+        </p:xfrm>
+        <a:graphic>
+          <a:graphicData uri="http://schemas.openxmlformats.org/drawingml/2006/table">
+            <a:tbl>
+              <a:tblPr>
+                <a:noFill/>
+                <a:tableStyleId>{E4B05FF4-DB76-4E9E-A66D-D70BEC93154D}</a:tableStyleId>
+              </a:tblPr>
+              <a:tblGrid>
+                <a:gridCol w="1559975"/>
+                <a:gridCol w="1559975"/>
+                <a:gridCol w="1559975"/>
+                <a:gridCol w="1559975"/>
+                <a:gridCol w="1559975"/>
+              </a:tblGrid>
+              <a:tr h="575925">
+                <a:tc>
+                  <a:txBody>
+                    <a:bodyPr/>
+                    <a:lstStyle/>
+                    <a:p>
+                      <a:pPr indent="0" lvl="0" marL="0" rtl="0" algn="l">
+                        <a:spcBef>
+                          <a:spcPts val="0"/>
+                        </a:spcBef>
+                        <a:spcAft>
+                          <a:spcPts val="0"/>
+                        </a:spcAft>
+                        <a:buNone/>
+                      </a:pPr>
+                      <a:r>
+                        <a:t/>
+                      </a:r>
+                      <a:endParaRPr/>
+                    </a:p>
+                  </a:txBody>
+                  <a:tcPr marT="91425" marB="91425" marR="91425" marL="91425"/>
+                </a:tc>
+                <a:tc>
+                  <a:txBody>
+                    <a:bodyPr/>
+                    <a:lstStyle/>
+                    <a:p>
+                      <a:pPr indent="0" lvl="0" marL="0" rtl="0" algn="l">
+                        <a:spcBef>
+                          <a:spcPts val="0"/>
+                        </a:spcBef>
+                        <a:spcAft>
+                          <a:spcPts val="0"/>
+                        </a:spcAft>
+                        <a:buNone/>
+                      </a:pPr>
+                      <a:r>
+                        <a:rPr b="1" lang="en"/>
+                        <a:t>R Squared</a:t>
+                      </a:r>
+                      <a:endParaRPr b="1"/>
+                    </a:p>
+                  </a:txBody>
+                  <a:tcPr marT="91425" marB="91425" marR="91425" marL="91425"/>
+                </a:tc>
+                <a:tc>
+                  <a:txBody>
+                    <a:bodyPr/>
+                    <a:lstStyle/>
+                    <a:p>
+                      <a:pPr indent="0" lvl="0" marL="0" rtl="0" algn="l">
+                        <a:spcBef>
+                          <a:spcPts val="0"/>
+                        </a:spcBef>
+                        <a:spcAft>
+                          <a:spcPts val="0"/>
+                        </a:spcAft>
+                        <a:buNone/>
+                      </a:pPr>
+                      <a:r>
+                        <a:rPr b="1" lang="en"/>
+                        <a:t>Mean Absolute Error</a:t>
+                      </a:r>
+                      <a:endParaRPr b="1"/>
+                    </a:p>
+                  </a:txBody>
+                  <a:tcPr marT="91425" marB="91425" marR="91425" marL="91425"/>
+                </a:tc>
+                <a:tc>
+                  <a:txBody>
+                    <a:bodyPr/>
+                    <a:lstStyle/>
+                    <a:p>
+                      <a:pPr indent="0" lvl="0" marL="0" rtl="0" algn="l">
+                        <a:spcBef>
+                          <a:spcPts val="0"/>
+                        </a:spcBef>
+                        <a:spcAft>
+                          <a:spcPts val="0"/>
+                        </a:spcAft>
+                        <a:buNone/>
+                      </a:pPr>
+                      <a:r>
+                        <a:rPr b="1" lang="en"/>
+                        <a:t>Mean Squared Error</a:t>
+                      </a:r>
+                      <a:endParaRPr b="1"/>
+                    </a:p>
+                  </a:txBody>
+                  <a:tcPr marT="91425" marB="91425" marR="91425" marL="91425"/>
+                </a:tc>
+                <a:tc>
+                  <a:txBody>
+                    <a:bodyPr/>
+                    <a:lstStyle/>
+                    <a:p>
+                      <a:pPr indent="0" lvl="0" marL="0" rtl="0" algn="l">
+                        <a:spcBef>
+                          <a:spcPts val="0"/>
+                        </a:spcBef>
+                        <a:spcAft>
+                          <a:spcPts val="0"/>
+                        </a:spcAft>
+                        <a:buNone/>
+                      </a:pPr>
+                      <a:r>
+                        <a:rPr b="1" lang="en"/>
+                        <a:t>Root mean Squared Error</a:t>
+                      </a:r>
+                      <a:endParaRPr/>
+                    </a:p>
+                  </a:txBody>
+                  <a:tcPr marT="91425" marB="91425" marR="91425" marL="91425"/>
+                </a:tc>
+              </a:tr>
+              <a:tr h="374350">
+                <a:tc>
+                  <a:txBody>
+                    <a:bodyPr/>
+                    <a:lstStyle/>
+                    <a:p>
+                      <a:pPr indent="0" lvl="0" marL="0" rtl="0" algn="l">
+                        <a:spcBef>
+                          <a:spcPts val="0"/>
+                        </a:spcBef>
+                        <a:spcAft>
+                          <a:spcPts val="0"/>
+                        </a:spcAft>
+                        <a:buNone/>
+                      </a:pPr>
+                      <a:r>
+                        <a:rPr lang="en"/>
+                        <a:t>RFR -16</a:t>
+                      </a:r>
+                      <a:endParaRPr/>
+                    </a:p>
+                  </a:txBody>
+                  <a:tcPr marT="91425" marB="91425" marR="91425" marL="91425"/>
+                </a:tc>
+                <a:tc>
+                  <a:txBody>
+                    <a:bodyPr/>
+                    <a:lstStyle/>
+                    <a:p>
+                      <a:pPr indent="0" lvl="0" marL="0" rtl="0" algn="l">
+                        <a:spcBef>
+                          <a:spcPts val="0"/>
+                        </a:spcBef>
+                        <a:spcAft>
+                          <a:spcPts val="0"/>
+                        </a:spcAft>
+                        <a:buNone/>
+                      </a:pPr>
+                      <a:r>
+                        <a:rPr lang="en"/>
+                        <a:t>0.769</a:t>
+                      </a:r>
+                      <a:endParaRPr/>
+                    </a:p>
+                  </a:txBody>
+                  <a:tcPr marT="91425" marB="91425" marR="91425" marL="91425"/>
+                </a:tc>
+                <a:tc>
+                  <a:txBody>
+                    <a:bodyPr/>
+                    <a:lstStyle/>
+                    <a:p>
+                      <a:pPr indent="0" lvl="0" marL="0" rtl="0" algn="l">
+                        <a:spcBef>
+                          <a:spcPts val="0"/>
+                        </a:spcBef>
+                        <a:spcAft>
+                          <a:spcPts val="0"/>
+                        </a:spcAft>
+                        <a:buNone/>
+                      </a:pPr>
+                      <a:r>
+                        <a:rPr lang="en"/>
+                        <a:t>4.781</a:t>
+                      </a:r>
+                      <a:endParaRPr/>
+                    </a:p>
+                  </a:txBody>
+                  <a:tcPr marT="91425" marB="91425" marR="91425" marL="91425"/>
+                </a:tc>
+                <a:tc>
+                  <a:txBody>
+                    <a:bodyPr/>
+                    <a:lstStyle/>
+                    <a:p>
+                      <a:pPr indent="0" lvl="0" marL="0" rtl="0" algn="l">
+                        <a:spcBef>
+                          <a:spcPts val="0"/>
+                        </a:spcBef>
+                        <a:spcAft>
+                          <a:spcPts val="0"/>
+                        </a:spcAft>
+                        <a:buNone/>
+                      </a:pPr>
+                      <a:r>
+                        <a:rPr lang="en"/>
+                        <a:t>570.731</a:t>
+                      </a:r>
+                      <a:endParaRPr/>
+                    </a:p>
+                  </a:txBody>
+                  <a:tcPr marT="91425" marB="91425" marR="91425" marL="91425"/>
+                </a:tc>
+                <a:tc>
+                  <a:txBody>
+                    <a:bodyPr/>
+                    <a:lstStyle/>
+                    <a:p>
+                      <a:pPr indent="0" lvl="0" marL="0" rtl="0" algn="l">
+                        <a:spcBef>
+                          <a:spcPts val="0"/>
+                        </a:spcBef>
+                        <a:spcAft>
+                          <a:spcPts val="0"/>
+                        </a:spcAft>
+                        <a:buNone/>
+                      </a:pPr>
+                      <a:r>
+                        <a:rPr lang="en"/>
+                        <a:t>23.890</a:t>
+                      </a:r>
+                      <a:endParaRPr/>
+                    </a:p>
+                  </a:txBody>
+                  <a:tcPr marT="91425" marB="91425" marR="91425" marL="91425"/>
+                </a:tc>
+              </a:tr>
+              <a:tr h="575925">
+                <a:tc>
+                  <a:txBody>
+                    <a:bodyPr/>
+                    <a:lstStyle/>
+                    <a:p>
+                      <a:pPr indent="0" lvl="0" marL="0" rtl="0" algn="l">
+                        <a:spcBef>
+                          <a:spcPts val="0"/>
+                        </a:spcBef>
+                        <a:spcAft>
+                          <a:spcPts val="0"/>
+                        </a:spcAft>
+                        <a:buNone/>
+                      </a:pPr>
+                      <a:r>
+                        <a:rPr lang="en"/>
+                        <a:t>Feature Importance</a:t>
+                      </a:r>
+                      <a:endParaRPr/>
+                    </a:p>
+                  </a:txBody>
+                  <a:tcPr marT="91425" marB="91425" marR="91425" marL="91425"/>
+                </a:tc>
+                <a:tc>
+                  <a:txBody>
+                    <a:bodyPr/>
+                    <a:lstStyle/>
+                    <a:p>
+                      <a:pPr indent="0" lvl="0" marL="0" rtl="0" algn="l">
+                        <a:spcBef>
+                          <a:spcPts val="0"/>
+                        </a:spcBef>
+                        <a:spcAft>
+                          <a:spcPts val="0"/>
+                        </a:spcAft>
+                        <a:buNone/>
+                      </a:pPr>
+                      <a:r>
+                        <a:rPr lang="en"/>
+                        <a:t>0.752</a:t>
+                      </a:r>
+                      <a:endParaRPr/>
+                    </a:p>
+                  </a:txBody>
+                  <a:tcPr marT="91425" marB="91425" marR="91425" marL="91425"/>
+                </a:tc>
+                <a:tc>
+                  <a:txBody>
+                    <a:bodyPr/>
+                    <a:lstStyle/>
+                    <a:p>
+                      <a:pPr indent="0" lvl="0" marL="0" rtl="0" algn="l">
+                        <a:spcBef>
+                          <a:spcPts val="0"/>
+                        </a:spcBef>
+                        <a:spcAft>
+                          <a:spcPts val="0"/>
+                        </a:spcAft>
+                        <a:buNone/>
+                      </a:pPr>
+                      <a:r>
+                        <a:rPr lang="en"/>
+                        <a:t>5.951</a:t>
+                      </a:r>
+                      <a:endParaRPr/>
+                    </a:p>
+                  </a:txBody>
+                  <a:tcPr marT="91425" marB="91425" marR="91425" marL="91425"/>
+                </a:tc>
+                <a:tc>
+                  <a:txBody>
+                    <a:bodyPr/>
+                    <a:lstStyle/>
+                    <a:p>
+                      <a:pPr indent="0" lvl="0" marL="0" rtl="0" algn="l">
+                        <a:spcBef>
+                          <a:spcPts val="0"/>
+                        </a:spcBef>
+                        <a:spcAft>
+                          <a:spcPts val="0"/>
+                        </a:spcAft>
+                        <a:buNone/>
+                      </a:pPr>
+                      <a:r>
+                        <a:rPr lang="en"/>
+                        <a:t>596.332</a:t>
+                      </a:r>
+                      <a:endParaRPr/>
+                    </a:p>
+                  </a:txBody>
+                  <a:tcPr marT="91425" marB="91425" marR="91425" marL="91425"/>
+                </a:tc>
+                <a:tc>
+                  <a:txBody>
+                    <a:bodyPr/>
+                    <a:lstStyle/>
+                    <a:p>
+                      <a:pPr indent="0" lvl="0" marL="0" rtl="0" algn="l">
+                        <a:spcBef>
+                          <a:spcPts val="0"/>
+                        </a:spcBef>
+                        <a:spcAft>
+                          <a:spcPts val="0"/>
+                        </a:spcAft>
+                        <a:buNone/>
+                      </a:pPr>
+                      <a:r>
+                        <a:rPr lang="en"/>
+                        <a:t>24.420</a:t>
+                      </a:r>
+                      <a:endParaRPr/>
+                    </a:p>
+                  </a:txBody>
+                  <a:tcPr marT="91425" marB="91425" marR="91425" marL="91425"/>
+                </a:tc>
+              </a:tr>
+              <a:tr h="359975">
+                <a:tc>
+                  <a:txBody>
+                    <a:bodyPr/>
+                    <a:lstStyle/>
+                    <a:p>
+                      <a:pPr indent="0" lvl="0" marL="0" rtl="0" algn="l">
+                        <a:spcBef>
+                          <a:spcPts val="0"/>
+                        </a:spcBef>
+                        <a:spcAft>
+                          <a:spcPts val="0"/>
+                        </a:spcAft>
+                        <a:buNone/>
+                      </a:pPr>
+                      <a:r>
+                        <a:rPr lang="en"/>
+                        <a:t>No outlier</a:t>
+                      </a:r>
+                      <a:endParaRPr/>
+                    </a:p>
+                  </a:txBody>
+                  <a:tcPr marT="91425" marB="91425" marR="91425" marL="91425"/>
+                </a:tc>
+                <a:tc>
+                  <a:txBody>
+                    <a:bodyPr/>
+                    <a:lstStyle/>
+                    <a:p>
+                      <a:pPr indent="0" lvl="0" marL="0" rtl="0" algn="l">
+                        <a:spcBef>
+                          <a:spcPts val="0"/>
+                        </a:spcBef>
+                        <a:spcAft>
+                          <a:spcPts val="0"/>
+                        </a:spcAft>
+                        <a:buNone/>
+                      </a:pPr>
+                      <a:r>
+                        <a:rPr lang="en"/>
+                        <a:t>0.808</a:t>
+                      </a:r>
+                      <a:endParaRPr/>
+                    </a:p>
+                  </a:txBody>
+                  <a:tcPr marT="91425" marB="91425" marR="91425" marL="91425"/>
+                </a:tc>
+                <a:tc>
+                  <a:txBody>
+                    <a:bodyPr/>
+                    <a:lstStyle/>
+                    <a:p>
+                      <a:pPr indent="0" lvl="0" marL="0" rtl="0" algn="l">
+                        <a:spcBef>
+                          <a:spcPts val="0"/>
+                        </a:spcBef>
+                        <a:spcAft>
+                          <a:spcPts val="0"/>
+                        </a:spcAft>
+                        <a:buNone/>
+                      </a:pPr>
+                      <a:r>
+                        <a:rPr lang="en"/>
+                        <a:t>4.710</a:t>
+                      </a:r>
+                      <a:endParaRPr/>
+                    </a:p>
+                  </a:txBody>
+                  <a:tcPr marT="91425" marB="91425" marR="91425" marL="91425"/>
+                </a:tc>
+                <a:tc>
+                  <a:txBody>
+                    <a:bodyPr/>
+                    <a:lstStyle/>
+                    <a:p>
+                      <a:pPr indent="0" lvl="0" marL="0" rtl="0" algn="l">
+                        <a:spcBef>
+                          <a:spcPts val="0"/>
+                        </a:spcBef>
+                        <a:spcAft>
+                          <a:spcPts val="0"/>
+                        </a:spcAft>
+                        <a:buNone/>
+                      </a:pPr>
+                      <a:r>
+                        <a:rPr lang="en"/>
+                        <a:t>457.205</a:t>
+                      </a:r>
+                      <a:endParaRPr/>
+                    </a:p>
+                  </a:txBody>
+                  <a:tcPr marT="91425" marB="91425" marR="91425" marL="91425"/>
+                </a:tc>
+                <a:tc>
+                  <a:txBody>
+                    <a:bodyPr/>
+                    <a:lstStyle/>
+                    <a:p>
+                      <a:pPr indent="0" lvl="0" marL="0" rtl="0" algn="l">
+                        <a:spcBef>
+                          <a:spcPts val="0"/>
+                        </a:spcBef>
+                        <a:spcAft>
+                          <a:spcPts val="0"/>
+                        </a:spcAft>
+                        <a:buNone/>
+                      </a:pPr>
+                      <a:r>
+                        <a:rPr lang="en"/>
+                        <a:t>21.382</a:t>
+                      </a:r>
+                      <a:endParaRPr/>
+                    </a:p>
+                  </a:txBody>
+                  <a:tcPr marT="91425" marB="91425" marR="91425" marL="91425"/>
+                </a:tc>
+              </a:tr>
+              <a:tr h="359975">
+                <a:tc>
+                  <a:txBody>
+                    <a:bodyPr/>
+                    <a:lstStyle/>
+                    <a:p>
+                      <a:pPr indent="0" lvl="0" marL="0" rtl="0" algn="l">
+                        <a:spcBef>
+                          <a:spcPts val="0"/>
+                        </a:spcBef>
+                        <a:spcAft>
+                          <a:spcPts val="0"/>
+                        </a:spcAft>
+                        <a:buNone/>
+                      </a:pPr>
+                      <a:r>
+                        <a:rPr lang="en"/>
+                        <a:t>No Collinear</a:t>
+                      </a:r>
+                      <a:endParaRPr/>
+                    </a:p>
+                  </a:txBody>
+                  <a:tcPr marT="91425" marB="91425" marR="91425" marL="91425"/>
+                </a:tc>
+                <a:tc>
+                  <a:txBody>
+                    <a:bodyPr/>
+                    <a:lstStyle/>
+                    <a:p>
+                      <a:pPr indent="0" lvl="0" marL="0" rtl="0" algn="l">
+                        <a:spcBef>
+                          <a:spcPts val="0"/>
+                        </a:spcBef>
+                        <a:spcAft>
+                          <a:spcPts val="0"/>
+                        </a:spcAft>
+                        <a:buNone/>
+                      </a:pPr>
+                      <a:r>
+                        <a:rPr lang="en"/>
+                        <a:t>0.770</a:t>
+                      </a:r>
+                      <a:endParaRPr/>
+                    </a:p>
+                  </a:txBody>
+                  <a:tcPr marT="91425" marB="91425" marR="91425" marL="91425"/>
+                </a:tc>
+                <a:tc>
+                  <a:txBody>
+                    <a:bodyPr/>
+                    <a:lstStyle/>
+                    <a:p>
+                      <a:pPr indent="0" lvl="0" marL="0" rtl="0" algn="l">
+                        <a:spcBef>
+                          <a:spcPts val="0"/>
+                        </a:spcBef>
+                        <a:spcAft>
+                          <a:spcPts val="0"/>
+                        </a:spcAft>
+                        <a:buNone/>
+                      </a:pPr>
+                      <a:r>
+                        <a:rPr lang="en"/>
+                        <a:t>4.777</a:t>
+                      </a:r>
+                      <a:endParaRPr/>
+                    </a:p>
+                  </a:txBody>
+                  <a:tcPr marT="91425" marB="91425" marR="91425" marL="91425"/>
+                </a:tc>
+                <a:tc>
+                  <a:txBody>
+                    <a:bodyPr/>
+                    <a:lstStyle/>
+                    <a:p>
+                      <a:pPr indent="0" lvl="0" marL="0" rtl="0" algn="l">
+                        <a:spcBef>
+                          <a:spcPts val="0"/>
+                        </a:spcBef>
+                        <a:spcAft>
+                          <a:spcPts val="0"/>
+                        </a:spcAft>
+                        <a:buNone/>
+                      </a:pPr>
+                      <a:r>
+                        <a:rPr lang="en"/>
+                        <a:t>568.454</a:t>
+                      </a:r>
+                      <a:endParaRPr/>
+                    </a:p>
+                  </a:txBody>
+                  <a:tcPr marT="91425" marB="91425" marR="91425" marL="91425"/>
+                </a:tc>
+                <a:tc>
+                  <a:txBody>
+                    <a:bodyPr/>
+                    <a:lstStyle/>
+                    <a:p>
+                      <a:pPr indent="0" lvl="0" marL="0" rtl="0" algn="l">
+                        <a:spcBef>
+                          <a:spcPts val="0"/>
+                        </a:spcBef>
+                        <a:spcAft>
+                          <a:spcPts val="0"/>
+                        </a:spcAft>
+                        <a:buNone/>
+                      </a:pPr>
+                      <a:r>
+                        <a:rPr lang="en"/>
+                        <a:t>23.842</a:t>
+                      </a:r>
+                      <a:endParaRPr/>
+                    </a:p>
+                  </a:txBody>
+                  <a:tcPr marT="91425" marB="91425" marR="91425" marL="91425"/>
+                </a:tc>
+              </a:tr>
+              <a:tr h="359975">
+                <a:tc>
+                  <a:txBody>
+                    <a:bodyPr/>
+                    <a:lstStyle/>
+                    <a:p>
+                      <a:pPr indent="0" lvl="0" marL="0" rtl="0" algn="l">
+                        <a:spcBef>
+                          <a:spcPts val="0"/>
+                        </a:spcBef>
+                        <a:spcAft>
+                          <a:spcPts val="0"/>
+                        </a:spcAft>
+                        <a:buNone/>
+                      </a:pPr>
+                      <a:r>
+                        <a:rPr lang="en"/>
+                        <a:t>300 Trees</a:t>
+                      </a:r>
+                      <a:endParaRPr/>
+                    </a:p>
+                  </a:txBody>
+                  <a:tcPr marT="91425" marB="91425" marR="91425" marL="91425"/>
+                </a:tc>
+                <a:tc>
+                  <a:txBody>
+                    <a:bodyPr/>
+                    <a:lstStyle/>
+                    <a:p>
+                      <a:pPr indent="0" lvl="0" marL="0" rtl="0" algn="l">
+                        <a:spcBef>
+                          <a:spcPts val="0"/>
+                        </a:spcBef>
+                        <a:spcAft>
+                          <a:spcPts val="0"/>
+                        </a:spcAft>
+                        <a:buNone/>
+                      </a:pPr>
+                      <a:r>
+                        <a:rPr lang="en"/>
+                        <a:t>-0.235</a:t>
+                      </a:r>
+                      <a:endParaRPr/>
+                    </a:p>
+                  </a:txBody>
+                  <a:tcPr marT="91425" marB="91425" marR="91425" marL="91425"/>
+                </a:tc>
+                <a:tc>
+                  <a:txBody>
+                    <a:bodyPr/>
+                    <a:lstStyle/>
+                    <a:p>
+                      <a:pPr indent="0" lvl="0" marL="0" rtl="0" algn="l">
+                        <a:spcBef>
+                          <a:spcPts val="0"/>
+                        </a:spcBef>
+                        <a:spcAft>
+                          <a:spcPts val="0"/>
+                        </a:spcAft>
+                        <a:buNone/>
+                      </a:pPr>
+                      <a:r>
+                        <a:rPr lang="en"/>
+                        <a:t>23.307</a:t>
+                      </a:r>
+                      <a:endParaRPr/>
+                    </a:p>
+                  </a:txBody>
+                  <a:tcPr marT="91425" marB="91425" marR="91425" marL="91425"/>
+                </a:tc>
+                <a:tc>
+                  <a:txBody>
+                    <a:bodyPr/>
+                    <a:lstStyle/>
+                    <a:p>
+                      <a:pPr indent="0" lvl="0" marL="0" rtl="0" algn="l">
+                        <a:spcBef>
+                          <a:spcPts val="0"/>
+                        </a:spcBef>
+                        <a:spcAft>
+                          <a:spcPts val="0"/>
+                        </a:spcAft>
+                        <a:buNone/>
+                      </a:pPr>
+                      <a:r>
+                        <a:rPr lang="en"/>
+                        <a:t>2972.592</a:t>
+                      </a:r>
+                      <a:endParaRPr/>
+                    </a:p>
+                  </a:txBody>
+                  <a:tcPr marT="91425" marB="91425" marR="91425" marL="91425"/>
+                </a:tc>
+                <a:tc>
+                  <a:txBody>
+                    <a:bodyPr/>
+                    <a:lstStyle/>
+                    <a:p>
+                      <a:pPr indent="0" lvl="0" marL="0" rtl="0" algn="l">
+                        <a:spcBef>
+                          <a:spcPts val="0"/>
+                        </a:spcBef>
+                        <a:spcAft>
+                          <a:spcPts val="0"/>
+                        </a:spcAft>
+                        <a:buNone/>
+                      </a:pPr>
+                      <a:r>
+                        <a:rPr lang="en"/>
+                        <a:t>54.521</a:t>
+                      </a:r>
+                      <a:endParaRPr/>
+                    </a:p>
+                  </a:txBody>
+                  <a:tcPr marT="91425" marB="91425" marR="91425" marL="91425"/>
+                </a:tc>
+              </a:tr>
+              <a:tr h="359975">
+                <a:tc>
+                  <a:txBody>
+                    <a:bodyPr/>
+                    <a:lstStyle/>
+                    <a:p>
+                      <a:pPr indent="0" lvl="0" marL="0" rtl="0" algn="l">
+                        <a:spcBef>
+                          <a:spcPts val="0"/>
+                        </a:spcBef>
+                        <a:spcAft>
+                          <a:spcPts val="0"/>
+                        </a:spcAft>
+                        <a:buNone/>
+                      </a:pPr>
+                      <a:r>
+                        <a:rPr lang="en"/>
+                        <a:t>300 - no collinear</a:t>
+                      </a:r>
+                      <a:endParaRPr/>
+                    </a:p>
+                  </a:txBody>
+                  <a:tcPr marT="91425" marB="91425" marR="91425" marL="91425"/>
+                </a:tc>
+                <a:tc>
+                  <a:txBody>
+                    <a:bodyPr/>
+                    <a:lstStyle/>
+                    <a:p>
+                      <a:pPr indent="0" lvl="0" marL="0" rtl="0" algn="l">
+                        <a:spcBef>
+                          <a:spcPts val="0"/>
+                        </a:spcBef>
+                        <a:spcAft>
+                          <a:spcPts val="0"/>
+                        </a:spcAft>
+                        <a:buNone/>
+                      </a:pPr>
+                      <a:r>
+                        <a:rPr lang="en"/>
+                        <a:t>0.773</a:t>
+                      </a:r>
+                      <a:endParaRPr/>
+                    </a:p>
+                  </a:txBody>
+                  <a:tcPr marT="91425" marB="91425" marR="91425" marL="91425"/>
+                </a:tc>
+                <a:tc>
+                  <a:txBody>
+                    <a:bodyPr/>
+                    <a:lstStyle/>
+                    <a:p>
+                      <a:pPr indent="0" lvl="0" marL="0" rtl="0" algn="l">
+                        <a:spcBef>
+                          <a:spcPts val="0"/>
+                        </a:spcBef>
+                        <a:spcAft>
+                          <a:spcPts val="0"/>
+                        </a:spcAft>
+                        <a:buNone/>
+                      </a:pPr>
+                      <a:r>
+                        <a:rPr lang="en"/>
+                        <a:t>4.751</a:t>
+                      </a:r>
+                      <a:endParaRPr/>
+                    </a:p>
+                  </a:txBody>
+                  <a:tcPr marT="91425" marB="91425" marR="91425" marL="91425"/>
+                </a:tc>
+                <a:tc>
+                  <a:txBody>
+                    <a:bodyPr/>
+                    <a:lstStyle/>
+                    <a:p>
+                      <a:pPr indent="0" lvl="0" marL="0" rtl="0" algn="l">
+                        <a:spcBef>
+                          <a:spcPts val="0"/>
+                        </a:spcBef>
+                        <a:spcAft>
+                          <a:spcPts val="0"/>
+                        </a:spcAft>
+                        <a:buNone/>
+                      </a:pPr>
+                      <a:r>
+                        <a:rPr lang="en"/>
+                        <a:t>560.722</a:t>
+                      </a:r>
+                      <a:endParaRPr/>
+                    </a:p>
+                  </a:txBody>
+                  <a:tcPr marT="91425" marB="91425" marR="91425" marL="91425"/>
+                </a:tc>
+                <a:tc>
+                  <a:txBody>
+                    <a:bodyPr/>
+                    <a:lstStyle/>
+                    <a:p>
+                      <a:pPr indent="0" lvl="0" marL="0" rtl="0" algn="l">
+                        <a:spcBef>
+                          <a:spcPts val="0"/>
+                        </a:spcBef>
+                        <a:spcAft>
+                          <a:spcPts val="0"/>
+                        </a:spcAft>
+                        <a:buNone/>
+                      </a:pPr>
+                      <a:r>
+                        <a:rPr lang="en"/>
+                        <a:t>23.680</a:t>
+                      </a:r>
+                      <a:endParaRPr/>
+                    </a:p>
+                  </a:txBody>
+                  <a:tcPr marT="91425" marB="91425" marR="91425" marL="91425"/>
+                </a:tc>
+              </a:tr>
+              <a:tr h="359975">
+                <a:tc>
+                  <a:txBody>
+                    <a:bodyPr/>
+                    <a:lstStyle/>
+                    <a:p>
+                      <a:pPr indent="0" lvl="0" marL="0" rtl="0" algn="l">
+                        <a:spcBef>
+                          <a:spcPts val="0"/>
+                        </a:spcBef>
+                        <a:spcAft>
+                          <a:spcPts val="0"/>
+                        </a:spcAft>
+                        <a:buNone/>
+                      </a:pPr>
+                      <a:r>
+                        <a:rPr lang="en"/>
+                        <a:t>PCA</a:t>
+                      </a:r>
+                      <a:endParaRPr/>
+                    </a:p>
+                  </a:txBody>
+                  <a:tcPr marT="91425" marB="91425" marR="91425" marL="91425"/>
+                </a:tc>
+                <a:tc>
+                  <a:txBody>
+                    <a:bodyPr/>
+                    <a:lstStyle/>
+                    <a:p>
+                      <a:pPr indent="0" lvl="0" marL="0" rtl="0" algn="l">
+                        <a:spcBef>
+                          <a:spcPts val="0"/>
+                        </a:spcBef>
+                        <a:spcAft>
+                          <a:spcPts val="0"/>
+                        </a:spcAft>
+                        <a:buNone/>
+                      </a:pPr>
+                      <a:r>
+                        <a:rPr lang="en"/>
+                        <a:t>-0.119</a:t>
+                      </a:r>
+                      <a:endParaRPr/>
+                    </a:p>
+                  </a:txBody>
+                  <a:tcPr marT="91425" marB="91425" marR="91425" marL="91425"/>
+                </a:tc>
+                <a:tc>
+                  <a:txBody>
+                    <a:bodyPr/>
+                    <a:lstStyle/>
+                    <a:p>
+                      <a:pPr indent="0" lvl="0" marL="0" rtl="0" algn="l">
+                        <a:spcBef>
+                          <a:spcPts val="0"/>
+                        </a:spcBef>
+                        <a:spcAft>
+                          <a:spcPts val="0"/>
+                        </a:spcAft>
+                        <a:buNone/>
+                      </a:pPr>
+                      <a:r>
+                        <a:rPr lang="en"/>
+                        <a:t>22.460</a:t>
+                      </a:r>
+                      <a:endParaRPr/>
+                    </a:p>
+                  </a:txBody>
+                  <a:tcPr marT="91425" marB="91425" marR="91425" marL="91425"/>
+                </a:tc>
+                <a:tc>
+                  <a:txBody>
+                    <a:bodyPr/>
+                    <a:lstStyle/>
+                    <a:p>
+                      <a:pPr indent="0" lvl="0" marL="0" rtl="0" algn="l">
+                        <a:spcBef>
+                          <a:spcPts val="0"/>
+                        </a:spcBef>
+                        <a:spcAft>
+                          <a:spcPts val="0"/>
+                        </a:spcAft>
+                        <a:buNone/>
+                      </a:pPr>
+                      <a:r>
+                        <a:rPr lang="en"/>
+                        <a:t>2694.212</a:t>
+                      </a:r>
+                      <a:endParaRPr/>
+                    </a:p>
+                  </a:txBody>
+                  <a:tcPr marT="91425" marB="91425" marR="91425" marL="91425"/>
+                </a:tc>
+                <a:tc>
+                  <a:txBody>
+                    <a:bodyPr/>
+                    <a:lstStyle/>
+                    <a:p>
+                      <a:pPr indent="0" lvl="0" marL="0" rtl="0" algn="l">
+                        <a:spcBef>
+                          <a:spcPts val="0"/>
+                        </a:spcBef>
+                        <a:spcAft>
+                          <a:spcPts val="0"/>
+                        </a:spcAft>
+                        <a:buNone/>
+                      </a:pPr>
+                      <a:r>
+                        <a:rPr lang="en"/>
+                        <a:t>51.906</a:t>
+                      </a:r>
+                      <a:endParaRPr/>
+                    </a:p>
+                  </a:txBody>
+                  <a:tcPr marT="91425" marB="91425" marR="91425" marL="91425"/>
+                </a:tc>
+              </a:tr>
+              <a:tr h="359975">
+                <a:tc>
+                  <a:txBody>
+                    <a:bodyPr/>
+                    <a:lstStyle/>
+                    <a:p>
+                      <a:pPr indent="0" lvl="0" marL="0" rtl="0" algn="l">
+                        <a:spcBef>
+                          <a:spcPts val="0"/>
+                        </a:spcBef>
+                        <a:spcAft>
+                          <a:spcPts val="0"/>
+                        </a:spcAft>
+                        <a:buNone/>
+                      </a:pPr>
+                      <a:r>
+                        <a:rPr lang="en"/>
+                        <a:t>720 days</a:t>
+                      </a:r>
+                      <a:endParaRPr/>
+                    </a:p>
+                  </a:txBody>
+                  <a:tcPr marT="91425" marB="91425" marR="91425" marL="91425"/>
+                </a:tc>
+                <a:tc>
+                  <a:txBody>
+                    <a:bodyPr/>
+                    <a:lstStyle/>
+                    <a:p>
+                      <a:pPr indent="0" lvl="0" marL="0" rtl="0" algn="l">
+                        <a:spcBef>
+                          <a:spcPts val="0"/>
+                        </a:spcBef>
+                        <a:spcAft>
+                          <a:spcPts val="0"/>
+                        </a:spcAft>
+                        <a:buNone/>
+                      </a:pPr>
+                      <a:r>
+                        <a:rPr lang="en"/>
+                        <a:t>0.774</a:t>
+                      </a:r>
+                      <a:endParaRPr/>
+                    </a:p>
+                  </a:txBody>
+                  <a:tcPr marT="91425" marB="91425" marR="91425" marL="91425"/>
+                </a:tc>
+                <a:tc>
+                  <a:txBody>
+                    <a:bodyPr/>
+                    <a:lstStyle/>
+                    <a:p>
+                      <a:pPr indent="0" lvl="0" marL="0" rtl="0" algn="l">
+                        <a:spcBef>
+                          <a:spcPts val="0"/>
+                        </a:spcBef>
+                        <a:spcAft>
+                          <a:spcPts val="0"/>
+                        </a:spcAft>
+                        <a:buNone/>
+                      </a:pPr>
+                      <a:r>
+                        <a:rPr lang="en"/>
+                        <a:t>2.672</a:t>
+                      </a:r>
+                      <a:endParaRPr/>
+                    </a:p>
+                  </a:txBody>
+                  <a:tcPr marT="91425" marB="91425" marR="91425" marL="91425"/>
+                </a:tc>
+                <a:tc>
+                  <a:txBody>
+                    <a:bodyPr/>
+                    <a:lstStyle/>
+                    <a:p>
+                      <a:pPr indent="0" lvl="0" marL="0" rtl="0" algn="l">
+                        <a:spcBef>
+                          <a:spcPts val="0"/>
+                        </a:spcBef>
+                        <a:spcAft>
+                          <a:spcPts val="0"/>
+                        </a:spcAft>
+                        <a:buNone/>
+                      </a:pPr>
+                      <a:r>
+                        <a:rPr lang="en"/>
+                        <a:t>94.215</a:t>
+                      </a:r>
+                      <a:endParaRPr/>
+                    </a:p>
+                  </a:txBody>
+                  <a:tcPr marT="91425" marB="91425" marR="91425" marL="91425"/>
+                </a:tc>
+                <a:tc>
+                  <a:txBody>
+                    <a:bodyPr/>
+                    <a:lstStyle/>
+                    <a:p>
+                      <a:pPr indent="0" lvl="0" marL="0" rtl="0" algn="l">
+                        <a:spcBef>
+                          <a:spcPts val="0"/>
+                        </a:spcBef>
+                        <a:spcAft>
+                          <a:spcPts val="0"/>
+                        </a:spcAft>
+                        <a:buNone/>
+                      </a:pPr>
+                      <a:r>
+                        <a:rPr lang="en"/>
+                        <a:t>9.706</a:t>
+                      </a:r>
+                      <a:endParaRPr/>
+                    </a:p>
+                  </a:txBody>
+                  <a:tcPr marT="91425" marB="91425" marR="91425" marL="91425"/>
+                </a:tc>
+              </a:tr>
+              <a:tr h="359975">
+                <a:tc>
+                  <a:txBody>
+                    <a:bodyPr/>
+                    <a:lstStyle/>
+                    <a:p>
+                      <a:pPr indent="0" lvl="0" marL="0" rtl="0" algn="l">
+                        <a:spcBef>
+                          <a:spcPts val="0"/>
+                        </a:spcBef>
+                        <a:spcAft>
+                          <a:spcPts val="0"/>
+                        </a:spcAft>
+                        <a:buNone/>
+                      </a:pPr>
+                      <a:r>
+                        <a:rPr lang="en"/>
+                        <a:t>700 days</a:t>
+                      </a:r>
+                      <a:endParaRPr/>
+                    </a:p>
+                  </a:txBody>
+                  <a:tcPr marT="91425" marB="91425" marR="91425" marL="91425"/>
+                </a:tc>
+                <a:tc>
+                  <a:txBody>
+                    <a:bodyPr/>
+                    <a:lstStyle/>
+                    <a:p>
+                      <a:pPr indent="0" lvl="0" marL="0" rtl="0" algn="l">
+                        <a:spcBef>
+                          <a:spcPts val="0"/>
+                        </a:spcBef>
+                        <a:spcAft>
+                          <a:spcPts val="0"/>
+                        </a:spcAft>
+                        <a:buNone/>
+                      </a:pPr>
+                      <a:r>
+                        <a:rPr lang="en"/>
+                        <a:t>0.78</a:t>
+                      </a:r>
+                      <a:endParaRPr/>
+                    </a:p>
+                  </a:txBody>
+                  <a:tcPr marT="91425" marB="91425" marR="91425" marL="91425"/>
+                </a:tc>
+                <a:tc>
+                  <a:txBody>
+                    <a:bodyPr/>
+                    <a:lstStyle/>
+                    <a:p>
+                      <a:pPr indent="0" lvl="0" marL="0" rtl="0" algn="l">
+                        <a:spcBef>
+                          <a:spcPts val="0"/>
+                        </a:spcBef>
+                        <a:spcAft>
+                          <a:spcPts val="0"/>
+                        </a:spcAft>
+                        <a:buNone/>
+                      </a:pPr>
+                      <a:r>
+                        <a:rPr lang="en"/>
+                        <a:t>2.62</a:t>
+                      </a:r>
+                      <a:endParaRPr/>
+                    </a:p>
+                  </a:txBody>
+                  <a:tcPr marT="91425" marB="91425" marR="91425" marL="91425"/>
+                </a:tc>
+                <a:tc>
+                  <a:txBody>
+                    <a:bodyPr/>
+                    <a:lstStyle/>
+                    <a:p>
+                      <a:pPr indent="0" lvl="0" marL="0" rtl="0" algn="l">
+                        <a:spcBef>
+                          <a:spcPts val="0"/>
+                        </a:spcBef>
+                        <a:spcAft>
+                          <a:spcPts val="0"/>
+                        </a:spcAft>
+                        <a:buNone/>
+                      </a:pPr>
+                      <a:r>
+                        <a:rPr lang="en"/>
+                        <a:t>80.40</a:t>
+                      </a:r>
+                      <a:endParaRPr/>
+                    </a:p>
+                  </a:txBody>
+                  <a:tcPr marT="91425" marB="91425" marR="91425" marL="91425"/>
+                </a:tc>
+                <a:tc>
+                  <a:txBody>
+                    <a:bodyPr/>
+                    <a:lstStyle/>
+                    <a:p>
+                      <a:pPr indent="0" lvl="0" marL="0" rtl="0" algn="l">
+                        <a:spcBef>
+                          <a:spcPts val="0"/>
+                        </a:spcBef>
+                        <a:spcAft>
+                          <a:spcPts val="0"/>
+                        </a:spcAft>
+                        <a:buNone/>
+                      </a:pPr>
+                      <a:r>
+                        <a:rPr lang="en"/>
+                        <a:t>8.97</a:t>
+                      </a:r>
+                      <a:endParaRPr/>
+                    </a:p>
+                  </a:txBody>
+                  <a:tcPr marT="91425" marB="91425" marR="91425" marL="91425"/>
+                </a:tc>
+              </a:tr>
+            </a:tbl>
+          </a:graphicData>
+        </a:graphic>
+      </p:graphicFrame>
+    </p:spTree>
+  </p:cSld>
+  <p:clrMapOvr>
+    <a:masterClrMapping/>
+  </p:clrMapOvr>
+</p:sld>
+</file>
+
+<file path=ppt/slides/slide26.xml><?xml version="1.0" encoding="utf-8"?>
+<p:sld xmlns:a="http://schemas.openxmlformats.org/drawingml/2006/main" xmlns:r="http://schemas.openxmlformats.org/officeDocument/2006/relationships" xmlns:mc="http://schemas.openxmlformats.org/markup-compatibility/2006" xmlns:mv="urn:schemas-microsoft-com:mac:vml" xmlns:p="http://schemas.openxmlformats.org/presentationml/2006/main" xmlns:c="http://schemas.openxmlformats.org/drawingml/2006/chart" xmlns:dgm="http://schemas.openxmlformats.org/drawingml/2006/diagram" xmlns:o="urn:schemas-microsoft-com:office:office" xmlns:v="urn:schemas-microsoft-com:vml" xmlns:pvml="urn:schemas-microsoft-com:office:powerpoint" xmlns:com="http://schemas.openxmlformats.org/drawingml/2006/compatibility" xmlns:p14="http://schemas.microsoft.com/office/powerpoint/2010/main" xmlns:p15="http://schemas.microsoft.com/office/powerpoint/2012/main" xmlns:ahyp="http://schemas.microsoft.com/office/drawing/2018/hyperlinkcolor">
+  <p:cSld>
+    <p:spTree>
+      <p:nvGrpSpPr>
+        <p:cNvPr id="335" name="Shape 335"/>
+        <p:cNvGrpSpPr/>
+        <p:nvPr/>
+      </p:nvGrpSpPr>
+      <p:grpSpPr>
+        <a:xfrm>
+          <a:off x="0" y="0"/>
+          <a:ext cx="0" cy="0"/>
+          <a:chOff x="0" y="0"/>
+          <a:chExt cx="0" cy="0"/>
+        </a:xfrm>
+      </p:grpSpPr>
+      <p:sp>
+        <p:nvSpPr>
+          <p:cNvPr id="336" name="Google Shape;336;p38"/>
+          <p:cNvSpPr txBox="1"/>
+          <p:nvPr>
+            <p:ph idx="4294967295" type="body"/>
+          </p:nvPr>
+        </p:nvSpPr>
+        <p:spPr>
+          <a:xfrm>
+            <a:off x="742900" y="1378075"/>
+            <a:ext cx="3743400" cy="461400"/>
+          </a:xfrm>
+          <a:prstGeom prst="rect">
+            <a:avLst/>
+          </a:prstGeom>
+        </p:spPr>
+        <p:txBody>
+          <a:bodyPr anchorCtr="0" anchor="t" bIns="91425" lIns="91425" spcFirstLastPara="1" rIns="91425" wrap="square" tIns="91425">
+            <a:noAutofit/>
+          </a:bodyPr>
+          <a:lstStyle/>
+          <a:p>
+            <a:pPr indent="0" lvl="0" marL="0" rtl="0" algn="l">
+              <a:spcBef>
+                <a:spcPts val="0"/>
+              </a:spcBef>
+              <a:spcAft>
+                <a:spcPts val="0"/>
+              </a:spcAft>
+              <a:buNone/>
+            </a:pPr>
+            <a:r>
+              <a:rPr lang="en">
+                <a:solidFill>
+                  <a:schemeClr val="lt1"/>
+                </a:solidFill>
+              </a:rPr>
+              <a:t>Model Selection</a:t>
+            </a:r>
+            <a:endParaRPr>
+              <a:solidFill>
+                <a:schemeClr val="lt1"/>
+              </a:solidFill>
+            </a:endParaRPr>
+          </a:p>
+        </p:txBody>
+      </p:sp>
+      <p:sp>
+        <p:nvSpPr>
+          <p:cNvPr id="337" name="Google Shape;337;p38"/>
+          <p:cNvSpPr txBox="1"/>
+          <p:nvPr/>
+        </p:nvSpPr>
+        <p:spPr>
+          <a:xfrm>
+            <a:off x="1938475" y="4774200"/>
+            <a:ext cx="4241400" cy="369300"/>
+          </a:xfrm>
+          <a:prstGeom prst="rect">
+            <a:avLst/>
+          </a:prstGeom>
+          <a:noFill/>
+          <a:ln>
+            <a:noFill/>
+          </a:ln>
+        </p:spPr>
+        <p:txBody>
+          <a:bodyPr anchorCtr="0" anchor="t" bIns="91425" lIns="91425" spcFirstLastPara="1" rIns="91425" wrap="square" tIns="91425">
+            <a:spAutoFit/>
+          </a:bodyPr>
+          <a:lstStyle/>
+          <a:p>
+            <a:pPr indent="0" lvl="0" marL="0" rtl="0" algn="l">
+              <a:spcBef>
+                <a:spcPts val="0"/>
+              </a:spcBef>
+              <a:spcAft>
+                <a:spcPts val="0"/>
+              </a:spcAft>
+              <a:buNone/>
+            </a:pPr>
+            <a:r>
+              <a:rPr i="1" lang="en" sz="1200">
+                <a:latin typeface="Roboto"/>
+                <a:ea typeface="Roboto"/>
+                <a:cs typeface="Roboto"/>
+                <a:sym typeface="Roboto"/>
+              </a:rPr>
+              <a:t>Random Forest Regression with Predicted Values</a:t>
+            </a:r>
+            <a:endParaRPr i="1" sz="1200">
+              <a:latin typeface="Roboto"/>
+              <a:ea typeface="Roboto"/>
+              <a:cs typeface="Roboto"/>
+              <a:sym typeface="Roboto"/>
+            </a:endParaRPr>
+          </a:p>
+        </p:txBody>
+      </p:sp>
+      <p:pic>
+        <p:nvPicPr>
+          <p:cNvPr id="338" name="Google Shape;338;p38"/>
+          <p:cNvPicPr preferRelativeResize="0"/>
+          <p:nvPr/>
+        </p:nvPicPr>
+        <p:blipFill>
+          <a:blip r:embed="rId3">
+            <a:alphaModFix/>
+          </a:blip>
+          <a:stretch>
+            <a:fillRect/>
+          </a:stretch>
+        </p:blipFill>
+        <p:spPr>
+          <a:xfrm>
+            <a:off x="1659375" y="165050"/>
+            <a:ext cx="5825250" cy="4512100"/>
+          </a:xfrm>
+          <a:prstGeom prst="rect">
+            <a:avLst/>
+          </a:prstGeom>
+          <a:noFill/>
+          <a:ln>
+            <a:noFill/>
+          </a:ln>
+        </p:spPr>
+      </p:pic>
+    </p:spTree>
+  </p:cSld>
+  <p:clrMapOvr>
+    <a:masterClrMapping/>
+  </p:clrMapOvr>
+</p:sld>
+</file>
+
+<file path=ppt/slides/slide27.xml><?xml version="1.0" encoding="utf-8"?>
+<p:sld xmlns:a="http://schemas.openxmlformats.org/drawingml/2006/main" xmlns:r="http://schemas.openxmlformats.org/officeDocument/2006/relationships" xmlns:mc="http://schemas.openxmlformats.org/markup-compatibility/2006" xmlns:mv="urn:schemas-microsoft-com:mac:vml" xmlns:p="http://schemas.openxmlformats.org/presentationml/2006/main" xmlns:c="http://schemas.openxmlformats.org/drawingml/2006/chart" xmlns:dgm="http://schemas.openxmlformats.org/drawingml/2006/diagram" xmlns:o="urn:schemas-microsoft-com:office:office" xmlns:v="urn:schemas-microsoft-com:vml" xmlns:pvml="urn:schemas-microsoft-com:office:powerpoint" xmlns:com="http://schemas.openxmlformats.org/drawingml/2006/compatibility" xmlns:p14="http://schemas.microsoft.com/office/powerpoint/2010/main" xmlns:p15="http://schemas.microsoft.com/office/powerpoint/2012/main" xmlns:ahyp="http://schemas.microsoft.com/office/drawing/2018/hyperlinkcolor">
+  <p:cSld>
+    <p:spTree>
+      <p:nvGrpSpPr>
+        <p:cNvPr id="342" name="Shape 342"/>
+        <p:cNvGrpSpPr/>
+        <p:nvPr/>
+      </p:nvGrpSpPr>
+      <p:grpSpPr>
+        <a:xfrm>
+          <a:off x="0" y="0"/>
+          <a:ext cx="0" cy="0"/>
+          <a:chOff x="0" y="0"/>
+          <a:chExt cx="0" cy="0"/>
+        </a:xfrm>
+      </p:grpSpPr>
+      <p:sp>
+        <p:nvSpPr>
+          <p:cNvPr id="343" name="Google Shape;343;p39"/>
+          <p:cNvSpPr txBox="1"/>
+          <p:nvPr>
+            <p:ph idx="4294967295" type="body"/>
+          </p:nvPr>
+        </p:nvSpPr>
+        <p:spPr>
+          <a:xfrm>
+            <a:off x="742900" y="1378075"/>
+            <a:ext cx="3743400" cy="461400"/>
+          </a:xfrm>
+          <a:prstGeom prst="rect">
+            <a:avLst/>
+          </a:prstGeom>
+        </p:spPr>
+        <p:txBody>
+          <a:bodyPr anchorCtr="0" anchor="t" bIns="91425" lIns="91425" spcFirstLastPara="1" rIns="91425" wrap="square" tIns="91425">
+            <a:noAutofit/>
+          </a:bodyPr>
+          <a:lstStyle/>
+          <a:p>
+            <a:pPr indent="0" lvl="0" marL="0" rtl="0" algn="l">
+              <a:spcBef>
+                <a:spcPts val="0"/>
+              </a:spcBef>
+              <a:spcAft>
+                <a:spcPts val="0"/>
+              </a:spcAft>
+              <a:buNone/>
+            </a:pPr>
+            <a:r>
+              <a:rPr lang="en">
+                <a:solidFill>
+                  <a:schemeClr val="lt1"/>
+                </a:solidFill>
+              </a:rPr>
+              <a:t>Model Selection</a:t>
+            </a:r>
+            <a:endParaRPr>
+              <a:solidFill>
+                <a:schemeClr val="lt1"/>
+              </a:solidFill>
+            </a:endParaRPr>
+          </a:p>
+        </p:txBody>
+      </p:sp>
+      <p:sp>
+        <p:nvSpPr>
+          <p:cNvPr id="344" name="Google Shape;344;p39"/>
+          <p:cNvSpPr txBox="1"/>
+          <p:nvPr/>
+        </p:nvSpPr>
+        <p:spPr>
+          <a:xfrm>
+            <a:off x="1938475" y="4774200"/>
+            <a:ext cx="4241400" cy="369300"/>
+          </a:xfrm>
+          <a:prstGeom prst="rect">
+            <a:avLst/>
+          </a:prstGeom>
+          <a:noFill/>
+          <a:ln>
+            <a:noFill/>
+          </a:ln>
+        </p:spPr>
+        <p:txBody>
+          <a:bodyPr anchorCtr="0" anchor="t" bIns="91425" lIns="91425" spcFirstLastPara="1" rIns="91425" wrap="square" tIns="91425">
+            <a:spAutoFit/>
+          </a:bodyPr>
+          <a:lstStyle/>
+          <a:p>
+            <a:pPr indent="0" lvl="0" marL="0" rtl="0" algn="l">
+              <a:spcBef>
+                <a:spcPts val="0"/>
+              </a:spcBef>
+              <a:spcAft>
+                <a:spcPts val="0"/>
+              </a:spcAft>
+              <a:buNone/>
+            </a:pPr>
+            <a:r>
+              <a:rPr i="1" lang="en" sz="1200">
+                <a:latin typeface="Roboto"/>
+                <a:ea typeface="Roboto"/>
+                <a:cs typeface="Roboto"/>
+                <a:sym typeface="Roboto"/>
+              </a:rPr>
+              <a:t>Random Forest Regression (16 Features) Whole Scaled</a:t>
+            </a:r>
+            <a:endParaRPr i="1" sz="1200">
+              <a:latin typeface="Roboto"/>
+              <a:ea typeface="Roboto"/>
+              <a:cs typeface="Roboto"/>
+              <a:sym typeface="Roboto"/>
+            </a:endParaRPr>
+          </a:p>
+        </p:txBody>
+      </p:sp>
+      <p:pic>
+        <p:nvPicPr>
+          <p:cNvPr id="345" name="Google Shape;345;p39"/>
+          <p:cNvPicPr preferRelativeResize="0"/>
+          <p:nvPr/>
+        </p:nvPicPr>
+        <p:blipFill>
+          <a:blip r:embed="rId3">
+            <a:alphaModFix/>
+          </a:blip>
+          <a:stretch>
+            <a:fillRect/>
+          </a:stretch>
+        </p:blipFill>
+        <p:spPr>
+          <a:xfrm>
+            <a:off x="1277100" y="0"/>
+            <a:ext cx="6246855" cy="4788900"/>
+          </a:xfrm>
+          <a:prstGeom prst="rect">
+            <a:avLst/>
+          </a:prstGeom>
+          <a:noFill/>
+          <a:ln>
+            <a:noFill/>
+          </a:ln>
+        </p:spPr>
+      </p:pic>
+    </p:spTree>
+  </p:cSld>
+  <p:clrMapOvr>
+    <a:masterClrMapping/>
+  </p:clrMapOvr>
+</p:sld>
+</file>
+
+<file path=ppt/slides/slide28.xml><?xml version="1.0" encoding="utf-8"?>
+<p:sld xmlns:a="http://schemas.openxmlformats.org/drawingml/2006/main" xmlns:r="http://schemas.openxmlformats.org/officeDocument/2006/relationships" xmlns:mc="http://schemas.openxmlformats.org/markup-compatibility/2006" xmlns:mv="urn:schemas-microsoft-com:mac:vml" xmlns:p="http://schemas.openxmlformats.org/presentationml/2006/main" xmlns:c="http://schemas.openxmlformats.org/drawingml/2006/chart" xmlns:dgm="http://schemas.openxmlformats.org/drawingml/2006/diagram" xmlns:o="urn:schemas-microsoft-com:office:office" xmlns:v="urn:schemas-microsoft-com:vml" xmlns:pvml="urn:schemas-microsoft-com:office:powerpoint" xmlns:com="http://schemas.openxmlformats.org/drawingml/2006/compatibility" xmlns:p14="http://schemas.microsoft.com/office/powerpoint/2010/main" xmlns:p15="http://schemas.microsoft.com/office/powerpoint/2012/main" xmlns:ahyp="http://schemas.microsoft.com/office/drawing/2018/hyperlinkcolor">
+  <p:cSld>
+    <p:spTree>
+      <p:nvGrpSpPr>
+        <p:cNvPr id="349" name="Shape 349"/>
+        <p:cNvGrpSpPr/>
+        <p:nvPr/>
+      </p:nvGrpSpPr>
+      <p:grpSpPr>
+        <a:xfrm>
+          <a:off x="0" y="0"/>
+          <a:ext cx="0" cy="0"/>
+          <a:chOff x="0" y="0"/>
+          <a:chExt cx="0" cy="0"/>
+        </a:xfrm>
+      </p:grpSpPr>
+      <p:sp>
+        <p:nvSpPr>
+          <p:cNvPr id="350" name="Google Shape;350;p40"/>
+          <p:cNvSpPr txBox="1"/>
+          <p:nvPr>
+            <p:ph type="title"/>
+          </p:nvPr>
+        </p:nvSpPr>
+        <p:spPr>
+          <a:xfrm>
+            <a:off x="311700" y="410000"/>
+            <a:ext cx="8520600" cy="607800"/>
+          </a:xfrm>
+          <a:prstGeom prst="rect">
+            <a:avLst/>
+          </a:prstGeom>
+        </p:spPr>
+        <p:txBody>
+          <a:bodyPr anchorCtr="0" anchor="t" bIns="91425" lIns="91425" spcFirstLastPara="1" rIns="91425" wrap="square" tIns="91425">
+            <a:noAutofit/>
+          </a:bodyPr>
+          <a:lstStyle/>
+          <a:p>
+            <a:pPr indent="0" lvl="0" marL="0" rtl="0" algn="l">
+              <a:spcBef>
+                <a:spcPts val="0"/>
+              </a:spcBef>
+              <a:spcAft>
+                <a:spcPts val="0"/>
+              </a:spcAft>
+              <a:buNone/>
+            </a:pPr>
+            <a:r>
+              <a:rPr lang="en" u="sng">
+                <a:solidFill>
+                  <a:schemeClr val="hlink"/>
+                </a:solidFill>
+                <a:hlinkClick r:id="rId3"/>
+              </a:rPr>
+              <a:t>Creating Visualizations</a:t>
+            </a:r>
+            <a:endParaRPr/>
+          </a:p>
+        </p:txBody>
+      </p:sp>
+      <p:sp>
+        <p:nvSpPr>
+          <p:cNvPr id="351" name="Google Shape;351;p40"/>
+          <p:cNvSpPr txBox="1"/>
+          <p:nvPr/>
+        </p:nvSpPr>
+        <p:spPr>
+          <a:xfrm>
+            <a:off x="562350" y="1412750"/>
+            <a:ext cx="7159800" cy="431100"/>
+          </a:xfrm>
+          <a:prstGeom prst="rect">
+            <a:avLst/>
+          </a:prstGeom>
+          <a:noFill/>
+          <a:ln>
+            <a:noFill/>
+          </a:ln>
+        </p:spPr>
+        <p:txBody>
+          <a:bodyPr anchorCtr="0" anchor="t" bIns="91425" lIns="91425" spcFirstLastPara="1" rIns="91425" wrap="square" tIns="91425">
+            <a:spAutoFit/>
+          </a:bodyPr>
+          <a:lstStyle/>
+          <a:p>
+            <a:pPr indent="0" lvl="0" marL="0" rtl="0" algn="l">
+              <a:spcBef>
+                <a:spcPts val="0"/>
+              </a:spcBef>
+              <a:spcAft>
+                <a:spcPts val="0"/>
+              </a:spcAft>
+              <a:buNone/>
+            </a:pPr>
+            <a:r>
+              <a:t/>
+            </a:r>
+            <a:endParaRPr sz="1600">
+              <a:latin typeface="Roboto"/>
+              <a:ea typeface="Roboto"/>
+              <a:cs typeface="Roboto"/>
+              <a:sym typeface="Roboto"/>
+            </a:endParaRPr>
+          </a:p>
+        </p:txBody>
+      </p:sp>
+      <p:pic>
+        <p:nvPicPr>
+          <p:cNvPr id="352" name="Google Shape;352;p40"/>
+          <p:cNvPicPr preferRelativeResize="0"/>
+          <p:nvPr/>
+        </p:nvPicPr>
+        <p:blipFill>
+          <a:blip r:embed="rId4">
+            <a:alphaModFix/>
+          </a:blip>
+          <a:stretch>
+            <a:fillRect/>
+          </a:stretch>
+        </p:blipFill>
+        <p:spPr>
+          <a:xfrm>
+            <a:off x="5005225" y="1705600"/>
+            <a:ext cx="2994850" cy="2994850"/>
+          </a:xfrm>
+          <a:prstGeom prst="rect">
+            <a:avLst/>
+          </a:prstGeom>
+          <a:noFill/>
+          <a:ln>
+            <a:noFill/>
+          </a:ln>
+        </p:spPr>
+      </p:pic>
+    </p:spTree>
+  </p:cSld>
+  <p:clrMapOvr>
+    <a:masterClrMapping/>
+  </p:clrMapOvr>
+</p:sld>
+</file>
+
+<file path=ppt/slides/slide29.xml><?xml version="1.0" encoding="utf-8"?>
+<p:sld xmlns:a="http://schemas.openxmlformats.org/drawingml/2006/main" xmlns:r="http://schemas.openxmlformats.org/officeDocument/2006/relationships" xmlns:mc="http://schemas.openxmlformats.org/markup-compatibility/2006" xmlns:mv="urn:schemas-microsoft-com:mac:vml" xmlns:p="http://schemas.openxmlformats.org/presentationml/2006/main" xmlns:c="http://schemas.openxmlformats.org/drawingml/2006/chart" xmlns:dgm="http://schemas.openxmlformats.org/drawingml/2006/diagram" xmlns:o="urn:schemas-microsoft-com:office:office" xmlns:v="urn:schemas-microsoft-com:vml" xmlns:pvml="urn:schemas-microsoft-com:office:powerpoint" xmlns:com="http://schemas.openxmlformats.org/drawingml/2006/compatibility" xmlns:p14="http://schemas.microsoft.com/office/powerpoint/2010/main" xmlns:p15="http://schemas.microsoft.com/office/powerpoint/2012/main" xmlns:ahyp="http://schemas.microsoft.com/office/drawing/2018/hyperlinkcolor">
+  <p:cSld>
+    <p:spTree>
+      <p:nvGrpSpPr>
+        <p:cNvPr id="356" name="Shape 356"/>
+        <p:cNvGrpSpPr/>
+        <p:nvPr/>
+      </p:nvGrpSpPr>
+      <p:grpSpPr>
+        <a:xfrm>
+          <a:off x="0" y="0"/>
+          <a:ext cx="0" cy="0"/>
+          <a:chOff x="0" y="0"/>
+          <a:chExt cx="0" cy="0"/>
+        </a:xfrm>
+      </p:grpSpPr>
+      <p:sp>
+        <p:nvSpPr>
+          <p:cNvPr id="357" name="Google Shape;357;p41"/>
+          <p:cNvSpPr txBox="1"/>
+          <p:nvPr>
+            <p:ph type="title"/>
+          </p:nvPr>
+        </p:nvSpPr>
+        <p:spPr>
+          <a:xfrm>
+            <a:off x="311700" y="410000"/>
+            <a:ext cx="8520600" cy="607800"/>
+          </a:xfrm>
+          <a:prstGeom prst="rect">
+            <a:avLst/>
+          </a:prstGeom>
+        </p:spPr>
+        <p:txBody>
+          <a:bodyPr anchorCtr="0" anchor="t" bIns="91425" lIns="91425" spcFirstLastPara="1" rIns="91425" wrap="square" tIns="91425">
+            <a:noAutofit/>
+          </a:bodyPr>
+          <a:lstStyle/>
+          <a:p>
+            <a:pPr indent="0" lvl="0" marL="0" rtl="0" algn="l">
+              <a:spcBef>
+                <a:spcPts val="0"/>
+              </a:spcBef>
+              <a:spcAft>
+                <a:spcPts val="0"/>
+              </a:spcAft>
+              <a:buNone/>
+            </a:pPr>
+            <a:r>
+              <a:rPr lang="en"/>
+              <a:t>Summarizing Analysis</a:t>
             </a:r>
             <a:endParaRPr/>
           </a:p>
@@ -14045,21 +18182,21 @@
       </p:sp>
       <p:grpSp>
         <p:nvGrpSpPr>
-          <p:cNvPr id="299" name="Google Shape;299;p33"/>
+          <p:cNvPr id="358" name="Google Shape;358;p41"/>
           <p:cNvGrpSpPr/>
           <p:nvPr/>
         </p:nvGrpSpPr>
         <p:grpSpPr>
           <a:xfrm>
-            <a:off x="401737" y="1228679"/>
-            <a:ext cx="4632158" cy="3105722"/>
+            <a:off x="401724" y="1228618"/>
+            <a:ext cx="8430695" cy="3832018"/>
             <a:chOff x="431925" y="1304875"/>
-            <a:chExt cx="2628920" cy="3525623"/>
+            <a:chExt cx="2628924" cy="3923033"/>
           </a:xfrm>
         </p:grpSpPr>
         <p:sp>
           <p:nvSpPr>
-            <p:cNvPr id="300" name="Google Shape;300;p33"/>
+            <p:cNvPr id="359" name="Google Shape;359;p41"/>
             <p:cNvSpPr txBox="1"/>
             <p:nvPr/>
           </p:nvSpPr>
@@ -14102,14 +18239,935 @@
         </p:sp>
         <p:sp>
           <p:nvSpPr>
-            <p:cNvPr id="301" name="Google Shape;301;p33"/>
+            <p:cNvPr id="360" name="Google Shape;360;p41"/>
             <p:cNvSpPr/>
             <p:nvPr/>
           </p:nvSpPr>
           <p:spPr>
             <a:xfrm>
-              <a:off x="431945" y="1304898"/>
-              <a:ext cx="2628900" cy="3525600"/>
+              <a:off x="431949" y="1548408"/>
+              <a:ext cx="2628900" cy="3679500"/>
+            </a:xfrm>
+            <a:prstGeom prst="rect">
+              <a:avLst/>
+            </a:prstGeom>
+            <a:noFill/>
+            <a:ln cap="flat" cmpd="sng" w="9525">
+              <a:solidFill>
+                <a:schemeClr val="dk1"/>
+              </a:solidFill>
+              <a:prstDash val="solid"/>
+              <a:round/>
+              <a:headEnd len="sm" w="sm" type="none"/>
+              <a:tailEnd len="sm" w="sm" type="none"/>
+            </a:ln>
+          </p:spPr>
+          <p:txBody>
+            <a:bodyPr anchorCtr="0" anchor="ctr" bIns="91425" lIns="91425" spcFirstLastPara="1" rIns="91425" wrap="square" tIns="91425">
+              <a:noAutofit/>
+            </a:bodyPr>
+            <a:lstStyle/>
+            <a:p>
+              <a:pPr indent="-330200" lvl="0" marL="457200" rtl="0" algn="l">
+                <a:spcBef>
+                  <a:spcPts val="1000"/>
+                </a:spcBef>
+                <a:spcAft>
+                  <a:spcPts val="0"/>
+                </a:spcAft>
+                <a:buSzPts val="1600"/>
+                <a:buFont typeface="Roboto"/>
+                <a:buChar char="●"/>
+              </a:pPr>
+              <a:r>
+                <a:rPr lang="en" sz="1600">
+                  <a:latin typeface="Roboto"/>
+                  <a:ea typeface="Roboto"/>
+                  <a:cs typeface="Roboto"/>
+                  <a:sym typeface="Roboto"/>
+                </a:rPr>
+                <a:t>We were able to predict the daily number of new COVID-19 cases in 150 countries across the world using Random Forest Regression models with ranging accuracy from 77% to 81%. </a:t>
+              </a:r>
+              <a:endParaRPr sz="1600">
+                <a:latin typeface="Roboto"/>
+                <a:ea typeface="Roboto"/>
+                <a:cs typeface="Roboto"/>
+                <a:sym typeface="Roboto"/>
+              </a:endParaRPr>
+            </a:p>
+            <a:p>
+              <a:pPr indent="-330200" lvl="0" marL="457200" rtl="0" algn="l">
+                <a:spcBef>
+                  <a:spcPts val="1000"/>
+                </a:spcBef>
+                <a:spcAft>
+                  <a:spcPts val="0"/>
+                </a:spcAft>
+                <a:buSzPts val="1600"/>
+                <a:buFont typeface="Roboto"/>
+                <a:buChar char="●"/>
+              </a:pPr>
+              <a:r>
+                <a:rPr lang="en" sz="1600">
+                  <a:latin typeface="Roboto"/>
+                  <a:ea typeface="Roboto"/>
+                  <a:cs typeface="Roboto"/>
+                  <a:sym typeface="Roboto"/>
+                </a:rPr>
+                <a:t>We attempted different techniques to enhance the model including selecting features based on importance, dropping features with severe multicollinearity, increasing the number of decision trees, and reducing the dimension of the data using Principal Component Analysis. Not all enhancement techniques were beneficial. </a:t>
+              </a:r>
+              <a:endParaRPr sz="1600">
+                <a:latin typeface="Roboto"/>
+                <a:ea typeface="Roboto"/>
+                <a:cs typeface="Roboto"/>
+                <a:sym typeface="Roboto"/>
+              </a:endParaRPr>
+            </a:p>
+            <a:p>
+              <a:pPr indent="-330200" lvl="0" marL="457200" rtl="0" algn="l">
+                <a:spcBef>
+                  <a:spcPts val="1000"/>
+                </a:spcBef>
+                <a:spcAft>
+                  <a:spcPts val="1000"/>
+                </a:spcAft>
+                <a:buSzPts val="1600"/>
+                <a:buFont typeface="Roboto"/>
+                <a:buChar char="●"/>
+              </a:pPr>
+              <a:r>
+                <a:rPr lang="en" sz="1600">
+                  <a:latin typeface="Roboto"/>
+                  <a:ea typeface="Roboto"/>
+                  <a:cs typeface="Roboto"/>
+                  <a:sym typeface="Roboto"/>
+                </a:rPr>
+                <a:t>Changing the time frame of the analysis and escaping new spikes in the pandemic had steady positive effects on predictions. Insinuating the changing nature of the pandemic due to the rise of new COVID-19 variants that were not accounted for in the original dataset.</a:t>
+              </a:r>
+              <a:endParaRPr sz="1600">
+                <a:latin typeface="Roboto"/>
+                <a:ea typeface="Roboto"/>
+                <a:cs typeface="Roboto"/>
+                <a:sym typeface="Roboto"/>
+              </a:endParaRPr>
+            </a:p>
+          </p:txBody>
+        </p:sp>
+      </p:grpSp>
+    </p:spTree>
+  </p:cSld>
+  <p:clrMapOvr>
+    <a:masterClrMapping/>
+  </p:clrMapOvr>
+</p:sld>
+</file>
+
+<file path=ppt/slides/slide3.xml><?xml version="1.0" encoding="utf-8"?>
+<p:sld xmlns:a="http://schemas.openxmlformats.org/drawingml/2006/main" xmlns:r="http://schemas.openxmlformats.org/officeDocument/2006/relationships" xmlns:mc="http://schemas.openxmlformats.org/markup-compatibility/2006" xmlns:mv="urn:schemas-microsoft-com:mac:vml" xmlns:p="http://schemas.openxmlformats.org/presentationml/2006/main" xmlns:c="http://schemas.openxmlformats.org/drawingml/2006/chart" xmlns:dgm="http://schemas.openxmlformats.org/drawingml/2006/diagram" xmlns:o="urn:schemas-microsoft-com:office:office" xmlns:v="urn:schemas-microsoft-com:vml" xmlns:pvml="urn:schemas-microsoft-com:office:powerpoint" xmlns:com="http://schemas.openxmlformats.org/drawingml/2006/compatibility" xmlns:p14="http://schemas.microsoft.com/office/powerpoint/2010/main" xmlns:p15="http://schemas.microsoft.com/office/powerpoint/2012/main" xmlns:ahyp="http://schemas.microsoft.com/office/drawing/2018/hyperlinkcolor">
+  <p:cSld>
+    <p:spTree>
+      <p:nvGrpSpPr>
+        <p:cNvPr id="107" name="Shape 107"/>
+        <p:cNvGrpSpPr/>
+        <p:nvPr/>
+      </p:nvGrpSpPr>
+      <p:grpSpPr>
+        <a:xfrm>
+          <a:off x="0" y="0"/>
+          <a:ext cx="0" cy="0"/>
+          <a:chOff x="0" y="0"/>
+          <a:chExt cx="0" cy="0"/>
+        </a:xfrm>
+      </p:grpSpPr>
+      <p:sp>
+        <p:nvSpPr>
+          <p:cNvPr id="108" name="Google Shape;108;p15"/>
+          <p:cNvSpPr txBox="1"/>
+          <p:nvPr>
+            <p:ph type="title"/>
+          </p:nvPr>
+        </p:nvSpPr>
+        <p:spPr>
+          <a:xfrm>
+            <a:off x="311700" y="410000"/>
+            <a:ext cx="8520600" cy="607800"/>
+          </a:xfrm>
+          <a:prstGeom prst="rect">
+            <a:avLst/>
+          </a:prstGeom>
+        </p:spPr>
+        <p:txBody>
+          <a:bodyPr anchorCtr="0" anchor="t" bIns="91425" lIns="91425" spcFirstLastPara="1" rIns="91425" wrap="square" tIns="91425">
+            <a:noAutofit/>
+          </a:bodyPr>
+          <a:lstStyle/>
+          <a:p>
+            <a:pPr indent="0" lvl="0" marL="0" rtl="0" algn="l">
+              <a:spcBef>
+                <a:spcPts val="0"/>
+              </a:spcBef>
+              <a:spcAft>
+                <a:spcPts val="0"/>
+              </a:spcAft>
+              <a:buNone/>
+            </a:pPr>
+            <a:r>
+              <a:rPr lang="en"/>
+              <a:t>Purpose of COVID-19 Analysis</a:t>
+            </a:r>
+            <a:endParaRPr/>
+          </a:p>
+        </p:txBody>
+      </p:sp>
+      <p:sp>
+        <p:nvSpPr>
+          <p:cNvPr id="109" name="Google Shape;109;p15"/>
+          <p:cNvSpPr txBox="1"/>
+          <p:nvPr>
+            <p:ph idx="4294967295" type="body"/>
+          </p:nvPr>
+        </p:nvSpPr>
+        <p:spPr>
+          <a:xfrm>
+            <a:off x="432350" y="1912675"/>
+            <a:ext cx="5355900" cy="2589600"/>
+          </a:xfrm>
+          <a:prstGeom prst="rect">
+            <a:avLst/>
+          </a:prstGeom>
+        </p:spPr>
+        <p:txBody>
+          <a:bodyPr anchorCtr="0" anchor="t" bIns="91425" lIns="91425" spcFirstLastPara="1" rIns="91425" wrap="square" tIns="91425">
+            <a:noAutofit/>
+          </a:bodyPr>
+          <a:lstStyle/>
+          <a:p>
+            <a:pPr indent="-330200" lvl="0" marL="457200" rtl="0" algn="l">
+              <a:lnSpc>
+                <a:spcPct val="150000"/>
+              </a:lnSpc>
+              <a:spcBef>
+                <a:spcPts val="1800"/>
+              </a:spcBef>
+              <a:spcAft>
+                <a:spcPts val="0"/>
+              </a:spcAft>
+              <a:buClr>
+                <a:srgbClr val="000000"/>
+              </a:buClr>
+              <a:buSzPts val="1600"/>
+              <a:buChar char="●"/>
+            </a:pPr>
+            <a:r>
+              <a:rPr lang="en" sz="1600">
+                <a:solidFill>
+                  <a:srgbClr val="000000"/>
+                </a:solidFill>
+                <a:highlight>
+                  <a:srgbClr val="FFFFFF"/>
+                </a:highlight>
+              </a:rPr>
+              <a:t>Create a functional </a:t>
+            </a:r>
+            <a:r>
+              <a:rPr lang="en" sz="1600">
+                <a:solidFill>
+                  <a:srgbClr val="000000"/>
+                </a:solidFill>
+                <a:highlight>
+                  <a:srgbClr val="FFFFFF"/>
+                </a:highlight>
+              </a:rPr>
+              <a:t>prediction</a:t>
+            </a:r>
+            <a:r>
+              <a:rPr lang="en" sz="1600">
+                <a:solidFill>
+                  <a:srgbClr val="000000"/>
+                </a:solidFill>
+                <a:highlight>
+                  <a:srgbClr val="FFFFFF"/>
+                </a:highlight>
+              </a:rPr>
+              <a:t> model relating to the healthcare/medical field</a:t>
+            </a:r>
+            <a:endParaRPr sz="1600">
+              <a:solidFill>
+                <a:srgbClr val="000000"/>
+              </a:solidFill>
+              <a:highlight>
+                <a:srgbClr val="FFFFFF"/>
+              </a:highlight>
+            </a:endParaRPr>
+          </a:p>
+          <a:p>
+            <a:pPr indent="-330200" lvl="0" marL="457200" rtl="0" algn="l">
+              <a:lnSpc>
+                <a:spcPct val="150000"/>
+              </a:lnSpc>
+              <a:spcBef>
+                <a:spcPts val="0"/>
+              </a:spcBef>
+              <a:spcAft>
+                <a:spcPts val="0"/>
+              </a:spcAft>
+              <a:buClr>
+                <a:srgbClr val="000000"/>
+              </a:buClr>
+              <a:buSzPts val="1600"/>
+              <a:buChar char="●"/>
+            </a:pPr>
+            <a:r>
+              <a:rPr lang="en" sz="1600">
+                <a:solidFill>
+                  <a:srgbClr val="000000"/>
+                </a:solidFill>
+                <a:highlight>
+                  <a:srgbClr val="FFFFFF"/>
+                </a:highlight>
+              </a:rPr>
+              <a:t>Several topics considered including cancer, malaria, and COVID-19</a:t>
+            </a:r>
+            <a:endParaRPr sz="1600">
+              <a:solidFill>
+                <a:srgbClr val="000000"/>
+              </a:solidFill>
+              <a:highlight>
+                <a:srgbClr val="FFFFFF"/>
+              </a:highlight>
+            </a:endParaRPr>
+          </a:p>
+          <a:p>
+            <a:pPr indent="-330200" lvl="0" marL="457200" rtl="0" algn="l">
+              <a:lnSpc>
+                <a:spcPct val="150000"/>
+              </a:lnSpc>
+              <a:spcBef>
+                <a:spcPts val="0"/>
+              </a:spcBef>
+              <a:spcAft>
+                <a:spcPts val="0"/>
+              </a:spcAft>
+              <a:buClr>
+                <a:srgbClr val="000000"/>
+              </a:buClr>
+              <a:buSzPts val="1600"/>
+              <a:buChar char="●"/>
+            </a:pPr>
+            <a:r>
+              <a:rPr lang="en" sz="1600">
+                <a:solidFill>
+                  <a:srgbClr val="000000"/>
+                </a:solidFill>
+                <a:highlight>
+                  <a:srgbClr val="FFFFFF"/>
+                </a:highlight>
+              </a:rPr>
+              <a:t>COVID-19 selected due to availability of current data</a:t>
+            </a:r>
+            <a:endParaRPr sz="1600">
+              <a:solidFill>
+                <a:srgbClr val="000000"/>
+              </a:solidFill>
+              <a:highlight>
+                <a:srgbClr val="FFFFFF"/>
+              </a:highlight>
+            </a:endParaRPr>
+          </a:p>
+          <a:p>
+            <a:pPr indent="-330200" lvl="0" marL="457200" rtl="0" algn="l">
+              <a:lnSpc>
+                <a:spcPct val="150000"/>
+              </a:lnSpc>
+              <a:spcBef>
+                <a:spcPts val="0"/>
+              </a:spcBef>
+              <a:spcAft>
+                <a:spcPts val="0"/>
+              </a:spcAft>
+              <a:buClr>
+                <a:srgbClr val="000000"/>
+              </a:buClr>
+              <a:buSzPts val="1600"/>
+              <a:buChar char="●"/>
+            </a:pPr>
+            <a:r>
+              <a:rPr lang="en" sz="1600">
+                <a:solidFill>
+                  <a:srgbClr val="000000"/>
+                </a:solidFill>
+                <a:highlight>
+                  <a:srgbClr val="FFFFFF"/>
+                </a:highlight>
+              </a:rPr>
+              <a:t>Analysis of COVID-19 to </a:t>
+            </a:r>
+            <a:r>
+              <a:rPr lang="en" sz="1600">
+                <a:solidFill>
+                  <a:srgbClr val="000000"/>
+                </a:solidFill>
+                <a:highlight>
+                  <a:schemeClr val="lt1"/>
+                </a:highlight>
+              </a:rPr>
+              <a:t>ultimately to predict the health outcomes in future populations </a:t>
+            </a:r>
+            <a:endParaRPr sz="1600">
+              <a:solidFill>
+                <a:srgbClr val="000000"/>
+              </a:solidFill>
+              <a:highlight>
+                <a:srgbClr val="FFFFFF"/>
+              </a:highlight>
+            </a:endParaRPr>
+          </a:p>
+          <a:p>
+            <a:pPr indent="0" lvl="0" marL="0" rtl="0" algn="l">
+              <a:lnSpc>
+                <a:spcPct val="150000"/>
+              </a:lnSpc>
+              <a:spcBef>
+                <a:spcPts val="1200"/>
+              </a:spcBef>
+              <a:spcAft>
+                <a:spcPts val="800"/>
+              </a:spcAft>
+              <a:buNone/>
+            </a:pPr>
+            <a:r>
+              <a:t/>
+            </a:r>
+            <a:endParaRPr sz="1600"/>
+          </a:p>
+        </p:txBody>
+      </p:sp>
+      <p:sp>
+        <p:nvSpPr>
+          <p:cNvPr id="110" name="Google Shape;110;p15"/>
+          <p:cNvSpPr/>
+          <p:nvPr/>
+        </p:nvSpPr>
+        <p:spPr>
+          <a:xfrm>
+            <a:off x="432351" y="1304875"/>
+            <a:ext cx="8293500" cy="607800"/>
+          </a:xfrm>
+          <a:prstGeom prst="chevron">
+            <a:avLst>
+              <a:gd fmla="val 50000" name="adj"/>
+            </a:avLst>
+          </a:prstGeom>
+          <a:solidFill>
+            <a:schemeClr val="dk1"/>
+          </a:solidFill>
+          <a:ln>
+            <a:noFill/>
+          </a:ln>
+        </p:spPr>
+        <p:txBody>
+          <a:bodyPr anchorCtr="0" anchor="ctr" bIns="121875" lIns="121875" spcFirstLastPara="1" rIns="121875" wrap="square" tIns="121875">
+            <a:noAutofit/>
+          </a:bodyPr>
+          <a:lstStyle/>
+          <a:p>
+            <a:pPr indent="0" lvl="0" marL="0" rtl="0" algn="l">
+              <a:spcBef>
+                <a:spcPts val="0"/>
+              </a:spcBef>
+              <a:spcAft>
+                <a:spcPts val="0"/>
+              </a:spcAft>
+              <a:buNone/>
+            </a:pPr>
+            <a:r>
+              <a:t/>
+            </a:r>
+            <a:endParaRPr/>
+          </a:p>
+        </p:txBody>
+      </p:sp>
+      <p:pic>
+        <p:nvPicPr>
+          <p:cNvPr id="111" name="Google Shape;111;p15"/>
+          <p:cNvPicPr preferRelativeResize="0"/>
+          <p:nvPr/>
+        </p:nvPicPr>
+        <p:blipFill>
+          <a:blip r:embed="rId3">
+            <a:alphaModFix/>
+          </a:blip>
+          <a:stretch>
+            <a:fillRect/>
+          </a:stretch>
+        </p:blipFill>
+        <p:spPr>
+          <a:xfrm>
+            <a:off x="6199950" y="2403815"/>
+            <a:ext cx="2348674" cy="1795825"/>
+          </a:xfrm>
+          <a:prstGeom prst="rect">
+            <a:avLst/>
+          </a:prstGeom>
+          <a:noFill/>
+          <a:ln>
+            <a:noFill/>
+          </a:ln>
+        </p:spPr>
+      </p:pic>
+      <p:sp>
+        <p:nvSpPr>
+          <p:cNvPr id="112" name="Google Shape;112;p15"/>
+          <p:cNvSpPr txBox="1"/>
+          <p:nvPr/>
+        </p:nvSpPr>
+        <p:spPr>
+          <a:xfrm>
+            <a:off x="6199950" y="4279300"/>
+            <a:ext cx="1800300" cy="323100"/>
+          </a:xfrm>
+          <a:prstGeom prst="rect">
+            <a:avLst/>
+          </a:prstGeom>
+          <a:noFill/>
+          <a:ln>
+            <a:noFill/>
+          </a:ln>
+        </p:spPr>
+        <p:txBody>
+          <a:bodyPr anchorCtr="0" anchor="t" bIns="91425" lIns="91425" spcFirstLastPara="1" rIns="91425" wrap="square" tIns="91425">
+            <a:spAutoFit/>
+          </a:bodyPr>
+          <a:lstStyle/>
+          <a:p>
+            <a:pPr indent="0" lvl="0" marL="0" rtl="0" algn="l">
+              <a:spcBef>
+                <a:spcPts val="0"/>
+              </a:spcBef>
+              <a:spcAft>
+                <a:spcPts val="0"/>
+              </a:spcAft>
+              <a:buNone/>
+            </a:pPr>
+            <a:r>
+              <a:rPr lang="en" sz="900">
+                <a:solidFill>
+                  <a:srgbClr val="4D4D4D"/>
+                </a:solidFill>
+                <a:highlight>
+                  <a:srgbClr val="FFFFFF"/>
+                </a:highlight>
+                <a:latin typeface="Trebuchet MS"/>
+                <a:ea typeface="Trebuchet MS"/>
+                <a:cs typeface="Trebuchet MS"/>
+                <a:sym typeface="Trebuchet MS"/>
+              </a:rPr>
+              <a:t>CDC/SCIENCE PHOTO LIBRARY</a:t>
+            </a:r>
+            <a:endParaRPr>
+              <a:latin typeface="Roboto"/>
+              <a:ea typeface="Roboto"/>
+              <a:cs typeface="Roboto"/>
+              <a:sym typeface="Roboto"/>
+            </a:endParaRPr>
+          </a:p>
+        </p:txBody>
+      </p:sp>
+    </p:spTree>
+  </p:cSld>
+  <p:clrMapOvr>
+    <a:masterClrMapping/>
+  </p:clrMapOvr>
+</p:sld>
+</file>
+
+<file path=ppt/slides/slide30.xml><?xml version="1.0" encoding="utf-8"?>
+<p:sld xmlns:a="http://schemas.openxmlformats.org/drawingml/2006/main" xmlns:r="http://schemas.openxmlformats.org/officeDocument/2006/relationships" xmlns:mc="http://schemas.openxmlformats.org/markup-compatibility/2006" xmlns:mv="urn:schemas-microsoft-com:mac:vml" xmlns:p="http://schemas.openxmlformats.org/presentationml/2006/main" xmlns:c="http://schemas.openxmlformats.org/drawingml/2006/chart" xmlns:dgm="http://schemas.openxmlformats.org/drawingml/2006/diagram" xmlns:o="urn:schemas-microsoft-com:office:office" xmlns:v="urn:schemas-microsoft-com:vml" xmlns:pvml="urn:schemas-microsoft-com:office:powerpoint" xmlns:com="http://schemas.openxmlformats.org/drawingml/2006/compatibility" xmlns:p14="http://schemas.microsoft.com/office/powerpoint/2010/main" xmlns:p15="http://schemas.microsoft.com/office/powerpoint/2012/main" xmlns:ahyp="http://schemas.microsoft.com/office/drawing/2018/hyperlinkcolor">
+  <p:cSld>
+    <p:spTree>
+      <p:nvGrpSpPr>
+        <p:cNvPr id="364" name="Shape 364"/>
+        <p:cNvGrpSpPr/>
+        <p:nvPr/>
+      </p:nvGrpSpPr>
+      <p:grpSpPr>
+        <a:xfrm>
+          <a:off x="0" y="0"/>
+          <a:ext cx="0" cy="0"/>
+          <a:chOff x="0" y="0"/>
+          <a:chExt cx="0" cy="0"/>
+        </a:xfrm>
+      </p:grpSpPr>
+      <p:sp>
+        <p:nvSpPr>
+          <p:cNvPr id="365" name="Google Shape;365;p42"/>
+          <p:cNvSpPr txBox="1"/>
+          <p:nvPr>
+            <p:ph type="title"/>
+          </p:nvPr>
+        </p:nvSpPr>
+        <p:spPr>
+          <a:xfrm>
+            <a:off x="311700" y="410000"/>
+            <a:ext cx="8520600" cy="607800"/>
+          </a:xfrm>
+          <a:prstGeom prst="rect">
+            <a:avLst/>
+          </a:prstGeom>
+        </p:spPr>
+        <p:txBody>
+          <a:bodyPr anchorCtr="0" anchor="t" bIns="91425" lIns="91425" spcFirstLastPara="1" rIns="91425" wrap="square" tIns="91425">
+            <a:noAutofit/>
+          </a:bodyPr>
+          <a:lstStyle/>
+          <a:p>
+            <a:pPr indent="0" lvl="0" marL="0" rtl="0" algn="l">
+              <a:spcBef>
+                <a:spcPts val="0"/>
+              </a:spcBef>
+              <a:spcAft>
+                <a:spcPts val="0"/>
+              </a:spcAft>
+              <a:buNone/>
+            </a:pPr>
+            <a:r>
+              <a:rPr lang="en"/>
+              <a:t>Summarizing Analysis (cont.)</a:t>
+            </a:r>
+            <a:endParaRPr/>
+          </a:p>
+        </p:txBody>
+      </p:sp>
+      <p:grpSp>
+        <p:nvGrpSpPr>
+          <p:cNvPr id="366" name="Google Shape;366;p42"/>
+          <p:cNvGrpSpPr/>
+          <p:nvPr/>
+        </p:nvGrpSpPr>
+        <p:grpSpPr>
+          <a:xfrm>
+            <a:off x="401725" y="1228664"/>
+            <a:ext cx="8430670" cy="3760238"/>
+            <a:chOff x="431925" y="1304875"/>
+            <a:chExt cx="2628916" cy="4268632"/>
+          </a:xfrm>
+        </p:grpSpPr>
+        <p:sp>
+          <p:nvSpPr>
+            <p:cNvPr id="367" name="Google Shape;367;p42"/>
+            <p:cNvSpPr txBox="1"/>
+            <p:nvPr/>
+          </p:nvSpPr>
+          <p:spPr>
+            <a:xfrm>
+              <a:off x="431925" y="1304875"/>
+              <a:ext cx="2628900" cy="464100"/>
+            </a:xfrm>
+            <a:prstGeom prst="rect">
+              <a:avLst/>
+            </a:prstGeom>
+            <a:solidFill>
+              <a:schemeClr val="dk1"/>
+            </a:solidFill>
+            <a:ln>
+              <a:noFill/>
+            </a:ln>
+          </p:spPr>
+          <p:txBody>
+            <a:bodyPr anchorCtr="0" anchor="ctr" bIns="91425" lIns="91425" spcFirstLastPara="1" rIns="91425" wrap="square" tIns="91425">
+              <a:noAutofit/>
+            </a:bodyPr>
+            <a:lstStyle/>
+            <a:p>
+              <a:pPr indent="0" lvl="0" marL="0" rtl="0" algn="l">
+                <a:spcBef>
+                  <a:spcPts val="0"/>
+                </a:spcBef>
+                <a:spcAft>
+                  <a:spcPts val="0"/>
+                </a:spcAft>
+                <a:buNone/>
+              </a:pPr>
+              <a:r>
+                <a:t/>
+              </a:r>
+              <a:endParaRPr/>
+            </a:p>
+          </p:txBody>
+        </p:sp>
+        <p:sp>
+          <p:nvSpPr>
+            <p:cNvPr id="368" name="Google Shape;368;p42"/>
+            <p:cNvSpPr/>
+            <p:nvPr/>
+          </p:nvSpPr>
+          <p:spPr>
+            <a:xfrm>
+              <a:off x="431941" y="1390907"/>
+              <a:ext cx="2628900" cy="4182600"/>
+            </a:xfrm>
+            <a:prstGeom prst="rect">
+              <a:avLst/>
+            </a:prstGeom>
+            <a:noFill/>
+            <a:ln cap="flat" cmpd="sng" w="9525">
+              <a:solidFill>
+                <a:schemeClr val="dk1"/>
+              </a:solidFill>
+              <a:prstDash val="solid"/>
+              <a:round/>
+              <a:headEnd len="sm" w="sm" type="none"/>
+              <a:tailEnd len="sm" w="sm" type="none"/>
+            </a:ln>
+          </p:spPr>
+          <p:txBody>
+            <a:bodyPr anchorCtr="0" anchor="ctr" bIns="91425" lIns="91425" spcFirstLastPara="1" rIns="91425" wrap="square" tIns="91425">
+              <a:noAutofit/>
+            </a:bodyPr>
+            <a:lstStyle/>
+            <a:p>
+              <a:pPr indent="0" lvl="0" marL="457200" rtl="0" algn="l">
+                <a:spcBef>
+                  <a:spcPts val="1000"/>
+                </a:spcBef>
+                <a:spcAft>
+                  <a:spcPts val="0"/>
+                </a:spcAft>
+                <a:buNone/>
+              </a:pPr>
+              <a:r>
+                <a:t/>
+              </a:r>
+              <a:endParaRPr sz="1600">
+                <a:latin typeface="Roboto"/>
+                <a:ea typeface="Roboto"/>
+                <a:cs typeface="Roboto"/>
+                <a:sym typeface="Roboto"/>
+              </a:endParaRPr>
+            </a:p>
+            <a:p>
+              <a:pPr indent="-330200" lvl="0" marL="457200" rtl="0" algn="l">
+                <a:spcBef>
+                  <a:spcPts val="1000"/>
+                </a:spcBef>
+                <a:spcAft>
+                  <a:spcPts val="0"/>
+                </a:spcAft>
+                <a:buSzPts val="1600"/>
+                <a:buFont typeface="Roboto"/>
+                <a:buChar char="●"/>
+              </a:pPr>
+              <a:r>
+                <a:rPr lang="en" sz="1600">
+                  <a:latin typeface="Roboto"/>
+                  <a:ea typeface="Roboto"/>
+                  <a:cs typeface="Roboto"/>
+                  <a:sym typeface="Roboto"/>
+                </a:rPr>
+                <a:t>The change in the nature of the virus with every new wave might have confused the model that depended on steady factors like protective public health measures including vaccinations.</a:t>
+              </a:r>
+              <a:endParaRPr sz="1600">
+                <a:latin typeface="Roboto"/>
+                <a:ea typeface="Roboto"/>
+                <a:cs typeface="Roboto"/>
+                <a:sym typeface="Roboto"/>
+              </a:endParaRPr>
+            </a:p>
+            <a:p>
+              <a:pPr indent="-330200" lvl="0" marL="457200" rtl="0" algn="l">
+                <a:spcBef>
+                  <a:spcPts val="1000"/>
+                </a:spcBef>
+                <a:spcAft>
+                  <a:spcPts val="0"/>
+                </a:spcAft>
+                <a:buSzPts val="1600"/>
+                <a:buFont typeface="Roboto"/>
+                <a:buChar char="●"/>
+              </a:pPr>
+              <a:r>
+                <a:rPr lang="en" sz="1600">
+                  <a:latin typeface="Roboto"/>
+                  <a:ea typeface="Roboto"/>
+                  <a:cs typeface="Roboto"/>
+                  <a:sym typeface="Roboto"/>
+                </a:rPr>
+                <a:t>At the beginning of the pandemic, the vaccinations were directed as neutralizing immunity against the virus which showed on the prediction pattern of new cases. However, later on in the course of the pandemic and as new variants of COVID-19 emerged, the effects of the vaccinations might have been diluted. </a:t>
+              </a:r>
+              <a:endParaRPr sz="1600">
+                <a:latin typeface="Roboto"/>
+                <a:ea typeface="Roboto"/>
+                <a:cs typeface="Roboto"/>
+                <a:sym typeface="Roboto"/>
+              </a:endParaRPr>
+            </a:p>
+            <a:p>
+              <a:pPr indent="-330200" lvl="0" marL="457200" rtl="0" algn="l">
+                <a:spcBef>
+                  <a:spcPts val="1000"/>
+                </a:spcBef>
+                <a:spcAft>
+                  <a:spcPts val="1000"/>
+                </a:spcAft>
+                <a:buSzPts val="1600"/>
+                <a:buFont typeface="Roboto"/>
+                <a:buChar char="●"/>
+              </a:pPr>
+              <a:r>
+                <a:rPr lang="en" sz="1600">
+                  <a:latin typeface="Roboto"/>
+                  <a:ea typeface="Roboto"/>
+                  <a:cs typeface="Roboto"/>
+                  <a:sym typeface="Roboto"/>
+                </a:rPr>
+                <a:t>Deep Learning Neural Networks were very computationally expensive and did not provide superiority to Random Forest Regression models.</a:t>
+              </a:r>
+              <a:endParaRPr sz="1600">
+                <a:latin typeface="Roboto"/>
+                <a:ea typeface="Roboto"/>
+                <a:cs typeface="Roboto"/>
+                <a:sym typeface="Roboto"/>
+              </a:endParaRPr>
+            </a:p>
+          </p:txBody>
+        </p:sp>
+      </p:grpSp>
+    </p:spTree>
+  </p:cSld>
+  <p:clrMapOvr>
+    <a:masterClrMapping/>
+  </p:clrMapOvr>
+</p:sld>
+</file>
+
+<file path=ppt/slides/slide31.xml><?xml version="1.0" encoding="utf-8"?>
+<p:sld xmlns:a="http://schemas.openxmlformats.org/drawingml/2006/main" xmlns:r="http://schemas.openxmlformats.org/officeDocument/2006/relationships" xmlns:mc="http://schemas.openxmlformats.org/markup-compatibility/2006" xmlns:mv="urn:schemas-microsoft-com:mac:vml" xmlns:p="http://schemas.openxmlformats.org/presentationml/2006/main" xmlns:c="http://schemas.openxmlformats.org/drawingml/2006/chart" xmlns:dgm="http://schemas.openxmlformats.org/drawingml/2006/diagram" xmlns:o="urn:schemas-microsoft-com:office:office" xmlns:v="urn:schemas-microsoft-com:vml" xmlns:pvml="urn:schemas-microsoft-com:office:powerpoint" xmlns:com="http://schemas.openxmlformats.org/drawingml/2006/compatibility" xmlns:p14="http://schemas.microsoft.com/office/powerpoint/2010/main" xmlns:p15="http://schemas.microsoft.com/office/powerpoint/2012/main" xmlns:ahyp="http://schemas.microsoft.com/office/drawing/2018/hyperlinkcolor">
+  <p:cSld>
+    <p:spTree>
+      <p:nvGrpSpPr>
+        <p:cNvPr id="372" name="Shape 372"/>
+        <p:cNvGrpSpPr/>
+        <p:nvPr/>
+      </p:nvGrpSpPr>
+      <p:grpSpPr>
+        <a:xfrm>
+          <a:off x="0" y="0"/>
+          <a:ext cx="0" cy="0"/>
+          <a:chOff x="0" y="0"/>
+          <a:chExt cx="0" cy="0"/>
+        </a:xfrm>
+      </p:grpSpPr>
+      <p:sp>
+        <p:nvSpPr>
+          <p:cNvPr id="373" name="Google Shape;373;p43"/>
+          <p:cNvSpPr txBox="1"/>
+          <p:nvPr>
+            <p:ph type="title"/>
+          </p:nvPr>
+        </p:nvSpPr>
+        <p:spPr>
+          <a:xfrm>
+            <a:off x="311700" y="410000"/>
+            <a:ext cx="8520600" cy="607800"/>
+          </a:xfrm>
+          <a:prstGeom prst="rect">
+            <a:avLst/>
+          </a:prstGeom>
+        </p:spPr>
+        <p:txBody>
+          <a:bodyPr anchorCtr="0" anchor="t" bIns="91425" lIns="91425" spcFirstLastPara="1" rIns="91425" wrap="square" tIns="91425">
+            <a:noAutofit/>
+          </a:bodyPr>
+          <a:lstStyle/>
+          <a:p>
+            <a:pPr indent="0" lvl="0" marL="0" rtl="0" algn="l">
+              <a:spcBef>
+                <a:spcPts val="0"/>
+              </a:spcBef>
+              <a:spcAft>
+                <a:spcPts val="0"/>
+              </a:spcAft>
+              <a:buNone/>
+            </a:pPr>
+            <a:r>
+              <a:rPr lang="en"/>
+              <a:t>Summarizing Analysis </a:t>
+            </a:r>
+            <a:r>
+              <a:rPr lang="en"/>
+              <a:t>(cont.)</a:t>
+            </a:r>
+            <a:endParaRPr/>
+          </a:p>
+        </p:txBody>
+      </p:sp>
+      <p:grpSp>
+        <p:nvGrpSpPr>
+          <p:cNvPr id="374" name="Google Shape;374;p43"/>
+          <p:cNvGrpSpPr/>
+          <p:nvPr/>
+        </p:nvGrpSpPr>
+        <p:grpSpPr>
+          <a:xfrm>
+            <a:off x="401737" y="1228679"/>
+            <a:ext cx="4632160" cy="3357571"/>
+            <a:chOff x="431925" y="1304875"/>
+            <a:chExt cx="2628922" cy="3811523"/>
+          </a:xfrm>
+        </p:grpSpPr>
+        <p:sp>
+          <p:nvSpPr>
+            <p:cNvPr id="375" name="Google Shape;375;p43"/>
+            <p:cNvSpPr txBox="1"/>
+            <p:nvPr/>
+          </p:nvSpPr>
+          <p:spPr>
+            <a:xfrm>
+              <a:off x="431925" y="1304875"/>
+              <a:ext cx="2628900" cy="464100"/>
+            </a:xfrm>
+            <a:prstGeom prst="rect">
+              <a:avLst/>
+            </a:prstGeom>
+            <a:solidFill>
+              <a:schemeClr val="dk1"/>
+            </a:solidFill>
+            <a:ln>
+              <a:noFill/>
+            </a:ln>
+          </p:spPr>
+          <p:txBody>
+            <a:bodyPr anchorCtr="0" anchor="ctr" bIns="91425" lIns="91425" spcFirstLastPara="1" rIns="91425" wrap="square" tIns="91425">
+              <a:noAutofit/>
+            </a:bodyPr>
+            <a:lstStyle/>
+            <a:p>
+              <a:pPr indent="0" lvl="0" marL="0" rtl="0" algn="l">
+                <a:spcBef>
+                  <a:spcPts val="0"/>
+                </a:spcBef>
+                <a:spcAft>
+                  <a:spcPts val="0"/>
+                </a:spcAft>
+                <a:buNone/>
+              </a:pPr>
+              <a:r>
+                <a:t/>
+              </a:r>
+              <a:endParaRPr/>
+            </a:p>
+          </p:txBody>
+        </p:sp>
+        <p:sp>
+          <p:nvSpPr>
+            <p:cNvPr id="376" name="Google Shape;376;p43"/>
+            <p:cNvSpPr/>
+            <p:nvPr/>
+          </p:nvSpPr>
+          <p:spPr>
+            <a:xfrm>
+              <a:off x="431947" y="1304898"/>
+              <a:ext cx="2628900" cy="3811500"/>
             </a:xfrm>
             <a:prstGeom prst="rect">
               <a:avLst/>
@@ -14186,27 +19244,8 @@
                   <a:cs typeface="Roboto"/>
                   <a:sym typeface="Roboto"/>
                 </a:rPr>
-                <a:t>Unable to use models to predict deaths relating to COVID-19</a:t>
+                <a:t>H</a:t>
               </a:r>
-              <a:endParaRPr sz="1600">
-                <a:latin typeface="Roboto"/>
-                <a:ea typeface="Roboto"/>
-                <a:cs typeface="Roboto"/>
-                <a:sym typeface="Roboto"/>
-              </a:endParaRPr>
-            </a:p>
-            <a:p>
-              <a:pPr indent="-330200" lvl="0" marL="457200" rtl="0" algn="l">
-                <a:spcBef>
-                  <a:spcPts val="1000"/>
-                </a:spcBef>
-                <a:spcAft>
-                  <a:spcPts val="0"/>
-                </a:spcAft>
-                <a:buSzPts val="1600"/>
-                <a:buFont typeface="Roboto"/>
-                <a:buChar char="●"/>
-              </a:pPr>
               <a:r>
                 <a:rPr lang="en" sz="1600">
                   <a:latin typeface="Roboto"/>
@@ -14214,7 +19253,7 @@
                   <a:cs typeface="Roboto"/>
                   <a:sym typeface="Roboto"/>
                 </a:rPr>
-                <a:t>Unable to predict the number of cases and deaths in future populations</a:t>
+                <a:t>uge gaps in reporting between locations, inconsistent calculations, and absent important informations such as public adherence to protective measures. </a:t>
               </a:r>
               <a:endParaRPr sz="1600">
                 <a:latin typeface="Roboto"/>
@@ -14242,7 +19281,7 @@
                   <a:cs typeface="Roboto"/>
                   <a:sym typeface="Roboto"/>
                 </a:rPr>
-                <a:t>XXXXXXXXXXXXXXXXXXXX</a:t>
+                <a:t>Further analysis is recommended on separate countries to further evaluate the weaknesses of the collective dataset. </a:t>
               </a:r>
               <a:endParaRPr sz="1600">
                 <a:latin typeface="Roboto"/>
@@ -14256,7 +19295,7 @@
       </p:grpSp>
       <p:sp>
         <p:nvSpPr>
-          <p:cNvPr id="302" name="Google Shape;302;p33"/>
+          <p:cNvPr id="377" name="Google Shape;377;p43"/>
           <p:cNvSpPr/>
           <p:nvPr/>
         </p:nvSpPr>
@@ -14372,7 +19411,7 @@
       </p:sp>
       <p:sp>
         <p:nvSpPr>
-          <p:cNvPr id="303" name="Google Shape;303;p33"/>
+          <p:cNvPr id="378" name="Google Shape;378;p43"/>
           <p:cNvSpPr txBox="1"/>
           <p:nvPr>
             <p:ph idx="4294967295" type="body"/>
@@ -14426,12 +19465,12 @@
 </p:sld>
 </file>
 
-<file path=ppt/slides/slide22.xml><?xml version="1.0" encoding="utf-8"?>
+<file path=ppt/slides/slide32.xml><?xml version="1.0" encoding="utf-8"?>
 <p:sld xmlns:a="http://schemas.openxmlformats.org/drawingml/2006/main" xmlns:r="http://schemas.openxmlformats.org/officeDocument/2006/relationships" xmlns:mc="http://schemas.openxmlformats.org/markup-compatibility/2006" xmlns:mv="urn:schemas-microsoft-com:mac:vml" xmlns:p="http://schemas.openxmlformats.org/presentationml/2006/main" xmlns:c="http://schemas.openxmlformats.org/drawingml/2006/chart" xmlns:dgm="http://schemas.openxmlformats.org/drawingml/2006/diagram" xmlns:o="urn:schemas-microsoft-com:office:office" xmlns:v="urn:schemas-microsoft-com:vml" xmlns:pvml="urn:schemas-microsoft-com:office:powerpoint" xmlns:com="http://schemas.openxmlformats.org/drawingml/2006/compatibility" xmlns:p14="http://schemas.microsoft.com/office/powerpoint/2010/main" xmlns:p15="http://schemas.microsoft.com/office/powerpoint/2012/main" xmlns:ahyp="http://schemas.microsoft.com/office/drawing/2018/hyperlinkcolor">
   <p:cSld>
     <p:spTree>
       <p:nvGrpSpPr>
-        <p:cNvPr id="307" name="Shape 307"/>
+        <p:cNvPr id="382" name="Shape 382"/>
         <p:cNvGrpSpPr/>
         <p:nvPr/>
       </p:nvGrpSpPr>
@@ -14445,7 +19484,7 @@
       </p:grpSpPr>
       <p:sp>
         <p:nvSpPr>
-          <p:cNvPr id="308" name="Google Shape;308;p34"/>
+          <p:cNvPr id="383" name="Google Shape;383;p44"/>
           <p:cNvSpPr txBox="1"/>
           <p:nvPr>
             <p:ph type="title"/>
@@ -14570,7 +19609,7 @@
       </p:sp>
       <p:grpSp>
         <p:nvGrpSpPr>
-          <p:cNvPr id="309" name="Google Shape;309;p34"/>
+          <p:cNvPr id="384" name="Google Shape;384;p44"/>
           <p:cNvGrpSpPr/>
           <p:nvPr/>
         </p:nvGrpSpPr>
@@ -14584,7 +19623,7 @@
         </p:grpSpPr>
         <p:sp>
           <p:nvSpPr>
-            <p:cNvPr id="310" name="Google Shape;310;p34"/>
+            <p:cNvPr id="385" name="Google Shape;385;p44"/>
             <p:cNvSpPr/>
             <p:nvPr/>
           </p:nvSpPr>
@@ -14630,7 +19669,7 @@
         </p:sp>
         <p:sp>
           <p:nvSpPr>
-            <p:cNvPr id="311" name="Google Shape;311;p34"/>
+            <p:cNvPr id="386" name="Google Shape;386;p44"/>
             <p:cNvSpPr txBox="1"/>
             <p:nvPr/>
           </p:nvSpPr>
@@ -14688,7 +19727,7 @@
         </p:sp>
         <p:sp>
           <p:nvSpPr>
-            <p:cNvPr id="312" name="Google Shape;312;p34"/>
+            <p:cNvPr id="387" name="Google Shape;387;p44"/>
             <p:cNvSpPr txBox="1"/>
             <p:nvPr/>
           </p:nvSpPr>
@@ -14750,7 +19789,7 @@
       </p:grpSp>
       <p:grpSp>
         <p:nvGrpSpPr>
-          <p:cNvPr id="313" name="Google Shape;313;p34"/>
+          <p:cNvPr id="388" name="Google Shape;388;p44"/>
           <p:cNvGrpSpPr/>
           <p:nvPr/>
         </p:nvGrpSpPr>
@@ -14764,7 +19803,7 @@
         </p:grpSpPr>
         <p:sp>
           <p:nvSpPr>
-            <p:cNvPr id="314" name="Google Shape;314;p34"/>
+            <p:cNvPr id="389" name="Google Shape;389;p44"/>
             <p:cNvSpPr/>
             <p:nvPr/>
           </p:nvSpPr>
@@ -14810,7 +19849,7 @@
         </p:sp>
         <p:sp>
           <p:nvSpPr>
-            <p:cNvPr id="315" name="Google Shape;315;p34"/>
+            <p:cNvPr id="390" name="Google Shape;390;p44"/>
             <p:cNvSpPr txBox="1"/>
             <p:nvPr/>
           </p:nvSpPr>
@@ -14868,7 +19907,7 @@
         </p:sp>
         <p:sp>
           <p:nvSpPr>
-            <p:cNvPr id="316" name="Google Shape;316;p34"/>
+            <p:cNvPr id="391" name="Google Shape;391;p44"/>
             <p:cNvSpPr txBox="1"/>
             <p:nvPr/>
           </p:nvSpPr>
@@ -14930,7 +19969,7 @@
       </p:grpSp>
       <p:grpSp>
         <p:nvGrpSpPr>
-          <p:cNvPr id="317" name="Google Shape;317;p34"/>
+          <p:cNvPr id="392" name="Google Shape;392;p44"/>
           <p:cNvGrpSpPr/>
           <p:nvPr/>
         </p:nvGrpSpPr>
@@ -14944,7 +19983,7 @@
         </p:grpSpPr>
         <p:sp>
           <p:nvSpPr>
-            <p:cNvPr id="318" name="Google Shape;318;p34"/>
+            <p:cNvPr id="393" name="Google Shape;393;p44"/>
             <p:cNvSpPr/>
             <p:nvPr/>
           </p:nvSpPr>
@@ -15035,7 +20074,7 @@
         </p:sp>
         <p:sp>
           <p:nvSpPr>
-            <p:cNvPr id="319" name="Google Shape;319;p34"/>
+            <p:cNvPr id="394" name="Google Shape;394;p44"/>
             <p:cNvSpPr txBox="1"/>
             <p:nvPr/>
           </p:nvSpPr>
@@ -15105,7 +20144,7 @@
         </p:sp>
         <p:sp>
           <p:nvSpPr>
-            <p:cNvPr id="320" name="Google Shape;320;p34"/>
+            <p:cNvPr id="395" name="Google Shape;395;p44"/>
             <p:cNvSpPr txBox="1"/>
             <p:nvPr/>
           </p:nvSpPr>
@@ -15173,12 +20212,12 @@
 </p:sld>
 </file>
 
-<file path=ppt/slides/slide23.xml><?xml version="1.0" encoding="utf-8"?>
+<file path=ppt/slides/slide33.xml><?xml version="1.0" encoding="utf-8"?>
 <p:sld xmlns:a="http://schemas.openxmlformats.org/drawingml/2006/main" xmlns:r="http://schemas.openxmlformats.org/officeDocument/2006/relationships" xmlns:mc="http://schemas.openxmlformats.org/markup-compatibility/2006" xmlns:mv="urn:schemas-microsoft-com:mac:vml" xmlns:p="http://schemas.openxmlformats.org/presentationml/2006/main" xmlns:c="http://schemas.openxmlformats.org/drawingml/2006/chart" xmlns:dgm="http://schemas.openxmlformats.org/drawingml/2006/diagram" xmlns:o="urn:schemas-microsoft-com:office:office" xmlns:v="urn:schemas-microsoft-com:vml" xmlns:pvml="urn:schemas-microsoft-com:office:powerpoint" xmlns:com="http://schemas.openxmlformats.org/drawingml/2006/compatibility" xmlns:p14="http://schemas.microsoft.com/office/powerpoint/2010/main" xmlns:p15="http://schemas.microsoft.com/office/powerpoint/2012/main" xmlns:ahyp="http://schemas.microsoft.com/office/drawing/2018/hyperlinkcolor">
   <p:cSld>
     <p:spTree>
       <p:nvGrpSpPr>
-        <p:cNvPr id="324" name="Shape 324"/>
+        <p:cNvPr id="399" name="Shape 399"/>
         <p:cNvGrpSpPr/>
         <p:nvPr/>
       </p:nvGrpSpPr>
@@ -15192,7 +20231,7 @@
       </p:grpSpPr>
       <p:grpSp>
         <p:nvGrpSpPr>
-          <p:cNvPr id="325" name="Google Shape;325;p35"/>
+          <p:cNvPr id="400" name="Google Shape;400;p45"/>
           <p:cNvGrpSpPr/>
           <p:nvPr/>
         </p:nvGrpSpPr>
@@ -15206,7 +20245,7 @@
         </p:grpSpPr>
         <p:cxnSp>
           <p:nvCxnSpPr>
-            <p:cNvPr id="326" name="Google Shape;326;p35"/>
+            <p:cNvPr id="401" name="Google Shape;401;p45"/>
             <p:cNvCxnSpPr/>
             <p:nvPr/>
           </p:nvCxnSpPr>
@@ -15232,7 +20271,7 @@
         </p:cxnSp>
         <p:cxnSp>
           <p:nvCxnSpPr>
-            <p:cNvPr id="327" name="Google Shape;327;p35"/>
+            <p:cNvPr id="402" name="Google Shape;402;p45"/>
             <p:cNvCxnSpPr/>
             <p:nvPr/>
           </p:nvCxnSpPr>
@@ -15258,7 +20297,7 @@
         </p:cxnSp>
         <p:cxnSp>
           <p:nvCxnSpPr>
-            <p:cNvPr id="328" name="Google Shape;328;p35"/>
+            <p:cNvPr id="403" name="Google Shape;403;p45"/>
             <p:cNvCxnSpPr/>
             <p:nvPr/>
           </p:nvCxnSpPr>
@@ -15284,7 +20323,7 @@
         </p:cxnSp>
         <p:cxnSp>
           <p:nvCxnSpPr>
-            <p:cNvPr id="329" name="Google Shape;329;p35"/>
+            <p:cNvPr id="404" name="Google Shape;404;p45"/>
             <p:cNvCxnSpPr/>
             <p:nvPr/>
           </p:nvCxnSpPr>
@@ -15310,7 +20349,7 @@
         </p:cxnSp>
         <p:cxnSp>
           <p:nvCxnSpPr>
-            <p:cNvPr id="330" name="Google Shape;330;p35"/>
+            <p:cNvPr id="405" name="Google Shape;405;p45"/>
             <p:cNvCxnSpPr/>
             <p:nvPr/>
           </p:nvCxnSpPr>
@@ -15336,7 +20375,7 @@
         </p:cxnSp>
         <p:cxnSp>
           <p:nvCxnSpPr>
-            <p:cNvPr id="331" name="Google Shape;331;p35"/>
+            <p:cNvPr id="406" name="Google Shape;406;p45"/>
             <p:cNvCxnSpPr/>
             <p:nvPr/>
           </p:nvCxnSpPr>
@@ -15362,7 +20401,7 @@
         </p:cxnSp>
         <p:cxnSp>
           <p:nvCxnSpPr>
-            <p:cNvPr id="332" name="Google Shape;332;p35"/>
+            <p:cNvPr id="407" name="Google Shape;407;p45"/>
             <p:cNvCxnSpPr/>
             <p:nvPr/>
           </p:nvCxnSpPr>
@@ -15388,7 +20427,7 @@
         </p:cxnSp>
         <p:cxnSp>
           <p:nvCxnSpPr>
-            <p:cNvPr id="333" name="Google Shape;333;p35"/>
+            <p:cNvPr id="408" name="Google Shape;408;p45"/>
             <p:cNvCxnSpPr/>
             <p:nvPr/>
           </p:nvCxnSpPr>
@@ -15414,7 +20453,7 @@
         </p:cxnSp>
         <p:cxnSp>
           <p:nvCxnSpPr>
-            <p:cNvPr id="334" name="Google Shape;334;p35"/>
+            <p:cNvPr id="409" name="Google Shape;409;p45"/>
             <p:cNvCxnSpPr/>
             <p:nvPr/>
           </p:nvCxnSpPr>
@@ -15440,7 +20479,7 @@
         </p:cxnSp>
         <p:cxnSp>
           <p:nvCxnSpPr>
-            <p:cNvPr id="335" name="Google Shape;335;p35"/>
+            <p:cNvPr id="410" name="Google Shape;410;p45"/>
             <p:cNvCxnSpPr/>
             <p:nvPr/>
           </p:nvCxnSpPr>
@@ -15467,7 +20506,7 @@
       </p:grpSp>
       <p:sp>
         <p:nvSpPr>
-          <p:cNvPr id="336" name="Google Shape;336;p35"/>
+          <p:cNvPr id="411" name="Google Shape;411;p45"/>
           <p:cNvSpPr txBox="1"/>
           <p:nvPr>
             <p:ph type="title"/>
@@ -15507,7 +20546,7 @@
       </p:sp>
       <p:grpSp>
         <p:nvGrpSpPr>
-          <p:cNvPr id="337" name="Google Shape;337;p35"/>
+          <p:cNvPr id="412" name="Google Shape;412;p45"/>
           <p:cNvGrpSpPr/>
           <p:nvPr/>
         </p:nvGrpSpPr>
@@ -15521,7 +20560,7 @@
         </p:grpSpPr>
         <p:sp>
           <p:nvSpPr>
-            <p:cNvPr id="338" name="Google Shape;338;p35"/>
+            <p:cNvPr id="413" name="Google Shape;413;p45"/>
             <p:cNvSpPr/>
             <p:nvPr/>
           </p:nvSpPr>
@@ -15599,7 +20638,7 @@
         </p:sp>
         <p:sp>
           <p:nvSpPr>
-            <p:cNvPr id="339" name="Google Shape;339;p35"/>
+            <p:cNvPr id="414" name="Google Shape;414;p45"/>
             <p:cNvSpPr/>
             <p:nvPr/>
           </p:nvSpPr>
@@ -15648,7 +20687,7 @@
         </p:sp>
         <p:sp>
           <p:nvSpPr>
-            <p:cNvPr id="340" name="Google Shape;340;p35"/>
+            <p:cNvPr id="415" name="Google Shape;415;p45"/>
             <p:cNvSpPr/>
             <p:nvPr/>
           </p:nvSpPr>
@@ -15697,7 +20736,7 @@
         </p:sp>
         <p:sp>
           <p:nvSpPr>
-            <p:cNvPr id="341" name="Google Shape;341;p35"/>
+            <p:cNvPr id="416" name="Google Shape;416;p45"/>
             <p:cNvSpPr/>
             <p:nvPr/>
           </p:nvSpPr>
@@ -15746,7 +20785,7 @@
         </p:sp>
         <p:sp>
           <p:nvSpPr>
-            <p:cNvPr id="342" name="Google Shape;342;p35"/>
+            <p:cNvPr id="417" name="Google Shape;417;p45"/>
             <p:cNvSpPr/>
             <p:nvPr/>
           </p:nvSpPr>
@@ -15795,7 +20834,7 @@
         </p:sp>
         <p:sp>
           <p:nvSpPr>
-            <p:cNvPr id="343" name="Google Shape;343;p35"/>
+            <p:cNvPr id="418" name="Google Shape;418;p45"/>
             <p:cNvSpPr/>
             <p:nvPr/>
           </p:nvSpPr>
@@ -15844,7 +20883,7 @@
         </p:sp>
         <p:sp>
           <p:nvSpPr>
-            <p:cNvPr id="344" name="Google Shape;344;p35"/>
+            <p:cNvPr id="419" name="Google Shape;419;p45"/>
             <p:cNvSpPr/>
             <p:nvPr/>
           </p:nvSpPr>
@@ -15893,7 +20932,7 @@
         </p:sp>
         <p:sp>
           <p:nvSpPr>
-            <p:cNvPr id="345" name="Google Shape;345;p35"/>
+            <p:cNvPr id="420" name="Google Shape;420;p45"/>
             <p:cNvSpPr/>
             <p:nvPr/>
           </p:nvSpPr>
@@ -15942,7 +20981,7 @@
         </p:sp>
         <p:sp>
           <p:nvSpPr>
-            <p:cNvPr id="346" name="Google Shape;346;p35"/>
+            <p:cNvPr id="421" name="Google Shape;421;p45"/>
             <p:cNvSpPr/>
             <p:nvPr/>
           </p:nvSpPr>
@@ -15992,7 +21031,7 @@
       </p:grpSp>
       <p:grpSp>
         <p:nvGrpSpPr>
-          <p:cNvPr id="347" name="Google Shape;347;p35"/>
+          <p:cNvPr id="422" name="Google Shape;422;p45"/>
           <p:cNvGrpSpPr/>
           <p:nvPr/>
         </p:nvGrpSpPr>
@@ -16006,7 +21045,7 @@
         </p:grpSpPr>
         <p:sp>
           <p:nvSpPr>
-            <p:cNvPr id="348" name="Google Shape;348;p35"/>
+            <p:cNvPr id="423" name="Google Shape;423;p45"/>
             <p:cNvSpPr/>
             <p:nvPr/>
           </p:nvSpPr>
@@ -16084,7 +21123,7 @@
         </p:sp>
         <p:sp>
           <p:nvSpPr>
-            <p:cNvPr id="349" name="Google Shape;349;p35"/>
+            <p:cNvPr id="424" name="Google Shape;424;p45"/>
             <p:cNvSpPr/>
             <p:nvPr/>
           </p:nvSpPr>
@@ -16133,7 +21172,7 @@
         </p:sp>
         <p:sp>
           <p:nvSpPr>
-            <p:cNvPr id="350" name="Google Shape;350;p35"/>
+            <p:cNvPr id="425" name="Google Shape;425;p45"/>
             <p:cNvSpPr/>
             <p:nvPr/>
           </p:nvSpPr>
@@ -16182,7 +21221,7 @@
         </p:sp>
         <p:sp>
           <p:nvSpPr>
-            <p:cNvPr id="351" name="Google Shape;351;p35"/>
+            <p:cNvPr id="426" name="Google Shape;426;p45"/>
             <p:cNvSpPr/>
             <p:nvPr/>
           </p:nvSpPr>
@@ -16231,7 +21270,7 @@
         </p:sp>
         <p:sp>
           <p:nvSpPr>
-            <p:cNvPr id="352" name="Google Shape;352;p35"/>
+            <p:cNvPr id="427" name="Google Shape;427;p45"/>
             <p:cNvSpPr/>
             <p:nvPr/>
           </p:nvSpPr>
@@ -16280,7 +21319,7 @@
         </p:sp>
         <p:sp>
           <p:nvSpPr>
-            <p:cNvPr id="353" name="Google Shape;353;p35"/>
+            <p:cNvPr id="428" name="Google Shape;428;p45"/>
             <p:cNvSpPr/>
             <p:nvPr/>
           </p:nvSpPr>
@@ -16329,7 +21368,7 @@
         </p:sp>
         <p:sp>
           <p:nvSpPr>
-            <p:cNvPr id="354" name="Google Shape;354;p35"/>
+            <p:cNvPr id="429" name="Google Shape;429;p45"/>
             <p:cNvSpPr/>
             <p:nvPr/>
           </p:nvSpPr>
@@ -16378,7 +21417,7 @@
         </p:sp>
         <p:sp>
           <p:nvSpPr>
-            <p:cNvPr id="355" name="Google Shape;355;p35"/>
+            <p:cNvPr id="430" name="Google Shape;430;p45"/>
             <p:cNvSpPr/>
             <p:nvPr/>
           </p:nvSpPr>
@@ -16427,7 +21466,7 @@
         </p:sp>
         <p:sp>
           <p:nvSpPr>
-            <p:cNvPr id="356" name="Google Shape;356;p35"/>
+            <p:cNvPr id="431" name="Google Shape;431;p45"/>
             <p:cNvSpPr/>
             <p:nvPr/>
           </p:nvSpPr>
@@ -16477,7 +21516,7 @@
       </p:grpSp>
       <p:sp>
         <p:nvSpPr>
-          <p:cNvPr id="357" name="Google Shape;357;p35"/>
+          <p:cNvPr id="432" name="Google Shape;432;p45"/>
           <p:cNvSpPr txBox="1"/>
           <p:nvPr>
             <p:ph idx="2" type="body"/>
@@ -16531,12 +21570,12 @@
 </p:sld>
 </file>
 
-<file path=ppt/slides/slide24.xml><?xml version="1.0" encoding="utf-8"?>
+<file path=ppt/slides/slide34.xml><?xml version="1.0" encoding="utf-8"?>
 <p:sld xmlns:a="http://schemas.openxmlformats.org/drawingml/2006/main" xmlns:r="http://schemas.openxmlformats.org/officeDocument/2006/relationships" xmlns:mc="http://schemas.openxmlformats.org/markup-compatibility/2006" xmlns:mv="urn:schemas-microsoft-com:mac:vml" xmlns:p="http://schemas.openxmlformats.org/presentationml/2006/main" xmlns:c="http://schemas.openxmlformats.org/drawingml/2006/chart" xmlns:dgm="http://schemas.openxmlformats.org/drawingml/2006/diagram" xmlns:o="urn:schemas-microsoft-com:office:office" xmlns:v="urn:schemas-microsoft-com:vml" xmlns:pvml="urn:schemas-microsoft-com:office:powerpoint" xmlns:com="http://schemas.openxmlformats.org/drawingml/2006/compatibility" xmlns:p14="http://schemas.microsoft.com/office/powerpoint/2010/main" xmlns:p15="http://schemas.microsoft.com/office/powerpoint/2012/main" xmlns:ahyp="http://schemas.microsoft.com/office/drawing/2018/hyperlinkcolor">
   <p:cSld>
     <p:spTree>
       <p:nvGrpSpPr>
-        <p:cNvPr id="361" name="Shape 361"/>
+        <p:cNvPr id="436" name="Shape 436"/>
         <p:cNvGrpSpPr/>
         <p:nvPr/>
       </p:nvGrpSpPr>
@@ -16550,7 +21589,7 @@
       </p:grpSpPr>
       <p:sp>
         <p:nvSpPr>
-          <p:cNvPr id="362" name="Google Shape;362;p36"/>
+          <p:cNvPr id="437" name="Google Shape;437;p46"/>
           <p:cNvSpPr txBox="1"/>
           <p:nvPr/>
         </p:nvSpPr>
@@ -16841,7 +21880,7 @@
       </p:sp>
       <p:sp>
         <p:nvSpPr>
-          <p:cNvPr id="363" name="Google Shape;363;p36"/>
+          <p:cNvPr id="438" name="Google Shape;438;p46"/>
           <p:cNvSpPr txBox="1"/>
           <p:nvPr>
             <p:ph idx="4294967295" type="title"/>
@@ -16876,425 +21915,6 @@
               <a:t>References</a:t>
             </a:r>
             <a:endParaRPr/>
-          </a:p>
-        </p:txBody>
-      </p:sp>
-    </p:spTree>
-  </p:cSld>
-  <p:clrMapOvr>
-    <a:masterClrMapping/>
-  </p:clrMapOvr>
-</p:sld>
-</file>
-
-<file path=ppt/slides/slide3.xml><?xml version="1.0" encoding="utf-8"?>
-<p:sld xmlns:a="http://schemas.openxmlformats.org/drawingml/2006/main" xmlns:r="http://schemas.openxmlformats.org/officeDocument/2006/relationships" xmlns:mc="http://schemas.openxmlformats.org/markup-compatibility/2006" xmlns:mv="urn:schemas-microsoft-com:mac:vml" xmlns:p="http://schemas.openxmlformats.org/presentationml/2006/main" xmlns:c="http://schemas.openxmlformats.org/drawingml/2006/chart" xmlns:dgm="http://schemas.openxmlformats.org/drawingml/2006/diagram" xmlns:o="urn:schemas-microsoft-com:office:office" xmlns:v="urn:schemas-microsoft-com:vml" xmlns:pvml="urn:schemas-microsoft-com:office:powerpoint" xmlns:com="http://schemas.openxmlformats.org/drawingml/2006/compatibility" xmlns:p14="http://schemas.microsoft.com/office/powerpoint/2010/main" xmlns:p15="http://schemas.microsoft.com/office/powerpoint/2012/main" xmlns:ahyp="http://schemas.microsoft.com/office/drawing/2018/hyperlinkcolor">
-  <p:cSld>
-    <p:spTree>
-      <p:nvGrpSpPr>
-        <p:cNvPr id="107" name="Shape 107"/>
-        <p:cNvGrpSpPr/>
-        <p:nvPr/>
-      </p:nvGrpSpPr>
-      <p:grpSpPr>
-        <a:xfrm>
-          <a:off x="0" y="0"/>
-          <a:ext cx="0" cy="0"/>
-          <a:chOff x="0" y="0"/>
-          <a:chExt cx="0" cy="0"/>
-        </a:xfrm>
-      </p:grpSpPr>
-      <p:sp>
-        <p:nvSpPr>
-          <p:cNvPr id="108" name="Google Shape;108;p15"/>
-          <p:cNvSpPr txBox="1"/>
-          <p:nvPr>
-            <p:ph type="title"/>
-          </p:nvPr>
-        </p:nvSpPr>
-        <p:spPr>
-          <a:xfrm>
-            <a:off x="311700" y="410000"/>
-            <a:ext cx="8520600" cy="607800"/>
-          </a:xfrm>
-          <a:prstGeom prst="rect">
-            <a:avLst/>
-          </a:prstGeom>
-        </p:spPr>
-        <p:txBody>
-          <a:bodyPr anchorCtr="0" anchor="t" bIns="91425" lIns="91425" spcFirstLastPara="1" rIns="91425" wrap="square" tIns="91425">
-            <a:noAutofit/>
-          </a:bodyPr>
-          <a:lstStyle/>
-          <a:p>
-            <a:pPr indent="0" lvl="0" marL="0" rtl="0" algn="l">
-              <a:spcBef>
-                <a:spcPts val="0"/>
-              </a:spcBef>
-              <a:spcAft>
-                <a:spcPts val="0"/>
-              </a:spcAft>
-              <a:buNone/>
-            </a:pPr>
-            <a:r>
-              <a:rPr lang="en"/>
-              <a:t>Purpose of COVID-19 Analysis</a:t>
-            </a:r>
-            <a:endParaRPr/>
-          </a:p>
-        </p:txBody>
-      </p:sp>
-      <p:sp>
-        <p:nvSpPr>
-          <p:cNvPr id="109" name="Google Shape;109;p15"/>
-          <p:cNvSpPr txBox="1"/>
-          <p:nvPr>
-            <p:ph idx="4294967295" type="body"/>
-          </p:nvPr>
-        </p:nvSpPr>
-        <p:spPr>
-          <a:xfrm>
-            <a:off x="432350" y="1912675"/>
-            <a:ext cx="5355900" cy="2589600"/>
-          </a:xfrm>
-          <a:prstGeom prst="rect">
-            <a:avLst/>
-          </a:prstGeom>
-        </p:spPr>
-        <p:txBody>
-          <a:bodyPr anchorCtr="0" anchor="t" bIns="91425" lIns="91425" spcFirstLastPara="1" rIns="91425" wrap="square" tIns="91425">
-            <a:noAutofit/>
-          </a:bodyPr>
-          <a:lstStyle/>
-          <a:p>
-            <a:pPr indent="-330200" lvl="0" marL="457200" rtl="0" algn="l">
-              <a:lnSpc>
-                <a:spcPct val="150000"/>
-              </a:lnSpc>
-              <a:spcBef>
-                <a:spcPts val="1800"/>
-              </a:spcBef>
-              <a:spcAft>
-                <a:spcPts val="0"/>
-              </a:spcAft>
-              <a:buClr>
-                <a:srgbClr val="000000"/>
-              </a:buClr>
-              <a:buSzPts val="1600"/>
-              <a:buChar char="●"/>
-            </a:pPr>
-            <a:r>
-              <a:rPr lang="en" sz="1600">
-                <a:solidFill>
-                  <a:srgbClr val="000000"/>
-                </a:solidFill>
-                <a:highlight>
-                  <a:srgbClr val="FFFFFF"/>
-                </a:highlight>
-              </a:rPr>
-              <a:t>Create a functional </a:t>
-            </a:r>
-            <a:r>
-              <a:rPr lang="en" sz="1600">
-                <a:solidFill>
-                  <a:srgbClr val="000000"/>
-                </a:solidFill>
-                <a:highlight>
-                  <a:srgbClr val="FFFFFF"/>
-                </a:highlight>
-              </a:rPr>
-              <a:t>prediction</a:t>
-            </a:r>
-            <a:r>
-              <a:rPr lang="en" sz="1600">
-                <a:solidFill>
-                  <a:srgbClr val="000000"/>
-                </a:solidFill>
-                <a:highlight>
-                  <a:srgbClr val="FFFFFF"/>
-                </a:highlight>
-              </a:rPr>
-              <a:t> model relating to the healthcare/medical field</a:t>
-            </a:r>
-            <a:endParaRPr sz="1600">
-              <a:solidFill>
-                <a:srgbClr val="000000"/>
-              </a:solidFill>
-              <a:highlight>
-                <a:srgbClr val="FFFFFF"/>
-              </a:highlight>
-            </a:endParaRPr>
-          </a:p>
-          <a:p>
-            <a:pPr indent="-330200" lvl="0" marL="457200" rtl="0" algn="l">
-              <a:lnSpc>
-                <a:spcPct val="150000"/>
-              </a:lnSpc>
-              <a:spcBef>
-                <a:spcPts val="0"/>
-              </a:spcBef>
-              <a:spcAft>
-                <a:spcPts val="0"/>
-              </a:spcAft>
-              <a:buClr>
-                <a:srgbClr val="000000"/>
-              </a:buClr>
-              <a:buSzPts val="1600"/>
-              <a:buChar char="●"/>
-            </a:pPr>
-            <a:r>
-              <a:rPr lang="en" sz="1600">
-                <a:solidFill>
-                  <a:srgbClr val="000000"/>
-                </a:solidFill>
-                <a:highlight>
-                  <a:srgbClr val="FFFFFF"/>
-                </a:highlight>
-              </a:rPr>
-              <a:t>Several topics considered including cancer, malaria, and COVID-19</a:t>
-            </a:r>
-            <a:endParaRPr sz="1600">
-              <a:solidFill>
-                <a:srgbClr val="000000"/>
-              </a:solidFill>
-              <a:highlight>
-                <a:srgbClr val="FFFFFF"/>
-              </a:highlight>
-            </a:endParaRPr>
-          </a:p>
-          <a:p>
-            <a:pPr indent="-330200" lvl="0" marL="457200" rtl="0" algn="l">
-              <a:lnSpc>
-                <a:spcPct val="150000"/>
-              </a:lnSpc>
-              <a:spcBef>
-                <a:spcPts val="0"/>
-              </a:spcBef>
-              <a:spcAft>
-                <a:spcPts val="0"/>
-              </a:spcAft>
-              <a:buClr>
-                <a:srgbClr val="000000"/>
-              </a:buClr>
-              <a:buSzPts val="1600"/>
-              <a:buChar char="●"/>
-            </a:pPr>
-            <a:r>
-              <a:rPr lang="en" sz="1600">
-                <a:solidFill>
-                  <a:srgbClr val="000000"/>
-                </a:solidFill>
-                <a:highlight>
-                  <a:srgbClr val="FFFFFF"/>
-                </a:highlight>
-              </a:rPr>
-              <a:t>COVID-19 selected due to availability of current data</a:t>
-            </a:r>
-            <a:endParaRPr sz="1600">
-              <a:solidFill>
-                <a:srgbClr val="000000"/>
-              </a:solidFill>
-              <a:highlight>
-                <a:srgbClr val="FFFFFF"/>
-              </a:highlight>
-            </a:endParaRPr>
-          </a:p>
-          <a:p>
-            <a:pPr indent="-330200" lvl="0" marL="457200" rtl="0" algn="l">
-              <a:lnSpc>
-                <a:spcPct val="150000"/>
-              </a:lnSpc>
-              <a:spcBef>
-                <a:spcPts val="0"/>
-              </a:spcBef>
-              <a:spcAft>
-                <a:spcPts val="0"/>
-              </a:spcAft>
-              <a:buClr>
-                <a:srgbClr val="000000"/>
-              </a:buClr>
-              <a:buSzPts val="1600"/>
-              <a:buChar char="●"/>
-            </a:pPr>
-            <a:r>
-              <a:rPr lang="en" sz="1600">
-                <a:solidFill>
-                  <a:srgbClr val="000000"/>
-                </a:solidFill>
-                <a:highlight>
-                  <a:srgbClr val="FFFFFF"/>
-                </a:highlight>
-              </a:rPr>
-              <a:t>Analysis of COVID-19 to </a:t>
-            </a:r>
-            <a:r>
-              <a:rPr lang="en" sz="1600">
-                <a:solidFill>
-                  <a:srgbClr val="000000"/>
-                </a:solidFill>
-                <a:highlight>
-                  <a:schemeClr val="lt1"/>
-                </a:highlight>
-              </a:rPr>
-              <a:t>ultimately to predict the health outcomes in future populations </a:t>
-            </a:r>
-            <a:endParaRPr sz="1600">
-              <a:solidFill>
-                <a:srgbClr val="000000"/>
-              </a:solidFill>
-              <a:highlight>
-                <a:srgbClr val="FFFFFF"/>
-              </a:highlight>
-            </a:endParaRPr>
-          </a:p>
-          <a:p>
-            <a:pPr indent="0" lvl="0" marL="0" rtl="0" algn="l">
-              <a:lnSpc>
-                <a:spcPct val="150000"/>
-              </a:lnSpc>
-              <a:spcBef>
-                <a:spcPts val="1200"/>
-              </a:spcBef>
-              <a:spcAft>
-                <a:spcPts val="800"/>
-              </a:spcAft>
-              <a:buNone/>
-            </a:pPr>
-            <a:r>
-              <a:t/>
-            </a:r>
-            <a:endParaRPr sz="1600"/>
-          </a:p>
-        </p:txBody>
-      </p:sp>
-      <p:sp>
-        <p:nvSpPr>
-          <p:cNvPr id="110" name="Google Shape;110;p15"/>
-          <p:cNvSpPr/>
-          <p:nvPr/>
-        </p:nvSpPr>
-        <p:spPr>
-          <a:xfrm>
-            <a:off x="432351" y="1304875"/>
-            <a:ext cx="8293500" cy="607800"/>
-          </a:xfrm>
-          <a:prstGeom prst="chevron">
-            <a:avLst>
-              <a:gd fmla="val 50000" name="adj"/>
-            </a:avLst>
-          </a:prstGeom>
-          <a:solidFill>
-            <a:schemeClr val="dk1"/>
-          </a:solidFill>
-          <a:ln>
-            <a:noFill/>
-          </a:ln>
-        </p:spPr>
-        <p:txBody>
-          <a:bodyPr anchorCtr="0" anchor="ctr" bIns="121875" lIns="121875" spcFirstLastPara="1" rIns="121875" wrap="square" tIns="121875">
-            <a:noAutofit/>
-          </a:bodyPr>
-          <a:lstStyle/>
-          <a:p>
-            <a:pPr indent="0" lvl="0" marL="0" rtl="0" algn="l">
-              <a:spcBef>
-                <a:spcPts val="0"/>
-              </a:spcBef>
-              <a:spcAft>
-                <a:spcPts val="0"/>
-              </a:spcAft>
-              <a:buNone/>
-            </a:pPr>
-            <a:r>
-              <a:t/>
-            </a:r>
-            <a:endParaRPr/>
-          </a:p>
-        </p:txBody>
-      </p:sp>
-      <p:pic>
-        <p:nvPicPr>
-          <p:cNvPr id="111" name="Google Shape;111;p15"/>
-          <p:cNvPicPr preferRelativeResize="0"/>
-          <p:nvPr/>
-        </p:nvPicPr>
-        <p:blipFill>
-          <a:blip r:embed="rId3">
-            <a:alphaModFix/>
-          </a:blip>
-          <a:stretch>
-            <a:fillRect/>
-          </a:stretch>
-        </p:blipFill>
-        <p:spPr>
-          <a:xfrm>
-            <a:off x="6199950" y="2403815"/>
-            <a:ext cx="2348674" cy="1795825"/>
-          </a:xfrm>
-          <a:prstGeom prst="rect">
-            <a:avLst/>
-          </a:prstGeom>
-          <a:noFill/>
-          <a:ln>
-            <a:noFill/>
-          </a:ln>
-        </p:spPr>
-      </p:pic>
-      <p:sp>
-        <p:nvSpPr>
-          <p:cNvPr id="112" name="Google Shape;112;p15"/>
-          <p:cNvSpPr txBox="1"/>
-          <p:nvPr/>
-        </p:nvSpPr>
-        <p:spPr>
-          <a:xfrm>
-            <a:off x="6199950" y="4279300"/>
-            <a:ext cx="1800300" cy="323100"/>
-          </a:xfrm>
-          <a:prstGeom prst="rect">
-            <a:avLst/>
-          </a:prstGeom>
-          <a:noFill/>
-          <a:ln>
-            <a:noFill/>
-          </a:ln>
-        </p:spPr>
-        <p:txBody>
-          <a:bodyPr anchorCtr="0" anchor="t" bIns="91425" lIns="91425" spcFirstLastPara="1" rIns="91425" wrap="square" tIns="91425">
-            <a:spAutoFit/>
-          </a:bodyPr>
-          <a:lstStyle/>
-          <a:p>
-            <a:pPr indent="0" lvl="0" marL="0" rtl="0" algn="l">
-              <a:spcBef>
-                <a:spcPts val="0"/>
-              </a:spcBef>
-              <a:spcAft>
-                <a:spcPts val="0"/>
-              </a:spcAft>
-              <a:buNone/>
-            </a:pPr>
-            <a:r>
-              <a:rPr lang="en" sz="900">
-                <a:solidFill>
-                  <a:srgbClr val="4D4D4D"/>
-                </a:solidFill>
-                <a:highlight>
-                  <a:srgbClr val="FFFFFF"/>
-                </a:highlight>
-                <a:latin typeface="Trebuchet MS"/>
-                <a:ea typeface="Trebuchet MS"/>
-                <a:cs typeface="Trebuchet MS"/>
-                <a:sym typeface="Trebuchet MS"/>
-              </a:rPr>
-              <a:t>CDC/SCIENCE PHOTO LIBRARY</a:t>
-            </a:r>
-            <a:endParaRPr>
-              <a:latin typeface="Roboto"/>
-              <a:ea typeface="Roboto"/>
-              <a:cs typeface="Roboto"/>
-              <a:sym typeface="Roboto"/>
-            </a:endParaRPr>
           </a:p>
         </p:txBody>
       </p:sp>
@@ -21381,6 +26001,285 @@
 </file>
 
 <file path=ppt/theme/theme1.xml><?xml version="1.0" encoding="utf-8"?>
+<a:theme xmlns:a="http://schemas.openxmlformats.org/drawingml/2006/main" xmlns:r="http://schemas.openxmlformats.org/officeDocument/2006/relationships">
+  <a:themeElements>
+    <a:clrScheme name="Default">
+      <a:dk1>
+        <a:srgbClr val="000000"/>
+      </a:dk1>
+      <a:lt1>
+        <a:srgbClr val="FFFFFF"/>
+      </a:lt1>
+      <a:dk2>
+        <a:srgbClr val="158158"/>
+      </a:dk2>
+      <a:lt2>
+        <a:srgbClr val="F3F3F3"/>
+      </a:lt2>
+      <a:accent1>
+        <a:srgbClr val="058DC7"/>
+      </a:accent1>
+      <a:accent2>
+        <a:srgbClr val="50B432"/>
+      </a:accent2>
+      <a:accent3>
+        <a:srgbClr val="ED561B"/>
+      </a:accent3>
+      <a:accent4>
+        <a:srgbClr val="EDEF00"/>
+      </a:accent4>
+      <a:accent5>
+        <a:srgbClr val="24CBE5"/>
+      </a:accent5>
+      <a:accent6>
+        <a:srgbClr val="64E572"/>
+      </a:accent6>
+      <a:hlink>
+        <a:srgbClr val="2200CC"/>
+      </a:hlink>
+      <a:folHlink>
+        <a:srgbClr val="551A8B"/>
+      </a:folHlink>
+    </a:clrScheme>
+    <a:fontScheme name="Office">
+      <a:majorFont>
+        <a:latin typeface="Arial"/>
+        <a:ea typeface=""/>
+        <a:cs typeface=""/>
+        <a:font script="Jpan" typeface="ＭＳ Ｐゴシック"/>
+        <a:font script="Hang" typeface="맑은 고딕"/>
+        <a:font script="Hans" typeface="宋体"/>
+        <a:font script="Hant" typeface="新細明體"/>
+        <a:font script="Arab" typeface="Times New Roman"/>
+        <a:font script="Hebr" typeface="Times New Roman"/>
+        <a:font script="Thai" typeface="Angsana New"/>
+        <a:font script="Ethi" typeface="Nyala"/>
+        <a:font script="Beng" typeface="Vrinda"/>
+        <a:font script="Gujr" typeface="Shruti"/>
+        <a:font script="Khmr" typeface="MoolBoran"/>
+        <a:font script="Knda" typeface="Tunga"/>
+        <a:font script="Guru" typeface="Raavi"/>
+        <a:font script="Cans" typeface="Euphemia"/>
+        <a:font script="Cher" typeface="Plantagenet Cherokee"/>
+        <a:font script="Yiii" typeface="Microsoft Yi Baiti"/>
+        <a:font script="Tibt" typeface="Microsoft Himalaya"/>
+        <a:font script="Thaa" typeface="MV Boli"/>
+        <a:font script="Deva" typeface="Mangal"/>
+        <a:font script="Telu" typeface="Gautami"/>
+        <a:font script="Taml" typeface="Latha"/>
+        <a:font script="Syrc" typeface="Estrangelo Edessa"/>
+        <a:font script="Orya" typeface="Kalinga"/>
+        <a:font script="Mlym" typeface="Kartika"/>
+        <a:font script="Laoo" typeface="DokChampa"/>
+        <a:font script="Sinh" typeface="Iskoola Pota"/>
+        <a:font script="Mong" typeface="Mongolian Baiti"/>
+        <a:font script="Viet" typeface="Times New Roman"/>
+        <a:font script="Uigh" typeface="Microsoft Uighur"/>
+        <a:font script="Geor" typeface="Sylfaen"/>
+      </a:majorFont>
+      <a:minorFont>
+        <a:latin typeface="Arial"/>
+        <a:ea typeface=""/>
+        <a:cs typeface=""/>
+        <a:font script="Jpan" typeface="ＭＳ Ｐゴシック"/>
+        <a:font script="Hang" typeface="맑은 고딕"/>
+        <a:font script="Hans" typeface="宋体"/>
+        <a:font script="Hant" typeface="新細明體"/>
+        <a:font script="Arab" typeface="Arial"/>
+        <a:font script="Hebr" typeface="Arial"/>
+        <a:font script="Thai" typeface="Cordia New"/>
+        <a:font script="Ethi" typeface="Nyala"/>
+        <a:font script="Beng" typeface="Vrinda"/>
+        <a:font script="Gujr" typeface="Shruti"/>
+        <a:font script="Khmr" typeface="DaunPenh"/>
+        <a:font script="Knda" typeface="Tunga"/>
+        <a:font script="Guru" typeface="Raavi"/>
+        <a:font script="Cans" typeface="Euphemia"/>
+        <a:font script="Cher" typeface="Plantagenet Cherokee"/>
+        <a:font script="Yiii" typeface="Microsoft Yi Baiti"/>
+        <a:font script="Tibt" typeface="Microsoft Himalaya"/>
+        <a:font script="Thaa" typeface="MV Boli"/>
+        <a:font script="Deva" typeface="Mangal"/>
+        <a:font script="Telu" typeface="Gautami"/>
+        <a:font script="Taml" typeface="Latha"/>
+        <a:font script="Syrc" typeface="Estrangelo Edessa"/>
+        <a:font script="Orya" typeface="Kalinga"/>
+        <a:font script="Mlym" typeface="Kartika"/>
+        <a:font script="Laoo" typeface="DokChampa"/>
+        <a:font script="Sinh" typeface="Iskoola Pota"/>
+        <a:font script="Mong" typeface="Mongolian Baiti"/>
+        <a:font script="Viet" typeface="Arial"/>
+        <a:font script="Uigh" typeface="Microsoft Uighur"/>
+        <a:font script="Geor" typeface="Sylfaen"/>
+      </a:minorFont>
+    </a:fontScheme>
+    <a:fmtScheme name="Office">
+      <a:fillStyleLst>
+        <a:solidFill>
+          <a:schemeClr val="phClr"/>
+        </a:solidFill>
+        <a:gradFill rotWithShape="1">
+          <a:gsLst>
+            <a:gs pos="0">
+              <a:schemeClr val="phClr">
+                <a:tint val="50000"/>
+                <a:satMod val="300000"/>
+              </a:schemeClr>
+            </a:gs>
+            <a:gs pos="35000">
+              <a:schemeClr val="phClr">
+                <a:tint val="37000"/>
+                <a:satMod val="300000"/>
+              </a:schemeClr>
+            </a:gs>
+            <a:gs pos="100000">
+              <a:schemeClr val="phClr">
+                <a:tint val="15000"/>
+                <a:satMod val="350000"/>
+              </a:schemeClr>
+            </a:gs>
+          </a:gsLst>
+          <a:lin ang="16200000" scaled="1"/>
+        </a:gradFill>
+        <a:gradFill rotWithShape="1">
+          <a:gsLst>
+            <a:gs pos="0">
+              <a:schemeClr val="phClr">
+                <a:tint val="100000"/>
+                <a:shade val="100000"/>
+                <a:satMod val="130000"/>
+              </a:schemeClr>
+            </a:gs>
+            <a:gs pos="100000">
+              <a:schemeClr val="phClr">
+                <a:tint val="50000"/>
+                <a:shade val="100000"/>
+                <a:satMod val="350000"/>
+              </a:schemeClr>
+            </a:gs>
+          </a:gsLst>
+          <a:lin ang="16200000" scaled="0"/>
+        </a:gradFill>
+      </a:fillStyleLst>
+      <a:lnStyleLst>
+        <a:ln w="9525" cap="flat" cmpd="sng" algn="ctr">
+          <a:solidFill>
+            <a:schemeClr val="phClr">
+              <a:shade val="95000"/>
+              <a:satMod val="105000"/>
+            </a:schemeClr>
+          </a:solidFill>
+          <a:prstDash val="solid"/>
+        </a:ln>
+        <a:ln w="25400" cap="flat" cmpd="sng" algn="ctr">
+          <a:solidFill>
+            <a:schemeClr val="phClr"/>
+          </a:solidFill>
+          <a:prstDash val="solid"/>
+        </a:ln>
+        <a:ln w="38100" cap="flat" cmpd="sng" algn="ctr">
+          <a:solidFill>
+            <a:schemeClr val="phClr"/>
+          </a:solidFill>
+          <a:prstDash val="solid"/>
+        </a:ln>
+      </a:lnStyleLst>
+      <a:effectStyleLst>
+        <a:effectStyle>
+          <a:effectLst>
+            <a:outerShdw blurRad="40000" dist="20000" dir="5400000" rotWithShape="0">
+              <a:srgbClr val="000000">
+                <a:alpha val="38000"/>
+              </a:srgbClr>
+            </a:outerShdw>
+          </a:effectLst>
+        </a:effectStyle>
+        <a:effectStyle>
+          <a:effectLst>
+            <a:outerShdw blurRad="40000" dist="23000" dir="5400000" rotWithShape="0">
+              <a:srgbClr val="000000">
+                <a:alpha val="35000"/>
+              </a:srgbClr>
+            </a:outerShdw>
+          </a:effectLst>
+        </a:effectStyle>
+        <a:effectStyle>
+          <a:effectLst>
+            <a:outerShdw blurRad="40000" dist="23000" dir="5400000" rotWithShape="0">
+              <a:srgbClr val="000000">
+                <a:alpha val="35000"/>
+              </a:srgbClr>
+            </a:outerShdw>
+          </a:effectLst>
+          <a:scene3d>
+            <a:camera prst="orthographicFront">
+              <a:rot lat="0" lon="0" rev="0"/>
+            </a:camera>
+            <a:lightRig rig="threePt" dir="t">
+              <a:rot lat="0" lon="0" rev="1200000"/>
+            </a:lightRig>
+          </a:scene3d>
+          <a:sp3d>
+            <a:bevelT w="63500" h="25400"/>
+          </a:sp3d>
+        </a:effectStyle>
+      </a:effectStyleLst>
+      <a:bgFillStyleLst>
+        <a:solidFill>
+          <a:schemeClr val="phClr"/>
+        </a:solidFill>
+        <a:gradFill rotWithShape="1">
+          <a:gsLst>
+            <a:gs pos="0">
+              <a:schemeClr val="phClr">
+                <a:tint val="40000"/>
+                <a:satMod val="350000"/>
+              </a:schemeClr>
+            </a:gs>
+            <a:gs pos="40000">
+              <a:schemeClr val="phClr">
+                <a:tint val="45000"/>
+                <a:shade val="99000"/>
+                <a:satMod val="350000"/>
+              </a:schemeClr>
+            </a:gs>
+            <a:gs pos="100000">
+              <a:schemeClr val="phClr">
+                <a:shade val="20000"/>
+                <a:satMod val="255000"/>
+              </a:schemeClr>
+            </a:gs>
+          </a:gsLst>
+          <a:path path="circle">
+            <a:fillToRect l="50000" t="-80000" r="50000" b="180000"/>
+          </a:path>
+        </a:gradFill>
+        <a:gradFill rotWithShape="1">
+          <a:gsLst>
+            <a:gs pos="0">
+              <a:schemeClr val="phClr">
+                <a:tint val="80000"/>
+                <a:satMod val="300000"/>
+              </a:schemeClr>
+            </a:gs>
+            <a:gs pos="100000">
+              <a:schemeClr val="phClr">
+                <a:shade val="30000"/>
+                <a:satMod val="200000"/>
+              </a:schemeClr>
+            </a:gs>
+          </a:gsLst>
+          <a:path path="circle">
+            <a:fillToRect l="50000" t="50000" r="50000" b="50000"/>
+          </a:path>
+        </a:gradFill>
+      </a:bgFillStyleLst>
+    </a:fmtScheme>
+  </a:themeElements>
+</a:theme>
+</file>
+
+<file path=ppt/theme/theme2.xml><?xml version="1.0" encoding="utf-8"?>
 <a:theme xmlns:a="http://schemas.openxmlformats.org/drawingml/2006/main" xmlns:r="http://schemas.openxmlformats.org/officeDocument/2006/relationships" name="Geometric">
   <a:themeElements>
     <a:clrScheme name="Geometric">
@@ -21657,283 +26556,4 @@
     </a:fmtScheme>
   </a:themeElements>
 </a:theme>
-</file>
-
-<file path=ppt/theme/theme2.xml><?xml version="1.0" encoding="utf-8"?>
-<a:theme xmlns:a="http://schemas.openxmlformats.org/drawingml/2006/main" xmlns:r="http://schemas.openxmlformats.org/officeDocument/2006/relationships">
-  <a:themeElements>
-    <a:clrScheme name="Default">
-      <a:dk1>
-        <a:srgbClr val="000000"/>
-      </a:dk1>
-      <a:lt1>
-        <a:srgbClr val="FFFFFF"/>
-      </a:lt1>
-      <a:dk2>
-        <a:srgbClr val="158158"/>
-      </a:dk2>
-      <a:lt2>
-        <a:srgbClr val="F3F3F3"/>
-      </a:lt2>
-      <a:accent1>
-        <a:srgbClr val="058DC7"/>
-      </a:accent1>
-      <a:accent2>
-        <a:srgbClr val="50B432"/>
-      </a:accent2>
-      <a:accent3>
-        <a:srgbClr val="ED561B"/>
-      </a:accent3>
-      <a:accent4>
-        <a:srgbClr val="EDEF00"/>
-      </a:accent4>
-      <a:accent5>
-        <a:srgbClr val="24CBE5"/>
-      </a:accent5>
-      <a:accent6>
-        <a:srgbClr val="64E572"/>
-      </a:accent6>
-      <a:hlink>
-        <a:srgbClr val="2200CC"/>
-      </a:hlink>
-      <a:folHlink>
-        <a:srgbClr val="551A8B"/>
-      </a:folHlink>
-    </a:clrScheme>
-    <a:fontScheme name="Office">
-      <a:majorFont>
-        <a:latin typeface="Arial"/>
-        <a:ea typeface=""/>
-        <a:cs typeface=""/>
-        <a:font script="Jpan" typeface="ＭＳ Ｐゴシック"/>
-        <a:font script="Hang" typeface="맑은 고딕"/>
-        <a:font script="Hans" typeface="宋体"/>
-        <a:font script="Hant" typeface="新細明體"/>
-        <a:font script="Arab" typeface="Times New Roman"/>
-        <a:font script="Hebr" typeface="Times New Roman"/>
-        <a:font script="Thai" typeface="Angsana New"/>
-        <a:font script="Ethi" typeface="Nyala"/>
-        <a:font script="Beng" typeface="Vrinda"/>
-        <a:font script="Gujr" typeface="Shruti"/>
-        <a:font script="Khmr" typeface="MoolBoran"/>
-        <a:font script="Knda" typeface="Tunga"/>
-        <a:font script="Guru" typeface="Raavi"/>
-        <a:font script="Cans" typeface="Euphemia"/>
-        <a:font script="Cher" typeface="Plantagenet Cherokee"/>
-        <a:font script="Yiii" typeface="Microsoft Yi Baiti"/>
-        <a:font script="Tibt" typeface="Microsoft Himalaya"/>
-        <a:font script="Thaa" typeface="MV Boli"/>
-        <a:font script="Deva" typeface="Mangal"/>
-        <a:font script="Telu" typeface="Gautami"/>
-        <a:font script="Taml" typeface="Latha"/>
-        <a:font script="Syrc" typeface="Estrangelo Edessa"/>
-        <a:font script="Orya" typeface="Kalinga"/>
-        <a:font script="Mlym" typeface="Kartika"/>
-        <a:font script="Laoo" typeface="DokChampa"/>
-        <a:font script="Sinh" typeface="Iskoola Pota"/>
-        <a:font script="Mong" typeface="Mongolian Baiti"/>
-        <a:font script="Viet" typeface="Times New Roman"/>
-        <a:font script="Uigh" typeface="Microsoft Uighur"/>
-        <a:font script="Geor" typeface="Sylfaen"/>
-      </a:majorFont>
-      <a:minorFont>
-        <a:latin typeface="Arial"/>
-        <a:ea typeface=""/>
-        <a:cs typeface=""/>
-        <a:font script="Jpan" typeface="ＭＳ Ｐゴシック"/>
-        <a:font script="Hang" typeface="맑은 고딕"/>
-        <a:font script="Hans" typeface="宋体"/>
-        <a:font script="Hant" typeface="新細明體"/>
-        <a:font script="Arab" typeface="Arial"/>
-        <a:font script="Hebr" typeface="Arial"/>
-        <a:font script="Thai" typeface="Cordia New"/>
-        <a:font script="Ethi" typeface="Nyala"/>
-        <a:font script="Beng" typeface="Vrinda"/>
-        <a:font script="Gujr" typeface="Shruti"/>
-        <a:font script="Khmr" typeface="DaunPenh"/>
-        <a:font script="Knda" typeface="Tunga"/>
-        <a:font script="Guru" typeface="Raavi"/>
-        <a:font script="Cans" typeface="Euphemia"/>
-        <a:font script="Cher" typeface="Plantagenet Cherokee"/>
-        <a:font script="Yiii" typeface="Microsoft Yi Baiti"/>
-        <a:font script="Tibt" typeface="Microsoft Himalaya"/>
-        <a:font script="Thaa" typeface="MV Boli"/>
-        <a:font script="Deva" typeface="Mangal"/>
-        <a:font script="Telu" typeface="Gautami"/>
-        <a:font script="Taml" typeface="Latha"/>
-        <a:font script="Syrc" typeface="Estrangelo Edessa"/>
-        <a:font script="Orya" typeface="Kalinga"/>
-        <a:font script="Mlym" typeface="Kartika"/>
-        <a:font script="Laoo" typeface="DokChampa"/>
-        <a:font script="Sinh" typeface="Iskoola Pota"/>
-        <a:font script="Mong" typeface="Mongolian Baiti"/>
-        <a:font script="Viet" typeface="Arial"/>
-        <a:font script="Uigh" typeface="Microsoft Uighur"/>
-        <a:font script="Geor" typeface="Sylfaen"/>
-      </a:minorFont>
-    </a:fontScheme>
-    <a:fmtScheme name="Office">
-      <a:fillStyleLst>
-        <a:solidFill>
-          <a:schemeClr val="phClr"/>
-        </a:solidFill>
-        <a:gradFill rotWithShape="1">
-          <a:gsLst>
-            <a:gs pos="0">
-              <a:schemeClr val="phClr">
-                <a:tint val="50000"/>
-                <a:satMod val="300000"/>
-              </a:schemeClr>
-            </a:gs>
-            <a:gs pos="35000">
-              <a:schemeClr val="phClr">
-                <a:tint val="37000"/>
-                <a:satMod val="300000"/>
-              </a:schemeClr>
-            </a:gs>
-            <a:gs pos="100000">
-              <a:schemeClr val="phClr">
-                <a:tint val="15000"/>
-                <a:satMod val="350000"/>
-              </a:schemeClr>
-            </a:gs>
-          </a:gsLst>
-          <a:lin ang="16200000" scaled="1"/>
-        </a:gradFill>
-        <a:gradFill rotWithShape="1">
-          <a:gsLst>
-            <a:gs pos="0">
-              <a:schemeClr val="phClr">
-                <a:tint val="100000"/>
-                <a:shade val="100000"/>
-                <a:satMod val="130000"/>
-              </a:schemeClr>
-            </a:gs>
-            <a:gs pos="100000">
-              <a:schemeClr val="phClr">
-                <a:tint val="50000"/>
-                <a:shade val="100000"/>
-                <a:satMod val="350000"/>
-              </a:schemeClr>
-            </a:gs>
-          </a:gsLst>
-          <a:lin ang="16200000" scaled="0"/>
-        </a:gradFill>
-      </a:fillStyleLst>
-      <a:lnStyleLst>
-        <a:ln w="9525" cap="flat" cmpd="sng" algn="ctr">
-          <a:solidFill>
-            <a:schemeClr val="phClr">
-              <a:shade val="95000"/>
-              <a:satMod val="105000"/>
-            </a:schemeClr>
-          </a:solidFill>
-          <a:prstDash val="solid"/>
-        </a:ln>
-        <a:ln w="25400" cap="flat" cmpd="sng" algn="ctr">
-          <a:solidFill>
-            <a:schemeClr val="phClr"/>
-          </a:solidFill>
-          <a:prstDash val="solid"/>
-        </a:ln>
-        <a:ln w="38100" cap="flat" cmpd="sng" algn="ctr">
-          <a:solidFill>
-            <a:schemeClr val="phClr"/>
-          </a:solidFill>
-          <a:prstDash val="solid"/>
-        </a:ln>
-      </a:lnStyleLst>
-      <a:effectStyleLst>
-        <a:effectStyle>
-          <a:effectLst>
-            <a:outerShdw blurRad="40000" dist="20000" dir="5400000" rotWithShape="0">
-              <a:srgbClr val="000000">
-                <a:alpha val="38000"/>
-              </a:srgbClr>
-            </a:outerShdw>
-          </a:effectLst>
-        </a:effectStyle>
-        <a:effectStyle>
-          <a:effectLst>
-            <a:outerShdw blurRad="40000" dist="23000" dir="5400000" rotWithShape="0">
-              <a:srgbClr val="000000">
-                <a:alpha val="35000"/>
-              </a:srgbClr>
-            </a:outerShdw>
-          </a:effectLst>
-        </a:effectStyle>
-        <a:effectStyle>
-          <a:effectLst>
-            <a:outerShdw blurRad="40000" dist="23000" dir="5400000" rotWithShape="0">
-              <a:srgbClr val="000000">
-                <a:alpha val="35000"/>
-              </a:srgbClr>
-            </a:outerShdw>
-          </a:effectLst>
-          <a:scene3d>
-            <a:camera prst="orthographicFront">
-              <a:rot lat="0" lon="0" rev="0"/>
-            </a:camera>
-            <a:lightRig rig="threePt" dir="t">
-              <a:rot lat="0" lon="0" rev="1200000"/>
-            </a:lightRig>
-          </a:scene3d>
-          <a:sp3d>
-            <a:bevelT w="63500" h="25400"/>
-          </a:sp3d>
-        </a:effectStyle>
-      </a:effectStyleLst>
-      <a:bgFillStyleLst>
-        <a:solidFill>
-          <a:schemeClr val="phClr"/>
-        </a:solidFill>
-        <a:gradFill rotWithShape="1">
-          <a:gsLst>
-            <a:gs pos="0">
-              <a:schemeClr val="phClr">
-                <a:tint val="40000"/>
-                <a:satMod val="350000"/>
-              </a:schemeClr>
-            </a:gs>
-            <a:gs pos="40000">
-              <a:schemeClr val="phClr">
-                <a:tint val="45000"/>
-                <a:shade val="99000"/>
-                <a:satMod val="350000"/>
-              </a:schemeClr>
-            </a:gs>
-            <a:gs pos="100000">
-              <a:schemeClr val="phClr">
-                <a:shade val="20000"/>
-                <a:satMod val="255000"/>
-              </a:schemeClr>
-            </a:gs>
-          </a:gsLst>
-          <a:path path="circle">
-            <a:fillToRect l="50000" t="-80000" r="50000" b="180000"/>
-          </a:path>
-        </a:gradFill>
-        <a:gradFill rotWithShape="1">
-          <a:gsLst>
-            <a:gs pos="0">
-              <a:schemeClr val="phClr">
-                <a:tint val="80000"/>
-                <a:satMod val="300000"/>
-              </a:schemeClr>
-            </a:gs>
-            <a:gs pos="100000">
-              <a:schemeClr val="phClr">
-                <a:shade val="30000"/>
-                <a:satMod val="200000"/>
-              </a:schemeClr>
-            </a:gs>
-          </a:gsLst>
-          <a:path path="circle">
-            <a:fillToRect l="50000" t="50000" r="50000" b="50000"/>
-          </a:path>
-        </a:gradFill>
-      </a:bgFillStyleLst>
-    </a:fmtScheme>
-  </a:themeElements>
-</a:theme>
 </file>
--- a/COVID-19 Analysis.pptx
+++ b/COVID-19 Analysis.pptx
@@ -16483,7 +16483,7 @@
             <a:tbl>
               <a:tblPr>
                 <a:noFill/>
-                <a:tableStyleId>{E4B05FF4-DB76-4E9E-A66D-D70BEC93154D}</a:tableStyleId>
+                <a:tableStyleId>{18239D4A-6974-4C41-B652-EB631DFEC0B3}</a:tableStyleId>
               </a:tblPr>
               <a:tblGrid>
                 <a:gridCol w="1559975"/>
@@ -17900,7 +17900,7 @@
         <p:spPr>
           <a:xfrm>
             <a:off x="1938475" y="4774200"/>
-            <a:ext cx="4241400" cy="369300"/>
+            <a:ext cx="5075400" cy="369300"/>
           </a:xfrm>
           <a:prstGeom prst="rect">
             <a:avLst/>
@@ -17932,7 +17932,7 @@
                 <a:cs typeface="Roboto"/>
                 <a:sym typeface="Roboto"/>
               </a:rPr>
-              <a:t>Random Forest Regression (16 Features) Whole Scaled</a:t>
+              <a:t>Random Forest Regression (16 Features) Residuals Whole Scaled</a:t>
             </a:r>
             <a:endParaRPr i="1" sz="1200">
               <a:latin typeface="Roboto"/>
@@ -17959,8 +17959,8 @@
         </p:blipFill>
         <p:spPr>
           <a:xfrm>
-            <a:off x="1277100" y="0"/>
-            <a:ext cx="6246855" cy="4788900"/>
+            <a:off x="1391251" y="208400"/>
+            <a:ext cx="5711075" cy="4404576"/>
           </a:xfrm>
           <a:prstGeom prst="rect">
             <a:avLst/>
@@ -26001,6 +26001,285 @@
 </file>
 
 <file path=ppt/theme/theme1.xml><?xml version="1.0" encoding="utf-8"?>
+<a:theme xmlns:a="http://schemas.openxmlformats.org/drawingml/2006/main" xmlns:r="http://schemas.openxmlformats.org/officeDocument/2006/relationships" name="Geometric">
+  <a:themeElements>
+    <a:clrScheme name="Geometric">
+      <a:dk1>
+        <a:srgbClr val="2A3990"/>
+      </a:dk1>
+      <a:lt1>
+        <a:srgbClr val="FFFFFF"/>
+      </a:lt1>
+      <a:dk2>
+        <a:srgbClr val="434343"/>
+      </a:dk2>
+      <a:lt2>
+        <a:srgbClr val="999999"/>
+      </a:lt2>
+      <a:accent1>
+        <a:srgbClr val="212D74"/>
+      </a:accent1>
+      <a:accent2>
+        <a:srgbClr val="3949AB"/>
+      </a:accent2>
+      <a:accent3>
+        <a:srgbClr val="9C254D"/>
+      </a:accent3>
+      <a:accent4>
+        <a:srgbClr val="D23369"/>
+      </a:accent4>
+      <a:accent5>
+        <a:srgbClr val="F06292"/>
+      </a:accent5>
+      <a:accent6>
+        <a:srgbClr val="7890CD"/>
+      </a:accent6>
+      <a:hlink>
+        <a:srgbClr val="F06292"/>
+      </a:hlink>
+      <a:folHlink>
+        <a:srgbClr val="F06292"/>
+      </a:folHlink>
+    </a:clrScheme>
+    <a:fontScheme name="Office">
+      <a:majorFont>
+        <a:latin typeface="Arial"/>
+        <a:ea typeface=""/>
+        <a:cs typeface=""/>
+        <a:font script="Jpan" typeface="ＭＳ Ｐゴシック"/>
+        <a:font script="Hang" typeface="맑은 고딕"/>
+        <a:font script="Hans" typeface="宋体"/>
+        <a:font script="Hant" typeface="新細明體"/>
+        <a:font script="Arab" typeface="Times New Roman"/>
+        <a:font script="Hebr" typeface="Times New Roman"/>
+        <a:font script="Thai" typeface="Angsana New"/>
+        <a:font script="Ethi" typeface="Nyala"/>
+        <a:font script="Beng" typeface="Vrinda"/>
+        <a:font script="Gujr" typeface="Shruti"/>
+        <a:font script="Khmr" typeface="MoolBoran"/>
+        <a:font script="Knda" typeface="Tunga"/>
+        <a:font script="Guru" typeface="Raavi"/>
+        <a:font script="Cans" typeface="Euphemia"/>
+        <a:font script="Cher" typeface="Plantagenet Cherokee"/>
+        <a:font script="Yiii" typeface="Microsoft Yi Baiti"/>
+        <a:font script="Tibt" typeface="Microsoft Himalaya"/>
+        <a:font script="Thaa" typeface="MV Boli"/>
+        <a:font script="Deva" typeface="Mangal"/>
+        <a:font script="Telu" typeface="Gautami"/>
+        <a:font script="Taml" typeface="Latha"/>
+        <a:font script="Syrc" typeface="Estrangelo Edessa"/>
+        <a:font script="Orya" typeface="Kalinga"/>
+        <a:font script="Mlym" typeface="Kartika"/>
+        <a:font script="Laoo" typeface="DokChampa"/>
+        <a:font script="Sinh" typeface="Iskoola Pota"/>
+        <a:font script="Mong" typeface="Mongolian Baiti"/>
+        <a:font script="Viet" typeface="Times New Roman"/>
+        <a:font script="Uigh" typeface="Microsoft Uighur"/>
+        <a:font script="Geor" typeface="Sylfaen"/>
+      </a:majorFont>
+      <a:minorFont>
+        <a:latin typeface="Arial"/>
+        <a:ea typeface=""/>
+        <a:cs typeface=""/>
+        <a:font script="Jpan" typeface="ＭＳ Ｐゴシック"/>
+        <a:font script="Hang" typeface="맑은 고딕"/>
+        <a:font script="Hans" typeface="宋体"/>
+        <a:font script="Hant" typeface="新細明體"/>
+        <a:font script="Arab" typeface="Arial"/>
+        <a:font script="Hebr" typeface="Arial"/>
+        <a:font script="Thai" typeface="Cordia New"/>
+        <a:font script="Ethi" typeface="Nyala"/>
+        <a:font script="Beng" typeface="Vrinda"/>
+        <a:font script="Gujr" typeface="Shruti"/>
+        <a:font script="Khmr" typeface="DaunPenh"/>
+        <a:font script="Knda" typeface="Tunga"/>
+        <a:font script="Guru" typeface="Raavi"/>
+        <a:font script="Cans" typeface="Euphemia"/>
+        <a:font script="Cher" typeface="Plantagenet Cherokee"/>
+        <a:font script="Yiii" typeface="Microsoft Yi Baiti"/>
+        <a:font script="Tibt" typeface="Microsoft Himalaya"/>
+        <a:font script="Thaa" typeface="MV Boli"/>
+        <a:font script="Deva" typeface="Mangal"/>
+        <a:font script="Telu" typeface="Gautami"/>
+        <a:font script="Taml" typeface="Latha"/>
+        <a:font script="Syrc" typeface="Estrangelo Edessa"/>
+        <a:font script="Orya" typeface="Kalinga"/>
+        <a:font script="Mlym" typeface="Kartika"/>
+        <a:font script="Laoo" typeface="DokChampa"/>
+        <a:font script="Sinh" typeface="Iskoola Pota"/>
+        <a:font script="Mong" typeface="Mongolian Baiti"/>
+        <a:font script="Viet" typeface="Arial"/>
+        <a:font script="Uigh" typeface="Microsoft Uighur"/>
+        <a:font script="Geor" typeface="Sylfaen"/>
+      </a:minorFont>
+    </a:fontScheme>
+    <a:fmtScheme name="Office">
+      <a:fillStyleLst>
+        <a:solidFill>
+          <a:schemeClr val="phClr"/>
+        </a:solidFill>
+        <a:gradFill rotWithShape="1">
+          <a:gsLst>
+            <a:gs pos="0">
+              <a:schemeClr val="phClr">
+                <a:tint val="50000"/>
+                <a:satMod val="300000"/>
+              </a:schemeClr>
+            </a:gs>
+            <a:gs pos="35000">
+              <a:schemeClr val="phClr">
+                <a:tint val="37000"/>
+                <a:satMod val="300000"/>
+              </a:schemeClr>
+            </a:gs>
+            <a:gs pos="100000">
+              <a:schemeClr val="phClr">
+                <a:tint val="15000"/>
+                <a:satMod val="350000"/>
+              </a:schemeClr>
+            </a:gs>
+          </a:gsLst>
+          <a:lin ang="16200000" scaled="1"/>
+        </a:gradFill>
+        <a:gradFill rotWithShape="1">
+          <a:gsLst>
+            <a:gs pos="0">
+              <a:schemeClr val="phClr">
+                <a:tint val="100000"/>
+                <a:shade val="100000"/>
+                <a:satMod val="130000"/>
+              </a:schemeClr>
+            </a:gs>
+            <a:gs pos="100000">
+              <a:schemeClr val="phClr">
+                <a:tint val="50000"/>
+                <a:shade val="100000"/>
+                <a:satMod val="350000"/>
+              </a:schemeClr>
+            </a:gs>
+          </a:gsLst>
+          <a:lin ang="16200000" scaled="0"/>
+        </a:gradFill>
+      </a:fillStyleLst>
+      <a:lnStyleLst>
+        <a:ln w="9525" cap="flat" cmpd="sng" algn="ctr">
+          <a:solidFill>
+            <a:schemeClr val="phClr">
+              <a:shade val="95000"/>
+              <a:satMod val="105000"/>
+            </a:schemeClr>
+          </a:solidFill>
+          <a:prstDash val="solid"/>
+        </a:ln>
+        <a:ln w="25400" cap="flat" cmpd="sng" algn="ctr">
+          <a:solidFill>
+            <a:schemeClr val="phClr"/>
+          </a:solidFill>
+          <a:prstDash val="solid"/>
+        </a:ln>
+        <a:ln w="38100" cap="flat" cmpd="sng" algn="ctr">
+          <a:solidFill>
+            <a:schemeClr val="phClr"/>
+          </a:solidFill>
+          <a:prstDash val="solid"/>
+        </a:ln>
+      </a:lnStyleLst>
+      <a:effectStyleLst>
+        <a:effectStyle>
+          <a:effectLst>
+            <a:outerShdw blurRad="40000" dist="20000" dir="5400000" rotWithShape="0">
+              <a:srgbClr val="000000">
+                <a:alpha val="38000"/>
+              </a:srgbClr>
+            </a:outerShdw>
+          </a:effectLst>
+        </a:effectStyle>
+        <a:effectStyle>
+          <a:effectLst>
+            <a:outerShdw blurRad="40000" dist="23000" dir="5400000" rotWithShape="0">
+              <a:srgbClr val="000000">
+                <a:alpha val="35000"/>
+              </a:srgbClr>
+            </a:outerShdw>
+          </a:effectLst>
+        </a:effectStyle>
+        <a:effectStyle>
+          <a:effectLst>
+            <a:outerShdw blurRad="40000" dist="23000" dir="5400000" rotWithShape="0">
+              <a:srgbClr val="000000">
+                <a:alpha val="35000"/>
+              </a:srgbClr>
+            </a:outerShdw>
+          </a:effectLst>
+          <a:scene3d>
+            <a:camera prst="orthographicFront">
+              <a:rot lat="0" lon="0" rev="0"/>
+            </a:camera>
+            <a:lightRig rig="threePt" dir="t">
+              <a:rot lat="0" lon="0" rev="1200000"/>
+            </a:lightRig>
+          </a:scene3d>
+          <a:sp3d>
+            <a:bevelT w="63500" h="25400"/>
+          </a:sp3d>
+        </a:effectStyle>
+      </a:effectStyleLst>
+      <a:bgFillStyleLst>
+        <a:solidFill>
+          <a:schemeClr val="phClr"/>
+        </a:solidFill>
+        <a:gradFill rotWithShape="1">
+          <a:gsLst>
+            <a:gs pos="0">
+              <a:schemeClr val="phClr">
+                <a:tint val="40000"/>
+                <a:satMod val="350000"/>
+              </a:schemeClr>
+            </a:gs>
+            <a:gs pos="40000">
+              <a:schemeClr val="phClr">
+                <a:tint val="45000"/>
+                <a:shade val="99000"/>
+                <a:satMod val="350000"/>
+              </a:schemeClr>
+            </a:gs>
+            <a:gs pos="100000">
+              <a:schemeClr val="phClr">
+                <a:shade val="20000"/>
+                <a:satMod val="255000"/>
+              </a:schemeClr>
+            </a:gs>
+          </a:gsLst>
+          <a:path path="circle">
+            <a:fillToRect l="50000" t="-80000" r="50000" b="180000"/>
+          </a:path>
+        </a:gradFill>
+        <a:gradFill rotWithShape="1">
+          <a:gsLst>
+            <a:gs pos="0">
+              <a:schemeClr val="phClr">
+                <a:tint val="80000"/>
+                <a:satMod val="300000"/>
+              </a:schemeClr>
+            </a:gs>
+            <a:gs pos="100000">
+              <a:schemeClr val="phClr">
+                <a:shade val="30000"/>
+                <a:satMod val="200000"/>
+              </a:schemeClr>
+            </a:gs>
+          </a:gsLst>
+          <a:path path="circle">
+            <a:fillToRect l="50000" t="50000" r="50000" b="50000"/>
+          </a:path>
+        </a:gradFill>
+      </a:bgFillStyleLst>
+    </a:fmtScheme>
+  </a:themeElements>
+</a:theme>
+</file>
+
+<file path=ppt/theme/theme2.xml><?xml version="1.0" encoding="utf-8"?>
 <a:theme xmlns:a="http://schemas.openxmlformats.org/drawingml/2006/main" xmlns:r="http://schemas.openxmlformats.org/officeDocument/2006/relationships">
   <a:themeElements>
     <a:clrScheme name="Default">
@@ -26277,283 +26556,4 @@
     </a:fmtScheme>
   </a:themeElements>
 </a:theme>
-</file>
-
-<file path=ppt/theme/theme2.xml><?xml version="1.0" encoding="utf-8"?>
-<a:theme xmlns:a="http://schemas.openxmlformats.org/drawingml/2006/main" xmlns:r="http://schemas.openxmlformats.org/officeDocument/2006/relationships" name="Geometric">
-  <a:themeElements>
-    <a:clrScheme name="Geometric">
-      <a:dk1>
-        <a:srgbClr val="2A3990"/>
-      </a:dk1>
-      <a:lt1>
-        <a:srgbClr val="FFFFFF"/>
-      </a:lt1>
-      <a:dk2>
-        <a:srgbClr val="434343"/>
-      </a:dk2>
-      <a:lt2>
-        <a:srgbClr val="999999"/>
-      </a:lt2>
-      <a:accent1>
-        <a:srgbClr val="212D74"/>
-      </a:accent1>
-      <a:accent2>
-        <a:srgbClr val="3949AB"/>
-      </a:accent2>
-      <a:accent3>
-        <a:srgbClr val="9C254D"/>
-      </a:accent3>
-      <a:accent4>
-        <a:srgbClr val="D23369"/>
-      </a:accent4>
-      <a:accent5>
-        <a:srgbClr val="F06292"/>
-      </a:accent5>
-      <a:accent6>
-        <a:srgbClr val="7890CD"/>
-      </a:accent6>
-      <a:hlink>
-        <a:srgbClr val="F06292"/>
-      </a:hlink>
-      <a:folHlink>
-        <a:srgbClr val="F06292"/>
-      </a:folHlink>
-    </a:clrScheme>
-    <a:fontScheme name="Office">
-      <a:majorFont>
-        <a:latin typeface="Arial"/>
-        <a:ea typeface=""/>
-        <a:cs typeface=""/>
-        <a:font script="Jpan" typeface="ＭＳ Ｐゴシック"/>
-        <a:font script="Hang" typeface="맑은 고딕"/>
-        <a:font script="Hans" typeface="宋体"/>
-        <a:font script="Hant" typeface="新細明體"/>
-        <a:font script="Arab" typeface="Times New Roman"/>
-        <a:font script="Hebr" typeface="Times New Roman"/>
-        <a:font script="Thai" typeface="Angsana New"/>
-        <a:font script="Ethi" typeface="Nyala"/>
-        <a:font script="Beng" typeface="Vrinda"/>
-        <a:font script="Gujr" typeface="Shruti"/>
-        <a:font script="Khmr" typeface="MoolBoran"/>
-        <a:font script="Knda" typeface="Tunga"/>
-        <a:font script="Guru" typeface="Raavi"/>
-        <a:font script="Cans" typeface="Euphemia"/>
-        <a:font script="Cher" typeface="Plantagenet Cherokee"/>
-        <a:font script="Yiii" typeface="Microsoft Yi Baiti"/>
-        <a:font script="Tibt" typeface="Microsoft Himalaya"/>
-        <a:font script="Thaa" typeface="MV Boli"/>
-        <a:font script="Deva" typeface="Mangal"/>
-        <a:font script="Telu" typeface="Gautami"/>
-        <a:font script="Taml" typeface="Latha"/>
-        <a:font script="Syrc" typeface="Estrangelo Edessa"/>
-        <a:font script="Orya" typeface="Kalinga"/>
-        <a:font script="Mlym" typeface="Kartika"/>
-        <a:font script="Laoo" typeface="DokChampa"/>
-        <a:font script="Sinh" typeface="Iskoola Pota"/>
-        <a:font script="Mong" typeface="Mongolian Baiti"/>
-        <a:font script="Viet" typeface="Times New Roman"/>
-        <a:font script="Uigh" typeface="Microsoft Uighur"/>
-        <a:font script="Geor" typeface="Sylfaen"/>
-      </a:majorFont>
-      <a:minorFont>
-        <a:latin typeface="Arial"/>
-        <a:ea typeface=""/>
-        <a:cs typeface=""/>
-        <a:font script="Jpan" typeface="ＭＳ Ｐゴシック"/>
-        <a:font script="Hang" typeface="맑은 고딕"/>
-        <a:font script="Hans" typeface="宋体"/>
-        <a:font script="Hant" typeface="新細明體"/>
-        <a:font script="Arab" typeface="Arial"/>
-        <a:font script="Hebr" typeface="Arial"/>
-        <a:font script="Thai" typeface="Cordia New"/>
-        <a:font script="Ethi" typeface="Nyala"/>
-        <a:font script="Beng" typeface="Vrinda"/>
-        <a:font script="Gujr" typeface="Shruti"/>
-        <a:font script="Khmr" typeface="DaunPenh"/>
-        <a:font script="Knda" typeface="Tunga"/>
-        <a:font script="Guru" typeface="Raavi"/>
-        <a:font script="Cans" typeface="Euphemia"/>
-        <a:font script="Cher" typeface="Plantagenet Cherokee"/>
-        <a:font script="Yiii" typeface="Microsoft Yi Baiti"/>
-        <a:font script="Tibt" typeface="Microsoft Himalaya"/>
-        <a:font script="Thaa" typeface="MV Boli"/>
-        <a:font script="Deva" typeface="Mangal"/>
-        <a:font script="Telu" typeface="Gautami"/>
-        <a:font script="Taml" typeface="Latha"/>
-        <a:font script="Syrc" typeface="Estrangelo Edessa"/>
-        <a:font script="Orya" typeface="Kalinga"/>
-        <a:font script="Mlym" typeface="Kartika"/>
-        <a:font script="Laoo" typeface="DokChampa"/>
-        <a:font script="Sinh" typeface="Iskoola Pota"/>
-        <a:font script="Mong" typeface="Mongolian Baiti"/>
-        <a:font script="Viet" typeface="Arial"/>
-        <a:font script="Uigh" typeface="Microsoft Uighur"/>
-        <a:font script="Geor" typeface="Sylfaen"/>
-      </a:minorFont>
-    </a:fontScheme>
-    <a:fmtScheme name="Office">
-      <a:fillStyleLst>
-        <a:solidFill>
-          <a:schemeClr val="phClr"/>
-        </a:solidFill>
-        <a:gradFill rotWithShape="1">
-          <a:gsLst>
-            <a:gs pos="0">
-              <a:schemeClr val="phClr">
-                <a:tint val="50000"/>
-                <a:satMod val="300000"/>
-              </a:schemeClr>
-            </a:gs>
-            <a:gs pos="35000">
-              <a:schemeClr val="phClr">
-                <a:tint val="37000"/>
-                <a:satMod val="300000"/>
-              </a:schemeClr>
-            </a:gs>
-            <a:gs pos="100000">
-              <a:schemeClr val="phClr">
-                <a:tint val="15000"/>
-                <a:satMod val="350000"/>
-              </a:schemeClr>
-            </a:gs>
-          </a:gsLst>
-          <a:lin ang="16200000" scaled="1"/>
-        </a:gradFill>
-        <a:gradFill rotWithShape="1">
-          <a:gsLst>
-            <a:gs pos="0">
-              <a:schemeClr val="phClr">
-                <a:tint val="100000"/>
-                <a:shade val="100000"/>
-                <a:satMod val="130000"/>
-              </a:schemeClr>
-            </a:gs>
-            <a:gs pos="100000">
-              <a:schemeClr val="phClr">
-                <a:tint val="50000"/>
-                <a:shade val="100000"/>
-                <a:satMod val="350000"/>
-              </a:schemeClr>
-            </a:gs>
-          </a:gsLst>
-          <a:lin ang="16200000" scaled="0"/>
-        </a:gradFill>
-      </a:fillStyleLst>
-      <a:lnStyleLst>
-        <a:ln w="9525" cap="flat" cmpd="sng" algn="ctr">
-          <a:solidFill>
-            <a:schemeClr val="phClr">
-              <a:shade val="95000"/>
-              <a:satMod val="105000"/>
-            </a:schemeClr>
-          </a:solidFill>
-          <a:prstDash val="solid"/>
-        </a:ln>
-        <a:ln w="25400" cap="flat" cmpd="sng" algn="ctr">
-          <a:solidFill>
-            <a:schemeClr val="phClr"/>
-          </a:solidFill>
-          <a:prstDash val="solid"/>
-        </a:ln>
-        <a:ln w="38100" cap="flat" cmpd="sng" algn="ctr">
-          <a:solidFill>
-            <a:schemeClr val="phClr"/>
-          </a:solidFill>
-          <a:prstDash val="solid"/>
-        </a:ln>
-      </a:lnStyleLst>
-      <a:effectStyleLst>
-        <a:effectStyle>
-          <a:effectLst>
-            <a:outerShdw blurRad="40000" dist="20000" dir="5400000" rotWithShape="0">
-              <a:srgbClr val="000000">
-                <a:alpha val="38000"/>
-              </a:srgbClr>
-            </a:outerShdw>
-          </a:effectLst>
-        </a:effectStyle>
-        <a:effectStyle>
-          <a:effectLst>
-            <a:outerShdw blurRad="40000" dist="23000" dir="5400000" rotWithShape="0">
-              <a:srgbClr val="000000">
-                <a:alpha val="35000"/>
-              </a:srgbClr>
-            </a:outerShdw>
-          </a:effectLst>
-        </a:effectStyle>
-        <a:effectStyle>
-          <a:effectLst>
-            <a:outerShdw blurRad="40000" dist="23000" dir="5400000" rotWithShape="0">
-              <a:srgbClr val="000000">
-                <a:alpha val="35000"/>
-              </a:srgbClr>
-            </a:outerShdw>
-          </a:effectLst>
-          <a:scene3d>
-            <a:camera prst="orthographicFront">
-              <a:rot lat="0" lon="0" rev="0"/>
-            </a:camera>
-            <a:lightRig rig="threePt" dir="t">
-              <a:rot lat="0" lon="0" rev="1200000"/>
-            </a:lightRig>
-          </a:scene3d>
-          <a:sp3d>
-            <a:bevelT w="63500" h="25400"/>
-          </a:sp3d>
-        </a:effectStyle>
-      </a:effectStyleLst>
-      <a:bgFillStyleLst>
-        <a:solidFill>
-          <a:schemeClr val="phClr"/>
-        </a:solidFill>
-        <a:gradFill rotWithShape="1">
-          <a:gsLst>
-            <a:gs pos="0">
-              <a:schemeClr val="phClr">
-                <a:tint val="40000"/>
-                <a:satMod val="350000"/>
-              </a:schemeClr>
-            </a:gs>
-            <a:gs pos="40000">
-              <a:schemeClr val="phClr">
-                <a:tint val="45000"/>
-                <a:shade val="99000"/>
-                <a:satMod val="350000"/>
-              </a:schemeClr>
-            </a:gs>
-            <a:gs pos="100000">
-              <a:schemeClr val="phClr">
-                <a:shade val="20000"/>
-                <a:satMod val="255000"/>
-              </a:schemeClr>
-            </a:gs>
-          </a:gsLst>
-          <a:path path="circle">
-            <a:fillToRect l="50000" t="-80000" r="50000" b="180000"/>
-          </a:path>
-        </a:gradFill>
-        <a:gradFill rotWithShape="1">
-          <a:gsLst>
-            <a:gs pos="0">
-              <a:schemeClr val="phClr">
-                <a:tint val="80000"/>
-                <a:satMod val="300000"/>
-              </a:schemeClr>
-            </a:gs>
-            <a:gs pos="100000">
-              <a:schemeClr val="phClr">
-                <a:shade val="30000"/>
-                <a:satMod val="200000"/>
-              </a:schemeClr>
-            </a:gs>
-          </a:gsLst>
-          <a:path path="circle">
-            <a:fillToRect l="50000" t="50000" r="50000" b="50000"/>
-          </a:path>
-        </a:gradFill>
-      </a:bgFillStyleLst>
-    </a:fmtScheme>
-  </a:themeElements>
-</a:theme>
 </file>